--- a/lectures3/Pythonlearn-03-Conditional.pptx
+++ b/lectures3/Pythonlearn-03-Conditional.pptx
@@ -4957,9 +4957,7 @@
             <a:avLst/>
           </a:prstGeom>
           <a:solidFill>
-            <a:schemeClr val="tx1">
-              <a:lumMod val="75000"/>
-            </a:schemeClr>
+            <a:schemeClr val="bg2"/>
           </a:solidFill>
           <a:ln>
             <a:noFill/>
@@ -5109,9 +5107,7 @@
             <a:avLst/>
           </a:prstGeom>
           <a:solidFill>
-            <a:schemeClr val="tx1">
-              <a:lumMod val="75000"/>
-            </a:schemeClr>
+            <a:schemeClr val="bg2"/>
           </a:solidFill>
           <a:ln>
             <a:noFill/>
@@ -32845,15 +32841,6 @@
               </a:rPr>
               <a:t>)</a:t>
             </a:r>
-            <a:endParaRPr lang="en-US" sz="3000" b="1" dirty="0">
-              <a:solidFill>
-                <a:srgbClr val="FF00FF"/>
-              </a:solidFill>
-              <a:latin typeface="Courier New"/>
-              <a:ea typeface="Courier New"/>
-              <a:cs typeface="Courier New"/>
-              <a:sym typeface="Courier New"/>
-            </a:endParaRPr>
           </a:p>
           <a:p>
             <a:pPr marL="0" marR="0" lvl="0" indent="0" algn="l" rtl="0">
@@ -33114,15 +33101,6 @@
               </a:rPr>
               <a:t>)</a:t>
             </a:r>
-            <a:endParaRPr lang="en-US" sz="3000" b="1" dirty="0">
-              <a:solidFill>
-                <a:srgbClr val="FFFF00"/>
-              </a:solidFill>
-              <a:latin typeface="Courier New"/>
-              <a:ea typeface="Courier New"/>
-              <a:cs typeface="Courier New"/>
-              <a:sym typeface="Courier New"/>
-            </a:endParaRPr>
           </a:p>
           <a:p>
             <a:pPr marL="0" marR="0" lvl="0" indent="0" algn="l" rtl="0">
@@ -33656,15 +33634,6 @@
               </a:rPr>
               <a:t>)</a:t>
             </a:r>
-            <a:endParaRPr lang="en-US" sz="3200" b="1" dirty="0">
-              <a:solidFill>
-                <a:srgbClr val="FF9900"/>
-              </a:solidFill>
-              <a:latin typeface="Courier New"/>
-              <a:ea typeface="Courier New"/>
-              <a:cs typeface="Courier New"/>
-              <a:sym typeface="Courier New"/>
-            </a:endParaRPr>
           </a:p>
           <a:p>
             <a:pPr marL="0" marR="0" lvl="0" indent="0" algn="l" rtl="0">
@@ -33764,15 +33733,6 @@
               </a:rPr>
               <a:t>)</a:t>
             </a:r>
-            <a:endParaRPr lang="en-US" sz="3200" b="1" dirty="0">
-              <a:solidFill>
-                <a:srgbClr val="00FFFF"/>
-              </a:solidFill>
-              <a:latin typeface="Courier New"/>
-              <a:ea typeface="Courier New"/>
-              <a:cs typeface="Courier New"/>
-              <a:sym typeface="Courier New"/>
-            </a:endParaRPr>
           </a:p>
           <a:p>
             <a:pPr lvl="0">
@@ -33841,15 +33801,6 @@
               </a:rPr>
               <a:t>)</a:t>
             </a:r>
-            <a:endParaRPr lang="en-US" sz="3200" b="1" dirty="0">
-              <a:solidFill>
-                <a:srgbClr val="00FFFF"/>
-              </a:solidFill>
-              <a:latin typeface="Courier New"/>
-              <a:ea typeface="Courier New"/>
-              <a:cs typeface="Courier New"/>
-              <a:sym typeface="Courier New"/>
-            </a:endParaRPr>
           </a:p>
           <a:p>
             <a:pPr lvl="0">
@@ -33918,15 +33869,6 @@
               </a:rPr>
               <a:t>)</a:t>
             </a:r>
-            <a:endParaRPr lang="en-US" sz="3200" b="1" dirty="0">
-              <a:solidFill>
-                <a:srgbClr val="00FFFF"/>
-              </a:solidFill>
-              <a:latin typeface="Courier New"/>
-              <a:ea typeface="Courier New"/>
-              <a:cs typeface="Courier New"/>
-              <a:sym typeface="Courier New"/>
-            </a:endParaRPr>
           </a:p>
           <a:p>
             <a:pPr lvl="0">

--- a/lectures3/Pythonlearn-03-Conditional.pptx
+++ b/lectures3/Pythonlearn-03-Conditional.pptx
@@ -5832,7 +5832,7 @@
         </p:nvSpPr>
         <p:spPr>
           <a:xfrm>
-            <a:off x="4081449" y="7100135"/>
+            <a:off x="4081449" y="7179647"/>
             <a:ext cx="8032200" cy="1016099"/>
           </a:xfrm>
           <a:prstGeom prst="rect">
@@ -5867,7 +5867,7 @@
               <a:buNone/>
             </a:pPr>
             <a:r>
-              <a:rPr lang="en-US" sz="3200" u="none" strike="noStrike" cap="none" dirty="0">
+              <a:rPr lang="en-US" sz="3200" u="none" strike="noStrike" cap="none" dirty="0" smtClean="0">
                 <a:solidFill>
                   <a:srgbClr val="FFFF00"/>
                 </a:solidFill>
@@ -5876,8 +5876,17 @@
                 <a:cs typeface="Arial" charset="0"/>
                 <a:sym typeface="Cabin"/>
               </a:rPr>
-              <a:t>Python for Informatics: Exploring Information</a:t>
-            </a:r>
+              <a:t>Python for Everybody</a:t>
+            </a:r>
+            <a:endParaRPr lang="en-US" sz="3200" u="none" strike="noStrike" cap="none" dirty="0">
+              <a:solidFill>
+                <a:srgbClr val="FFFF00"/>
+              </a:solidFill>
+              <a:latin typeface="Arial" charset="0"/>
+              <a:ea typeface="Arial" charset="0"/>
+              <a:cs typeface="Arial" charset="0"/>
+              <a:sym typeface="Cabin"/>
+            </a:endParaRPr>
           </a:p>
           <a:p>
             <a:pPr marL="0" marR="0" lvl="0" indent="0" algn="ctr" rtl="0">
@@ -5898,7 +5907,7 @@
               <a:buNone/>
             </a:pPr>
             <a:r>
-              <a:rPr lang="en-US" sz="3200" u="sng" strike="noStrike" cap="none" dirty="0" err="1">
+              <a:rPr lang="en-US" sz="3200" u="sng" strike="noStrike" cap="none" dirty="0" smtClean="0">
                 <a:solidFill>
                   <a:srgbClr val="FFFF00"/>
                 </a:solidFill>
@@ -5911,7 +5920,7 @@
               <a:t>www.</a:t>
             </a:r>
             <a:r>
-              <a:rPr lang="en-US" sz="3200" u="sng" dirty="0" err="1">
+              <a:rPr lang="en-US" sz="3200" u="sng" dirty="0" smtClean="0">
                 <a:solidFill>
                   <a:srgbClr val="FFFF00"/>
                 </a:solidFill>
@@ -5921,10 +5930,10 @@
                 <a:sym typeface="Cabin"/>
                 <a:hlinkClick r:id="rId3"/>
               </a:rPr>
-              <a:t>pythonlearn</a:t>
-            </a:r>
-            <a:r>
-              <a:rPr lang="en-US" sz="3200" u="sng" strike="noStrike" cap="none" dirty="0" err="1">
+              <a:t>py4e</a:t>
+            </a:r>
+            <a:r>
+              <a:rPr lang="en-US" sz="3200" u="sng" strike="noStrike" cap="none" dirty="0" smtClean="0">
                 <a:solidFill>
                   <a:srgbClr val="FFFF00"/>
                 </a:solidFill>
@@ -5964,7 +5973,7 @@
         </p:blipFill>
         <p:spPr>
           <a:xfrm>
-            <a:off x="13800662" y="7404435"/>
+            <a:off x="13800662" y="7483947"/>
             <a:ext cx="1968599" cy="668400"/>
           </a:xfrm>
           <a:prstGeom prst="rect">
@@ -5978,7 +5987,7 @@
       </p:pic>
       <p:pic>
         <p:nvPicPr>
-          <p:cNvPr id="246" name="Shape 246"/>
+          <p:cNvPr id="6" name="Shape 208"/>
           <p:cNvPicPr preferRelativeResize="0"/>
           <p:nvPr/>
         </p:nvPicPr>
@@ -5991,7 +6000,7 @@
         </p:blipFill>
         <p:spPr>
           <a:xfrm>
-            <a:off x="635250" y="7073835"/>
+            <a:off x="643300" y="7305747"/>
             <a:ext cx="1024800" cy="1024800"/>
           </a:xfrm>
           <a:prstGeom prst="rect">
@@ -35895,10 +35904,6 @@
           </p:nvPr>
         </p:nvSpPr>
         <p:spPr>
-          <a:xfrm>
-            <a:off x="1155700" y="2603501"/>
-            <a:ext cx="13932000" cy="4711699"/>
-          </a:xfrm>
           <a:prstGeom prst="rect">
             <a:avLst/>
           </a:prstGeom>
@@ -35913,6 +35918,103 @@
           </a:bodyPr>
           <a:lstStyle/>
           <a:p>
+            <a:pPr marL="749300" lvl="0" indent="-345694">
+              <a:spcBef>
+                <a:spcPts val="0"/>
+              </a:spcBef>
+              <a:buSzPct val="100000"/>
+            </a:pPr>
+            <a:r>
+              <a:rPr lang="en-US" sz="3200" dirty="0">
+                <a:solidFill>
+                  <a:schemeClr val="lt1"/>
+                </a:solidFill>
+                <a:latin typeface="Arial" charset="0"/>
+                <a:ea typeface="Arial" charset="0"/>
+                <a:cs typeface="Arial" charset="0"/>
+                <a:sym typeface="Cabin"/>
+              </a:rPr>
+              <a:t>Atom </a:t>
+            </a:r>
+            <a:r>
+              <a:rPr lang="en-US" sz="3200" dirty="0" smtClean="0">
+                <a:solidFill>
+                  <a:schemeClr val="lt1"/>
+                </a:solidFill>
+                <a:latin typeface="Arial" charset="0"/>
+                <a:ea typeface="Arial" charset="0"/>
+                <a:cs typeface="Arial" charset="0"/>
+                <a:sym typeface="Cabin"/>
+              </a:rPr>
+              <a:t>only used spaces for </a:t>
+            </a:r>
+            <a:r>
+              <a:rPr lang="en-US" sz="3200" dirty="0">
+                <a:solidFill>
+                  <a:schemeClr val="lt1"/>
+                </a:solidFill>
+                <a:latin typeface="Arial" charset="0"/>
+                <a:ea typeface="Arial" charset="0"/>
+                <a:cs typeface="Arial" charset="0"/>
+                <a:sym typeface="Cabin"/>
+              </a:rPr>
+              <a:t>files with ".</a:t>
+            </a:r>
+            <a:r>
+              <a:rPr lang="en-US" sz="3200" dirty="0" err="1">
+                <a:solidFill>
+                  <a:schemeClr val="lt1"/>
+                </a:solidFill>
+                <a:latin typeface="Arial" charset="0"/>
+                <a:ea typeface="Arial" charset="0"/>
+                <a:cs typeface="Arial" charset="0"/>
+                <a:sym typeface="Cabin"/>
+              </a:rPr>
+              <a:t>py</a:t>
+            </a:r>
+            <a:r>
+              <a:rPr lang="en-US" sz="3200" dirty="0">
+                <a:solidFill>
+                  <a:schemeClr val="lt1"/>
+                </a:solidFill>
+                <a:latin typeface="Arial" charset="0"/>
+                <a:ea typeface="Arial" charset="0"/>
+                <a:cs typeface="Arial" charset="0"/>
+                <a:sym typeface="Cabin"/>
+              </a:rPr>
+              <a:t>" </a:t>
+            </a:r>
+            <a:r>
+              <a:rPr lang="en-US" sz="3200" dirty="0" smtClean="0">
+                <a:solidFill>
+                  <a:schemeClr val="lt1"/>
+                </a:solidFill>
+                <a:latin typeface="Arial" charset="0"/>
+                <a:ea typeface="Arial" charset="0"/>
+                <a:cs typeface="Arial" charset="0"/>
+                <a:sym typeface="Cabin"/>
+              </a:rPr>
+              <a:t>extension (nice!)</a:t>
+            </a:r>
+          </a:p>
+          <a:p>
+            <a:pPr marL="749300" lvl="0" indent="-345694">
+              <a:spcBef>
+                <a:spcPts val="0"/>
+              </a:spcBef>
+              <a:buSzPct val="100000"/>
+            </a:pPr>
+            <a:endParaRPr lang="en-US" sz="3200" dirty="0">
+              <a:solidFill>
+                <a:schemeClr val="lt1"/>
+              </a:solidFill>
+              <a:latin typeface="Arial" charset="0"/>
+              <a:ea typeface="Arial" charset="0"/>
+              <a:cs typeface="Arial" charset="0"/>
+              <a:sym typeface="Cabin"/>
+            </a:endParaRPr>
+          </a:p>
+          <a:p>
             <a:pPr marL="749300" marR="0" lvl="0" indent="-345694" algn="l" rtl="0">
               <a:lnSpc>
                 <a:spcPct val="100000"/>
@@ -35931,6 +36033,18 @@
               <a:buChar char="•"/>
             </a:pPr>
             <a:r>
+              <a:rPr lang="en-US" sz="3200" u="none" strike="noStrike" cap="none" dirty="0" smtClean="0">
+                <a:solidFill>
+                  <a:schemeClr val="lt1"/>
+                </a:solidFill>
+                <a:latin typeface="Arial" charset="0"/>
+                <a:ea typeface="Arial" charset="0"/>
+                <a:cs typeface="Arial" charset="0"/>
+                <a:sym typeface="Cabin"/>
+              </a:rPr>
+              <a:t>Most </a:t>
+            </a:r>
+            <a:r>
               <a:rPr lang="en-US" sz="3200" u="none" strike="noStrike" cap="none" dirty="0">
                 <a:solidFill>
                   <a:schemeClr val="lt1"/>
@@ -35940,7 +36054,7 @@
                 <a:cs typeface="Arial" charset="0"/>
                 <a:sym typeface="Cabin"/>
               </a:rPr>
-              <a:t>Most text editors can turn </a:t>
+              <a:t>text editors can turn </a:t>
             </a:r>
             <a:r>
               <a:rPr lang="en-US" sz="3200" u="none" strike="noStrike" cap="none" dirty="0">
@@ -35988,7 +36102,19 @@
                 <a:cs typeface="Arial" charset="0"/>
                 <a:sym typeface="Cabin"/>
               </a:rPr>
-              <a:t> - make sure to enable this feature</a:t>
+              <a:t> - make sure to enable this </a:t>
+            </a:r>
+            <a:r>
+              <a:rPr lang="en-US" sz="3200" u="none" strike="noStrike" cap="none" dirty="0" smtClean="0">
+                <a:solidFill>
+                  <a:schemeClr val="lt1"/>
+                </a:solidFill>
+                <a:latin typeface="Arial" charset="0"/>
+                <a:ea typeface="Arial" charset="0"/>
+                <a:cs typeface="Arial" charset="0"/>
+                <a:sym typeface="Cabin"/>
+              </a:rPr>
+              <a:t>feature</a:t>
             </a:r>
           </a:p>
           <a:p>
@@ -36009,7 +36135,7 @@
               <a:buFont typeface="Cabin"/>
             </a:pPr>
             <a:r>
-              <a:rPr lang="en-US" sz="3200" u="none" strike="noStrike" cap="none" dirty="0" err="1">
+              <a:rPr lang="en-US" sz="3200" u="none" strike="noStrike" cap="none" dirty="0" err="1" smtClean="0">
                 <a:solidFill>
                   <a:schemeClr val="lt1"/>
                 </a:solidFill>
@@ -36021,7 +36147,7 @@
               <a:t>NotePad</a:t>
             </a:r>
             <a:r>
-              <a:rPr lang="en-US" sz="3200" u="none" strike="noStrike" cap="none" dirty="0">
+              <a:rPr lang="en-US" sz="3200" u="none" strike="noStrike" cap="none" dirty="0" smtClean="0">
                 <a:solidFill>
                   <a:schemeClr val="lt1"/>
                 </a:solidFill>
@@ -36033,7 +36159,7 @@
               <a:t>++:  Settings -&gt; Preferences -&gt; Language Menu/</a:t>
             </a:r>
             <a:r>
-              <a:rPr lang="en-US" sz="3200" u="none" strike="noStrike" cap="none" dirty="0">
+              <a:rPr lang="en-US" sz="3200" u="none" strike="noStrike" cap="none" dirty="0" smtClean="0">
                 <a:solidFill>
                   <a:srgbClr val="FF9900"/>
                 </a:solidFill>
@@ -36045,7 +36171,7 @@
               <a:t>Tab</a:t>
             </a:r>
             <a:r>
-              <a:rPr lang="en-US" sz="3200" u="none" strike="noStrike" cap="none" dirty="0">
+              <a:rPr lang="en-US" sz="3200" u="none" strike="noStrike" cap="none" dirty="0" smtClean="0">
                 <a:solidFill>
                   <a:schemeClr val="lt1"/>
                 </a:solidFill>
@@ -36075,7 +36201,7 @@
               <a:buFont typeface="Cabin"/>
             </a:pPr>
             <a:r>
-              <a:rPr lang="en-US" sz="3200" u="none" strike="noStrike" cap="none" dirty="0" err="1">
+              <a:rPr lang="en-US" sz="3200" u="none" strike="noStrike" cap="none" dirty="0" err="1" smtClean="0">
                 <a:solidFill>
                   <a:schemeClr val="lt1"/>
                 </a:solidFill>
@@ -36272,63 +36398,6 @@
                 <a:sym typeface="Cabin"/>
               </a:rPr>
               <a:t> even if everything looks fine</a:t>
-            </a:r>
-          </a:p>
-        </p:txBody>
-      </p:sp>
-      <p:sp>
-        <p:nvSpPr>
-          <p:cNvPr id="329" name="Shape 329"/>
-          <p:cNvSpPr txBox="1"/>
-          <p:nvPr/>
-        </p:nvSpPr>
-        <p:spPr>
-          <a:xfrm>
-            <a:off x="1542317" y="7606913"/>
-            <a:ext cx="13171366" cy="545999"/>
-          </a:xfrm>
-          <a:prstGeom prst="rect">
-            <a:avLst/>
-          </a:prstGeom>
-          <a:noFill/>
-          <a:ln>
-            <a:noFill/>
-          </a:ln>
-        </p:spPr>
-        <p:txBody>
-          <a:bodyPr lIns="0" tIns="0" rIns="0" bIns="0" anchor="ctr" anchorCtr="0">
-            <a:noAutofit/>
-          </a:bodyPr>
-          <a:lstStyle/>
-          <a:p>
-            <a:pPr marL="0" marR="0" lvl="0" indent="0" algn="ctr" rtl="0">
-              <a:lnSpc>
-                <a:spcPct val="100000"/>
-              </a:lnSpc>
-              <a:spcBef>
-                <a:spcPts val="0"/>
-              </a:spcBef>
-              <a:spcAft>
-                <a:spcPts val="0"/>
-              </a:spcAft>
-              <a:buClr>
-                <a:srgbClr val="FFFF00"/>
-              </a:buClr>
-              <a:buSzPct val="25000"/>
-              <a:buFont typeface="Cabin"/>
-              <a:buNone/>
-            </a:pPr>
-            <a:r>
-              <a:rPr lang="en-US" sz="3000" u="none" strike="noStrike" cap="none" dirty="0">
-                <a:solidFill>
-                  <a:srgbClr val="FFFF00"/>
-                </a:solidFill>
-                <a:latin typeface="Arial" charset="0"/>
-                <a:ea typeface="Arial" charset="0"/>
-                <a:cs typeface="Arial" charset="0"/>
-                <a:sym typeface="Cabin"/>
-              </a:rPr>
-              <a:t>Please do this now while you are thinking about it so we can all stay sane...</a:t>
             </a:r>
           </a:p>
         </p:txBody>

--- a/lectures3/Pythonlearn-03-Conditional.pptx
+++ b/lectures3/Pythonlearn-03-Conditional.pptx
@@ -6017,6 +6017,13 @@
   <p:clrMapOvr>
     <a:masterClrMapping/>
   </p:clrMapOvr>
+  <p:timing>
+    <p:tnLst>
+      <p:par>
+        <p:cTn id="1" dur="indefinite" restart="never" nodeType="tmRoot"/>
+      </p:par>
+    </p:tnLst>
+  </p:timing>
 </p:sld>
 </file>
 
@@ -6989,6 +6996,13 @@
   <p:clrMapOvr>
     <a:masterClrMapping/>
   </p:clrMapOvr>
+  <p:timing>
+    <p:tnLst>
+      <p:par>
+        <p:cTn id="1" dur="indefinite" restart="never" nodeType="tmRoot"/>
+      </p:par>
+    </p:tnLst>
+  </p:timing>
 </p:sld>
 </file>
 
@@ -8281,6 +8295,13 @@
   <p:clrMapOvr>
     <a:masterClrMapping/>
   </p:clrMapOvr>
+  <p:timing>
+    <p:tnLst>
+      <p:par>
+        <p:cTn id="1" dur="indefinite" restart="never" nodeType="tmRoot"/>
+      </p:par>
+    </p:tnLst>
+  </p:timing>
 </p:sld>
 </file>
 
@@ -9238,6 +9259,13 @@
   <p:clrMapOvr>
     <a:masterClrMapping/>
   </p:clrMapOvr>
+  <p:timing>
+    <p:tnLst>
+      <p:par>
+        <p:cTn id="1" dur="indefinite" restart="never" nodeType="tmRoot"/>
+      </p:par>
+    </p:tnLst>
+  </p:timing>
 </p:sld>
 </file>
 
@@ -10142,7 +10170,7 @@
               <a:buNone/>
             </a:pPr>
             <a:r>
-              <a:rPr lang="en-US" sz="3000" b="1" i="0" u="none" strike="noStrike" cap="none">
+              <a:rPr lang="en-US" sz="3000" b="1" i="0" u="none" strike="noStrike" cap="none" dirty="0">
                 <a:solidFill>
                   <a:srgbClr val="FFFFFF"/>
                 </a:solidFill>
@@ -10167,7 +10195,7 @@
               </a:spcAft>
               <a:buNone/>
             </a:pPr>
-            <a:endParaRPr sz="3000" b="1" i="0" u="none" strike="noStrike" cap="none">
+            <a:endParaRPr sz="3000" b="1" i="0" u="none" strike="noStrike" cap="none" dirty="0">
               <a:solidFill>
                 <a:schemeClr val="lt1"/>
               </a:solidFill>
@@ -10196,7 +10224,7 @@
               <a:buNone/>
             </a:pPr>
             <a:r>
-              <a:rPr lang="en-US" sz="3000" b="1" i="0" u="none" strike="noStrike" cap="none">
+              <a:rPr lang="en-US" sz="3000" b="1" i="0" u="none" strike="noStrike" cap="none" dirty="0">
                 <a:solidFill>
                   <a:srgbClr val="00FF00"/>
                 </a:solidFill>
@@ -10227,7 +10255,7 @@
               <a:buNone/>
             </a:pPr>
             <a:r>
-              <a:rPr lang="en-US" sz="3000" b="1" i="0" u="none" strike="noStrike" cap="none">
+              <a:rPr lang="en-US" sz="3000" b="1" i="0" u="none" strike="noStrike" cap="none" dirty="0">
                 <a:solidFill>
                   <a:srgbClr val="00FF00"/>
                 </a:solidFill>
@@ -10236,8 +10264,29 @@
                 <a:cs typeface="Courier New"/>
                 <a:sym typeface="Courier New"/>
               </a:rPr>
-              <a:t>    print 'Bigger'</a:t>
-            </a:r>
+              <a:t>    </a:t>
+            </a:r>
+            <a:r>
+              <a:rPr lang="en-US" sz="3000" b="1" i="0" u="none" strike="noStrike" cap="none" dirty="0" smtClean="0">
+                <a:solidFill>
+                  <a:srgbClr val="00FF00"/>
+                </a:solidFill>
+                <a:latin typeface="Courier New"/>
+                <a:ea typeface="Courier New"/>
+                <a:cs typeface="Courier New"/>
+                <a:sym typeface="Courier New"/>
+              </a:rPr>
+              <a:t>print('Bigger')</a:t>
+            </a:r>
+            <a:endParaRPr lang="en-US" sz="3000" b="1" i="0" u="none" strike="noStrike" cap="none" dirty="0">
+              <a:solidFill>
+                <a:srgbClr val="00FF00"/>
+              </a:solidFill>
+              <a:latin typeface="Courier New"/>
+              <a:ea typeface="Courier New"/>
+              <a:cs typeface="Courier New"/>
+              <a:sym typeface="Courier New"/>
+            </a:endParaRPr>
           </a:p>
           <a:p>
             <a:pPr marL="0" marR="0" lvl="0" indent="0" algn="l" rtl="0">
@@ -10258,7 +10307,7 @@
               <a:buNone/>
             </a:pPr>
             <a:r>
-              <a:rPr lang="en-US" sz="3000" b="1" i="0" u="none" strike="noStrike" cap="none">
+              <a:rPr lang="en-US" sz="3000" b="1" i="0" u="none" strike="noStrike" cap="none" dirty="0">
                 <a:solidFill>
                   <a:srgbClr val="FF9900"/>
                 </a:solidFill>
@@ -10289,7 +10338,7 @@
               <a:buNone/>
             </a:pPr>
             <a:r>
-              <a:rPr lang="en-US" sz="3000" b="1" i="0" u="none" strike="noStrike" cap="none">
+              <a:rPr lang="en-US" sz="3000" b="1" i="0" u="none" strike="noStrike" cap="none" dirty="0">
                 <a:solidFill>
                   <a:srgbClr val="FF9900"/>
                 </a:solidFill>
@@ -10298,8 +10347,29 @@
                 <a:cs typeface="Courier New"/>
                 <a:sym typeface="Courier New"/>
               </a:rPr>
-              <a:t>    print 'Smaller'</a:t>
-            </a:r>
+              <a:t>    </a:t>
+            </a:r>
+            <a:r>
+              <a:rPr lang="en-US" sz="3000" b="1" i="0" u="none" strike="noStrike" cap="none" dirty="0" smtClean="0">
+                <a:solidFill>
+                  <a:srgbClr val="FF9900"/>
+                </a:solidFill>
+                <a:latin typeface="Courier New"/>
+                <a:ea typeface="Courier New"/>
+                <a:cs typeface="Courier New"/>
+                <a:sym typeface="Courier New"/>
+              </a:rPr>
+              <a:t>print('Smaller')</a:t>
+            </a:r>
+            <a:endParaRPr lang="en-US" sz="3000" b="1" i="0" u="none" strike="noStrike" cap="none" dirty="0">
+              <a:solidFill>
+                <a:srgbClr val="FF9900"/>
+              </a:solidFill>
+              <a:latin typeface="Courier New"/>
+              <a:ea typeface="Courier New"/>
+              <a:cs typeface="Courier New"/>
+              <a:sym typeface="Courier New"/>
+            </a:endParaRPr>
           </a:p>
           <a:p>
             <a:pPr marL="0" marR="0" lvl="0" indent="0" algn="ctr" rtl="0">
@@ -10314,7 +10384,7 @@
               </a:spcAft>
               <a:buNone/>
             </a:pPr>
-            <a:endParaRPr sz="3000" b="1" i="0" u="none" strike="noStrike" cap="none">
+            <a:endParaRPr sz="3000" b="1" i="0" u="none" strike="noStrike" cap="none" dirty="0">
               <a:solidFill>
                 <a:srgbClr val="00FFFF"/>
               </a:solidFill>
@@ -10343,7 +10413,7 @@
               <a:buNone/>
             </a:pPr>
             <a:r>
-              <a:rPr lang="en-US" sz="3000" b="1" i="0" u="none" strike="noStrike" cap="none">
+              <a:rPr lang="en-US" sz="3000" b="1" i="0" u="none" strike="noStrike" cap="none" dirty="0">
                 <a:solidFill>
                   <a:srgbClr val="00FFFF"/>
                 </a:solidFill>
@@ -10367,6 +10437,13 @@
   <p:clrMapOvr>
     <a:masterClrMapping/>
   </p:clrMapOvr>
+  <p:timing>
+    <p:tnLst>
+      <p:par>
+        <p:cTn id="1" dur="indefinite" restart="never" nodeType="tmRoot"/>
+      </p:par>
+    </p:tnLst>
+  </p:timing>
 </p:sld>
 </file>
 
@@ -10389,6 +10466,53 @@
       </p:grpSpPr>
       <p:sp>
         <p:nvSpPr>
+          <p:cNvPr id="23" name="Shape 458"/>
+          <p:cNvSpPr txBox="1"/>
+          <p:nvPr/>
+        </p:nvSpPr>
+        <p:spPr>
+          <a:xfrm>
+            <a:off x="866781" y="4404944"/>
+            <a:ext cx="4726519" cy="2298600"/>
+          </a:xfrm>
+          <a:prstGeom prst="rect">
+            <a:avLst/>
+          </a:prstGeom>
+          <a:noFill/>
+          <a:ln w="50800" cap="rnd" cmpd="sng">
+            <a:solidFill>
+              <a:srgbClr val="FFFF00"/>
+            </a:solidFill>
+            <a:prstDash val="solid"/>
+            <a:miter/>
+            <a:headEnd type="none" w="med" len="med"/>
+            <a:tailEnd type="none" w="med" len="med"/>
+          </a:ln>
+        </p:spPr>
+        <p:txBody>
+          <a:bodyPr lIns="0" tIns="0" rIns="0" bIns="0" anchor="t" anchorCtr="0">
+            <a:noAutofit/>
+          </a:bodyPr>
+          <a:lstStyle/>
+          <a:p>
+            <a:pPr marL="0" marR="0" lvl="0" indent="0" algn="ctr" rtl="0">
+              <a:lnSpc>
+                <a:spcPct val="100000"/>
+              </a:lnSpc>
+              <a:spcBef>
+                <a:spcPts val="0"/>
+              </a:spcBef>
+              <a:spcAft>
+                <a:spcPts val="0"/>
+              </a:spcAft>
+              <a:buNone/>
+            </a:pPr>
+            <a:endParaRPr/>
+          </a:p>
+        </p:txBody>
+      </p:sp>
+      <p:sp>
+        <p:nvSpPr>
           <p:cNvPr id="394" name="Shape 394"/>
           <p:cNvSpPr txBox="1">
             <a:spLocks noGrp="1"/>
@@ -11235,7 +11359,7 @@
               <a:buNone/>
             </a:pPr>
             <a:r>
-              <a:rPr lang="en-US" sz="3000" b="1" i="0" u="none" strike="noStrike" cap="none">
+              <a:rPr lang="en-US" sz="3000" b="1" i="0" u="none" strike="noStrike" cap="none" dirty="0">
                 <a:solidFill>
                   <a:srgbClr val="FFFFFF"/>
                 </a:solidFill>
@@ -11260,7 +11384,7 @@
               </a:spcAft>
               <a:buNone/>
             </a:pPr>
-            <a:endParaRPr sz="3000" b="1" i="0" u="none" strike="noStrike" cap="none">
+            <a:endParaRPr sz="3000" b="1" i="0" u="none" strike="noStrike" cap="none" dirty="0">
               <a:solidFill>
                 <a:schemeClr val="lt1"/>
               </a:solidFill>
@@ -11289,7 +11413,7 @@
               <a:buNone/>
             </a:pPr>
             <a:r>
-              <a:rPr lang="en-US" sz="3000" b="1" i="0" u="none" strike="noStrike" cap="none">
+              <a:rPr lang="en-US" sz="3000" b="1" i="0" u="none" strike="noStrike" cap="none" dirty="0">
                 <a:solidFill>
                   <a:srgbClr val="00FF00"/>
                 </a:solidFill>
@@ -11320,7 +11444,7 @@
               <a:buNone/>
             </a:pPr>
             <a:r>
-              <a:rPr lang="en-US" sz="3000" b="1" i="0" u="none" strike="noStrike" cap="none">
+              <a:rPr lang="en-US" sz="3000" b="1" i="0" u="none" strike="noStrike" cap="none" dirty="0">
                 <a:solidFill>
                   <a:srgbClr val="00FF00"/>
                 </a:solidFill>
@@ -11329,8 +11453,29 @@
                 <a:cs typeface="Courier New"/>
                 <a:sym typeface="Courier New"/>
               </a:rPr>
-              <a:t>    print 'Bigger'</a:t>
-            </a:r>
+              <a:t>    </a:t>
+            </a:r>
+            <a:r>
+              <a:rPr lang="en-US" sz="3000" b="1" i="0" u="none" strike="noStrike" cap="none" dirty="0" smtClean="0">
+                <a:solidFill>
+                  <a:srgbClr val="00FF00"/>
+                </a:solidFill>
+                <a:latin typeface="Courier New"/>
+                <a:ea typeface="Courier New"/>
+                <a:cs typeface="Courier New"/>
+                <a:sym typeface="Courier New"/>
+              </a:rPr>
+              <a:t>print('Bigger')</a:t>
+            </a:r>
+            <a:endParaRPr lang="en-US" sz="3000" b="1" i="0" u="none" strike="noStrike" cap="none" dirty="0">
+              <a:solidFill>
+                <a:srgbClr val="00FF00"/>
+              </a:solidFill>
+              <a:latin typeface="Courier New"/>
+              <a:ea typeface="Courier New"/>
+              <a:cs typeface="Courier New"/>
+              <a:sym typeface="Courier New"/>
+            </a:endParaRPr>
           </a:p>
           <a:p>
             <a:pPr marL="0" marR="0" lvl="0" indent="0" algn="l" rtl="0">
@@ -11351,7 +11496,7 @@
               <a:buNone/>
             </a:pPr>
             <a:r>
-              <a:rPr lang="en-US" sz="3000" b="1" i="0" u="none" strike="noStrike" cap="none">
+              <a:rPr lang="en-US" sz="3000" b="1" i="0" u="none" strike="noStrike" cap="none" dirty="0">
                 <a:solidFill>
                   <a:srgbClr val="FF9900"/>
                 </a:solidFill>
@@ -11382,7 +11527,7 @@
               <a:buNone/>
             </a:pPr>
             <a:r>
-              <a:rPr lang="en-US" sz="3000" b="1" i="0" u="none" strike="noStrike" cap="none">
+              <a:rPr lang="en-US" sz="3000" b="1" i="0" u="none" strike="noStrike" cap="none" dirty="0">
                 <a:solidFill>
                   <a:srgbClr val="FF9900"/>
                 </a:solidFill>
@@ -11391,8 +11536,29 @@
                 <a:cs typeface="Courier New"/>
                 <a:sym typeface="Courier New"/>
               </a:rPr>
-              <a:t>    print 'Smaller'</a:t>
-            </a:r>
+              <a:t>    </a:t>
+            </a:r>
+            <a:r>
+              <a:rPr lang="en-US" sz="3000" b="1" i="0" u="none" strike="noStrike" cap="none" dirty="0" smtClean="0">
+                <a:solidFill>
+                  <a:srgbClr val="FF9900"/>
+                </a:solidFill>
+                <a:latin typeface="Courier New"/>
+                <a:ea typeface="Courier New"/>
+                <a:cs typeface="Courier New"/>
+                <a:sym typeface="Courier New"/>
+              </a:rPr>
+              <a:t>print('Smaller')</a:t>
+            </a:r>
+            <a:endParaRPr lang="en-US" sz="3000" b="1" i="0" u="none" strike="noStrike" cap="none" dirty="0">
+              <a:solidFill>
+                <a:srgbClr val="FF9900"/>
+              </a:solidFill>
+              <a:latin typeface="Courier New"/>
+              <a:ea typeface="Courier New"/>
+              <a:cs typeface="Courier New"/>
+              <a:sym typeface="Courier New"/>
+            </a:endParaRPr>
           </a:p>
           <a:p>
             <a:pPr marL="0" marR="0" lvl="0" indent="0" algn="ctr" rtl="0">
@@ -11407,7 +11573,7 @@
               </a:spcAft>
               <a:buNone/>
             </a:pPr>
-            <a:endParaRPr sz="3000" b="1" i="0" u="none" strike="noStrike" cap="none">
+            <a:endParaRPr sz="3000" b="1" i="0" u="none" strike="noStrike" cap="none" dirty="0">
               <a:solidFill>
                 <a:srgbClr val="00FFFF"/>
               </a:solidFill>
@@ -11436,7 +11602,7 @@
               <a:buNone/>
             </a:pPr>
             <a:r>
-              <a:rPr lang="en-US" sz="3000" b="1" i="0" u="none" strike="noStrike" cap="none">
+              <a:rPr lang="en-US" sz="3000" b="1" i="0" u="none" strike="noStrike" cap="none" dirty="0">
                 <a:solidFill>
                   <a:srgbClr val="00FFFF"/>
                 </a:solidFill>
@@ -11498,53 +11664,6 @@
                 <a:srgbClr val="FFFF00"/>
               </a:solidFill>
             </a:endParaRPr>
-          </a:p>
-        </p:txBody>
-      </p:sp>
-      <p:sp>
-        <p:nvSpPr>
-          <p:cNvPr id="23" name="Shape 458"/>
-          <p:cNvSpPr txBox="1"/>
-          <p:nvPr/>
-        </p:nvSpPr>
-        <p:spPr>
-          <a:xfrm>
-            <a:off x="866781" y="4404944"/>
-            <a:ext cx="4726519" cy="2298600"/>
-          </a:xfrm>
-          <a:prstGeom prst="rect">
-            <a:avLst/>
-          </a:prstGeom>
-          <a:noFill/>
-          <a:ln w="50800" cap="rnd" cmpd="sng">
-            <a:solidFill>
-              <a:srgbClr val="FFFF00"/>
-            </a:solidFill>
-            <a:prstDash val="solid"/>
-            <a:miter/>
-            <a:headEnd type="none" w="med" len="med"/>
-            <a:tailEnd type="none" w="med" len="med"/>
-          </a:ln>
-        </p:spPr>
-        <p:txBody>
-          <a:bodyPr lIns="0" tIns="0" rIns="0" bIns="0" anchor="t" anchorCtr="0">
-            <a:noAutofit/>
-          </a:bodyPr>
-          <a:lstStyle/>
-          <a:p>
-            <a:pPr marL="0" marR="0" lvl="0" indent="0" algn="ctr" rtl="0">
-              <a:lnSpc>
-                <a:spcPct val="100000"/>
-              </a:lnSpc>
-              <a:spcBef>
-                <a:spcPts val="0"/>
-              </a:spcBef>
-              <a:spcAft>
-                <a:spcPts val="0"/>
-              </a:spcAft>
-              <a:buNone/>
-            </a:pPr>
-            <a:endParaRPr/>
           </a:p>
         </p:txBody>
       </p:sp>
@@ -11558,6 +11677,13 @@
   <p:clrMapOvr>
     <a:masterClrMapping/>
   </p:clrMapOvr>
+  <p:timing>
+    <p:tnLst>
+      <p:par>
+        <p:cTn id="1" dur="indefinite" restart="never" nodeType="tmRoot"/>
+      </p:par>
+    </p:tnLst>
+  </p:timing>
 </p:sld>
 </file>
 
@@ -13109,6 +13235,13 @@
   <p:clrMapOvr>
     <a:masterClrMapping/>
   </p:clrMapOvr>
+  <p:timing>
+    <p:tnLst>
+      <p:par>
+        <p:cTn id="1" dur="indefinite" restart="never" nodeType="tmRoot"/>
+      </p:par>
+    </p:tnLst>
+  </p:timing>
 </p:sld>
 </file>
 
@@ -14721,6 +14854,13 @@
   <p:clrMapOvr>
     <a:masterClrMapping/>
   </p:clrMapOvr>
+  <p:timing>
+    <p:tnLst>
+      <p:par>
+        <p:cTn id="1" dur="indefinite" restart="never" nodeType="tmRoot"/>
+      </p:par>
+    </p:tnLst>
+  </p:timing>
 </p:sld>
 </file>
 
@@ -16362,6 +16502,13 @@
   <p:clrMapOvr>
     <a:masterClrMapping/>
   </p:clrMapOvr>
+  <p:timing>
+    <p:tnLst>
+      <p:par>
+        <p:cTn id="1" dur="indefinite" restart="never" nodeType="tmRoot"/>
+      </p:par>
+    </p:tnLst>
+  </p:timing>
 </p:sld>
 </file>
 
@@ -17991,6 +18138,13 @@
   <p:clrMapOvr>
     <a:masterClrMapping/>
   </p:clrMapOvr>
+  <p:timing>
+    <p:tnLst>
+      <p:par>
+        <p:cTn id="1" dur="indefinite" restart="never" nodeType="tmRoot"/>
+      </p:par>
+    </p:tnLst>
+  </p:timing>
 </p:sld>
 </file>
 
@@ -18953,6 +19107,13 @@
   <p:clrMapOvr>
     <a:masterClrMapping/>
   </p:clrMapOvr>
+  <p:timing>
+    <p:tnLst>
+      <p:par>
+        <p:cTn id="1" dur="indefinite" restart="never" nodeType="tmRoot"/>
+      </p:par>
+    </p:tnLst>
+  </p:timing>
 </p:sld>
 </file>
 
@@ -19477,7 +19638,7 @@
                 <a:cs typeface="Courier" charset="0"/>
                 <a:sym typeface="Cabin"/>
               </a:rPr>
-              <a:t>     </a:t>
+              <a:t>    </a:t>
             </a:r>
             <a:r>
               <a:rPr lang="en-US" sz="2800" u="none" strike="noStrike" cap="none" dirty="0" smtClean="0">
@@ -19489,7 +19650,19 @@
                 <a:cs typeface="Courier" charset="0"/>
                 <a:sym typeface="Cabin"/>
               </a:rPr>
-              <a:t>print(</a:t>
+              <a:t>print</a:t>
+            </a:r>
+            <a:r>
+              <a:rPr lang="en-US" sz="2800" u="none" strike="noStrike" cap="none" dirty="0" smtClean="0">
+                <a:solidFill>
+                  <a:srgbClr val="FFFF00"/>
+                </a:solidFill>
+                <a:latin typeface="Courier" charset="0"/>
+                <a:ea typeface="Courier" charset="0"/>
+                <a:cs typeface="Courier" charset="0"/>
+                <a:sym typeface="Cabin"/>
+              </a:rPr>
+              <a:t>(</a:t>
             </a:r>
             <a:r>
               <a:rPr lang="en-US" sz="2800" u="none" strike="noStrike" cap="none" dirty="0" smtClean="0">
@@ -20563,6 +20736,13 @@
   <p:clrMapOvr>
     <a:masterClrMapping/>
   </p:clrMapOvr>
+  <p:timing>
+    <p:tnLst>
+      <p:par>
+        <p:cTn id="1" dur="indefinite" restart="never" nodeType="tmRoot"/>
+      </p:par>
+    </p:tnLst>
+  </p:timing>
 </p:sld>
 </file>
 
@@ -21372,8 +21552,8 @@
         </p:nvSpPr>
         <p:spPr>
           <a:xfrm>
-            <a:off x="925250" y="2886075"/>
-            <a:ext cx="5235707" cy="622199"/>
+            <a:off x="925250" y="2539901"/>
+            <a:ext cx="6429707" cy="968374"/>
           </a:xfrm>
           <a:prstGeom prst="rect">
             <a:avLst/>
@@ -21416,8 +21596,29 @@
                 <a:cs typeface="Arial" charset="0"/>
                 <a:sym typeface="Cabin"/>
               </a:rPr>
-              <a:t>Which will never print?</a:t>
-            </a:r>
+              <a:t>Which will never </a:t>
+            </a:r>
+            <a:r>
+              <a:rPr lang="en-US" sz="3600" u="none" strike="noStrike" cap="none" smtClean="0">
+                <a:solidFill>
+                  <a:srgbClr val="00FF00"/>
+                </a:solidFill>
+                <a:latin typeface="Arial" charset="0"/>
+                <a:ea typeface="Arial" charset="0"/>
+                <a:cs typeface="Arial" charset="0"/>
+                <a:sym typeface="Cabin"/>
+              </a:rPr>
+              <a:t>print regardless of the value for x?</a:t>
+            </a:r>
+            <a:endParaRPr lang="en-US" sz="3600" u="none" strike="noStrike" cap="none" dirty="0">
+              <a:solidFill>
+                <a:srgbClr val="00FF00"/>
+              </a:solidFill>
+              <a:latin typeface="Arial" charset="0"/>
+              <a:ea typeface="Arial" charset="0"/>
+              <a:cs typeface="Arial" charset="0"/>
+              <a:sym typeface="Cabin"/>
+            </a:endParaRPr>
           </a:p>
         </p:txBody>
       </p:sp>
@@ -21426,6 +21627,13 @@
   <p:clrMapOvr>
     <a:masterClrMapping/>
   </p:clrMapOvr>
+  <p:timing>
+    <p:tnLst>
+      <p:par>
+        <p:cTn id="1" dur="indefinite" restart="never" nodeType="tmRoot"/>
+      </p:par>
+    </p:tnLst>
+  </p:timing>
 </p:sld>
 </file>
 
@@ -21759,6 +21967,13 @@
   <p:clrMapOvr>
     <a:masterClrMapping/>
   </p:clrMapOvr>
+  <p:timing>
+    <p:tnLst>
+      <p:par>
+        <p:cTn id="1" dur="indefinite" restart="never" nodeType="tmRoot"/>
+      </p:par>
+    </p:tnLst>
+  </p:timing>
 </p:sld>
 </file>
 
@@ -22715,6 +22930,13 @@
   <p:clrMapOvr>
     <a:masterClrMapping/>
   </p:clrMapOvr>
+  <p:timing>
+    <p:tnLst>
+      <p:par>
+        <p:cTn id="1" dur="indefinite" restart="never" nodeType="tmRoot"/>
+      </p:par>
+    </p:tnLst>
+  </p:timing>
 </p:sld>
 </file>
 
@@ -23810,6 +24032,13 @@
   <p:clrMapOvr>
     <a:masterClrMapping/>
   </p:clrMapOvr>
+  <p:timing>
+    <p:tnLst>
+      <p:par>
+        <p:cTn id="1" dur="indefinite" restart="never" nodeType="tmRoot"/>
+      </p:par>
+    </p:tnLst>
+  </p:timing>
 </p:sld>
 </file>
 
@@ -24723,6 +24952,13 @@
   <p:clrMapOvr>
     <a:masterClrMapping/>
   </p:clrMapOvr>
+  <p:timing>
+    <p:tnLst>
+      <p:par>
+        <p:cTn id="1" dur="indefinite" restart="never" nodeType="tmRoot"/>
+      </p:par>
+    </p:tnLst>
+  </p:timing>
 </p:sld>
 </file>
 
@@ -25688,6 +25924,13 @@
   <p:clrMapOvr>
     <a:masterClrMapping/>
   </p:clrMapOvr>
+  <p:timing>
+    <p:tnLst>
+      <p:par>
+        <p:cTn id="1" dur="indefinite" restart="never" nodeType="tmRoot"/>
+      </p:par>
+    </p:tnLst>
+  </p:timing>
 </p:sld>
 </file>
 
@@ -26891,6 +27134,13 @@
   <p:clrMapOvr>
     <a:masterClrMapping/>
   </p:clrMapOvr>
+  <p:timing>
+    <p:tnLst>
+      <p:par>
+        <p:cTn id="1" dur="indefinite" restart="never" nodeType="tmRoot"/>
+      </p:par>
+    </p:tnLst>
+  </p:timing>
 </p:sld>
 </file>
 
@@ -28264,6 +28514,13 @@
   <p:clrMapOvr>
     <a:masterClrMapping/>
   </p:clrMapOvr>
+  <p:timing>
+    <p:tnLst>
+      <p:par>
+        <p:cTn id="1" dur="indefinite" restart="never" nodeType="tmRoot"/>
+      </p:par>
+    </p:tnLst>
+  </p:timing>
 </p:sld>
 </file>
 
@@ -29260,6 +29517,13 @@
   <p:clrMapOvr>
     <a:masterClrMapping/>
   </p:clrMapOvr>
+  <p:timing>
+    <p:tnLst>
+      <p:par>
+        <p:cTn id="1" dur="indefinite" restart="never" nodeType="tmRoot"/>
+      </p:par>
+    </p:tnLst>
+  </p:timing>
 </p:sld>
 </file>
 
@@ -29612,6 +29876,13 @@
   <p:clrMapOvr>
     <a:masterClrMapping/>
   </p:clrMapOvr>
+  <p:timing>
+    <p:tnLst>
+      <p:par>
+        <p:cTn id="1" dur="indefinite" restart="never" nodeType="tmRoot"/>
+      </p:par>
+    </p:tnLst>
+  </p:timing>
 </p:sld>
 </file>
 
@@ -31145,6 +31416,13 @@
   <p:clrMapOvr>
     <a:masterClrMapping/>
   </p:clrMapOvr>
+  <p:timing>
+    <p:tnLst>
+      <p:par>
+        <p:cTn id="1" dur="indefinite" restart="never" nodeType="tmRoot"/>
+      </p:par>
+    </p:tnLst>
+  </p:timing>
 </p:sld>
 </file>
 
@@ -31561,6 +31839,13 @@
   <p:clrMapOvr>
     <a:masterClrMapping/>
   </p:clrMapOvr>
+  <p:timing>
+    <p:tnLst>
+      <p:par>
+        <p:cTn id="1" dur="indefinite" restart="never" nodeType="tmRoot"/>
+      </p:par>
+    </p:tnLst>
+  </p:timing>
 </p:sld>
 </file>
 
@@ -33452,6 +33737,13 @@
   <p:clrMapOvr>
     <a:masterClrMapping/>
   </p:clrMapOvr>
+  <p:timing>
+    <p:tnLst>
+      <p:par>
+        <p:cTn id="1" dur="indefinite" restart="never" nodeType="tmRoot"/>
+      </p:par>
+    </p:tnLst>
+  </p:timing>
 </p:sld>
 </file>
 
@@ -33940,6 +34232,18 @@
               <a:buSzPct val="25000"/>
             </a:pPr>
             <a:r>
+              <a:rPr lang="en-US" sz="3200" b="1" dirty="0">
+                <a:solidFill>
+                  <a:srgbClr val="FF9900"/>
+                </a:solidFill>
+                <a:latin typeface="Courier New"/>
+                <a:ea typeface="Courier New"/>
+                <a:cs typeface="Courier New"/>
+                <a:sym typeface="Courier New"/>
+              </a:rPr>
+              <a:t>p</a:t>
+            </a:r>
+            <a:r>
               <a:rPr lang="en-US" sz="3200" b="1" i="0" u="none" strike="noStrike" cap="none" dirty="0" smtClean="0">
                 <a:solidFill>
                   <a:srgbClr val="FF9900"/>
@@ -33949,7 +34253,19 @@
                 <a:cs typeface="Courier New"/>
                 <a:sym typeface="Courier New"/>
               </a:rPr>
-              <a:t>Print('Before </a:t>
+              <a:t>rint</a:t>
+            </a:r>
+            <a:r>
+              <a:rPr lang="en-US" sz="3200" b="1" i="0" u="none" strike="noStrike" cap="none" dirty="0" smtClean="0">
+                <a:solidFill>
+                  <a:srgbClr val="FF9900"/>
+                </a:solidFill>
+                <a:latin typeface="Courier New"/>
+                <a:ea typeface="Courier New"/>
+                <a:cs typeface="Courier New"/>
+                <a:sym typeface="Courier New"/>
+              </a:rPr>
+              <a:t>('Before </a:t>
             </a:r>
             <a:r>
               <a:rPr lang="en-US" sz="3200" b="1" i="0" u="none" strike="noStrike" cap="none" dirty="0">
@@ -34255,6 +34571,18 @@
               <a:buSzPct val="25000"/>
             </a:pPr>
             <a:r>
+              <a:rPr lang="en-US" sz="3200" b="1" dirty="0">
+                <a:solidFill>
+                  <a:srgbClr val="FF9900"/>
+                </a:solidFill>
+                <a:latin typeface="Courier New"/>
+                <a:ea typeface="Courier New"/>
+                <a:cs typeface="Courier New"/>
+                <a:sym typeface="Courier New"/>
+              </a:rPr>
+              <a:t>p</a:t>
+            </a:r>
+            <a:r>
               <a:rPr lang="en-US" sz="3200" b="1" i="0" u="none" strike="noStrike" cap="none" dirty="0" smtClean="0">
                 <a:solidFill>
                   <a:srgbClr val="FF9900"/>
@@ -34264,7 +34592,19 @@
                 <a:cs typeface="Courier New"/>
                 <a:sym typeface="Courier New"/>
               </a:rPr>
-              <a:t>Print('Afterwards </a:t>
+              <a:t>rint</a:t>
+            </a:r>
+            <a:r>
+              <a:rPr lang="en-US" sz="3200" b="1" i="0" u="none" strike="noStrike" cap="none" dirty="0" smtClean="0">
+                <a:solidFill>
+                  <a:srgbClr val="FF9900"/>
+                </a:solidFill>
+                <a:latin typeface="Courier New"/>
+                <a:ea typeface="Courier New"/>
+                <a:cs typeface="Courier New"/>
+                <a:sym typeface="Courier New"/>
+              </a:rPr>
+              <a:t>('Afterwards </a:t>
             </a:r>
             <a:r>
               <a:rPr lang="en-US" sz="3200" b="1" i="0" u="none" strike="noStrike" cap="none" dirty="0">
@@ -35225,6 +35565,13 @@
   <p:clrMapOvr>
     <a:masterClrMapping/>
   </p:clrMapOvr>
+  <p:timing>
+    <p:tnLst>
+      <p:par>
+        <p:cTn id="1" dur="indefinite" restart="never" nodeType="tmRoot"/>
+      </p:par>
+    </p:tnLst>
+  </p:timing>
 </p:sld>
 </file>
 
@@ -35780,6 +36127,13 @@
   <p:clrMapOvr>
     <a:masterClrMapping/>
   </p:clrMapOvr>
+  <p:timing>
+    <p:tnLst>
+      <p:par>
+        <p:cTn id="1" dur="indefinite" restart="never" nodeType="tmRoot"/>
+      </p:par>
+    </p:tnLst>
+  </p:timing>
 </p:sld>
 </file>
 
@@ -36407,6 +36761,13 @@
   <p:clrMapOvr>
     <a:masterClrMapping/>
   </p:clrMapOvr>
+  <p:timing>
+    <p:tnLst>
+      <p:par>
+        <p:cTn id="1" dur="indefinite" restart="never" nodeType="tmRoot"/>
+      </p:par>
+    </p:tnLst>
+  </p:timing>
 </p:sld>
 </file>
 
@@ -36645,6 +37006,13 @@
   <p:clrMapOvr>
     <a:masterClrMapping/>
   </p:clrMapOvr>
+  <p:timing>
+    <p:tnLst>
+      <p:par>
+        <p:cTn id="1" dur="indefinite" restart="never" nodeType="tmRoot"/>
+      </p:par>
+    </p:tnLst>
+  </p:timing>
 </p:sld>
 </file>
 
@@ -37861,6 +38229,13 @@
   <p:clrMapOvr>
     <a:masterClrMapping/>
   </p:clrMapOvr>
+  <p:timing>
+    <p:tnLst>
+      <p:par>
+        <p:cTn id="1" dur="indefinite" restart="never" nodeType="tmRoot"/>
+      </p:par>
+    </p:tnLst>
+  </p:timing>
 </p:sld>
 </file>
 

--- a/lectures3/Pythonlearn-03-Conditional.pptx
+++ b/lectures3/Pythonlearn-03-Conditional.pptx
@@ -247,7 +247,7 @@
   </p:defaultTextStyle>
   <p:extLst>
     <p:ext uri="{EFAFB233-063F-42B5-8137-9DF3F51BA10A}">
-      <p15:sldGuideLst xmlns:p15="http://schemas.microsoft.com/office/powerpoint/2012/main"/>
+      <p15:sldGuideLst xmlns:p15="http://schemas.microsoft.com/office/powerpoint/2012/main" xmlns=""/>
     </p:ext>
   </p:extLst>
 </p:presentation>
@@ -6020,7 +6020,7 @@
   <p:timing>
     <p:tnLst>
       <p:par>
-        <p:cTn id="1" dur="indefinite" restart="never" nodeType="tmRoot"/>
+        <p:cTn xmlns:p14="http://schemas.microsoft.com/office/powerpoint/2010/main" id="1" dur="indefinite" restart="never" nodeType="tmRoot"/>
       </p:par>
     </p:tnLst>
   </p:timing>
@@ -6046,814 +6046,13 @@
       </p:grpSpPr>
       <p:sp>
         <p:nvSpPr>
-          <p:cNvPr id="343" name="Shape 343"/>
-          <p:cNvSpPr txBox="1"/>
-          <p:nvPr/>
-        </p:nvSpPr>
-        <p:spPr>
-          <a:xfrm>
-            <a:off x="4598449" y="2438400"/>
-            <a:ext cx="7918337" cy="5854799"/>
-          </a:xfrm>
-          <a:prstGeom prst="rect">
-            <a:avLst/>
-          </a:prstGeom>
-          <a:noFill/>
-          <a:ln w="12700" cap="rnd" cmpd="sng">
-            <a:noFill/>
-            <a:prstDash val="solid"/>
-            <a:miter/>
-            <a:headEnd type="none" w="med" len="med"/>
-            <a:tailEnd type="none" w="med" len="med"/>
-          </a:ln>
-        </p:spPr>
-        <p:txBody>
-          <a:bodyPr lIns="0" tIns="0" rIns="0" bIns="0" anchor="ctr" anchorCtr="0">
-            <a:noAutofit/>
-          </a:bodyPr>
-          <a:lstStyle/>
-          <a:p>
-            <a:pPr marL="0" marR="0" lvl="0" indent="0" algn="l" rtl="0">
-              <a:lnSpc>
-                <a:spcPct val="100000"/>
-              </a:lnSpc>
-              <a:spcBef>
-                <a:spcPts val="0"/>
-              </a:spcBef>
-              <a:spcAft>
-                <a:spcPts val="0"/>
-              </a:spcAft>
-              <a:buClr>
-                <a:schemeClr val="lt1"/>
-              </a:buClr>
-              <a:buSzPct val="25000"/>
-              <a:buFont typeface="Cabin"/>
-              <a:buNone/>
-            </a:pPr>
-            <a:r>
-              <a:rPr lang="en-US" sz="3200" b="1" i="0" u="none" strike="noStrike" cap="none" dirty="0">
-                <a:solidFill>
-                  <a:schemeClr val="lt1"/>
-                </a:solidFill>
-                <a:latin typeface="Courier New"/>
-                <a:ea typeface="Courier New"/>
-                <a:cs typeface="Courier New"/>
-                <a:sym typeface="Courier New"/>
-              </a:rPr>
-              <a:t>x = 5</a:t>
-            </a:r>
-          </a:p>
-          <a:p>
-            <a:pPr marL="0" marR="0" lvl="0" indent="0" algn="l" rtl="0">
-              <a:lnSpc>
-                <a:spcPct val="100000"/>
-              </a:lnSpc>
-              <a:spcBef>
-                <a:spcPts val="0"/>
-              </a:spcBef>
-              <a:spcAft>
-                <a:spcPts val="0"/>
-              </a:spcAft>
-              <a:buClr>
-                <a:schemeClr val="lt1"/>
-              </a:buClr>
-              <a:buSzPct val="25000"/>
-              <a:buFont typeface="Cabin"/>
-              <a:buNone/>
-            </a:pPr>
-            <a:r>
-              <a:rPr lang="en-US" sz="3200" b="1" i="0" u="none" strike="noStrike" cap="none" dirty="0">
-                <a:solidFill>
-                  <a:schemeClr val="lt1"/>
-                </a:solidFill>
-                <a:latin typeface="Courier New"/>
-                <a:ea typeface="Courier New"/>
-                <a:cs typeface="Courier New"/>
-                <a:sym typeface="Courier New"/>
-              </a:rPr>
-              <a:t>if x &gt; 2 :</a:t>
-            </a:r>
-          </a:p>
-          <a:p>
-            <a:pPr marL="0" marR="0" lvl="0" indent="0" algn="l" rtl="0">
-              <a:lnSpc>
-                <a:spcPct val="100000"/>
-              </a:lnSpc>
-              <a:spcBef>
-                <a:spcPts val="0"/>
-              </a:spcBef>
-              <a:spcAft>
-                <a:spcPts val="0"/>
-              </a:spcAft>
-              <a:buClr>
-                <a:schemeClr val="lt1"/>
-              </a:buClr>
-              <a:buSzPct val="25000"/>
-              <a:buFont typeface="Cabin"/>
-              <a:buNone/>
-            </a:pPr>
-            <a:r>
-              <a:rPr lang="en-US" sz="3200" b="1" i="0" u="none" strike="noStrike" cap="none" dirty="0">
-                <a:solidFill>
-                  <a:schemeClr val="lt1"/>
-                </a:solidFill>
-                <a:latin typeface="Courier New"/>
-                <a:ea typeface="Courier New"/>
-                <a:cs typeface="Courier New"/>
-                <a:sym typeface="Courier New"/>
-              </a:rPr>
-              <a:t>    </a:t>
-            </a:r>
-            <a:r>
-              <a:rPr lang="en-US" sz="3200" b="1" i="0" u="none" strike="noStrike" cap="none" dirty="0" smtClean="0">
-                <a:solidFill>
-                  <a:schemeClr val="lt1"/>
-                </a:solidFill>
-                <a:latin typeface="Courier New"/>
-                <a:ea typeface="Courier New"/>
-                <a:cs typeface="Courier New"/>
-                <a:sym typeface="Courier New"/>
-              </a:rPr>
-              <a:t>print('Bigger </a:t>
-            </a:r>
-            <a:r>
-              <a:rPr lang="en-US" sz="3200" b="1" i="0" u="none" strike="noStrike" cap="none" dirty="0">
-                <a:solidFill>
-                  <a:schemeClr val="lt1"/>
-                </a:solidFill>
-                <a:latin typeface="Courier New"/>
-                <a:ea typeface="Courier New"/>
-                <a:cs typeface="Courier New"/>
-                <a:sym typeface="Courier New"/>
-              </a:rPr>
-              <a:t>than </a:t>
-            </a:r>
-            <a:r>
-              <a:rPr lang="en-US" sz="3200" b="1" i="0" u="none" strike="noStrike" cap="none" dirty="0" smtClean="0">
-                <a:solidFill>
-                  <a:schemeClr val="lt1"/>
-                </a:solidFill>
-                <a:latin typeface="Courier New"/>
-                <a:ea typeface="Courier New"/>
-                <a:cs typeface="Courier New"/>
-                <a:sym typeface="Courier New"/>
-              </a:rPr>
-              <a:t>2’)</a:t>
-            </a:r>
-            <a:endParaRPr lang="en-US" sz="3200" b="1" i="0" u="none" strike="noStrike" cap="none" dirty="0">
-              <a:solidFill>
-                <a:schemeClr val="lt1"/>
-              </a:solidFill>
-              <a:latin typeface="Courier New"/>
-              <a:ea typeface="Courier New"/>
-              <a:cs typeface="Courier New"/>
-              <a:sym typeface="Courier New"/>
-            </a:endParaRPr>
-          </a:p>
-          <a:p>
-            <a:pPr marL="0" marR="0" lvl="0" indent="0" algn="l" rtl="0">
-              <a:lnSpc>
-                <a:spcPct val="100000"/>
-              </a:lnSpc>
-              <a:spcBef>
-                <a:spcPts val="0"/>
-              </a:spcBef>
-              <a:spcAft>
-                <a:spcPts val="0"/>
-              </a:spcAft>
-              <a:buClr>
-                <a:schemeClr val="lt1"/>
-              </a:buClr>
-              <a:buSzPct val="25000"/>
-              <a:buFont typeface="Cabin"/>
-              <a:buNone/>
-            </a:pPr>
-            <a:r>
-              <a:rPr lang="en-US" sz="3200" b="1" i="0" u="none" strike="noStrike" cap="none" dirty="0">
-                <a:solidFill>
-                  <a:schemeClr val="lt1"/>
-                </a:solidFill>
-                <a:latin typeface="Courier New"/>
-                <a:ea typeface="Courier New"/>
-                <a:cs typeface="Courier New"/>
-                <a:sym typeface="Courier New"/>
-              </a:rPr>
-              <a:t>    </a:t>
-            </a:r>
-            <a:r>
-              <a:rPr lang="en-US" sz="3200" b="1" i="0" u="none" strike="noStrike" cap="none" dirty="0" smtClean="0">
-                <a:solidFill>
-                  <a:schemeClr val="lt1"/>
-                </a:solidFill>
-                <a:latin typeface="Courier New"/>
-                <a:ea typeface="Courier New"/>
-                <a:cs typeface="Courier New"/>
-                <a:sym typeface="Courier New"/>
-              </a:rPr>
-              <a:t>print('Still bigger’)</a:t>
-            </a:r>
-            <a:endParaRPr lang="en-US" sz="3200" b="1" i="0" u="none" strike="noStrike" cap="none" dirty="0">
-              <a:solidFill>
-                <a:schemeClr val="lt1"/>
-              </a:solidFill>
-              <a:latin typeface="Courier New"/>
-              <a:ea typeface="Courier New"/>
-              <a:cs typeface="Courier New"/>
-              <a:sym typeface="Courier New"/>
-            </a:endParaRPr>
-          </a:p>
-          <a:p>
-            <a:pPr marL="0" marR="0" lvl="0" indent="0" algn="l" rtl="0">
-              <a:lnSpc>
-                <a:spcPct val="100000"/>
-              </a:lnSpc>
-              <a:spcBef>
-                <a:spcPts val="0"/>
-              </a:spcBef>
-              <a:spcAft>
-                <a:spcPts val="0"/>
-              </a:spcAft>
-              <a:buClr>
-                <a:schemeClr val="lt1"/>
-              </a:buClr>
-              <a:buSzPct val="25000"/>
-              <a:buFont typeface="Cabin"/>
-              <a:buNone/>
-            </a:pPr>
-            <a:r>
-              <a:rPr lang="en-US" sz="3200" b="1" i="0" u="none" strike="noStrike" cap="none" dirty="0" smtClean="0">
-                <a:solidFill>
-                  <a:schemeClr val="lt1"/>
-                </a:solidFill>
-                <a:latin typeface="Courier New"/>
-                <a:ea typeface="Courier New"/>
-                <a:cs typeface="Courier New"/>
-                <a:sym typeface="Courier New"/>
-              </a:rPr>
-              <a:t>print('Done </a:t>
-            </a:r>
-            <a:r>
-              <a:rPr lang="en-US" sz="3200" b="1" i="0" u="none" strike="noStrike" cap="none" dirty="0">
-                <a:solidFill>
-                  <a:schemeClr val="lt1"/>
-                </a:solidFill>
-                <a:latin typeface="Courier New"/>
-                <a:ea typeface="Courier New"/>
-                <a:cs typeface="Courier New"/>
-                <a:sym typeface="Courier New"/>
-              </a:rPr>
-              <a:t>with </a:t>
-            </a:r>
-            <a:r>
-              <a:rPr lang="en-US" sz="3200" b="1" i="0" u="none" strike="noStrike" cap="none" dirty="0" smtClean="0">
-                <a:solidFill>
-                  <a:schemeClr val="lt1"/>
-                </a:solidFill>
-                <a:latin typeface="Courier New"/>
-                <a:ea typeface="Courier New"/>
-                <a:cs typeface="Courier New"/>
-                <a:sym typeface="Courier New"/>
-              </a:rPr>
-              <a:t>2’)</a:t>
-            </a:r>
-            <a:endParaRPr lang="en-US" sz="3200" b="1" i="0" u="none" strike="noStrike" cap="none" dirty="0">
-              <a:solidFill>
-                <a:schemeClr val="lt1"/>
-              </a:solidFill>
-              <a:latin typeface="Courier New"/>
-              <a:ea typeface="Courier New"/>
-              <a:cs typeface="Courier New"/>
-              <a:sym typeface="Courier New"/>
-            </a:endParaRPr>
-          </a:p>
-          <a:p>
-            <a:pPr marL="0" marR="0" lvl="0" indent="0" algn="ctr" rtl="0">
-              <a:lnSpc>
-                <a:spcPct val="100000"/>
-              </a:lnSpc>
-              <a:spcBef>
-                <a:spcPts val="0"/>
-              </a:spcBef>
-              <a:spcAft>
-                <a:spcPts val="0"/>
-              </a:spcAft>
-              <a:buNone/>
-            </a:pPr>
-            <a:endParaRPr sz="3200" b="1" i="0" u="none" strike="noStrike" cap="none" dirty="0">
-              <a:solidFill>
-                <a:schemeClr val="lt1"/>
-              </a:solidFill>
-              <a:latin typeface="Courier New"/>
-              <a:ea typeface="Courier New"/>
-              <a:cs typeface="Courier New"/>
-              <a:sym typeface="Courier New"/>
-            </a:endParaRPr>
-          </a:p>
-          <a:p>
-            <a:pPr marL="0" marR="0" lvl="0" indent="0" algn="l" rtl="0">
-              <a:lnSpc>
-                <a:spcPct val="100000"/>
-              </a:lnSpc>
-              <a:spcBef>
-                <a:spcPts val="0"/>
-              </a:spcBef>
-              <a:spcAft>
-                <a:spcPts val="0"/>
-              </a:spcAft>
-              <a:buClr>
-                <a:schemeClr val="lt1"/>
-              </a:buClr>
-              <a:buSzPct val="25000"/>
-              <a:buFont typeface="Cabin"/>
-              <a:buNone/>
-            </a:pPr>
-            <a:r>
-              <a:rPr lang="en-US" sz="3200" b="1" i="0" u="none" strike="noStrike" cap="none" dirty="0">
-                <a:solidFill>
-                  <a:schemeClr val="lt1"/>
-                </a:solidFill>
-                <a:latin typeface="Courier New"/>
-                <a:ea typeface="Courier New"/>
-                <a:cs typeface="Courier New"/>
-                <a:sym typeface="Courier New"/>
-              </a:rPr>
-              <a:t>for </a:t>
-            </a:r>
-            <a:r>
-              <a:rPr lang="en-US" sz="3200" b="1" i="0" u="none" strike="noStrike" cap="none" dirty="0" err="1">
-                <a:solidFill>
-                  <a:schemeClr val="lt1"/>
-                </a:solidFill>
-                <a:latin typeface="Courier New"/>
-                <a:ea typeface="Courier New"/>
-                <a:cs typeface="Courier New"/>
-                <a:sym typeface="Courier New"/>
-              </a:rPr>
-              <a:t>i</a:t>
-            </a:r>
-            <a:r>
-              <a:rPr lang="en-US" sz="3200" b="1" i="0" u="none" strike="noStrike" cap="none" dirty="0">
-                <a:solidFill>
-                  <a:schemeClr val="lt1"/>
-                </a:solidFill>
-                <a:latin typeface="Courier New"/>
-                <a:ea typeface="Courier New"/>
-                <a:cs typeface="Courier New"/>
-                <a:sym typeface="Courier New"/>
-              </a:rPr>
-              <a:t> in range(5) :</a:t>
-            </a:r>
-          </a:p>
-          <a:p>
-            <a:pPr marL="0" marR="0" lvl="0" indent="0" algn="l" rtl="0">
-              <a:lnSpc>
-                <a:spcPct val="100000"/>
-              </a:lnSpc>
-              <a:spcBef>
-                <a:spcPts val="0"/>
-              </a:spcBef>
-              <a:spcAft>
-                <a:spcPts val="0"/>
-              </a:spcAft>
-              <a:buClr>
-                <a:schemeClr val="lt1"/>
-              </a:buClr>
-              <a:buSzPct val="25000"/>
-              <a:buFont typeface="Cabin"/>
-              <a:buNone/>
-            </a:pPr>
-            <a:r>
-              <a:rPr lang="en-US" sz="3200" b="1" i="0" u="none" strike="noStrike" cap="none" dirty="0">
-                <a:solidFill>
-                  <a:schemeClr val="lt1"/>
-                </a:solidFill>
-                <a:latin typeface="Courier New"/>
-                <a:ea typeface="Courier New"/>
-                <a:cs typeface="Courier New"/>
-                <a:sym typeface="Courier New"/>
-              </a:rPr>
-              <a:t>    </a:t>
-            </a:r>
-            <a:r>
-              <a:rPr lang="en-US" sz="3200" b="1" i="0" u="none" strike="noStrike" cap="none" dirty="0" smtClean="0">
-                <a:solidFill>
-                  <a:schemeClr val="lt1"/>
-                </a:solidFill>
-                <a:latin typeface="Courier New"/>
-                <a:ea typeface="Courier New"/>
-                <a:cs typeface="Courier New"/>
-                <a:sym typeface="Courier New"/>
-              </a:rPr>
-              <a:t>print(</a:t>
-            </a:r>
-            <a:r>
-              <a:rPr lang="en-US" sz="3200" b="1" i="0" u="none" strike="noStrike" cap="none" dirty="0" err="1" smtClean="0">
-                <a:solidFill>
-                  <a:schemeClr val="lt1"/>
-                </a:solidFill>
-                <a:latin typeface="Courier New"/>
-                <a:ea typeface="Courier New"/>
-                <a:cs typeface="Courier New"/>
-                <a:sym typeface="Courier New"/>
-              </a:rPr>
-              <a:t>i</a:t>
-            </a:r>
-            <a:r>
-              <a:rPr lang="en-US" sz="3200" b="1" i="0" u="none" strike="noStrike" cap="none" dirty="0" smtClean="0">
-                <a:solidFill>
-                  <a:schemeClr val="lt1"/>
-                </a:solidFill>
-                <a:latin typeface="Courier New"/>
-                <a:ea typeface="Courier New"/>
-                <a:cs typeface="Courier New"/>
-                <a:sym typeface="Courier New"/>
-              </a:rPr>
-              <a:t>)</a:t>
-            </a:r>
-            <a:endParaRPr lang="en-US" sz="3200" b="1" i="0" u="none" strike="noStrike" cap="none" dirty="0">
-              <a:solidFill>
-                <a:schemeClr val="lt1"/>
-              </a:solidFill>
-              <a:latin typeface="Courier New"/>
-              <a:ea typeface="Courier New"/>
-              <a:cs typeface="Courier New"/>
-              <a:sym typeface="Courier New"/>
-            </a:endParaRPr>
-          </a:p>
-          <a:p>
-            <a:pPr marL="0" marR="0" lvl="0" indent="0" algn="l" rtl="0">
-              <a:lnSpc>
-                <a:spcPct val="100000"/>
-              </a:lnSpc>
-              <a:spcBef>
-                <a:spcPts val="0"/>
-              </a:spcBef>
-              <a:spcAft>
-                <a:spcPts val="0"/>
-              </a:spcAft>
-              <a:buClr>
-                <a:schemeClr val="lt1"/>
-              </a:buClr>
-              <a:buSzPct val="25000"/>
-              <a:buFont typeface="Cabin"/>
-              <a:buNone/>
-            </a:pPr>
-            <a:r>
-              <a:rPr lang="en-US" sz="3200" b="1" i="0" u="none" strike="noStrike" cap="none" dirty="0">
-                <a:solidFill>
-                  <a:schemeClr val="lt1"/>
-                </a:solidFill>
-                <a:latin typeface="Courier New"/>
-                <a:ea typeface="Courier New"/>
-                <a:cs typeface="Courier New"/>
-                <a:sym typeface="Courier New"/>
-              </a:rPr>
-              <a:t>    if </a:t>
-            </a:r>
-            <a:r>
-              <a:rPr lang="en-US" sz="3200" b="1" i="0" u="none" strike="noStrike" cap="none" dirty="0" err="1">
-                <a:solidFill>
-                  <a:schemeClr val="lt1"/>
-                </a:solidFill>
-                <a:latin typeface="Courier New"/>
-                <a:ea typeface="Courier New"/>
-                <a:cs typeface="Courier New"/>
-                <a:sym typeface="Courier New"/>
-              </a:rPr>
-              <a:t>i</a:t>
-            </a:r>
-            <a:r>
-              <a:rPr lang="en-US" sz="3200" b="1" i="0" u="none" strike="noStrike" cap="none" dirty="0">
-                <a:solidFill>
-                  <a:schemeClr val="lt1"/>
-                </a:solidFill>
-                <a:latin typeface="Courier New"/>
-                <a:ea typeface="Courier New"/>
-                <a:cs typeface="Courier New"/>
-                <a:sym typeface="Courier New"/>
-              </a:rPr>
-              <a:t> &gt; 2 : </a:t>
-            </a:r>
-          </a:p>
-          <a:p>
-            <a:pPr marL="0" marR="0" lvl="0" indent="0" algn="l" rtl="0">
-              <a:lnSpc>
-                <a:spcPct val="100000"/>
-              </a:lnSpc>
-              <a:spcBef>
-                <a:spcPts val="0"/>
-              </a:spcBef>
-              <a:spcAft>
-                <a:spcPts val="0"/>
-              </a:spcAft>
-              <a:buClr>
-                <a:schemeClr val="lt1"/>
-              </a:buClr>
-              <a:buSzPct val="25000"/>
-              <a:buFont typeface="Cabin"/>
-              <a:buNone/>
-            </a:pPr>
-            <a:r>
-              <a:rPr lang="en-US" sz="3200" b="1" i="0" u="none" strike="noStrike" cap="none" dirty="0">
-                <a:solidFill>
-                  <a:schemeClr val="lt1"/>
-                </a:solidFill>
-                <a:latin typeface="Courier New"/>
-                <a:ea typeface="Courier New"/>
-                <a:cs typeface="Courier New"/>
-                <a:sym typeface="Courier New"/>
-              </a:rPr>
-              <a:t>        </a:t>
-            </a:r>
-            <a:r>
-              <a:rPr lang="en-US" sz="3200" b="1" i="0" u="none" strike="noStrike" cap="none" dirty="0" smtClean="0">
-                <a:solidFill>
-                  <a:schemeClr val="lt1"/>
-                </a:solidFill>
-                <a:latin typeface="Courier New"/>
-                <a:ea typeface="Courier New"/>
-                <a:cs typeface="Courier New"/>
-                <a:sym typeface="Courier New"/>
-              </a:rPr>
-              <a:t>print('Bigger </a:t>
-            </a:r>
-            <a:r>
-              <a:rPr lang="en-US" sz="3200" b="1" i="0" u="none" strike="noStrike" cap="none" dirty="0">
-                <a:solidFill>
-                  <a:schemeClr val="lt1"/>
-                </a:solidFill>
-                <a:latin typeface="Courier New"/>
-                <a:ea typeface="Courier New"/>
-                <a:cs typeface="Courier New"/>
-                <a:sym typeface="Courier New"/>
-              </a:rPr>
-              <a:t>than </a:t>
-            </a:r>
-            <a:r>
-              <a:rPr lang="en-US" sz="3200" b="1" i="0" u="none" strike="noStrike" cap="none" dirty="0" smtClean="0">
-                <a:solidFill>
-                  <a:schemeClr val="lt1"/>
-                </a:solidFill>
-                <a:latin typeface="Courier New"/>
-                <a:ea typeface="Courier New"/>
-                <a:cs typeface="Courier New"/>
-                <a:sym typeface="Courier New"/>
-              </a:rPr>
-              <a:t>2’)</a:t>
-            </a:r>
-            <a:endParaRPr lang="en-US" sz="3200" b="1" i="0" u="none" strike="noStrike" cap="none" dirty="0">
-              <a:solidFill>
-                <a:schemeClr val="lt1"/>
-              </a:solidFill>
-              <a:latin typeface="Courier New"/>
-              <a:ea typeface="Courier New"/>
-              <a:cs typeface="Courier New"/>
-              <a:sym typeface="Courier New"/>
-            </a:endParaRPr>
-          </a:p>
-          <a:p>
-            <a:pPr marL="0" marR="0" lvl="0" indent="0" algn="l" rtl="0">
-              <a:lnSpc>
-                <a:spcPct val="100000"/>
-              </a:lnSpc>
-              <a:spcBef>
-                <a:spcPts val="0"/>
-              </a:spcBef>
-              <a:spcAft>
-                <a:spcPts val="0"/>
-              </a:spcAft>
-              <a:buClr>
-                <a:schemeClr val="lt1"/>
-              </a:buClr>
-              <a:buSzPct val="25000"/>
-              <a:buFont typeface="Cabin"/>
-              <a:buNone/>
-            </a:pPr>
-            <a:r>
-              <a:rPr lang="en-US" sz="3200" b="1" i="0" u="none" strike="noStrike" cap="none" dirty="0">
-                <a:solidFill>
-                  <a:schemeClr val="lt1"/>
-                </a:solidFill>
-                <a:latin typeface="Courier New"/>
-                <a:ea typeface="Courier New"/>
-                <a:cs typeface="Courier New"/>
-                <a:sym typeface="Courier New"/>
-              </a:rPr>
-              <a:t>    </a:t>
-            </a:r>
-            <a:r>
-              <a:rPr lang="en-US" sz="3200" b="1" i="0" u="none" strike="noStrike" cap="none" dirty="0" smtClean="0">
-                <a:solidFill>
-                  <a:schemeClr val="lt1"/>
-                </a:solidFill>
-                <a:latin typeface="Courier New"/>
-                <a:ea typeface="Courier New"/>
-                <a:cs typeface="Courier New"/>
-                <a:sym typeface="Courier New"/>
-              </a:rPr>
-              <a:t>print('Done </a:t>
-            </a:r>
-            <a:r>
-              <a:rPr lang="en-US" sz="3200" b="1" i="0" u="none" strike="noStrike" cap="none" dirty="0">
-                <a:solidFill>
-                  <a:schemeClr val="lt1"/>
-                </a:solidFill>
-                <a:latin typeface="Courier New"/>
-                <a:ea typeface="Courier New"/>
-                <a:cs typeface="Courier New"/>
-                <a:sym typeface="Courier New"/>
-              </a:rPr>
-              <a:t>with </a:t>
-            </a:r>
-            <a:r>
-              <a:rPr lang="en-US" sz="3200" b="1" i="0" u="none" strike="noStrike" cap="none" dirty="0" err="1">
-                <a:solidFill>
-                  <a:schemeClr val="lt1"/>
-                </a:solidFill>
-                <a:latin typeface="Courier New"/>
-                <a:ea typeface="Courier New"/>
-                <a:cs typeface="Courier New"/>
-                <a:sym typeface="Courier New"/>
-              </a:rPr>
-              <a:t>i</a:t>
-            </a:r>
-            <a:r>
-              <a:rPr lang="en-US" sz="3200" b="1" i="0" u="none" strike="noStrike" cap="none" dirty="0">
-                <a:solidFill>
-                  <a:schemeClr val="lt1"/>
-                </a:solidFill>
-                <a:latin typeface="Courier New"/>
-                <a:ea typeface="Courier New"/>
-                <a:cs typeface="Courier New"/>
-                <a:sym typeface="Courier New"/>
-              </a:rPr>
-              <a:t>', </a:t>
-            </a:r>
-            <a:r>
-              <a:rPr lang="en-US" sz="3200" b="1" i="0" u="none" strike="noStrike" cap="none" dirty="0" err="1" smtClean="0">
-                <a:solidFill>
-                  <a:schemeClr val="lt1"/>
-                </a:solidFill>
-                <a:latin typeface="Courier New"/>
-                <a:ea typeface="Courier New"/>
-                <a:cs typeface="Courier New"/>
-                <a:sym typeface="Courier New"/>
-              </a:rPr>
-              <a:t>i</a:t>
-            </a:r>
-            <a:r>
-              <a:rPr lang="en-US" sz="3200" b="1" i="0" u="none" strike="noStrike" cap="none" dirty="0" smtClean="0">
-                <a:solidFill>
-                  <a:schemeClr val="lt1"/>
-                </a:solidFill>
-                <a:latin typeface="Courier New"/>
-                <a:ea typeface="Courier New"/>
-                <a:cs typeface="Courier New"/>
-                <a:sym typeface="Courier New"/>
-              </a:rPr>
-              <a:t>)</a:t>
-            </a:r>
-            <a:endParaRPr lang="en-US" sz="3200" b="1" i="0" u="none" strike="noStrike" cap="none" dirty="0">
-              <a:solidFill>
-                <a:schemeClr val="lt1"/>
-              </a:solidFill>
-              <a:latin typeface="Courier New"/>
-              <a:ea typeface="Courier New"/>
-              <a:cs typeface="Courier New"/>
-              <a:sym typeface="Courier New"/>
-            </a:endParaRPr>
-          </a:p>
-          <a:p>
-            <a:pPr marL="0" marR="0" lvl="0" indent="0" algn="l" rtl="0">
-              <a:lnSpc>
-                <a:spcPct val="100000"/>
-              </a:lnSpc>
-              <a:spcBef>
-                <a:spcPts val="0"/>
-              </a:spcBef>
-              <a:spcAft>
-                <a:spcPts val="0"/>
-              </a:spcAft>
-              <a:buClr>
-                <a:schemeClr val="lt1"/>
-              </a:buClr>
-              <a:buSzPct val="25000"/>
-              <a:buFont typeface="Cabin"/>
-              <a:buNone/>
-            </a:pPr>
-            <a:r>
-              <a:rPr lang="en-US" sz="3200" b="1" dirty="0" smtClean="0">
-                <a:solidFill>
-                  <a:schemeClr val="lt1"/>
-                </a:solidFill>
-                <a:latin typeface="Courier New"/>
-                <a:ea typeface="Courier New"/>
-                <a:cs typeface="Courier New"/>
-                <a:sym typeface="Courier New"/>
-              </a:rPr>
-              <a:t>print('All Done')</a:t>
-            </a:r>
-            <a:endParaRPr lang="en-US" sz="3200" b="1" dirty="0">
-              <a:solidFill>
-                <a:schemeClr val="lt1"/>
-              </a:solidFill>
-              <a:latin typeface="Courier New"/>
-              <a:ea typeface="Courier New"/>
-              <a:cs typeface="Courier New"/>
-              <a:sym typeface="Courier New"/>
-            </a:endParaRPr>
-          </a:p>
-        </p:txBody>
-      </p:sp>
-      <p:sp>
-        <p:nvSpPr>
-          <p:cNvPr id="15" name="Shape 361"/>
-          <p:cNvSpPr txBox="1"/>
-          <p:nvPr/>
-        </p:nvSpPr>
-        <p:spPr>
-          <a:xfrm>
-            <a:off x="2417350" y="524656"/>
-            <a:ext cx="12405000" cy="1494744"/>
-          </a:xfrm>
-          <a:prstGeom prst="rect">
-            <a:avLst/>
-          </a:prstGeom>
-          <a:noFill/>
-          <a:ln>
-            <a:noFill/>
-          </a:ln>
-        </p:spPr>
-        <p:txBody>
-          <a:bodyPr lIns="0" tIns="0" rIns="0" bIns="0" anchor="ctr" anchorCtr="0">
-            <a:noAutofit/>
-          </a:bodyPr>
-          <a:lstStyle/>
-          <a:p>
-            <a:pPr marL="0" marR="0" lvl="0" indent="0" algn="ctr" rtl="0">
-              <a:lnSpc>
-                <a:spcPct val="100000"/>
-              </a:lnSpc>
-              <a:spcBef>
-                <a:spcPts val="0"/>
-              </a:spcBef>
-              <a:spcAft>
-                <a:spcPts val="0"/>
-              </a:spcAft>
-              <a:buClr>
-                <a:srgbClr val="FF00FF"/>
-              </a:buClr>
-              <a:buSzPct val="25000"/>
-              <a:buFont typeface="Cabin"/>
-              <a:buNone/>
-            </a:pPr>
-            <a:r>
-              <a:rPr lang="en-US" sz="6000" dirty="0">
-                <a:solidFill>
-                  <a:srgbClr val="FFFF00"/>
-                </a:solidFill>
-                <a:latin typeface="Arial" charset="0"/>
-                <a:ea typeface="Arial" charset="0"/>
-                <a:cs typeface="Arial" charset="0"/>
-                <a:sym typeface="Cabin"/>
-              </a:rPr>
-              <a:t>Think about begin/end blocks</a:t>
-            </a:r>
-          </a:p>
-          <a:p>
-            <a:pPr marL="0" marR="0" lvl="0" indent="0" algn="l" rtl="0">
-              <a:lnSpc>
-                <a:spcPct val="100000"/>
-              </a:lnSpc>
-              <a:spcBef>
-                <a:spcPts val="0"/>
-              </a:spcBef>
-              <a:spcAft>
-                <a:spcPts val="0"/>
-              </a:spcAft>
-              <a:buClr>
-                <a:srgbClr val="FF7F00"/>
-              </a:buClr>
-              <a:buFont typeface="Cabin"/>
-              <a:buNone/>
-            </a:pPr>
-            <a:endParaRPr dirty="0">
-              <a:solidFill>
-                <a:srgbClr val="FFFF00"/>
-              </a:solidFill>
-            </a:endParaRPr>
-          </a:p>
-        </p:txBody>
-      </p:sp>
-      <p:sp>
-        <p:nvSpPr>
           <p:cNvPr id="16" name="Shape 363"/>
           <p:cNvSpPr txBox="1"/>
           <p:nvPr/>
         </p:nvSpPr>
         <p:spPr>
           <a:xfrm>
-            <a:off x="4598450" y="5314525"/>
+            <a:off x="4598450" y="5392512"/>
             <a:ext cx="7704000" cy="2421299"/>
           </a:xfrm>
           <a:prstGeom prst="rect">
@@ -6900,7 +6099,7 @@
         </p:nvSpPr>
         <p:spPr>
           <a:xfrm>
-            <a:off x="4576700" y="2863786"/>
+            <a:off x="4576700" y="2941773"/>
             <a:ext cx="7704000" cy="1509299"/>
           </a:xfrm>
           <a:prstGeom prst="rect">
@@ -6983,6 +6182,786 @@
               <a:buNone/>
             </a:pPr>
             <a:endParaRPr/>
+          </a:p>
+        </p:txBody>
+      </p:sp>
+      <p:sp>
+        <p:nvSpPr>
+          <p:cNvPr id="343" name="Shape 343"/>
+          <p:cNvSpPr txBox="1"/>
+          <p:nvPr/>
+        </p:nvSpPr>
+        <p:spPr>
+          <a:xfrm>
+            <a:off x="4598449" y="2438400"/>
+            <a:ext cx="7918337" cy="5854799"/>
+          </a:xfrm>
+          <a:prstGeom prst="rect">
+            <a:avLst/>
+          </a:prstGeom>
+          <a:noFill/>
+          <a:ln w="12700" cap="rnd" cmpd="sng">
+            <a:noFill/>
+            <a:prstDash val="solid"/>
+            <a:miter/>
+            <a:headEnd type="none" w="med" len="med"/>
+            <a:tailEnd type="none" w="med" len="med"/>
+          </a:ln>
+        </p:spPr>
+        <p:txBody>
+          <a:bodyPr lIns="0" tIns="0" rIns="0" bIns="0" anchor="ctr" anchorCtr="0">
+            <a:noAutofit/>
+          </a:bodyPr>
+          <a:lstStyle/>
+          <a:p>
+            <a:pPr marL="0" marR="0" lvl="0" indent="0" algn="l" rtl="0">
+              <a:lnSpc>
+                <a:spcPct val="100000"/>
+              </a:lnSpc>
+              <a:spcBef>
+                <a:spcPts val="0"/>
+              </a:spcBef>
+              <a:spcAft>
+                <a:spcPts val="0"/>
+              </a:spcAft>
+              <a:buClr>
+                <a:schemeClr val="lt1"/>
+              </a:buClr>
+              <a:buSzPct val="25000"/>
+              <a:buFont typeface="Cabin"/>
+              <a:buNone/>
+            </a:pPr>
+            <a:r>
+              <a:rPr lang="en-US" sz="3200" i="0" u="none" strike="noStrike" cap="none" dirty="0">
+                <a:solidFill>
+                  <a:schemeClr val="lt1"/>
+                </a:solidFill>
+                <a:latin typeface="Courier New"/>
+                <a:ea typeface="Courier New"/>
+                <a:cs typeface="Courier New"/>
+                <a:sym typeface="Courier New"/>
+              </a:rPr>
+              <a:t>x = 5</a:t>
+            </a:r>
+          </a:p>
+          <a:p>
+            <a:pPr marL="0" marR="0" lvl="0" indent="0" algn="l" rtl="0">
+              <a:lnSpc>
+                <a:spcPct val="100000"/>
+              </a:lnSpc>
+              <a:spcBef>
+                <a:spcPts val="0"/>
+              </a:spcBef>
+              <a:spcAft>
+                <a:spcPts val="0"/>
+              </a:spcAft>
+              <a:buClr>
+                <a:schemeClr val="lt1"/>
+              </a:buClr>
+              <a:buSzPct val="25000"/>
+              <a:buFont typeface="Cabin"/>
+              <a:buNone/>
+            </a:pPr>
+            <a:r>
+              <a:rPr lang="en-US" sz="3200" i="0" u="none" strike="noStrike" cap="none" dirty="0">
+                <a:solidFill>
+                  <a:schemeClr val="lt1"/>
+                </a:solidFill>
+                <a:latin typeface="Courier New"/>
+                <a:ea typeface="Courier New"/>
+                <a:cs typeface="Courier New"/>
+                <a:sym typeface="Courier New"/>
+              </a:rPr>
+              <a:t>if x &gt; 2 :</a:t>
+            </a:r>
+          </a:p>
+          <a:p>
+            <a:pPr lvl="0">
+              <a:buClr>
+                <a:schemeClr val="lt1"/>
+              </a:buClr>
+              <a:buSzPct val="25000"/>
+            </a:pPr>
+            <a:r>
+              <a:rPr lang="en-US" sz="3200" i="0" u="none" strike="noStrike" cap="none" dirty="0">
+                <a:solidFill>
+                  <a:schemeClr val="lt1"/>
+                </a:solidFill>
+                <a:latin typeface="Courier New"/>
+                <a:ea typeface="Courier New"/>
+                <a:cs typeface="Courier New"/>
+                <a:sym typeface="Courier New"/>
+              </a:rPr>
+              <a:t>    </a:t>
+            </a:r>
+            <a:r>
+              <a:rPr lang="en-US" sz="3200" i="0" u="none" strike="noStrike" cap="none" dirty="0" smtClean="0">
+                <a:solidFill>
+                  <a:schemeClr val="lt1"/>
+                </a:solidFill>
+                <a:latin typeface="Courier New"/>
+                <a:ea typeface="Courier New"/>
+                <a:cs typeface="Courier New"/>
+                <a:sym typeface="Courier New"/>
+              </a:rPr>
+              <a:t>print('Bigger </a:t>
+            </a:r>
+            <a:r>
+              <a:rPr lang="en-US" sz="3200" i="0" u="none" strike="noStrike" cap="none" dirty="0">
+                <a:solidFill>
+                  <a:schemeClr val="lt1"/>
+                </a:solidFill>
+                <a:latin typeface="Courier New"/>
+                <a:ea typeface="Courier New"/>
+                <a:cs typeface="Courier New"/>
+                <a:sym typeface="Courier New"/>
+              </a:rPr>
+              <a:t>than </a:t>
+            </a:r>
+            <a:r>
+              <a:rPr lang="en-US" sz="3200" dirty="0">
+                <a:solidFill>
+                  <a:schemeClr val="lt1"/>
+                </a:solidFill>
+                <a:latin typeface="Courier New"/>
+                <a:ea typeface="Courier New"/>
+                <a:cs typeface="Courier New"/>
+                <a:sym typeface="Courier New"/>
+              </a:rPr>
+              <a:t>2')</a:t>
+            </a:r>
+            <a:endParaRPr lang="en-US" sz="3200" i="0" u="none" strike="noStrike" cap="none" dirty="0">
+              <a:solidFill>
+                <a:schemeClr val="lt1"/>
+              </a:solidFill>
+              <a:latin typeface="Courier New"/>
+              <a:ea typeface="Courier New"/>
+              <a:cs typeface="Courier New"/>
+              <a:sym typeface="Courier New"/>
+            </a:endParaRPr>
+          </a:p>
+          <a:p>
+            <a:pPr lvl="0">
+              <a:buClr>
+                <a:schemeClr val="lt1"/>
+              </a:buClr>
+              <a:buSzPct val="25000"/>
+            </a:pPr>
+            <a:r>
+              <a:rPr lang="en-US" sz="3200" i="0" u="none" strike="noStrike" cap="none" dirty="0">
+                <a:solidFill>
+                  <a:schemeClr val="lt1"/>
+                </a:solidFill>
+                <a:latin typeface="Courier New"/>
+                <a:ea typeface="Courier New"/>
+                <a:cs typeface="Courier New"/>
+                <a:sym typeface="Courier New"/>
+              </a:rPr>
+              <a:t>    </a:t>
+            </a:r>
+            <a:r>
+              <a:rPr lang="en-US" sz="3200" i="0" u="none" strike="noStrike" cap="none" dirty="0" smtClean="0">
+                <a:solidFill>
+                  <a:schemeClr val="lt1"/>
+                </a:solidFill>
+                <a:latin typeface="Courier New"/>
+                <a:ea typeface="Courier New"/>
+                <a:cs typeface="Courier New"/>
+                <a:sym typeface="Courier New"/>
+              </a:rPr>
+              <a:t>print('Still </a:t>
+            </a:r>
+            <a:r>
+              <a:rPr lang="en-US" sz="3200" dirty="0">
+                <a:solidFill>
+                  <a:schemeClr val="lt1"/>
+                </a:solidFill>
+                <a:latin typeface="Courier New"/>
+                <a:ea typeface="Courier New"/>
+                <a:cs typeface="Courier New"/>
+                <a:sym typeface="Courier New"/>
+              </a:rPr>
+              <a:t>bigger')</a:t>
+            </a:r>
+            <a:endParaRPr lang="en-US" sz="3200" i="0" u="none" strike="noStrike" cap="none" dirty="0">
+              <a:solidFill>
+                <a:schemeClr val="lt1"/>
+              </a:solidFill>
+              <a:latin typeface="Courier New"/>
+              <a:ea typeface="Courier New"/>
+              <a:cs typeface="Courier New"/>
+              <a:sym typeface="Courier New"/>
+            </a:endParaRPr>
+          </a:p>
+          <a:p>
+            <a:pPr marL="0" marR="0" lvl="0" indent="0" algn="l" rtl="0">
+              <a:lnSpc>
+                <a:spcPct val="100000"/>
+              </a:lnSpc>
+              <a:spcBef>
+                <a:spcPts val="0"/>
+              </a:spcBef>
+              <a:spcAft>
+                <a:spcPts val="0"/>
+              </a:spcAft>
+              <a:buClr>
+                <a:schemeClr val="lt1"/>
+              </a:buClr>
+              <a:buSzPct val="25000"/>
+              <a:buFont typeface="Cabin"/>
+              <a:buNone/>
+            </a:pPr>
+            <a:r>
+              <a:rPr lang="en-US" sz="3200" i="0" u="none" strike="noStrike" cap="none" dirty="0" smtClean="0">
+                <a:solidFill>
+                  <a:schemeClr val="lt1"/>
+                </a:solidFill>
+                <a:latin typeface="Courier New"/>
+                <a:ea typeface="Courier New"/>
+                <a:cs typeface="Courier New"/>
+                <a:sym typeface="Courier New"/>
+              </a:rPr>
+              <a:t>print('Done </a:t>
+            </a:r>
+            <a:r>
+              <a:rPr lang="en-US" sz="3200" i="0" u="none" strike="noStrike" cap="none" dirty="0">
+                <a:solidFill>
+                  <a:schemeClr val="lt1"/>
+                </a:solidFill>
+                <a:latin typeface="Courier New"/>
+                <a:ea typeface="Courier New"/>
+                <a:cs typeface="Courier New"/>
+                <a:sym typeface="Courier New"/>
+              </a:rPr>
+              <a:t>with </a:t>
+            </a:r>
+            <a:r>
+              <a:rPr lang="en-US" sz="3200" i="0" u="none" strike="noStrike" cap="none" dirty="0" smtClean="0">
+                <a:solidFill>
+                  <a:schemeClr val="lt1"/>
+                </a:solidFill>
+                <a:latin typeface="Courier New"/>
+                <a:ea typeface="Courier New"/>
+                <a:cs typeface="Courier New"/>
+                <a:sym typeface="Courier New"/>
+              </a:rPr>
+              <a:t>2’)</a:t>
+            </a:r>
+            <a:endParaRPr lang="en-US" sz="3200" i="0" u="none" strike="noStrike" cap="none" dirty="0">
+              <a:solidFill>
+                <a:schemeClr val="lt1"/>
+              </a:solidFill>
+              <a:latin typeface="Courier New"/>
+              <a:ea typeface="Courier New"/>
+              <a:cs typeface="Courier New"/>
+              <a:sym typeface="Courier New"/>
+            </a:endParaRPr>
+          </a:p>
+          <a:p>
+            <a:pPr marL="0" marR="0" lvl="0" indent="0" algn="ctr" rtl="0">
+              <a:lnSpc>
+                <a:spcPct val="100000"/>
+              </a:lnSpc>
+              <a:spcBef>
+                <a:spcPts val="0"/>
+              </a:spcBef>
+              <a:spcAft>
+                <a:spcPts val="0"/>
+              </a:spcAft>
+              <a:buNone/>
+            </a:pPr>
+            <a:endParaRPr sz="3200" i="0" u="none" strike="noStrike" cap="none" dirty="0">
+              <a:solidFill>
+                <a:schemeClr val="lt1"/>
+              </a:solidFill>
+              <a:latin typeface="Courier New"/>
+              <a:ea typeface="Courier New"/>
+              <a:cs typeface="Courier New"/>
+              <a:sym typeface="Courier New"/>
+            </a:endParaRPr>
+          </a:p>
+          <a:p>
+            <a:pPr marL="0" marR="0" lvl="0" indent="0" algn="l" rtl="0">
+              <a:lnSpc>
+                <a:spcPct val="100000"/>
+              </a:lnSpc>
+              <a:spcBef>
+                <a:spcPts val="0"/>
+              </a:spcBef>
+              <a:spcAft>
+                <a:spcPts val="0"/>
+              </a:spcAft>
+              <a:buClr>
+                <a:schemeClr val="lt1"/>
+              </a:buClr>
+              <a:buSzPct val="25000"/>
+              <a:buFont typeface="Cabin"/>
+              <a:buNone/>
+            </a:pPr>
+            <a:r>
+              <a:rPr lang="en-US" sz="3200" i="0" u="none" strike="noStrike" cap="none" dirty="0">
+                <a:solidFill>
+                  <a:schemeClr val="lt1"/>
+                </a:solidFill>
+                <a:latin typeface="Courier New"/>
+                <a:ea typeface="Courier New"/>
+                <a:cs typeface="Courier New"/>
+                <a:sym typeface="Courier New"/>
+              </a:rPr>
+              <a:t>for </a:t>
+            </a:r>
+            <a:r>
+              <a:rPr lang="en-US" sz="3200" i="0" u="none" strike="noStrike" cap="none" dirty="0" err="1">
+                <a:solidFill>
+                  <a:schemeClr val="lt1"/>
+                </a:solidFill>
+                <a:latin typeface="Courier New"/>
+                <a:ea typeface="Courier New"/>
+                <a:cs typeface="Courier New"/>
+                <a:sym typeface="Courier New"/>
+              </a:rPr>
+              <a:t>i</a:t>
+            </a:r>
+            <a:r>
+              <a:rPr lang="en-US" sz="3200" i="0" u="none" strike="noStrike" cap="none" dirty="0">
+                <a:solidFill>
+                  <a:schemeClr val="lt1"/>
+                </a:solidFill>
+                <a:latin typeface="Courier New"/>
+                <a:ea typeface="Courier New"/>
+                <a:cs typeface="Courier New"/>
+                <a:sym typeface="Courier New"/>
+              </a:rPr>
+              <a:t> in range(5) :</a:t>
+            </a:r>
+          </a:p>
+          <a:p>
+            <a:pPr marL="0" marR="0" lvl="0" indent="0" algn="l" rtl="0">
+              <a:lnSpc>
+                <a:spcPct val="100000"/>
+              </a:lnSpc>
+              <a:spcBef>
+                <a:spcPts val="0"/>
+              </a:spcBef>
+              <a:spcAft>
+                <a:spcPts val="0"/>
+              </a:spcAft>
+              <a:buClr>
+                <a:schemeClr val="lt1"/>
+              </a:buClr>
+              <a:buSzPct val="25000"/>
+              <a:buFont typeface="Cabin"/>
+              <a:buNone/>
+            </a:pPr>
+            <a:r>
+              <a:rPr lang="en-US" sz="3200" i="0" u="none" strike="noStrike" cap="none" dirty="0">
+                <a:solidFill>
+                  <a:schemeClr val="lt1"/>
+                </a:solidFill>
+                <a:latin typeface="Courier New"/>
+                <a:ea typeface="Courier New"/>
+                <a:cs typeface="Courier New"/>
+                <a:sym typeface="Courier New"/>
+              </a:rPr>
+              <a:t>    </a:t>
+            </a:r>
+            <a:r>
+              <a:rPr lang="en-US" sz="3200" i="0" u="none" strike="noStrike" cap="none" dirty="0" smtClean="0">
+                <a:solidFill>
+                  <a:schemeClr val="lt1"/>
+                </a:solidFill>
+                <a:latin typeface="Courier New"/>
+                <a:ea typeface="Courier New"/>
+                <a:cs typeface="Courier New"/>
+                <a:sym typeface="Courier New"/>
+              </a:rPr>
+              <a:t>print(</a:t>
+            </a:r>
+            <a:r>
+              <a:rPr lang="en-US" sz="3200" i="0" u="none" strike="noStrike" cap="none" dirty="0" err="1" smtClean="0">
+                <a:solidFill>
+                  <a:schemeClr val="lt1"/>
+                </a:solidFill>
+                <a:latin typeface="Courier New"/>
+                <a:ea typeface="Courier New"/>
+                <a:cs typeface="Courier New"/>
+                <a:sym typeface="Courier New"/>
+              </a:rPr>
+              <a:t>i</a:t>
+            </a:r>
+            <a:r>
+              <a:rPr lang="en-US" sz="3200" i="0" u="none" strike="noStrike" cap="none" dirty="0" smtClean="0">
+                <a:solidFill>
+                  <a:schemeClr val="lt1"/>
+                </a:solidFill>
+                <a:latin typeface="Courier New"/>
+                <a:ea typeface="Courier New"/>
+                <a:cs typeface="Courier New"/>
+                <a:sym typeface="Courier New"/>
+              </a:rPr>
+              <a:t>)</a:t>
+            </a:r>
+            <a:endParaRPr lang="en-US" sz="3200" i="0" u="none" strike="noStrike" cap="none" dirty="0">
+              <a:solidFill>
+                <a:schemeClr val="lt1"/>
+              </a:solidFill>
+              <a:latin typeface="Courier New"/>
+              <a:ea typeface="Courier New"/>
+              <a:cs typeface="Courier New"/>
+              <a:sym typeface="Courier New"/>
+            </a:endParaRPr>
+          </a:p>
+          <a:p>
+            <a:pPr marL="0" marR="0" lvl="0" indent="0" algn="l" rtl="0">
+              <a:lnSpc>
+                <a:spcPct val="100000"/>
+              </a:lnSpc>
+              <a:spcBef>
+                <a:spcPts val="0"/>
+              </a:spcBef>
+              <a:spcAft>
+                <a:spcPts val="0"/>
+              </a:spcAft>
+              <a:buClr>
+                <a:schemeClr val="lt1"/>
+              </a:buClr>
+              <a:buSzPct val="25000"/>
+              <a:buFont typeface="Cabin"/>
+              <a:buNone/>
+            </a:pPr>
+            <a:r>
+              <a:rPr lang="en-US" sz="3200" i="0" u="none" strike="noStrike" cap="none" dirty="0">
+                <a:solidFill>
+                  <a:schemeClr val="lt1"/>
+                </a:solidFill>
+                <a:latin typeface="Courier New"/>
+                <a:ea typeface="Courier New"/>
+                <a:cs typeface="Courier New"/>
+                <a:sym typeface="Courier New"/>
+              </a:rPr>
+              <a:t>    if </a:t>
+            </a:r>
+            <a:r>
+              <a:rPr lang="en-US" sz="3200" i="0" u="none" strike="noStrike" cap="none" dirty="0" err="1">
+                <a:solidFill>
+                  <a:schemeClr val="lt1"/>
+                </a:solidFill>
+                <a:latin typeface="Courier New"/>
+                <a:ea typeface="Courier New"/>
+                <a:cs typeface="Courier New"/>
+                <a:sym typeface="Courier New"/>
+              </a:rPr>
+              <a:t>i</a:t>
+            </a:r>
+            <a:r>
+              <a:rPr lang="en-US" sz="3200" i="0" u="none" strike="noStrike" cap="none" dirty="0">
+                <a:solidFill>
+                  <a:schemeClr val="lt1"/>
+                </a:solidFill>
+                <a:latin typeface="Courier New"/>
+                <a:ea typeface="Courier New"/>
+                <a:cs typeface="Courier New"/>
+                <a:sym typeface="Courier New"/>
+              </a:rPr>
+              <a:t> &gt; 2 : </a:t>
+            </a:r>
+          </a:p>
+          <a:p>
+            <a:pPr lvl="0">
+              <a:buClr>
+                <a:schemeClr val="lt1"/>
+              </a:buClr>
+              <a:buSzPct val="25000"/>
+            </a:pPr>
+            <a:r>
+              <a:rPr lang="en-US" sz="3200" i="0" u="none" strike="noStrike" cap="none" dirty="0">
+                <a:solidFill>
+                  <a:schemeClr val="lt1"/>
+                </a:solidFill>
+                <a:latin typeface="Courier New"/>
+                <a:ea typeface="Courier New"/>
+                <a:cs typeface="Courier New"/>
+                <a:sym typeface="Courier New"/>
+              </a:rPr>
+              <a:t>        </a:t>
+            </a:r>
+            <a:r>
+              <a:rPr lang="en-US" sz="3200" i="0" u="none" strike="noStrike" cap="none" dirty="0" smtClean="0">
+                <a:solidFill>
+                  <a:schemeClr val="lt1"/>
+                </a:solidFill>
+                <a:latin typeface="Courier New"/>
+                <a:ea typeface="Courier New"/>
+                <a:cs typeface="Courier New"/>
+                <a:sym typeface="Courier New"/>
+              </a:rPr>
+              <a:t>print('Bigger </a:t>
+            </a:r>
+            <a:r>
+              <a:rPr lang="en-US" sz="3200" i="0" u="none" strike="noStrike" cap="none" dirty="0">
+                <a:solidFill>
+                  <a:schemeClr val="lt1"/>
+                </a:solidFill>
+                <a:latin typeface="Courier New"/>
+                <a:ea typeface="Courier New"/>
+                <a:cs typeface="Courier New"/>
+                <a:sym typeface="Courier New"/>
+              </a:rPr>
+              <a:t>than </a:t>
+            </a:r>
+            <a:r>
+              <a:rPr lang="en-US" sz="3200" dirty="0">
+                <a:solidFill>
+                  <a:schemeClr val="lt1"/>
+                </a:solidFill>
+                <a:latin typeface="Courier New"/>
+                <a:ea typeface="Courier New"/>
+                <a:cs typeface="Courier New"/>
+                <a:sym typeface="Courier New"/>
+              </a:rPr>
+              <a:t>2')</a:t>
+            </a:r>
+            <a:endParaRPr lang="en-US" sz="3200" i="0" u="none" strike="noStrike" cap="none" dirty="0">
+              <a:solidFill>
+                <a:schemeClr val="lt1"/>
+              </a:solidFill>
+              <a:latin typeface="Courier New"/>
+              <a:ea typeface="Courier New"/>
+              <a:cs typeface="Courier New"/>
+              <a:sym typeface="Courier New"/>
+            </a:endParaRPr>
+          </a:p>
+          <a:p>
+            <a:pPr marL="0" marR="0" lvl="0" indent="0" algn="l" rtl="0">
+              <a:lnSpc>
+                <a:spcPct val="100000"/>
+              </a:lnSpc>
+              <a:spcBef>
+                <a:spcPts val="0"/>
+              </a:spcBef>
+              <a:spcAft>
+                <a:spcPts val="0"/>
+              </a:spcAft>
+              <a:buClr>
+                <a:schemeClr val="lt1"/>
+              </a:buClr>
+              <a:buSzPct val="25000"/>
+              <a:buFont typeface="Cabin"/>
+              <a:buNone/>
+            </a:pPr>
+            <a:r>
+              <a:rPr lang="en-US" sz="3200" i="0" u="none" strike="noStrike" cap="none" dirty="0">
+                <a:solidFill>
+                  <a:schemeClr val="lt1"/>
+                </a:solidFill>
+                <a:latin typeface="Courier New"/>
+                <a:ea typeface="Courier New"/>
+                <a:cs typeface="Courier New"/>
+                <a:sym typeface="Courier New"/>
+              </a:rPr>
+              <a:t>    </a:t>
+            </a:r>
+            <a:r>
+              <a:rPr lang="en-US" sz="3200" i="0" u="none" strike="noStrike" cap="none" dirty="0" smtClean="0">
+                <a:solidFill>
+                  <a:schemeClr val="lt1"/>
+                </a:solidFill>
+                <a:latin typeface="Courier New"/>
+                <a:ea typeface="Courier New"/>
+                <a:cs typeface="Courier New"/>
+                <a:sym typeface="Courier New"/>
+              </a:rPr>
+              <a:t>print('Done </a:t>
+            </a:r>
+            <a:r>
+              <a:rPr lang="en-US" sz="3200" i="0" u="none" strike="noStrike" cap="none" dirty="0">
+                <a:solidFill>
+                  <a:schemeClr val="lt1"/>
+                </a:solidFill>
+                <a:latin typeface="Courier New"/>
+                <a:ea typeface="Courier New"/>
+                <a:cs typeface="Courier New"/>
+                <a:sym typeface="Courier New"/>
+              </a:rPr>
+              <a:t>with </a:t>
+            </a:r>
+            <a:r>
+              <a:rPr lang="en-US" sz="3200" i="0" u="none" strike="noStrike" cap="none" dirty="0" err="1">
+                <a:solidFill>
+                  <a:schemeClr val="lt1"/>
+                </a:solidFill>
+                <a:latin typeface="Courier New"/>
+                <a:ea typeface="Courier New"/>
+                <a:cs typeface="Courier New"/>
+                <a:sym typeface="Courier New"/>
+              </a:rPr>
+              <a:t>i</a:t>
+            </a:r>
+            <a:r>
+              <a:rPr lang="en-US" sz="3200" i="0" u="none" strike="noStrike" cap="none" dirty="0">
+                <a:solidFill>
+                  <a:schemeClr val="lt1"/>
+                </a:solidFill>
+                <a:latin typeface="Courier New"/>
+                <a:ea typeface="Courier New"/>
+                <a:cs typeface="Courier New"/>
+                <a:sym typeface="Courier New"/>
+              </a:rPr>
+              <a:t>', </a:t>
+            </a:r>
+            <a:r>
+              <a:rPr lang="en-US" sz="3200" i="0" u="none" strike="noStrike" cap="none" dirty="0" err="1" smtClean="0">
+                <a:solidFill>
+                  <a:schemeClr val="lt1"/>
+                </a:solidFill>
+                <a:latin typeface="Courier New"/>
+                <a:ea typeface="Courier New"/>
+                <a:cs typeface="Courier New"/>
+                <a:sym typeface="Courier New"/>
+              </a:rPr>
+              <a:t>i</a:t>
+            </a:r>
+            <a:r>
+              <a:rPr lang="en-US" sz="3200" i="0" u="none" strike="noStrike" cap="none" dirty="0" smtClean="0">
+                <a:solidFill>
+                  <a:schemeClr val="lt1"/>
+                </a:solidFill>
+                <a:latin typeface="Courier New"/>
+                <a:ea typeface="Courier New"/>
+                <a:cs typeface="Courier New"/>
+                <a:sym typeface="Courier New"/>
+              </a:rPr>
+              <a:t>)</a:t>
+            </a:r>
+            <a:endParaRPr lang="en-US" sz="3200" i="0" u="none" strike="noStrike" cap="none" dirty="0">
+              <a:solidFill>
+                <a:schemeClr val="lt1"/>
+              </a:solidFill>
+              <a:latin typeface="Courier New"/>
+              <a:ea typeface="Courier New"/>
+              <a:cs typeface="Courier New"/>
+              <a:sym typeface="Courier New"/>
+            </a:endParaRPr>
+          </a:p>
+          <a:p>
+            <a:pPr marL="0" marR="0" lvl="0" indent="0" algn="l" rtl="0">
+              <a:lnSpc>
+                <a:spcPct val="100000"/>
+              </a:lnSpc>
+              <a:spcBef>
+                <a:spcPts val="0"/>
+              </a:spcBef>
+              <a:spcAft>
+                <a:spcPts val="0"/>
+              </a:spcAft>
+              <a:buClr>
+                <a:schemeClr val="lt1"/>
+              </a:buClr>
+              <a:buSzPct val="25000"/>
+              <a:buFont typeface="Cabin"/>
+              <a:buNone/>
+            </a:pPr>
+            <a:r>
+              <a:rPr lang="en-US" sz="3200" dirty="0" smtClean="0">
+                <a:solidFill>
+                  <a:schemeClr val="lt1"/>
+                </a:solidFill>
+                <a:latin typeface="Courier New"/>
+                <a:ea typeface="Courier New"/>
+                <a:cs typeface="Courier New"/>
+                <a:sym typeface="Courier New"/>
+              </a:rPr>
+              <a:t>print('All Done')</a:t>
+            </a:r>
+            <a:endParaRPr lang="en-US" sz="3200" dirty="0">
+              <a:solidFill>
+                <a:schemeClr val="lt1"/>
+              </a:solidFill>
+              <a:latin typeface="Courier New"/>
+              <a:ea typeface="Courier New"/>
+              <a:cs typeface="Courier New"/>
+              <a:sym typeface="Courier New"/>
+            </a:endParaRPr>
+          </a:p>
+        </p:txBody>
+      </p:sp>
+      <p:sp>
+        <p:nvSpPr>
+          <p:cNvPr id="15" name="Shape 361"/>
+          <p:cNvSpPr txBox="1"/>
+          <p:nvPr/>
+        </p:nvSpPr>
+        <p:spPr>
+          <a:xfrm>
+            <a:off x="2417350" y="524656"/>
+            <a:ext cx="12405000" cy="1494744"/>
+          </a:xfrm>
+          <a:prstGeom prst="rect">
+            <a:avLst/>
+          </a:prstGeom>
+          <a:noFill/>
+          <a:ln>
+            <a:noFill/>
+          </a:ln>
+        </p:spPr>
+        <p:txBody>
+          <a:bodyPr lIns="0" tIns="0" rIns="0" bIns="0" anchor="ctr" anchorCtr="0">
+            <a:noAutofit/>
+          </a:bodyPr>
+          <a:lstStyle/>
+          <a:p>
+            <a:pPr marL="0" marR="0" lvl="0" indent="0" algn="ctr" rtl="0">
+              <a:lnSpc>
+                <a:spcPct val="100000"/>
+              </a:lnSpc>
+              <a:spcBef>
+                <a:spcPts val="0"/>
+              </a:spcBef>
+              <a:spcAft>
+                <a:spcPts val="0"/>
+              </a:spcAft>
+              <a:buClr>
+                <a:srgbClr val="FF00FF"/>
+              </a:buClr>
+              <a:buSzPct val="25000"/>
+              <a:buFont typeface="Cabin"/>
+              <a:buNone/>
+            </a:pPr>
+            <a:r>
+              <a:rPr lang="en-US" sz="6000" dirty="0">
+                <a:solidFill>
+                  <a:srgbClr val="FFFF00"/>
+                </a:solidFill>
+                <a:latin typeface="Arial" charset="0"/>
+                <a:ea typeface="Arial" charset="0"/>
+                <a:cs typeface="Arial" charset="0"/>
+                <a:sym typeface="Cabin"/>
+              </a:rPr>
+              <a:t>Think about begin/end blocks</a:t>
+            </a:r>
+          </a:p>
+          <a:p>
+            <a:pPr marL="0" marR="0" lvl="0" indent="0" algn="l" rtl="0">
+              <a:lnSpc>
+                <a:spcPct val="100000"/>
+              </a:lnSpc>
+              <a:spcBef>
+                <a:spcPts val="0"/>
+              </a:spcBef>
+              <a:spcAft>
+                <a:spcPts val="0"/>
+              </a:spcAft>
+              <a:buClr>
+                <a:srgbClr val="FF7F00"/>
+              </a:buClr>
+              <a:buFont typeface="Cabin"/>
+              <a:buNone/>
+            </a:pPr>
+            <a:endParaRPr dirty="0">
+              <a:solidFill>
+                <a:srgbClr val="FFFF00"/>
+              </a:solidFill>
+            </a:endParaRPr>
           </a:p>
         </p:txBody>
       </p:sp>
@@ -6999,7 +6978,7 @@
   <p:timing>
     <p:tnLst>
       <p:par>
-        <p:cTn id="1" dur="indefinite" restart="never" nodeType="tmRoot"/>
+        <p:cTn xmlns:p14="http://schemas.microsoft.com/office/powerpoint/2010/main" id="1" dur="indefinite" restart="never" nodeType="tmRoot"/>
       </p:par>
     </p:tnLst>
   </p:timing>
@@ -7066,7 +7045,7 @@
               <a:buNone/>
             </a:pPr>
             <a:r>
-              <a:rPr lang="en-US" sz="3000" b="1" i="0" u="none" strike="noStrike" cap="none" dirty="0">
+              <a:rPr lang="en-US" sz="3000" i="0" u="none" strike="noStrike" cap="none" dirty="0">
                 <a:solidFill>
                   <a:schemeClr val="lt1"/>
                 </a:solidFill>
@@ -7097,7 +7076,7 @@
               <a:buNone/>
             </a:pPr>
             <a:r>
-              <a:rPr lang="en-US" sz="3000" b="1" i="0" u="none" strike="noStrike" cap="none" dirty="0">
+              <a:rPr lang="en-US" sz="3000" i="0" u="none" strike="noStrike" cap="none" dirty="0">
                 <a:solidFill>
                   <a:srgbClr val="00FF00"/>
                 </a:solidFill>
@@ -7117,7 +7096,7 @@
               <a:buSzPct val="25000"/>
             </a:pPr>
             <a:r>
-              <a:rPr lang="en-US" sz="3000" b="1" i="0" u="none" strike="noStrike" cap="none" dirty="0">
+              <a:rPr lang="en-US" sz="3000" i="0" u="none" strike="noStrike" cap="none" dirty="0">
                 <a:solidFill>
                   <a:srgbClr val="00FF00"/>
                 </a:solidFill>
@@ -7129,7 +7108,7 @@
               <a:t>    </a:t>
             </a:r>
             <a:r>
-              <a:rPr lang="en-US" sz="3000" b="1" i="0" u="none" strike="noStrike" cap="none" dirty="0" smtClean="0">
+              <a:rPr lang="en-US" sz="3000" i="0" u="none" strike="noStrike" cap="none" dirty="0" smtClean="0">
                 <a:solidFill>
                   <a:srgbClr val="00FF00"/>
                 </a:solidFill>
@@ -7141,7 +7120,7 @@
               <a:t>print('More </a:t>
             </a:r>
             <a:r>
-              <a:rPr lang="en-US" sz="3000" b="1" i="0" u="none" strike="noStrike" cap="none" dirty="0">
+              <a:rPr lang="en-US" sz="3000" i="0" u="none" strike="noStrike" cap="none" dirty="0">
                 <a:solidFill>
                   <a:srgbClr val="00FF00"/>
                 </a:solidFill>
@@ -7153,7 +7132,7 @@
               <a:t>than one</a:t>
             </a:r>
             <a:r>
-              <a:rPr lang="en-US" sz="3000" b="1" dirty="0">
+              <a:rPr lang="en-US" sz="3000" dirty="0">
                 <a:solidFill>
                   <a:srgbClr val="00FF00"/>
                 </a:solidFill>
@@ -7164,7 +7143,7 @@
               </a:rPr>
               <a:t>')</a:t>
             </a:r>
-            <a:endParaRPr lang="en-US" sz="3000" b="1" i="0" u="none" strike="noStrike" cap="none" dirty="0">
+            <a:endParaRPr lang="en-US" sz="3000" i="0" u="none" strike="noStrike" cap="none" dirty="0">
               <a:solidFill>
                 <a:srgbClr val="00FF00"/>
               </a:solidFill>
@@ -7193,7 +7172,7 @@
               <a:buNone/>
             </a:pPr>
             <a:r>
-              <a:rPr lang="en-US" sz="3000" b="1" i="0" u="none" strike="noStrike" cap="none" dirty="0">
+              <a:rPr lang="en-US" sz="3000" i="0" u="none" strike="noStrike" cap="none" dirty="0">
                 <a:solidFill>
                   <a:schemeClr val="lt1"/>
                 </a:solidFill>
@@ -7205,7 +7184,7 @@
               <a:t>   </a:t>
             </a:r>
             <a:r>
-              <a:rPr lang="en-US" sz="3000" b="1" i="0" u="none" strike="noStrike" cap="none" dirty="0">
+              <a:rPr lang="en-US" sz="3000" i="0" u="none" strike="noStrike" cap="none" dirty="0">
                 <a:solidFill>
                   <a:srgbClr val="FF00FF"/>
                 </a:solidFill>
@@ -7217,7 +7196,7 @@
               <a:t> </a:t>
             </a:r>
             <a:r>
-              <a:rPr lang="en-US" sz="3000" b="1" i="0" u="none" strike="noStrike" cap="none" dirty="0">
+              <a:rPr lang="en-US" sz="3000" i="0" u="none" strike="noStrike" cap="none" dirty="0">
                 <a:solidFill>
                   <a:srgbClr val="FF9900"/>
                 </a:solidFill>
@@ -7237,7 +7216,7 @@
               <a:buSzPct val="25000"/>
             </a:pPr>
             <a:r>
-              <a:rPr lang="en-US" sz="3000" b="1" i="0" u="none" strike="noStrike" cap="none" dirty="0">
+              <a:rPr lang="en-US" sz="3000" i="0" u="none" strike="noStrike" cap="none" dirty="0">
                 <a:solidFill>
                   <a:srgbClr val="FF9900"/>
                 </a:solidFill>
@@ -7249,7 +7228,7 @@
               <a:t>        </a:t>
             </a:r>
             <a:r>
-              <a:rPr lang="en-US" sz="3000" b="1" i="0" u="none" strike="noStrike" cap="none" dirty="0" smtClean="0">
+              <a:rPr lang="en-US" sz="3000" i="0" u="none" strike="noStrike" cap="none" dirty="0" smtClean="0">
                 <a:solidFill>
                   <a:srgbClr val="FF9900"/>
                 </a:solidFill>
@@ -7261,7 +7240,7 @@
               <a:t>print('Less </a:t>
             </a:r>
             <a:r>
-              <a:rPr lang="en-US" sz="3000" b="1" i="0" u="none" strike="noStrike" cap="none" dirty="0">
+              <a:rPr lang="en-US" sz="3000" i="0" u="none" strike="noStrike" cap="none" dirty="0">
                 <a:solidFill>
                   <a:srgbClr val="FF9900"/>
                 </a:solidFill>
@@ -7273,7 +7252,7 @@
               <a:t>than 100</a:t>
             </a:r>
             <a:r>
-              <a:rPr lang="en-US" sz="3000" b="1" dirty="0">
+              <a:rPr lang="en-US" sz="3000" dirty="0">
                 <a:solidFill>
                   <a:srgbClr val="FF9900"/>
                 </a:solidFill>
@@ -7284,7 +7263,7 @@
               </a:rPr>
               <a:t>') </a:t>
             </a:r>
-            <a:endParaRPr lang="en-US" sz="3000" b="1" i="0" u="none" strike="noStrike" cap="none" dirty="0">
+            <a:endParaRPr lang="en-US" sz="3000" i="0" u="none" strike="noStrike" cap="none" dirty="0">
               <a:solidFill>
                 <a:srgbClr val="FF9900"/>
               </a:solidFill>
@@ -7302,7 +7281,7 @@
               <a:buSzPct val="25000"/>
             </a:pPr>
             <a:r>
-              <a:rPr lang="en-US" sz="3000" b="1" i="0" u="none" strike="noStrike" cap="none" dirty="0" smtClean="0">
+              <a:rPr lang="en-US" sz="3000" i="0" u="none" strike="noStrike" cap="none" dirty="0" smtClean="0">
                 <a:solidFill>
                   <a:srgbClr val="00FFFF"/>
                 </a:solidFill>
@@ -7314,7 +7293,7 @@
               <a:t>print('All </a:t>
             </a:r>
             <a:r>
-              <a:rPr lang="en-US" sz="3000" b="1" i="0" u="none" strike="noStrike" cap="none" dirty="0">
+              <a:rPr lang="en-US" sz="3000" i="0" u="none" strike="noStrike" cap="none" dirty="0">
                 <a:solidFill>
                   <a:srgbClr val="00FFFF"/>
                 </a:solidFill>
@@ -7326,7 +7305,7 @@
               <a:t>done</a:t>
             </a:r>
             <a:r>
-              <a:rPr lang="en-US" sz="3000" b="1" dirty="0">
+              <a:rPr lang="en-US" sz="3000" dirty="0">
                 <a:solidFill>
                   <a:srgbClr val="00FFFF"/>
                 </a:solidFill>
@@ -7337,7 +7316,7 @@
               </a:rPr>
               <a:t>')</a:t>
             </a:r>
-            <a:endParaRPr lang="en-US" sz="3000" b="1" i="0" u="none" strike="noStrike" cap="none" dirty="0">
+            <a:endParaRPr lang="en-US" sz="3000" i="0" u="none" strike="noStrike" cap="none" dirty="0">
               <a:solidFill>
                 <a:srgbClr val="00FFFF"/>
               </a:solidFill>
@@ -8298,7 +8277,7 @@
   <p:timing>
     <p:tnLst>
       <p:par>
-        <p:cTn id="1" dur="indefinite" restart="never" nodeType="tmRoot"/>
+        <p:cTn xmlns:p14="http://schemas.microsoft.com/office/powerpoint/2010/main" id="1" dur="indefinite" restart="never" nodeType="tmRoot"/>
       </p:par>
     </p:tnLst>
   </p:timing>
@@ -8972,9 +8951,9 @@
           <p:nvPr/>
         </p:nvCxnSpPr>
         <p:spPr>
-          <a:xfrm rot="10800000" flipH="1">
-            <a:off x="8805517" y="3915880"/>
-            <a:ext cx="1278272" cy="11633"/>
+          <a:xfrm>
+            <a:off x="8805517" y="3910062"/>
+            <a:ext cx="1209925" cy="5819"/>
           </a:xfrm>
           <a:prstGeom prst="straightConnector1">
             <a:avLst/>
@@ -9262,7 +9241,7 @@
   <p:timing>
     <p:tnLst>
       <p:par>
-        <p:cTn id="1" dur="indefinite" restart="never" nodeType="tmRoot"/>
+        <p:cTn xmlns:p14="http://schemas.microsoft.com/office/powerpoint/2010/main" id="1" dur="indefinite" restart="never" nodeType="tmRoot"/>
       </p:par>
     </p:tnLst>
   </p:timing>
@@ -10170,7 +10149,7 @@
               <a:buNone/>
             </a:pPr>
             <a:r>
-              <a:rPr lang="en-US" sz="3000" b="1" i="0" u="none" strike="noStrike" cap="none" dirty="0">
+              <a:rPr lang="en-US" sz="3000" i="0" u="none" strike="noStrike" cap="none" dirty="0">
                 <a:solidFill>
                   <a:srgbClr val="FFFFFF"/>
                 </a:solidFill>
@@ -10195,7 +10174,7 @@
               </a:spcAft>
               <a:buNone/>
             </a:pPr>
-            <a:endParaRPr sz="3000" b="1" i="0" u="none" strike="noStrike" cap="none" dirty="0">
+            <a:endParaRPr sz="3000" i="0" u="none" strike="noStrike" cap="none" dirty="0">
               <a:solidFill>
                 <a:schemeClr val="lt1"/>
               </a:solidFill>
@@ -10224,7 +10203,7 @@
               <a:buNone/>
             </a:pPr>
             <a:r>
-              <a:rPr lang="en-US" sz="3000" b="1" i="0" u="none" strike="noStrike" cap="none" dirty="0">
+              <a:rPr lang="en-US" sz="3000" i="0" u="none" strike="noStrike" cap="none" dirty="0">
                 <a:solidFill>
                   <a:srgbClr val="00FF00"/>
                 </a:solidFill>
@@ -10255,7 +10234,7 @@
               <a:buNone/>
             </a:pPr>
             <a:r>
-              <a:rPr lang="en-US" sz="3000" b="1" i="0" u="none" strike="noStrike" cap="none" dirty="0">
+              <a:rPr lang="en-US" sz="3000" i="0" u="none" strike="noStrike" cap="none" dirty="0">
                 <a:solidFill>
                   <a:srgbClr val="00FF00"/>
                 </a:solidFill>
@@ -10267,7 +10246,7 @@
               <a:t>    </a:t>
             </a:r>
             <a:r>
-              <a:rPr lang="en-US" sz="3000" b="1" i="0" u="none" strike="noStrike" cap="none" dirty="0" smtClean="0">
+              <a:rPr lang="en-US" sz="3000" i="0" u="none" strike="noStrike" cap="none" dirty="0" smtClean="0">
                 <a:solidFill>
                   <a:srgbClr val="00FF00"/>
                 </a:solidFill>
@@ -10278,7 +10257,7 @@
               </a:rPr>
               <a:t>print('Bigger')</a:t>
             </a:r>
-            <a:endParaRPr lang="en-US" sz="3000" b="1" i="0" u="none" strike="noStrike" cap="none" dirty="0">
+            <a:endParaRPr lang="en-US" sz="3000" i="0" u="none" strike="noStrike" cap="none" dirty="0">
               <a:solidFill>
                 <a:srgbClr val="00FF00"/>
               </a:solidFill>
@@ -10307,7 +10286,7 @@
               <a:buNone/>
             </a:pPr>
             <a:r>
-              <a:rPr lang="en-US" sz="3000" b="1" i="0" u="none" strike="noStrike" cap="none" dirty="0">
+              <a:rPr lang="en-US" sz="3000" i="0" u="none" strike="noStrike" cap="none" dirty="0">
                 <a:solidFill>
                   <a:srgbClr val="FF9900"/>
                 </a:solidFill>
@@ -10338,7 +10317,7 @@
               <a:buNone/>
             </a:pPr>
             <a:r>
-              <a:rPr lang="en-US" sz="3000" b="1" i="0" u="none" strike="noStrike" cap="none" dirty="0">
+              <a:rPr lang="en-US" sz="3000" i="0" u="none" strike="noStrike" cap="none" dirty="0">
                 <a:solidFill>
                   <a:srgbClr val="FF9900"/>
                 </a:solidFill>
@@ -10350,7 +10329,7 @@
               <a:t>    </a:t>
             </a:r>
             <a:r>
-              <a:rPr lang="en-US" sz="3000" b="1" i="0" u="none" strike="noStrike" cap="none" dirty="0" smtClean="0">
+              <a:rPr lang="en-US" sz="3000" i="0" u="none" strike="noStrike" cap="none" dirty="0" smtClean="0">
                 <a:solidFill>
                   <a:srgbClr val="FF9900"/>
                 </a:solidFill>
@@ -10361,7 +10340,7 @@
               </a:rPr>
               <a:t>print('Smaller')</a:t>
             </a:r>
-            <a:endParaRPr lang="en-US" sz="3000" b="1" i="0" u="none" strike="noStrike" cap="none" dirty="0">
+            <a:endParaRPr lang="en-US" sz="3000" i="0" u="none" strike="noStrike" cap="none" dirty="0">
               <a:solidFill>
                 <a:srgbClr val="FF9900"/>
               </a:solidFill>
@@ -10384,7 +10363,7 @@
               </a:spcAft>
               <a:buNone/>
             </a:pPr>
-            <a:endParaRPr sz="3000" b="1" i="0" u="none" strike="noStrike" cap="none" dirty="0">
+            <a:endParaRPr sz="3000" i="0" u="none" strike="noStrike" cap="none" dirty="0">
               <a:solidFill>
                 <a:srgbClr val="00FFFF"/>
               </a:solidFill>
@@ -10413,7 +10392,7 @@
               <a:buNone/>
             </a:pPr>
             <a:r>
-              <a:rPr lang="en-US" sz="3000" b="1" i="0" u="none" strike="noStrike" cap="none" dirty="0">
+              <a:rPr lang="en-US" sz="3000" i="0" u="none" strike="noStrike" cap="none" dirty="0">
                 <a:solidFill>
                   <a:srgbClr val="00FFFF"/>
                 </a:solidFill>
@@ -10440,7 +10419,7 @@
   <p:timing>
     <p:tnLst>
       <p:par>
-        <p:cTn id="1" dur="indefinite" restart="never" nodeType="tmRoot"/>
+        <p:cTn xmlns:p14="http://schemas.microsoft.com/office/powerpoint/2010/main" id="1" dur="indefinite" restart="never" nodeType="tmRoot"/>
       </p:par>
     </p:tnLst>
   </p:timing>
@@ -10472,7 +10451,7 @@
         </p:nvSpPr>
         <p:spPr>
           <a:xfrm>
-            <a:off x="866781" y="4404944"/>
+            <a:off x="955900" y="4404944"/>
             <a:ext cx="4726519" cy="2298600"/>
           </a:xfrm>
           <a:prstGeom prst="rect">
@@ -10589,7 +10568,7 @@
         </p:nvSpPr>
         <p:spPr>
           <a:xfrm>
-            <a:off x="9980540" y="3241114"/>
+            <a:off x="9526819" y="3241114"/>
             <a:ext cx="3257489" cy="1349530"/>
           </a:xfrm>
           <a:prstGeom prst="diamond">
@@ -10652,7 +10631,7 @@
         </p:nvSpPr>
         <p:spPr>
           <a:xfrm>
-            <a:off x="12784308" y="4613913"/>
+            <a:off x="12330587" y="4613913"/>
             <a:ext cx="3176051" cy="1163389"/>
           </a:xfrm>
           <a:prstGeom prst="rect">
@@ -10724,7 +10703,7 @@
         </p:nvCxnSpPr>
         <p:spPr>
           <a:xfrm rot="10800000" flipH="1">
-            <a:off x="13214762" y="3892612"/>
+            <a:off x="12761041" y="3892612"/>
             <a:ext cx="1278272" cy="11633"/>
           </a:xfrm>
           <a:prstGeom prst="straightConnector1">
@@ -10750,7 +10729,7 @@
         </p:nvCxnSpPr>
         <p:spPr>
           <a:xfrm rot="10800000" flipH="1">
-            <a:off x="14442137" y="3910062"/>
+            <a:off x="13988416" y="3910062"/>
             <a:ext cx="17450" cy="683491"/>
           </a:xfrm>
           <a:prstGeom prst="straightConnector1">
@@ -10776,7 +10755,7 @@
         </p:nvCxnSpPr>
         <p:spPr>
           <a:xfrm rot="10800000" flipH="1">
-            <a:off x="11638370" y="6213572"/>
+            <a:off x="11184649" y="6213572"/>
             <a:ext cx="2822672" cy="29085"/>
           </a:xfrm>
           <a:prstGeom prst="straightConnector1">
@@ -10802,7 +10781,7 @@
         </p:nvSpPr>
         <p:spPr>
           <a:xfrm>
-            <a:off x="13683026" y="3293467"/>
+            <a:off x="13229305" y="3293467"/>
             <a:ext cx="810008" cy="511890"/>
           </a:xfrm>
           <a:prstGeom prst="rect">
@@ -10859,7 +10838,7 @@
         </p:nvSpPr>
         <p:spPr>
           <a:xfrm>
-            <a:off x="9560265" y="3293467"/>
+            <a:off x="9106544" y="3293467"/>
             <a:ext cx="495894" cy="511890"/>
           </a:xfrm>
           <a:prstGeom prst="rect">
@@ -10916,7 +10895,7 @@
         </p:nvCxnSpPr>
         <p:spPr>
           <a:xfrm rot="10800000">
-            <a:off x="14434866" y="5765668"/>
+            <a:off x="13981145" y="5765668"/>
             <a:ext cx="8725" cy="423181"/>
           </a:xfrm>
           <a:prstGeom prst="straightConnector1">
@@ -10942,7 +10921,7 @@
         </p:nvCxnSpPr>
         <p:spPr>
           <a:xfrm rot="10800000">
-            <a:off x="11622373" y="2649239"/>
+            <a:off x="11168652" y="2649239"/>
             <a:ext cx="4362" cy="629684"/>
           </a:xfrm>
           <a:prstGeom prst="straightConnector1">
@@ -10968,7 +10947,7 @@
         </p:nvSpPr>
         <p:spPr>
           <a:xfrm>
-            <a:off x="10061978" y="1751976"/>
+            <a:off x="9608257" y="1751976"/>
             <a:ext cx="3176051" cy="884175"/>
           </a:xfrm>
           <a:prstGeom prst="rect">
@@ -11031,7 +11010,7 @@
         </p:nvCxnSpPr>
         <p:spPr>
           <a:xfrm rot="10800000" flipH="1">
-            <a:off x="8805517" y="3915880"/>
+            <a:off x="8351796" y="3915880"/>
             <a:ext cx="1278272" cy="11633"/>
           </a:xfrm>
           <a:prstGeom prst="straightConnector1">
@@ -11057,7 +11036,7 @@
         </p:nvCxnSpPr>
         <p:spPr>
           <a:xfrm rot="10800000" flipH="1">
-            <a:off x="8788067" y="3910062"/>
+            <a:off x="8334346" y="3910062"/>
             <a:ext cx="17450" cy="683491"/>
           </a:xfrm>
           <a:prstGeom prst="straightConnector1">
@@ -11083,7 +11062,7 @@
         </p:nvSpPr>
         <p:spPr>
           <a:xfrm>
-            <a:off x="7258210" y="4590645"/>
+            <a:off x="6804489" y="4590645"/>
             <a:ext cx="3176051" cy="1163389"/>
           </a:xfrm>
           <a:prstGeom prst="rect">
@@ -11179,7 +11158,7 @@
         </p:nvCxnSpPr>
         <p:spPr>
           <a:xfrm flipH="1">
-            <a:off x="8783702" y="6222298"/>
+            <a:off x="8329981" y="6222298"/>
             <a:ext cx="2856119" cy="2908"/>
           </a:xfrm>
           <a:prstGeom prst="straightConnector1">
@@ -11205,7 +11184,7 @@
         </p:nvCxnSpPr>
         <p:spPr>
           <a:xfrm rot="10800000">
-            <a:off x="8757526" y="5777302"/>
+            <a:off x="8303805" y="5777302"/>
             <a:ext cx="8725" cy="423181"/>
           </a:xfrm>
           <a:prstGeom prst="straightConnector1">
@@ -11231,7 +11210,7 @@
         </p:nvCxnSpPr>
         <p:spPr>
           <a:xfrm rot="10800000" flipH="1">
-            <a:off x="11650004" y="6283375"/>
+            <a:off x="11196283" y="6283375"/>
             <a:ext cx="17450" cy="683491"/>
           </a:xfrm>
           <a:prstGeom prst="straightConnector1">
@@ -11257,7 +11236,7 @@
         </p:nvSpPr>
         <p:spPr>
           <a:xfrm>
-            <a:off x="10015442" y="6940691"/>
+            <a:off x="9561721" y="6940691"/>
             <a:ext cx="3176051" cy="884175"/>
           </a:xfrm>
           <a:prstGeom prst="rect">
@@ -11359,7 +11338,7 @@
               <a:buNone/>
             </a:pPr>
             <a:r>
-              <a:rPr lang="en-US" sz="3000" b="1" i="0" u="none" strike="noStrike" cap="none" dirty="0">
+              <a:rPr lang="en-US" sz="3000" i="0" u="none" strike="noStrike" cap="none" dirty="0">
                 <a:solidFill>
                   <a:srgbClr val="FFFFFF"/>
                 </a:solidFill>
@@ -11384,7 +11363,7 @@
               </a:spcAft>
               <a:buNone/>
             </a:pPr>
-            <a:endParaRPr sz="3000" b="1" i="0" u="none" strike="noStrike" cap="none" dirty="0">
+            <a:endParaRPr sz="3000" i="0" u="none" strike="noStrike" cap="none" dirty="0">
               <a:solidFill>
                 <a:schemeClr val="lt1"/>
               </a:solidFill>
@@ -11413,7 +11392,7 @@
               <a:buNone/>
             </a:pPr>
             <a:r>
-              <a:rPr lang="en-US" sz="3000" b="1" i="0" u="none" strike="noStrike" cap="none" dirty="0">
+              <a:rPr lang="en-US" sz="3000" i="0" u="none" strike="noStrike" cap="none" dirty="0">
                 <a:solidFill>
                   <a:srgbClr val="00FF00"/>
                 </a:solidFill>
@@ -11444,7 +11423,7 @@
               <a:buNone/>
             </a:pPr>
             <a:r>
-              <a:rPr lang="en-US" sz="3000" b="1" i="0" u="none" strike="noStrike" cap="none" dirty="0">
+              <a:rPr lang="en-US" sz="3000" i="0" u="none" strike="noStrike" cap="none" dirty="0">
                 <a:solidFill>
                   <a:srgbClr val="00FF00"/>
                 </a:solidFill>
@@ -11456,7 +11435,7 @@
               <a:t>    </a:t>
             </a:r>
             <a:r>
-              <a:rPr lang="en-US" sz="3000" b="1" i="0" u="none" strike="noStrike" cap="none" dirty="0" smtClean="0">
+              <a:rPr lang="en-US" sz="3000" i="0" u="none" strike="noStrike" cap="none" dirty="0" smtClean="0">
                 <a:solidFill>
                   <a:srgbClr val="00FF00"/>
                 </a:solidFill>
@@ -11467,7 +11446,7 @@
               </a:rPr>
               <a:t>print('Bigger')</a:t>
             </a:r>
-            <a:endParaRPr lang="en-US" sz="3000" b="1" i="0" u="none" strike="noStrike" cap="none" dirty="0">
+            <a:endParaRPr lang="en-US" sz="3000" i="0" u="none" strike="noStrike" cap="none" dirty="0">
               <a:solidFill>
                 <a:srgbClr val="00FF00"/>
               </a:solidFill>
@@ -11496,7 +11475,7 @@
               <a:buNone/>
             </a:pPr>
             <a:r>
-              <a:rPr lang="en-US" sz="3000" b="1" i="0" u="none" strike="noStrike" cap="none" dirty="0">
+              <a:rPr lang="en-US" sz="3000" i="0" u="none" strike="noStrike" cap="none" dirty="0">
                 <a:solidFill>
                   <a:srgbClr val="FF9900"/>
                 </a:solidFill>
@@ -11527,7 +11506,7 @@
               <a:buNone/>
             </a:pPr>
             <a:r>
-              <a:rPr lang="en-US" sz="3000" b="1" i="0" u="none" strike="noStrike" cap="none" dirty="0">
+              <a:rPr lang="en-US" sz="3000" i="0" u="none" strike="noStrike" cap="none" dirty="0">
                 <a:solidFill>
                   <a:srgbClr val="FF9900"/>
                 </a:solidFill>
@@ -11539,7 +11518,7 @@
               <a:t>    </a:t>
             </a:r>
             <a:r>
-              <a:rPr lang="en-US" sz="3000" b="1" i="0" u="none" strike="noStrike" cap="none" dirty="0" smtClean="0">
+              <a:rPr lang="en-US" sz="3000" i="0" u="none" strike="noStrike" cap="none" dirty="0" smtClean="0">
                 <a:solidFill>
                   <a:srgbClr val="FF9900"/>
                 </a:solidFill>
@@ -11550,7 +11529,7 @@
               </a:rPr>
               <a:t>print('Smaller')</a:t>
             </a:r>
-            <a:endParaRPr lang="en-US" sz="3000" b="1" i="0" u="none" strike="noStrike" cap="none" dirty="0">
+            <a:endParaRPr lang="en-US" sz="3000" i="0" u="none" strike="noStrike" cap="none" dirty="0">
               <a:solidFill>
                 <a:srgbClr val="FF9900"/>
               </a:solidFill>
@@ -11573,7 +11552,7 @@
               </a:spcAft>
               <a:buNone/>
             </a:pPr>
-            <a:endParaRPr sz="3000" b="1" i="0" u="none" strike="noStrike" cap="none" dirty="0">
+            <a:endParaRPr sz="3000" i="0" u="none" strike="noStrike" cap="none" dirty="0">
               <a:solidFill>
                 <a:srgbClr val="00FFFF"/>
               </a:solidFill>
@@ -11602,7 +11581,7 @@
               <a:buNone/>
             </a:pPr>
             <a:r>
-              <a:rPr lang="en-US" sz="3000" b="1" i="0" u="none" strike="noStrike" cap="none" dirty="0">
+              <a:rPr lang="en-US" sz="3000" i="0" u="none" strike="noStrike" cap="none" dirty="0">
                 <a:solidFill>
                   <a:srgbClr val="00FFFF"/>
                 </a:solidFill>
@@ -11624,7 +11603,7 @@
         </p:nvSpPr>
         <p:spPr>
           <a:xfrm>
-            <a:off x="6865495" y="3075482"/>
+            <a:off x="6574053" y="3076040"/>
             <a:ext cx="9189198" cy="3378200"/>
           </a:xfrm>
           <a:prstGeom prst="rect">
@@ -11680,7 +11659,7 @@
   <p:timing>
     <p:tnLst>
       <p:par>
-        <p:cTn id="1" dur="indefinite" restart="never" nodeType="tmRoot"/>
+        <p:cTn xmlns:p14="http://schemas.microsoft.com/office/powerpoint/2010/main" id="1" dur="indefinite" restart="never" nodeType="tmRoot"/>
       </p:par>
     </p:tnLst>
   </p:timing>
@@ -11807,7 +11786,7 @@
               <a:buFont typeface="Cabin"/>
               <a:buNone/>
             </a:pPr>
-            <a:endParaRPr lang="en-US" sz="3000" b="1" i="0" u="none" strike="noStrike" cap="none" dirty="0" smtClean="0">
+            <a:endParaRPr lang="en-US" sz="3000" i="0" u="none" strike="noStrike" cap="none" dirty="0" smtClean="0">
               <a:solidFill>
                 <a:srgbClr val="00FF00"/>
               </a:solidFill>
@@ -11836,7 +11815,7 @@
               <a:buNone/>
             </a:pPr>
             <a:r>
-              <a:rPr lang="en-US" sz="3000" b="1" i="0" u="none" strike="noStrike" cap="none" dirty="0" smtClean="0">
+              <a:rPr lang="en-US" sz="3000" i="0" u="none" strike="noStrike" cap="none" dirty="0" smtClean="0">
                 <a:solidFill>
                   <a:srgbClr val="00FF00"/>
                 </a:solidFill>
@@ -11848,7 +11827,7 @@
               <a:t>if</a:t>
             </a:r>
             <a:r>
-              <a:rPr lang="en-US" sz="3000" b="1" i="0" u="none" strike="noStrike" cap="none" dirty="0" smtClean="0">
+              <a:rPr lang="en-US" sz="3000" i="0" u="none" strike="noStrike" cap="none" dirty="0" smtClean="0">
                 <a:solidFill>
                   <a:schemeClr val="lt1"/>
                 </a:solidFill>
@@ -11860,7 +11839,7 @@
               <a:t> </a:t>
             </a:r>
             <a:r>
-              <a:rPr lang="en-US" sz="3000" b="1" i="0" u="none" strike="noStrike" cap="none" dirty="0">
+              <a:rPr lang="en-US" sz="3000" i="0" u="none" strike="noStrike" cap="none" dirty="0">
                 <a:solidFill>
                   <a:schemeClr val="lt1"/>
                 </a:solidFill>
@@ -11880,7 +11859,7 @@
               <a:buSzPct val="25000"/>
             </a:pPr>
             <a:r>
-              <a:rPr lang="en-US" sz="3000" b="1" i="0" u="none" strike="noStrike" cap="none" dirty="0">
+              <a:rPr lang="en-US" sz="3000" i="0" u="none" strike="noStrike" cap="none" dirty="0">
                 <a:solidFill>
                   <a:schemeClr val="lt1"/>
                 </a:solidFill>
@@ -11892,7 +11871,7 @@
               <a:t>    </a:t>
             </a:r>
             <a:r>
-              <a:rPr lang="en-US" sz="3000" b="1" i="0" u="none" strike="noStrike" cap="none" dirty="0" smtClean="0">
+              <a:rPr lang="en-US" sz="3000" i="0" u="none" strike="noStrike" cap="none" dirty="0" smtClean="0">
                 <a:solidFill>
                   <a:srgbClr val="00FF00"/>
                 </a:solidFill>
@@ -11904,7 +11883,7 @@
               <a:t>print(</a:t>
             </a:r>
             <a:r>
-              <a:rPr lang="en-US" sz="3000" b="1" i="0" u="none" strike="noStrike" cap="none" dirty="0" smtClean="0">
+              <a:rPr lang="en-US" sz="3000" i="0" u="none" strike="noStrike" cap="none" dirty="0" smtClean="0">
                 <a:solidFill>
                   <a:schemeClr val="lt1"/>
                 </a:solidFill>
@@ -11916,7 +11895,7 @@
               <a:t>'</a:t>
             </a:r>
             <a:r>
-              <a:rPr lang="en-US" sz="3000" b="1" dirty="0" smtClean="0">
+              <a:rPr lang="en-US" sz="3000" dirty="0" smtClean="0">
                 <a:solidFill>
                   <a:schemeClr val="lt1"/>
                 </a:solidFill>
@@ -11928,7 +11907,7 @@
               <a:t>s</a:t>
             </a:r>
             <a:r>
-              <a:rPr lang="en-US" sz="3000" b="1" i="0" u="none" strike="noStrike" cap="none" dirty="0" smtClean="0">
+              <a:rPr lang="en-US" sz="3000" i="0" u="none" strike="noStrike" cap="none" dirty="0" smtClean="0">
                 <a:solidFill>
                   <a:schemeClr val="lt1"/>
                 </a:solidFill>
@@ -11940,7 +11919,7 @@
               <a:t>mall'</a:t>
             </a:r>
             <a:r>
-              <a:rPr lang="en-US" sz="3000" b="1" dirty="0">
+              <a:rPr lang="en-US" sz="3000" dirty="0">
                 <a:solidFill>
                   <a:srgbClr val="00FF00"/>
                 </a:solidFill>
@@ -11951,7 +11930,7 @@
               </a:rPr>
               <a:t>)</a:t>
             </a:r>
-            <a:endParaRPr lang="en-US" sz="3000" b="1" i="0" u="none" strike="noStrike" cap="none" dirty="0">
+            <a:endParaRPr lang="en-US" sz="3000" i="0" u="none" strike="noStrike" cap="none" dirty="0">
               <a:solidFill>
                 <a:schemeClr val="lt1"/>
               </a:solidFill>
@@ -11980,7 +11959,7 @@
               <a:buNone/>
             </a:pPr>
             <a:r>
-              <a:rPr lang="en-US" sz="3000" b="1" i="0" u="none" strike="noStrike" cap="none" dirty="0" err="1">
+              <a:rPr lang="en-US" sz="3000" i="0" u="none" strike="noStrike" cap="none" dirty="0" err="1">
                 <a:solidFill>
                   <a:srgbClr val="00FF00"/>
                 </a:solidFill>
@@ -11992,7 +11971,7 @@
               <a:t>elif</a:t>
             </a:r>
             <a:r>
-              <a:rPr lang="en-US" sz="3000" b="1" i="0" u="none" strike="noStrike" cap="none" dirty="0">
+              <a:rPr lang="en-US" sz="3000" i="0" u="none" strike="noStrike" cap="none" dirty="0">
                 <a:solidFill>
                   <a:schemeClr val="lt1"/>
                 </a:solidFill>
@@ -12012,7 +11991,7 @@
               <a:buSzPct val="25000"/>
             </a:pPr>
             <a:r>
-              <a:rPr lang="en-US" sz="3000" b="1" i="0" u="none" strike="noStrike" cap="none" dirty="0">
+              <a:rPr lang="en-US" sz="3000" i="0" u="none" strike="noStrike" cap="none" dirty="0">
                 <a:solidFill>
                   <a:schemeClr val="lt1"/>
                 </a:solidFill>
@@ -12024,7 +12003,7 @@
               <a:t>    </a:t>
             </a:r>
             <a:r>
-              <a:rPr lang="en-US" sz="3000" b="1" i="0" u="none" strike="noStrike" cap="none" dirty="0" smtClean="0">
+              <a:rPr lang="en-US" sz="3000" i="0" u="none" strike="noStrike" cap="none" dirty="0" smtClean="0">
                 <a:solidFill>
                   <a:srgbClr val="00FF00"/>
                 </a:solidFill>
@@ -12036,19 +12015,43 @@
               <a:t>print(</a:t>
             </a:r>
             <a:r>
-              <a:rPr lang="en-US" sz="3000" b="1" i="0" u="none" strike="noStrike" cap="none" dirty="0" smtClean="0">
-                <a:solidFill>
-                  <a:schemeClr val="lt1"/>
-                </a:solidFill>
-                <a:latin typeface="Courier New"/>
-                <a:ea typeface="Courier New"/>
-                <a:cs typeface="Courier New"/>
-                <a:sym typeface="Courier New"/>
-              </a:rPr>
-              <a:t>'Medium</a:t>
-            </a:r>
-            <a:r>
-              <a:rPr lang="en-US" sz="3000" b="1" dirty="0">
+              <a:rPr lang="en-US" sz="3000" i="0" u="none" strike="noStrike" cap="none" dirty="0" smtClean="0">
+                <a:solidFill>
+                  <a:schemeClr val="lt1"/>
+                </a:solidFill>
+                <a:latin typeface="Courier New"/>
+                <a:ea typeface="Courier New"/>
+                <a:cs typeface="Courier New"/>
+                <a:sym typeface="Courier New"/>
+              </a:rPr>
+              <a:t>'</a:t>
+            </a:r>
+            <a:r>
+              <a:rPr lang="en-US" sz="3000" dirty="0" smtClean="0">
+                <a:solidFill>
+                  <a:schemeClr val="lt1"/>
+                </a:solidFill>
+                <a:latin typeface="Courier New"/>
+                <a:ea typeface="Courier New"/>
+                <a:cs typeface="Courier New"/>
+                <a:sym typeface="Courier New"/>
+              </a:rPr>
+              <a:t>Medium</a:t>
+            </a:r>
+            <a:r>
+              <a:rPr lang="en-US" sz="3000" dirty="0">
+                <a:solidFill>
+                  <a:schemeClr val="lt1"/>
+                </a:solidFill>
+                <a:latin typeface="Courier New"/>
+                <a:ea typeface="Courier New"/>
+                <a:cs typeface="Courier New"/>
+                <a:sym typeface="Courier New"/>
+              </a:rPr>
+              <a:t>'</a:t>
+            </a:r>
+            <a:r>
+              <a:rPr lang="en-US" sz="3000" dirty="0" smtClean="0">
                 <a:solidFill>
                   <a:srgbClr val="00FF00"/>
                 </a:solidFill>
@@ -12059,19 +12062,7 @@
               </a:rPr>
               <a:t>)</a:t>
             </a:r>
-            <a:r>
-              <a:rPr lang="en-US" sz="3000" b="1" i="0" u="none" strike="noStrike" cap="none" dirty="0" smtClean="0">
-                <a:solidFill>
-                  <a:schemeClr val="lt1"/>
-                </a:solidFill>
-                <a:latin typeface="Courier New"/>
-                <a:ea typeface="Courier New"/>
-                <a:cs typeface="Courier New"/>
-                <a:sym typeface="Courier New"/>
-              </a:rPr>
-              <a:t>'</a:t>
-            </a:r>
-            <a:endParaRPr lang="en-US" sz="3000" b="1" i="0" u="none" strike="noStrike" cap="none" dirty="0">
+            <a:endParaRPr lang="en-US" sz="3000" i="0" u="none" strike="noStrike" cap="none" dirty="0">
               <a:solidFill>
                 <a:schemeClr val="lt1"/>
               </a:solidFill>
@@ -12100,7 +12091,7 @@
               <a:buNone/>
             </a:pPr>
             <a:r>
-              <a:rPr lang="en-US" sz="3000" b="1" i="0" u="none" strike="noStrike" cap="none" dirty="0">
+              <a:rPr lang="en-US" sz="3000" i="0" u="none" strike="noStrike" cap="none" dirty="0">
                 <a:solidFill>
                   <a:srgbClr val="00FF00"/>
                 </a:solidFill>
@@ -12112,7 +12103,7 @@
               <a:t>else</a:t>
             </a:r>
             <a:r>
-              <a:rPr lang="en-US" sz="3000" b="1" i="0" u="none" strike="noStrike" cap="none" dirty="0">
+              <a:rPr lang="en-US" sz="3000" i="0" u="none" strike="noStrike" cap="none" dirty="0">
                 <a:solidFill>
                   <a:schemeClr val="lt1"/>
                 </a:solidFill>
@@ -12132,7 +12123,7 @@
               <a:buSzPct val="25000"/>
             </a:pPr>
             <a:r>
-              <a:rPr lang="en-US" sz="3000" b="1" i="0" u="none" strike="noStrike" cap="none" dirty="0">
+              <a:rPr lang="en-US" sz="3000" i="0" u="none" strike="noStrike" cap="none" dirty="0">
                 <a:solidFill>
                   <a:schemeClr val="lt1"/>
                 </a:solidFill>
@@ -12144,7 +12135,7 @@
               <a:t>    </a:t>
             </a:r>
             <a:r>
-              <a:rPr lang="en-US" sz="3000" b="1" i="0" u="none" strike="noStrike" cap="none" dirty="0" smtClean="0">
+              <a:rPr lang="en-US" sz="3000" i="0" u="none" strike="noStrike" cap="none" dirty="0" smtClean="0">
                 <a:solidFill>
                   <a:srgbClr val="00FF00"/>
                 </a:solidFill>
@@ -12156,7 +12147,7 @@
               <a:t>print(</a:t>
             </a:r>
             <a:r>
-              <a:rPr lang="en-US" sz="3000" b="1" i="0" u="none" strike="noStrike" cap="none" dirty="0" smtClean="0">
+              <a:rPr lang="en-US" sz="3000" i="0" u="none" strike="noStrike" cap="none" dirty="0" smtClean="0">
                 <a:solidFill>
                   <a:schemeClr val="lt1"/>
                 </a:solidFill>
@@ -12168,7 +12159,7 @@
               <a:t>'LARGE'</a:t>
             </a:r>
             <a:r>
-              <a:rPr lang="en-US" sz="3000" b="1" dirty="0">
+              <a:rPr lang="en-US" sz="3000" dirty="0">
                 <a:solidFill>
                   <a:srgbClr val="00FF00"/>
                 </a:solidFill>
@@ -12179,7 +12170,7 @@
               </a:rPr>
               <a:t>)</a:t>
             </a:r>
-            <a:endParaRPr lang="en-US" sz="3000" b="1" i="0" u="none" strike="noStrike" cap="none" dirty="0">
+            <a:endParaRPr lang="en-US" sz="3000" i="0" u="none" strike="noStrike" cap="none" dirty="0">
               <a:solidFill>
                 <a:schemeClr val="lt1"/>
               </a:solidFill>
@@ -12197,7 +12188,7 @@
               <a:buSzPct val="25000"/>
             </a:pPr>
             <a:r>
-              <a:rPr lang="en-US" sz="3000" b="1" i="0" u="none" strike="noStrike" cap="none" dirty="0" smtClean="0">
+              <a:rPr lang="en-US" sz="3000" i="0" u="none" strike="noStrike" cap="none" dirty="0" smtClean="0">
                 <a:solidFill>
                   <a:srgbClr val="00FF00"/>
                 </a:solidFill>
@@ -12209,7 +12200,7 @@
               <a:t>print</a:t>
             </a:r>
             <a:r>
-              <a:rPr lang="en-US" sz="3000" b="1" dirty="0">
+              <a:rPr lang="en-US" sz="3000" dirty="0">
                 <a:solidFill>
                   <a:schemeClr val="lt1"/>
                 </a:solidFill>
@@ -12221,7 +12212,7 @@
               <a:t>(</a:t>
             </a:r>
             <a:r>
-              <a:rPr lang="en-US" sz="3000" b="1" i="0" u="none" strike="noStrike" cap="none" dirty="0" smtClean="0">
+              <a:rPr lang="en-US" sz="3000" i="0" u="none" strike="noStrike" cap="none" dirty="0" smtClean="0">
                 <a:solidFill>
                   <a:schemeClr val="lt1"/>
                 </a:solidFill>
@@ -12233,7 +12224,7 @@
               <a:t>'All </a:t>
             </a:r>
             <a:r>
-              <a:rPr lang="en-US" sz="3000" b="1" i="0" u="none" strike="noStrike" cap="none" dirty="0">
+              <a:rPr lang="en-US" sz="3000" i="0" u="none" strike="noStrike" cap="none" dirty="0">
                 <a:solidFill>
                   <a:schemeClr val="lt1"/>
                 </a:solidFill>
@@ -12245,7 +12236,7 @@
               <a:t>done</a:t>
             </a:r>
             <a:r>
-              <a:rPr lang="en-US" sz="3000" b="1" i="0" u="none" strike="noStrike" cap="none" dirty="0" smtClean="0">
+              <a:rPr lang="en-US" sz="3000" i="0" u="none" strike="noStrike" cap="none" dirty="0" smtClean="0">
                 <a:solidFill>
                   <a:schemeClr val="lt1"/>
                 </a:solidFill>
@@ -12257,7 +12248,7 @@
               <a:t>'</a:t>
             </a:r>
             <a:r>
-              <a:rPr lang="en-US" sz="3000" b="1" dirty="0">
+              <a:rPr lang="en-US" sz="3000" dirty="0">
                 <a:solidFill>
                   <a:srgbClr val="00FF00"/>
                 </a:solidFill>
@@ -12268,7 +12259,7 @@
               </a:rPr>
               <a:t>)</a:t>
             </a:r>
-            <a:endParaRPr lang="en-US" sz="3000" b="1" i="0" u="none" strike="noStrike" cap="none" dirty="0">
+            <a:endParaRPr lang="en-US" sz="3000" i="0" u="none" strike="noStrike" cap="none" dirty="0">
               <a:solidFill>
                 <a:schemeClr val="lt1"/>
               </a:solidFill>
@@ -12288,7 +12279,7 @@
         </p:nvSpPr>
         <p:spPr>
           <a:xfrm>
-            <a:off x="8596550" y="2264250"/>
+            <a:off x="7796412" y="2286710"/>
             <a:ext cx="3139423" cy="1300743"/>
           </a:xfrm>
           <a:prstGeom prst="diamond">
@@ -12351,7 +12342,7 @@
         </p:nvSpPr>
         <p:spPr>
           <a:xfrm>
-            <a:off x="12352751" y="2353950"/>
+            <a:off x="11552613" y="2376410"/>
             <a:ext cx="3061023" cy="1121165"/>
           </a:xfrm>
           <a:prstGeom prst="rect">
@@ -12447,7 +12438,7 @@
         </p:nvCxnSpPr>
         <p:spPr>
           <a:xfrm rot="10800000">
-            <a:off x="11786506" y="2917380"/>
+            <a:off x="10986368" y="2939840"/>
             <a:ext cx="528401" cy="0"/>
           </a:xfrm>
           <a:prstGeom prst="straightConnector1">
@@ -12473,7 +12464,7 @@
         </p:nvCxnSpPr>
         <p:spPr>
           <a:xfrm rot="10800000" flipH="1">
-            <a:off x="10227974" y="6871191"/>
+            <a:off x="9427836" y="6893651"/>
             <a:ext cx="5728196" cy="91113"/>
           </a:xfrm>
           <a:prstGeom prst="straightConnector1">
@@ -12499,7 +12490,7 @@
         </p:nvSpPr>
         <p:spPr>
           <a:xfrm>
-            <a:off x="11189450" y="2180156"/>
+            <a:off x="10389312" y="2202616"/>
             <a:ext cx="695265" cy="493439"/>
           </a:xfrm>
           <a:prstGeom prst="rect">
@@ -12556,7 +12547,7 @@
         </p:nvSpPr>
         <p:spPr>
           <a:xfrm>
-            <a:off x="9458512" y="3480811"/>
+            <a:off x="8658374" y="3503271"/>
             <a:ext cx="477812" cy="493439"/>
           </a:xfrm>
           <a:prstGeom prst="rect">
@@ -12613,7 +12604,7 @@
         </p:nvCxnSpPr>
         <p:spPr>
           <a:xfrm rot="10800000">
-            <a:off x="15939363" y="2932818"/>
+            <a:off x="15139225" y="2955278"/>
             <a:ext cx="33637" cy="3955201"/>
           </a:xfrm>
           <a:prstGeom prst="straightConnector1">
@@ -12639,7 +12630,7 @@
         </p:nvCxnSpPr>
         <p:spPr>
           <a:xfrm rot="10800000">
-            <a:off x="10178886" y="1693888"/>
+            <a:off x="9378748" y="1716348"/>
             <a:ext cx="4237" cy="606802"/>
           </a:xfrm>
           <a:prstGeom prst="straightConnector1">
@@ -12665,7 +12656,7 @@
         </p:nvCxnSpPr>
         <p:spPr>
           <a:xfrm rot="10800000" flipH="1">
-            <a:off x="10183124" y="6721257"/>
+            <a:off x="9382986" y="6743717"/>
             <a:ext cx="16686" cy="658714"/>
           </a:xfrm>
           <a:prstGeom prst="straightConnector1">
@@ -12691,7 +12682,7 @@
         </p:nvSpPr>
         <p:spPr>
           <a:xfrm>
-            <a:off x="8607762" y="7354744"/>
+            <a:off x="7807624" y="7377204"/>
             <a:ext cx="3061023" cy="852065"/>
           </a:xfrm>
           <a:prstGeom prst="rect">
@@ -12787,7 +12778,7 @@
         </p:nvSpPr>
         <p:spPr>
           <a:xfrm>
-            <a:off x="8585337" y="3979769"/>
+            <a:off x="7785199" y="4002229"/>
             <a:ext cx="3139423" cy="1300743"/>
           </a:xfrm>
           <a:prstGeom prst="diamond">
@@ -12850,7 +12841,7 @@
         </p:nvSpPr>
         <p:spPr>
           <a:xfrm>
-            <a:off x="12341539" y="4069469"/>
+            <a:off x="11541401" y="4091929"/>
             <a:ext cx="3061023" cy="1121165"/>
           </a:xfrm>
           <a:prstGeom prst="rect">
@@ -12922,7 +12913,7 @@
         </p:nvCxnSpPr>
         <p:spPr>
           <a:xfrm rot="10800000">
-            <a:off x="11775293" y="4632899"/>
+            <a:off x="10975155" y="4655359"/>
             <a:ext cx="528401" cy="0"/>
           </a:xfrm>
           <a:prstGeom prst="straightConnector1">
@@ -12948,7 +12939,7 @@
         </p:nvSpPr>
         <p:spPr>
           <a:xfrm>
-            <a:off x="11324000" y="3951737"/>
+            <a:off x="10523862" y="3974197"/>
             <a:ext cx="773062" cy="493439"/>
           </a:xfrm>
           <a:prstGeom prst="rect">
@@ -13005,7 +12996,7 @@
         </p:nvCxnSpPr>
         <p:spPr>
           <a:xfrm rot="10800000">
-            <a:off x="15453008" y="2917380"/>
+            <a:off x="14652870" y="2939840"/>
             <a:ext cx="528401" cy="0"/>
           </a:xfrm>
           <a:prstGeom prst="straightConnector1">
@@ -13031,7 +13022,7 @@
         </p:nvCxnSpPr>
         <p:spPr>
           <a:xfrm rot="10800000">
-            <a:off x="15419370" y="4621687"/>
+            <a:off x="14619232" y="4644147"/>
             <a:ext cx="528401" cy="0"/>
           </a:xfrm>
           <a:prstGeom prst="straightConnector1">
@@ -13057,7 +13048,7 @@
         </p:nvCxnSpPr>
         <p:spPr>
           <a:xfrm rot="10800000">
-            <a:off x="10138350" y="3556373"/>
+            <a:off x="9338212" y="3578833"/>
             <a:ext cx="1324" cy="497678"/>
           </a:xfrm>
           <a:prstGeom prst="straightConnector1">
@@ -13083,7 +13074,7 @@
         </p:nvSpPr>
         <p:spPr>
           <a:xfrm>
-            <a:off x="8618975" y="5594375"/>
+            <a:off x="7818837" y="5616835"/>
             <a:ext cx="3061023" cy="1121165"/>
           </a:xfrm>
           <a:prstGeom prst="rect">
@@ -13155,7 +13146,7 @@
         </p:nvCxnSpPr>
         <p:spPr>
           <a:xfrm rot="10800000" flipH="1">
-            <a:off x="10184525" y="5273482"/>
+            <a:off x="9384387" y="5295942"/>
             <a:ext cx="4237" cy="361538"/>
           </a:xfrm>
           <a:prstGeom prst="straightConnector1">
@@ -13181,7 +13172,7 @@
         </p:nvSpPr>
         <p:spPr>
           <a:xfrm>
-            <a:off x="9279112" y="5050567"/>
+            <a:off x="8478974" y="5073027"/>
             <a:ext cx="477812" cy="493439"/>
           </a:xfrm>
           <a:prstGeom prst="rect">
@@ -13238,7 +13229,7 @@
   <p:timing>
     <p:tnLst>
       <p:par>
-        <p:cTn id="1" dur="indefinite" restart="never" nodeType="tmRoot"/>
+        <p:cTn xmlns:p14="http://schemas.microsoft.com/office/powerpoint/2010/main" id="1" dur="indefinite" restart="never" nodeType="tmRoot"/>
       </p:par>
     </p:tnLst>
   </p:timing>
@@ -13368,7 +13359,7 @@
               <a:buNone/>
             </a:pPr>
             <a:r>
-              <a:rPr lang="en-US" sz="3000" b="1" i="0" u="none" strike="noStrike" cap="none" dirty="0" smtClean="0">
+              <a:rPr lang="en-US" sz="3000" i="0" u="none" strike="noStrike" cap="none" dirty="0" smtClean="0">
                 <a:solidFill>
                   <a:schemeClr val="bg1"/>
                 </a:solidFill>
@@ -13399,7 +13390,7 @@
               <a:buNone/>
             </a:pPr>
             <a:r>
-              <a:rPr lang="en-US" sz="3000" b="1" i="0" u="none" strike="noStrike" cap="none" dirty="0" smtClean="0">
+              <a:rPr lang="en-US" sz="3000" i="0" u="none" strike="noStrike" cap="none" dirty="0" smtClean="0">
                 <a:solidFill>
                   <a:srgbClr val="FFC000"/>
                 </a:solidFill>
@@ -13411,7 +13402,7 @@
               <a:t>if </a:t>
             </a:r>
             <a:r>
-              <a:rPr lang="en-US" sz="3000" b="1" i="0" u="none" strike="noStrike" cap="none" dirty="0">
+              <a:rPr lang="en-US" sz="3000" i="0" u="none" strike="noStrike" cap="none" dirty="0">
                 <a:solidFill>
                   <a:srgbClr val="FFC000"/>
                 </a:solidFill>
@@ -13431,7 +13422,7 @@
               <a:buSzPct val="25000"/>
             </a:pPr>
             <a:r>
-              <a:rPr lang="en-US" sz="3000" b="1" i="0" u="none" strike="noStrike" cap="none" dirty="0">
+              <a:rPr lang="en-US" sz="3000" i="0" u="none" strike="noStrike" cap="none" dirty="0">
                 <a:solidFill>
                   <a:srgbClr val="FFC000"/>
                 </a:solidFill>
@@ -13443,7 +13434,7 @@
               <a:t>    </a:t>
             </a:r>
             <a:r>
-              <a:rPr lang="en-US" sz="3000" b="1" i="0" u="none" strike="noStrike" cap="none" dirty="0" smtClean="0">
+              <a:rPr lang="en-US" sz="3000" i="0" u="none" strike="noStrike" cap="none" dirty="0" smtClean="0">
                 <a:solidFill>
                   <a:srgbClr val="FFC000"/>
                 </a:solidFill>
@@ -13455,7 +13446,7 @@
               <a:t>print('</a:t>
             </a:r>
             <a:r>
-              <a:rPr lang="en-US" sz="3000" b="1" dirty="0" smtClean="0">
+              <a:rPr lang="en-US" sz="3000" dirty="0" smtClean="0">
                 <a:solidFill>
                   <a:srgbClr val="FFC000"/>
                 </a:solidFill>
@@ -13467,7 +13458,7 @@
               <a:t>s</a:t>
             </a:r>
             <a:r>
-              <a:rPr lang="en-US" sz="3000" b="1" i="0" u="none" strike="noStrike" cap="none" dirty="0" smtClean="0">
+              <a:rPr lang="en-US" sz="3000" i="0" u="none" strike="noStrike" cap="none" dirty="0" smtClean="0">
                 <a:solidFill>
                   <a:srgbClr val="FFC000"/>
                 </a:solidFill>
@@ -13479,7 +13470,7 @@
               <a:t>mall'</a:t>
             </a:r>
             <a:r>
-              <a:rPr lang="en-US" sz="3000" b="1" dirty="0">
+              <a:rPr lang="en-US" sz="3000" dirty="0">
                 <a:solidFill>
                   <a:srgbClr val="FFC000"/>
                 </a:solidFill>
@@ -13490,7 +13481,7 @@
               </a:rPr>
               <a:t>)</a:t>
             </a:r>
-            <a:endParaRPr lang="en-US" sz="3000" b="1" i="0" u="none" strike="noStrike" cap="none" dirty="0">
+            <a:endParaRPr lang="en-US" sz="3000" i="0" u="none" strike="noStrike" cap="none" dirty="0">
               <a:solidFill>
                 <a:srgbClr val="FFC000"/>
               </a:solidFill>
@@ -13519,7 +13510,7 @@
               <a:buNone/>
             </a:pPr>
             <a:r>
-              <a:rPr lang="en-US" sz="3000" b="1" i="0" u="none" strike="noStrike" cap="none" dirty="0" err="1">
+              <a:rPr lang="en-US" sz="3000" i="0" u="none" strike="noStrike" cap="none" dirty="0" err="1">
                 <a:solidFill>
                   <a:srgbClr val="00FF00"/>
                 </a:solidFill>
@@ -13531,7 +13522,7 @@
               <a:t>elif</a:t>
             </a:r>
             <a:r>
-              <a:rPr lang="en-US" sz="3000" b="1" i="0" u="none" strike="noStrike" cap="none" dirty="0">
+              <a:rPr lang="en-US" sz="3000" i="0" u="none" strike="noStrike" cap="none" dirty="0">
                 <a:solidFill>
                   <a:schemeClr val="lt1"/>
                 </a:solidFill>
@@ -13551,7 +13542,7 @@
               <a:buSzPct val="25000"/>
             </a:pPr>
             <a:r>
-              <a:rPr lang="en-US" sz="3000" b="1" i="0" u="none" strike="noStrike" cap="none" dirty="0">
+              <a:rPr lang="en-US" sz="3000" i="0" u="none" strike="noStrike" cap="none" dirty="0">
                 <a:solidFill>
                   <a:schemeClr val="lt1"/>
                 </a:solidFill>
@@ -13563,7 +13554,7 @@
               <a:t>    </a:t>
             </a:r>
             <a:r>
-              <a:rPr lang="en-US" sz="3000" b="1" i="0" u="none" strike="noStrike" cap="none" dirty="0" smtClean="0">
+              <a:rPr lang="en-US" sz="3000" i="0" u="none" strike="noStrike" cap="none" dirty="0" smtClean="0">
                 <a:solidFill>
                   <a:srgbClr val="00FF00"/>
                 </a:solidFill>
@@ -13575,19 +13566,31 @@
               <a:t>print(</a:t>
             </a:r>
             <a:r>
-              <a:rPr lang="en-US" sz="3000" b="1" i="0" u="none" strike="noStrike" cap="none" dirty="0" smtClean="0">
-                <a:solidFill>
-                  <a:schemeClr val="lt1"/>
-                </a:solidFill>
-                <a:latin typeface="Courier New"/>
-                <a:ea typeface="Courier New"/>
-                <a:cs typeface="Courier New"/>
-                <a:sym typeface="Courier New"/>
-              </a:rPr>
-              <a:t>'Medium</a:t>
-            </a:r>
-            <a:r>
-              <a:rPr lang="en-US" sz="3000" b="1" dirty="0">
+              <a:rPr lang="en-US" sz="3000" i="0" u="none" strike="noStrike" cap="none" dirty="0" smtClean="0">
+                <a:solidFill>
+                  <a:schemeClr val="lt1"/>
+                </a:solidFill>
+                <a:latin typeface="Courier New"/>
+                <a:ea typeface="Courier New"/>
+                <a:cs typeface="Courier New"/>
+                <a:sym typeface="Courier New"/>
+              </a:rPr>
+              <a:t>'</a:t>
+            </a:r>
+            <a:r>
+              <a:rPr lang="en-US" sz="3000" dirty="0">
+                <a:solidFill>
+                  <a:schemeClr val="lt1"/>
+                </a:solidFill>
+                <a:latin typeface="Courier New"/>
+                <a:ea typeface="Courier New"/>
+                <a:cs typeface="Courier New"/>
+                <a:sym typeface="Courier New"/>
+              </a:rPr>
+              <a:t>Medium'</a:t>
+            </a:r>
+            <a:r>
+              <a:rPr lang="en-US" sz="3000" dirty="0" smtClean="0">
                 <a:solidFill>
                   <a:srgbClr val="00FF00"/>
                 </a:solidFill>
@@ -13598,19 +13601,7 @@
               </a:rPr>
               <a:t>)</a:t>
             </a:r>
-            <a:r>
-              <a:rPr lang="en-US" sz="3000" b="1" i="0" u="none" strike="noStrike" cap="none" dirty="0" smtClean="0">
-                <a:solidFill>
-                  <a:schemeClr val="lt1"/>
-                </a:solidFill>
-                <a:latin typeface="Courier New"/>
-                <a:ea typeface="Courier New"/>
-                <a:cs typeface="Courier New"/>
-                <a:sym typeface="Courier New"/>
-              </a:rPr>
-              <a:t>'</a:t>
-            </a:r>
-            <a:endParaRPr lang="en-US" sz="3000" b="1" i="0" u="none" strike="noStrike" cap="none" dirty="0">
+            <a:endParaRPr lang="en-US" sz="3000" i="0" u="none" strike="noStrike" cap="none" dirty="0">
               <a:solidFill>
                 <a:schemeClr val="lt1"/>
               </a:solidFill>
@@ -13639,7 +13630,7 @@
               <a:buNone/>
             </a:pPr>
             <a:r>
-              <a:rPr lang="en-US" sz="3000" b="1" i="0" u="none" strike="noStrike" cap="none" dirty="0">
+              <a:rPr lang="en-US" sz="3000" i="0" u="none" strike="noStrike" cap="none" dirty="0">
                 <a:solidFill>
                   <a:srgbClr val="00FF00"/>
                 </a:solidFill>
@@ -13651,7 +13642,7 @@
               <a:t>else</a:t>
             </a:r>
             <a:r>
-              <a:rPr lang="en-US" sz="3000" b="1" i="0" u="none" strike="noStrike" cap="none" dirty="0">
+              <a:rPr lang="en-US" sz="3000" i="0" u="none" strike="noStrike" cap="none" dirty="0">
                 <a:solidFill>
                   <a:schemeClr val="lt1"/>
                 </a:solidFill>
@@ -13671,7 +13662,7 @@
               <a:buSzPct val="25000"/>
             </a:pPr>
             <a:r>
-              <a:rPr lang="en-US" sz="3000" b="1" i="0" u="none" strike="noStrike" cap="none" dirty="0">
+              <a:rPr lang="en-US" sz="3000" i="0" u="none" strike="noStrike" cap="none" dirty="0">
                 <a:solidFill>
                   <a:schemeClr val="lt1"/>
                 </a:solidFill>
@@ -13683,7 +13674,7 @@
               <a:t>    </a:t>
             </a:r>
             <a:r>
-              <a:rPr lang="en-US" sz="3000" b="1" i="0" u="none" strike="noStrike" cap="none" dirty="0" smtClean="0">
+              <a:rPr lang="en-US" sz="3000" i="0" u="none" strike="noStrike" cap="none" dirty="0" smtClean="0">
                 <a:solidFill>
                   <a:srgbClr val="00FF00"/>
                 </a:solidFill>
@@ -13695,7 +13686,7 @@
               <a:t>print(</a:t>
             </a:r>
             <a:r>
-              <a:rPr lang="en-US" sz="3000" b="1" i="0" u="none" strike="noStrike" cap="none" dirty="0" smtClean="0">
+              <a:rPr lang="en-US" sz="3000" i="0" u="none" strike="noStrike" cap="none" dirty="0" smtClean="0">
                 <a:solidFill>
                   <a:schemeClr val="lt1"/>
                 </a:solidFill>
@@ -13707,7 +13698,7 @@
               <a:t>'LARGE'</a:t>
             </a:r>
             <a:r>
-              <a:rPr lang="en-US" sz="3000" b="1" dirty="0">
+              <a:rPr lang="en-US" sz="3000" dirty="0">
                 <a:solidFill>
                   <a:srgbClr val="00FF00"/>
                 </a:solidFill>
@@ -13718,7 +13709,7 @@
               </a:rPr>
               <a:t>)</a:t>
             </a:r>
-            <a:endParaRPr lang="en-US" sz="3000" b="1" i="0" u="none" strike="noStrike" cap="none" dirty="0">
+            <a:endParaRPr lang="en-US" sz="3000" i="0" u="none" strike="noStrike" cap="none" dirty="0">
               <a:solidFill>
                 <a:schemeClr val="lt1"/>
               </a:solidFill>
@@ -13736,7 +13727,7 @@
               <a:buSzPct val="25000"/>
             </a:pPr>
             <a:r>
-              <a:rPr lang="en-US" sz="3000" b="1" i="0" u="none" strike="noStrike" cap="none" dirty="0" smtClean="0">
+              <a:rPr lang="en-US" sz="3000" i="0" u="none" strike="noStrike" cap="none" dirty="0" smtClean="0">
                 <a:solidFill>
                   <a:srgbClr val="FFC000"/>
                 </a:solidFill>
@@ -13748,7 +13739,7 @@
               <a:t>print</a:t>
             </a:r>
             <a:r>
-              <a:rPr lang="en-US" sz="3000" b="1" dirty="0">
+              <a:rPr lang="en-US" sz="3000" dirty="0">
                 <a:solidFill>
                   <a:srgbClr val="FFC000"/>
                 </a:solidFill>
@@ -13760,7 +13751,7 @@
               <a:t>(</a:t>
             </a:r>
             <a:r>
-              <a:rPr lang="en-US" sz="3000" b="1" i="0" u="none" strike="noStrike" cap="none" dirty="0" smtClean="0">
+              <a:rPr lang="en-US" sz="3000" i="0" u="none" strike="noStrike" cap="none" dirty="0" smtClean="0">
                 <a:solidFill>
                   <a:srgbClr val="FFC000"/>
                 </a:solidFill>
@@ -13772,7 +13763,7 @@
               <a:t>'All </a:t>
             </a:r>
             <a:r>
-              <a:rPr lang="en-US" sz="3000" b="1" i="0" u="none" strike="noStrike" cap="none" dirty="0">
+              <a:rPr lang="en-US" sz="3000" i="0" u="none" strike="noStrike" cap="none" dirty="0">
                 <a:solidFill>
                   <a:srgbClr val="FFC000"/>
                 </a:solidFill>
@@ -13784,7 +13775,7 @@
               <a:t>done</a:t>
             </a:r>
             <a:r>
-              <a:rPr lang="en-US" sz="3000" b="1" i="0" u="none" strike="noStrike" cap="none" dirty="0" smtClean="0">
+              <a:rPr lang="en-US" sz="3000" i="0" u="none" strike="noStrike" cap="none" dirty="0" smtClean="0">
                 <a:solidFill>
                   <a:srgbClr val="FFC000"/>
                 </a:solidFill>
@@ -13796,7 +13787,7 @@
               <a:t>'</a:t>
             </a:r>
             <a:r>
-              <a:rPr lang="en-US" sz="3000" b="1" dirty="0">
+              <a:rPr lang="en-US" sz="3000" dirty="0">
                 <a:solidFill>
                   <a:srgbClr val="FFC000"/>
                 </a:solidFill>
@@ -13807,7 +13798,7 @@
               </a:rPr>
               <a:t>)</a:t>
             </a:r>
-            <a:endParaRPr lang="en-US" sz="3000" b="1" i="0" u="none" strike="noStrike" cap="none" dirty="0">
+            <a:endParaRPr lang="en-US" sz="3000" i="0" u="none" strike="noStrike" cap="none" dirty="0">
               <a:solidFill>
                 <a:srgbClr val="FFC000"/>
               </a:solidFill>
@@ -13827,7 +13818,7 @@
         </p:nvSpPr>
         <p:spPr>
           <a:xfrm>
-            <a:off x="8596550" y="2264250"/>
+            <a:off x="7794315" y="2283417"/>
             <a:ext cx="3139423" cy="1300743"/>
           </a:xfrm>
           <a:prstGeom prst="diamond">
@@ -13890,7 +13881,7 @@
         </p:nvSpPr>
         <p:spPr>
           <a:xfrm>
-            <a:off x="12352751" y="2353950"/>
+            <a:off x="11550516" y="2373117"/>
             <a:ext cx="3061023" cy="1121165"/>
           </a:xfrm>
           <a:prstGeom prst="rect">
@@ -13986,7 +13977,7 @@
         </p:nvCxnSpPr>
         <p:spPr>
           <a:xfrm rot="10800000">
-            <a:off x="11786506" y="2917380"/>
+            <a:off x="10984271" y="2936547"/>
             <a:ext cx="528401" cy="0"/>
           </a:xfrm>
           <a:prstGeom prst="straightConnector1">
@@ -14012,7 +14003,7 @@
         </p:nvCxnSpPr>
         <p:spPr>
           <a:xfrm rot="10800000" flipH="1">
-            <a:off x="10227974" y="6871191"/>
+            <a:off x="9425739" y="6890358"/>
             <a:ext cx="5728196" cy="91113"/>
           </a:xfrm>
           <a:prstGeom prst="straightConnector1">
@@ -14038,7 +14029,7 @@
         </p:nvSpPr>
         <p:spPr>
           <a:xfrm>
-            <a:off x="11189450" y="2180156"/>
+            <a:off x="10387215" y="2199323"/>
             <a:ext cx="695265" cy="493439"/>
           </a:xfrm>
           <a:prstGeom prst="rect">
@@ -14095,7 +14086,7 @@
         </p:nvSpPr>
         <p:spPr>
           <a:xfrm>
-            <a:off x="9458512" y="3480811"/>
+            <a:off x="8656277" y="3499978"/>
             <a:ext cx="477812" cy="493439"/>
           </a:xfrm>
           <a:prstGeom prst="rect">
@@ -14152,7 +14143,7 @@
         </p:nvCxnSpPr>
         <p:spPr>
           <a:xfrm rot="10800000">
-            <a:off x="15939363" y="2932818"/>
+            <a:off x="15137128" y="2951985"/>
             <a:ext cx="33637" cy="3955201"/>
           </a:xfrm>
           <a:prstGeom prst="straightConnector1">
@@ -14178,7 +14169,7 @@
         </p:nvCxnSpPr>
         <p:spPr>
           <a:xfrm rot="10800000">
-            <a:off x="10178886" y="1693888"/>
+            <a:off x="9376651" y="1713055"/>
             <a:ext cx="4237" cy="606802"/>
           </a:xfrm>
           <a:prstGeom prst="straightConnector1">
@@ -14204,7 +14195,7 @@
         </p:nvCxnSpPr>
         <p:spPr>
           <a:xfrm rot="10800000" flipH="1">
-            <a:off x="10183124" y="6721257"/>
+            <a:off x="9380889" y="6740424"/>
             <a:ext cx="16686" cy="658714"/>
           </a:xfrm>
           <a:prstGeom prst="straightConnector1">
@@ -14230,7 +14221,7 @@
         </p:nvSpPr>
         <p:spPr>
           <a:xfrm>
-            <a:off x="8607762" y="7354744"/>
+            <a:off x="7805527" y="7373911"/>
             <a:ext cx="3061023" cy="852065"/>
           </a:xfrm>
           <a:prstGeom prst="rect">
@@ -14326,7 +14317,7 @@
         </p:nvSpPr>
         <p:spPr>
           <a:xfrm>
-            <a:off x="8585337" y="3979769"/>
+            <a:off x="7783102" y="3998936"/>
             <a:ext cx="3139423" cy="1300743"/>
           </a:xfrm>
           <a:prstGeom prst="diamond">
@@ -14389,7 +14380,7 @@
         </p:nvSpPr>
         <p:spPr>
           <a:xfrm>
-            <a:off x="12341539" y="4069469"/>
+            <a:off x="11539304" y="4088636"/>
             <a:ext cx="3061023" cy="1121165"/>
           </a:xfrm>
           <a:prstGeom prst="rect">
@@ -14461,7 +14452,7 @@
         </p:nvCxnSpPr>
         <p:spPr>
           <a:xfrm rot="10800000">
-            <a:off x="11775293" y="4632899"/>
+            <a:off x="10973058" y="4652066"/>
             <a:ext cx="528401" cy="0"/>
           </a:xfrm>
           <a:prstGeom prst="straightConnector1">
@@ -14487,7 +14478,7 @@
         </p:nvSpPr>
         <p:spPr>
           <a:xfrm>
-            <a:off x="11324000" y="3951737"/>
+            <a:off x="10521765" y="3970904"/>
             <a:ext cx="773062" cy="493439"/>
           </a:xfrm>
           <a:prstGeom prst="rect">
@@ -14544,7 +14535,7 @@
         </p:nvCxnSpPr>
         <p:spPr>
           <a:xfrm rot="10800000">
-            <a:off x="15453008" y="2917380"/>
+            <a:off x="14650773" y="2936547"/>
             <a:ext cx="528401" cy="0"/>
           </a:xfrm>
           <a:prstGeom prst="straightConnector1">
@@ -14570,7 +14561,7 @@
         </p:nvCxnSpPr>
         <p:spPr>
           <a:xfrm rot="10800000">
-            <a:off x="15419370" y="4621687"/>
+            <a:off x="14617135" y="4640854"/>
             <a:ext cx="528401" cy="0"/>
           </a:xfrm>
           <a:prstGeom prst="straightConnector1">
@@ -14596,7 +14587,7 @@
         </p:nvCxnSpPr>
         <p:spPr>
           <a:xfrm rot="10800000">
-            <a:off x="10138350" y="3556373"/>
+            <a:off x="9336115" y="3575540"/>
             <a:ext cx="1324" cy="497678"/>
           </a:xfrm>
           <a:prstGeom prst="straightConnector1">
@@ -14622,7 +14613,7 @@
         </p:nvSpPr>
         <p:spPr>
           <a:xfrm>
-            <a:off x="8618975" y="5594375"/>
+            <a:off x="7816740" y="5613542"/>
             <a:ext cx="3061023" cy="1121165"/>
           </a:xfrm>
           <a:prstGeom prst="rect">
@@ -14694,7 +14685,7 @@
         </p:nvCxnSpPr>
         <p:spPr>
           <a:xfrm rot="10800000" flipH="1">
-            <a:off x="10184525" y="5273482"/>
+            <a:off x="9382290" y="5292649"/>
             <a:ext cx="4237" cy="361538"/>
           </a:xfrm>
           <a:prstGeom prst="straightConnector1">
@@ -14720,7 +14711,7 @@
         </p:nvSpPr>
         <p:spPr>
           <a:xfrm>
-            <a:off x="9279112" y="5050567"/>
+            <a:off x="8476877" y="5069734"/>
             <a:ext cx="477812" cy="493439"/>
           </a:xfrm>
           <a:prstGeom prst="rect">
@@ -14777,7 +14768,7 @@
         </p:nvSpPr>
         <p:spPr>
           <a:xfrm>
-            <a:off x="8404723" y="953695"/>
+            <a:off x="7602488" y="972862"/>
             <a:ext cx="3467099" cy="691062"/>
           </a:xfrm>
           <a:prstGeom prst="rect">
@@ -14857,7 +14848,7 @@
   <p:timing>
     <p:tnLst>
       <p:par>
-        <p:cTn id="1" dur="indefinite" restart="never" nodeType="tmRoot"/>
+        <p:cTn xmlns:p14="http://schemas.microsoft.com/office/powerpoint/2010/main" id="1" dur="indefinite" restart="never" nodeType="tmRoot"/>
       </p:par>
     </p:tnLst>
   </p:timing>
@@ -14974,7 +14965,7 @@
               <a:buSzPct val="25000"/>
             </a:pPr>
             <a:r>
-              <a:rPr lang="en-US" sz="3000" b="1" dirty="0">
+              <a:rPr lang="en-US" sz="3000" dirty="0">
                 <a:solidFill>
                   <a:schemeClr val="bg1"/>
                 </a:solidFill>
@@ -14986,7 +14977,7 @@
               <a:t>x = </a:t>
             </a:r>
             <a:r>
-              <a:rPr lang="en-US" sz="3000" b="1" dirty="0" smtClean="0">
+              <a:rPr lang="en-US" sz="3000" dirty="0" smtClean="0">
                 <a:solidFill>
                   <a:schemeClr val="bg1"/>
                 </a:solidFill>
@@ -14997,7 +14988,7 @@
               </a:rPr>
               <a:t>5 </a:t>
             </a:r>
-            <a:endParaRPr lang="en-US" sz="3000" b="1" i="0" u="none" strike="noStrike" cap="none" dirty="0" smtClean="0">
+            <a:endParaRPr lang="en-US" sz="3000" i="0" u="none" strike="noStrike" cap="none" dirty="0" smtClean="0">
               <a:solidFill>
                 <a:srgbClr val="00FF00"/>
               </a:solidFill>
@@ -15026,7 +15017,7 @@
               <a:buNone/>
             </a:pPr>
             <a:r>
-              <a:rPr lang="en-US" sz="3000" b="1" i="0" u="none" strike="noStrike" cap="none" dirty="0" smtClean="0">
+              <a:rPr lang="en-US" sz="3000" i="0" u="none" strike="noStrike" cap="none" dirty="0" smtClean="0">
                 <a:solidFill>
                   <a:srgbClr val="FFC000"/>
                 </a:solidFill>
@@ -15038,7 +15029,7 @@
               <a:t>if </a:t>
             </a:r>
             <a:r>
-              <a:rPr lang="en-US" sz="3000" b="1" i="0" u="none" strike="noStrike" cap="none" dirty="0">
+              <a:rPr lang="en-US" sz="3000" i="0" u="none" strike="noStrike" cap="none" dirty="0">
                 <a:solidFill>
                   <a:srgbClr val="FFC000"/>
                 </a:solidFill>
@@ -15058,7 +15049,7 @@
               <a:buSzPct val="25000"/>
             </a:pPr>
             <a:r>
-              <a:rPr lang="en-US" sz="3000" b="1" i="0" u="none" strike="noStrike" cap="none" dirty="0">
+              <a:rPr lang="en-US" sz="3000" i="0" u="none" strike="noStrike" cap="none" dirty="0">
                 <a:solidFill>
                   <a:schemeClr val="lt1"/>
                 </a:solidFill>
@@ -15070,7 +15061,7 @@
               <a:t>    </a:t>
             </a:r>
             <a:r>
-              <a:rPr lang="en-US" sz="3000" b="1" i="0" u="none" strike="noStrike" cap="none" dirty="0" smtClean="0">
+              <a:rPr lang="en-US" sz="3000" i="0" u="none" strike="noStrike" cap="none" dirty="0" smtClean="0">
                 <a:solidFill>
                   <a:srgbClr val="00FF00"/>
                 </a:solidFill>
@@ -15082,7 +15073,7 @@
               <a:t>print(</a:t>
             </a:r>
             <a:r>
-              <a:rPr lang="en-US" sz="3000" b="1" i="0" u="none" strike="noStrike" cap="none" dirty="0" smtClean="0">
+              <a:rPr lang="en-US" sz="3000" i="0" u="none" strike="noStrike" cap="none" dirty="0" smtClean="0">
                 <a:solidFill>
                   <a:schemeClr val="lt1"/>
                 </a:solidFill>
@@ -15094,7 +15085,7 @@
               <a:t>'</a:t>
             </a:r>
             <a:r>
-              <a:rPr lang="en-US" sz="3000" b="1" dirty="0" smtClean="0">
+              <a:rPr lang="en-US" sz="3000" dirty="0" smtClean="0">
                 <a:solidFill>
                   <a:schemeClr val="lt1"/>
                 </a:solidFill>
@@ -15106,7 +15097,7 @@
               <a:t>s</a:t>
             </a:r>
             <a:r>
-              <a:rPr lang="en-US" sz="3000" b="1" i="0" u="none" strike="noStrike" cap="none" dirty="0" smtClean="0">
+              <a:rPr lang="en-US" sz="3000" i="0" u="none" strike="noStrike" cap="none" dirty="0" smtClean="0">
                 <a:solidFill>
                   <a:schemeClr val="lt1"/>
                 </a:solidFill>
@@ -15118,7 +15109,7 @@
               <a:t>mall'</a:t>
             </a:r>
             <a:r>
-              <a:rPr lang="en-US" sz="3000" b="1" dirty="0">
+              <a:rPr lang="en-US" sz="3000" dirty="0">
                 <a:solidFill>
                   <a:srgbClr val="00FF00"/>
                 </a:solidFill>
@@ -15129,7 +15120,7 @@
               </a:rPr>
               <a:t>)</a:t>
             </a:r>
-            <a:endParaRPr lang="en-US" sz="3000" b="1" i="0" u="none" strike="noStrike" cap="none" dirty="0">
+            <a:endParaRPr lang="en-US" sz="3000" i="0" u="none" strike="noStrike" cap="none" dirty="0">
               <a:solidFill>
                 <a:schemeClr val="lt1"/>
               </a:solidFill>
@@ -15158,7 +15149,7 @@
               <a:buNone/>
             </a:pPr>
             <a:r>
-              <a:rPr lang="en-US" sz="3000" b="1" i="0" u="none" strike="noStrike" cap="none" dirty="0" err="1">
+              <a:rPr lang="en-US" sz="3000" i="0" u="none" strike="noStrike" cap="none" dirty="0" err="1">
                 <a:solidFill>
                   <a:srgbClr val="FFC000"/>
                 </a:solidFill>
@@ -15170,7 +15161,7 @@
               <a:t>elif</a:t>
             </a:r>
             <a:r>
-              <a:rPr lang="en-US" sz="3000" b="1" i="0" u="none" strike="noStrike" cap="none" dirty="0">
+              <a:rPr lang="en-US" sz="3000" i="0" u="none" strike="noStrike" cap="none" dirty="0">
                 <a:solidFill>
                   <a:srgbClr val="FFC000"/>
                 </a:solidFill>
@@ -15190,7 +15181,7 @@
               <a:buSzPct val="25000"/>
             </a:pPr>
             <a:r>
-              <a:rPr lang="en-US" sz="3000" b="1" i="0" u="none" strike="noStrike" cap="none" dirty="0">
+              <a:rPr lang="en-US" sz="3000" i="0" u="none" strike="noStrike" cap="none" dirty="0">
                 <a:solidFill>
                   <a:srgbClr val="FFC000"/>
                 </a:solidFill>
@@ -15202,7 +15193,7 @@
               <a:t>    </a:t>
             </a:r>
             <a:r>
-              <a:rPr lang="en-US" sz="3000" b="1" i="0" u="none" strike="noStrike" cap="none" dirty="0" smtClean="0">
+              <a:rPr lang="en-US" sz="3000" i="0" u="none" strike="noStrike" cap="none" dirty="0" smtClean="0">
                 <a:solidFill>
                   <a:srgbClr val="FFC000"/>
                 </a:solidFill>
@@ -15211,10 +15202,10 @@
                 <a:cs typeface="Courier New"/>
                 <a:sym typeface="Courier New"/>
               </a:rPr>
-              <a:t>print('Medium</a:t>
-            </a:r>
-            <a:r>
-              <a:rPr lang="en-US" sz="3000" b="1" dirty="0">
+              <a:t>print('</a:t>
+            </a:r>
+            <a:r>
+              <a:rPr lang="en-US" sz="3000" dirty="0">
                 <a:solidFill>
                   <a:srgbClr val="FFC000"/>
                 </a:solidFill>
@@ -15223,21 +15214,21 @@
                 <a:cs typeface="Courier New"/>
                 <a:sym typeface="Courier New"/>
               </a:rPr>
+              <a:t>Medium'</a:t>
+            </a:r>
+            <a:r>
+              <a:rPr lang="en-US" sz="3000" dirty="0" smtClean="0">
+                <a:solidFill>
+                  <a:srgbClr val="FFC000"/>
+                </a:solidFill>
+                <a:latin typeface="Courier New"/>
+                <a:ea typeface="Courier New"/>
+                <a:cs typeface="Courier New"/>
+                <a:sym typeface="Courier New"/>
+              </a:rPr>
               <a:t>)</a:t>
             </a:r>
-            <a:r>
-              <a:rPr lang="en-US" sz="3000" b="1" i="0" u="none" strike="noStrike" cap="none" dirty="0" smtClean="0">
-                <a:solidFill>
-                  <a:srgbClr val="FFC000"/>
-                </a:solidFill>
-                <a:latin typeface="Courier New"/>
-                <a:ea typeface="Courier New"/>
-                <a:cs typeface="Courier New"/>
-                <a:sym typeface="Courier New"/>
-              </a:rPr>
-              <a:t>'</a:t>
-            </a:r>
-            <a:endParaRPr lang="en-US" sz="3000" b="1" i="0" u="none" strike="noStrike" cap="none" dirty="0">
+            <a:endParaRPr lang="en-US" sz="3000" i="0" u="none" strike="noStrike" cap="none" dirty="0">
               <a:solidFill>
                 <a:srgbClr val="FFC000"/>
               </a:solidFill>
@@ -15266,7 +15257,7 @@
               <a:buNone/>
             </a:pPr>
             <a:r>
-              <a:rPr lang="en-US" sz="3000" b="1" i="0" u="none" strike="noStrike" cap="none" dirty="0">
+              <a:rPr lang="en-US" sz="3000" i="0" u="none" strike="noStrike" cap="none" dirty="0">
                 <a:solidFill>
                   <a:srgbClr val="00FF00"/>
                 </a:solidFill>
@@ -15278,7 +15269,7 @@
               <a:t>else</a:t>
             </a:r>
             <a:r>
-              <a:rPr lang="en-US" sz="3000" b="1" i="0" u="none" strike="noStrike" cap="none" dirty="0">
+              <a:rPr lang="en-US" sz="3000" i="0" u="none" strike="noStrike" cap="none" dirty="0">
                 <a:solidFill>
                   <a:schemeClr val="lt1"/>
                 </a:solidFill>
@@ -15298,7 +15289,7 @@
               <a:buSzPct val="25000"/>
             </a:pPr>
             <a:r>
-              <a:rPr lang="en-US" sz="3000" b="1" i="0" u="none" strike="noStrike" cap="none" dirty="0">
+              <a:rPr lang="en-US" sz="3000" i="0" u="none" strike="noStrike" cap="none" dirty="0">
                 <a:solidFill>
                   <a:schemeClr val="lt1"/>
                 </a:solidFill>
@@ -15310,7 +15301,7 @@
               <a:t>    </a:t>
             </a:r>
             <a:r>
-              <a:rPr lang="en-US" sz="3000" b="1" i="0" u="none" strike="noStrike" cap="none" dirty="0" smtClean="0">
+              <a:rPr lang="en-US" sz="3000" i="0" u="none" strike="noStrike" cap="none" dirty="0" smtClean="0">
                 <a:solidFill>
                   <a:srgbClr val="00FF00"/>
                 </a:solidFill>
@@ -15322,7 +15313,7 @@
               <a:t>print(</a:t>
             </a:r>
             <a:r>
-              <a:rPr lang="en-US" sz="3000" b="1" i="0" u="none" strike="noStrike" cap="none" dirty="0" smtClean="0">
+              <a:rPr lang="en-US" sz="3000" i="0" u="none" strike="noStrike" cap="none" dirty="0" smtClean="0">
                 <a:solidFill>
                   <a:schemeClr val="lt1"/>
                 </a:solidFill>
@@ -15334,7 +15325,7 @@
               <a:t>'LARGE'</a:t>
             </a:r>
             <a:r>
-              <a:rPr lang="en-US" sz="3000" b="1" dirty="0">
+              <a:rPr lang="en-US" sz="3000" dirty="0">
                 <a:solidFill>
                   <a:srgbClr val="00FF00"/>
                 </a:solidFill>
@@ -15345,7 +15336,7 @@
               </a:rPr>
               <a:t>)</a:t>
             </a:r>
-            <a:endParaRPr lang="en-US" sz="3000" b="1" i="0" u="none" strike="noStrike" cap="none" dirty="0">
+            <a:endParaRPr lang="en-US" sz="3000" i="0" u="none" strike="noStrike" cap="none" dirty="0">
               <a:solidFill>
                 <a:schemeClr val="lt1"/>
               </a:solidFill>
@@ -15363,7 +15354,7 @@
               <a:buSzPct val="25000"/>
             </a:pPr>
             <a:r>
-              <a:rPr lang="en-US" sz="3000" b="1" i="0" u="none" strike="noStrike" cap="none" dirty="0" smtClean="0">
+              <a:rPr lang="en-US" sz="3000" i="0" u="none" strike="noStrike" cap="none" dirty="0" smtClean="0">
                 <a:solidFill>
                   <a:srgbClr val="FFC000"/>
                 </a:solidFill>
@@ -15375,7 +15366,7 @@
               <a:t>print</a:t>
             </a:r>
             <a:r>
-              <a:rPr lang="en-US" sz="3000" b="1" dirty="0">
+              <a:rPr lang="en-US" sz="3000" dirty="0">
                 <a:solidFill>
                   <a:srgbClr val="FFC000"/>
                 </a:solidFill>
@@ -15387,7 +15378,7 @@
               <a:t>(</a:t>
             </a:r>
             <a:r>
-              <a:rPr lang="en-US" sz="3000" b="1" i="0" u="none" strike="noStrike" cap="none" dirty="0" smtClean="0">
+              <a:rPr lang="en-US" sz="3000" i="0" u="none" strike="noStrike" cap="none" dirty="0" smtClean="0">
                 <a:solidFill>
                   <a:srgbClr val="FFC000"/>
                 </a:solidFill>
@@ -15399,7 +15390,7 @@
               <a:t>'All </a:t>
             </a:r>
             <a:r>
-              <a:rPr lang="en-US" sz="3000" b="1" i="0" u="none" strike="noStrike" cap="none" dirty="0">
+              <a:rPr lang="en-US" sz="3000" i="0" u="none" strike="noStrike" cap="none" dirty="0">
                 <a:solidFill>
                   <a:srgbClr val="FFC000"/>
                 </a:solidFill>
@@ -15411,7 +15402,7 @@
               <a:t>done</a:t>
             </a:r>
             <a:r>
-              <a:rPr lang="en-US" sz="3000" b="1" i="0" u="none" strike="noStrike" cap="none" dirty="0" smtClean="0">
+              <a:rPr lang="en-US" sz="3000" i="0" u="none" strike="noStrike" cap="none" dirty="0" smtClean="0">
                 <a:solidFill>
                   <a:srgbClr val="FFC000"/>
                 </a:solidFill>
@@ -15423,7 +15414,7 @@
               <a:t>'</a:t>
             </a:r>
             <a:r>
-              <a:rPr lang="en-US" sz="3000" b="1" dirty="0">
+              <a:rPr lang="en-US" sz="3000" dirty="0">
                 <a:solidFill>
                   <a:srgbClr val="FFC000"/>
                 </a:solidFill>
@@ -15434,7 +15425,7 @@
               </a:rPr>
               <a:t>)</a:t>
             </a:r>
-            <a:endParaRPr lang="en-US" sz="3000" b="1" i="0" u="none" strike="noStrike" cap="none" dirty="0">
+            <a:endParaRPr lang="en-US" sz="3000" i="0" u="none" strike="noStrike" cap="none" dirty="0">
               <a:solidFill>
                 <a:srgbClr val="FFC000"/>
               </a:solidFill>
@@ -15454,7 +15445,7 @@
         </p:nvSpPr>
         <p:spPr>
           <a:xfrm>
-            <a:off x="8596550" y="2264250"/>
+            <a:off x="7788036" y="2276842"/>
             <a:ext cx="3139423" cy="1300743"/>
           </a:xfrm>
           <a:prstGeom prst="diamond">
@@ -15517,7 +15508,7 @@
         </p:nvSpPr>
         <p:spPr>
           <a:xfrm>
-            <a:off x="12352751" y="2353950"/>
+            <a:off x="11544237" y="2366542"/>
             <a:ext cx="3061023" cy="1121165"/>
           </a:xfrm>
           <a:prstGeom prst="rect">
@@ -15613,7 +15604,7 @@
         </p:nvCxnSpPr>
         <p:spPr>
           <a:xfrm rot="10800000">
-            <a:off x="11786506" y="2917380"/>
+            <a:off x="10977992" y="2929972"/>
             <a:ext cx="528401" cy="0"/>
           </a:xfrm>
           <a:prstGeom prst="straightConnector1">
@@ -15639,7 +15630,7 @@
         </p:nvCxnSpPr>
         <p:spPr>
           <a:xfrm rot="10800000" flipH="1">
-            <a:off x="10227974" y="6871191"/>
+            <a:off x="9419460" y="6883783"/>
             <a:ext cx="5728196" cy="91113"/>
           </a:xfrm>
           <a:prstGeom prst="straightConnector1">
@@ -15665,7 +15656,7 @@
         </p:nvSpPr>
         <p:spPr>
           <a:xfrm>
-            <a:off x="11189450" y="2180156"/>
+            <a:off x="10380936" y="2192748"/>
             <a:ext cx="695265" cy="493439"/>
           </a:xfrm>
           <a:prstGeom prst="rect">
@@ -15722,7 +15713,7 @@
         </p:nvSpPr>
         <p:spPr>
           <a:xfrm>
-            <a:off x="9458512" y="3480811"/>
+            <a:off x="8649998" y="3493403"/>
             <a:ext cx="477812" cy="493439"/>
           </a:xfrm>
           <a:prstGeom prst="rect">
@@ -15779,7 +15770,7 @@
         </p:nvCxnSpPr>
         <p:spPr>
           <a:xfrm rot="10800000">
-            <a:off x="15939363" y="2932818"/>
+            <a:off x="15130849" y="2945410"/>
             <a:ext cx="33637" cy="3955201"/>
           </a:xfrm>
           <a:prstGeom prst="straightConnector1">
@@ -15805,7 +15796,7 @@
         </p:nvCxnSpPr>
         <p:spPr>
           <a:xfrm rot="10800000">
-            <a:off x="10178886" y="1693888"/>
+            <a:off x="9370372" y="1706480"/>
             <a:ext cx="4237" cy="606802"/>
           </a:xfrm>
           <a:prstGeom prst="straightConnector1">
@@ -15831,7 +15822,7 @@
         </p:nvCxnSpPr>
         <p:spPr>
           <a:xfrm rot="10800000" flipH="1">
-            <a:off x="10183124" y="6721257"/>
+            <a:off x="9374610" y="6733849"/>
             <a:ext cx="16686" cy="658714"/>
           </a:xfrm>
           <a:prstGeom prst="straightConnector1">
@@ -15857,7 +15848,7 @@
         </p:nvSpPr>
         <p:spPr>
           <a:xfrm>
-            <a:off x="8607762" y="7354744"/>
+            <a:off x="7799248" y="7367336"/>
             <a:ext cx="3061023" cy="852065"/>
           </a:xfrm>
           <a:prstGeom prst="rect">
@@ -15953,7 +15944,7 @@
         </p:nvSpPr>
         <p:spPr>
           <a:xfrm>
-            <a:off x="8585337" y="3979769"/>
+            <a:off x="7776823" y="3992361"/>
             <a:ext cx="3139423" cy="1300743"/>
           </a:xfrm>
           <a:prstGeom prst="diamond">
@@ -16016,7 +16007,7 @@
         </p:nvSpPr>
         <p:spPr>
           <a:xfrm>
-            <a:off x="12341539" y="4069469"/>
+            <a:off x="11533025" y="4082061"/>
             <a:ext cx="3061023" cy="1121165"/>
           </a:xfrm>
           <a:prstGeom prst="rect">
@@ -16088,7 +16079,7 @@
         </p:nvCxnSpPr>
         <p:spPr>
           <a:xfrm rot="10800000">
-            <a:off x="11775293" y="4632899"/>
+            <a:off x="10966779" y="4645491"/>
             <a:ext cx="528401" cy="0"/>
           </a:xfrm>
           <a:prstGeom prst="straightConnector1">
@@ -16114,7 +16105,7 @@
         </p:nvSpPr>
         <p:spPr>
           <a:xfrm>
-            <a:off x="11324000" y="3951737"/>
+            <a:off x="10515486" y="3964329"/>
             <a:ext cx="773062" cy="493439"/>
           </a:xfrm>
           <a:prstGeom prst="rect">
@@ -16171,7 +16162,7 @@
         </p:nvCxnSpPr>
         <p:spPr>
           <a:xfrm rot="10800000">
-            <a:off x="15453008" y="2917380"/>
+            <a:off x="14644494" y="2929972"/>
             <a:ext cx="528401" cy="0"/>
           </a:xfrm>
           <a:prstGeom prst="straightConnector1">
@@ -16197,7 +16188,7 @@
         </p:nvCxnSpPr>
         <p:spPr>
           <a:xfrm rot="10800000">
-            <a:off x="15419370" y="4621687"/>
+            <a:off x="14610856" y="4634279"/>
             <a:ext cx="528401" cy="0"/>
           </a:xfrm>
           <a:prstGeom prst="straightConnector1">
@@ -16223,7 +16214,7 @@
         </p:nvCxnSpPr>
         <p:spPr>
           <a:xfrm rot="10800000">
-            <a:off x="10138350" y="3556373"/>
+            <a:off x="9329836" y="3568965"/>
             <a:ext cx="1324" cy="497678"/>
           </a:xfrm>
           <a:prstGeom prst="straightConnector1">
@@ -16249,7 +16240,7 @@
         </p:nvSpPr>
         <p:spPr>
           <a:xfrm>
-            <a:off x="8618975" y="5594375"/>
+            <a:off x="7810461" y="5606967"/>
             <a:ext cx="3061023" cy="1121165"/>
           </a:xfrm>
           <a:prstGeom prst="rect">
@@ -16321,7 +16312,7 @@
         </p:nvCxnSpPr>
         <p:spPr>
           <a:xfrm rot="10800000" flipH="1">
-            <a:off x="10184525" y="5273482"/>
+            <a:off x="9376011" y="5286074"/>
             <a:ext cx="4237" cy="361538"/>
           </a:xfrm>
           <a:prstGeom prst="straightConnector1">
@@ -16347,7 +16338,7 @@
         </p:nvSpPr>
         <p:spPr>
           <a:xfrm>
-            <a:off x="9279112" y="5050567"/>
+            <a:off x="8470598" y="5063159"/>
             <a:ext cx="477812" cy="493439"/>
           </a:xfrm>
           <a:prstGeom prst="rect">
@@ -16404,7 +16395,7 @@
         </p:nvSpPr>
         <p:spPr>
           <a:xfrm>
-            <a:off x="8404723" y="953695"/>
+            <a:off x="7596209" y="966287"/>
             <a:ext cx="3467099" cy="691062"/>
           </a:xfrm>
           <a:prstGeom prst="rect">
@@ -16505,7 +16496,7 @@
   <p:timing>
     <p:tnLst>
       <p:par>
-        <p:cTn id="1" dur="indefinite" restart="never" nodeType="tmRoot"/>
+        <p:cTn xmlns:p14="http://schemas.microsoft.com/office/powerpoint/2010/main" id="1" dur="indefinite" restart="never" nodeType="tmRoot"/>
       </p:par>
     </p:tnLst>
   </p:timing>
@@ -16598,7 +16589,7 @@
         </p:nvSpPr>
         <p:spPr>
           <a:xfrm>
-            <a:off x="1023921" y="2933700"/>
+            <a:off x="1033161" y="2935664"/>
             <a:ext cx="5102699" cy="4457700"/>
           </a:xfrm>
           <a:prstGeom prst="rect">
@@ -16622,7 +16613,7 @@
               <a:buSzPct val="25000"/>
             </a:pPr>
             <a:r>
-              <a:rPr lang="en-US" sz="3000" b="1" dirty="0">
+              <a:rPr lang="en-US" sz="3000" dirty="0">
                 <a:solidFill>
                   <a:schemeClr val="bg1"/>
                 </a:solidFill>
@@ -16634,7 +16625,7 @@
               <a:t>x = </a:t>
             </a:r>
             <a:r>
-              <a:rPr lang="en-US" sz="3000" b="1" dirty="0" smtClean="0">
+              <a:rPr lang="en-US" sz="3000" dirty="0" smtClean="0">
                 <a:solidFill>
                   <a:schemeClr val="bg1"/>
                 </a:solidFill>
@@ -16645,7 +16636,7 @@
               </a:rPr>
               <a:t>20</a:t>
             </a:r>
-            <a:endParaRPr lang="en-US" sz="3000" b="1" i="0" u="none" strike="noStrike" cap="none" dirty="0" smtClean="0">
+            <a:endParaRPr lang="en-US" sz="3000" i="0" u="none" strike="noStrike" cap="none" dirty="0" smtClean="0">
               <a:solidFill>
                 <a:srgbClr val="00FF00"/>
               </a:solidFill>
@@ -16674,7 +16665,7 @@
               <a:buNone/>
             </a:pPr>
             <a:r>
-              <a:rPr lang="en-US" sz="3000" b="1" i="0" u="none" strike="noStrike" cap="none" dirty="0" smtClean="0">
+              <a:rPr lang="en-US" sz="3000" i="0" u="none" strike="noStrike" cap="none" dirty="0" smtClean="0">
                 <a:solidFill>
                   <a:srgbClr val="FFC000"/>
                 </a:solidFill>
@@ -16686,7 +16677,7 @@
               <a:t>if </a:t>
             </a:r>
             <a:r>
-              <a:rPr lang="en-US" sz="3000" b="1" i="0" u="none" strike="noStrike" cap="none" dirty="0">
+              <a:rPr lang="en-US" sz="3000" i="0" u="none" strike="noStrike" cap="none" dirty="0">
                 <a:solidFill>
                   <a:srgbClr val="FFC000"/>
                 </a:solidFill>
@@ -16706,7 +16697,7 @@
               <a:buSzPct val="25000"/>
             </a:pPr>
             <a:r>
-              <a:rPr lang="en-US" sz="3000" b="1" i="0" u="none" strike="noStrike" cap="none" dirty="0">
+              <a:rPr lang="en-US" sz="3000" i="0" u="none" strike="noStrike" cap="none" dirty="0">
                 <a:solidFill>
                   <a:schemeClr val="lt1"/>
                 </a:solidFill>
@@ -16718,7 +16709,7 @@
               <a:t>    </a:t>
             </a:r>
             <a:r>
-              <a:rPr lang="en-US" sz="3000" b="1" i="0" u="none" strike="noStrike" cap="none" dirty="0" smtClean="0">
+              <a:rPr lang="en-US" sz="3000" i="0" u="none" strike="noStrike" cap="none" dirty="0" smtClean="0">
                 <a:solidFill>
                   <a:srgbClr val="00FF00"/>
                 </a:solidFill>
@@ -16730,7 +16721,7 @@
               <a:t>print(</a:t>
             </a:r>
             <a:r>
-              <a:rPr lang="en-US" sz="3000" b="1" i="0" u="none" strike="noStrike" cap="none" dirty="0" smtClean="0">
+              <a:rPr lang="en-US" sz="3000" i="0" u="none" strike="noStrike" cap="none" dirty="0" smtClean="0">
                 <a:solidFill>
                   <a:schemeClr val="lt1"/>
                 </a:solidFill>
@@ -16742,7 +16733,7 @@
               <a:t>'</a:t>
             </a:r>
             <a:r>
-              <a:rPr lang="en-US" sz="3000" b="1" dirty="0" smtClean="0">
+              <a:rPr lang="en-US" sz="3000" dirty="0" smtClean="0">
                 <a:solidFill>
                   <a:schemeClr val="lt1"/>
                 </a:solidFill>
@@ -16754,7 +16745,7 @@
               <a:t>s</a:t>
             </a:r>
             <a:r>
-              <a:rPr lang="en-US" sz="3000" b="1" i="0" u="none" strike="noStrike" cap="none" dirty="0" smtClean="0">
+              <a:rPr lang="en-US" sz="3000" i="0" u="none" strike="noStrike" cap="none" dirty="0" smtClean="0">
                 <a:solidFill>
                   <a:schemeClr val="lt1"/>
                 </a:solidFill>
@@ -16766,7 +16757,7 @@
               <a:t>mall'</a:t>
             </a:r>
             <a:r>
-              <a:rPr lang="en-US" sz="3000" b="1" dirty="0">
+              <a:rPr lang="en-US" sz="3000" dirty="0">
                 <a:solidFill>
                   <a:srgbClr val="00FF00"/>
                 </a:solidFill>
@@ -16777,7 +16768,7 @@
               </a:rPr>
               <a:t>)</a:t>
             </a:r>
-            <a:endParaRPr lang="en-US" sz="3000" b="1" i="0" u="none" strike="noStrike" cap="none" dirty="0">
+            <a:endParaRPr lang="en-US" sz="3000" i="0" u="none" strike="noStrike" cap="none" dirty="0">
               <a:solidFill>
                 <a:schemeClr val="lt1"/>
               </a:solidFill>
@@ -16806,7 +16797,7 @@
               <a:buNone/>
             </a:pPr>
             <a:r>
-              <a:rPr lang="en-US" sz="3000" b="1" i="0" u="none" strike="noStrike" cap="none" dirty="0" err="1">
+              <a:rPr lang="en-US" sz="3000" i="0" u="none" strike="noStrike" cap="none" dirty="0" err="1">
                 <a:solidFill>
                   <a:srgbClr val="FFC000"/>
                 </a:solidFill>
@@ -16818,7 +16809,7 @@
               <a:t>elif</a:t>
             </a:r>
             <a:r>
-              <a:rPr lang="en-US" sz="3000" b="1" i="0" u="none" strike="noStrike" cap="none" dirty="0">
+              <a:rPr lang="en-US" sz="3000" i="0" u="none" strike="noStrike" cap="none" dirty="0">
                 <a:solidFill>
                   <a:srgbClr val="FFC000"/>
                 </a:solidFill>
@@ -16838,7 +16829,7 @@
               <a:buSzPct val="25000"/>
             </a:pPr>
             <a:r>
-              <a:rPr lang="en-US" sz="3000" b="1" i="0" u="none" strike="noStrike" cap="none" dirty="0">
+              <a:rPr lang="en-US" sz="3000" i="0" u="none" strike="noStrike" cap="none" dirty="0">
                 <a:solidFill>
                   <a:schemeClr val="lt1"/>
                 </a:solidFill>
@@ -16850,7 +16841,7 @@
               <a:t>    </a:t>
             </a:r>
             <a:r>
-              <a:rPr lang="en-US" sz="3000" b="1" i="0" u="none" strike="noStrike" cap="none" dirty="0" smtClean="0">
+              <a:rPr lang="en-US" sz="3000" i="0" u="none" strike="noStrike" cap="none" dirty="0" smtClean="0">
                 <a:solidFill>
                   <a:srgbClr val="00FF00"/>
                 </a:solidFill>
@@ -16862,19 +16853,31 @@
               <a:t>print(</a:t>
             </a:r>
             <a:r>
-              <a:rPr lang="en-US" sz="3000" b="1" i="0" u="none" strike="noStrike" cap="none" dirty="0" smtClean="0">
-                <a:solidFill>
-                  <a:schemeClr val="lt1"/>
-                </a:solidFill>
-                <a:latin typeface="Courier New"/>
-                <a:ea typeface="Courier New"/>
-                <a:cs typeface="Courier New"/>
-                <a:sym typeface="Courier New"/>
-              </a:rPr>
-              <a:t>'Medium</a:t>
-            </a:r>
-            <a:r>
-              <a:rPr lang="en-US" sz="3000" b="1" dirty="0">
+              <a:rPr lang="en-US" sz="3000" i="0" u="none" strike="noStrike" cap="none" dirty="0" smtClean="0">
+                <a:solidFill>
+                  <a:schemeClr val="lt1"/>
+                </a:solidFill>
+                <a:latin typeface="Courier New"/>
+                <a:ea typeface="Courier New"/>
+                <a:cs typeface="Courier New"/>
+                <a:sym typeface="Courier New"/>
+              </a:rPr>
+              <a:t>'</a:t>
+            </a:r>
+            <a:r>
+              <a:rPr lang="en-US" sz="3000" dirty="0">
+                <a:solidFill>
+                  <a:schemeClr val="lt1"/>
+                </a:solidFill>
+                <a:latin typeface="Courier New"/>
+                <a:ea typeface="Courier New"/>
+                <a:cs typeface="Courier New"/>
+                <a:sym typeface="Courier New"/>
+              </a:rPr>
+              <a:t>Medium'</a:t>
+            </a:r>
+            <a:r>
+              <a:rPr lang="en-US" sz="3000" dirty="0" smtClean="0">
                 <a:solidFill>
                   <a:srgbClr val="00FF00"/>
                 </a:solidFill>
@@ -16885,19 +16888,7 @@
               </a:rPr>
               <a:t>)</a:t>
             </a:r>
-            <a:r>
-              <a:rPr lang="en-US" sz="3000" b="1" i="0" u="none" strike="noStrike" cap="none" dirty="0" smtClean="0">
-                <a:solidFill>
-                  <a:schemeClr val="lt1"/>
-                </a:solidFill>
-                <a:latin typeface="Courier New"/>
-                <a:ea typeface="Courier New"/>
-                <a:cs typeface="Courier New"/>
-                <a:sym typeface="Courier New"/>
-              </a:rPr>
-              <a:t>'</a:t>
-            </a:r>
-            <a:endParaRPr lang="en-US" sz="3000" b="1" i="0" u="none" strike="noStrike" cap="none" dirty="0">
+            <a:endParaRPr lang="en-US" sz="3000" i="0" u="none" strike="noStrike" cap="none" dirty="0">
               <a:solidFill>
                 <a:schemeClr val="lt1"/>
               </a:solidFill>
@@ -16926,7 +16917,7 @@
               <a:buNone/>
             </a:pPr>
             <a:r>
-              <a:rPr lang="en-US" sz="3000" b="1" i="0" u="none" strike="noStrike" cap="none" dirty="0">
+              <a:rPr lang="en-US" sz="3000" i="0" u="none" strike="noStrike" cap="none" dirty="0">
                 <a:solidFill>
                   <a:srgbClr val="FFC000"/>
                 </a:solidFill>
@@ -16946,7 +16937,7 @@
               <a:buSzPct val="25000"/>
             </a:pPr>
             <a:r>
-              <a:rPr lang="en-US" sz="3000" b="1" i="0" u="none" strike="noStrike" cap="none" dirty="0">
+              <a:rPr lang="en-US" sz="3000" i="0" u="none" strike="noStrike" cap="none" dirty="0">
                 <a:solidFill>
                   <a:srgbClr val="FFC000"/>
                 </a:solidFill>
@@ -16958,7 +16949,7 @@
               <a:t>    </a:t>
             </a:r>
             <a:r>
-              <a:rPr lang="en-US" sz="3000" b="1" i="0" u="none" strike="noStrike" cap="none" dirty="0" smtClean="0">
+              <a:rPr lang="en-US" sz="3000" i="0" u="none" strike="noStrike" cap="none" dirty="0" smtClean="0">
                 <a:solidFill>
                   <a:srgbClr val="FFC000"/>
                 </a:solidFill>
@@ -16970,7 +16961,7 @@
               <a:t>print('LARGE'</a:t>
             </a:r>
             <a:r>
-              <a:rPr lang="en-US" sz="3000" b="1" dirty="0">
+              <a:rPr lang="en-US" sz="3000" dirty="0">
                 <a:solidFill>
                   <a:srgbClr val="FFC000"/>
                 </a:solidFill>
@@ -16981,7 +16972,7 @@
               </a:rPr>
               <a:t>)</a:t>
             </a:r>
-            <a:endParaRPr lang="en-US" sz="3000" b="1" i="0" u="none" strike="noStrike" cap="none" dirty="0">
+            <a:endParaRPr lang="en-US" sz="3000" i="0" u="none" strike="noStrike" cap="none" dirty="0">
               <a:solidFill>
                 <a:srgbClr val="FFC000"/>
               </a:solidFill>
@@ -16999,7 +16990,7 @@
               <a:buSzPct val="25000"/>
             </a:pPr>
             <a:r>
-              <a:rPr lang="en-US" sz="3000" b="1" i="0" u="none" strike="noStrike" cap="none" dirty="0" smtClean="0">
+              <a:rPr lang="en-US" sz="3000" i="0" u="none" strike="noStrike" cap="none" dirty="0" smtClean="0">
                 <a:solidFill>
                   <a:srgbClr val="FFC000"/>
                 </a:solidFill>
@@ -17011,7 +17002,7 @@
               <a:t>print</a:t>
             </a:r>
             <a:r>
-              <a:rPr lang="en-US" sz="3000" b="1" dirty="0">
+              <a:rPr lang="en-US" sz="3000" dirty="0">
                 <a:solidFill>
                   <a:srgbClr val="FFC000"/>
                 </a:solidFill>
@@ -17023,7 +17014,7 @@
               <a:t>(</a:t>
             </a:r>
             <a:r>
-              <a:rPr lang="en-US" sz="3000" b="1" i="0" u="none" strike="noStrike" cap="none" dirty="0" smtClean="0">
+              <a:rPr lang="en-US" sz="3000" i="0" u="none" strike="noStrike" cap="none" dirty="0" smtClean="0">
                 <a:solidFill>
                   <a:srgbClr val="FFC000"/>
                 </a:solidFill>
@@ -17035,7 +17026,7 @@
               <a:t>'All </a:t>
             </a:r>
             <a:r>
-              <a:rPr lang="en-US" sz="3000" b="1" i="0" u="none" strike="noStrike" cap="none" dirty="0">
+              <a:rPr lang="en-US" sz="3000" i="0" u="none" strike="noStrike" cap="none" dirty="0">
                 <a:solidFill>
                   <a:srgbClr val="FFC000"/>
                 </a:solidFill>
@@ -17047,7 +17038,7 @@
               <a:t>done</a:t>
             </a:r>
             <a:r>
-              <a:rPr lang="en-US" sz="3000" b="1" i="0" u="none" strike="noStrike" cap="none" dirty="0" smtClean="0">
+              <a:rPr lang="en-US" sz="3000" i="0" u="none" strike="noStrike" cap="none" dirty="0" smtClean="0">
                 <a:solidFill>
                   <a:srgbClr val="FFC000"/>
                 </a:solidFill>
@@ -17059,7 +17050,7 @@
               <a:t>'</a:t>
             </a:r>
             <a:r>
-              <a:rPr lang="en-US" sz="3000" b="1" dirty="0">
+              <a:rPr lang="en-US" sz="3000" dirty="0">
                 <a:solidFill>
                   <a:srgbClr val="FFC000"/>
                 </a:solidFill>
@@ -17070,7 +17061,7 @@
               </a:rPr>
               <a:t>)</a:t>
             </a:r>
-            <a:endParaRPr lang="en-US" sz="3000" b="1" i="0" u="none" strike="noStrike" cap="none" dirty="0">
+            <a:endParaRPr lang="en-US" sz="3000" i="0" u="none" strike="noStrike" cap="none" dirty="0">
               <a:solidFill>
                 <a:srgbClr val="FFC000"/>
               </a:solidFill>
@@ -17090,7 +17081,7 @@
         </p:nvSpPr>
         <p:spPr>
           <a:xfrm>
-            <a:off x="8596550" y="2264250"/>
+            <a:off x="7776941" y="2267096"/>
             <a:ext cx="3139423" cy="1300743"/>
           </a:xfrm>
           <a:prstGeom prst="diamond">
@@ -17153,7 +17144,7 @@
         </p:nvSpPr>
         <p:spPr>
           <a:xfrm>
-            <a:off x="12352751" y="2353950"/>
+            <a:off x="11533142" y="2356796"/>
             <a:ext cx="3061023" cy="1121165"/>
           </a:xfrm>
           <a:prstGeom prst="rect">
@@ -17249,7 +17240,7 @@
         </p:nvCxnSpPr>
         <p:spPr>
           <a:xfrm rot="10800000">
-            <a:off x="11786506" y="2917380"/>
+            <a:off x="10966897" y="2920226"/>
             <a:ext cx="528401" cy="0"/>
           </a:xfrm>
           <a:prstGeom prst="straightConnector1">
@@ -17275,7 +17266,7 @@
         </p:nvCxnSpPr>
         <p:spPr>
           <a:xfrm rot="10800000" flipH="1">
-            <a:off x="10227974" y="6871191"/>
+            <a:off x="9408365" y="6874037"/>
             <a:ext cx="5728196" cy="91113"/>
           </a:xfrm>
           <a:prstGeom prst="straightConnector1">
@@ -17301,7 +17292,7 @@
         </p:nvSpPr>
         <p:spPr>
           <a:xfrm>
-            <a:off x="11189450" y="2180156"/>
+            <a:off x="10369841" y="2183002"/>
             <a:ext cx="695265" cy="493439"/>
           </a:xfrm>
           <a:prstGeom prst="rect">
@@ -17358,7 +17349,7 @@
         </p:nvSpPr>
         <p:spPr>
           <a:xfrm>
-            <a:off x="9458512" y="3480811"/>
+            <a:off x="8638903" y="3483657"/>
             <a:ext cx="477812" cy="493439"/>
           </a:xfrm>
           <a:prstGeom prst="rect">
@@ -17415,7 +17406,7 @@
         </p:nvCxnSpPr>
         <p:spPr>
           <a:xfrm rot="10800000">
-            <a:off x="15939363" y="2932818"/>
+            <a:off x="15119754" y="2935664"/>
             <a:ext cx="33637" cy="3955201"/>
           </a:xfrm>
           <a:prstGeom prst="straightConnector1">
@@ -17441,7 +17432,7 @@
         </p:nvCxnSpPr>
         <p:spPr>
           <a:xfrm rot="10800000">
-            <a:off x="10178886" y="1693888"/>
+            <a:off x="9359277" y="1696734"/>
             <a:ext cx="4237" cy="606802"/>
           </a:xfrm>
           <a:prstGeom prst="straightConnector1">
@@ -17467,7 +17458,7 @@
         </p:nvCxnSpPr>
         <p:spPr>
           <a:xfrm rot="10800000" flipH="1">
-            <a:off x="10183124" y="6721257"/>
+            <a:off x="9363515" y="6724103"/>
             <a:ext cx="16686" cy="658714"/>
           </a:xfrm>
           <a:prstGeom prst="straightConnector1">
@@ -17493,7 +17484,7 @@
         </p:nvSpPr>
         <p:spPr>
           <a:xfrm>
-            <a:off x="8607762" y="7354744"/>
+            <a:off x="7788153" y="7357590"/>
             <a:ext cx="3061023" cy="852065"/>
           </a:xfrm>
           <a:prstGeom prst="rect">
@@ -17589,7 +17580,7 @@
         </p:nvSpPr>
         <p:spPr>
           <a:xfrm>
-            <a:off x="8585337" y="3979769"/>
+            <a:off x="7765728" y="3982615"/>
             <a:ext cx="3139423" cy="1300743"/>
           </a:xfrm>
           <a:prstGeom prst="diamond">
@@ -17652,7 +17643,7 @@
         </p:nvSpPr>
         <p:spPr>
           <a:xfrm>
-            <a:off x="12341539" y="4069469"/>
+            <a:off x="11521930" y="4072315"/>
             <a:ext cx="3061023" cy="1121165"/>
           </a:xfrm>
           <a:prstGeom prst="rect">
@@ -17724,7 +17715,7 @@
         </p:nvCxnSpPr>
         <p:spPr>
           <a:xfrm rot="10800000">
-            <a:off x="11775293" y="4632899"/>
+            <a:off x="10955684" y="4635745"/>
             <a:ext cx="528401" cy="0"/>
           </a:xfrm>
           <a:prstGeom prst="straightConnector1">
@@ -17750,7 +17741,7 @@
         </p:nvSpPr>
         <p:spPr>
           <a:xfrm>
-            <a:off x="11324000" y="3951737"/>
+            <a:off x="10504391" y="3954583"/>
             <a:ext cx="773062" cy="493439"/>
           </a:xfrm>
           <a:prstGeom prst="rect">
@@ -17807,7 +17798,7 @@
         </p:nvCxnSpPr>
         <p:spPr>
           <a:xfrm rot="10800000">
-            <a:off x="15453008" y="2917380"/>
+            <a:off x="14633399" y="2920226"/>
             <a:ext cx="528401" cy="0"/>
           </a:xfrm>
           <a:prstGeom prst="straightConnector1">
@@ -17833,7 +17824,7 @@
         </p:nvCxnSpPr>
         <p:spPr>
           <a:xfrm rot="10800000">
-            <a:off x="15419370" y="4621687"/>
+            <a:off x="14599761" y="4624533"/>
             <a:ext cx="528401" cy="0"/>
           </a:xfrm>
           <a:prstGeom prst="straightConnector1">
@@ -17859,7 +17850,7 @@
         </p:nvCxnSpPr>
         <p:spPr>
           <a:xfrm rot="10800000">
-            <a:off x="10138350" y="3556373"/>
+            <a:off x="9318741" y="3559219"/>
             <a:ext cx="1324" cy="497678"/>
           </a:xfrm>
           <a:prstGeom prst="straightConnector1">
@@ -17885,7 +17876,7 @@
         </p:nvSpPr>
         <p:spPr>
           <a:xfrm>
-            <a:off x="8618975" y="5594375"/>
+            <a:off x="7799366" y="5597221"/>
             <a:ext cx="3061023" cy="1121165"/>
           </a:xfrm>
           <a:prstGeom prst="rect">
@@ -17957,7 +17948,7 @@
         </p:nvCxnSpPr>
         <p:spPr>
           <a:xfrm rot="10800000" flipH="1">
-            <a:off x="10184525" y="5273482"/>
+            <a:off x="9364916" y="5276328"/>
             <a:ext cx="4237" cy="361538"/>
           </a:xfrm>
           <a:prstGeom prst="straightConnector1">
@@ -17983,7 +17974,7 @@
         </p:nvSpPr>
         <p:spPr>
           <a:xfrm>
-            <a:off x="9279112" y="5050567"/>
+            <a:off x="8459503" y="5053413"/>
             <a:ext cx="477812" cy="493439"/>
           </a:xfrm>
           <a:prstGeom prst="rect">
@@ -18040,7 +18031,7 @@
         </p:nvSpPr>
         <p:spPr>
           <a:xfrm>
-            <a:off x="8404723" y="953695"/>
+            <a:off x="7585114" y="956541"/>
             <a:ext cx="3467099" cy="691062"/>
           </a:xfrm>
           <a:prstGeom prst="rect">
@@ -18141,7 +18132,7 @@
   <p:timing>
     <p:tnLst>
       <p:par>
-        <p:cTn id="1" dur="indefinite" restart="never" nodeType="tmRoot"/>
+        <p:cTn xmlns:p14="http://schemas.microsoft.com/office/powerpoint/2010/main" id="1" dur="indefinite" restart="never" nodeType="tmRoot"/>
       </p:par>
     </p:tnLst>
   </p:timing>
@@ -18234,7 +18225,7 @@
         </p:nvSpPr>
         <p:spPr>
           <a:xfrm>
-            <a:off x="2201643" y="3147934"/>
+            <a:off x="1243605" y="3121862"/>
             <a:ext cx="5311799" cy="4187052"/>
           </a:xfrm>
           <a:prstGeom prst="rect">
@@ -18269,7 +18260,7 @@
               <a:buNone/>
             </a:pPr>
             <a:r>
-              <a:rPr lang="en-US" sz="3000" b="1" i="0" u="none" strike="noStrike" cap="none" dirty="0">
+              <a:rPr lang="en-US" sz="3000" i="0" u="none" strike="noStrike" cap="none" dirty="0">
                 <a:solidFill>
                   <a:srgbClr val="FFFFFF"/>
                 </a:solidFill>
@@ -18300,7 +18291,7 @@
               <a:buNone/>
             </a:pPr>
             <a:r>
-              <a:rPr lang="en-US" sz="3000" b="1" i="0" u="none" strike="noStrike" cap="none" dirty="0">
+              <a:rPr lang="en-US" sz="3000" i="0" u="none" strike="noStrike" cap="none" dirty="0">
                 <a:solidFill>
                   <a:srgbClr val="FF9900"/>
                 </a:solidFill>
@@ -18331,7 +18322,7 @@
               <a:buNone/>
             </a:pPr>
             <a:r>
-              <a:rPr lang="en-US" sz="3000" b="1" i="0" u="none" strike="noStrike" cap="none" dirty="0">
+              <a:rPr lang="en-US" sz="3000" i="0" u="none" strike="noStrike" cap="none" dirty="0">
                 <a:solidFill>
                   <a:srgbClr val="FF9900"/>
                 </a:solidFill>
@@ -18351,7 +18342,7 @@
               <a:buSzPct val="25000"/>
             </a:pPr>
             <a:r>
-              <a:rPr lang="en-US" sz="3000" b="1" i="0" u="none" strike="noStrike" cap="none" dirty="0">
+              <a:rPr lang="en-US" sz="3000" i="0" u="none" strike="noStrike" cap="none" dirty="0">
                 <a:solidFill>
                   <a:srgbClr val="00FF00"/>
                 </a:solidFill>
@@ -18363,7 +18354,7 @@
               <a:t>    </a:t>
             </a:r>
             <a:r>
-              <a:rPr lang="en-US" sz="3000" b="1" dirty="0">
+              <a:rPr lang="en-US" sz="3000" dirty="0">
                 <a:solidFill>
                   <a:srgbClr val="00FF00"/>
                 </a:solidFill>
@@ -18374,7 +18365,7 @@
               </a:rPr>
               <a:t>print('Small')</a:t>
             </a:r>
-            <a:endParaRPr lang="en-US" sz="3000" b="1" i="0" u="none" strike="noStrike" cap="none" dirty="0">
+            <a:endParaRPr lang="en-US" sz="3000" i="0" u="none" strike="noStrike" cap="none" dirty="0">
               <a:solidFill>
                 <a:srgbClr val="00FF00"/>
               </a:solidFill>
@@ -18403,7 +18394,7 @@
               <a:buNone/>
             </a:pPr>
             <a:r>
-              <a:rPr lang="en-US" sz="3000" b="1" i="0" u="none" strike="noStrike" cap="none" dirty="0" err="1">
+              <a:rPr lang="en-US" sz="3000" i="0" u="none" strike="noStrike" cap="none" dirty="0" err="1">
                 <a:solidFill>
                   <a:srgbClr val="FF9900"/>
                 </a:solidFill>
@@ -18415,7 +18406,7 @@
               <a:t>elif</a:t>
             </a:r>
             <a:r>
-              <a:rPr lang="en-US" sz="3000" b="1" i="0" u="none" strike="noStrike" cap="none" dirty="0">
+              <a:rPr lang="en-US" sz="3000" i="0" u="none" strike="noStrike" cap="none" dirty="0">
                 <a:solidFill>
                   <a:srgbClr val="FF9900"/>
                 </a:solidFill>
@@ -18435,7 +18426,7 @@
               <a:buSzPct val="25000"/>
             </a:pPr>
             <a:r>
-              <a:rPr lang="en-US" sz="3000" b="1" i="0" u="none" strike="noStrike" cap="none" dirty="0">
+              <a:rPr lang="en-US" sz="3000" i="0" u="none" strike="noStrike" cap="none" dirty="0">
                 <a:solidFill>
                   <a:srgbClr val="FF7F00"/>
                 </a:solidFill>
@@ -18447,7 +18438,7 @@
               <a:t>   </a:t>
             </a:r>
             <a:r>
-              <a:rPr lang="en-US" sz="3000" b="1" i="0" u="none" strike="noStrike" cap="none" dirty="0">
+              <a:rPr lang="en-US" sz="3000" i="0" u="none" strike="noStrike" cap="none" dirty="0">
                 <a:solidFill>
                   <a:srgbClr val="00FF00"/>
                 </a:solidFill>
@@ -18459,7 +18450,7 @@
               <a:t> </a:t>
             </a:r>
             <a:r>
-              <a:rPr lang="en-US" sz="3000" b="1" dirty="0">
+              <a:rPr lang="en-US" sz="3000" dirty="0">
                 <a:solidFill>
                   <a:srgbClr val="00FF00"/>
                 </a:solidFill>
@@ -18470,7 +18461,7 @@
               </a:rPr>
               <a:t>print('Medium')</a:t>
             </a:r>
-            <a:endParaRPr lang="en-US" sz="3000" b="1" i="0" u="none" strike="noStrike" cap="none" dirty="0">
+            <a:endParaRPr lang="en-US" sz="3000" i="0" u="none" strike="noStrike" cap="none" dirty="0">
               <a:solidFill>
                 <a:srgbClr val="00FF00"/>
               </a:solidFill>
@@ -18493,7 +18484,7 @@
               </a:spcAft>
               <a:buNone/>
             </a:pPr>
-            <a:endParaRPr sz="3000" b="1" i="0" u="none" strike="noStrike" cap="none" dirty="0">
+            <a:endParaRPr sz="3000" i="0" u="none" strike="noStrike" cap="none" dirty="0">
               <a:solidFill>
                 <a:srgbClr val="00FF00"/>
               </a:solidFill>
@@ -18522,7 +18513,7 @@
               <a:buNone/>
             </a:pPr>
             <a:r>
-              <a:rPr lang="en-US" sz="3000" b="1" i="0" u="none" strike="noStrike" cap="none" dirty="0">
+              <a:rPr lang="en-US" sz="3000" i="0" u="none" strike="noStrike" cap="none" dirty="0">
                 <a:solidFill>
                   <a:srgbClr val="FF9900"/>
                 </a:solidFill>
@@ -18579,7 +18570,7 @@
               <a:buNone/>
             </a:pPr>
             <a:r>
-              <a:rPr lang="en-US" sz="3000" b="1" i="0" u="none" strike="noStrike" cap="none" dirty="0">
+              <a:rPr lang="en-US" sz="3000" i="0" u="none" strike="noStrike" cap="none" dirty="0">
                 <a:solidFill>
                   <a:srgbClr val="FFFF00"/>
                 </a:solidFill>
@@ -18599,7 +18590,7 @@
               <a:buSzPct val="25000"/>
             </a:pPr>
             <a:r>
-              <a:rPr lang="en-US" sz="3000" b="1" i="0" u="none" strike="noStrike" cap="none" dirty="0">
+              <a:rPr lang="en-US" sz="3000" i="0" u="none" strike="noStrike" cap="none" dirty="0">
                 <a:solidFill>
                   <a:srgbClr val="FFFF00"/>
                 </a:solidFill>
@@ -18611,7 +18602,7 @@
               <a:t>    </a:t>
             </a:r>
             <a:r>
-              <a:rPr lang="en-US" sz="3000" b="1" dirty="0">
+              <a:rPr lang="en-US" sz="3000" dirty="0">
                 <a:solidFill>
                   <a:srgbClr val="FFFF00"/>
                 </a:solidFill>
@@ -18622,7 +18613,7 @@
               </a:rPr>
               <a:t>print('Small')</a:t>
             </a:r>
-            <a:endParaRPr lang="en-US" sz="3000" b="1" i="0" u="none" strike="noStrike" cap="none" dirty="0">
+            <a:endParaRPr lang="en-US" sz="3000" i="0" u="none" strike="noStrike" cap="none" dirty="0">
               <a:solidFill>
                 <a:srgbClr val="FFFF00"/>
               </a:solidFill>
@@ -18651,7 +18642,7 @@
               <a:buNone/>
             </a:pPr>
             <a:r>
-              <a:rPr lang="en-US" sz="3000" b="1" i="0" u="none" strike="noStrike" cap="none" dirty="0" err="1">
+              <a:rPr lang="en-US" sz="3000" i="0" u="none" strike="noStrike" cap="none" dirty="0" err="1">
                 <a:solidFill>
                   <a:srgbClr val="FFFF00"/>
                 </a:solidFill>
@@ -18663,7 +18654,7 @@
               <a:t>elif</a:t>
             </a:r>
             <a:r>
-              <a:rPr lang="en-US" sz="3000" b="1" i="0" u="none" strike="noStrike" cap="none" dirty="0">
+              <a:rPr lang="en-US" sz="3000" i="0" u="none" strike="noStrike" cap="none" dirty="0">
                 <a:solidFill>
                   <a:srgbClr val="FFFF00"/>
                 </a:solidFill>
@@ -18683,7 +18674,7 @@
               <a:buSzPct val="25000"/>
             </a:pPr>
             <a:r>
-              <a:rPr lang="en-US" sz="3000" b="1" i="0" u="none" strike="noStrike" cap="none" dirty="0">
+              <a:rPr lang="en-US" sz="3000" i="0" u="none" strike="noStrike" cap="none" dirty="0">
                 <a:solidFill>
                   <a:srgbClr val="FFFF00"/>
                 </a:solidFill>
@@ -18695,7 +18686,7 @@
               <a:t>    </a:t>
             </a:r>
             <a:r>
-              <a:rPr lang="en-US" sz="3000" b="1" i="0" u="none" strike="noStrike" cap="none" dirty="0" smtClean="0">
+              <a:rPr lang="en-US" sz="3000" i="0" u="none" strike="noStrike" cap="none" dirty="0" smtClean="0">
                 <a:solidFill>
                   <a:srgbClr val="FFFF00"/>
                 </a:solidFill>
@@ -18707,7 +18698,7 @@
               <a:t>print('Medium</a:t>
             </a:r>
             <a:r>
-              <a:rPr lang="en-US" sz="3000" b="1" dirty="0">
+              <a:rPr lang="en-US" sz="3000" dirty="0">
                 <a:solidFill>
                   <a:srgbClr val="FFFF00"/>
                 </a:solidFill>
@@ -18718,7 +18709,7 @@
               </a:rPr>
               <a:t>')</a:t>
             </a:r>
-            <a:endParaRPr lang="en-US" sz="3000" b="1" i="0" u="none" strike="noStrike" cap="none" dirty="0">
+            <a:endParaRPr lang="en-US" sz="3000" i="0" u="none" strike="noStrike" cap="none" dirty="0">
               <a:solidFill>
                 <a:srgbClr val="FFFF00"/>
               </a:solidFill>
@@ -18747,7 +18738,7 @@
               <a:buNone/>
             </a:pPr>
             <a:r>
-              <a:rPr lang="en-US" sz="3000" b="1" i="0" u="none" strike="noStrike" cap="none" dirty="0" err="1">
+              <a:rPr lang="en-US" sz="3000" i="0" u="none" strike="noStrike" cap="none" dirty="0" err="1">
                 <a:solidFill>
                   <a:srgbClr val="FFFF00"/>
                 </a:solidFill>
@@ -18759,7 +18750,7 @@
               <a:t>elif</a:t>
             </a:r>
             <a:r>
-              <a:rPr lang="en-US" sz="3000" b="1" i="0" u="none" strike="noStrike" cap="none" dirty="0">
+              <a:rPr lang="en-US" sz="3000" i="0" u="none" strike="noStrike" cap="none" dirty="0">
                 <a:solidFill>
                   <a:srgbClr val="FFFF00"/>
                 </a:solidFill>
@@ -18779,7 +18770,7 @@
               <a:buSzPct val="25000"/>
             </a:pPr>
             <a:r>
-              <a:rPr lang="en-US" sz="3000" b="1" i="0" u="none" strike="noStrike" cap="none" dirty="0">
+              <a:rPr lang="en-US" sz="3000" i="0" u="none" strike="noStrike" cap="none" dirty="0">
                 <a:solidFill>
                   <a:srgbClr val="FFFF00"/>
                 </a:solidFill>
@@ -18791,7 +18782,7 @@
               <a:t>    </a:t>
             </a:r>
             <a:r>
-              <a:rPr lang="en-US" sz="3000" b="1" i="0" u="none" strike="noStrike" cap="none" dirty="0" smtClean="0">
+              <a:rPr lang="en-US" sz="3000" i="0" u="none" strike="noStrike" cap="none" dirty="0" smtClean="0">
                 <a:solidFill>
                   <a:srgbClr val="FFFF00"/>
                 </a:solidFill>
@@ -18803,7 +18794,7 @@
               <a:t>print('Big</a:t>
             </a:r>
             <a:r>
-              <a:rPr lang="en-US" sz="3000" b="1" dirty="0">
+              <a:rPr lang="en-US" sz="3000" dirty="0">
                 <a:solidFill>
                   <a:srgbClr val="FFFF00"/>
                 </a:solidFill>
@@ -18814,7 +18805,7 @@
               </a:rPr>
               <a:t>')</a:t>
             </a:r>
-            <a:endParaRPr lang="en-US" sz="3000" b="1" i="0" u="none" strike="noStrike" cap="none" dirty="0">
+            <a:endParaRPr lang="en-US" sz="3000" i="0" u="none" strike="noStrike" cap="none" dirty="0">
               <a:solidFill>
                 <a:srgbClr val="FFFF00"/>
               </a:solidFill>
@@ -18843,7 +18834,7 @@
               <a:buNone/>
             </a:pPr>
             <a:r>
-              <a:rPr lang="en-US" sz="3000" b="1" i="0" u="none" strike="noStrike" cap="none" dirty="0" err="1">
+              <a:rPr lang="en-US" sz="3000" i="0" u="none" strike="noStrike" cap="none" dirty="0" err="1">
                 <a:solidFill>
                   <a:srgbClr val="FFFF00"/>
                 </a:solidFill>
@@ -18855,7 +18846,7 @@
               <a:t>elif</a:t>
             </a:r>
             <a:r>
-              <a:rPr lang="en-US" sz="3000" b="1" i="0" u="none" strike="noStrike" cap="none" dirty="0">
+              <a:rPr lang="en-US" sz="3000" i="0" u="none" strike="noStrike" cap="none" dirty="0">
                 <a:solidFill>
                   <a:srgbClr val="FFFF00"/>
                 </a:solidFill>
@@ -18875,7 +18866,7 @@
               <a:buSzPct val="25000"/>
             </a:pPr>
             <a:r>
-              <a:rPr lang="en-US" sz="3000" b="1" i="0" u="none" strike="noStrike" cap="none" dirty="0">
+              <a:rPr lang="en-US" sz="3000" i="0" u="none" strike="noStrike" cap="none" dirty="0">
                 <a:solidFill>
                   <a:srgbClr val="FFFF00"/>
                 </a:solidFill>
@@ -18887,7 +18878,7 @@
               <a:t>    </a:t>
             </a:r>
             <a:r>
-              <a:rPr lang="en-US" sz="3000" b="1" i="0" u="none" strike="noStrike" cap="none" dirty="0" smtClean="0">
+              <a:rPr lang="en-US" sz="3000" i="0" u="none" strike="noStrike" cap="none" dirty="0" smtClean="0">
                 <a:solidFill>
                   <a:srgbClr val="FFFF00"/>
                 </a:solidFill>
@@ -18899,7 +18890,7 @@
               <a:t>print('Large</a:t>
             </a:r>
             <a:r>
-              <a:rPr lang="en-US" sz="3000" b="1" dirty="0">
+              <a:rPr lang="en-US" sz="3000" dirty="0">
                 <a:solidFill>
                   <a:srgbClr val="FFFF00"/>
                 </a:solidFill>
@@ -18910,7 +18901,7 @@
               </a:rPr>
               <a:t>')</a:t>
             </a:r>
-            <a:endParaRPr lang="en-US" sz="3000" b="1" i="0" u="none" strike="noStrike" cap="none" dirty="0">
+            <a:endParaRPr lang="en-US" sz="3000" i="0" u="none" strike="noStrike" cap="none" dirty="0">
               <a:solidFill>
                 <a:srgbClr val="FFFF00"/>
               </a:solidFill>
@@ -18939,7 +18930,7 @@
               <a:buNone/>
             </a:pPr>
             <a:r>
-              <a:rPr lang="en-US" sz="3000" b="1" i="0" u="none" strike="noStrike" cap="none" dirty="0" err="1">
+              <a:rPr lang="en-US" sz="3000" i="0" u="none" strike="noStrike" cap="none" dirty="0" err="1">
                 <a:solidFill>
                   <a:srgbClr val="FFFF00"/>
                 </a:solidFill>
@@ -18951,7 +18942,7 @@
               <a:t>elif</a:t>
             </a:r>
             <a:r>
-              <a:rPr lang="en-US" sz="3000" b="1" i="0" u="none" strike="noStrike" cap="none" dirty="0">
+              <a:rPr lang="en-US" sz="3000" i="0" u="none" strike="noStrike" cap="none" dirty="0">
                 <a:solidFill>
                   <a:srgbClr val="FFFF00"/>
                 </a:solidFill>
@@ -18971,7 +18962,7 @@
               <a:buSzPct val="25000"/>
             </a:pPr>
             <a:r>
-              <a:rPr lang="en-US" sz="3000" b="1" i="0" u="none" strike="noStrike" cap="none" dirty="0">
+              <a:rPr lang="en-US" sz="3000" i="0" u="none" strike="noStrike" cap="none" dirty="0">
                 <a:solidFill>
                   <a:srgbClr val="FFFF00"/>
                 </a:solidFill>
@@ -18983,7 +18974,7 @@
               <a:t>    </a:t>
             </a:r>
             <a:r>
-              <a:rPr lang="en-US" sz="3000" b="1" i="0" u="none" strike="noStrike" cap="none" dirty="0" smtClean="0">
+              <a:rPr lang="en-US" sz="3000" i="0" u="none" strike="noStrike" cap="none" dirty="0" smtClean="0">
                 <a:solidFill>
                   <a:srgbClr val="FFFF00"/>
                 </a:solidFill>
@@ -18995,7 +18986,7 @@
               <a:t>print('Huge</a:t>
             </a:r>
             <a:r>
-              <a:rPr lang="en-US" sz="3000" b="1" dirty="0">
+              <a:rPr lang="en-US" sz="3000" dirty="0">
                 <a:solidFill>
                   <a:srgbClr val="FFFF00"/>
                 </a:solidFill>
@@ -19006,7 +18997,7 @@
               </a:rPr>
               <a:t>')</a:t>
             </a:r>
-            <a:endParaRPr lang="en-US" sz="3000" b="1" i="0" u="none" strike="noStrike" cap="none" dirty="0">
+            <a:endParaRPr lang="en-US" sz="3000" i="0" u="none" strike="noStrike" cap="none" dirty="0">
               <a:solidFill>
                 <a:srgbClr val="FFFF00"/>
               </a:solidFill>
@@ -19035,7 +19026,7 @@
               <a:buNone/>
             </a:pPr>
             <a:r>
-              <a:rPr lang="en-US" sz="3000" b="1" i="0" u="none" strike="noStrike" cap="none" dirty="0">
+              <a:rPr lang="en-US" sz="3000" i="0" u="none" strike="noStrike" cap="none" dirty="0">
                 <a:solidFill>
                   <a:srgbClr val="FFFF00"/>
                 </a:solidFill>
@@ -19055,7 +19046,7 @@
               <a:buSzPct val="25000"/>
             </a:pPr>
             <a:r>
-              <a:rPr lang="en-US" sz="3000" b="1" i="0" u="none" strike="noStrike" cap="none" dirty="0">
+              <a:rPr lang="en-US" sz="3000" i="0" u="none" strike="noStrike" cap="none" dirty="0">
                 <a:solidFill>
                   <a:srgbClr val="FFFF00"/>
                 </a:solidFill>
@@ -19067,7 +19058,7 @@
               <a:t>    </a:t>
             </a:r>
             <a:r>
-              <a:rPr lang="en-US" sz="3000" b="1" i="0" u="none" strike="noStrike" cap="none" dirty="0" smtClean="0">
+              <a:rPr lang="en-US" sz="3000" i="0" u="none" strike="noStrike" cap="none" dirty="0" smtClean="0">
                 <a:solidFill>
                   <a:srgbClr val="FFFF00"/>
                 </a:solidFill>
@@ -19079,7 +19070,7 @@
               <a:t>print('Ginormous</a:t>
             </a:r>
             <a:r>
-              <a:rPr lang="en-US" sz="3000" b="1" dirty="0">
+              <a:rPr lang="en-US" sz="3000" dirty="0">
                 <a:solidFill>
                   <a:srgbClr val="FFFF00"/>
                 </a:solidFill>
@@ -19090,7 +19081,7 @@
               </a:rPr>
               <a:t>')</a:t>
             </a:r>
-            <a:endParaRPr lang="en-US" sz="3000" b="1" i="0" u="none" strike="noStrike" cap="none" dirty="0">
+            <a:endParaRPr lang="en-US" sz="3000" i="0" u="none" strike="noStrike" cap="none" dirty="0">
               <a:solidFill>
                 <a:srgbClr val="FFFF00"/>
               </a:solidFill>
@@ -19110,7 +19101,7 @@
   <p:timing>
     <p:tnLst>
       <p:par>
-        <p:cTn id="1" dur="indefinite" restart="never" nodeType="tmRoot"/>
+        <p:cTn xmlns:p14="http://schemas.microsoft.com/office/powerpoint/2010/main" id="1" dur="indefinite" restart="never" nodeType="tmRoot"/>
       </p:par>
     </p:tnLst>
   </p:timing>
@@ -19181,7 +19172,7 @@
               <a:buNone/>
             </a:pPr>
             <a:r>
-              <a:rPr lang="en-US" sz="7600" u="none" strike="noStrike" cap="none">
+              <a:rPr lang="en-US" sz="7600" u="none" strike="noStrike" cap="none" dirty="0">
                 <a:solidFill>
                   <a:srgbClr val="FFFF00"/>
                 </a:solidFill>
@@ -19542,7 +19533,19 @@
                 <a:cs typeface="Courier" charset="0"/>
                 <a:sym typeface="Cabin"/>
               </a:rPr>
-              <a:t>'Smaller’</a:t>
+              <a:t>'</a:t>
+            </a:r>
+            <a:r>
+              <a:rPr lang="en-US" sz="2800" dirty="0">
+                <a:solidFill>
+                  <a:srgbClr val="00FF00"/>
+                </a:solidFill>
+                <a:latin typeface="Courier" charset="0"/>
+                <a:ea typeface="Courier" charset="0"/>
+                <a:cs typeface="Courier" charset="0"/>
+                <a:sym typeface="Cabin"/>
+              </a:rPr>
+              <a:t>Smaller'</a:t>
             </a:r>
             <a:r>
               <a:rPr lang="en-US" sz="2800" dirty="0" smtClean="0">
@@ -19650,22 +19653,22 @@
                 <a:cs typeface="Courier" charset="0"/>
                 <a:sym typeface="Cabin"/>
               </a:rPr>
-              <a:t>print</a:t>
+              <a:t>print(</a:t>
             </a:r>
             <a:r>
               <a:rPr lang="en-US" sz="2800" u="none" strike="noStrike" cap="none" dirty="0" smtClean="0">
                 <a:solidFill>
-                  <a:srgbClr val="FFFF00"/>
+                  <a:srgbClr val="00FF00"/>
                 </a:solidFill>
                 <a:latin typeface="Courier" charset="0"/>
                 <a:ea typeface="Courier" charset="0"/>
                 <a:cs typeface="Courier" charset="0"/>
                 <a:sym typeface="Cabin"/>
               </a:rPr>
-              <a:t>(</a:t>
-            </a:r>
-            <a:r>
-              <a:rPr lang="en-US" sz="2800" u="none" strike="noStrike" cap="none" dirty="0" smtClean="0">
+              <a:t>'</a:t>
+            </a:r>
+            <a:r>
+              <a:rPr lang="en-US" sz="2800" dirty="0">
                 <a:solidFill>
                   <a:srgbClr val="00FF00"/>
                 </a:solidFill>
@@ -19674,7 +19677,7 @@
                 <a:cs typeface="Courier" charset="0"/>
                 <a:sym typeface="Cabin"/>
               </a:rPr>
-              <a:t>'Bigger’</a:t>
+              <a:t>Bigger'</a:t>
             </a:r>
             <a:r>
               <a:rPr lang="en-US" sz="2800" dirty="0" smtClean="0">
@@ -19738,19 +19741,19 @@
                 <a:cs typeface="Courier" charset="0"/>
                 <a:sym typeface="Cabin"/>
               </a:rPr>
-              <a:t>print(</a:t>
+              <a:t>Print(</a:t>
             </a:r>
             <a:r>
               <a:rPr lang="en-US" sz="2800" u="none" strike="noStrike" cap="none" dirty="0" smtClean="0">
                 <a:solidFill>
-                  <a:srgbClr val="FF7F00"/>
+                  <a:srgbClr val="00FF00"/>
                 </a:solidFill>
                 <a:latin typeface="Courier" charset="0"/>
                 <a:ea typeface="Courier" charset="0"/>
                 <a:cs typeface="Courier" charset="0"/>
                 <a:sym typeface="Cabin"/>
               </a:rPr>
-              <a:t> </a:t>
+              <a:t>'</a:t>
             </a:r>
             <a:r>
               <a:rPr lang="en-US" sz="2800" u="none" strike="noStrike" cap="none" dirty="0">
@@ -19762,7 +19765,7 @@
                 <a:cs typeface="Courier" charset="0"/>
                 <a:sym typeface="Cabin"/>
               </a:rPr>
-              <a:t>'Finis</a:t>
+              <a:t>Finis</a:t>
             </a:r>
             <a:r>
               <a:rPr lang="en-US" sz="2800" u="none" strike="noStrike" cap="none" dirty="0" smtClean="0">
@@ -20049,22 +20052,11 @@
           </a:bodyPr>
           <a:lstStyle/>
           <a:p>
-            <a:pPr marL="0" marR="0" lvl="0" indent="0" algn="ctr" rtl="0">
-              <a:lnSpc>
-                <a:spcPct val="100000"/>
-              </a:lnSpc>
-              <a:spcBef>
-                <a:spcPts val="0"/>
-              </a:spcBef>
-              <a:spcAft>
-                <a:spcPts val="0"/>
-              </a:spcAft>
+            <a:pPr lvl="0" algn="ctr">
               <a:buClr>
                 <a:schemeClr val="lt1"/>
               </a:buClr>
               <a:buSzPct val="25000"/>
-              <a:buFont typeface="Cabin"/>
-              <a:buNone/>
             </a:pPr>
             <a:r>
               <a:rPr lang="en-US" sz="3000" u="none" strike="noStrike" cap="none" dirty="0" smtClean="0">
@@ -20076,7 +20068,19 @@
                 <a:cs typeface="Arial" charset="0"/>
                 <a:sym typeface="Cabin"/>
               </a:rPr>
-              <a:t>print('Smaller’)</a:t>
+              <a:t>print('</a:t>
+            </a:r>
+            <a:r>
+              <a:rPr lang="en-US" sz="3000" dirty="0">
+                <a:solidFill>
+                  <a:schemeClr val="lt1"/>
+                </a:solidFill>
+                <a:latin typeface="Arial" charset="0"/>
+                <a:ea typeface="Arial" charset="0"/>
+                <a:cs typeface="Arial" charset="0"/>
+                <a:sym typeface="Cabin"/>
+              </a:rPr>
+              <a:t>Smaller')</a:t>
             </a:r>
             <a:endParaRPr lang="en-US" sz="3000" u="none" strike="noStrike" cap="none" dirty="0">
               <a:solidFill>
@@ -20326,22 +20330,11 @@
           </a:bodyPr>
           <a:lstStyle/>
           <a:p>
-            <a:pPr marL="0" marR="0" lvl="0" indent="0" algn="ctr" rtl="0">
-              <a:lnSpc>
-                <a:spcPct val="100000"/>
-              </a:lnSpc>
-              <a:spcBef>
-                <a:spcPts val="0"/>
-              </a:spcBef>
-              <a:spcAft>
-                <a:spcPts val="0"/>
-              </a:spcAft>
+            <a:pPr lvl="0" algn="ctr">
               <a:buClr>
                 <a:schemeClr val="lt1"/>
               </a:buClr>
               <a:buSzPct val="25000"/>
-              <a:buFont typeface="Cabin"/>
-              <a:buNone/>
             </a:pPr>
             <a:r>
               <a:rPr lang="en-US" sz="3000" u="none" strike="noStrike" cap="none" dirty="0" smtClean="0">
@@ -20353,7 +20346,19 @@
                 <a:cs typeface="Arial" charset="0"/>
                 <a:sym typeface="Cabin"/>
               </a:rPr>
-              <a:t>print('Bigger’)</a:t>
+              <a:t>print('</a:t>
+            </a:r>
+            <a:r>
+              <a:rPr lang="en-US" sz="3000" dirty="0">
+                <a:solidFill>
+                  <a:schemeClr val="lt1"/>
+                </a:solidFill>
+                <a:latin typeface="Arial" charset="0"/>
+                <a:ea typeface="Arial" charset="0"/>
+                <a:cs typeface="Arial" charset="0"/>
+                <a:sym typeface="Cabin"/>
+              </a:rPr>
+              <a:t>Bigger')</a:t>
             </a:r>
             <a:endParaRPr lang="en-US" sz="3000" u="none" strike="noStrike" cap="none" dirty="0">
               <a:solidFill>
@@ -20528,36 +20533,61 @@
           </a:bodyPr>
           <a:lstStyle/>
           <a:p>
-            <a:pPr marL="0" marR="0" lvl="0" indent="0" algn="ctr" rtl="0">
-              <a:lnSpc>
-                <a:spcPct val="100000"/>
-              </a:lnSpc>
-              <a:spcBef>
-                <a:spcPts val="0"/>
-              </a:spcBef>
-              <a:spcAft>
-                <a:spcPts val="0"/>
-              </a:spcAft>
+            <a:pPr lvl="0" algn="ctr">
               <a:buClr>
                 <a:schemeClr val="lt1"/>
               </a:buClr>
               <a:buSzPct val="25000"/>
-              <a:buFont typeface="Cabin"/>
-              <a:buNone/>
-            </a:pPr>
-            <a:r>
-              <a:rPr lang="en-US" sz="3000" u="none" strike="noStrike" cap="none" smtClean="0">
-                <a:solidFill>
-                  <a:schemeClr val="lt1"/>
-                </a:solidFill>
-                <a:latin typeface="Arial" charset="0"/>
-                <a:ea typeface="Arial" charset="0"/>
-                <a:cs typeface="Arial" charset="0"/>
-                <a:sym typeface="Cabin"/>
-              </a:rPr>
-              <a:t>print('Finis’)</a:t>
-            </a:r>
-            <a:endParaRPr lang="en-US" sz="3000" u="none" strike="noStrike" cap="none">
+            </a:pPr>
+            <a:r>
+              <a:rPr lang="en-US" sz="3000" u="none" strike="noStrike" cap="none" dirty="0" smtClean="0">
+                <a:solidFill>
+                  <a:schemeClr val="lt1"/>
+                </a:solidFill>
+                <a:latin typeface="Arial" charset="0"/>
+                <a:ea typeface="Arial" charset="0"/>
+                <a:cs typeface="Arial" charset="0"/>
+                <a:sym typeface="Cabin"/>
+              </a:rPr>
+              <a:t>print('</a:t>
+            </a:r>
+            <a:r>
+              <a:rPr lang="en-US" sz="3000" dirty="0" smtClean="0">
+                <a:solidFill>
+                  <a:schemeClr val="lt1"/>
+                </a:solidFill>
+                <a:latin typeface="Arial" charset="0"/>
+                <a:ea typeface="Arial" charset="0"/>
+                <a:cs typeface="Arial" charset="0"/>
+                <a:sym typeface="Cabin"/>
+              </a:rPr>
+              <a:t>Finis</a:t>
+            </a:r>
+            <a:r>
+              <a:rPr lang="en-US" sz="3000" dirty="0">
+                <a:solidFill>
+                  <a:schemeClr val="lt1"/>
+                </a:solidFill>
+                <a:latin typeface="Arial" charset="0"/>
+                <a:ea typeface="Arial" charset="0"/>
+                <a:cs typeface="Arial" charset="0"/>
+                <a:sym typeface="Cabin"/>
+              </a:rPr>
+              <a:t>'</a:t>
+            </a:r>
+            <a:r>
+              <a:rPr lang="en-US" sz="3000" dirty="0" smtClean="0">
+                <a:solidFill>
+                  <a:schemeClr val="lt1"/>
+                </a:solidFill>
+                <a:latin typeface="Arial" charset="0"/>
+                <a:ea typeface="Arial" charset="0"/>
+                <a:cs typeface="Arial" charset="0"/>
+                <a:sym typeface="Cabin"/>
+              </a:rPr>
+              <a:t>)</a:t>
+            </a:r>
+            <a:endParaRPr lang="en-US" sz="3000" u="none" strike="noStrike" cap="none" dirty="0">
               <a:solidFill>
                 <a:schemeClr val="lt1"/>
               </a:solidFill>
@@ -20739,7 +20769,7 @@
   <p:timing>
     <p:tnLst>
       <p:par>
-        <p:cTn id="1" dur="indefinite" restart="never" nodeType="tmRoot"/>
+        <p:cTn xmlns:p14="http://schemas.microsoft.com/office/powerpoint/2010/main" id="1" dur="indefinite" restart="never" nodeType="tmRoot"/>
       </p:par>
     </p:tnLst>
   </p:timing>
@@ -20863,7 +20893,7 @@
               <a:buNone/>
             </a:pPr>
             <a:r>
-              <a:rPr lang="en-US" sz="3000" b="1" i="0" u="none" strike="noStrike" cap="none" dirty="0">
+              <a:rPr lang="en-US" sz="3000" i="0" u="none" strike="noStrike" cap="none" dirty="0">
                 <a:solidFill>
                   <a:srgbClr val="FF9900"/>
                 </a:solidFill>
@@ -20883,7 +20913,7 @@
               <a:buSzPct val="25000"/>
             </a:pPr>
             <a:r>
-              <a:rPr lang="en-US" sz="3000" b="1" i="0" u="none" strike="noStrike" cap="none" dirty="0">
+              <a:rPr lang="en-US" sz="3000" i="0" u="none" strike="noStrike" cap="none" dirty="0">
                 <a:solidFill>
                   <a:srgbClr val="FF9900"/>
                 </a:solidFill>
@@ -20895,7 +20925,7 @@
               <a:t>    </a:t>
             </a:r>
             <a:r>
-              <a:rPr lang="en-US" sz="3000" b="1" dirty="0">
+              <a:rPr lang="en-US" sz="3000" dirty="0">
                 <a:solidFill>
                   <a:srgbClr val="FF9900"/>
                 </a:solidFill>
@@ -20906,7 +20936,7 @@
               </a:rPr>
               <a:t>print('Below 2')</a:t>
             </a:r>
-            <a:endParaRPr lang="en-US" sz="3000" b="1" i="0" u="none" strike="noStrike" cap="none" dirty="0">
+            <a:endParaRPr lang="en-US" sz="3000" i="0" u="none" strike="noStrike" cap="none" dirty="0">
               <a:solidFill>
                 <a:srgbClr val="FF9900"/>
               </a:solidFill>
@@ -20935,7 +20965,7 @@
               <a:buNone/>
             </a:pPr>
             <a:r>
-              <a:rPr lang="en-US" sz="3000" b="1" i="0" u="none" strike="noStrike" cap="none" dirty="0" err="1">
+              <a:rPr lang="en-US" sz="3000" i="0" u="none" strike="noStrike" cap="none" dirty="0" err="1">
                 <a:solidFill>
                   <a:srgbClr val="FF9900"/>
                 </a:solidFill>
@@ -20947,7 +20977,7 @@
               <a:t>elif</a:t>
             </a:r>
             <a:r>
-              <a:rPr lang="en-US" sz="3000" b="1" i="0" u="none" strike="noStrike" cap="none" dirty="0">
+              <a:rPr lang="en-US" sz="3000" i="0" u="none" strike="noStrike" cap="none" dirty="0">
                 <a:solidFill>
                   <a:srgbClr val="FF9900"/>
                 </a:solidFill>
@@ -20967,7 +20997,7 @@
               <a:buSzPct val="25000"/>
             </a:pPr>
             <a:r>
-              <a:rPr lang="en-US" sz="3000" b="1" i="0" u="none" strike="noStrike" cap="none" dirty="0">
+              <a:rPr lang="en-US" sz="3000" i="0" u="none" strike="noStrike" cap="none" dirty="0">
                 <a:solidFill>
                   <a:srgbClr val="FF9900"/>
                 </a:solidFill>
@@ -20979,7 +21009,7 @@
               <a:t>    </a:t>
             </a:r>
             <a:r>
-              <a:rPr lang="en-US" sz="3000" b="1" i="0" u="none" strike="noStrike" cap="none" dirty="0" smtClean="0">
+              <a:rPr lang="en-US" sz="3000" i="0" u="none" strike="noStrike" cap="none" dirty="0" smtClean="0">
                 <a:solidFill>
                   <a:srgbClr val="FF9900"/>
                 </a:solidFill>
@@ -20991,7 +21021,7 @@
               <a:t>print('Below </a:t>
             </a:r>
             <a:r>
-              <a:rPr lang="en-US" sz="3000" b="1" i="0" u="none" strike="noStrike" cap="none" dirty="0">
+              <a:rPr lang="en-US" sz="3000" i="0" u="none" strike="noStrike" cap="none" dirty="0">
                 <a:solidFill>
                   <a:srgbClr val="FF9900"/>
                 </a:solidFill>
@@ -21003,7 +21033,7 @@
               <a:t>20</a:t>
             </a:r>
             <a:r>
-              <a:rPr lang="en-US" sz="3000" b="1" dirty="0">
+              <a:rPr lang="en-US" sz="3000" dirty="0">
                 <a:solidFill>
                   <a:srgbClr val="FF9900"/>
                 </a:solidFill>
@@ -21014,7 +21044,7 @@
               </a:rPr>
               <a:t>')</a:t>
             </a:r>
-            <a:endParaRPr lang="en-US" sz="3000" b="1" i="0" u="none" strike="noStrike" cap="none" dirty="0">
+            <a:endParaRPr lang="en-US" sz="3000" i="0" u="none" strike="noStrike" cap="none" dirty="0">
               <a:solidFill>
                 <a:srgbClr val="FF9900"/>
               </a:solidFill>
@@ -21043,7 +21073,7 @@
               <a:buNone/>
             </a:pPr>
             <a:r>
-              <a:rPr lang="en-US" sz="3000" b="1" i="0" u="none" strike="noStrike" cap="none" dirty="0" err="1">
+              <a:rPr lang="en-US" sz="3000" i="0" u="none" strike="noStrike" cap="none" dirty="0" err="1">
                 <a:solidFill>
                   <a:srgbClr val="FF9900"/>
                 </a:solidFill>
@@ -21055,7 +21085,7 @@
               <a:t>elif</a:t>
             </a:r>
             <a:r>
-              <a:rPr lang="en-US" sz="3000" b="1" i="0" u="none" strike="noStrike" cap="none" dirty="0">
+              <a:rPr lang="en-US" sz="3000" i="0" u="none" strike="noStrike" cap="none" dirty="0">
                 <a:solidFill>
                   <a:srgbClr val="FF9900"/>
                 </a:solidFill>
@@ -21075,7 +21105,7 @@
               <a:buSzPct val="25000"/>
             </a:pPr>
             <a:r>
-              <a:rPr lang="en-US" sz="3000" b="1" i="0" u="none" strike="noStrike" cap="none" dirty="0">
+              <a:rPr lang="en-US" sz="3000" i="0" u="none" strike="noStrike" cap="none" dirty="0">
                 <a:solidFill>
                   <a:srgbClr val="FF9900"/>
                 </a:solidFill>
@@ -21087,7 +21117,7 @@
               <a:t>    </a:t>
             </a:r>
             <a:r>
-              <a:rPr lang="en-US" sz="3000" b="1" i="0" u="none" strike="noStrike" cap="none" dirty="0" smtClean="0">
+              <a:rPr lang="en-US" sz="3000" i="0" u="none" strike="noStrike" cap="none" dirty="0" smtClean="0">
                 <a:solidFill>
                   <a:srgbClr val="FF9900"/>
                 </a:solidFill>
@@ -21099,7 +21129,7 @@
               <a:t>print('Below </a:t>
             </a:r>
             <a:r>
-              <a:rPr lang="en-US" sz="3000" b="1" i="0" u="none" strike="noStrike" cap="none" dirty="0">
+              <a:rPr lang="en-US" sz="3000" i="0" u="none" strike="noStrike" cap="none" dirty="0">
                 <a:solidFill>
                   <a:srgbClr val="FF9900"/>
                 </a:solidFill>
@@ -21111,7 +21141,7 @@
               <a:t>10</a:t>
             </a:r>
             <a:r>
-              <a:rPr lang="en-US" sz="3000" b="1" dirty="0">
+              <a:rPr lang="en-US" sz="3000" dirty="0">
                 <a:solidFill>
                   <a:srgbClr val="FF9900"/>
                 </a:solidFill>
@@ -21122,7 +21152,7 @@
               </a:rPr>
               <a:t>')</a:t>
             </a:r>
-            <a:endParaRPr lang="en-US" sz="3000" b="1" i="0" u="none" strike="noStrike" cap="none" dirty="0">
+            <a:endParaRPr lang="en-US" sz="3000" i="0" u="none" strike="noStrike" cap="none" dirty="0">
               <a:solidFill>
                 <a:srgbClr val="FF9900"/>
               </a:solidFill>
@@ -21151,7 +21181,7 @@
               <a:buNone/>
             </a:pPr>
             <a:r>
-              <a:rPr lang="en-US" sz="3000" b="1" i="0" u="none" strike="noStrike" cap="none" dirty="0">
+              <a:rPr lang="en-US" sz="3000" i="0" u="none" strike="noStrike" cap="none" dirty="0">
                 <a:solidFill>
                   <a:srgbClr val="FF9900"/>
                 </a:solidFill>
@@ -21171,7 +21201,7 @@
               <a:buSzPct val="25000"/>
             </a:pPr>
             <a:r>
-              <a:rPr lang="en-US" sz="3000" b="1" i="0" u="none" strike="noStrike" cap="none" dirty="0">
+              <a:rPr lang="en-US" sz="3000" i="0" u="none" strike="noStrike" cap="none" dirty="0">
                 <a:solidFill>
                   <a:srgbClr val="FF9900"/>
                 </a:solidFill>
@@ -21183,7 +21213,7 @@
               <a:t>    </a:t>
             </a:r>
             <a:r>
-              <a:rPr lang="en-US" sz="3000" b="1" i="0" u="none" strike="noStrike" cap="none" dirty="0" smtClean="0">
+              <a:rPr lang="en-US" sz="3000" i="0" u="none" strike="noStrike" cap="none" dirty="0" smtClean="0">
                 <a:solidFill>
                   <a:srgbClr val="FF9900"/>
                 </a:solidFill>
@@ -21195,7 +21225,7 @@
               <a:t>print('Something </a:t>
             </a:r>
             <a:r>
-              <a:rPr lang="en-US" sz="3000" b="1" dirty="0">
+              <a:rPr lang="en-US" sz="3000" dirty="0">
                 <a:solidFill>
                   <a:srgbClr val="FF9900"/>
                 </a:solidFill>
@@ -21206,7 +21236,7 @@
               </a:rPr>
               <a:t>else')</a:t>
             </a:r>
-            <a:endParaRPr lang="en-US" sz="3000" b="1" i="0" u="none" strike="noStrike" cap="none" dirty="0">
+            <a:endParaRPr lang="en-US" sz="3000" i="0" u="none" strike="noStrike" cap="none" dirty="0">
               <a:solidFill>
                 <a:srgbClr val="FF9900"/>
               </a:solidFill>
@@ -21261,7 +21291,7 @@
               <a:buNone/>
             </a:pPr>
             <a:r>
-              <a:rPr lang="en-US" sz="3000" b="1" i="0" u="none" strike="noStrike" cap="none" dirty="0">
+              <a:rPr lang="en-US" sz="3000" i="0" u="none" strike="noStrike" cap="none" dirty="0">
                 <a:solidFill>
                   <a:srgbClr val="FFFF00"/>
                 </a:solidFill>
@@ -21281,7 +21311,7 @@
               <a:buSzPct val="25000"/>
             </a:pPr>
             <a:r>
-              <a:rPr lang="en-US" sz="3000" b="1" i="0" u="none" strike="noStrike" cap="none" dirty="0">
+              <a:rPr lang="en-US" sz="3000" i="0" u="none" strike="noStrike" cap="none" dirty="0">
                 <a:solidFill>
                   <a:srgbClr val="FFFF00"/>
                 </a:solidFill>
@@ -21293,7 +21323,7 @@
               <a:t>    </a:t>
             </a:r>
             <a:r>
-              <a:rPr lang="en-US" sz="3000" b="1" i="0" u="none" strike="noStrike" cap="none" dirty="0" smtClean="0">
+              <a:rPr lang="en-US" sz="3000" i="0" u="none" strike="noStrike" cap="none" dirty="0" smtClean="0">
                 <a:solidFill>
                   <a:srgbClr val="FFFF00"/>
                 </a:solidFill>
@@ -21305,7 +21335,7 @@
               <a:t>print('Below </a:t>
             </a:r>
             <a:r>
-              <a:rPr lang="en-US" sz="3000" b="1" i="0" u="none" strike="noStrike" cap="none" dirty="0">
+              <a:rPr lang="en-US" sz="3000" i="0" u="none" strike="noStrike" cap="none" dirty="0">
                 <a:solidFill>
                   <a:srgbClr val="FFFF00"/>
                 </a:solidFill>
@@ -21317,7 +21347,7 @@
               <a:t>2</a:t>
             </a:r>
             <a:r>
-              <a:rPr lang="en-US" sz="3000" b="1" dirty="0">
+              <a:rPr lang="en-US" sz="3000" dirty="0">
                 <a:solidFill>
                   <a:srgbClr val="FFFF00"/>
                 </a:solidFill>
@@ -21328,7 +21358,7 @@
               </a:rPr>
               <a:t>')</a:t>
             </a:r>
-            <a:endParaRPr lang="en-US" sz="3000" b="1" i="0" u="none" strike="noStrike" cap="none" dirty="0">
+            <a:endParaRPr lang="en-US" sz="3000" i="0" u="none" strike="noStrike" cap="none" dirty="0">
               <a:solidFill>
                 <a:srgbClr val="FFFF00"/>
               </a:solidFill>
@@ -21357,7 +21387,7 @@
               <a:buNone/>
             </a:pPr>
             <a:r>
-              <a:rPr lang="en-US" sz="3000" b="1" i="0" u="none" strike="noStrike" cap="none" dirty="0" err="1">
+              <a:rPr lang="en-US" sz="3000" i="0" u="none" strike="noStrike" cap="none" dirty="0" err="1">
                 <a:solidFill>
                   <a:srgbClr val="FFFF00"/>
                 </a:solidFill>
@@ -21369,7 +21399,7 @@
               <a:t>elif</a:t>
             </a:r>
             <a:r>
-              <a:rPr lang="en-US" sz="3000" b="1" i="0" u="none" strike="noStrike" cap="none" dirty="0">
+              <a:rPr lang="en-US" sz="3000" i="0" u="none" strike="noStrike" cap="none" dirty="0">
                 <a:solidFill>
                   <a:srgbClr val="FFFF00"/>
                 </a:solidFill>
@@ -21389,7 +21419,7 @@
               <a:buSzPct val="25000"/>
             </a:pPr>
             <a:r>
-              <a:rPr lang="en-US" sz="3000" b="1" i="0" u="none" strike="noStrike" cap="none" dirty="0">
+              <a:rPr lang="en-US" sz="3000" i="0" u="none" strike="noStrike" cap="none" dirty="0">
                 <a:solidFill>
                   <a:srgbClr val="FFFF00"/>
                 </a:solidFill>
@@ -21401,7 +21431,7 @@
               <a:t>    </a:t>
             </a:r>
             <a:r>
-              <a:rPr lang="en-US" sz="3000" b="1" i="0" u="none" strike="noStrike" cap="none" dirty="0" smtClean="0">
+              <a:rPr lang="en-US" sz="3000" i="0" u="none" strike="noStrike" cap="none" dirty="0" smtClean="0">
                 <a:solidFill>
                   <a:srgbClr val="FFFF00"/>
                 </a:solidFill>
@@ -21413,7 +21443,7 @@
               <a:t>print('Two </a:t>
             </a:r>
             <a:r>
-              <a:rPr lang="en-US" sz="3000" b="1" i="0" u="none" strike="noStrike" cap="none" dirty="0">
+              <a:rPr lang="en-US" sz="3000" i="0" u="none" strike="noStrike" cap="none" dirty="0">
                 <a:solidFill>
                   <a:srgbClr val="FFFF00"/>
                 </a:solidFill>
@@ -21425,7 +21455,7 @@
               <a:t>or more</a:t>
             </a:r>
             <a:r>
-              <a:rPr lang="en-US" sz="3000" b="1" dirty="0">
+              <a:rPr lang="en-US" sz="3000" dirty="0">
                 <a:solidFill>
                   <a:srgbClr val="FFFF00"/>
                 </a:solidFill>
@@ -21436,7 +21466,7 @@
               </a:rPr>
               <a:t>')</a:t>
             </a:r>
-            <a:endParaRPr lang="en-US" sz="3000" b="1" i="0" u="none" strike="noStrike" cap="none" dirty="0">
+            <a:endParaRPr lang="en-US" sz="3000" i="0" u="none" strike="noStrike" cap="none" dirty="0">
               <a:solidFill>
                 <a:srgbClr val="FFFF00"/>
               </a:solidFill>
@@ -21465,7 +21495,7 @@
               <a:buNone/>
             </a:pPr>
             <a:r>
-              <a:rPr lang="en-US" sz="3000" b="1" i="0" u="none" strike="noStrike" cap="none" dirty="0">
+              <a:rPr lang="en-US" sz="3000" i="0" u="none" strike="noStrike" cap="none" dirty="0">
                 <a:solidFill>
                   <a:srgbClr val="FFFF00"/>
                 </a:solidFill>
@@ -21485,7 +21515,7 @@
               <a:buSzPct val="25000"/>
             </a:pPr>
             <a:r>
-              <a:rPr lang="en-US" sz="3000" b="1" i="0" u="none" strike="noStrike" cap="none" dirty="0">
+              <a:rPr lang="en-US" sz="3000" i="0" u="none" strike="noStrike" cap="none" dirty="0">
                 <a:solidFill>
                   <a:srgbClr val="FFFF00"/>
                 </a:solidFill>
@@ -21497,7 +21527,7 @@
               <a:t>    </a:t>
             </a:r>
             <a:r>
-              <a:rPr lang="en-US" sz="3000" b="1" i="0" u="none" strike="noStrike" cap="none" dirty="0" smtClean="0">
+              <a:rPr lang="en-US" sz="3000" i="0" u="none" strike="noStrike" cap="none" dirty="0" smtClean="0">
                 <a:solidFill>
                   <a:srgbClr val="FFFF00"/>
                 </a:solidFill>
@@ -21509,7 +21539,7 @@
               <a:t>print('Something </a:t>
             </a:r>
             <a:r>
-              <a:rPr lang="en-US" sz="3000" b="1" i="0" u="none" strike="noStrike" cap="none" dirty="0">
+              <a:rPr lang="en-US" sz="3000" i="0" u="none" strike="noStrike" cap="none" dirty="0">
                 <a:solidFill>
                   <a:srgbClr val="FFFF00"/>
                 </a:solidFill>
@@ -21521,7 +21551,7 @@
               <a:t>else</a:t>
             </a:r>
             <a:r>
-              <a:rPr lang="en-US" sz="3000" b="1" dirty="0">
+              <a:rPr lang="en-US" sz="3000" dirty="0">
                 <a:solidFill>
                   <a:srgbClr val="FFFF00"/>
                 </a:solidFill>
@@ -21532,7 +21562,7 @@
               </a:rPr>
               <a:t>')</a:t>
             </a:r>
-            <a:endParaRPr lang="en-US" sz="3000" b="1" i="0" u="none" strike="noStrike" cap="none" dirty="0">
+            <a:endParaRPr lang="en-US" sz="3000" i="0" u="none" strike="noStrike" cap="none" dirty="0">
               <a:solidFill>
                 <a:srgbClr val="FFFF00"/>
               </a:solidFill>
@@ -21630,7 +21660,7 @@
   <p:timing>
     <p:tnLst>
       <p:par>
-        <p:cTn id="1" dur="indefinite" restart="never" nodeType="tmRoot"/>
+        <p:cTn xmlns:p14="http://schemas.microsoft.com/office/powerpoint/2010/main" id="1" dur="indefinite" restart="never" nodeType="tmRoot"/>
       </p:par>
     </p:tnLst>
   </p:timing>
@@ -21970,7 +22000,7 @@
   <p:timing>
     <p:tnLst>
       <p:par>
-        <p:cTn id="1" dur="indefinite" restart="never" nodeType="tmRoot"/>
+        <p:cTn xmlns:p14="http://schemas.microsoft.com/office/powerpoint/2010/main" id="1" dur="indefinite" restart="never" nodeType="tmRoot"/>
       </p:par>
     </p:tnLst>
   </p:timing>
@@ -22037,7 +22067,7 @@
               <a:buNone/>
             </a:pPr>
             <a:r>
-              <a:rPr lang="en-US" sz="3000" b="1" i="0" u="none" strike="noStrike" cap="none" dirty="0">
+              <a:rPr lang="en-US" sz="3000" i="0" u="none" strike="noStrike" cap="none" dirty="0">
                 <a:solidFill>
                   <a:srgbClr val="FFFF00"/>
                 </a:solidFill>
@@ -22049,7 +22079,7 @@
               <a:t>$ cat </a:t>
             </a:r>
             <a:r>
-              <a:rPr lang="en-US" sz="3000" b="1" i="0" u="none" strike="noStrike" cap="none" dirty="0" err="1">
+              <a:rPr lang="en-US" sz="3000" i="0" u="none" strike="noStrike" cap="none" dirty="0" err="1">
                 <a:solidFill>
                   <a:srgbClr val="FFFF00"/>
                 </a:solidFill>
@@ -22061,7 +22091,7 @@
               <a:t>notry.py</a:t>
             </a:r>
             <a:r>
-              <a:rPr lang="en-US" sz="3000" b="1" i="0" u="none" strike="noStrike" cap="none" dirty="0">
+              <a:rPr lang="en-US" sz="3000" i="0" u="none" strike="noStrike" cap="none" dirty="0">
                 <a:solidFill>
                   <a:srgbClr val="FFFF00"/>
                 </a:solidFill>
@@ -22092,7 +22122,7 @@
               <a:buNone/>
             </a:pPr>
             <a:r>
-              <a:rPr lang="en-US" sz="3000" b="1" i="0" u="none" strike="noStrike" cap="none" dirty="0" err="1">
+              <a:rPr lang="en-US" sz="3000" i="0" u="none" strike="noStrike" cap="none" dirty="0" err="1">
                 <a:solidFill>
                   <a:srgbClr val="FFFF00"/>
                 </a:solidFill>
@@ -22104,7 +22134,7 @@
               <a:t>astr</a:t>
             </a:r>
             <a:r>
-              <a:rPr lang="en-US" sz="3000" b="1" i="0" u="none" strike="noStrike" cap="none" dirty="0">
+              <a:rPr lang="en-US" sz="3000" i="0" u="none" strike="noStrike" cap="none" dirty="0">
                 <a:solidFill>
                   <a:srgbClr val="FFFF00"/>
                 </a:solidFill>
@@ -22116,7 +22146,7 @@
               <a:t> = 'Hello Bob</a:t>
             </a:r>
             <a:r>
-              <a:rPr lang="en-US" sz="3000" b="1" dirty="0">
+              <a:rPr lang="en-US" sz="3000" dirty="0">
                 <a:solidFill>
                   <a:srgbClr val="FFFF00"/>
                 </a:solidFill>
@@ -22147,7 +22177,7 @@
               <a:buNone/>
             </a:pPr>
             <a:r>
-              <a:rPr lang="en-US" sz="3000" b="1" i="0" u="none" strike="noStrike" cap="none" dirty="0" err="1">
+              <a:rPr lang="en-US" sz="3000" i="0" u="none" strike="noStrike" cap="none" dirty="0" err="1">
                 <a:solidFill>
                   <a:srgbClr val="FFFF00"/>
                 </a:solidFill>
@@ -22159,7 +22189,7 @@
               <a:t>istr</a:t>
             </a:r>
             <a:r>
-              <a:rPr lang="en-US" sz="3000" b="1" i="0" u="none" strike="noStrike" cap="none" dirty="0">
+              <a:rPr lang="en-US" sz="3000" i="0" u="none" strike="noStrike" cap="none" dirty="0">
                 <a:solidFill>
                   <a:srgbClr val="FFFF00"/>
                 </a:solidFill>
@@ -22171,7 +22201,7 @@
               <a:t> = </a:t>
             </a:r>
             <a:r>
-              <a:rPr lang="en-US" sz="3000" b="1" i="0" u="none" strike="noStrike" cap="none" dirty="0" err="1">
+              <a:rPr lang="en-US" sz="3000" i="0" u="none" strike="noStrike" cap="none" dirty="0" err="1">
                 <a:solidFill>
                   <a:srgbClr val="FFFF00"/>
                 </a:solidFill>
@@ -22183,7 +22213,7 @@
               <a:t>int</a:t>
             </a:r>
             <a:r>
-              <a:rPr lang="en-US" sz="3000" b="1" i="0" u="none" strike="noStrike" cap="none" dirty="0">
+              <a:rPr lang="en-US" sz="3000" i="0" u="none" strike="noStrike" cap="none" dirty="0">
                 <a:solidFill>
                   <a:srgbClr val="FFFF00"/>
                 </a:solidFill>
@@ -22195,7 +22225,7 @@
               <a:t>(</a:t>
             </a:r>
             <a:r>
-              <a:rPr lang="en-US" sz="3000" b="1" i="0" u="none" strike="noStrike" cap="none" dirty="0" err="1">
+              <a:rPr lang="en-US" sz="3000" i="0" u="none" strike="noStrike" cap="none" dirty="0" err="1">
                 <a:solidFill>
                   <a:srgbClr val="FFFF00"/>
                 </a:solidFill>
@@ -22207,7 +22237,7 @@
               <a:t>astr</a:t>
             </a:r>
             <a:r>
-              <a:rPr lang="en-US" sz="3000" b="1" i="0" u="none" strike="noStrike" cap="none" dirty="0">
+              <a:rPr lang="en-US" sz="3000" i="0" u="none" strike="noStrike" cap="none" dirty="0">
                 <a:solidFill>
                   <a:srgbClr val="FFFF00"/>
                 </a:solidFill>
@@ -22238,7 +22268,7 @@
               <a:buNone/>
             </a:pPr>
             <a:r>
-              <a:rPr lang="en-US" sz="3000" b="1" i="0" u="none" strike="noStrike" cap="none" dirty="0" smtClean="0">
+              <a:rPr lang="en-US" sz="3000" i="0" u="none" strike="noStrike" cap="none" dirty="0" smtClean="0">
                 <a:solidFill>
                   <a:srgbClr val="FFFF00"/>
                 </a:solidFill>
@@ -22250,7 +22280,7 @@
               <a:t>print('First</a:t>
             </a:r>
             <a:r>
-              <a:rPr lang="en-US" sz="3000" b="1" i="0" u="none" strike="noStrike" cap="none" dirty="0">
+              <a:rPr lang="en-US" sz="3000" i="0" u="none" strike="noStrike" cap="none" dirty="0">
                 <a:solidFill>
                   <a:srgbClr val="FFFF00"/>
                 </a:solidFill>
@@ -22262,7 +22292,7 @@
               <a:t>', </a:t>
             </a:r>
             <a:r>
-              <a:rPr lang="en-US" sz="3000" b="1" i="0" u="none" strike="noStrike" cap="none" dirty="0" err="1" smtClean="0">
+              <a:rPr lang="en-US" sz="3000" i="0" u="none" strike="noStrike" cap="none" dirty="0" err="1" smtClean="0">
                 <a:solidFill>
                   <a:srgbClr val="FFFF00"/>
                 </a:solidFill>
@@ -22274,7 +22304,7 @@
               <a:t>istr</a:t>
             </a:r>
             <a:r>
-              <a:rPr lang="en-US" sz="3000" b="1" i="0" u="none" strike="noStrike" cap="none" dirty="0" smtClean="0">
+              <a:rPr lang="en-US" sz="3000" i="0" u="none" strike="noStrike" cap="none" dirty="0" smtClean="0">
                 <a:solidFill>
                   <a:srgbClr val="FFFF00"/>
                 </a:solidFill>
@@ -22285,7 +22315,7 @@
               </a:rPr>
               <a:t>)</a:t>
             </a:r>
-            <a:endParaRPr lang="en-US" sz="3000" b="1" i="0" u="none" strike="noStrike" cap="none" dirty="0">
+            <a:endParaRPr lang="en-US" sz="3000" i="0" u="none" strike="noStrike" cap="none" dirty="0">
               <a:solidFill>
                 <a:srgbClr val="FFFF00"/>
               </a:solidFill>
@@ -22314,7 +22344,7 @@
               <a:buNone/>
             </a:pPr>
             <a:r>
-              <a:rPr lang="en-US" sz="3000" b="1" i="0" u="none" strike="noStrike" cap="none" dirty="0" err="1">
+              <a:rPr lang="en-US" sz="3000" i="0" u="none" strike="noStrike" cap="none" dirty="0" err="1">
                 <a:solidFill>
                   <a:srgbClr val="FFFF00"/>
                 </a:solidFill>
@@ -22326,7 +22356,7 @@
               <a:t>astr</a:t>
             </a:r>
             <a:r>
-              <a:rPr lang="en-US" sz="3000" b="1" i="0" u="none" strike="noStrike" cap="none" dirty="0">
+              <a:rPr lang="en-US" sz="3000" i="0" u="none" strike="noStrike" cap="none" dirty="0">
                 <a:solidFill>
                   <a:srgbClr val="FFFF00"/>
                 </a:solidFill>
@@ -22338,7 +22368,7 @@
               <a:t> = '123</a:t>
             </a:r>
             <a:r>
-              <a:rPr lang="en-US" sz="3000" b="1" dirty="0">
+              <a:rPr lang="en-US" sz="3000" dirty="0">
                 <a:solidFill>
                   <a:srgbClr val="FFFF00"/>
                 </a:solidFill>
@@ -22369,7 +22399,7 @@
               <a:buNone/>
             </a:pPr>
             <a:r>
-              <a:rPr lang="en-US" sz="3000" b="1" i="0" u="none" strike="noStrike" cap="none" dirty="0" err="1">
+              <a:rPr lang="en-US" sz="3000" i="0" u="none" strike="noStrike" cap="none" dirty="0" err="1">
                 <a:solidFill>
                   <a:srgbClr val="FFFF00"/>
                 </a:solidFill>
@@ -22381,7 +22411,7 @@
               <a:t>istr</a:t>
             </a:r>
             <a:r>
-              <a:rPr lang="en-US" sz="3000" b="1" i="0" u="none" strike="noStrike" cap="none" dirty="0">
+              <a:rPr lang="en-US" sz="3000" i="0" u="none" strike="noStrike" cap="none" dirty="0">
                 <a:solidFill>
                   <a:srgbClr val="FFFF00"/>
                 </a:solidFill>
@@ -22393,7 +22423,7 @@
               <a:t> = </a:t>
             </a:r>
             <a:r>
-              <a:rPr lang="en-US" sz="3000" b="1" i="0" u="none" strike="noStrike" cap="none" dirty="0" err="1">
+              <a:rPr lang="en-US" sz="3000" i="0" u="none" strike="noStrike" cap="none" dirty="0" err="1">
                 <a:solidFill>
                   <a:srgbClr val="FFFF00"/>
                 </a:solidFill>
@@ -22405,7 +22435,7 @@
               <a:t>int</a:t>
             </a:r>
             <a:r>
-              <a:rPr lang="en-US" sz="3000" b="1" i="0" u="none" strike="noStrike" cap="none" dirty="0">
+              <a:rPr lang="en-US" sz="3000" i="0" u="none" strike="noStrike" cap="none" dirty="0">
                 <a:solidFill>
                   <a:srgbClr val="FFFF00"/>
                 </a:solidFill>
@@ -22417,7 +22447,7 @@
               <a:t>(</a:t>
             </a:r>
             <a:r>
-              <a:rPr lang="en-US" sz="3000" b="1" i="0" u="none" strike="noStrike" cap="none" dirty="0" err="1">
+              <a:rPr lang="en-US" sz="3000" i="0" u="none" strike="noStrike" cap="none" dirty="0" err="1">
                 <a:solidFill>
                   <a:srgbClr val="FFFF00"/>
                 </a:solidFill>
@@ -22429,7 +22459,7 @@
               <a:t>astr</a:t>
             </a:r>
             <a:r>
-              <a:rPr lang="en-US" sz="3000" b="1" i="0" u="none" strike="noStrike" cap="none" dirty="0">
+              <a:rPr lang="en-US" sz="3000" i="0" u="none" strike="noStrike" cap="none" dirty="0">
                 <a:solidFill>
                   <a:srgbClr val="FFFF00"/>
                 </a:solidFill>
@@ -22460,7 +22490,7 @@
               <a:buNone/>
             </a:pPr>
             <a:r>
-              <a:rPr lang="en-US" sz="3000" b="1" i="0" u="none" strike="noStrike" cap="none" dirty="0" smtClean="0">
+              <a:rPr lang="en-US" sz="3000" i="0" u="none" strike="noStrike" cap="none" dirty="0" smtClean="0">
                 <a:solidFill>
                   <a:srgbClr val="FFFF00"/>
                 </a:solidFill>
@@ -22472,7 +22502,7 @@
               <a:t>print('Second</a:t>
             </a:r>
             <a:r>
-              <a:rPr lang="en-US" sz="3000" b="1" i="0" u="none" strike="noStrike" cap="none" dirty="0">
+              <a:rPr lang="en-US" sz="3000" i="0" u="none" strike="noStrike" cap="none" dirty="0">
                 <a:solidFill>
                   <a:srgbClr val="FFFF00"/>
                 </a:solidFill>
@@ -22484,7 +22514,7 @@
               <a:t>', </a:t>
             </a:r>
             <a:r>
-              <a:rPr lang="en-US" sz="3000" b="1" i="0" u="none" strike="noStrike" cap="none" dirty="0" err="1" smtClean="0">
+              <a:rPr lang="en-US" sz="3000" i="0" u="none" strike="noStrike" cap="none" dirty="0" err="1" smtClean="0">
                 <a:solidFill>
                   <a:srgbClr val="FFFF00"/>
                 </a:solidFill>
@@ -22496,7 +22526,7 @@
               <a:t>istr</a:t>
             </a:r>
             <a:r>
-              <a:rPr lang="en-US" sz="3000" b="1" i="0" u="none" strike="noStrike" cap="none" dirty="0" smtClean="0">
+              <a:rPr lang="en-US" sz="3000" i="0" u="none" strike="noStrike" cap="none" dirty="0" smtClean="0">
                 <a:solidFill>
                   <a:srgbClr val="FFFF00"/>
                 </a:solidFill>
@@ -22507,7 +22537,7 @@
               </a:rPr>
               <a:t>)</a:t>
             </a:r>
-            <a:endParaRPr lang="en-US" sz="3000" b="1" i="0" u="none" strike="noStrike" cap="none" dirty="0">
+            <a:endParaRPr lang="en-US" sz="3000" i="0" u="none" strike="noStrike" cap="none" dirty="0">
               <a:solidFill>
                 <a:srgbClr val="FFFF00"/>
               </a:solidFill>
@@ -22933,7 +22963,7 @@
   <p:timing>
     <p:tnLst>
       <p:par>
-        <p:cTn id="1" dur="indefinite" restart="never" nodeType="tmRoot"/>
+        <p:cTn xmlns:p14="http://schemas.microsoft.com/office/powerpoint/2010/main" id="1" dur="indefinite" restart="never" nodeType="tmRoot"/>
       </p:par>
     </p:tnLst>
   </p:timing>
@@ -22965,7 +22995,7 @@
         </p:nvSpPr>
         <p:spPr>
           <a:xfrm>
-            <a:off x="2468884" y="4147704"/>
+            <a:off x="2468884" y="4091999"/>
             <a:ext cx="5158799" cy="3876599"/>
           </a:xfrm>
           <a:prstGeom prst="rect">
@@ -23000,7 +23030,7 @@
               <a:buNone/>
             </a:pPr>
             <a:r>
-              <a:rPr lang="en-US" sz="3000" b="1" i="0" u="none" strike="noStrike" cap="none" dirty="0">
+              <a:rPr lang="en-US" sz="3000" i="0" u="none" strike="noStrike" cap="none" dirty="0">
                 <a:solidFill>
                   <a:srgbClr val="FFFF00"/>
                 </a:solidFill>
@@ -23012,7 +23042,7 @@
               <a:t>$ cat </a:t>
             </a:r>
             <a:r>
-              <a:rPr lang="en-US" sz="3000" b="1" i="0" u="none" strike="noStrike" cap="none" dirty="0" err="1">
+              <a:rPr lang="en-US" sz="3000" i="0" u="none" strike="noStrike" cap="none" dirty="0" err="1">
                 <a:solidFill>
                   <a:srgbClr val="FFFF00"/>
                 </a:solidFill>
@@ -23024,7 +23054,7 @@
               <a:t>notry.py</a:t>
             </a:r>
             <a:r>
-              <a:rPr lang="en-US" sz="3000" b="1" i="0" u="none" strike="noStrike" cap="none" dirty="0">
+              <a:rPr lang="en-US" sz="3000" i="0" u="none" strike="noStrike" cap="none" dirty="0">
                 <a:solidFill>
                   <a:srgbClr val="FFFF00"/>
                 </a:solidFill>
@@ -23055,7 +23085,7 @@
               <a:buNone/>
             </a:pPr>
             <a:r>
-              <a:rPr lang="en-US" sz="3000" b="1" i="0" u="none" strike="noStrike" cap="none" dirty="0" err="1">
+              <a:rPr lang="en-US" sz="3000" i="0" u="none" strike="noStrike" cap="none" dirty="0" err="1">
                 <a:solidFill>
                   <a:srgbClr val="FFFF00"/>
                 </a:solidFill>
@@ -23067,7 +23097,7 @@
               <a:t>astr</a:t>
             </a:r>
             <a:r>
-              <a:rPr lang="en-US" sz="3000" b="1" i="0" u="none" strike="noStrike" cap="none" dirty="0">
+              <a:rPr lang="en-US" sz="3000" i="0" u="none" strike="noStrike" cap="none" dirty="0">
                 <a:solidFill>
                   <a:srgbClr val="FFFF00"/>
                 </a:solidFill>
@@ -23079,7 +23109,7 @@
               <a:t> = 'Hello Bob</a:t>
             </a:r>
             <a:r>
-              <a:rPr lang="en-US" sz="3000" b="1" dirty="0">
+              <a:rPr lang="en-US" sz="3000" dirty="0">
                 <a:solidFill>
                   <a:srgbClr val="FFFF00"/>
                 </a:solidFill>
@@ -23110,7 +23140,7 @@
               <a:buNone/>
             </a:pPr>
             <a:r>
-              <a:rPr lang="en-US" sz="3000" b="1" i="0" u="none" strike="noStrike" cap="none" dirty="0" err="1">
+              <a:rPr lang="en-US" sz="3000" i="0" u="none" strike="noStrike" cap="none" dirty="0" err="1">
                 <a:solidFill>
                   <a:srgbClr val="FFFF00"/>
                 </a:solidFill>
@@ -23122,7 +23152,7 @@
               <a:t>istr</a:t>
             </a:r>
             <a:r>
-              <a:rPr lang="en-US" sz="3000" b="1" i="0" u="none" strike="noStrike" cap="none" dirty="0">
+              <a:rPr lang="en-US" sz="3000" i="0" u="none" strike="noStrike" cap="none" dirty="0">
                 <a:solidFill>
                   <a:srgbClr val="FFFF00"/>
                 </a:solidFill>
@@ -23134,7 +23164,7 @@
               <a:t> = </a:t>
             </a:r>
             <a:r>
-              <a:rPr lang="en-US" sz="3000" b="1" i="0" u="none" strike="noStrike" cap="none" dirty="0" err="1">
+              <a:rPr lang="en-US" sz="3000" i="0" u="none" strike="noStrike" cap="none" dirty="0" err="1">
                 <a:solidFill>
                   <a:srgbClr val="FFFF00"/>
                 </a:solidFill>
@@ -23146,7 +23176,7 @@
               <a:t>int</a:t>
             </a:r>
             <a:r>
-              <a:rPr lang="en-US" sz="3000" b="1" i="0" u="none" strike="noStrike" cap="none" dirty="0">
+              <a:rPr lang="en-US" sz="3000" i="0" u="none" strike="noStrike" cap="none" dirty="0">
                 <a:solidFill>
                   <a:srgbClr val="FFFF00"/>
                 </a:solidFill>
@@ -23158,7 +23188,7 @@
               <a:t>(</a:t>
             </a:r>
             <a:r>
-              <a:rPr lang="en-US" sz="3000" b="1" i="0" u="none" strike="noStrike" cap="none" dirty="0" err="1">
+              <a:rPr lang="en-US" sz="3000" i="0" u="none" strike="noStrike" cap="none" dirty="0" err="1">
                 <a:solidFill>
                   <a:srgbClr val="FFFF00"/>
                 </a:solidFill>
@@ -23170,7 +23200,7 @@
               <a:t>astr</a:t>
             </a:r>
             <a:r>
-              <a:rPr lang="en-US" sz="3000" b="1" i="0" u="none" strike="noStrike" cap="none" dirty="0">
+              <a:rPr lang="en-US" sz="3000" i="0" u="none" strike="noStrike" cap="none" dirty="0">
                 <a:solidFill>
                   <a:srgbClr val="FFFF00"/>
                 </a:solidFill>
@@ -23983,7 +24013,7 @@
         </p:nvSpPr>
         <p:spPr>
           <a:xfrm>
-            <a:off x="2344618" y="5856697"/>
+            <a:off x="2344618" y="5934684"/>
             <a:ext cx="4819500" cy="2028130"/>
           </a:xfrm>
           <a:prstGeom prst="rect">
@@ -24035,7 +24065,7 @@
   <p:timing>
     <p:tnLst>
       <p:par>
-        <p:cTn id="1" dur="indefinite" restart="never" nodeType="tmRoot"/>
+        <p:cTn xmlns:p14="http://schemas.microsoft.com/office/powerpoint/2010/main" id="1" dur="indefinite" restart="never" nodeType="tmRoot"/>
       </p:par>
     </p:tnLst>
   </p:timing>
@@ -24955,7 +24985,7 @@
   <p:timing>
     <p:tnLst>
       <p:par>
-        <p:cTn id="1" dur="indefinite" restart="never" nodeType="tmRoot"/>
+        <p:cTn xmlns:p14="http://schemas.microsoft.com/office/powerpoint/2010/main" id="1" dur="indefinite" restart="never" nodeType="tmRoot"/>
       </p:par>
     </p:tnLst>
   </p:timing>
@@ -25927,7 +25957,7 @@
   <p:timing>
     <p:tnLst>
       <p:par>
-        <p:cTn id="1" dur="indefinite" restart="never" nodeType="tmRoot"/>
+        <p:cTn xmlns:p14="http://schemas.microsoft.com/office/powerpoint/2010/main" id="1" dur="indefinite" restart="never" nodeType="tmRoot"/>
       </p:par>
     </p:tnLst>
   </p:timing>
@@ -25994,7 +26024,7 @@
               <a:buNone/>
             </a:pPr>
             <a:r>
-              <a:rPr lang="en-US" sz="3000" b="1" i="0" u="none" strike="noStrike" cap="none" smtClean="0">
+              <a:rPr lang="en-US" sz="3000" b="1" i="0" u="none" strike="noStrike" cap="none" dirty="0" err="1" smtClean="0">
                 <a:solidFill>
                   <a:srgbClr val="FFFF00"/>
                 </a:solidFill>
@@ -26027,7 +26057,19 @@
                 <a:cs typeface="Courier New"/>
                 <a:sym typeface="Courier New"/>
               </a:rPr>
-              <a:t>= 'Hello Bob'</a:t>
+              <a:t>= '</a:t>
+            </a:r>
+            <a:r>
+              <a:rPr lang="en-US" sz="3000" i="0" u="none" strike="noStrike" cap="none" dirty="0">
+                <a:solidFill>
+                  <a:srgbClr val="FFFF00"/>
+                </a:solidFill>
+                <a:latin typeface="Courier New"/>
+                <a:ea typeface="Courier New"/>
+                <a:cs typeface="Courier New"/>
+                <a:sym typeface="Courier New"/>
+              </a:rPr>
+              <a:t>Hello Bob'</a:t>
             </a:r>
           </a:p>
           <a:p>
@@ -26049,7 +26091,7 @@
               <a:buNone/>
             </a:pPr>
             <a:r>
-              <a:rPr lang="en-US" sz="3000" b="1" i="0" u="none" strike="noStrike" cap="none" dirty="0">
+              <a:rPr lang="en-US" sz="3000" i="0" u="none" strike="noStrike" cap="none" dirty="0">
                 <a:solidFill>
                   <a:srgbClr val="FFFF00"/>
                 </a:solidFill>
@@ -26080,7 +26122,7 @@
               <a:buNone/>
             </a:pPr>
             <a:r>
-              <a:rPr lang="en-US" sz="3000" b="1" i="0" u="none" strike="noStrike" cap="none" dirty="0">
+              <a:rPr lang="en-US" sz="3000" i="0" u="none" strike="noStrike" cap="none" dirty="0">
                 <a:solidFill>
                   <a:srgbClr val="FFFF00"/>
                 </a:solidFill>
@@ -26092,7 +26134,7 @@
               <a:t>    </a:t>
             </a:r>
             <a:r>
-              <a:rPr lang="en-US" sz="3000" b="1" i="0" u="none" strike="noStrike" cap="none" dirty="0" err="1">
+              <a:rPr lang="en-US" sz="3000" i="0" u="none" strike="noStrike" cap="none" dirty="0" err="1">
                 <a:solidFill>
                   <a:srgbClr val="FF9900"/>
                 </a:solidFill>
@@ -26104,7 +26146,7 @@
               <a:t>istr</a:t>
             </a:r>
             <a:r>
-              <a:rPr lang="en-US" sz="3000" b="1" i="0" u="none" strike="noStrike" cap="none" dirty="0">
+              <a:rPr lang="en-US" sz="3000" i="0" u="none" strike="noStrike" cap="none" dirty="0">
                 <a:solidFill>
                   <a:srgbClr val="FF9900"/>
                 </a:solidFill>
@@ -26116,7 +26158,7 @@
               <a:t> = </a:t>
             </a:r>
             <a:r>
-              <a:rPr lang="en-US" sz="3000" b="1" i="0" u="none" strike="noStrike" cap="none" dirty="0" err="1">
+              <a:rPr lang="en-US" sz="3000" i="0" u="none" strike="noStrike" cap="none" dirty="0" err="1">
                 <a:solidFill>
                   <a:srgbClr val="FF9900"/>
                 </a:solidFill>
@@ -26128,7 +26170,7 @@
               <a:t>int</a:t>
             </a:r>
             <a:r>
-              <a:rPr lang="en-US" sz="3000" b="1" i="0" u="none" strike="noStrike" cap="none" dirty="0">
+              <a:rPr lang="en-US" sz="3000" i="0" u="none" strike="noStrike" cap="none" dirty="0">
                 <a:solidFill>
                   <a:srgbClr val="FF9900"/>
                 </a:solidFill>
@@ -26140,7 +26182,7 @@
               <a:t>(</a:t>
             </a:r>
             <a:r>
-              <a:rPr lang="en-US" sz="3000" b="1" i="0" u="none" strike="noStrike" cap="none" dirty="0" err="1">
+              <a:rPr lang="en-US" sz="3000" i="0" u="none" strike="noStrike" cap="none" dirty="0" err="1">
                 <a:solidFill>
                   <a:srgbClr val="FF9900"/>
                 </a:solidFill>
@@ -26152,7 +26194,7 @@
               <a:t>astr</a:t>
             </a:r>
             <a:r>
-              <a:rPr lang="en-US" sz="3000" b="1" i="0" u="none" strike="noStrike" cap="none" dirty="0">
+              <a:rPr lang="en-US" sz="3000" i="0" u="none" strike="noStrike" cap="none" dirty="0">
                 <a:solidFill>
                   <a:srgbClr val="FF9900"/>
                 </a:solidFill>
@@ -26183,7 +26225,7 @@
               <a:buNone/>
             </a:pPr>
             <a:r>
-              <a:rPr lang="en-US" sz="3000" b="1" i="0" u="none" strike="noStrike" cap="none" dirty="0">
+              <a:rPr lang="en-US" sz="3000" i="0" u="none" strike="noStrike" cap="none" dirty="0">
                 <a:solidFill>
                   <a:srgbClr val="FFFF00"/>
                 </a:solidFill>
@@ -26214,7 +26256,7 @@
               <a:buNone/>
             </a:pPr>
             <a:r>
-              <a:rPr lang="en-US" sz="3000" b="1" i="0" u="none" strike="noStrike" cap="none" dirty="0">
+              <a:rPr lang="en-US" sz="3000" i="0" u="none" strike="noStrike" cap="none" dirty="0">
                 <a:solidFill>
                   <a:srgbClr val="FFFF00"/>
                 </a:solidFill>
@@ -26226,7 +26268,7 @@
               <a:t>    </a:t>
             </a:r>
             <a:r>
-              <a:rPr lang="en-US" sz="3000" b="1" i="0" u="none" strike="noStrike" cap="none" dirty="0" err="1">
+              <a:rPr lang="en-US" sz="3000" i="0" u="none" strike="noStrike" cap="none" dirty="0" err="1">
                 <a:solidFill>
                   <a:srgbClr val="FFFF00"/>
                 </a:solidFill>
@@ -26238,7 +26280,7 @@
               <a:t>istr</a:t>
             </a:r>
             <a:r>
-              <a:rPr lang="en-US" sz="3000" b="1" i="0" u="none" strike="noStrike" cap="none" dirty="0">
+              <a:rPr lang="en-US" sz="3000" i="0" u="none" strike="noStrike" cap="none" dirty="0">
                 <a:solidFill>
                   <a:srgbClr val="FFFF00"/>
                 </a:solidFill>
@@ -26263,7 +26305,7 @@
               </a:spcAft>
               <a:buNone/>
             </a:pPr>
-            <a:endParaRPr sz="3000" b="1" i="0" u="none" strike="noStrike" cap="none" dirty="0">
+            <a:endParaRPr sz="3000" i="0" u="none" strike="noStrike" cap="none" dirty="0">
               <a:solidFill>
                 <a:srgbClr val="FFFF00"/>
               </a:solidFill>
@@ -26281,7 +26323,7 @@
               <a:buSzPct val="25000"/>
             </a:pPr>
             <a:r>
-              <a:rPr lang="en-US" sz="3000" b="1" i="0" u="none" strike="noStrike" cap="none" dirty="0" smtClean="0">
+              <a:rPr lang="en-US" sz="3000" i="0" u="none" strike="noStrike" cap="none" dirty="0" smtClean="0">
                 <a:solidFill>
                   <a:srgbClr val="FFFF00"/>
                 </a:solidFill>
@@ -26293,7 +26335,7 @@
               <a:t>print('First</a:t>
             </a:r>
             <a:r>
-              <a:rPr lang="en-US" sz="3000" b="1" i="0" u="none" strike="noStrike" cap="none" dirty="0">
+              <a:rPr lang="en-US" sz="3000" i="0" u="none" strike="noStrike" cap="none" dirty="0">
                 <a:solidFill>
                   <a:srgbClr val="FFFF00"/>
                 </a:solidFill>
@@ -26305,7 +26347,7 @@
               <a:t>', </a:t>
             </a:r>
             <a:r>
-              <a:rPr lang="en-US" sz="3000" b="1" dirty="0" err="1">
+              <a:rPr lang="en-US" sz="3000" dirty="0" err="1">
                 <a:solidFill>
                   <a:srgbClr val="FFFF00"/>
                 </a:solidFill>
@@ -26317,7 +26359,7 @@
               <a:t>istr</a:t>
             </a:r>
             <a:r>
-              <a:rPr lang="en-US" sz="3000" b="1" dirty="0">
+              <a:rPr lang="en-US" sz="3000" dirty="0">
                 <a:solidFill>
                   <a:srgbClr val="FFFF00"/>
                 </a:solidFill>
@@ -26328,7 +26370,7 @@
               </a:rPr>
               <a:t>)</a:t>
             </a:r>
-            <a:endParaRPr lang="en-US" sz="3000" b="1" i="0" u="none" strike="noStrike" cap="none" dirty="0">
+            <a:endParaRPr lang="en-US" sz="3000" i="0" u="none" strike="noStrike" cap="none" dirty="0">
               <a:solidFill>
                 <a:srgbClr val="FFFF00"/>
               </a:solidFill>
@@ -26351,7 +26393,7 @@
               </a:spcAft>
               <a:buNone/>
             </a:pPr>
-            <a:endParaRPr sz="3000" b="1" i="0" u="none" strike="noStrike" cap="none" dirty="0">
+            <a:endParaRPr sz="3000" i="0" u="none" strike="noStrike" cap="none" dirty="0">
               <a:solidFill>
                 <a:srgbClr val="FFFF00"/>
               </a:solidFill>
@@ -26380,7 +26422,7 @@
               <a:buNone/>
             </a:pPr>
             <a:r>
-              <a:rPr lang="en-US" sz="3000" b="1" i="0" u="none" strike="noStrike" cap="none" dirty="0" err="1">
+              <a:rPr lang="en-US" sz="3000" i="0" u="none" strike="noStrike" cap="none" dirty="0" err="1">
                 <a:solidFill>
                   <a:srgbClr val="FFFF00"/>
                 </a:solidFill>
@@ -26392,7 +26434,7 @@
               <a:t>astr</a:t>
             </a:r>
             <a:r>
-              <a:rPr lang="en-US" sz="3000" b="1" i="0" u="none" strike="noStrike" cap="none" dirty="0">
+              <a:rPr lang="en-US" sz="3000" i="0" u="none" strike="noStrike" cap="none" dirty="0">
                 <a:solidFill>
                   <a:srgbClr val="FFFF00"/>
                 </a:solidFill>
@@ -26423,7 +26465,7 @@
               <a:buNone/>
             </a:pPr>
             <a:r>
-              <a:rPr lang="en-US" sz="3000" b="1" i="0" u="none" strike="noStrike" cap="none" dirty="0">
+              <a:rPr lang="en-US" sz="3000" i="0" u="none" strike="noStrike" cap="none" dirty="0">
                 <a:solidFill>
                   <a:srgbClr val="FFFF00"/>
                 </a:solidFill>
@@ -26454,7 +26496,7 @@
               <a:buNone/>
             </a:pPr>
             <a:r>
-              <a:rPr lang="en-US" sz="3000" b="1" i="0" u="none" strike="noStrike" cap="none" dirty="0">
+              <a:rPr lang="en-US" sz="3000" i="0" u="none" strike="noStrike" cap="none" dirty="0">
                 <a:solidFill>
                   <a:srgbClr val="FFFF00"/>
                 </a:solidFill>
@@ -26466,7 +26508,7 @@
               <a:t>   </a:t>
             </a:r>
             <a:r>
-              <a:rPr lang="en-US" sz="3000" b="1" i="0" u="none" strike="noStrike" cap="none" dirty="0">
+              <a:rPr lang="en-US" sz="3000" i="0" u="none" strike="noStrike" cap="none" dirty="0">
                 <a:solidFill>
                   <a:srgbClr val="00FF00"/>
                 </a:solidFill>
@@ -26478,7 +26520,7 @@
               <a:t> </a:t>
             </a:r>
             <a:r>
-              <a:rPr lang="en-US" sz="3000" b="1" i="0" u="none" strike="noStrike" cap="none" dirty="0" err="1">
+              <a:rPr lang="en-US" sz="3000" i="0" u="none" strike="noStrike" cap="none" dirty="0" err="1">
                 <a:solidFill>
                   <a:srgbClr val="00FF00"/>
                 </a:solidFill>
@@ -26490,7 +26532,7 @@
               <a:t>istr</a:t>
             </a:r>
             <a:r>
-              <a:rPr lang="en-US" sz="3000" b="1" i="0" u="none" strike="noStrike" cap="none" dirty="0">
+              <a:rPr lang="en-US" sz="3000" i="0" u="none" strike="noStrike" cap="none" dirty="0">
                 <a:solidFill>
                   <a:srgbClr val="00FF00"/>
                 </a:solidFill>
@@ -26502,7 +26544,7 @@
               <a:t> = </a:t>
             </a:r>
             <a:r>
-              <a:rPr lang="en-US" sz="3000" b="1" i="0" u="none" strike="noStrike" cap="none" dirty="0" err="1">
+              <a:rPr lang="en-US" sz="3000" i="0" u="none" strike="noStrike" cap="none" dirty="0" err="1">
                 <a:solidFill>
                   <a:srgbClr val="00FF00"/>
                 </a:solidFill>
@@ -26514,7 +26556,7 @@
               <a:t>int</a:t>
             </a:r>
             <a:r>
-              <a:rPr lang="en-US" sz="3000" b="1" i="0" u="none" strike="noStrike" cap="none" dirty="0">
+              <a:rPr lang="en-US" sz="3000" i="0" u="none" strike="noStrike" cap="none" dirty="0">
                 <a:solidFill>
                   <a:srgbClr val="00FF00"/>
                 </a:solidFill>
@@ -26526,7 +26568,7 @@
               <a:t>(</a:t>
             </a:r>
             <a:r>
-              <a:rPr lang="en-US" sz="3000" b="1" i="0" u="none" strike="noStrike" cap="none" dirty="0" err="1">
+              <a:rPr lang="en-US" sz="3000" i="0" u="none" strike="noStrike" cap="none" dirty="0" err="1">
                 <a:solidFill>
                   <a:srgbClr val="00FF00"/>
                 </a:solidFill>
@@ -26538,7 +26580,7 @@
               <a:t>astr</a:t>
             </a:r>
             <a:r>
-              <a:rPr lang="en-US" sz="3000" b="1" i="0" u="none" strike="noStrike" cap="none" dirty="0">
+              <a:rPr lang="en-US" sz="3000" i="0" u="none" strike="noStrike" cap="none" dirty="0">
                 <a:solidFill>
                   <a:srgbClr val="00FF00"/>
                 </a:solidFill>
@@ -26569,7 +26611,7 @@
               <a:buNone/>
             </a:pPr>
             <a:r>
-              <a:rPr lang="en-US" sz="3000" b="1" i="0" u="none" strike="noStrike" cap="none" dirty="0">
+              <a:rPr lang="en-US" sz="3000" i="0" u="none" strike="noStrike" cap="none" dirty="0">
                 <a:solidFill>
                   <a:srgbClr val="FFFF00"/>
                 </a:solidFill>
@@ -26600,7 +26642,7 @@
               <a:buNone/>
             </a:pPr>
             <a:r>
-              <a:rPr lang="en-US" sz="3000" b="1" i="0" u="none" strike="noStrike" cap="none" dirty="0">
+              <a:rPr lang="en-US" sz="3000" i="0" u="none" strike="noStrike" cap="none" dirty="0">
                 <a:solidFill>
                   <a:srgbClr val="FFFF00"/>
                 </a:solidFill>
@@ -26612,7 +26654,7 @@
               <a:t>    </a:t>
             </a:r>
             <a:r>
-              <a:rPr lang="en-US" sz="3000" b="1" i="0" u="none" strike="noStrike" cap="none" dirty="0" err="1">
+              <a:rPr lang="en-US" sz="3000" i="0" u="none" strike="noStrike" cap="none" dirty="0" err="1">
                 <a:solidFill>
                   <a:srgbClr val="FFFF00"/>
                 </a:solidFill>
@@ -26624,7 +26666,7 @@
               <a:t>istr</a:t>
             </a:r>
             <a:r>
-              <a:rPr lang="en-US" sz="3000" b="1" i="0" u="none" strike="noStrike" cap="none" dirty="0">
+              <a:rPr lang="en-US" sz="3000" i="0" u="none" strike="noStrike" cap="none" dirty="0">
                 <a:solidFill>
                   <a:srgbClr val="FFFF00"/>
                 </a:solidFill>
@@ -26649,7 +26691,7 @@
               </a:spcAft>
               <a:buNone/>
             </a:pPr>
-            <a:endParaRPr sz="3000" b="1" i="0" u="none" strike="noStrike" cap="none" dirty="0">
+            <a:endParaRPr sz="3000" i="0" u="none" strike="noStrike" cap="none" dirty="0">
               <a:solidFill>
                 <a:srgbClr val="FFFF00"/>
               </a:solidFill>
@@ -26667,7 +26709,7 @@
               <a:buSzPct val="25000"/>
             </a:pPr>
             <a:r>
-              <a:rPr lang="en-US" sz="3000" b="1" i="0" u="none" strike="noStrike" cap="none" dirty="0" smtClean="0">
+              <a:rPr lang="en-US" sz="3000" i="0" u="none" strike="noStrike" cap="none" dirty="0" smtClean="0">
                 <a:solidFill>
                   <a:srgbClr val="FFFF00"/>
                 </a:solidFill>
@@ -26679,7 +26721,7 @@
               <a:t>print('Second</a:t>
             </a:r>
             <a:r>
-              <a:rPr lang="en-US" sz="3000" b="1" i="0" u="none" strike="noStrike" cap="none" dirty="0">
+              <a:rPr lang="en-US" sz="3000" i="0" u="none" strike="noStrike" cap="none" dirty="0">
                 <a:solidFill>
                   <a:srgbClr val="FFFF00"/>
                 </a:solidFill>
@@ -26691,7 +26733,7 @@
               <a:t>', </a:t>
             </a:r>
             <a:r>
-              <a:rPr lang="en-US" sz="3000" b="1" dirty="0" err="1">
+              <a:rPr lang="en-US" sz="3000" dirty="0" err="1">
                 <a:solidFill>
                   <a:srgbClr val="FFFF00"/>
                 </a:solidFill>
@@ -26703,7 +26745,7 @@
               <a:t>istr</a:t>
             </a:r>
             <a:r>
-              <a:rPr lang="en-US" sz="3000" b="1" dirty="0">
+              <a:rPr lang="en-US" sz="3000" dirty="0">
                 <a:solidFill>
                   <a:srgbClr val="FFFF00"/>
                 </a:solidFill>
@@ -26714,7 +26756,7 @@
               </a:rPr>
               <a:t>)</a:t>
             </a:r>
-            <a:endParaRPr lang="en-US" sz="3000" b="1" i="0" u="none" strike="noStrike" cap="none" dirty="0">
+            <a:endParaRPr lang="en-US" sz="3000" i="0" u="none" strike="noStrike" cap="none" dirty="0">
               <a:solidFill>
                 <a:srgbClr val="FFFF00"/>
               </a:solidFill>
@@ -26787,7 +26829,7 @@
               <a:t> </a:t>
             </a:r>
             <a:r>
-              <a:rPr lang="en-US" sz="3000" b="1" i="0" u="none" strike="noStrike" cap="none" dirty="0">
+              <a:rPr lang="en-US" sz="3000" i="0" u="none" strike="noStrike" cap="none" dirty="0">
                 <a:solidFill>
                   <a:schemeClr val="lt1"/>
                 </a:solidFill>
@@ -26799,7 +26841,7 @@
               <a:t>$ python </a:t>
             </a:r>
             <a:r>
-              <a:rPr lang="en-US" sz="3000" b="1" i="0" u="none" strike="noStrike" cap="none" dirty="0" err="1">
+              <a:rPr lang="en-US" sz="3000" i="0" u="none" strike="noStrike" cap="none" dirty="0" err="1">
                 <a:solidFill>
                   <a:schemeClr val="lt1"/>
                 </a:solidFill>
@@ -26811,7 +26853,7 @@
               <a:t>tryexcept.py</a:t>
             </a:r>
             <a:r>
-              <a:rPr lang="en-US" sz="3000" b="1" i="0" u="none" strike="noStrike" cap="none" dirty="0">
+              <a:rPr lang="en-US" sz="3000" i="0" u="none" strike="noStrike" cap="none" dirty="0">
                 <a:solidFill>
                   <a:schemeClr val="lt1"/>
                 </a:solidFill>
@@ -26842,7 +26884,7 @@
               <a:buNone/>
             </a:pPr>
             <a:r>
-              <a:rPr lang="en-US" sz="3000" b="1" dirty="0">
+              <a:rPr lang="en-US" sz="3000" dirty="0">
                 <a:solidFill>
                   <a:schemeClr val="lt1"/>
                 </a:solidFill>
@@ -26854,7 +26896,7 @@
               <a:t> </a:t>
             </a:r>
             <a:r>
-              <a:rPr lang="en-US" sz="3000" b="1" i="0" u="none" strike="noStrike" cap="none" dirty="0">
+              <a:rPr lang="en-US" sz="3000" i="0" u="none" strike="noStrike" cap="none" dirty="0">
                 <a:solidFill>
                   <a:schemeClr val="lt1"/>
                 </a:solidFill>
@@ -26885,7 +26927,7 @@
               <a:buNone/>
             </a:pPr>
             <a:r>
-              <a:rPr lang="en-US" sz="3000" b="1" dirty="0">
+              <a:rPr lang="en-US" sz="3000" dirty="0">
                 <a:solidFill>
                   <a:schemeClr val="lt1"/>
                 </a:solidFill>
@@ -26897,7 +26939,7 @@
               <a:t> </a:t>
             </a:r>
             <a:r>
-              <a:rPr lang="en-US" sz="3000" b="1" i="0" u="none" strike="noStrike" cap="none" dirty="0">
+              <a:rPr lang="en-US" sz="3000" i="0" u="none" strike="noStrike" cap="none" dirty="0">
                 <a:solidFill>
                   <a:schemeClr val="lt1"/>
                 </a:solidFill>
@@ -26963,7 +27005,31 @@
                 <a:cs typeface="Arial" charset="0"/>
                 <a:sym typeface="Cabin"/>
               </a:rPr>
-              <a:t>When the first conversion fails -  it just drops into the except: clause and the program continues.</a:t>
+              <a:t>When the first conversion fails </a:t>
+            </a:r>
+            <a:r>
+              <a:rPr lang="en-US" sz="3000" u="none" strike="noStrike" cap="none" dirty="0" smtClean="0">
+                <a:solidFill>
+                  <a:srgbClr val="FF9900"/>
+                </a:solidFill>
+                <a:latin typeface="Arial" charset="0"/>
+                <a:ea typeface="Arial" charset="0"/>
+                <a:cs typeface="Arial" charset="0"/>
+                <a:sym typeface="Cabin"/>
+              </a:rPr>
+              <a:t>- </a:t>
+            </a:r>
+            <a:r>
+              <a:rPr lang="en-US" sz="3000" u="none" strike="noStrike" cap="none" dirty="0">
+                <a:solidFill>
+                  <a:srgbClr val="FF9900"/>
+                </a:solidFill>
+                <a:latin typeface="Arial" charset="0"/>
+                <a:ea typeface="Arial" charset="0"/>
+                <a:cs typeface="Arial" charset="0"/>
+                <a:sym typeface="Cabin"/>
+              </a:rPr>
+              <a:t>it just drops into the except: clause and the program continues.</a:t>
             </a:r>
           </a:p>
         </p:txBody>
@@ -27046,7 +27112,31 @@
                 <a:cs typeface="Arial" charset="0"/>
                 <a:sym typeface="Cabin"/>
               </a:rPr>
-              <a:t>When the second conversion succeeds -  it just skips the except: clause and the program continues.</a:t>
+              <a:t>When the second conversion </a:t>
+            </a:r>
+            <a:r>
+              <a:rPr lang="en-US" sz="3000" u="none" strike="noStrike" cap="none" dirty="0" smtClean="0">
+                <a:solidFill>
+                  <a:srgbClr val="00FF00"/>
+                </a:solidFill>
+                <a:latin typeface="Arial" charset="0"/>
+                <a:ea typeface="Arial" charset="0"/>
+                <a:cs typeface="Arial" charset="0"/>
+                <a:sym typeface="Cabin"/>
+              </a:rPr>
+              <a:t>succeeds - </a:t>
+            </a:r>
+            <a:r>
+              <a:rPr lang="en-US" sz="3000" u="none" strike="noStrike" cap="none" dirty="0">
+                <a:solidFill>
+                  <a:srgbClr val="00FF00"/>
+                </a:solidFill>
+                <a:latin typeface="Arial" charset="0"/>
+                <a:ea typeface="Arial" charset="0"/>
+                <a:cs typeface="Arial" charset="0"/>
+                <a:sym typeface="Cabin"/>
+              </a:rPr>
+              <a:t>it just skips the except: clause and the program continues.</a:t>
             </a:r>
           </a:p>
         </p:txBody>
@@ -27137,7 +27227,7 @@
   <p:timing>
     <p:tnLst>
       <p:par>
-        <p:cTn id="1" dur="indefinite" restart="never" nodeType="tmRoot"/>
+        <p:cTn xmlns:p14="http://schemas.microsoft.com/office/powerpoint/2010/main" id="1" dur="indefinite" restart="never" nodeType="tmRoot"/>
       </p:par>
     </p:tnLst>
   </p:timing>
@@ -27366,7 +27456,7 @@
               <a:buNone/>
             </a:pPr>
             <a:r>
-              <a:rPr lang="en-US" sz="3000" b="1" i="0" u="none" strike="noStrike" cap="none" dirty="0" err="1">
+              <a:rPr lang="en-US" sz="3000" i="0" u="none" strike="noStrike" cap="none" dirty="0" err="1">
                 <a:solidFill>
                   <a:srgbClr val="FFFF00"/>
                 </a:solidFill>
@@ -27378,7 +27468,7 @@
               <a:t>astr</a:t>
             </a:r>
             <a:r>
-              <a:rPr lang="en-US" sz="3000" b="1" i="0" u="none" strike="noStrike" cap="none" dirty="0">
+              <a:rPr lang="en-US" sz="3000" i="0" u="none" strike="noStrike" cap="none" dirty="0">
                 <a:solidFill>
                   <a:srgbClr val="FFFF00"/>
                 </a:solidFill>
@@ -27409,7 +27499,7 @@
               <a:buNone/>
             </a:pPr>
             <a:r>
-              <a:rPr lang="en-US" sz="3000" b="1" i="0" u="none" strike="noStrike" cap="none" dirty="0">
+              <a:rPr lang="en-US" sz="3000" i="0" u="none" strike="noStrike" cap="none" dirty="0">
                 <a:solidFill>
                   <a:srgbClr val="FFFF00"/>
                 </a:solidFill>
@@ -27429,7 +27519,7 @@
               <a:buSzPct val="25000"/>
             </a:pPr>
             <a:r>
-              <a:rPr lang="en-US" sz="3000" b="1" i="0" u="none" strike="noStrike" cap="none" dirty="0">
+              <a:rPr lang="en-US" sz="3000" i="0" u="none" strike="noStrike" cap="none" dirty="0">
                 <a:solidFill>
                   <a:srgbClr val="FF7F00"/>
                 </a:solidFill>
@@ -27441,7 +27531,7 @@
               <a:t>    </a:t>
             </a:r>
             <a:r>
-              <a:rPr lang="en-US" sz="3000" b="1" dirty="0">
+              <a:rPr lang="en-US" sz="3000" dirty="0">
                 <a:solidFill>
                   <a:srgbClr val="FF9900"/>
                 </a:solidFill>
@@ -27452,7 +27542,7 @@
               </a:rPr>
               <a:t>print('Hello') </a:t>
             </a:r>
-            <a:endParaRPr lang="en-US" sz="3000" b="1" i="0" u="none" strike="noStrike" cap="none" dirty="0">
+            <a:endParaRPr lang="en-US" sz="3000" i="0" u="none" strike="noStrike" cap="none" dirty="0">
               <a:solidFill>
                 <a:srgbClr val="FF9900"/>
               </a:solidFill>
@@ -27481,7 +27571,7 @@
               <a:buNone/>
             </a:pPr>
             <a:r>
-              <a:rPr lang="en-US" sz="3000" b="1" i="0" u="none" strike="noStrike" cap="none" dirty="0">
+              <a:rPr lang="en-US" sz="3000" i="0" u="none" strike="noStrike" cap="none" dirty="0">
                 <a:solidFill>
                   <a:srgbClr val="FF9900"/>
                 </a:solidFill>
@@ -27493,7 +27583,7 @@
               <a:t>    </a:t>
             </a:r>
             <a:r>
-              <a:rPr lang="en-US" sz="3000" b="1" i="0" u="none" strike="noStrike" cap="none" dirty="0" err="1">
+              <a:rPr lang="en-US" sz="3000" i="0" u="none" strike="noStrike" cap="none" dirty="0" err="1">
                 <a:solidFill>
                   <a:srgbClr val="FF9900"/>
                 </a:solidFill>
@@ -27505,7 +27595,7 @@
               <a:t>istr</a:t>
             </a:r>
             <a:r>
-              <a:rPr lang="en-US" sz="3000" b="1" i="0" u="none" strike="noStrike" cap="none" dirty="0">
+              <a:rPr lang="en-US" sz="3000" i="0" u="none" strike="noStrike" cap="none" dirty="0">
                 <a:solidFill>
                   <a:srgbClr val="FF9900"/>
                 </a:solidFill>
@@ -27517,7 +27607,7 @@
               <a:t> = </a:t>
             </a:r>
             <a:r>
-              <a:rPr lang="en-US" sz="3000" b="1" i="0" u="none" strike="noStrike" cap="none" dirty="0" err="1">
+              <a:rPr lang="en-US" sz="3000" i="0" u="none" strike="noStrike" cap="none" dirty="0" err="1">
                 <a:solidFill>
                   <a:srgbClr val="FF9900"/>
                 </a:solidFill>
@@ -27529,7 +27619,7 @@
               <a:t>int</a:t>
             </a:r>
             <a:r>
-              <a:rPr lang="en-US" sz="3000" b="1" i="0" u="none" strike="noStrike" cap="none" dirty="0">
+              <a:rPr lang="en-US" sz="3000" i="0" u="none" strike="noStrike" cap="none" dirty="0">
                 <a:solidFill>
                   <a:srgbClr val="FF9900"/>
                 </a:solidFill>
@@ -27541,7 +27631,7 @@
               <a:t>(</a:t>
             </a:r>
             <a:r>
-              <a:rPr lang="en-US" sz="3000" b="1" i="0" u="none" strike="noStrike" cap="none" dirty="0" err="1">
+              <a:rPr lang="en-US" sz="3000" i="0" u="none" strike="noStrike" cap="none" dirty="0" err="1">
                 <a:solidFill>
                   <a:srgbClr val="FF9900"/>
                 </a:solidFill>
@@ -27553,7 +27643,7 @@
               <a:t>astr</a:t>
             </a:r>
             <a:r>
-              <a:rPr lang="en-US" sz="3000" b="1" i="0" u="none" strike="noStrike" cap="none" dirty="0">
+              <a:rPr lang="en-US" sz="3000" i="0" u="none" strike="noStrike" cap="none" dirty="0">
                 <a:solidFill>
                   <a:srgbClr val="FF9900"/>
                 </a:solidFill>
@@ -27573,7 +27663,7 @@
               <a:buSzPct val="25000"/>
             </a:pPr>
             <a:r>
-              <a:rPr lang="en-US" sz="3000" b="1" i="0" u="none" strike="noStrike" cap="none" dirty="0">
+              <a:rPr lang="en-US" sz="3000" i="0" u="none" strike="noStrike" cap="none" dirty="0">
                 <a:solidFill>
                   <a:srgbClr val="FF9900"/>
                 </a:solidFill>
@@ -27585,7 +27675,7 @@
               <a:t>    </a:t>
             </a:r>
             <a:r>
-              <a:rPr lang="en-US" sz="3000" b="1" i="0" u="none" strike="noStrike" cap="none" dirty="0" smtClean="0">
+              <a:rPr lang="en-US" sz="3000" i="0" u="none" strike="noStrike" cap="none" dirty="0" smtClean="0">
                 <a:solidFill>
                   <a:srgbClr val="FF9900"/>
                 </a:solidFill>
@@ -27597,7 +27687,7 @@
               <a:t>print('There</a:t>
             </a:r>
             <a:r>
-              <a:rPr lang="en-US" sz="3000" b="1" dirty="0">
+              <a:rPr lang="en-US" sz="3000" dirty="0">
                 <a:solidFill>
                   <a:srgbClr val="FF9900"/>
                 </a:solidFill>
@@ -27608,7 +27698,7 @@
               </a:rPr>
               <a:t>') </a:t>
             </a:r>
-            <a:endParaRPr lang="en-US" sz="3000" b="1" i="0" u="none" strike="noStrike" cap="none" dirty="0">
+            <a:endParaRPr lang="en-US" sz="3000" i="0" u="none" strike="noStrike" cap="none" dirty="0">
               <a:solidFill>
                 <a:srgbClr val="FF9900"/>
               </a:solidFill>
@@ -27637,7 +27727,7 @@
               <a:buNone/>
             </a:pPr>
             <a:r>
-              <a:rPr lang="en-US" sz="3000" b="1" i="0" u="none" strike="noStrike" cap="none" dirty="0">
+              <a:rPr lang="en-US" sz="3000" i="0" u="none" strike="noStrike" cap="none" dirty="0">
                 <a:solidFill>
                   <a:srgbClr val="FFFF00"/>
                 </a:solidFill>
@@ -27668,7 +27758,7 @@
               <a:buNone/>
             </a:pPr>
             <a:r>
-              <a:rPr lang="en-US" sz="3000" b="1" i="0" u="none" strike="noStrike" cap="none" dirty="0">
+              <a:rPr lang="en-US" sz="3000" i="0" u="none" strike="noStrike" cap="none" dirty="0">
                 <a:solidFill>
                   <a:srgbClr val="FFFF00"/>
                 </a:solidFill>
@@ -27680,7 +27770,7 @@
               <a:t>    </a:t>
             </a:r>
             <a:r>
-              <a:rPr lang="en-US" sz="3000" b="1" i="0" u="none" strike="noStrike" cap="none" dirty="0" err="1">
+              <a:rPr lang="en-US" sz="3000" i="0" u="none" strike="noStrike" cap="none" dirty="0" err="1">
                 <a:solidFill>
                   <a:srgbClr val="FF9900"/>
                 </a:solidFill>
@@ -27692,7 +27782,7 @@
               <a:t>istr</a:t>
             </a:r>
             <a:r>
-              <a:rPr lang="en-US" sz="3000" b="1" i="0" u="none" strike="noStrike" cap="none" dirty="0">
+              <a:rPr lang="en-US" sz="3000" i="0" u="none" strike="noStrike" cap="none" dirty="0">
                 <a:solidFill>
                   <a:srgbClr val="FF9900"/>
                 </a:solidFill>
@@ -27717,7 +27807,7 @@
               </a:spcAft>
               <a:buNone/>
             </a:pPr>
-            <a:endParaRPr sz="3000" b="1" i="0" u="none" strike="noStrike" cap="none" dirty="0">
+            <a:endParaRPr sz="3000" i="0" u="none" strike="noStrike" cap="none" dirty="0">
               <a:solidFill>
                 <a:srgbClr val="FFFF00"/>
               </a:solidFill>
@@ -27735,7 +27825,7 @@
               <a:buSzPct val="25000"/>
             </a:pPr>
             <a:r>
-              <a:rPr lang="en-US" sz="3000" b="1" i="0" u="none" strike="noStrike" cap="none" dirty="0" smtClean="0">
+              <a:rPr lang="en-US" sz="3000" i="0" u="none" strike="noStrike" cap="none" dirty="0" smtClean="0">
                 <a:solidFill>
                   <a:srgbClr val="FFFF00"/>
                 </a:solidFill>
@@ -27747,7 +27837,7 @@
               <a:t>print('Done</a:t>
             </a:r>
             <a:r>
-              <a:rPr lang="en-US" sz="3000" b="1" i="0" u="none" strike="noStrike" cap="none" dirty="0">
+              <a:rPr lang="en-US" sz="3000" i="0" u="none" strike="noStrike" cap="none" dirty="0">
                 <a:solidFill>
                   <a:srgbClr val="FFFF00"/>
                 </a:solidFill>
@@ -27759,7 +27849,7 @@
               <a:t>', </a:t>
             </a:r>
             <a:r>
-              <a:rPr lang="en-US" sz="3000" b="1" dirty="0" err="1">
+              <a:rPr lang="en-US" sz="3000" dirty="0" err="1">
                 <a:solidFill>
                   <a:srgbClr val="FFFF00"/>
                 </a:solidFill>
@@ -27771,7 +27861,7 @@
               <a:t>istr</a:t>
             </a:r>
             <a:r>
-              <a:rPr lang="en-US" sz="3000" b="1" dirty="0">
+              <a:rPr lang="en-US" sz="3000" dirty="0">
                 <a:solidFill>
                   <a:srgbClr val="FFFF00"/>
                 </a:solidFill>
@@ -27782,7 +27872,7 @@
               </a:rPr>
               <a:t>) </a:t>
             </a:r>
-            <a:endParaRPr lang="en-US" sz="3000" b="1" i="0" u="none" strike="noStrike" cap="none" dirty="0">
+            <a:endParaRPr lang="en-US" sz="3000" i="0" u="none" strike="noStrike" cap="none" dirty="0">
               <a:solidFill>
                 <a:srgbClr val="FFFF00"/>
               </a:solidFill>
@@ -28517,7 +28607,7 @@
   <p:timing>
     <p:tnLst>
       <p:par>
-        <p:cTn id="1" dur="indefinite" restart="never" nodeType="tmRoot"/>
+        <p:cTn xmlns:p14="http://schemas.microsoft.com/office/powerpoint/2010/main" id="1" dur="indefinite" restart="never" nodeType="tmRoot"/>
       </p:par>
     </p:tnLst>
   </p:timing>
@@ -28641,7 +28731,7 @@
               <a:buNone/>
             </a:pPr>
             <a:r>
-              <a:rPr lang="en-US" sz="3000" b="1" i="0" u="none" strike="noStrike" cap="none" dirty="0">
+              <a:rPr lang="en-US" sz="3000" i="0" u="none" strike="noStrike" cap="none" dirty="0">
                 <a:solidFill>
                   <a:schemeClr val="lt1"/>
                 </a:solidFill>
@@ -28653,7 +28743,7 @@
               <a:t>$ </a:t>
             </a:r>
             <a:r>
-              <a:rPr lang="en-US" sz="3000" b="1" i="0" u="none" strike="noStrike" cap="none" dirty="0" smtClean="0">
+              <a:rPr lang="en-US" sz="3000" i="0" u="none" strike="noStrike" cap="none" dirty="0" smtClean="0">
                 <a:solidFill>
                   <a:srgbClr val="FFFF00"/>
                 </a:solidFill>
@@ -28665,7 +28755,7 @@
               <a:t>python3 </a:t>
             </a:r>
             <a:r>
-              <a:rPr lang="en-US" sz="3000" b="1" i="0" u="none" strike="noStrike" cap="none" dirty="0" err="1">
+              <a:rPr lang="en-US" sz="3000" i="0" u="none" strike="noStrike" cap="none" dirty="0" err="1">
                 <a:solidFill>
                   <a:srgbClr val="FFFF00"/>
                 </a:solidFill>
@@ -28677,7 +28767,7 @@
               <a:t>trynum.py</a:t>
             </a:r>
             <a:r>
-              <a:rPr lang="en-US" sz="3000" b="1" i="0" u="none" strike="noStrike" cap="none" dirty="0">
+              <a:rPr lang="en-US" sz="3000" i="0" u="none" strike="noStrike" cap="none" dirty="0">
                 <a:solidFill>
                   <a:schemeClr val="lt1"/>
                 </a:solidFill>
@@ -28708,7 +28798,7 @@
               <a:buNone/>
             </a:pPr>
             <a:r>
-              <a:rPr lang="en-US" sz="3000" b="1" i="0" u="none" strike="noStrike" cap="none" dirty="0">
+              <a:rPr lang="en-US" sz="3000" i="0" u="none" strike="noStrike" cap="none" dirty="0">
                 <a:solidFill>
                   <a:schemeClr val="lt1"/>
                 </a:solidFill>
@@ -28720,7 +28810,7 @@
               <a:t>Enter a number:</a:t>
             </a:r>
             <a:r>
-              <a:rPr lang="en-US" sz="3000" b="1" i="0" u="none" strike="noStrike" cap="none" dirty="0">
+              <a:rPr lang="en-US" sz="3000" i="0" u="none" strike="noStrike" cap="none" dirty="0">
                 <a:solidFill>
                   <a:srgbClr val="FFFF00"/>
                 </a:solidFill>
@@ -28751,7 +28841,7 @@
               <a:buNone/>
             </a:pPr>
             <a:r>
-              <a:rPr lang="en-US" sz="3000" b="1" i="0" u="none" strike="noStrike" cap="none" dirty="0">
+              <a:rPr lang="en-US" sz="3000" i="0" u="none" strike="noStrike" cap="none" dirty="0">
                 <a:solidFill>
                   <a:schemeClr val="lt1"/>
                 </a:solidFill>
@@ -28782,7 +28872,7 @@
               <a:buNone/>
             </a:pPr>
             <a:r>
-              <a:rPr lang="en-US" sz="3000" b="1" i="0" u="none" strike="noStrike" cap="none" dirty="0">
+              <a:rPr lang="en-US" sz="3000" i="0" u="none" strike="noStrike" cap="none" dirty="0">
                 <a:solidFill>
                   <a:schemeClr val="lt1"/>
                 </a:solidFill>
@@ -28794,7 +28884,7 @@
               <a:t>$ </a:t>
             </a:r>
             <a:r>
-              <a:rPr lang="en-US" sz="3000" b="1" i="0" u="none" strike="noStrike" cap="none" dirty="0" smtClean="0">
+              <a:rPr lang="en-US" sz="3000" i="0" u="none" strike="noStrike" cap="none" dirty="0" smtClean="0">
                 <a:solidFill>
                   <a:srgbClr val="FFFF00"/>
                 </a:solidFill>
@@ -28806,7 +28896,7 @@
               <a:t>python3 </a:t>
             </a:r>
             <a:r>
-              <a:rPr lang="en-US" sz="3000" b="1" i="0" u="none" strike="noStrike" cap="none" dirty="0" err="1">
+              <a:rPr lang="en-US" sz="3000" i="0" u="none" strike="noStrike" cap="none" dirty="0" err="1">
                 <a:solidFill>
                   <a:srgbClr val="FFFF00"/>
                 </a:solidFill>
@@ -28817,7 +28907,7 @@
               </a:rPr>
               <a:t>trynum.py</a:t>
             </a:r>
-            <a:endParaRPr lang="en-US" sz="3000" b="1" i="0" u="none" strike="noStrike" cap="none" dirty="0">
+            <a:endParaRPr lang="en-US" sz="3000" i="0" u="none" strike="noStrike" cap="none" dirty="0">
               <a:solidFill>
                 <a:srgbClr val="FFFF00"/>
               </a:solidFill>
@@ -28846,7 +28936,7 @@
               <a:buNone/>
             </a:pPr>
             <a:r>
-              <a:rPr lang="en-US" sz="3000" b="1" i="0" u="none" strike="noStrike" cap="none" dirty="0">
+              <a:rPr lang="en-US" sz="3000" i="0" u="none" strike="noStrike" cap="none" dirty="0">
                 <a:solidFill>
                   <a:schemeClr val="lt1"/>
                 </a:solidFill>
@@ -28858,7 +28948,7 @@
               <a:t>Enter a </a:t>
             </a:r>
             <a:r>
-              <a:rPr lang="en-US" sz="3000" b="1" i="0" u="none" strike="noStrike" cap="none" dirty="0" err="1">
+              <a:rPr lang="en-US" sz="3000" i="0" u="none" strike="noStrike" cap="none" dirty="0" err="1">
                 <a:solidFill>
                   <a:schemeClr val="lt1"/>
                 </a:solidFill>
@@ -28870,7 +28960,7 @@
               <a:t>number:</a:t>
             </a:r>
             <a:r>
-              <a:rPr lang="en-US" sz="3000" b="1" i="0" u="none" strike="noStrike" cap="none" dirty="0" err="1">
+              <a:rPr lang="en-US" sz="3000" i="0" u="none" strike="noStrike" cap="none" dirty="0" err="1">
                 <a:solidFill>
                   <a:srgbClr val="FFFF00"/>
                 </a:solidFill>
@@ -28881,7 +28971,7 @@
               </a:rPr>
               <a:t>forty-two</a:t>
             </a:r>
-            <a:endParaRPr lang="en-US" sz="3000" b="1" i="0" u="none" strike="noStrike" cap="none" dirty="0">
+            <a:endParaRPr lang="en-US" sz="3000" i="0" u="none" strike="noStrike" cap="none" dirty="0">
               <a:solidFill>
                 <a:srgbClr val="FFFF00"/>
               </a:solidFill>
@@ -28910,7 +29000,7 @@
               <a:buNone/>
             </a:pPr>
             <a:r>
-              <a:rPr lang="en-US" sz="3000" b="1" i="0" u="none" strike="noStrike" cap="none" dirty="0">
+              <a:rPr lang="en-US" sz="3000" i="0" u="none" strike="noStrike" cap="none" dirty="0">
                 <a:solidFill>
                   <a:schemeClr val="lt1"/>
                 </a:solidFill>
@@ -28941,7 +29031,7 @@
               <a:buNone/>
             </a:pPr>
             <a:r>
-              <a:rPr lang="en-US" sz="3000" b="1" i="0" u="none" strike="noStrike" cap="none" dirty="0">
+              <a:rPr lang="en-US" sz="3000" i="0" u="none" strike="noStrike" cap="none" dirty="0">
                 <a:solidFill>
                   <a:schemeClr val="lt1"/>
                 </a:solidFill>
@@ -28998,7 +29088,7 @@
               <a:buNone/>
             </a:pPr>
             <a:r>
-              <a:rPr lang="en-US" sz="3000" b="1" i="0" u="none" strike="noStrike" cap="none" dirty="0" err="1">
+              <a:rPr lang="en-US" sz="3000" i="0" u="none" strike="noStrike" cap="none" dirty="0" err="1">
                 <a:solidFill>
                   <a:srgbClr val="00FF00"/>
                 </a:solidFill>
@@ -29010,7 +29100,7 @@
               <a:t>rawstr</a:t>
             </a:r>
             <a:r>
-              <a:rPr lang="en-US" sz="3000" b="1" i="0" u="none" strike="noStrike" cap="none" dirty="0">
+              <a:rPr lang="en-US" sz="3000" i="0" u="none" strike="noStrike" cap="none" dirty="0">
                 <a:solidFill>
                   <a:srgbClr val="00FF00"/>
                 </a:solidFill>
@@ -29022,7 +29112,7 @@
               <a:t> = </a:t>
             </a:r>
             <a:r>
-              <a:rPr lang="en-US" sz="3000" b="1" i="0" u="none" strike="noStrike" cap="none" dirty="0" smtClean="0">
+              <a:rPr lang="en-US" sz="3000" i="0" u="none" strike="noStrike" cap="none" dirty="0" smtClean="0">
                 <a:solidFill>
                   <a:srgbClr val="00FF00"/>
                 </a:solidFill>
@@ -29034,7 +29124,7 @@
               <a:t>input(</a:t>
             </a:r>
             <a:r>
-              <a:rPr lang="en-US" sz="3000" b="1" i="0" u="none" strike="noStrike" cap="none" dirty="0">
+              <a:rPr lang="en-US" sz="3000" i="0" u="none" strike="noStrike" cap="none" dirty="0">
                 <a:solidFill>
                   <a:srgbClr val="00FF00"/>
                 </a:solidFill>
@@ -29065,7 +29155,7 @@
               <a:buNone/>
             </a:pPr>
             <a:r>
-              <a:rPr lang="en-US" sz="3000" b="1" i="0" u="none" strike="noStrike" cap="none" dirty="0">
+              <a:rPr lang="en-US" sz="3000" i="0" u="none" strike="noStrike" cap="none" dirty="0">
                 <a:solidFill>
                   <a:srgbClr val="00FF00"/>
                 </a:solidFill>
@@ -29096,7 +29186,7 @@
               <a:buNone/>
             </a:pPr>
             <a:r>
-              <a:rPr lang="en-US" sz="3000" b="1" i="0" u="none" strike="noStrike" cap="none" dirty="0">
+              <a:rPr lang="en-US" sz="3000" i="0" u="none" strike="noStrike" cap="none" dirty="0">
                 <a:solidFill>
                   <a:srgbClr val="00FF00"/>
                 </a:solidFill>
@@ -29108,7 +29198,7 @@
               <a:t>    </a:t>
             </a:r>
             <a:r>
-              <a:rPr lang="en-US" sz="3000" b="1" i="0" u="none" strike="noStrike" cap="none" dirty="0" err="1">
+              <a:rPr lang="en-US" sz="3000" i="0" u="none" strike="noStrike" cap="none" dirty="0" err="1">
                 <a:solidFill>
                   <a:srgbClr val="00FF00"/>
                 </a:solidFill>
@@ -29120,7 +29210,7 @@
               <a:t>ival</a:t>
             </a:r>
             <a:r>
-              <a:rPr lang="en-US" sz="3000" b="1" i="0" u="none" strike="noStrike" cap="none" dirty="0">
+              <a:rPr lang="en-US" sz="3000" i="0" u="none" strike="noStrike" cap="none" dirty="0">
                 <a:solidFill>
                   <a:srgbClr val="00FF00"/>
                 </a:solidFill>
@@ -29132,7 +29222,7 @@
               <a:t> = </a:t>
             </a:r>
             <a:r>
-              <a:rPr lang="en-US" sz="3000" b="1" i="0" u="none" strike="noStrike" cap="none" dirty="0" err="1">
+              <a:rPr lang="en-US" sz="3000" i="0" u="none" strike="noStrike" cap="none" dirty="0" err="1">
                 <a:solidFill>
                   <a:srgbClr val="00FF00"/>
                 </a:solidFill>
@@ -29144,7 +29234,7 @@
               <a:t>int</a:t>
             </a:r>
             <a:r>
-              <a:rPr lang="en-US" sz="3000" b="1" i="0" u="none" strike="noStrike" cap="none" dirty="0">
+              <a:rPr lang="en-US" sz="3000" i="0" u="none" strike="noStrike" cap="none" dirty="0">
                 <a:solidFill>
                   <a:srgbClr val="00FF00"/>
                 </a:solidFill>
@@ -29156,7 +29246,7 @@
               <a:t>(</a:t>
             </a:r>
             <a:r>
-              <a:rPr lang="en-US" sz="3000" b="1" i="0" u="none" strike="noStrike" cap="none" dirty="0" err="1">
+              <a:rPr lang="en-US" sz="3000" i="0" u="none" strike="noStrike" cap="none" dirty="0" err="1">
                 <a:solidFill>
                   <a:srgbClr val="00FF00"/>
                 </a:solidFill>
@@ -29168,7 +29258,7 @@
               <a:t>rawstr</a:t>
             </a:r>
             <a:r>
-              <a:rPr lang="en-US" sz="3000" b="1" i="0" u="none" strike="noStrike" cap="none" dirty="0">
+              <a:rPr lang="en-US" sz="3000" i="0" u="none" strike="noStrike" cap="none" dirty="0">
                 <a:solidFill>
                   <a:srgbClr val="00FF00"/>
                 </a:solidFill>
@@ -29199,7 +29289,7 @@
               <a:buNone/>
             </a:pPr>
             <a:r>
-              <a:rPr lang="en-US" sz="3000" b="1" i="0" u="none" strike="noStrike" cap="none" dirty="0">
+              <a:rPr lang="en-US" sz="3000" i="0" u="none" strike="noStrike" cap="none" dirty="0">
                 <a:solidFill>
                   <a:srgbClr val="00FF00"/>
                 </a:solidFill>
@@ -29230,7 +29320,7 @@
               <a:buNone/>
             </a:pPr>
             <a:r>
-              <a:rPr lang="en-US" sz="3000" b="1" i="0" u="none" strike="noStrike" cap="none" dirty="0">
+              <a:rPr lang="en-US" sz="3000" i="0" u="none" strike="noStrike" cap="none" dirty="0">
                 <a:solidFill>
                   <a:srgbClr val="00FF00"/>
                 </a:solidFill>
@@ -29242,7 +29332,7 @@
               <a:t>    </a:t>
             </a:r>
             <a:r>
-              <a:rPr lang="en-US" sz="3000" b="1" i="0" u="none" strike="noStrike" cap="none" dirty="0" err="1">
+              <a:rPr lang="en-US" sz="3000" i="0" u="none" strike="noStrike" cap="none" dirty="0" err="1">
                 <a:solidFill>
                   <a:srgbClr val="FF9900"/>
                 </a:solidFill>
@@ -29254,7 +29344,7 @@
               <a:t>ival</a:t>
             </a:r>
             <a:r>
-              <a:rPr lang="en-US" sz="3000" b="1" i="0" u="none" strike="noStrike" cap="none" dirty="0">
+              <a:rPr lang="en-US" sz="3000" i="0" u="none" strike="noStrike" cap="none" dirty="0">
                 <a:solidFill>
                   <a:srgbClr val="FF9900"/>
                 </a:solidFill>
@@ -29284,7 +29374,7 @@
               <a:buFont typeface="Cabin"/>
               <a:buNone/>
             </a:pPr>
-            <a:endParaRPr lang="en-US" sz="3000" b="1" dirty="0">
+            <a:endParaRPr lang="en-US" sz="3000" dirty="0">
               <a:solidFill>
                 <a:srgbClr val="00FF00"/>
               </a:solidFill>
@@ -29313,7 +29403,7 @@
               <a:buNone/>
             </a:pPr>
             <a:r>
-              <a:rPr lang="en-US" sz="3000" b="1" i="0" u="none" strike="noStrike" cap="none" dirty="0" smtClean="0">
+              <a:rPr lang="en-US" sz="3000" i="0" u="none" strike="noStrike" cap="none" dirty="0" smtClean="0">
                 <a:solidFill>
                   <a:srgbClr val="00FF00"/>
                 </a:solidFill>
@@ -29325,7 +29415,7 @@
               <a:t>if </a:t>
             </a:r>
             <a:r>
-              <a:rPr lang="en-US" sz="3000" b="1" i="0" u="none" strike="noStrike" cap="none" dirty="0" err="1">
+              <a:rPr lang="en-US" sz="3000" i="0" u="none" strike="noStrike" cap="none" dirty="0" err="1">
                 <a:solidFill>
                   <a:srgbClr val="00FF00"/>
                 </a:solidFill>
@@ -29337,7 +29427,7 @@
               <a:t>ival</a:t>
             </a:r>
             <a:r>
-              <a:rPr lang="en-US" sz="3000" b="1" i="0" u="none" strike="noStrike" cap="none" dirty="0">
+              <a:rPr lang="en-US" sz="3000" i="0" u="none" strike="noStrike" cap="none" dirty="0">
                 <a:solidFill>
                   <a:srgbClr val="00FF00"/>
                 </a:solidFill>
@@ -29357,7 +29447,7 @@
               <a:buSzPct val="25000"/>
             </a:pPr>
             <a:r>
-              <a:rPr lang="en-US" sz="3000" b="1" i="0" u="none" strike="noStrike" cap="none" dirty="0">
+              <a:rPr lang="en-US" sz="3000" i="0" u="none" strike="noStrike" cap="none" dirty="0">
                 <a:solidFill>
                   <a:srgbClr val="00FF00"/>
                 </a:solidFill>
@@ -29369,7 +29459,7 @@
               <a:t>    </a:t>
             </a:r>
             <a:r>
-              <a:rPr lang="en-US" sz="3000" b="1" i="0" u="none" strike="noStrike" cap="none" dirty="0" smtClean="0">
+              <a:rPr lang="en-US" sz="3000" i="0" u="none" strike="noStrike" cap="none" dirty="0" smtClean="0">
                 <a:solidFill>
                   <a:srgbClr val="00FF00"/>
                 </a:solidFill>
@@ -29381,7 +29471,7 @@
               <a:t>print('Nice </a:t>
             </a:r>
             <a:r>
-              <a:rPr lang="en-US" sz="3000" b="1" i="0" u="none" strike="noStrike" cap="none" dirty="0">
+              <a:rPr lang="en-US" sz="3000" i="0" u="none" strike="noStrike" cap="none" dirty="0">
                 <a:solidFill>
                   <a:srgbClr val="00FF00"/>
                 </a:solidFill>
@@ -29393,7 +29483,7 @@
               <a:t>work</a:t>
             </a:r>
             <a:r>
-              <a:rPr lang="en-US" sz="3000" b="1" dirty="0">
+              <a:rPr lang="en-US" sz="3000" dirty="0">
                 <a:solidFill>
                   <a:srgbClr val="00FF00"/>
                 </a:solidFill>
@@ -29404,7 +29494,7 @@
               </a:rPr>
               <a:t>')</a:t>
             </a:r>
-            <a:endParaRPr lang="en-US" sz="3000" b="1" i="0" u="none" strike="noStrike" cap="none" dirty="0">
+            <a:endParaRPr lang="en-US" sz="3000" i="0" u="none" strike="noStrike" cap="none" dirty="0">
               <a:solidFill>
                 <a:srgbClr val="00FF00"/>
               </a:solidFill>
@@ -29433,7 +29523,7 @@
               <a:buNone/>
             </a:pPr>
             <a:r>
-              <a:rPr lang="en-US" sz="3000" b="1" i="0" u="none" strike="noStrike" cap="none" dirty="0">
+              <a:rPr lang="en-US" sz="3000" i="0" u="none" strike="noStrike" cap="none" dirty="0">
                 <a:solidFill>
                   <a:srgbClr val="00FF00"/>
                 </a:solidFill>
@@ -29453,7 +29543,7 @@
               <a:buSzPct val="25000"/>
             </a:pPr>
             <a:r>
-              <a:rPr lang="en-US" sz="3000" b="1" i="0" u="none" strike="noStrike" cap="none" dirty="0">
+              <a:rPr lang="en-US" sz="3000" i="0" u="none" strike="noStrike" cap="none" dirty="0">
                 <a:solidFill>
                   <a:srgbClr val="00FF00"/>
                 </a:solidFill>
@@ -29465,7 +29555,7 @@
               <a:t>    </a:t>
             </a:r>
             <a:r>
-              <a:rPr lang="en-US" sz="3000" b="1" i="0" u="none" strike="noStrike" cap="none" dirty="0" smtClean="0">
+              <a:rPr lang="en-US" sz="3000" i="0" u="none" strike="noStrike" cap="none" dirty="0" smtClean="0">
                 <a:solidFill>
                   <a:srgbClr val="00FF00"/>
                 </a:solidFill>
@@ -29477,7 +29567,7 @@
               <a:t>print('Not </a:t>
             </a:r>
             <a:r>
-              <a:rPr lang="en-US" sz="3000" b="1" i="0" u="none" strike="noStrike" cap="none" dirty="0">
+              <a:rPr lang="en-US" sz="3000" i="0" u="none" strike="noStrike" cap="none" dirty="0">
                 <a:solidFill>
                   <a:srgbClr val="00FF00"/>
                 </a:solidFill>
@@ -29489,7 +29579,7 @@
               <a:t>a number</a:t>
             </a:r>
             <a:r>
-              <a:rPr lang="en-US" sz="3000" b="1" dirty="0">
+              <a:rPr lang="en-US" sz="3000" dirty="0">
                 <a:solidFill>
                   <a:srgbClr val="00FF00"/>
                 </a:solidFill>
@@ -29500,7 +29590,7 @@
               </a:rPr>
               <a:t>')</a:t>
             </a:r>
-            <a:endParaRPr lang="en-US" sz="3000" b="1" i="0" u="none" strike="noStrike" cap="none" dirty="0">
+            <a:endParaRPr lang="en-US" sz="3000" i="0" u="none" strike="noStrike" cap="none" dirty="0">
               <a:solidFill>
                 <a:srgbClr val="00FF00"/>
               </a:solidFill>
@@ -29520,7 +29610,7 @@
   <p:timing>
     <p:tnLst>
       <p:par>
-        <p:cTn id="1" dur="indefinite" restart="never" nodeType="tmRoot"/>
+        <p:cTn xmlns:p14="http://schemas.microsoft.com/office/powerpoint/2010/main" id="1" dur="indefinite" restart="never" nodeType="tmRoot"/>
       </p:par>
     </p:tnLst>
   </p:timing>
@@ -29610,7 +29700,7 @@
         <p:spPr>
           <a:xfrm>
             <a:off x="2476500" y="2182600"/>
-            <a:ext cx="10706100" cy="4013100"/>
+            <a:ext cx="10706100" cy="4702556"/>
           </a:xfrm>
           <a:prstGeom prst="rect">
             <a:avLst/>
@@ -29780,6 +29870,43 @@
               </a:rPr>
               <a:t> </a:t>
             </a:r>
+            <a:endParaRPr lang="en-US" sz="3800" u="none" strike="noStrike" cap="none" dirty="0" smtClean="0">
+              <a:solidFill>
+                <a:schemeClr val="lt1"/>
+              </a:solidFill>
+              <a:latin typeface="Courier" charset="0"/>
+              <a:ea typeface="Courier" charset="0"/>
+              <a:cs typeface="Courier" charset="0"/>
+              <a:sym typeface="Cabin"/>
+            </a:endParaRPr>
+          </a:p>
+          <a:p>
+            <a:pPr marL="0" marR="0" lvl="0" indent="0" algn="l" rtl="0">
+              <a:lnSpc>
+                <a:spcPct val="100000"/>
+              </a:lnSpc>
+              <a:spcBef>
+                <a:spcPts val="0"/>
+              </a:spcBef>
+              <a:spcAft>
+                <a:spcPts val="0"/>
+              </a:spcAft>
+              <a:buClr>
+                <a:schemeClr val="lt1"/>
+              </a:buClr>
+              <a:buSzPct val="25000"/>
+              <a:buFont typeface="Cabin"/>
+              <a:buNone/>
+            </a:pPr>
+            <a:endParaRPr lang="en-US" sz="3800" u="none" strike="noStrike" cap="none" dirty="0">
+              <a:solidFill>
+                <a:schemeClr val="lt1"/>
+              </a:solidFill>
+              <a:latin typeface="Courier" charset="0"/>
+              <a:ea typeface="Courier" charset="0"/>
+              <a:cs typeface="Courier" charset="0"/>
+              <a:sym typeface="Cabin"/>
+            </a:endParaRPr>
           </a:p>
           <a:p>
             <a:pPr marL="0" marR="0" lvl="0" indent="0" algn="l" rtl="0">
@@ -29879,7 +30006,7 @@
   <p:timing>
     <p:tnLst>
       <p:par>
-        <p:cTn id="1" dur="indefinite" restart="never" nodeType="tmRoot"/>
+        <p:cTn xmlns:p14="http://schemas.microsoft.com/office/powerpoint/2010/main" id="1" dur="indefinite" restart="never" nodeType="tmRoot"/>
       </p:par>
     </p:tnLst>
   </p:timing>
@@ -30083,19 +30210,55 @@
                 <a:cs typeface="Arial" charset="0"/>
                 <a:sym typeface="Cabin"/>
               </a:rPr>
-              <a:t>comparison operators</a:t>
+              <a:t>comparison </a:t>
+            </a:r>
+            <a:r>
+              <a:rPr lang="en-US" sz="2800" u="none" strike="noStrike" cap="none" dirty="0" smtClean="0">
+                <a:solidFill>
+                  <a:srgbClr val="00FFFF"/>
+                </a:solidFill>
+                <a:latin typeface="Arial" charset="0"/>
+                <a:ea typeface="Arial" charset="0"/>
+                <a:cs typeface="Arial" charset="0"/>
+                <a:sym typeface="Cabin"/>
+              </a:rPr>
+              <a:t>operators</a:t>
+            </a:r>
+            <a:r>
+              <a:rPr lang="en-US" sz="2800" u="none" strike="noStrike" cap="none" dirty="0" smtClean="0">
+                <a:solidFill>
+                  <a:srgbClr val="FFFFFF"/>
+                </a:solidFill>
+                <a:latin typeface="Arial" charset="0"/>
+                <a:ea typeface="Arial" charset="0"/>
+                <a:cs typeface="Arial" charset="0"/>
+                <a:sym typeface="Cabin"/>
+              </a:rPr>
+              <a:t> </a:t>
             </a:r>
             <a:r>
               <a:rPr lang="en-US" sz="2800" u="none" strike="noStrike" cap="none" dirty="0">
                 <a:solidFill>
-                  <a:srgbClr val="FFFF00"/>
-                </a:solidFill>
-                <a:latin typeface="Arial" charset="0"/>
-                <a:ea typeface="Arial" charset="0"/>
-                <a:cs typeface="Arial" charset="0"/>
-                <a:sym typeface="Cabin"/>
-              </a:rPr>
-              <a:t> </a:t>
+                  <a:srgbClr val="FFFFFF"/>
+                </a:solidFill>
+                <a:latin typeface="Arial" charset="0"/>
+                <a:ea typeface="Arial" charset="0"/>
+                <a:cs typeface="Arial" charset="0"/>
+                <a:sym typeface="Cabin"/>
+              </a:rPr>
+              <a:t>evaluate to </a:t>
+            </a:r>
+            <a:r>
+              <a:rPr lang="en-US" sz="2800" u="none" strike="noStrike" cap="none" dirty="0" smtClean="0">
+                <a:solidFill>
+                  <a:srgbClr val="FFFFFF"/>
+                </a:solidFill>
+                <a:latin typeface="Arial" charset="0"/>
+                <a:ea typeface="Arial" charset="0"/>
+                <a:cs typeface="Arial" charset="0"/>
+                <a:sym typeface="Cabin"/>
+              </a:rPr>
+              <a:t>True </a:t>
             </a:r>
             <a:r>
               <a:rPr lang="en-US" sz="2800" u="none" strike="noStrike" cap="none" dirty="0">
@@ -30107,7 +30270,31 @@
                 <a:cs typeface="Arial" charset="0"/>
                 <a:sym typeface="Cabin"/>
               </a:rPr>
-              <a:t> evaluate to - True / False - Yes / No</a:t>
+              <a:t>/ False </a:t>
+            </a:r>
+            <a:r>
+              <a:rPr lang="en-US" sz="2800" u="none" strike="noStrike" cap="none" dirty="0" smtClean="0">
+                <a:solidFill>
+                  <a:srgbClr val="FFFFFF"/>
+                </a:solidFill>
+                <a:latin typeface="Arial" charset="0"/>
+                <a:ea typeface="Arial" charset="0"/>
+                <a:cs typeface="Arial" charset="0"/>
+                <a:sym typeface="Cabin"/>
+              </a:rPr>
+              <a:t>or </a:t>
+            </a:r>
+            <a:r>
+              <a:rPr lang="en-US" sz="2800" u="none" strike="noStrike" cap="none" dirty="0">
+                <a:solidFill>
+                  <a:srgbClr val="FFFFFF"/>
+                </a:solidFill>
+                <a:latin typeface="Arial" charset="0"/>
+                <a:ea typeface="Arial" charset="0"/>
+                <a:cs typeface="Arial" charset="0"/>
+                <a:sym typeface="Cabin"/>
+              </a:rPr>
+              <a:t>Yes / No</a:t>
             </a:r>
           </a:p>
           <a:p>
@@ -30313,14 +30500,14 @@
           <p:nvPr>
             <p:extLst>
               <p:ext uri="{D42A27DB-BD31-4B8C-83A1-F6EECF244321}">
-                <p14:modId xmlns:p14="http://schemas.microsoft.com/office/powerpoint/2010/main" val="1535245772"/>
+                <p14:modId xmlns:p14="http://schemas.microsoft.com/office/powerpoint/2010/main" val="1010415373"/>
               </p:ext>
             </p:extLst>
           </p:nvPr>
         </p:nvGraphicFramePr>
         <p:xfrm>
           <a:off x="8440443" y="2530257"/>
-          <a:ext cx="7416800" cy="4345610"/>
+          <a:ext cx="7105516" cy="3873170"/>
         </p:xfrm>
         <a:graphic>
           <a:graphicData uri="http://schemas.openxmlformats.org/drawingml/2006/table">
@@ -30330,8 +30517,8 @@
                 <a:tableStyleId>{B8F067E2-09F7-453C-9FDD-70E00E45BC5A}</a:tableStyleId>
               </a:tblPr>
               <a:tblGrid>
-                <a:gridCol w="3708400"/>
-                <a:gridCol w="3708400"/>
+                <a:gridCol w="2276726"/>
+                <a:gridCol w="4828790"/>
               </a:tblGrid>
               <a:tr h="579425">
                 <a:tc>
@@ -30755,8 +30942,29 @@
                           <a:cs typeface="Arial" charset="0"/>
                           <a:sym typeface="Cabin"/>
                         </a:rPr>
-                        <a:t>Less than or Equal</a:t>
+                        <a:t>Less than or </a:t>
                       </a:r>
+                      <a:r>
+                        <a:rPr lang="en-US" sz="3100" b="0" i="0" u="none" dirty="0" smtClean="0">
+                          <a:solidFill>
+                            <a:schemeClr val="lt1"/>
+                          </a:solidFill>
+                          <a:latin typeface="Arial" charset="0"/>
+                          <a:ea typeface="Arial" charset="0"/>
+                          <a:cs typeface="Arial" charset="0"/>
+                          <a:sym typeface="Cabin"/>
+                        </a:rPr>
+                        <a:t>Equal to</a:t>
+                      </a:r>
+                      <a:endParaRPr lang="en-US" sz="3100" b="0" i="0" u="none" dirty="0">
+                        <a:solidFill>
+                          <a:schemeClr val="lt1"/>
+                        </a:solidFill>
+                        <a:latin typeface="Arial" charset="0"/>
+                        <a:ea typeface="Arial" charset="0"/>
+                        <a:cs typeface="Arial" charset="0"/>
+                        <a:sym typeface="Cabin"/>
+                      </a:endParaRPr>
                     </a:p>
                   </a:txBody>
                   <a:tcPr marL="38100" marR="38100" marT="38100" marB="38100" anchor="ctr">
@@ -31059,8 +31267,29 @@
                           <a:cs typeface="Arial" charset="0"/>
                           <a:sym typeface="Cabin"/>
                         </a:rPr>
-                        <a:t>Greater than or Equal</a:t>
+                        <a:t>Greater than or </a:t>
                       </a:r>
+                      <a:r>
+                        <a:rPr lang="en-US" sz="3100" b="0" i="0" u="none" dirty="0" smtClean="0">
+                          <a:solidFill>
+                            <a:schemeClr val="lt1"/>
+                          </a:solidFill>
+                          <a:latin typeface="Arial" charset="0"/>
+                          <a:ea typeface="Arial" charset="0"/>
+                          <a:cs typeface="Arial" charset="0"/>
+                          <a:sym typeface="Cabin"/>
+                        </a:rPr>
+                        <a:t>Equal to</a:t>
+                      </a:r>
+                      <a:endParaRPr lang="en-US" sz="3100" b="0" i="0" u="none" dirty="0">
+                        <a:solidFill>
+                          <a:schemeClr val="lt1"/>
+                        </a:solidFill>
+                        <a:latin typeface="Arial" charset="0"/>
+                        <a:ea typeface="Arial" charset="0"/>
+                        <a:cs typeface="Arial" charset="0"/>
+                        <a:sym typeface="Cabin"/>
+                      </a:endParaRPr>
                     </a:p>
                   </a:txBody>
                   <a:tcPr marL="38100" marR="38100" marT="38100" marB="38100" anchor="ctr">
@@ -31419,7 +31648,7 @@
   <p:timing>
     <p:tnLst>
       <p:par>
-        <p:cTn id="1" dur="indefinite" restart="never" nodeType="tmRoot"/>
+        <p:cTn xmlns:p14="http://schemas.microsoft.com/office/powerpoint/2010/main" id="1" dur="indefinite" restart="never" nodeType="tmRoot"/>
       </p:par>
     </p:tnLst>
   </p:timing>
@@ -31842,7 +32071,7 @@
   <p:timing>
     <p:tnLst>
       <p:par>
-        <p:cTn id="1" dur="indefinite" restart="never" nodeType="tmRoot"/>
+        <p:cTn xmlns:p14="http://schemas.microsoft.com/office/powerpoint/2010/main" id="1" dur="indefinite" restart="never" nodeType="tmRoot"/>
       </p:par>
     </p:tnLst>
   </p:timing>
@@ -32929,7 +33158,7 @@
               <a:buNone/>
             </a:pPr>
             <a:r>
-              <a:rPr lang="en-US" sz="3000" b="1" i="0" u="none" strike="noStrike" cap="none" dirty="0">
+              <a:rPr lang="en-US" sz="3000" i="0" u="none" strike="noStrike" cap="none" dirty="0">
                 <a:solidFill>
                   <a:schemeClr val="lt1"/>
                 </a:solidFill>
@@ -32960,7 +33189,7 @@
               <a:buNone/>
             </a:pPr>
             <a:r>
-              <a:rPr lang="en-US" sz="3000" b="1" i="0" u="none" strike="noStrike" cap="none" dirty="0">
+              <a:rPr lang="en-US" sz="3000" i="0" u="none" strike="noStrike" cap="none" dirty="0">
                 <a:solidFill>
                   <a:srgbClr val="00FF00"/>
                 </a:solidFill>
@@ -32980,7 +33209,7 @@
               <a:buSzPct val="25000"/>
             </a:pPr>
             <a:r>
-              <a:rPr lang="en-US" sz="3000" b="1" i="0" u="none" strike="noStrike" cap="none" dirty="0">
+              <a:rPr lang="en-US" sz="3000" i="0" u="none" strike="noStrike" cap="none" dirty="0">
                 <a:solidFill>
                   <a:srgbClr val="00FF00"/>
                 </a:solidFill>
@@ -32992,7 +33221,7 @@
               <a:t>    </a:t>
             </a:r>
             <a:r>
-              <a:rPr lang="en-US" sz="3000" b="1" i="0" u="none" strike="noStrike" cap="none" dirty="0" smtClean="0">
+              <a:rPr lang="en-US" sz="3000" i="0" u="none" strike="noStrike" cap="none" dirty="0" smtClean="0">
                 <a:solidFill>
                   <a:srgbClr val="00FF00"/>
                 </a:solidFill>
@@ -33004,7 +33233,7 @@
               <a:t>print('Equals </a:t>
             </a:r>
             <a:r>
-              <a:rPr lang="en-US" sz="3000" b="1" i="0" u="none" strike="noStrike" cap="none" dirty="0">
+              <a:rPr lang="en-US" sz="3000" i="0" u="none" strike="noStrike" cap="none" dirty="0">
                 <a:solidFill>
                   <a:srgbClr val="00FF00"/>
                 </a:solidFill>
@@ -33016,7 +33245,7 @@
               <a:t>5</a:t>
             </a:r>
             <a:r>
-              <a:rPr lang="en-US" sz="3000" b="1" dirty="0">
+              <a:rPr lang="en-US" sz="3000" dirty="0">
                 <a:solidFill>
                   <a:srgbClr val="00FF00"/>
                 </a:solidFill>
@@ -33027,7 +33256,7 @@
               </a:rPr>
               <a:t>')</a:t>
             </a:r>
-            <a:endParaRPr lang="en-US" sz="3000" b="1" i="0" u="none" strike="noStrike" cap="none" dirty="0">
+            <a:endParaRPr lang="en-US" sz="3000" i="0" u="none" strike="noStrike" cap="none" dirty="0">
               <a:solidFill>
                 <a:srgbClr val="00FF00"/>
               </a:solidFill>
@@ -33056,7 +33285,7 @@
               <a:buNone/>
             </a:pPr>
             <a:r>
-              <a:rPr lang="en-US" sz="3000" b="1" i="0" u="none" strike="noStrike" cap="none" dirty="0">
+              <a:rPr lang="en-US" sz="3000" i="0" u="none" strike="noStrike" cap="none" dirty="0">
                 <a:solidFill>
                   <a:srgbClr val="FF00FF"/>
                 </a:solidFill>
@@ -33076,7 +33305,7 @@
               <a:buSzPct val="25000"/>
             </a:pPr>
             <a:r>
-              <a:rPr lang="en-US" sz="3000" b="1" i="0" u="none" strike="noStrike" cap="none" dirty="0">
+              <a:rPr lang="en-US" sz="3000" i="0" u="none" strike="noStrike" cap="none" dirty="0">
                 <a:solidFill>
                   <a:srgbClr val="FF00FF"/>
                 </a:solidFill>
@@ -33088,7 +33317,7 @@
               <a:t>   </a:t>
             </a:r>
             <a:r>
-              <a:rPr lang="en-US" sz="3000" b="1" i="0" u="none" strike="noStrike" cap="none" dirty="0" smtClean="0">
+              <a:rPr lang="en-US" sz="3000" i="0" u="none" strike="noStrike" cap="none" dirty="0" smtClean="0">
                 <a:solidFill>
                   <a:srgbClr val="FF00FF"/>
                 </a:solidFill>
@@ -33100,7 +33329,7 @@
               <a:t>print('Greater </a:t>
             </a:r>
             <a:r>
-              <a:rPr lang="en-US" sz="3000" b="1" i="0" u="none" strike="noStrike" cap="none" dirty="0">
+              <a:rPr lang="en-US" sz="3000" i="0" u="none" strike="noStrike" cap="none" dirty="0">
                 <a:solidFill>
                   <a:srgbClr val="FF00FF"/>
                 </a:solidFill>
@@ -33112,7 +33341,7 @@
               <a:t>than 4</a:t>
             </a:r>
             <a:r>
-              <a:rPr lang="en-US" sz="3000" b="1" dirty="0" smtClean="0">
+              <a:rPr lang="en-US" sz="3000" dirty="0" smtClean="0">
                 <a:solidFill>
                   <a:srgbClr val="FF00FF"/>
                 </a:solidFill>
@@ -33124,7 +33353,7 @@
               <a:t>'</a:t>
             </a:r>
             <a:r>
-              <a:rPr lang="en-US" sz="3000" b="1" dirty="0">
+              <a:rPr lang="en-US" sz="3000" dirty="0">
                 <a:solidFill>
                   <a:srgbClr val="FF00FF"/>
                 </a:solidFill>
@@ -33155,7 +33384,7 @@
               <a:buNone/>
             </a:pPr>
             <a:r>
-              <a:rPr lang="en-US" sz="3000" b="1" i="0" u="none" strike="noStrike" cap="none" dirty="0">
+              <a:rPr lang="en-US" sz="3000" i="0" u="none" strike="noStrike" cap="none" dirty="0">
                 <a:solidFill>
                   <a:srgbClr val="FF9900"/>
                 </a:solidFill>
@@ -33175,7 +33404,7 @@
               <a:buSzPct val="25000"/>
             </a:pPr>
             <a:r>
-              <a:rPr lang="en-US" sz="3000" b="1" i="0" u="none" strike="noStrike" cap="none" dirty="0">
+              <a:rPr lang="en-US" sz="3000" i="0" u="none" strike="noStrike" cap="none" dirty="0">
                 <a:solidFill>
                   <a:srgbClr val="FF9900"/>
                 </a:solidFill>
@@ -33187,7 +33416,7 @@
               <a:t>    </a:t>
             </a:r>
             <a:r>
-              <a:rPr lang="en-US" sz="3000" b="1" i="0" u="none" strike="noStrike" cap="none" dirty="0" smtClean="0">
+              <a:rPr lang="en-US" sz="3000" i="0" u="none" strike="noStrike" cap="none" dirty="0" smtClean="0">
                 <a:solidFill>
                   <a:srgbClr val="FF9900"/>
                 </a:solidFill>
@@ -33199,7 +33428,7 @@
               <a:t>print('Greater </a:t>
             </a:r>
             <a:r>
-              <a:rPr lang="en-US" sz="3000" b="1" i="0" u="none" strike="noStrike" cap="none" dirty="0">
+              <a:rPr lang="en-US" sz="3000" i="0" u="none" strike="noStrike" cap="none" dirty="0">
                 <a:solidFill>
                   <a:srgbClr val="FF9900"/>
                 </a:solidFill>
@@ -33211,7 +33440,7 @@
               <a:t>than or Equals 5</a:t>
             </a:r>
             <a:r>
-              <a:rPr lang="en-US" sz="3000" b="1" dirty="0">
+              <a:rPr lang="en-US" sz="3000" dirty="0">
                 <a:solidFill>
                   <a:srgbClr val="FF9900"/>
                 </a:solidFill>
@@ -33222,7 +33451,7 @@
               </a:rPr>
               <a:t>')</a:t>
             </a:r>
-            <a:endParaRPr lang="en-US" sz="3000" b="1" i="0" u="none" strike="noStrike" cap="none" dirty="0">
+            <a:endParaRPr lang="en-US" sz="3000" i="0" u="none" strike="noStrike" cap="none" dirty="0">
               <a:solidFill>
                 <a:srgbClr val="FF9900"/>
               </a:solidFill>
@@ -33240,7 +33469,7 @@
               <a:buSzPct val="25000"/>
             </a:pPr>
             <a:r>
-              <a:rPr lang="en-US" sz="3000" b="1" i="0" u="none" strike="noStrike" cap="none" dirty="0">
+              <a:rPr lang="en-US" sz="3000" i="0" u="none" strike="noStrike" cap="none" dirty="0">
                 <a:solidFill>
                   <a:srgbClr val="D9D9D9"/>
                 </a:solidFill>
@@ -33252,7 +33481,7 @@
               <a:t>if x &lt; 6 : </a:t>
             </a:r>
             <a:r>
-              <a:rPr lang="en-US" sz="3000" b="1" i="0" u="none" strike="noStrike" cap="none" dirty="0" smtClean="0">
+              <a:rPr lang="en-US" sz="3000" i="0" u="none" strike="noStrike" cap="none" dirty="0" smtClean="0">
                 <a:solidFill>
                   <a:srgbClr val="D9D9D9"/>
                 </a:solidFill>
@@ -33264,7 +33493,7 @@
               <a:t>print('Less </a:t>
             </a:r>
             <a:r>
-              <a:rPr lang="en-US" sz="3000" b="1" i="0" u="none" strike="noStrike" cap="none" dirty="0">
+              <a:rPr lang="en-US" sz="3000" i="0" u="none" strike="noStrike" cap="none" dirty="0">
                 <a:solidFill>
                   <a:srgbClr val="D9D9D9"/>
                 </a:solidFill>
@@ -33276,7 +33505,7 @@
               <a:t>than 6</a:t>
             </a:r>
             <a:r>
-              <a:rPr lang="en-US" sz="3000" b="1" dirty="0">
+              <a:rPr lang="en-US" sz="3000" dirty="0">
                 <a:solidFill>
                   <a:srgbClr val="D9D9D9"/>
                 </a:solidFill>
@@ -33287,7 +33516,7 @@
               </a:rPr>
               <a:t>') </a:t>
             </a:r>
-            <a:endParaRPr lang="en-US" sz="3000" b="1" i="0" u="none" strike="noStrike" cap="none" dirty="0">
+            <a:endParaRPr lang="en-US" sz="3000" i="0" u="none" strike="noStrike" cap="none" dirty="0">
               <a:solidFill>
                 <a:srgbClr val="D9D9D9"/>
               </a:solidFill>
@@ -33316,7 +33545,7 @@
               <a:buNone/>
             </a:pPr>
             <a:r>
-              <a:rPr lang="en-US" sz="3000" b="1" i="0" u="none" strike="noStrike" cap="none" dirty="0">
+              <a:rPr lang="en-US" sz="3000" i="0" u="none" strike="noStrike" cap="none" dirty="0">
                 <a:solidFill>
                   <a:srgbClr val="FFFF00"/>
                 </a:solidFill>
@@ -33336,7 +33565,7 @@
               <a:buSzPct val="25000"/>
             </a:pPr>
             <a:r>
-              <a:rPr lang="en-US" sz="3000" b="1" i="0" u="none" strike="noStrike" cap="none" dirty="0">
+              <a:rPr lang="en-US" sz="3000" i="0" u="none" strike="noStrike" cap="none" dirty="0">
                 <a:solidFill>
                   <a:srgbClr val="FFFF00"/>
                 </a:solidFill>
@@ -33348,7 +33577,7 @@
               <a:t>    </a:t>
             </a:r>
             <a:r>
-              <a:rPr lang="en-US" sz="3000" b="1" i="0" u="none" strike="noStrike" cap="none" dirty="0" smtClean="0">
+              <a:rPr lang="en-US" sz="3000" i="0" u="none" strike="noStrike" cap="none" dirty="0" smtClean="0">
                 <a:solidFill>
                   <a:srgbClr val="FFFF00"/>
                 </a:solidFill>
@@ -33360,7 +33589,7 @@
               <a:t>print('Less </a:t>
             </a:r>
             <a:r>
-              <a:rPr lang="en-US" sz="3000" b="1" i="0" u="none" strike="noStrike" cap="none" dirty="0">
+              <a:rPr lang="en-US" sz="3000" i="0" u="none" strike="noStrike" cap="none" dirty="0">
                 <a:solidFill>
                   <a:srgbClr val="FFFF00"/>
                 </a:solidFill>
@@ -33372,7 +33601,7 @@
               <a:t>than or Equals 5</a:t>
             </a:r>
             <a:r>
-              <a:rPr lang="en-US" sz="3000" b="1" dirty="0" smtClean="0">
+              <a:rPr lang="en-US" sz="3000" dirty="0" smtClean="0">
                 <a:solidFill>
                   <a:srgbClr val="FFFF00"/>
                 </a:solidFill>
@@ -33384,7 +33613,7 @@
               <a:t>'</a:t>
             </a:r>
             <a:r>
-              <a:rPr lang="en-US" sz="3000" b="1" dirty="0">
+              <a:rPr lang="en-US" sz="3000" dirty="0">
                 <a:solidFill>
                   <a:srgbClr val="FFFF00"/>
                 </a:solidFill>
@@ -33415,7 +33644,7 @@
               <a:buNone/>
             </a:pPr>
             <a:r>
-              <a:rPr lang="en-US" sz="3000" b="1" i="0" u="none" strike="noStrike" cap="none" dirty="0">
+              <a:rPr lang="en-US" sz="3000" i="0" u="none" strike="noStrike" cap="none" dirty="0">
                 <a:solidFill>
                   <a:srgbClr val="00FFFF"/>
                 </a:solidFill>
@@ -33435,7 +33664,7 @@
               <a:buSzPct val="25000"/>
             </a:pPr>
             <a:r>
-              <a:rPr lang="en-US" sz="3000" b="1" i="0" u="none" strike="noStrike" cap="none" dirty="0">
+              <a:rPr lang="en-US" sz="3000" i="0" u="none" strike="noStrike" cap="none" dirty="0">
                 <a:solidFill>
                   <a:srgbClr val="00FFFF"/>
                 </a:solidFill>
@@ -33447,7 +33676,7 @@
               <a:t>    </a:t>
             </a:r>
             <a:r>
-              <a:rPr lang="en-US" sz="3000" b="1" i="0" u="none" strike="noStrike" cap="none" dirty="0" smtClean="0">
+              <a:rPr lang="en-US" sz="3000" i="0" u="none" strike="noStrike" cap="none" dirty="0" smtClean="0">
                 <a:solidFill>
                   <a:srgbClr val="00FFFF"/>
                 </a:solidFill>
@@ -33459,7 +33688,7 @@
               <a:t>print('Not </a:t>
             </a:r>
             <a:r>
-              <a:rPr lang="en-US" sz="3000" b="1" i="0" u="none" strike="noStrike" cap="none" dirty="0">
+              <a:rPr lang="en-US" sz="3000" i="0" u="none" strike="noStrike" cap="none" dirty="0">
                 <a:solidFill>
                   <a:srgbClr val="00FFFF"/>
                 </a:solidFill>
@@ -33471,7 +33700,7 @@
               <a:t>equal 6</a:t>
             </a:r>
             <a:r>
-              <a:rPr lang="en-US" sz="3000" b="1" dirty="0">
+              <a:rPr lang="en-US" sz="3000" dirty="0">
                 <a:solidFill>
                   <a:srgbClr val="00FFFF"/>
                 </a:solidFill>
@@ -33482,7 +33711,7 @@
               </a:rPr>
               <a:t>')</a:t>
             </a:r>
-            <a:endParaRPr lang="en-US" sz="3000" b="1" i="0" u="none" strike="noStrike" cap="none" dirty="0">
+            <a:endParaRPr lang="en-US" sz="3000" i="0" u="none" strike="noStrike" cap="none" dirty="0">
               <a:solidFill>
                 <a:srgbClr val="00FFFF"/>
               </a:solidFill>
@@ -33502,8 +33731,8 @@
         </p:nvSpPr>
         <p:spPr>
           <a:xfrm>
-            <a:off x="10513900" y="4006755"/>
-            <a:ext cx="5240762" cy="3324300"/>
+            <a:off x="10513900" y="2985796"/>
+            <a:ext cx="5240762" cy="5202861"/>
           </a:xfrm>
           <a:prstGeom prst="rect">
             <a:avLst/>
@@ -33521,7 +33750,7 @@
           <a:p>
             <a:pPr marL="0" marR="0" lvl="0" indent="0" algn="l" rtl="0">
               <a:lnSpc>
-                <a:spcPct val="115000"/>
+                <a:spcPct val="150000"/>
               </a:lnSpc>
               <a:spcBef>
                 <a:spcPts val="0"/>
@@ -33552,7 +33781,7 @@
           <a:p>
             <a:pPr marL="0" marR="0" lvl="0" indent="0" algn="l" rtl="0">
               <a:lnSpc>
-                <a:spcPct val="115000"/>
+                <a:spcPct val="150000"/>
               </a:lnSpc>
               <a:spcBef>
                 <a:spcPts val="0"/>
@@ -33583,7 +33812,7 @@
           <a:p>
             <a:pPr marL="0" marR="0" lvl="0" indent="0" algn="l" rtl="0">
               <a:lnSpc>
-                <a:spcPct val="115000"/>
+                <a:spcPct val="150000"/>
               </a:lnSpc>
               <a:spcBef>
                 <a:spcPts val="0"/>
@@ -33614,7 +33843,7 @@
           <a:p>
             <a:pPr marL="0" marR="0" lvl="0" indent="0" algn="l" rtl="0">
               <a:lnSpc>
-                <a:spcPct val="115000"/>
+                <a:spcPct val="150000"/>
               </a:lnSpc>
               <a:spcBef>
                 <a:spcPts val="0"/>
@@ -33645,7 +33874,7 @@
           <a:p>
             <a:pPr marL="0" marR="0" lvl="0" indent="0" algn="l" rtl="0">
               <a:lnSpc>
-                <a:spcPct val="115000"/>
+                <a:spcPct val="150000"/>
               </a:lnSpc>
               <a:spcBef>
                 <a:spcPts val="0"/>
@@ -33676,7 +33905,7 @@
           <a:p>
             <a:pPr marL="0" marR="0" lvl="0" indent="0" algn="l" rtl="0">
               <a:lnSpc>
-                <a:spcPct val="115000"/>
+                <a:spcPct val="150000"/>
               </a:lnSpc>
               <a:spcBef>
                 <a:spcPts val="0"/>
@@ -33740,7 +33969,7 @@
   <p:timing>
     <p:tnLst>
       <p:par>
-        <p:cTn id="1" dur="indefinite" restart="never" nodeType="tmRoot"/>
+        <p:cTn xmlns:p14="http://schemas.microsoft.com/office/powerpoint/2010/main" id="1" dur="indefinite" restart="never" nodeType="tmRoot"/>
       </p:par>
     </p:tnLst>
   </p:timing>
@@ -33868,7 +34097,7 @@
               <a:buNone/>
             </a:pPr>
             <a:r>
-              <a:rPr lang="en-US" sz="3200" b="1" i="0" u="none" strike="noStrike" cap="none" dirty="0">
+              <a:rPr lang="en-US" sz="3200" i="0" u="none" strike="noStrike" cap="none" dirty="0">
                 <a:solidFill>
                   <a:schemeClr val="lt1"/>
                 </a:solidFill>
@@ -33888,7 +34117,7 @@
               <a:buSzPct val="25000"/>
             </a:pPr>
             <a:r>
-              <a:rPr lang="en-US" sz="3200" b="1" i="0" u="none" strike="noStrike" cap="none" dirty="0" smtClean="0">
+              <a:rPr lang="en-US" sz="3200" i="0" u="none" strike="noStrike" cap="none" dirty="0" smtClean="0">
                 <a:solidFill>
                   <a:srgbClr val="FF9900"/>
                 </a:solidFill>
@@ -33900,7 +34129,7 @@
               <a:t>print('Before </a:t>
             </a:r>
             <a:r>
-              <a:rPr lang="en-US" sz="3200" b="1" i="0" u="none" strike="noStrike" cap="none" dirty="0">
+              <a:rPr lang="en-US" sz="3200" i="0" u="none" strike="noStrike" cap="none" dirty="0">
                 <a:solidFill>
                   <a:srgbClr val="FF9900"/>
                 </a:solidFill>
@@ -33912,7 +34141,7 @@
               <a:t>5</a:t>
             </a:r>
             <a:r>
-              <a:rPr lang="en-US" sz="3200" b="1" dirty="0" smtClean="0">
+              <a:rPr lang="en-US" sz="3200" dirty="0" smtClean="0">
                 <a:solidFill>
                   <a:srgbClr val="FF9900"/>
                 </a:solidFill>
@@ -33924,7 +34153,7 @@
               <a:t>'</a:t>
             </a:r>
             <a:r>
-              <a:rPr lang="en-US" sz="3200" b="1" dirty="0">
+              <a:rPr lang="en-US" sz="3200" dirty="0">
                 <a:solidFill>
                   <a:srgbClr val="FF9900"/>
                 </a:solidFill>
@@ -33955,7 +34184,7 @@
               <a:buNone/>
             </a:pPr>
             <a:r>
-              <a:rPr lang="en-US" sz="3200" b="1" i="0" u="none" strike="noStrike" cap="none" dirty="0">
+              <a:rPr lang="en-US" sz="3200" i="0" u="none" strike="noStrike" cap="none" dirty="0">
                 <a:solidFill>
                   <a:srgbClr val="00FFFF"/>
                 </a:solidFill>
@@ -33975,7 +34204,7 @@
               <a:buSzPct val="25000"/>
             </a:pPr>
             <a:r>
-              <a:rPr lang="en-US" sz="3200" b="1" i="0" u="none" strike="noStrike" cap="none" dirty="0">
+              <a:rPr lang="en-US" sz="3200" i="0" u="none" strike="noStrike" cap="none" dirty="0">
                 <a:solidFill>
                   <a:srgbClr val="00FFFF"/>
                 </a:solidFill>
@@ -33987,7 +34216,7 @@
               <a:t>    </a:t>
             </a:r>
             <a:r>
-              <a:rPr lang="en-US" sz="3200" b="1" i="0" u="none" strike="noStrike" cap="none" dirty="0" smtClean="0">
+              <a:rPr lang="en-US" sz="3200" i="0" u="none" strike="noStrike" cap="none" dirty="0" smtClean="0">
                 <a:solidFill>
                   <a:srgbClr val="00FFFF"/>
                 </a:solidFill>
@@ -33999,7 +34228,7 @@
               <a:t>print('Is </a:t>
             </a:r>
             <a:r>
-              <a:rPr lang="en-US" sz="3200" b="1" i="0" u="none" strike="noStrike" cap="none" dirty="0">
+              <a:rPr lang="en-US" sz="3200" i="0" u="none" strike="noStrike" cap="none" dirty="0">
                 <a:solidFill>
                   <a:srgbClr val="00FFFF"/>
                 </a:solidFill>
@@ -34011,7 +34240,7 @@
               <a:t>5</a:t>
             </a:r>
             <a:r>
-              <a:rPr lang="en-US" sz="3200" b="1" dirty="0" smtClean="0">
+              <a:rPr lang="en-US" sz="3200" dirty="0" smtClean="0">
                 <a:solidFill>
                   <a:srgbClr val="00FFFF"/>
                 </a:solidFill>
@@ -34023,7 +34252,7 @@
               <a:t>'</a:t>
             </a:r>
             <a:r>
-              <a:rPr lang="en-US" sz="3200" b="1" dirty="0">
+              <a:rPr lang="en-US" sz="3200" dirty="0">
                 <a:solidFill>
                   <a:srgbClr val="00FFFF"/>
                 </a:solidFill>
@@ -34043,7 +34272,7 @@
               <a:buSzPct val="25000"/>
             </a:pPr>
             <a:r>
-              <a:rPr lang="en-US" sz="3200" b="1" i="0" u="none" strike="noStrike" cap="none" dirty="0">
+              <a:rPr lang="en-US" sz="3200" i="0" u="none" strike="noStrike" cap="none" dirty="0">
                 <a:solidFill>
                   <a:srgbClr val="00FFFF"/>
                 </a:solidFill>
@@ -34055,7 +34284,7 @@
               <a:t>    </a:t>
             </a:r>
             <a:r>
-              <a:rPr lang="en-US" sz="3200" b="1" i="0" u="none" strike="noStrike" cap="none" dirty="0" smtClean="0">
+              <a:rPr lang="en-US" sz="3200" i="0" u="none" strike="noStrike" cap="none" dirty="0" smtClean="0">
                 <a:solidFill>
                   <a:srgbClr val="00FFFF"/>
                 </a:solidFill>
@@ -34067,7 +34296,7 @@
               <a:t>print('Is </a:t>
             </a:r>
             <a:r>
-              <a:rPr lang="en-US" sz="3200" b="1" i="0" u="none" strike="noStrike" cap="none" dirty="0">
+              <a:rPr lang="en-US" sz="3200" i="0" u="none" strike="noStrike" cap="none" dirty="0">
                 <a:solidFill>
                   <a:srgbClr val="00FFFF"/>
                 </a:solidFill>
@@ -34079,7 +34308,7 @@
               <a:t>Still 5</a:t>
             </a:r>
             <a:r>
-              <a:rPr lang="en-US" sz="3200" b="1" dirty="0" smtClean="0">
+              <a:rPr lang="en-US" sz="3200" dirty="0" smtClean="0">
                 <a:solidFill>
                   <a:srgbClr val="00FFFF"/>
                 </a:solidFill>
@@ -34091,7 +34320,7 @@
               <a:t>'</a:t>
             </a:r>
             <a:r>
-              <a:rPr lang="en-US" sz="3200" b="1" dirty="0">
+              <a:rPr lang="en-US" sz="3200" dirty="0">
                 <a:solidFill>
                   <a:srgbClr val="00FFFF"/>
                 </a:solidFill>
@@ -34111,7 +34340,7 @@
               <a:buSzPct val="25000"/>
             </a:pPr>
             <a:r>
-              <a:rPr lang="en-US" sz="3200" b="1" i="0" u="none" strike="noStrike" cap="none" dirty="0">
+              <a:rPr lang="en-US" sz="3200" i="0" u="none" strike="noStrike" cap="none" dirty="0">
                 <a:solidFill>
                   <a:srgbClr val="00FFFF"/>
                 </a:solidFill>
@@ -34123,7 +34352,7 @@
               <a:t>    </a:t>
             </a:r>
             <a:r>
-              <a:rPr lang="en-US" sz="3200" b="1" i="0" u="none" strike="noStrike" cap="none" dirty="0" smtClean="0">
+              <a:rPr lang="en-US" sz="3200" i="0" u="none" strike="noStrike" cap="none" dirty="0" smtClean="0">
                 <a:solidFill>
                   <a:srgbClr val="00FFFF"/>
                 </a:solidFill>
@@ -34135,7 +34364,7 @@
               <a:t>print('Third </a:t>
             </a:r>
             <a:r>
-              <a:rPr lang="en-US" sz="3200" b="1" i="0" u="none" strike="noStrike" cap="none" dirty="0">
+              <a:rPr lang="en-US" sz="3200" i="0" u="none" strike="noStrike" cap="none" dirty="0">
                 <a:solidFill>
                   <a:srgbClr val="00FFFF"/>
                 </a:solidFill>
@@ -34147,7 +34376,7 @@
               <a:t>5</a:t>
             </a:r>
             <a:r>
-              <a:rPr lang="en-US" sz="3200" b="1" dirty="0" smtClean="0">
+              <a:rPr lang="en-US" sz="3200" dirty="0" smtClean="0">
                 <a:solidFill>
                   <a:srgbClr val="00FFFF"/>
                 </a:solidFill>
@@ -34159,7 +34388,7 @@
               <a:t>'</a:t>
             </a:r>
             <a:r>
-              <a:rPr lang="en-US" sz="3200" b="1" dirty="0">
+              <a:rPr lang="en-US" sz="3200" dirty="0">
                 <a:solidFill>
                   <a:srgbClr val="00FFFF"/>
                 </a:solidFill>
@@ -34179,7 +34408,7 @@
               <a:buSzPct val="25000"/>
             </a:pPr>
             <a:r>
-              <a:rPr lang="en-US" sz="3200" b="1" i="0" u="none" strike="noStrike" cap="none" dirty="0" smtClean="0">
+              <a:rPr lang="en-US" sz="3200" i="0" u="none" strike="noStrike" cap="none" dirty="0" smtClean="0">
                 <a:solidFill>
                   <a:srgbClr val="FF9900"/>
                 </a:solidFill>
@@ -34191,7 +34420,7 @@
               <a:t>print('Afterwards </a:t>
             </a:r>
             <a:r>
-              <a:rPr lang="en-US" sz="3200" b="1" i="0" u="none" strike="noStrike" cap="none" dirty="0">
+              <a:rPr lang="en-US" sz="3200" dirty="0">
                 <a:solidFill>
                   <a:srgbClr val="FF9900"/>
                 </a:solidFill>
@@ -34200,10 +34429,10 @@
                 <a:cs typeface="Courier New"/>
                 <a:sym typeface="Courier New"/>
               </a:rPr>
-              <a:t>5</a:t>
-            </a:r>
-            <a:r>
-              <a:rPr lang="en-US" sz="3200" b="1" dirty="0" smtClean="0">
+              <a:t>5'</a:t>
+            </a:r>
+            <a:r>
+              <a:rPr lang="en-US" sz="3200" dirty="0" smtClean="0">
                 <a:solidFill>
                   <a:srgbClr val="FF9900"/>
                 </a:solidFill>
@@ -34212,9 +34441,9 @@
                 <a:cs typeface="Courier New"/>
                 <a:sym typeface="Courier New"/>
               </a:rPr>
-              <a:t>’)</a:t>
-            </a:r>
-            <a:endParaRPr lang="en-US" sz="3200" b="1" i="0" u="none" strike="noStrike" cap="none" dirty="0">
+              <a:t>)</a:t>
+            </a:r>
+            <a:endParaRPr lang="en-US" sz="3200" i="0" u="none" strike="noStrike" cap="none" dirty="0">
               <a:solidFill>
                 <a:srgbClr val="FF9900"/>
               </a:solidFill>
@@ -34232,7 +34461,7 @@
               <a:buSzPct val="25000"/>
             </a:pPr>
             <a:r>
-              <a:rPr lang="en-US" sz="3200" b="1" dirty="0">
+              <a:rPr lang="en-US" sz="3200" dirty="0">
                 <a:solidFill>
                   <a:srgbClr val="FF9900"/>
                 </a:solidFill>
@@ -34244,7 +34473,7 @@
               <a:t>p</a:t>
             </a:r>
             <a:r>
-              <a:rPr lang="en-US" sz="3200" b="1" i="0" u="none" strike="noStrike" cap="none" dirty="0" smtClean="0">
+              <a:rPr lang="en-US" sz="3200" i="0" u="none" strike="noStrike" cap="none" dirty="0" smtClean="0">
                 <a:solidFill>
                   <a:srgbClr val="FF9900"/>
                 </a:solidFill>
@@ -34253,10 +34482,10 @@
                 <a:cs typeface="Courier New"/>
                 <a:sym typeface="Courier New"/>
               </a:rPr>
-              <a:t>rint</a:t>
-            </a:r>
-            <a:r>
-              <a:rPr lang="en-US" sz="3200" b="1" i="0" u="none" strike="noStrike" cap="none" dirty="0" smtClean="0">
+              <a:t>rint('Before </a:t>
+            </a:r>
+            <a:r>
+              <a:rPr lang="en-US" sz="3200" dirty="0">
                 <a:solidFill>
                   <a:srgbClr val="FF9900"/>
                 </a:solidFill>
@@ -34265,10 +34494,10 @@
                 <a:cs typeface="Courier New"/>
                 <a:sym typeface="Courier New"/>
               </a:rPr>
-              <a:t>('Before </a:t>
-            </a:r>
-            <a:r>
-              <a:rPr lang="en-US" sz="3200" b="1" i="0" u="none" strike="noStrike" cap="none" dirty="0">
+              <a:t>6'</a:t>
+            </a:r>
+            <a:r>
+              <a:rPr lang="en-US" sz="3200" dirty="0" smtClean="0">
                 <a:solidFill>
                   <a:srgbClr val="FF9900"/>
                 </a:solidFill>
@@ -34277,21 +34506,9 @@
                 <a:cs typeface="Courier New"/>
                 <a:sym typeface="Courier New"/>
               </a:rPr>
-              <a:t>6</a:t>
-            </a:r>
-            <a:r>
-              <a:rPr lang="en-US" sz="3200" b="1" dirty="0" smtClean="0">
-                <a:solidFill>
-                  <a:srgbClr val="FF9900"/>
-                </a:solidFill>
-                <a:latin typeface="Courier New"/>
-                <a:ea typeface="Courier New"/>
-                <a:cs typeface="Courier New"/>
-                <a:sym typeface="Courier New"/>
-              </a:rPr>
-              <a:t>’)</a:t>
-            </a:r>
-            <a:endParaRPr lang="en-US" sz="3200" b="1" i="0" u="none" strike="noStrike" cap="none" dirty="0">
+              <a:t>)</a:t>
+            </a:r>
+            <a:endParaRPr lang="en-US" sz="3200" i="0" u="none" strike="noStrike" cap="none" dirty="0">
               <a:solidFill>
                 <a:srgbClr val="FF9900"/>
               </a:solidFill>
@@ -34320,7 +34537,7 @@
               <a:buNone/>
             </a:pPr>
             <a:r>
-              <a:rPr lang="en-US" sz="3200" b="1" i="0" u="none" strike="noStrike" cap="none" dirty="0">
+              <a:rPr lang="en-US" sz="3200" i="0" u="none" strike="noStrike" cap="none" dirty="0">
                 <a:solidFill>
                   <a:srgbClr val="00FF00"/>
                 </a:solidFill>
@@ -34340,7 +34557,7 @@
               <a:buSzPct val="25000"/>
             </a:pPr>
             <a:r>
-              <a:rPr lang="en-US" sz="3200" b="1" i="0" u="none" strike="noStrike" cap="none" dirty="0">
+              <a:rPr lang="en-US" sz="3200" i="0" u="none" strike="noStrike" cap="none" dirty="0">
                 <a:solidFill>
                   <a:srgbClr val="00FF00"/>
                 </a:solidFill>
@@ -34352,7 +34569,7 @@
               <a:t>    </a:t>
             </a:r>
             <a:r>
-              <a:rPr lang="en-US" sz="3200" b="1" i="0" u="none" strike="noStrike" cap="none" dirty="0" smtClean="0">
+              <a:rPr lang="en-US" sz="3200" i="0" u="none" strike="noStrike" cap="none" dirty="0" smtClean="0">
                 <a:solidFill>
                   <a:srgbClr val="00FF00"/>
                 </a:solidFill>
@@ -34364,7 +34581,7 @@
               <a:t>print('Is </a:t>
             </a:r>
             <a:r>
-              <a:rPr lang="en-US" sz="3200" b="1" i="0" u="none" strike="noStrike" cap="none" dirty="0">
+              <a:rPr lang="en-US" sz="3200" dirty="0">
                 <a:solidFill>
                   <a:srgbClr val="00FF00"/>
                 </a:solidFill>
@@ -34373,22 +34590,10 @@
                 <a:cs typeface="Courier New"/>
                 <a:sym typeface="Courier New"/>
               </a:rPr>
-              <a:t>6</a:t>
-            </a:r>
-            <a:r>
-              <a:rPr lang="en-US" sz="3200" b="1" dirty="0" smtClean="0">
-                <a:solidFill>
-                  <a:schemeClr val="accent1"/>
-                </a:solidFill>
-                <a:latin typeface="Courier New"/>
-                <a:ea typeface="Courier New"/>
-                <a:cs typeface="Courier New"/>
-                <a:sym typeface="Courier New"/>
-              </a:rPr>
-              <a:t>'</a:t>
-            </a:r>
-            <a:r>
-              <a:rPr lang="en-US" sz="3200" b="1" dirty="0">
+              <a:t>6'</a:t>
+            </a:r>
+            <a:r>
+              <a:rPr lang="en-US" sz="3200" dirty="0" smtClean="0">
                 <a:solidFill>
                   <a:srgbClr val="00FF00"/>
                 </a:solidFill>
@@ -34399,7 +34604,7 @@
               </a:rPr>
               <a:t>)</a:t>
             </a:r>
-            <a:endParaRPr lang="en-US" sz="3200" b="1" dirty="0">
+            <a:endParaRPr lang="en-US" sz="3200" dirty="0">
               <a:solidFill>
                 <a:schemeClr val="accent1"/>
               </a:solidFill>
@@ -34417,7 +34622,7 @@
               <a:buSzPct val="25000"/>
             </a:pPr>
             <a:r>
-              <a:rPr lang="en-US" sz="3200" b="1" i="0" u="none" strike="noStrike" cap="none" dirty="0">
+              <a:rPr lang="en-US" sz="3200" i="0" u="none" strike="noStrike" cap="none" dirty="0">
                 <a:solidFill>
                   <a:srgbClr val="00FF00"/>
                 </a:solidFill>
@@ -34429,7 +34634,7 @@
               <a:t>    </a:t>
             </a:r>
             <a:r>
-              <a:rPr lang="en-US" sz="3200" b="1" i="0" u="none" strike="noStrike" cap="none" dirty="0" smtClean="0">
+              <a:rPr lang="en-US" sz="3200" i="0" u="none" strike="noStrike" cap="none" dirty="0" smtClean="0">
                 <a:solidFill>
                   <a:srgbClr val="00FF00"/>
                 </a:solidFill>
@@ -34441,7 +34646,7 @@
               <a:t>print('Is </a:t>
             </a:r>
             <a:r>
-              <a:rPr lang="en-US" sz="3200" b="1" i="0" u="none" strike="noStrike" cap="none" dirty="0">
+              <a:rPr lang="en-US" sz="3200" i="0" u="none" strike="noStrike" cap="none" dirty="0">
                 <a:solidFill>
                   <a:srgbClr val="00FF00"/>
                 </a:solidFill>
@@ -34450,22 +34655,10 @@
                 <a:cs typeface="Courier New"/>
                 <a:sym typeface="Courier New"/>
               </a:rPr>
-              <a:t>Still 6</a:t>
-            </a:r>
-            <a:r>
-              <a:rPr lang="en-US" sz="3200" b="1" dirty="0" smtClean="0">
-                <a:solidFill>
-                  <a:schemeClr val="accent1"/>
-                </a:solidFill>
-                <a:latin typeface="Courier New"/>
-                <a:ea typeface="Courier New"/>
-                <a:cs typeface="Courier New"/>
-                <a:sym typeface="Courier New"/>
-              </a:rPr>
-              <a:t>'</a:t>
-            </a:r>
-            <a:r>
-              <a:rPr lang="en-US" sz="3200" b="1" dirty="0">
+              <a:t>Still </a:t>
+            </a:r>
+            <a:r>
+              <a:rPr lang="en-US" sz="3200" dirty="0">
                 <a:solidFill>
                   <a:srgbClr val="00FF00"/>
                 </a:solidFill>
@@ -34474,9 +34667,21 @@
                 <a:cs typeface="Courier New"/>
                 <a:sym typeface="Courier New"/>
               </a:rPr>
+              <a:t>6'</a:t>
+            </a:r>
+            <a:r>
+              <a:rPr lang="en-US" sz="3200" dirty="0" smtClean="0">
+                <a:solidFill>
+                  <a:srgbClr val="00FF00"/>
+                </a:solidFill>
+                <a:latin typeface="Courier New"/>
+                <a:ea typeface="Courier New"/>
+                <a:cs typeface="Courier New"/>
+                <a:sym typeface="Courier New"/>
+              </a:rPr>
               <a:t>)</a:t>
             </a:r>
-            <a:endParaRPr lang="en-US" sz="3200" b="1" dirty="0">
+            <a:endParaRPr lang="en-US" sz="3200" dirty="0">
               <a:solidFill>
                 <a:schemeClr val="accent1"/>
               </a:solidFill>
@@ -34494,7 +34699,7 @@
               <a:buSzPct val="25000"/>
             </a:pPr>
             <a:r>
-              <a:rPr lang="en-US" sz="3200" b="1" i="0" u="none" strike="noStrike" cap="none" dirty="0">
+              <a:rPr lang="en-US" sz="3200" i="0" u="none" strike="noStrike" cap="none" dirty="0">
                 <a:solidFill>
                   <a:srgbClr val="00FF00"/>
                 </a:solidFill>
@@ -34506,7 +34711,7 @@
               <a:t>    </a:t>
             </a:r>
             <a:r>
-              <a:rPr lang="en-US" sz="3200" b="1" i="0" u="none" strike="noStrike" cap="none" dirty="0" smtClean="0">
+              <a:rPr lang="en-US" sz="3200" i="0" u="none" strike="noStrike" cap="none" dirty="0" smtClean="0">
                 <a:solidFill>
                   <a:srgbClr val="00FF00"/>
                 </a:solidFill>
@@ -34518,7 +34723,7 @@
               <a:t>print('Third </a:t>
             </a:r>
             <a:r>
-              <a:rPr lang="en-US" sz="3200" b="1" i="0" u="none" strike="noStrike" cap="none" dirty="0">
+              <a:rPr lang="en-US" sz="3200" dirty="0">
                 <a:solidFill>
                   <a:srgbClr val="00FF00"/>
                 </a:solidFill>
@@ -34527,22 +34732,10 @@
                 <a:cs typeface="Courier New"/>
                 <a:sym typeface="Courier New"/>
               </a:rPr>
-              <a:t>6</a:t>
-            </a:r>
-            <a:r>
-              <a:rPr lang="en-US" sz="3200" b="1" dirty="0" smtClean="0">
-                <a:solidFill>
-                  <a:schemeClr val="accent1"/>
-                </a:solidFill>
-                <a:latin typeface="Courier New"/>
-                <a:ea typeface="Courier New"/>
-                <a:cs typeface="Courier New"/>
-                <a:sym typeface="Courier New"/>
-              </a:rPr>
-              <a:t>'</a:t>
-            </a:r>
-            <a:r>
-              <a:rPr lang="en-US" sz="3200" b="1" dirty="0">
+              <a:t>6'</a:t>
+            </a:r>
+            <a:r>
+              <a:rPr lang="en-US" sz="3200" dirty="0" smtClean="0">
                 <a:solidFill>
                   <a:srgbClr val="00FF00"/>
                 </a:solidFill>
@@ -34553,7 +34746,7 @@
               </a:rPr>
               <a:t>)</a:t>
             </a:r>
-            <a:endParaRPr lang="en-US" sz="3200" b="1" dirty="0">
+            <a:endParaRPr lang="en-US" sz="3200" dirty="0">
               <a:solidFill>
                 <a:schemeClr val="accent1"/>
               </a:solidFill>
@@ -34571,7 +34764,7 @@
               <a:buSzPct val="25000"/>
             </a:pPr>
             <a:r>
-              <a:rPr lang="en-US" sz="3200" b="1" dirty="0">
+              <a:rPr lang="en-US" sz="3200" dirty="0">
                 <a:solidFill>
                   <a:srgbClr val="FF9900"/>
                 </a:solidFill>
@@ -34583,7 +34776,7 @@
               <a:t>p</a:t>
             </a:r>
             <a:r>
-              <a:rPr lang="en-US" sz="3200" b="1" i="0" u="none" strike="noStrike" cap="none" dirty="0" smtClean="0">
+              <a:rPr lang="en-US" sz="3200" i="0" u="none" strike="noStrike" cap="none" dirty="0" smtClean="0">
                 <a:solidFill>
                   <a:srgbClr val="FF9900"/>
                 </a:solidFill>
@@ -34592,10 +34785,10 @@
                 <a:cs typeface="Courier New"/>
                 <a:sym typeface="Courier New"/>
               </a:rPr>
-              <a:t>rint</a:t>
-            </a:r>
-            <a:r>
-              <a:rPr lang="en-US" sz="3200" b="1" i="0" u="none" strike="noStrike" cap="none" dirty="0" smtClean="0">
+              <a:t>rint('Afterwards </a:t>
+            </a:r>
+            <a:r>
+              <a:rPr lang="en-US" sz="3200" i="0" u="none" strike="noStrike" cap="none" dirty="0">
                 <a:solidFill>
                   <a:srgbClr val="FF9900"/>
                 </a:solidFill>
@@ -34604,10 +34797,10 @@
                 <a:cs typeface="Courier New"/>
                 <a:sym typeface="Courier New"/>
               </a:rPr>
-              <a:t>('Afterwards </a:t>
-            </a:r>
-            <a:r>
-              <a:rPr lang="en-US" sz="3200" b="1" i="0" u="none" strike="noStrike" cap="none" dirty="0">
+              <a:t>6</a:t>
+            </a:r>
+            <a:r>
+              <a:rPr lang="en-US" sz="3200" dirty="0">
                 <a:solidFill>
                   <a:srgbClr val="FF9900"/>
                 </a:solidFill>
@@ -34616,21 +34809,9 @@
                 <a:cs typeface="Courier New"/>
                 <a:sym typeface="Courier New"/>
               </a:rPr>
-              <a:t>6</a:t>
-            </a:r>
-            <a:r>
-              <a:rPr lang="en-US" sz="3200" b="1" dirty="0">
-                <a:solidFill>
-                  <a:srgbClr val="FF9900"/>
-                </a:solidFill>
-                <a:latin typeface="Courier New"/>
-                <a:ea typeface="Courier New"/>
-                <a:cs typeface="Courier New"/>
-                <a:sym typeface="Courier New"/>
-              </a:rPr>
               <a:t>')</a:t>
             </a:r>
-            <a:endParaRPr lang="en-US" sz="3200" b="1" i="0" u="none" strike="noStrike" cap="none" dirty="0">
+            <a:endParaRPr lang="en-US" sz="3200" i="0" u="none" strike="noStrike" cap="none" dirty="0">
               <a:solidFill>
                 <a:srgbClr val="FF9900"/>
               </a:solidFill>
@@ -34650,8 +34831,8 @@
         </p:nvSpPr>
         <p:spPr>
           <a:xfrm>
-            <a:off x="7210266" y="2627878"/>
-            <a:ext cx="3084122" cy="3878399"/>
+            <a:off x="7321666" y="2405058"/>
+            <a:ext cx="2826846" cy="5505074"/>
           </a:xfrm>
           <a:prstGeom prst="rect">
             <a:avLst/>
@@ -34849,8 +35030,131 @@
                 <a:cs typeface="Arial" charset="0"/>
                 <a:sym typeface="Cabin"/>
               </a:rPr>
-              <a:t>Before 6</a:t>
-            </a:r>
+              <a:t>Before </a:t>
+            </a:r>
+            <a:r>
+              <a:rPr lang="en-US" sz="3600" u="none" strike="noStrike" cap="none" dirty="0" smtClean="0">
+                <a:solidFill>
+                  <a:srgbClr val="FF9900"/>
+                </a:solidFill>
+                <a:latin typeface="Arial" charset="0"/>
+                <a:ea typeface="Arial" charset="0"/>
+                <a:cs typeface="Arial" charset="0"/>
+                <a:sym typeface="Cabin"/>
+              </a:rPr>
+              <a:t>6</a:t>
+            </a:r>
+          </a:p>
+          <a:p>
+            <a:pPr marL="0" marR="0" lvl="0" indent="0" algn="l" rtl="0">
+              <a:lnSpc>
+                <a:spcPct val="100000"/>
+              </a:lnSpc>
+              <a:spcBef>
+                <a:spcPts val="0"/>
+              </a:spcBef>
+              <a:spcAft>
+                <a:spcPts val="0"/>
+              </a:spcAft>
+              <a:buClr>
+                <a:srgbClr val="FF7F00"/>
+              </a:buClr>
+              <a:buSzPct val="25000"/>
+              <a:buFont typeface="Cabin"/>
+              <a:buNone/>
+            </a:pPr>
+            <a:r>
+              <a:rPr lang="en-US" sz="3600" dirty="0" smtClean="0">
+                <a:solidFill>
+                  <a:srgbClr val="00FF00"/>
+                </a:solidFill>
+                <a:latin typeface="Arial" charset="0"/>
+                <a:ea typeface="Arial" charset="0"/>
+                <a:cs typeface="Arial" charset="0"/>
+                <a:sym typeface="Cabin"/>
+              </a:rPr>
+              <a:t>Is 6</a:t>
+            </a:r>
+            <a:endParaRPr lang="en-US" sz="3600" dirty="0">
+              <a:solidFill>
+                <a:srgbClr val="00FF00"/>
+              </a:solidFill>
+              <a:latin typeface="Arial" charset="0"/>
+              <a:ea typeface="Arial" charset="0"/>
+              <a:cs typeface="Arial" charset="0"/>
+              <a:sym typeface="Cabin"/>
+            </a:endParaRPr>
+          </a:p>
+          <a:p>
+            <a:pPr marL="0" marR="0" lvl="0" indent="0" algn="l" rtl="0">
+              <a:lnSpc>
+                <a:spcPct val="100000"/>
+              </a:lnSpc>
+              <a:spcBef>
+                <a:spcPts val="0"/>
+              </a:spcBef>
+              <a:spcAft>
+                <a:spcPts val="0"/>
+              </a:spcAft>
+              <a:buClr>
+                <a:srgbClr val="FF7F00"/>
+              </a:buClr>
+              <a:buSzPct val="25000"/>
+              <a:buFont typeface="Cabin"/>
+              <a:buNone/>
+            </a:pPr>
+            <a:r>
+              <a:rPr lang="en-US" sz="3600" u="none" strike="noStrike" cap="none" dirty="0" smtClean="0">
+                <a:solidFill>
+                  <a:srgbClr val="00FF00"/>
+                </a:solidFill>
+                <a:latin typeface="Arial" charset="0"/>
+                <a:ea typeface="Arial" charset="0"/>
+                <a:cs typeface="Arial" charset="0"/>
+                <a:sym typeface="Cabin"/>
+              </a:rPr>
+              <a:t>Is Still 6</a:t>
+            </a:r>
+          </a:p>
+          <a:p>
+            <a:pPr marL="0" marR="0" lvl="0" indent="0" algn="l" rtl="0">
+              <a:lnSpc>
+                <a:spcPct val="100000"/>
+              </a:lnSpc>
+              <a:spcBef>
+                <a:spcPts val="0"/>
+              </a:spcBef>
+              <a:spcAft>
+                <a:spcPts val="0"/>
+              </a:spcAft>
+              <a:buClr>
+                <a:srgbClr val="FF7F00"/>
+              </a:buClr>
+              <a:buSzPct val="25000"/>
+              <a:buFont typeface="Cabin"/>
+              <a:buNone/>
+            </a:pPr>
+            <a:r>
+              <a:rPr lang="en-US" sz="3600" u="none" strike="noStrike" cap="none" dirty="0" smtClean="0">
+                <a:solidFill>
+                  <a:srgbClr val="00FF00"/>
+                </a:solidFill>
+                <a:latin typeface="Arial" charset="0"/>
+                <a:ea typeface="Arial" charset="0"/>
+                <a:cs typeface="Arial" charset="0"/>
+                <a:sym typeface="Cabin"/>
+              </a:rPr>
+              <a:t>Third 6</a:t>
+            </a:r>
+            <a:endParaRPr lang="en-US" sz="3600" u="none" strike="noStrike" cap="none" dirty="0">
+              <a:solidFill>
+                <a:srgbClr val="00FF00"/>
+              </a:solidFill>
+              <a:latin typeface="Arial" charset="0"/>
+              <a:ea typeface="Arial" charset="0"/>
+              <a:cs typeface="Arial" charset="0"/>
+              <a:sym typeface="Cabin"/>
+            </a:endParaRPr>
           </a:p>
           <a:p>
             <a:pPr marL="0" marR="0" lvl="0" indent="0" algn="l" rtl="0">
@@ -34893,7 +35197,7 @@
         </p:nvCxnSpPr>
         <p:spPr>
           <a:xfrm flipH="1" flipV="1">
-            <a:off x="6136584" y="3694263"/>
+            <a:off x="6225704" y="3694263"/>
             <a:ext cx="952760" cy="228356"/>
           </a:xfrm>
           <a:prstGeom prst="straightConnector1">
@@ -35234,22 +35538,11 @@
           </a:bodyPr>
           <a:lstStyle/>
           <a:p>
-            <a:pPr marL="0" marR="0" lvl="0" indent="0" algn="ctr" rtl="0">
-              <a:lnSpc>
-                <a:spcPct val="100000"/>
-              </a:lnSpc>
-              <a:spcBef>
-                <a:spcPts val="0"/>
-              </a:spcBef>
-              <a:spcAft>
-                <a:spcPts val="0"/>
-              </a:spcAft>
+            <a:pPr lvl="0" algn="ctr">
               <a:buClr>
                 <a:schemeClr val="lt1"/>
               </a:buClr>
               <a:buSzPct val="25000"/>
-              <a:buFont typeface="Cabin"/>
-              <a:buNone/>
             </a:pPr>
             <a:r>
               <a:rPr lang="en-US" sz="3500" u="none" strike="noStrike" cap="none" dirty="0" smtClean="0">
@@ -35261,7 +35554,19 @@
                 <a:cs typeface="Arial" charset="0"/>
                 <a:sym typeface="Cabin"/>
               </a:rPr>
-              <a:t>print('Still 5’)</a:t>
+              <a:t>print('Still </a:t>
+            </a:r>
+            <a:r>
+              <a:rPr lang="en-US" sz="3500" dirty="0">
+                <a:solidFill>
+                  <a:schemeClr val="lt1"/>
+                </a:solidFill>
+                <a:latin typeface="Arial" charset="0"/>
+                <a:ea typeface="Arial" charset="0"/>
+                <a:cs typeface="Arial" charset="0"/>
+                <a:sym typeface="Cabin"/>
+              </a:rPr>
+              <a:t>5')</a:t>
             </a:r>
             <a:endParaRPr lang="en-US" sz="3500" u="none" strike="noStrike" cap="none" dirty="0">
               <a:solidFill>
@@ -35306,22 +35611,11 @@
           </a:bodyPr>
           <a:lstStyle/>
           <a:p>
-            <a:pPr marL="0" marR="0" lvl="0" indent="0" algn="ctr" rtl="0">
-              <a:lnSpc>
-                <a:spcPct val="100000"/>
-              </a:lnSpc>
-              <a:spcBef>
-                <a:spcPts val="0"/>
-              </a:spcBef>
-              <a:spcAft>
-                <a:spcPts val="0"/>
-              </a:spcAft>
+            <a:pPr lvl="0" algn="ctr">
               <a:buClr>
                 <a:schemeClr val="lt1"/>
               </a:buClr>
               <a:buSzPct val="25000"/>
-              <a:buFont typeface="Cabin"/>
-              <a:buNone/>
             </a:pPr>
             <a:r>
               <a:rPr lang="en-US" sz="3500" u="none" strike="noStrike" cap="none" dirty="0" smtClean="0">
@@ -35333,7 +35627,19 @@
                 <a:cs typeface="Arial" charset="0"/>
                 <a:sym typeface="Cabin"/>
               </a:rPr>
-              <a:t>print('Third 5’)</a:t>
+              <a:t>print('Third </a:t>
+            </a:r>
+            <a:r>
+              <a:rPr lang="en-US" sz="3500" dirty="0">
+                <a:solidFill>
+                  <a:schemeClr val="lt1"/>
+                </a:solidFill>
+                <a:latin typeface="Arial" charset="0"/>
+                <a:ea typeface="Arial" charset="0"/>
+                <a:cs typeface="Arial" charset="0"/>
+                <a:sym typeface="Cabin"/>
+              </a:rPr>
+              <a:t>5')</a:t>
             </a:r>
             <a:endParaRPr lang="en-US" sz="3500" u="none" strike="noStrike" cap="none" dirty="0">
               <a:solidFill>
@@ -35439,22 +35745,11 @@
           </a:bodyPr>
           <a:lstStyle/>
           <a:p>
-            <a:pPr marL="0" marR="0" lvl="0" indent="0" algn="ctr" rtl="0">
-              <a:lnSpc>
-                <a:spcPct val="100000"/>
-              </a:lnSpc>
-              <a:spcBef>
-                <a:spcPts val="0"/>
-              </a:spcBef>
-              <a:spcAft>
-                <a:spcPts val="0"/>
-              </a:spcAft>
+            <a:pPr lvl="0" algn="ctr">
               <a:buClr>
                 <a:schemeClr val="lt1"/>
               </a:buClr>
               <a:buSzPct val="25000"/>
-              <a:buFont typeface="Cabin"/>
-              <a:buNone/>
             </a:pPr>
             <a:r>
               <a:rPr lang="en-US" sz="3500" u="none" strike="noStrike" cap="none" dirty="0" smtClean="0">
@@ -35466,7 +35761,31 @@
                 <a:cs typeface="Arial" charset="0"/>
                 <a:sym typeface="Cabin"/>
               </a:rPr>
-              <a:t>print('Is 5’)</a:t>
+              <a:t>print</a:t>
+            </a:r>
+            <a:r>
+              <a:rPr lang="en-US" sz="3500" u="none" strike="noStrike" cap="none" dirty="0" smtClean="0">
+                <a:solidFill>
+                  <a:schemeClr val="lt1"/>
+                </a:solidFill>
+                <a:latin typeface="Arial" charset="0"/>
+                <a:ea typeface="Arial" charset="0"/>
+                <a:cs typeface="Arial" charset="0"/>
+                <a:sym typeface="Cabin"/>
+              </a:rPr>
+              <a:t>('Is </a:t>
+            </a:r>
+            <a:r>
+              <a:rPr lang="en-US" sz="3500" dirty="0" smtClean="0">
+                <a:solidFill>
+                  <a:schemeClr val="lt1"/>
+                </a:solidFill>
+                <a:latin typeface="Arial" charset="0"/>
+                <a:ea typeface="Arial" charset="0"/>
+                <a:cs typeface="Arial" charset="0"/>
+                <a:sym typeface="Cabin"/>
+              </a:rPr>
+              <a:t>5’)</a:t>
             </a:r>
             <a:endParaRPr lang="en-US" sz="3500" u="none" strike="noStrike" cap="none" dirty="0">
               <a:solidFill>
@@ -35568,7 +35887,7 @@
   <p:timing>
     <p:tnLst>
       <p:par>
-        <p:cTn id="1" dur="indefinite" restart="never" nodeType="tmRoot"/>
+        <p:cTn xmlns:p14="http://schemas.microsoft.com/office/powerpoint/2010/main" id="1" dur="indefinite" restart="never" nodeType="tmRoot"/>
       </p:par>
     </p:tnLst>
   </p:timing>
@@ -36105,7 +36424,31 @@
                 <a:cs typeface="Arial" charset="0"/>
                 <a:sym typeface="Cabin"/>
               </a:rPr>
-              <a:t>ith regard to </a:t>
+              <a:t>ith regard </a:t>
+            </a:r>
+            <a:r>
+              <a:rPr lang="en-US" sz="3200" dirty="0" smtClean="0">
+                <a:solidFill>
+                  <a:schemeClr val="lt1"/>
+                </a:solidFill>
+                <a:latin typeface="Arial" charset="0"/>
+                <a:ea typeface="Arial" charset="0"/>
+                <a:cs typeface="Arial" charset="0"/>
+                <a:sym typeface="Cabin"/>
+              </a:rPr>
+              <a:t>to</a:t>
+            </a:r>
+            <a:r>
+              <a:rPr lang="en-US" sz="3200" u="none" strike="noStrike" cap="none" dirty="0" smtClean="0">
+                <a:solidFill>
+                  <a:srgbClr val="FF9900"/>
+                </a:solidFill>
+                <a:latin typeface="Arial" charset="0"/>
+                <a:ea typeface="Arial" charset="0"/>
+                <a:cs typeface="Arial" charset="0"/>
+                <a:sym typeface="Cabin"/>
+              </a:rPr>
+              <a:t> </a:t>
             </a:r>
             <a:r>
               <a:rPr lang="en-US" sz="3200" u="none" strike="noStrike" cap="none" dirty="0">
@@ -36117,7 +36460,7 @@
                 <a:cs typeface="Arial" charset="0"/>
                 <a:sym typeface="Cabin"/>
               </a:rPr>
-              <a:t> indentation</a:t>
+              <a:t>indentation</a:t>
             </a:r>
           </a:p>
         </p:txBody>
@@ -36130,7 +36473,7 @@
   <p:timing>
     <p:tnLst>
       <p:par>
-        <p:cTn id="1" dur="indefinite" restart="never" nodeType="tmRoot"/>
+        <p:cTn xmlns:p14="http://schemas.microsoft.com/office/powerpoint/2010/main" id="1" dur="indefinite" restart="never" nodeType="tmRoot"/>
       </p:par>
     </p:tnLst>
   </p:timing>
@@ -36764,7 +37107,7 @@
   <p:timing>
     <p:tnLst>
       <p:par>
-        <p:cTn id="1" dur="indefinite" restart="never" nodeType="tmRoot"/>
+        <p:cTn xmlns:p14="http://schemas.microsoft.com/office/powerpoint/2010/main" id="1" dur="indefinite" restart="never" nodeType="tmRoot"/>
       </p:par>
     </p:tnLst>
   </p:timing>
@@ -37009,7 +37352,7 @@
   <p:timing>
     <p:tnLst>
       <p:par>
-        <p:cTn id="1" dur="indefinite" restart="never" nodeType="tmRoot"/>
+        <p:cTn xmlns:p14="http://schemas.microsoft.com/office/powerpoint/2010/main" id="1" dur="indefinite" restart="never" nodeType="tmRoot"/>
       </p:par>
     </p:tnLst>
   </p:timing>
@@ -37041,8 +37384,8 @@
         </p:nvSpPr>
         <p:spPr>
           <a:xfrm>
-            <a:off x="4598449" y="2438400"/>
-            <a:ext cx="7918337" cy="5854799"/>
+            <a:off x="5395988" y="2404977"/>
+            <a:ext cx="7918337" cy="6006500"/>
           </a:xfrm>
           <a:prstGeom prst="rect">
             <a:avLst/>
@@ -37082,16 +37425,28 @@
               <a:buNone/>
             </a:pPr>
             <a:r>
-              <a:rPr lang="en-US" sz="3200" b="1" i="0" u="none" strike="noStrike" cap="none" dirty="0">
-                <a:solidFill>
-                  <a:schemeClr val="lt1"/>
-                </a:solidFill>
-                <a:latin typeface="Courier New"/>
-                <a:ea typeface="Courier New"/>
-                <a:cs typeface="Courier New"/>
-                <a:sym typeface="Courier New"/>
-              </a:rPr>
-              <a:t>x = 5</a:t>
+              <a:rPr lang="en-US" sz="3200" i="0" u="none" strike="noStrike" cap="none" dirty="0" smtClean="0">
+                <a:solidFill>
+                  <a:schemeClr val="lt1"/>
+                </a:solidFill>
+                <a:latin typeface="Courier New"/>
+                <a:ea typeface="Courier New"/>
+                <a:cs typeface="Courier New"/>
+                <a:sym typeface="Courier New"/>
+              </a:rPr>
+              <a:t> x </a:t>
+            </a:r>
+            <a:r>
+              <a:rPr lang="en-US" sz="3200" i="0" u="none" strike="noStrike" cap="none" dirty="0">
+                <a:solidFill>
+                  <a:schemeClr val="lt1"/>
+                </a:solidFill>
+                <a:latin typeface="Courier New"/>
+                <a:ea typeface="Courier New"/>
+                <a:cs typeface="Courier New"/>
+                <a:sym typeface="Courier New"/>
+              </a:rPr>
+              <a:t>= 5</a:t>
             </a:r>
           </a:p>
           <a:p>
@@ -37113,38 +37468,39 @@
               <a:buNone/>
             </a:pPr>
             <a:r>
-              <a:rPr lang="en-US" sz="3200" b="1" i="0" u="none" strike="noStrike" cap="none" dirty="0">
-                <a:solidFill>
-                  <a:schemeClr val="lt1"/>
-                </a:solidFill>
-                <a:latin typeface="Courier New"/>
-                <a:ea typeface="Courier New"/>
-                <a:cs typeface="Courier New"/>
-                <a:sym typeface="Courier New"/>
-              </a:rPr>
-              <a:t>if x &gt; 2 :</a:t>
-            </a:r>
-          </a:p>
-          <a:p>
-            <a:pPr marL="0" marR="0" lvl="0" indent="0" algn="l" rtl="0">
-              <a:lnSpc>
-                <a:spcPct val="100000"/>
-              </a:lnSpc>
-              <a:spcBef>
-                <a:spcPts val="0"/>
-              </a:spcBef>
-              <a:spcAft>
-                <a:spcPts val="0"/>
-              </a:spcAft>
+              <a:rPr lang="en-US" sz="3200" i="0" u="none" strike="noStrike" cap="none" dirty="0" smtClean="0">
+                <a:solidFill>
+                  <a:schemeClr val="lt1"/>
+                </a:solidFill>
+                <a:latin typeface="Courier New"/>
+                <a:ea typeface="Courier New"/>
+                <a:cs typeface="Courier New"/>
+                <a:sym typeface="Courier New"/>
+              </a:rPr>
+              <a:t> if </a:t>
+            </a:r>
+            <a:r>
+              <a:rPr lang="en-US" sz="3200" i="0" u="none" strike="noStrike" cap="none" dirty="0">
+                <a:solidFill>
+                  <a:schemeClr val="lt1"/>
+                </a:solidFill>
+                <a:latin typeface="Courier New"/>
+                <a:ea typeface="Courier New"/>
+                <a:cs typeface="Courier New"/>
+                <a:sym typeface="Courier New"/>
+              </a:rPr>
+              <a:t>x &gt; 2 :</a:t>
+            </a:r>
+          </a:p>
+          <a:p>
+            <a:pPr lvl="0">
               <a:buClr>
                 <a:schemeClr val="lt1"/>
               </a:buClr>
               <a:buSzPct val="25000"/>
-              <a:buFont typeface="Cabin"/>
-              <a:buNone/>
-            </a:pPr>
-            <a:r>
-              <a:rPr lang="en-US" sz="3200" b="1" i="0" u="none" strike="noStrike" cap="none" dirty="0">
+            </a:pPr>
+            <a:r>
+              <a:rPr lang="en-US" sz="3200" i="0" u="none" strike="noStrike" cap="none" dirty="0">
                 <a:solidFill>
                   <a:schemeClr val="lt1"/>
                 </a:solidFill>
@@ -37156,19 +37512,31 @@
               <a:t>    </a:t>
             </a:r>
             <a:r>
-              <a:rPr lang="en-US" sz="3200" b="1" i="0" u="none" strike="noStrike" cap="none" dirty="0" smtClean="0">
-                <a:solidFill>
-                  <a:schemeClr val="lt1"/>
-                </a:solidFill>
-                <a:latin typeface="Courier New"/>
-                <a:ea typeface="Courier New"/>
-                <a:cs typeface="Courier New"/>
-                <a:sym typeface="Courier New"/>
-              </a:rPr>
-              <a:t>print('Bigger </a:t>
-            </a:r>
-            <a:r>
-              <a:rPr lang="en-US" sz="3200" b="1" i="0" u="none" strike="noStrike" cap="none" dirty="0">
+              <a:rPr lang="en-US" sz="3200" i="0" u="none" strike="noStrike" cap="none" dirty="0" smtClean="0">
+                <a:solidFill>
+                  <a:schemeClr val="lt1"/>
+                </a:solidFill>
+                <a:latin typeface="Courier New"/>
+                <a:ea typeface="Courier New"/>
+                <a:cs typeface="Courier New"/>
+                <a:sym typeface="Courier New"/>
+              </a:rPr>
+              <a:t> print</a:t>
+            </a:r>
+            <a:r>
+              <a:rPr lang="en-US" sz="3200" i="0" u="none" strike="noStrike" cap="none" dirty="0" smtClean="0">
+                <a:solidFill>
+                  <a:schemeClr val="lt1"/>
+                </a:solidFill>
+                <a:latin typeface="Courier New"/>
+                <a:ea typeface="Courier New"/>
+                <a:cs typeface="Courier New"/>
+                <a:sym typeface="Courier New"/>
+              </a:rPr>
+              <a:t>('Bigger </a:t>
+            </a:r>
+            <a:r>
+              <a:rPr lang="en-US" sz="3200" i="0" u="none" strike="noStrike" cap="none" dirty="0">
                 <a:solidFill>
                   <a:schemeClr val="lt1"/>
                 </a:solidFill>
@@ -37180,18 +37548,18 @@
               <a:t>than </a:t>
             </a:r>
             <a:r>
-              <a:rPr lang="en-US" sz="3200" b="1" i="0" u="none" strike="noStrike" cap="none" dirty="0" smtClean="0">
-                <a:solidFill>
-                  <a:schemeClr val="lt1"/>
-                </a:solidFill>
-                <a:latin typeface="Courier New"/>
-                <a:ea typeface="Courier New"/>
-                <a:cs typeface="Courier New"/>
-                <a:sym typeface="Courier New"/>
-              </a:rPr>
-              <a:t>2’)</a:t>
-            </a:r>
-            <a:endParaRPr lang="en-US" sz="3200" b="1" i="0" u="none" strike="noStrike" cap="none" dirty="0">
+              <a:rPr lang="en-US" sz="3200" dirty="0">
+                <a:solidFill>
+                  <a:schemeClr val="lt1"/>
+                </a:solidFill>
+                <a:latin typeface="Courier New"/>
+                <a:ea typeface="Courier New"/>
+                <a:cs typeface="Courier New"/>
+                <a:sym typeface="Courier New"/>
+              </a:rPr>
+              <a:t>2')</a:t>
+            </a:r>
+            <a:endParaRPr lang="en-US" sz="3200" i="0" u="none" strike="noStrike" cap="none" dirty="0">
               <a:solidFill>
                 <a:schemeClr val="lt1"/>
               </a:solidFill>
@@ -37202,25 +37570,14 @@
             </a:endParaRPr>
           </a:p>
           <a:p>
-            <a:pPr marL="0" marR="0" lvl="0" indent="0" algn="l" rtl="0">
-              <a:lnSpc>
-                <a:spcPct val="100000"/>
-              </a:lnSpc>
-              <a:spcBef>
-                <a:spcPts val="0"/>
-              </a:spcBef>
-              <a:spcAft>
-                <a:spcPts val="0"/>
-              </a:spcAft>
+            <a:pPr lvl="0">
               <a:buClr>
                 <a:schemeClr val="lt1"/>
               </a:buClr>
               <a:buSzPct val="25000"/>
-              <a:buFont typeface="Cabin"/>
-              <a:buNone/>
-            </a:pPr>
-            <a:r>
-              <a:rPr lang="en-US" sz="3200" b="1" i="0" u="none" strike="noStrike" cap="none" dirty="0">
+            </a:pPr>
+            <a:r>
+              <a:rPr lang="en-US" sz="3200" i="0" u="none" strike="noStrike" cap="none" dirty="0">
                 <a:solidFill>
                   <a:schemeClr val="lt1"/>
                 </a:solidFill>
@@ -37232,18 +37589,42 @@
               <a:t>    </a:t>
             </a:r>
             <a:r>
-              <a:rPr lang="en-US" sz="3200" b="1" i="0" u="none" strike="noStrike" cap="none" dirty="0" smtClean="0">
-                <a:solidFill>
-                  <a:schemeClr val="lt1"/>
-                </a:solidFill>
-                <a:latin typeface="Courier New"/>
-                <a:ea typeface="Courier New"/>
-                <a:cs typeface="Courier New"/>
-                <a:sym typeface="Courier New"/>
-              </a:rPr>
-              <a:t>print('Still bigger’)</a:t>
-            </a:r>
-            <a:endParaRPr lang="en-US" sz="3200" b="1" i="0" u="none" strike="noStrike" cap="none" dirty="0">
+              <a:rPr lang="en-US" sz="3200" i="0" u="none" strike="noStrike" cap="none" dirty="0" smtClean="0">
+                <a:solidFill>
+                  <a:schemeClr val="lt1"/>
+                </a:solidFill>
+                <a:latin typeface="Courier New"/>
+                <a:ea typeface="Courier New"/>
+                <a:cs typeface="Courier New"/>
+                <a:sym typeface="Courier New"/>
+              </a:rPr>
+              <a:t> print</a:t>
+            </a:r>
+            <a:r>
+              <a:rPr lang="en-US" sz="3200" i="0" u="none" strike="noStrike" cap="none" dirty="0" smtClean="0">
+                <a:solidFill>
+                  <a:schemeClr val="lt1"/>
+                </a:solidFill>
+                <a:latin typeface="Courier New"/>
+                <a:ea typeface="Courier New"/>
+                <a:cs typeface="Courier New"/>
+                <a:sym typeface="Courier New"/>
+              </a:rPr>
+              <a:t>('Still </a:t>
+            </a:r>
+            <a:r>
+              <a:rPr lang="en-US" sz="3200" dirty="0">
+                <a:solidFill>
+                  <a:schemeClr val="lt1"/>
+                </a:solidFill>
+                <a:latin typeface="Courier New"/>
+                <a:ea typeface="Courier New"/>
+                <a:cs typeface="Courier New"/>
+                <a:sym typeface="Courier New"/>
+              </a:rPr>
+              <a:t>bigger')</a:t>
+            </a:r>
+            <a:endParaRPr lang="en-US" sz="3200" i="0" u="none" strike="noStrike" cap="none" dirty="0">
               <a:solidFill>
                 <a:schemeClr val="lt1"/>
               </a:solidFill>
@@ -37254,37 +37635,38 @@
             </a:endParaRPr>
           </a:p>
           <a:p>
-            <a:pPr marL="0" marR="0" lvl="0" indent="0" algn="l" rtl="0">
-              <a:lnSpc>
-                <a:spcPct val="100000"/>
-              </a:lnSpc>
-              <a:spcBef>
-                <a:spcPts val="0"/>
-              </a:spcBef>
-              <a:spcAft>
-                <a:spcPts val="0"/>
-              </a:spcAft>
+            <a:pPr lvl="0">
               <a:buClr>
                 <a:schemeClr val="lt1"/>
               </a:buClr>
               <a:buSzPct val="25000"/>
-              <a:buFont typeface="Cabin"/>
-              <a:buNone/>
-            </a:pPr>
-            <a:r>
-              <a:rPr lang="en-US" sz="3200" b="1" i="0" u="none" strike="noStrike" cap="none" dirty="0" smtClean="0">
-                <a:solidFill>
-                  <a:schemeClr val="lt1"/>
-                </a:solidFill>
-                <a:latin typeface="Courier New"/>
-                <a:ea typeface="Courier New"/>
-                <a:cs typeface="Courier New"/>
-                <a:sym typeface="Courier New"/>
-              </a:rPr>
-              <a:t>print('Done </a:t>
-            </a:r>
-            <a:r>
-              <a:rPr lang="en-US" sz="3200" b="1" i="0" u="none" strike="noStrike" cap="none" dirty="0">
+            </a:pPr>
+            <a:r>
+              <a:rPr lang="en-US" sz="3200" i="0" u="none" strike="noStrike" cap="none" dirty="0" smtClean="0">
+                <a:solidFill>
+                  <a:schemeClr val="lt1"/>
+                </a:solidFill>
+                <a:latin typeface="Courier New"/>
+                <a:ea typeface="Courier New"/>
+                <a:cs typeface="Courier New"/>
+                <a:sym typeface="Courier New"/>
+              </a:rPr>
+              <a:t> print</a:t>
+            </a:r>
+            <a:r>
+              <a:rPr lang="en-US" sz="3200" i="0" u="none" strike="noStrike" cap="none" dirty="0" smtClean="0">
+                <a:solidFill>
+                  <a:schemeClr val="lt1"/>
+                </a:solidFill>
+                <a:latin typeface="Courier New"/>
+                <a:ea typeface="Courier New"/>
+                <a:cs typeface="Courier New"/>
+                <a:sym typeface="Courier New"/>
+              </a:rPr>
+              <a:t>('Done </a:t>
+            </a:r>
+            <a:r>
+              <a:rPr lang="en-US" sz="3200" i="0" u="none" strike="noStrike" cap="none" dirty="0">
                 <a:solidFill>
                   <a:schemeClr val="lt1"/>
                 </a:solidFill>
@@ -37296,18 +37678,18 @@
               <a:t>with </a:t>
             </a:r>
             <a:r>
-              <a:rPr lang="en-US" sz="3200" b="1" i="0" u="none" strike="noStrike" cap="none" dirty="0" smtClean="0">
-                <a:solidFill>
-                  <a:schemeClr val="lt1"/>
-                </a:solidFill>
-                <a:latin typeface="Courier New"/>
-                <a:ea typeface="Courier New"/>
-                <a:cs typeface="Courier New"/>
-                <a:sym typeface="Courier New"/>
-              </a:rPr>
-              <a:t>2’)</a:t>
-            </a:r>
-            <a:endParaRPr lang="en-US" sz="3200" b="1" i="0" u="none" strike="noStrike" cap="none" dirty="0">
+              <a:rPr lang="en-US" sz="3200" dirty="0">
+                <a:solidFill>
+                  <a:schemeClr val="lt1"/>
+                </a:solidFill>
+                <a:latin typeface="Courier New"/>
+                <a:ea typeface="Courier New"/>
+                <a:cs typeface="Courier New"/>
+                <a:sym typeface="Courier New"/>
+              </a:rPr>
+              <a:t>2')</a:t>
+            </a:r>
+            <a:endParaRPr lang="en-US" sz="3200" i="0" u="none" strike="noStrike" cap="none" dirty="0">
               <a:solidFill>
                 <a:schemeClr val="lt1"/>
               </a:solidFill>
@@ -37330,7 +37712,7 @@
               </a:spcAft>
               <a:buNone/>
             </a:pPr>
-            <a:endParaRPr sz="3200" b="1" i="0" u="none" strike="noStrike" cap="none" dirty="0">
+            <a:endParaRPr sz="3200" i="0" u="none" strike="noStrike" cap="none" dirty="0">
               <a:solidFill>
                 <a:schemeClr val="lt1"/>
               </a:solidFill>
@@ -37359,19 +37741,19 @@
               <a:buNone/>
             </a:pPr>
             <a:r>
-              <a:rPr lang="en-US" sz="3200" b="1" i="0" u="none" strike="noStrike" cap="none" dirty="0">
-                <a:solidFill>
-                  <a:schemeClr val="lt1"/>
-                </a:solidFill>
-                <a:latin typeface="Courier New"/>
-                <a:ea typeface="Courier New"/>
-                <a:cs typeface="Courier New"/>
-                <a:sym typeface="Courier New"/>
-              </a:rPr>
-              <a:t>for </a:t>
-            </a:r>
-            <a:r>
-              <a:rPr lang="en-US" sz="3200" b="1" i="0" u="none" strike="noStrike" cap="none" dirty="0" err="1">
+              <a:rPr lang="en-US" sz="3200" i="0" u="none" strike="noStrike" cap="none" dirty="0" smtClean="0">
+                <a:solidFill>
+                  <a:schemeClr val="lt1"/>
+                </a:solidFill>
+                <a:latin typeface="Courier New"/>
+                <a:ea typeface="Courier New"/>
+                <a:cs typeface="Courier New"/>
+                <a:sym typeface="Courier New"/>
+              </a:rPr>
+              <a:t> for </a:t>
+            </a:r>
+            <a:r>
+              <a:rPr lang="en-US" sz="3200" i="0" u="none" strike="noStrike" cap="none" dirty="0" err="1">
                 <a:solidFill>
                   <a:schemeClr val="lt1"/>
                 </a:solidFill>
@@ -37383,7 +37765,7 @@
               <a:t>i</a:t>
             </a:r>
             <a:r>
-              <a:rPr lang="en-US" sz="3200" b="1" i="0" u="none" strike="noStrike" cap="none" dirty="0">
+              <a:rPr lang="en-US" sz="3200" i="0" u="none" strike="noStrike" cap="none" dirty="0">
                 <a:solidFill>
                   <a:schemeClr val="lt1"/>
                 </a:solidFill>
@@ -37414,7 +37796,7 @@
               <a:buNone/>
             </a:pPr>
             <a:r>
-              <a:rPr lang="en-US" sz="3200" b="1" i="0" u="none" strike="noStrike" cap="none" dirty="0">
+              <a:rPr lang="en-US" sz="3200" i="0" u="none" strike="noStrike" cap="none" dirty="0">
                 <a:solidFill>
                   <a:schemeClr val="lt1"/>
                 </a:solidFill>
@@ -37426,19 +37808,31 @@
               <a:t>    </a:t>
             </a:r>
             <a:r>
-              <a:rPr lang="en-US" sz="3200" b="1" i="0" u="none" strike="noStrike" cap="none" dirty="0" smtClean="0">
-                <a:solidFill>
-                  <a:schemeClr val="lt1"/>
-                </a:solidFill>
-                <a:latin typeface="Courier New"/>
-                <a:ea typeface="Courier New"/>
-                <a:cs typeface="Courier New"/>
-                <a:sym typeface="Courier New"/>
-              </a:rPr>
-              <a:t>print(</a:t>
-            </a:r>
-            <a:r>
-              <a:rPr lang="en-US" sz="3200" b="1" i="0" u="none" strike="noStrike" cap="none" dirty="0" err="1" smtClean="0">
+              <a:rPr lang="en-US" sz="3200" i="0" u="none" strike="noStrike" cap="none" dirty="0" smtClean="0">
+                <a:solidFill>
+                  <a:schemeClr val="lt1"/>
+                </a:solidFill>
+                <a:latin typeface="Courier New"/>
+                <a:ea typeface="Courier New"/>
+                <a:cs typeface="Courier New"/>
+                <a:sym typeface="Courier New"/>
+              </a:rPr>
+              <a:t> print</a:t>
+            </a:r>
+            <a:r>
+              <a:rPr lang="en-US" sz="3200" i="0" u="none" strike="noStrike" cap="none" dirty="0" smtClean="0">
+                <a:solidFill>
+                  <a:schemeClr val="lt1"/>
+                </a:solidFill>
+                <a:latin typeface="Courier New"/>
+                <a:ea typeface="Courier New"/>
+                <a:cs typeface="Courier New"/>
+                <a:sym typeface="Courier New"/>
+              </a:rPr>
+              <a:t>(</a:t>
+            </a:r>
+            <a:r>
+              <a:rPr lang="en-US" sz="3200" i="0" u="none" strike="noStrike" cap="none" dirty="0" err="1" smtClean="0">
                 <a:solidFill>
                   <a:schemeClr val="lt1"/>
                 </a:solidFill>
@@ -37450,7 +37844,7 @@
               <a:t>i</a:t>
             </a:r>
             <a:r>
-              <a:rPr lang="en-US" sz="3200" b="1" i="0" u="none" strike="noStrike" cap="none" dirty="0" smtClean="0">
+              <a:rPr lang="en-US" sz="3200" i="0" u="none" strike="noStrike" cap="none" dirty="0" smtClean="0">
                 <a:solidFill>
                   <a:schemeClr val="lt1"/>
                 </a:solidFill>
@@ -37461,7 +37855,7 @@
               </a:rPr>
               <a:t>)</a:t>
             </a:r>
-            <a:endParaRPr lang="en-US" sz="3200" b="1" i="0" u="none" strike="noStrike" cap="none" dirty="0">
+            <a:endParaRPr lang="en-US" sz="3200" i="0" u="none" strike="noStrike" cap="none" dirty="0">
               <a:solidFill>
                 <a:schemeClr val="lt1"/>
               </a:solidFill>
@@ -37490,19 +37884,31 @@
               <a:buNone/>
             </a:pPr>
             <a:r>
-              <a:rPr lang="en-US" sz="3200" b="1" i="0" u="none" strike="noStrike" cap="none" dirty="0">
-                <a:solidFill>
-                  <a:schemeClr val="lt1"/>
-                </a:solidFill>
-                <a:latin typeface="Courier New"/>
-                <a:ea typeface="Courier New"/>
-                <a:cs typeface="Courier New"/>
-                <a:sym typeface="Courier New"/>
-              </a:rPr>
-              <a:t>    if </a:t>
-            </a:r>
-            <a:r>
-              <a:rPr lang="en-US" sz="3200" b="1" i="0" u="none" strike="noStrike" cap="none" dirty="0" err="1">
+              <a:rPr lang="en-US" sz="3200" i="0" u="none" strike="noStrike" cap="none" dirty="0">
+                <a:solidFill>
+                  <a:schemeClr val="lt1"/>
+                </a:solidFill>
+                <a:latin typeface="Courier New"/>
+                <a:ea typeface="Courier New"/>
+                <a:cs typeface="Courier New"/>
+                <a:sym typeface="Courier New"/>
+              </a:rPr>
+              <a:t>    </a:t>
+            </a:r>
+            <a:r>
+              <a:rPr lang="en-US" sz="3200" i="0" u="none" strike="noStrike" cap="none" dirty="0" smtClean="0">
+                <a:solidFill>
+                  <a:schemeClr val="lt1"/>
+                </a:solidFill>
+                <a:latin typeface="Courier New"/>
+                <a:ea typeface="Courier New"/>
+                <a:cs typeface="Courier New"/>
+                <a:sym typeface="Courier New"/>
+              </a:rPr>
+              <a:t> if </a:t>
+            </a:r>
+            <a:r>
+              <a:rPr lang="en-US" sz="3200" i="0" u="none" strike="noStrike" cap="none" dirty="0" err="1">
                 <a:solidFill>
                   <a:schemeClr val="lt1"/>
                 </a:solidFill>
@@ -37514,7 +37920,7 @@
               <a:t>i</a:t>
             </a:r>
             <a:r>
-              <a:rPr lang="en-US" sz="3200" b="1" i="0" u="none" strike="noStrike" cap="none" dirty="0">
+              <a:rPr lang="en-US" sz="3200" i="0" u="none" strike="noStrike" cap="none" dirty="0">
                 <a:solidFill>
                   <a:schemeClr val="lt1"/>
                 </a:solidFill>
@@ -37527,37 +37933,38 @@
             </a:r>
           </a:p>
           <a:p>
-            <a:pPr marL="0" marR="0" lvl="0" indent="0" algn="l" rtl="0">
-              <a:lnSpc>
-                <a:spcPct val="100000"/>
-              </a:lnSpc>
-              <a:spcBef>
-                <a:spcPts val="0"/>
-              </a:spcBef>
-              <a:spcAft>
-                <a:spcPts val="0"/>
-              </a:spcAft>
+            <a:pPr lvl="0">
               <a:buClr>
                 <a:schemeClr val="lt1"/>
               </a:buClr>
               <a:buSzPct val="25000"/>
-              <a:buFont typeface="Cabin"/>
-              <a:buNone/>
-            </a:pPr>
-            <a:r>
-              <a:rPr lang="en-US" sz="3200" b="1" i="0" u="none" strike="noStrike" cap="none" dirty="0">
-                <a:solidFill>
-                  <a:schemeClr val="lt1"/>
-                </a:solidFill>
-                <a:latin typeface="Courier New"/>
-                <a:ea typeface="Courier New"/>
-                <a:cs typeface="Courier New"/>
-                <a:sym typeface="Courier New"/>
-              </a:rPr>
-              <a:t>        </a:t>
-            </a:r>
-            <a:r>
-              <a:rPr lang="en-US" sz="3200" b="1" i="0" u="none" strike="noStrike" cap="none" dirty="0" smtClean="0">
+            </a:pPr>
+            <a:r>
+              <a:rPr lang="en-US" sz="3200" i="0" u="none" strike="noStrike" cap="none" dirty="0">
+                <a:solidFill>
+                  <a:schemeClr val="lt1"/>
+                </a:solidFill>
+                <a:latin typeface="Courier New"/>
+                <a:ea typeface="Courier New"/>
+                <a:cs typeface="Courier New"/>
+                <a:sym typeface="Courier New"/>
+              </a:rPr>
+              <a:t>       </a:t>
+            </a:r>
+            <a:r>
+              <a:rPr lang="en-US" sz="3200" i="0" u="none" strike="noStrike" cap="none" dirty="0" smtClean="0">
+                <a:solidFill>
+                  <a:schemeClr val="lt1"/>
+                </a:solidFill>
+                <a:latin typeface="Courier New"/>
+                <a:ea typeface="Courier New"/>
+                <a:cs typeface="Courier New"/>
+                <a:sym typeface="Courier New"/>
+              </a:rPr>
+              <a:t>  </a:t>
+            </a:r>
+            <a:r>
+              <a:rPr lang="en-US" sz="3200" i="0" u="none" strike="noStrike" cap="none" dirty="0" smtClean="0">
                 <a:solidFill>
                   <a:schemeClr val="lt1"/>
                 </a:solidFill>
@@ -37569,7 +37976,7 @@
               <a:t>print('Bigger </a:t>
             </a:r>
             <a:r>
-              <a:rPr lang="en-US" sz="3200" b="1" i="0" u="none" strike="noStrike" cap="none" dirty="0">
+              <a:rPr lang="en-US" sz="3200" i="0" u="none" strike="noStrike" cap="none" dirty="0">
                 <a:solidFill>
                   <a:schemeClr val="lt1"/>
                 </a:solidFill>
@@ -37581,18 +37988,18 @@
               <a:t>than </a:t>
             </a:r>
             <a:r>
-              <a:rPr lang="en-US" sz="3200" b="1" i="0" u="none" strike="noStrike" cap="none" dirty="0" smtClean="0">
-                <a:solidFill>
-                  <a:schemeClr val="lt1"/>
-                </a:solidFill>
-                <a:latin typeface="Courier New"/>
-                <a:ea typeface="Courier New"/>
-                <a:cs typeface="Courier New"/>
-                <a:sym typeface="Courier New"/>
-              </a:rPr>
-              <a:t>2’)</a:t>
-            </a:r>
-            <a:endParaRPr lang="en-US" sz="3200" b="1" i="0" u="none" strike="noStrike" cap="none" dirty="0">
+              <a:rPr lang="en-US" sz="3200" dirty="0">
+                <a:solidFill>
+                  <a:schemeClr val="lt1"/>
+                </a:solidFill>
+                <a:latin typeface="Courier New"/>
+                <a:ea typeface="Courier New"/>
+                <a:cs typeface="Courier New"/>
+                <a:sym typeface="Courier New"/>
+              </a:rPr>
+              <a:t>2')</a:t>
+            </a:r>
+            <a:endParaRPr lang="en-US" sz="3200" i="0" u="none" strike="noStrike" cap="none" dirty="0">
               <a:solidFill>
                 <a:schemeClr val="lt1"/>
               </a:solidFill>
@@ -37621,7 +38028,7 @@
               <a:buNone/>
             </a:pPr>
             <a:r>
-              <a:rPr lang="en-US" sz="3200" b="1" i="0" u="none" strike="noStrike" cap="none" dirty="0">
+              <a:rPr lang="en-US" sz="3200" i="0" u="none" strike="noStrike" cap="none" dirty="0">
                 <a:solidFill>
                   <a:schemeClr val="lt1"/>
                 </a:solidFill>
@@ -37633,19 +38040,31 @@
               <a:t>    </a:t>
             </a:r>
             <a:r>
-              <a:rPr lang="en-US" sz="3200" b="1" i="0" u="none" strike="noStrike" cap="none" dirty="0" smtClean="0">
-                <a:solidFill>
-                  <a:schemeClr val="lt1"/>
-                </a:solidFill>
-                <a:latin typeface="Courier New"/>
-                <a:ea typeface="Courier New"/>
-                <a:cs typeface="Courier New"/>
-                <a:sym typeface="Courier New"/>
-              </a:rPr>
-              <a:t>print('Done </a:t>
-            </a:r>
-            <a:r>
-              <a:rPr lang="en-US" sz="3200" b="1" i="0" u="none" strike="noStrike" cap="none" dirty="0">
+              <a:rPr lang="en-US" sz="3200" i="0" u="none" strike="noStrike" cap="none" dirty="0" smtClean="0">
+                <a:solidFill>
+                  <a:schemeClr val="lt1"/>
+                </a:solidFill>
+                <a:latin typeface="Courier New"/>
+                <a:ea typeface="Courier New"/>
+                <a:cs typeface="Courier New"/>
+                <a:sym typeface="Courier New"/>
+              </a:rPr>
+              <a:t> print</a:t>
+            </a:r>
+            <a:r>
+              <a:rPr lang="en-US" sz="3200" i="0" u="none" strike="noStrike" cap="none" dirty="0" smtClean="0">
+                <a:solidFill>
+                  <a:schemeClr val="lt1"/>
+                </a:solidFill>
+                <a:latin typeface="Courier New"/>
+                <a:ea typeface="Courier New"/>
+                <a:cs typeface="Courier New"/>
+                <a:sym typeface="Courier New"/>
+              </a:rPr>
+              <a:t>('Done </a:t>
+            </a:r>
+            <a:r>
+              <a:rPr lang="en-US" sz="3200" i="0" u="none" strike="noStrike" cap="none" dirty="0">
                 <a:solidFill>
                   <a:schemeClr val="lt1"/>
                 </a:solidFill>
@@ -37657,7 +38076,7 @@
               <a:t>with </a:t>
             </a:r>
             <a:r>
-              <a:rPr lang="en-US" sz="3200" b="1" i="0" u="none" strike="noStrike" cap="none" dirty="0" err="1">
+              <a:rPr lang="en-US" sz="3200" i="0" u="none" strike="noStrike" cap="none" dirty="0" err="1">
                 <a:solidFill>
                   <a:schemeClr val="lt1"/>
                 </a:solidFill>
@@ -37669,7 +38088,7 @@
               <a:t>i</a:t>
             </a:r>
             <a:r>
-              <a:rPr lang="en-US" sz="3200" b="1" i="0" u="none" strike="noStrike" cap="none" dirty="0">
+              <a:rPr lang="en-US" sz="3200" i="0" u="none" strike="noStrike" cap="none" dirty="0">
                 <a:solidFill>
                   <a:schemeClr val="lt1"/>
                 </a:solidFill>
@@ -37681,7 +38100,7 @@
               <a:t>', </a:t>
             </a:r>
             <a:r>
-              <a:rPr lang="en-US" sz="3200" b="1" i="0" u="none" strike="noStrike" cap="none" dirty="0" err="1" smtClean="0">
+              <a:rPr lang="en-US" sz="3200" i="0" u="none" strike="noStrike" cap="none" dirty="0" err="1" smtClean="0">
                 <a:solidFill>
                   <a:schemeClr val="lt1"/>
                 </a:solidFill>
@@ -37693,7 +38112,7 @@
               <a:t>i</a:t>
             </a:r>
             <a:r>
-              <a:rPr lang="en-US" sz="3200" b="1" i="0" u="none" strike="noStrike" cap="none" dirty="0" smtClean="0">
+              <a:rPr lang="en-US" sz="3200" i="0" u="none" strike="noStrike" cap="none" dirty="0" smtClean="0">
                 <a:solidFill>
                   <a:schemeClr val="lt1"/>
                 </a:solidFill>
@@ -37704,7 +38123,7 @@
               </a:rPr>
               <a:t>)</a:t>
             </a:r>
-            <a:endParaRPr lang="en-US" sz="3200" b="1" i="0" u="none" strike="noStrike" cap="none" dirty="0">
+            <a:endParaRPr lang="en-US" sz="3200" i="0" u="none" strike="noStrike" cap="none" dirty="0">
               <a:solidFill>
                 <a:schemeClr val="lt1"/>
               </a:solidFill>
@@ -37733,18 +38152,42 @@
               <a:buNone/>
             </a:pPr>
             <a:r>
-              <a:rPr lang="en-US" sz="3200" b="1" dirty="0" smtClean="0">
-                <a:solidFill>
-                  <a:schemeClr val="lt1"/>
-                </a:solidFill>
-                <a:latin typeface="Courier New"/>
-                <a:ea typeface="Courier New"/>
-                <a:cs typeface="Courier New"/>
-                <a:sym typeface="Courier New"/>
-              </a:rPr>
-              <a:t>print('All Done')</a:t>
-            </a:r>
-            <a:endParaRPr lang="en-US" sz="3200" b="1" dirty="0">
+              <a:rPr lang="en-US" sz="3200" dirty="0" smtClean="0">
+                <a:solidFill>
+                  <a:schemeClr val="lt1"/>
+                </a:solidFill>
+                <a:latin typeface="Courier New"/>
+                <a:ea typeface="Courier New"/>
+                <a:cs typeface="Courier New"/>
+                <a:sym typeface="Courier New"/>
+              </a:rPr>
+              <a:t> print</a:t>
+            </a:r>
+            <a:r>
+              <a:rPr lang="en-US" sz="3200" dirty="0" smtClean="0">
+                <a:solidFill>
+                  <a:schemeClr val="lt1"/>
+                </a:solidFill>
+                <a:latin typeface="Courier New"/>
+                <a:ea typeface="Courier New"/>
+                <a:cs typeface="Courier New"/>
+                <a:sym typeface="Courier New"/>
+              </a:rPr>
+              <a:t>('All Done'</a:t>
+            </a:r>
+            <a:r>
+              <a:rPr lang="en-US" sz="3200" dirty="0" smtClean="0">
+                <a:solidFill>
+                  <a:schemeClr val="lt1"/>
+                </a:solidFill>
+                <a:latin typeface="Courier New"/>
+                <a:ea typeface="Courier New"/>
+                <a:cs typeface="Courier New"/>
+                <a:sym typeface="Courier New"/>
+              </a:rPr>
+              <a:t>) </a:t>
+            </a:r>
+            <a:endParaRPr lang="en-US" sz="3200" dirty="0">
               <a:solidFill>
                 <a:schemeClr val="lt1"/>
               </a:solidFill>
@@ -37946,7 +38389,7 @@
         </p:nvCxnSpPr>
         <p:spPr>
           <a:xfrm>
-            <a:off x="3884075" y="4787900"/>
+            <a:off x="3261800" y="4787900"/>
             <a:ext cx="568200" cy="0"/>
           </a:xfrm>
           <a:prstGeom prst="straightConnector1">
@@ -37972,7 +38415,7 @@
         </p:nvCxnSpPr>
         <p:spPr>
           <a:xfrm rot="10800000">
-            <a:off x="3830000" y="3721062"/>
+            <a:off x="3818860" y="3721062"/>
             <a:ext cx="673199" cy="4799"/>
           </a:xfrm>
           <a:prstGeom prst="straightConnector1">
@@ -37998,7 +38441,7 @@
         </p:nvCxnSpPr>
         <p:spPr>
           <a:xfrm rot="10800000">
-            <a:off x="3830000" y="7188161"/>
+            <a:off x="4503199" y="7192961"/>
             <a:ext cx="673199" cy="4799"/>
           </a:xfrm>
           <a:prstGeom prst="straightConnector1">
@@ -38024,7 +38467,7 @@
         </p:nvCxnSpPr>
         <p:spPr>
           <a:xfrm>
-            <a:off x="3884075" y="7620000"/>
+            <a:off x="3794955" y="7620000"/>
             <a:ext cx="568200" cy="0"/>
           </a:xfrm>
           <a:prstGeom prst="straightConnector1">
@@ -38128,7 +38571,7 @@
         </p:nvCxnSpPr>
         <p:spPr>
           <a:xfrm rot="10800000">
-            <a:off x="3830000" y="5727662"/>
+            <a:off x="3261800" y="5718064"/>
             <a:ext cx="673199" cy="4799"/>
           </a:xfrm>
           <a:prstGeom prst="straightConnector1">
@@ -38154,7 +38597,7 @@
         </p:nvCxnSpPr>
         <p:spPr>
           <a:xfrm rot="10800000">
-            <a:off x="3830000" y="2705061"/>
+            <a:off x="3395540" y="2705061"/>
             <a:ext cx="673199" cy="4799"/>
           </a:xfrm>
           <a:prstGeom prst="straightConnector1">
@@ -38180,7 +38623,7 @@
         </p:nvCxnSpPr>
         <p:spPr>
           <a:xfrm rot="10800000">
-            <a:off x="3830000" y="3187661"/>
+            <a:off x="3395540" y="3187661"/>
             <a:ext cx="673199" cy="4799"/>
           </a:xfrm>
           <a:prstGeom prst="straightConnector1">
@@ -38206,7 +38649,7 @@
         </p:nvCxnSpPr>
         <p:spPr>
           <a:xfrm>
-            <a:off x="3884075" y="8077200"/>
+            <a:off x="3261800" y="8077200"/>
             <a:ext cx="568200" cy="0"/>
           </a:xfrm>
           <a:prstGeom prst="straightConnector1">
@@ -38232,7 +38675,7 @@
   <p:timing>
     <p:tnLst>
       <p:par>
-        <p:cTn id="1" dur="indefinite" restart="never" nodeType="tmRoot"/>
+        <p:cTn xmlns:p14="http://schemas.microsoft.com/office/powerpoint/2010/main" id="1" dur="indefinite" restart="never" nodeType="tmRoot"/>
       </p:par>
     </p:tnLst>
   </p:timing>

--- a/lectures3/Pythonlearn-03-Conditional.pptx
+++ b/lectures3/Pythonlearn-03-Conditional.pptx
@@ -247,7 +247,18 @@
   </p:defaultTextStyle>
   <p:extLst>
     <p:ext uri="{EFAFB233-063F-42B5-8137-9DF3F51BA10A}">
-      <p15:sldGuideLst xmlns:p15="http://schemas.microsoft.com/office/powerpoint/2012/main" xmlns=""/>
+      <p15:sldGuideLst xmlns:p15="http://schemas.microsoft.com/office/powerpoint/2012/main">
+        <p15:guide id="1" orient="horz" pos="2880">
+          <p15:clr>
+            <a:srgbClr val="A4A3A4"/>
+          </p15:clr>
+        </p15:guide>
+        <p15:guide id="2" pos="5120">
+          <p15:clr>
+            <a:srgbClr val="A4A3A4"/>
+          </p15:clr>
+        </p15:guide>
+      </p15:sldGuideLst>
     </p:ext>
   </p:extLst>
 </p:presentation>
@@ -567,13 +578,26 @@
               <a:buNone/>
             </a:pPr>
             <a:r>
-              <a:rPr lang="en-US">
+              <a:rPr lang="en-US" dirty="0">
                 <a:solidFill>
                   <a:schemeClr val="dk2"/>
                 </a:solidFill>
               </a:rPr>
-              <a:t>Note from Chuck.  If you are using these materials, you can remove the UM logo and replace it with your own, but please retain the CC-BY logo on the first page as well as retain the entire last page.</a:t>
-            </a:r>
+              <a:t>Note from Chuck.  If you are using these materials, you can remove the UM logo and replace it with your own, but please retain the CC-BY logo on the first page as well as retain the </a:t>
+            </a:r>
+            <a:r>
+              <a:rPr lang="en-US" dirty="0" smtClean="0">
+                <a:solidFill>
+                  <a:schemeClr val="dk2"/>
+                </a:solidFill>
+              </a:rPr>
+              <a:t>acknowledgement page(s).</a:t>
+            </a:r>
+            <a:endParaRPr lang="en-US" dirty="0">
+              <a:solidFill>
+                <a:schemeClr val="dk2"/>
+              </a:solidFill>
+            </a:endParaRPr>
           </a:p>
         </p:txBody>
       </p:sp>
@@ -6020,7 +6044,7 @@
   <p:timing>
     <p:tnLst>
       <p:par>
-        <p:cTn xmlns:p14="http://schemas.microsoft.com/office/powerpoint/2010/main" id="1" dur="indefinite" restart="never" nodeType="tmRoot"/>
+        <p:cTn id="1" dur="indefinite" restart="never" nodeType="tmRoot"/>
       </p:par>
     </p:tnLst>
   </p:timing>
@@ -6232,7 +6256,7 @@
               <a:buNone/>
             </a:pPr>
             <a:r>
-              <a:rPr lang="en-US" sz="3200" i="0" u="none" strike="noStrike" cap="none" dirty="0">
+              <a:rPr lang="en-US" sz="3200" b="1" i="0" u="none" strike="noStrike" cap="none" dirty="0">
                 <a:solidFill>
                   <a:schemeClr val="lt1"/>
                 </a:solidFill>
@@ -6263,7 +6287,7 @@
               <a:buNone/>
             </a:pPr>
             <a:r>
-              <a:rPr lang="en-US" sz="3200" i="0" u="none" strike="noStrike" cap="none" dirty="0">
+              <a:rPr lang="en-US" sz="3200" b="1" i="0" u="none" strike="noStrike" cap="none" dirty="0">
                 <a:solidFill>
                   <a:schemeClr val="lt1"/>
                 </a:solidFill>
@@ -6283,7 +6307,7 @@
               <a:buSzPct val="25000"/>
             </a:pPr>
             <a:r>
-              <a:rPr lang="en-US" sz="3200" i="0" u="none" strike="noStrike" cap="none" dirty="0">
+              <a:rPr lang="en-US" sz="3200" b="1" i="0" u="none" strike="noStrike" cap="none" dirty="0">
                 <a:solidFill>
                   <a:schemeClr val="lt1"/>
                 </a:solidFill>
@@ -6295,7 +6319,7 @@
               <a:t>    </a:t>
             </a:r>
             <a:r>
-              <a:rPr lang="en-US" sz="3200" i="0" u="none" strike="noStrike" cap="none" dirty="0" smtClean="0">
+              <a:rPr lang="en-US" sz="3200" b="1" i="0" u="none" strike="noStrike" cap="none" dirty="0" smtClean="0">
                 <a:solidFill>
                   <a:schemeClr val="lt1"/>
                 </a:solidFill>
@@ -6307,7 +6331,7 @@
               <a:t>print('Bigger </a:t>
             </a:r>
             <a:r>
-              <a:rPr lang="en-US" sz="3200" i="0" u="none" strike="noStrike" cap="none" dirty="0">
+              <a:rPr lang="en-US" sz="3200" b="1" i="0" u="none" strike="noStrike" cap="none" dirty="0">
                 <a:solidFill>
                   <a:schemeClr val="lt1"/>
                 </a:solidFill>
@@ -6319,7 +6343,7 @@
               <a:t>than </a:t>
             </a:r>
             <a:r>
-              <a:rPr lang="en-US" sz="3200" dirty="0">
+              <a:rPr lang="en-US" sz="3200" b="1" dirty="0">
                 <a:solidFill>
                   <a:schemeClr val="lt1"/>
                 </a:solidFill>
@@ -6330,7 +6354,7 @@
               </a:rPr>
               <a:t>2')</a:t>
             </a:r>
-            <a:endParaRPr lang="en-US" sz="3200" i="0" u="none" strike="noStrike" cap="none" dirty="0">
+            <a:endParaRPr lang="en-US" sz="3200" b="1" i="0" u="none" strike="noStrike" cap="none" dirty="0">
               <a:solidFill>
                 <a:schemeClr val="lt1"/>
               </a:solidFill>
@@ -6348,7 +6372,7 @@
               <a:buSzPct val="25000"/>
             </a:pPr>
             <a:r>
-              <a:rPr lang="en-US" sz="3200" i="0" u="none" strike="noStrike" cap="none" dirty="0">
+              <a:rPr lang="en-US" sz="3200" b="1" i="0" u="none" strike="noStrike" cap="none" dirty="0">
                 <a:solidFill>
                   <a:schemeClr val="lt1"/>
                 </a:solidFill>
@@ -6360,7 +6384,7 @@
               <a:t>    </a:t>
             </a:r>
             <a:r>
-              <a:rPr lang="en-US" sz="3200" i="0" u="none" strike="noStrike" cap="none" dirty="0" smtClean="0">
+              <a:rPr lang="en-US" sz="3200" b="1" i="0" u="none" strike="noStrike" cap="none" dirty="0" smtClean="0">
                 <a:solidFill>
                   <a:schemeClr val="lt1"/>
                 </a:solidFill>
@@ -6372,7 +6396,7 @@
               <a:t>print('Still </a:t>
             </a:r>
             <a:r>
-              <a:rPr lang="en-US" sz="3200" dirty="0">
+              <a:rPr lang="en-US" sz="3200" b="1" dirty="0">
                 <a:solidFill>
                   <a:schemeClr val="lt1"/>
                 </a:solidFill>
@@ -6383,7 +6407,7 @@
               </a:rPr>
               <a:t>bigger')</a:t>
             </a:r>
-            <a:endParaRPr lang="en-US" sz="3200" i="0" u="none" strike="noStrike" cap="none" dirty="0">
+            <a:endParaRPr lang="en-US" sz="3200" b="1" i="0" u="none" strike="noStrike" cap="none" dirty="0">
               <a:solidFill>
                 <a:schemeClr val="lt1"/>
               </a:solidFill>
@@ -6412,7 +6436,7 @@
               <a:buNone/>
             </a:pPr>
             <a:r>
-              <a:rPr lang="en-US" sz="3200" i="0" u="none" strike="noStrike" cap="none" dirty="0" smtClean="0">
+              <a:rPr lang="en-US" sz="3200" b="1" i="0" u="none" strike="noStrike" cap="none" dirty="0" smtClean="0">
                 <a:solidFill>
                   <a:schemeClr val="lt1"/>
                 </a:solidFill>
@@ -6424,7 +6448,7 @@
               <a:t>print('Done </a:t>
             </a:r>
             <a:r>
-              <a:rPr lang="en-US" sz="3200" i="0" u="none" strike="noStrike" cap="none" dirty="0">
+              <a:rPr lang="en-US" sz="3200" b="1" i="0" u="none" strike="noStrike" cap="none" dirty="0">
                 <a:solidFill>
                   <a:schemeClr val="lt1"/>
                 </a:solidFill>
@@ -6436,7 +6460,7 @@
               <a:t>with </a:t>
             </a:r>
             <a:r>
-              <a:rPr lang="en-US" sz="3200" i="0" u="none" strike="noStrike" cap="none" dirty="0" smtClean="0">
+              <a:rPr lang="en-US" sz="3200" b="1" i="0" u="none" strike="noStrike" cap="none" dirty="0" smtClean="0">
                 <a:solidFill>
                   <a:schemeClr val="lt1"/>
                 </a:solidFill>
@@ -6447,7 +6471,7 @@
               </a:rPr>
               <a:t>2’)</a:t>
             </a:r>
-            <a:endParaRPr lang="en-US" sz="3200" i="0" u="none" strike="noStrike" cap="none" dirty="0">
+            <a:endParaRPr lang="en-US" sz="3200" b="1" i="0" u="none" strike="noStrike" cap="none" dirty="0">
               <a:solidFill>
                 <a:schemeClr val="lt1"/>
               </a:solidFill>
@@ -6470,7 +6494,7 @@
               </a:spcAft>
               <a:buNone/>
             </a:pPr>
-            <a:endParaRPr sz="3200" i="0" u="none" strike="noStrike" cap="none" dirty="0">
+            <a:endParaRPr sz="3200" b="1" i="0" u="none" strike="noStrike" cap="none" dirty="0">
               <a:solidFill>
                 <a:schemeClr val="lt1"/>
               </a:solidFill>
@@ -6499,7 +6523,7 @@
               <a:buNone/>
             </a:pPr>
             <a:r>
-              <a:rPr lang="en-US" sz="3200" i="0" u="none" strike="noStrike" cap="none" dirty="0">
+              <a:rPr lang="en-US" sz="3200" b="1" i="0" u="none" strike="noStrike" cap="none" dirty="0">
                 <a:solidFill>
                   <a:schemeClr val="lt1"/>
                 </a:solidFill>
@@ -6511,7 +6535,7 @@
               <a:t>for </a:t>
             </a:r>
             <a:r>
-              <a:rPr lang="en-US" sz="3200" i="0" u="none" strike="noStrike" cap="none" dirty="0" err="1">
+              <a:rPr lang="en-US" sz="3200" b="1" i="0" u="none" strike="noStrike" cap="none" dirty="0" err="1">
                 <a:solidFill>
                   <a:schemeClr val="lt1"/>
                 </a:solidFill>
@@ -6523,7 +6547,7 @@
               <a:t>i</a:t>
             </a:r>
             <a:r>
-              <a:rPr lang="en-US" sz="3200" i="0" u="none" strike="noStrike" cap="none" dirty="0">
+              <a:rPr lang="en-US" sz="3200" b="1" i="0" u="none" strike="noStrike" cap="none" dirty="0">
                 <a:solidFill>
                   <a:schemeClr val="lt1"/>
                 </a:solidFill>
@@ -6554,7 +6578,7 @@
               <a:buNone/>
             </a:pPr>
             <a:r>
-              <a:rPr lang="en-US" sz="3200" i="0" u="none" strike="noStrike" cap="none" dirty="0">
+              <a:rPr lang="en-US" sz="3200" b="1" i="0" u="none" strike="noStrike" cap="none" dirty="0">
                 <a:solidFill>
                   <a:schemeClr val="lt1"/>
                 </a:solidFill>
@@ -6566,7 +6590,7 @@
               <a:t>    </a:t>
             </a:r>
             <a:r>
-              <a:rPr lang="en-US" sz="3200" i="0" u="none" strike="noStrike" cap="none" dirty="0" smtClean="0">
+              <a:rPr lang="en-US" sz="3200" b="1" i="0" u="none" strike="noStrike" cap="none" dirty="0" smtClean="0">
                 <a:solidFill>
                   <a:schemeClr val="lt1"/>
                 </a:solidFill>
@@ -6578,7 +6602,7 @@
               <a:t>print(</a:t>
             </a:r>
             <a:r>
-              <a:rPr lang="en-US" sz="3200" i="0" u="none" strike="noStrike" cap="none" dirty="0" err="1" smtClean="0">
+              <a:rPr lang="en-US" sz="3200" b="1" i="0" u="none" strike="noStrike" cap="none" dirty="0" err="1" smtClean="0">
                 <a:solidFill>
                   <a:schemeClr val="lt1"/>
                 </a:solidFill>
@@ -6590,7 +6614,7 @@
               <a:t>i</a:t>
             </a:r>
             <a:r>
-              <a:rPr lang="en-US" sz="3200" i="0" u="none" strike="noStrike" cap="none" dirty="0" smtClean="0">
+              <a:rPr lang="en-US" sz="3200" b="1" i="0" u="none" strike="noStrike" cap="none" dirty="0" smtClean="0">
                 <a:solidFill>
                   <a:schemeClr val="lt1"/>
                 </a:solidFill>
@@ -6601,7 +6625,7 @@
               </a:rPr>
               <a:t>)</a:t>
             </a:r>
-            <a:endParaRPr lang="en-US" sz="3200" i="0" u="none" strike="noStrike" cap="none" dirty="0">
+            <a:endParaRPr lang="en-US" sz="3200" b="1" i="0" u="none" strike="noStrike" cap="none" dirty="0">
               <a:solidFill>
                 <a:schemeClr val="lt1"/>
               </a:solidFill>
@@ -6630,7 +6654,7 @@
               <a:buNone/>
             </a:pPr>
             <a:r>
-              <a:rPr lang="en-US" sz="3200" i="0" u="none" strike="noStrike" cap="none" dirty="0">
+              <a:rPr lang="en-US" sz="3200" b="1" i="0" u="none" strike="noStrike" cap="none" dirty="0">
                 <a:solidFill>
                   <a:schemeClr val="lt1"/>
                 </a:solidFill>
@@ -6642,7 +6666,7 @@
               <a:t>    if </a:t>
             </a:r>
             <a:r>
-              <a:rPr lang="en-US" sz="3200" i="0" u="none" strike="noStrike" cap="none" dirty="0" err="1">
+              <a:rPr lang="en-US" sz="3200" b="1" i="0" u="none" strike="noStrike" cap="none" dirty="0" err="1">
                 <a:solidFill>
                   <a:schemeClr val="lt1"/>
                 </a:solidFill>
@@ -6654,7 +6678,7 @@
               <a:t>i</a:t>
             </a:r>
             <a:r>
-              <a:rPr lang="en-US" sz="3200" i="0" u="none" strike="noStrike" cap="none" dirty="0">
+              <a:rPr lang="en-US" sz="3200" b="1" i="0" u="none" strike="noStrike" cap="none" dirty="0">
                 <a:solidFill>
                   <a:schemeClr val="lt1"/>
                 </a:solidFill>
@@ -6674,7 +6698,7 @@
               <a:buSzPct val="25000"/>
             </a:pPr>
             <a:r>
-              <a:rPr lang="en-US" sz="3200" i="0" u="none" strike="noStrike" cap="none" dirty="0">
+              <a:rPr lang="en-US" sz="3200" b="1" i="0" u="none" strike="noStrike" cap="none" dirty="0">
                 <a:solidFill>
                   <a:schemeClr val="lt1"/>
                 </a:solidFill>
@@ -6686,7 +6710,7 @@
               <a:t>        </a:t>
             </a:r>
             <a:r>
-              <a:rPr lang="en-US" sz="3200" i="0" u="none" strike="noStrike" cap="none" dirty="0" smtClean="0">
+              <a:rPr lang="en-US" sz="3200" b="1" i="0" u="none" strike="noStrike" cap="none" dirty="0" smtClean="0">
                 <a:solidFill>
                   <a:schemeClr val="lt1"/>
                 </a:solidFill>
@@ -6698,7 +6722,7 @@
               <a:t>print('Bigger </a:t>
             </a:r>
             <a:r>
-              <a:rPr lang="en-US" sz="3200" i="0" u="none" strike="noStrike" cap="none" dirty="0">
+              <a:rPr lang="en-US" sz="3200" b="1" i="0" u="none" strike="noStrike" cap="none" dirty="0">
                 <a:solidFill>
                   <a:schemeClr val="lt1"/>
                 </a:solidFill>
@@ -6710,7 +6734,7 @@
               <a:t>than </a:t>
             </a:r>
             <a:r>
-              <a:rPr lang="en-US" sz="3200" dirty="0">
+              <a:rPr lang="en-US" sz="3200" b="1" dirty="0">
                 <a:solidFill>
                   <a:schemeClr val="lt1"/>
                 </a:solidFill>
@@ -6721,7 +6745,7 @@
               </a:rPr>
               <a:t>2')</a:t>
             </a:r>
-            <a:endParaRPr lang="en-US" sz="3200" i="0" u="none" strike="noStrike" cap="none" dirty="0">
+            <a:endParaRPr lang="en-US" sz="3200" b="1" i="0" u="none" strike="noStrike" cap="none" dirty="0">
               <a:solidFill>
                 <a:schemeClr val="lt1"/>
               </a:solidFill>
@@ -6750,7 +6774,7 @@
               <a:buNone/>
             </a:pPr>
             <a:r>
-              <a:rPr lang="en-US" sz="3200" i="0" u="none" strike="noStrike" cap="none" dirty="0">
+              <a:rPr lang="en-US" sz="3200" b="1" i="0" u="none" strike="noStrike" cap="none" dirty="0">
                 <a:solidFill>
                   <a:schemeClr val="lt1"/>
                 </a:solidFill>
@@ -6762,7 +6786,7 @@
               <a:t>    </a:t>
             </a:r>
             <a:r>
-              <a:rPr lang="en-US" sz="3200" i="0" u="none" strike="noStrike" cap="none" dirty="0" smtClean="0">
+              <a:rPr lang="en-US" sz="3200" b="1" i="0" u="none" strike="noStrike" cap="none" dirty="0" smtClean="0">
                 <a:solidFill>
                   <a:schemeClr val="lt1"/>
                 </a:solidFill>
@@ -6774,7 +6798,7 @@
               <a:t>print('Done </a:t>
             </a:r>
             <a:r>
-              <a:rPr lang="en-US" sz="3200" i="0" u="none" strike="noStrike" cap="none" dirty="0">
+              <a:rPr lang="en-US" sz="3200" b="1" i="0" u="none" strike="noStrike" cap="none" dirty="0">
                 <a:solidFill>
                   <a:schemeClr val="lt1"/>
                 </a:solidFill>
@@ -6786,7 +6810,7 @@
               <a:t>with </a:t>
             </a:r>
             <a:r>
-              <a:rPr lang="en-US" sz="3200" i="0" u="none" strike="noStrike" cap="none" dirty="0" err="1">
+              <a:rPr lang="en-US" sz="3200" b="1" i="0" u="none" strike="noStrike" cap="none" dirty="0" err="1">
                 <a:solidFill>
                   <a:schemeClr val="lt1"/>
                 </a:solidFill>
@@ -6798,7 +6822,7 @@
               <a:t>i</a:t>
             </a:r>
             <a:r>
-              <a:rPr lang="en-US" sz="3200" i="0" u="none" strike="noStrike" cap="none" dirty="0">
+              <a:rPr lang="en-US" sz="3200" b="1" i="0" u="none" strike="noStrike" cap="none" dirty="0">
                 <a:solidFill>
                   <a:schemeClr val="lt1"/>
                 </a:solidFill>
@@ -6810,7 +6834,7 @@
               <a:t>', </a:t>
             </a:r>
             <a:r>
-              <a:rPr lang="en-US" sz="3200" i="0" u="none" strike="noStrike" cap="none" dirty="0" err="1" smtClean="0">
+              <a:rPr lang="en-US" sz="3200" b="1" i="0" u="none" strike="noStrike" cap="none" dirty="0" err="1" smtClean="0">
                 <a:solidFill>
                   <a:schemeClr val="lt1"/>
                 </a:solidFill>
@@ -6822,7 +6846,7 @@
               <a:t>i</a:t>
             </a:r>
             <a:r>
-              <a:rPr lang="en-US" sz="3200" i="0" u="none" strike="noStrike" cap="none" dirty="0" smtClean="0">
+              <a:rPr lang="en-US" sz="3200" b="1" i="0" u="none" strike="noStrike" cap="none" dirty="0" smtClean="0">
                 <a:solidFill>
                   <a:schemeClr val="lt1"/>
                 </a:solidFill>
@@ -6833,7 +6857,7 @@
               </a:rPr>
               <a:t>)</a:t>
             </a:r>
-            <a:endParaRPr lang="en-US" sz="3200" i="0" u="none" strike="noStrike" cap="none" dirty="0">
+            <a:endParaRPr lang="en-US" sz="3200" b="1" i="0" u="none" strike="noStrike" cap="none" dirty="0">
               <a:solidFill>
                 <a:schemeClr val="lt1"/>
               </a:solidFill>
@@ -6862,7 +6886,7 @@
               <a:buNone/>
             </a:pPr>
             <a:r>
-              <a:rPr lang="en-US" sz="3200" dirty="0" smtClean="0">
+              <a:rPr lang="en-US" sz="3200" b="1" dirty="0" smtClean="0">
                 <a:solidFill>
                   <a:schemeClr val="lt1"/>
                 </a:solidFill>
@@ -6873,7 +6897,7 @@
               </a:rPr>
               <a:t>print('All Done')</a:t>
             </a:r>
-            <a:endParaRPr lang="en-US" sz="3200" dirty="0">
+            <a:endParaRPr lang="en-US" sz="3200" b="1" dirty="0">
               <a:solidFill>
                 <a:schemeClr val="lt1"/>
               </a:solidFill>
@@ -6978,7 +7002,7 @@
   <p:timing>
     <p:tnLst>
       <p:par>
-        <p:cTn xmlns:p14="http://schemas.microsoft.com/office/powerpoint/2010/main" id="1" dur="indefinite" restart="never" nodeType="tmRoot"/>
+        <p:cTn id="1" dur="indefinite" restart="never" nodeType="tmRoot"/>
       </p:par>
     </p:tnLst>
   </p:timing>
@@ -7045,7 +7069,7 @@
               <a:buNone/>
             </a:pPr>
             <a:r>
-              <a:rPr lang="en-US" sz="3000" i="0" u="none" strike="noStrike" cap="none" dirty="0">
+              <a:rPr lang="en-US" sz="3000" b="1" i="0" u="none" strike="noStrike" cap="none" dirty="0">
                 <a:solidFill>
                   <a:schemeClr val="lt1"/>
                 </a:solidFill>
@@ -7076,7 +7100,7 @@
               <a:buNone/>
             </a:pPr>
             <a:r>
-              <a:rPr lang="en-US" sz="3000" i="0" u="none" strike="noStrike" cap="none" dirty="0">
+              <a:rPr lang="en-US" sz="3000" b="1" i="0" u="none" strike="noStrike" cap="none" dirty="0">
                 <a:solidFill>
                   <a:srgbClr val="00FF00"/>
                 </a:solidFill>
@@ -7096,7 +7120,7 @@
               <a:buSzPct val="25000"/>
             </a:pPr>
             <a:r>
-              <a:rPr lang="en-US" sz="3000" i="0" u="none" strike="noStrike" cap="none" dirty="0">
+              <a:rPr lang="en-US" sz="3000" b="1" i="0" u="none" strike="noStrike" cap="none" dirty="0">
                 <a:solidFill>
                   <a:srgbClr val="00FF00"/>
                 </a:solidFill>
@@ -7108,7 +7132,7 @@
               <a:t>    </a:t>
             </a:r>
             <a:r>
-              <a:rPr lang="en-US" sz="3000" i="0" u="none" strike="noStrike" cap="none" dirty="0" smtClean="0">
+              <a:rPr lang="en-US" sz="3000" b="1" i="0" u="none" strike="noStrike" cap="none" dirty="0" smtClean="0">
                 <a:solidFill>
                   <a:srgbClr val="00FF00"/>
                 </a:solidFill>
@@ -7120,7 +7144,7 @@
               <a:t>print('More </a:t>
             </a:r>
             <a:r>
-              <a:rPr lang="en-US" sz="3000" i="0" u="none" strike="noStrike" cap="none" dirty="0">
+              <a:rPr lang="en-US" sz="3000" b="1" i="0" u="none" strike="noStrike" cap="none" dirty="0">
                 <a:solidFill>
                   <a:srgbClr val="00FF00"/>
                 </a:solidFill>
@@ -7132,7 +7156,7 @@
               <a:t>than one</a:t>
             </a:r>
             <a:r>
-              <a:rPr lang="en-US" sz="3000" dirty="0">
+              <a:rPr lang="en-US" sz="3000" b="1" dirty="0">
                 <a:solidFill>
                   <a:srgbClr val="00FF00"/>
                 </a:solidFill>
@@ -7143,7 +7167,7 @@
               </a:rPr>
               <a:t>')</a:t>
             </a:r>
-            <a:endParaRPr lang="en-US" sz="3000" i="0" u="none" strike="noStrike" cap="none" dirty="0">
+            <a:endParaRPr lang="en-US" sz="3000" b="1" i="0" u="none" strike="noStrike" cap="none" dirty="0">
               <a:solidFill>
                 <a:srgbClr val="00FF00"/>
               </a:solidFill>
@@ -7172,7 +7196,7 @@
               <a:buNone/>
             </a:pPr>
             <a:r>
-              <a:rPr lang="en-US" sz="3000" i="0" u="none" strike="noStrike" cap="none" dirty="0">
+              <a:rPr lang="en-US" sz="3000" b="1" i="0" u="none" strike="noStrike" cap="none" dirty="0">
                 <a:solidFill>
                   <a:schemeClr val="lt1"/>
                 </a:solidFill>
@@ -7184,7 +7208,7 @@
               <a:t>   </a:t>
             </a:r>
             <a:r>
-              <a:rPr lang="en-US" sz="3000" i="0" u="none" strike="noStrike" cap="none" dirty="0">
+              <a:rPr lang="en-US" sz="3000" b="1" i="0" u="none" strike="noStrike" cap="none" dirty="0">
                 <a:solidFill>
                   <a:srgbClr val="FF00FF"/>
                 </a:solidFill>
@@ -7196,7 +7220,7 @@
               <a:t> </a:t>
             </a:r>
             <a:r>
-              <a:rPr lang="en-US" sz="3000" i="0" u="none" strike="noStrike" cap="none" dirty="0">
+              <a:rPr lang="en-US" sz="3000" b="1" i="0" u="none" strike="noStrike" cap="none" dirty="0">
                 <a:solidFill>
                   <a:srgbClr val="FF9900"/>
                 </a:solidFill>
@@ -7216,7 +7240,7 @@
               <a:buSzPct val="25000"/>
             </a:pPr>
             <a:r>
-              <a:rPr lang="en-US" sz="3000" i="0" u="none" strike="noStrike" cap="none" dirty="0">
+              <a:rPr lang="en-US" sz="3000" b="1" i="0" u="none" strike="noStrike" cap="none" dirty="0">
                 <a:solidFill>
                   <a:srgbClr val="FF9900"/>
                 </a:solidFill>
@@ -7228,7 +7252,7 @@
               <a:t>        </a:t>
             </a:r>
             <a:r>
-              <a:rPr lang="en-US" sz="3000" i="0" u="none" strike="noStrike" cap="none" dirty="0" smtClean="0">
+              <a:rPr lang="en-US" sz="3000" b="1" i="0" u="none" strike="noStrike" cap="none" dirty="0" smtClean="0">
                 <a:solidFill>
                   <a:srgbClr val="FF9900"/>
                 </a:solidFill>
@@ -7240,7 +7264,7 @@
               <a:t>print('Less </a:t>
             </a:r>
             <a:r>
-              <a:rPr lang="en-US" sz="3000" i="0" u="none" strike="noStrike" cap="none" dirty="0">
+              <a:rPr lang="en-US" sz="3000" b="1" i="0" u="none" strike="noStrike" cap="none" dirty="0">
                 <a:solidFill>
                   <a:srgbClr val="FF9900"/>
                 </a:solidFill>
@@ -7252,7 +7276,7 @@
               <a:t>than 100</a:t>
             </a:r>
             <a:r>
-              <a:rPr lang="en-US" sz="3000" dirty="0">
+              <a:rPr lang="en-US" sz="3000" b="1" dirty="0">
                 <a:solidFill>
                   <a:srgbClr val="FF9900"/>
                 </a:solidFill>
@@ -7263,7 +7287,7 @@
               </a:rPr>
               <a:t>') </a:t>
             </a:r>
-            <a:endParaRPr lang="en-US" sz="3000" i="0" u="none" strike="noStrike" cap="none" dirty="0">
+            <a:endParaRPr lang="en-US" sz="3000" b="1" i="0" u="none" strike="noStrike" cap="none" dirty="0">
               <a:solidFill>
                 <a:srgbClr val="FF9900"/>
               </a:solidFill>
@@ -7281,7 +7305,7 @@
               <a:buSzPct val="25000"/>
             </a:pPr>
             <a:r>
-              <a:rPr lang="en-US" sz="3000" i="0" u="none" strike="noStrike" cap="none" dirty="0" smtClean="0">
+              <a:rPr lang="en-US" sz="3000" b="1" i="0" u="none" strike="noStrike" cap="none" dirty="0" smtClean="0">
                 <a:solidFill>
                   <a:srgbClr val="00FFFF"/>
                 </a:solidFill>
@@ -7293,7 +7317,7 @@
               <a:t>print('All </a:t>
             </a:r>
             <a:r>
-              <a:rPr lang="en-US" sz="3000" i="0" u="none" strike="noStrike" cap="none" dirty="0">
+              <a:rPr lang="en-US" sz="3000" b="1" i="0" u="none" strike="noStrike" cap="none" dirty="0">
                 <a:solidFill>
                   <a:srgbClr val="00FFFF"/>
                 </a:solidFill>
@@ -7305,7 +7329,7 @@
               <a:t>done</a:t>
             </a:r>
             <a:r>
-              <a:rPr lang="en-US" sz="3000" dirty="0">
+              <a:rPr lang="en-US" sz="3000" b="1" dirty="0">
                 <a:solidFill>
                   <a:srgbClr val="00FFFF"/>
                 </a:solidFill>
@@ -7316,7 +7340,7 @@
               </a:rPr>
               <a:t>')</a:t>
             </a:r>
-            <a:endParaRPr lang="en-US" sz="3000" i="0" u="none" strike="noStrike" cap="none" dirty="0">
+            <a:endParaRPr lang="en-US" sz="3000" b="1" i="0" u="none" strike="noStrike" cap="none" dirty="0">
               <a:solidFill>
                 <a:srgbClr val="00FFFF"/>
               </a:solidFill>
@@ -8277,7 +8301,7 @@
   <p:timing>
     <p:tnLst>
       <p:par>
-        <p:cTn xmlns:p14="http://schemas.microsoft.com/office/powerpoint/2010/main" id="1" dur="indefinite" restart="never" nodeType="tmRoot"/>
+        <p:cTn id="1" dur="indefinite" restart="never" nodeType="tmRoot"/>
       </p:par>
     </p:tnLst>
   </p:timing>
@@ -9241,7 +9265,7 @@
   <p:timing>
     <p:tnLst>
       <p:par>
-        <p:cTn xmlns:p14="http://schemas.microsoft.com/office/powerpoint/2010/main" id="1" dur="indefinite" restart="never" nodeType="tmRoot"/>
+        <p:cTn id="1" dur="indefinite" restart="never" nodeType="tmRoot"/>
       </p:par>
     </p:tnLst>
   </p:timing>
@@ -10149,7 +10173,7 @@
               <a:buNone/>
             </a:pPr>
             <a:r>
-              <a:rPr lang="en-US" sz="3000" i="0" u="none" strike="noStrike" cap="none" dirty="0">
+              <a:rPr lang="en-US" sz="3000" b="1" i="0" u="none" strike="noStrike" cap="none" dirty="0">
                 <a:solidFill>
                   <a:srgbClr val="FFFFFF"/>
                 </a:solidFill>
@@ -10174,7 +10198,7 @@
               </a:spcAft>
               <a:buNone/>
             </a:pPr>
-            <a:endParaRPr sz="3000" i="0" u="none" strike="noStrike" cap="none" dirty="0">
+            <a:endParaRPr sz="3000" b="1" i="0" u="none" strike="noStrike" cap="none" dirty="0">
               <a:solidFill>
                 <a:schemeClr val="lt1"/>
               </a:solidFill>
@@ -10203,7 +10227,7 @@
               <a:buNone/>
             </a:pPr>
             <a:r>
-              <a:rPr lang="en-US" sz="3000" i="0" u="none" strike="noStrike" cap="none" dirty="0">
+              <a:rPr lang="en-US" sz="3000" b="1" i="0" u="none" strike="noStrike" cap="none" dirty="0">
                 <a:solidFill>
                   <a:srgbClr val="00FF00"/>
                 </a:solidFill>
@@ -10234,7 +10258,7 @@
               <a:buNone/>
             </a:pPr>
             <a:r>
-              <a:rPr lang="en-US" sz="3000" i="0" u="none" strike="noStrike" cap="none" dirty="0">
+              <a:rPr lang="en-US" sz="3000" b="1" i="0" u="none" strike="noStrike" cap="none" dirty="0">
                 <a:solidFill>
                   <a:srgbClr val="00FF00"/>
                 </a:solidFill>
@@ -10246,7 +10270,7 @@
               <a:t>    </a:t>
             </a:r>
             <a:r>
-              <a:rPr lang="en-US" sz="3000" i="0" u="none" strike="noStrike" cap="none" dirty="0" smtClean="0">
+              <a:rPr lang="en-US" sz="3000" b="1" i="0" u="none" strike="noStrike" cap="none" dirty="0" smtClean="0">
                 <a:solidFill>
                   <a:srgbClr val="00FF00"/>
                 </a:solidFill>
@@ -10257,7 +10281,7 @@
               </a:rPr>
               <a:t>print('Bigger')</a:t>
             </a:r>
-            <a:endParaRPr lang="en-US" sz="3000" i="0" u="none" strike="noStrike" cap="none" dirty="0">
+            <a:endParaRPr lang="en-US" sz="3000" b="1" i="0" u="none" strike="noStrike" cap="none" dirty="0">
               <a:solidFill>
                 <a:srgbClr val="00FF00"/>
               </a:solidFill>
@@ -10286,7 +10310,7 @@
               <a:buNone/>
             </a:pPr>
             <a:r>
-              <a:rPr lang="en-US" sz="3000" i="0" u="none" strike="noStrike" cap="none" dirty="0">
+              <a:rPr lang="en-US" sz="3000" b="1" i="0" u="none" strike="noStrike" cap="none" dirty="0">
                 <a:solidFill>
                   <a:srgbClr val="FF9900"/>
                 </a:solidFill>
@@ -10317,7 +10341,7 @@
               <a:buNone/>
             </a:pPr>
             <a:r>
-              <a:rPr lang="en-US" sz="3000" i="0" u="none" strike="noStrike" cap="none" dirty="0">
+              <a:rPr lang="en-US" sz="3000" b="1" i="0" u="none" strike="noStrike" cap="none" dirty="0">
                 <a:solidFill>
                   <a:srgbClr val="FF9900"/>
                 </a:solidFill>
@@ -10329,7 +10353,7 @@
               <a:t>    </a:t>
             </a:r>
             <a:r>
-              <a:rPr lang="en-US" sz="3000" i="0" u="none" strike="noStrike" cap="none" dirty="0" smtClean="0">
+              <a:rPr lang="en-US" sz="3000" b="1" i="0" u="none" strike="noStrike" cap="none" dirty="0" smtClean="0">
                 <a:solidFill>
                   <a:srgbClr val="FF9900"/>
                 </a:solidFill>
@@ -10340,7 +10364,7 @@
               </a:rPr>
               <a:t>print('Smaller')</a:t>
             </a:r>
-            <a:endParaRPr lang="en-US" sz="3000" i="0" u="none" strike="noStrike" cap="none" dirty="0">
+            <a:endParaRPr lang="en-US" sz="3000" b="1" i="0" u="none" strike="noStrike" cap="none" dirty="0">
               <a:solidFill>
                 <a:srgbClr val="FF9900"/>
               </a:solidFill>
@@ -10363,7 +10387,7 @@
               </a:spcAft>
               <a:buNone/>
             </a:pPr>
-            <a:endParaRPr sz="3000" i="0" u="none" strike="noStrike" cap="none" dirty="0">
+            <a:endParaRPr sz="3000" b="1" i="0" u="none" strike="noStrike" cap="none" dirty="0">
               <a:solidFill>
                 <a:srgbClr val="00FFFF"/>
               </a:solidFill>
@@ -10392,7 +10416,7 @@
               <a:buNone/>
             </a:pPr>
             <a:r>
-              <a:rPr lang="en-US" sz="3000" i="0" u="none" strike="noStrike" cap="none" dirty="0">
+              <a:rPr lang="en-US" sz="3000" b="1" i="0" u="none" strike="noStrike" cap="none" dirty="0">
                 <a:solidFill>
                   <a:srgbClr val="00FFFF"/>
                 </a:solidFill>
@@ -10419,7 +10443,7 @@
   <p:timing>
     <p:tnLst>
       <p:par>
-        <p:cTn xmlns:p14="http://schemas.microsoft.com/office/powerpoint/2010/main" id="1" dur="indefinite" restart="never" nodeType="tmRoot"/>
+        <p:cTn id="1" dur="indefinite" restart="never" nodeType="tmRoot"/>
       </p:par>
     </p:tnLst>
   </p:timing>
@@ -11338,7 +11362,7 @@
               <a:buNone/>
             </a:pPr>
             <a:r>
-              <a:rPr lang="en-US" sz="3000" i="0" u="none" strike="noStrike" cap="none" dirty="0">
+              <a:rPr lang="en-US" sz="3000" b="1" i="0" u="none" strike="noStrike" cap="none" dirty="0">
                 <a:solidFill>
                   <a:srgbClr val="FFFFFF"/>
                 </a:solidFill>
@@ -11363,7 +11387,7 @@
               </a:spcAft>
               <a:buNone/>
             </a:pPr>
-            <a:endParaRPr sz="3000" i="0" u="none" strike="noStrike" cap="none" dirty="0">
+            <a:endParaRPr sz="3000" b="1" i="0" u="none" strike="noStrike" cap="none" dirty="0">
               <a:solidFill>
                 <a:schemeClr val="lt1"/>
               </a:solidFill>
@@ -11392,7 +11416,7 @@
               <a:buNone/>
             </a:pPr>
             <a:r>
-              <a:rPr lang="en-US" sz="3000" i="0" u="none" strike="noStrike" cap="none" dirty="0">
+              <a:rPr lang="en-US" sz="3000" b="1" i="0" u="none" strike="noStrike" cap="none" dirty="0">
                 <a:solidFill>
                   <a:srgbClr val="00FF00"/>
                 </a:solidFill>
@@ -11423,7 +11447,7 @@
               <a:buNone/>
             </a:pPr>
             <a:r>
-              <a:rPr lang="en-US" sz="3000" i="0" u="none" strike="noStrike" cap="none" dirty="0">
+              <a:rPr lang="en-US" sz="3000" b="1" i="0" u="none" strike="noStrike" cap="none" dirty="0">
                 <a:solidFill>
                   <a:srgbClr val="00FF00"/>
                 </a:solidFill>
@@ -11435,7 +11459,7 @@
               <a:t>    </a:t>
             </a:r>
             <a:r>
-              <a:rPr lang="en-US" sz="3000" i="0" u="none" strike="noStrike" cap="none" dirty="0" smtClean="0">
+              <a:rPr lang="en-US" sz="3000" b="1" i="0" u="none" strike="noStrike" cap="none" dirty="0" smtClean="0">
                 <a:solidFill>
                   <a:srgbClr val="00FF00"/>
                 </a:solidFill>
@@ -11446,7 +11470,7 @@
               </a:rPr>
               <a:t>print('Bigger')</a:t>
             </a:r>
-            <a:endParaRPr lang="en-US" sz="3000" i="0" u="none" strike="noStrike" cap="none" dirty="0">
+            <a:endParaRPr lang="en-US" sz="3000" b="1" i="0" u="none" strike="noStrike" cap="none" dirty="0">
               <a:solidFill>
                 <a:srgbClr val="00FF00"/>
               </a:solidFill>
@@ -11475,7 +11499,7 @@
               <a:buNone/>
             </a:pPr>
             <a:r>
-              <a:rPr lang="en-US" sz="3000" i="0" u="none" strike="noStrike" cap="none" dirty="0">
+              <a:rPr lang="en-US" sz="3000" b="1" i="0" u="none" strike="noStrike" cap="none" dirty="0">
                 <a:solidFill>
                   <a:srgbClr val="FF9900"/>
                 </a:solidFill>
@@ -11506,7 +11530,7 @@
               <a:buNone/>
             </a:pPr>
             <a:r>
-              <a:rPr lang="en-US" sz="3000" i="0" u="none" strike="noStrike" cap="none" dirty="0">
+              <a:rPr lang="en-US" sz="3000" b="1" i="0" u="none" strike="noStrike" cap="none" dirty="0">
                 <a:solidFill>
                   <a:srgbClr val="FF9900"/>
                 </a:solidFill>
@@ -11518,7 +11542,7 @@
               <a:t>    </a:t>
             </a:r>
             <a:r>
-              <a:rPr lang="en-US" sz="3000" i="0" u="none" strike="noStrike" cap="none" dirty="0" smtClean="0">
+              <a:rPr lang="en-US" sz="3000" b="1" i="0" u="none" strike="noStrike" cap="none" dirty="0" smtClean="0">
                 <a:solidFill>
                   <a:srgbClr val="FF9900"/>
                 </a:solidFill>
@@ -11529,7 +11553,7 @@
               </a:rPr>
               <a:t>print('Smaller')</a:t>
             </a:r>
-            <a:endParaRPr lang="en-US" sz="3000" i="0" u="none" strike="noStrike" cap="none" dirty="0">
+            <a:endParaRPr lang="en-US" sz="3000" b="1" i="0" u="none" strike="noStrike" cap="none" dirty="0">
               <a:solidFill>
                 <a:srgbClr val="FF9900"/>
               </a:solidFill>
@@ -11552,7 +11576,7 @@
               </a:spcAft>
               <a:buNone/>
             </a:pPr>
-            <a:endParaRPr sz="3000" i="0" u="none" strike="noStrike" cap="none" dirty="0">
+            <a:endParaRPr sz="3000" b="1" i="0" u="none" strike="noStrike" cap="none" dirty="0">
               <a:solidFill>
                 <a:srgbClr val="00FFFF"/>
               </a:solidFill>
@@ -11581,7 +11605,7 @@
               <a:buNone/>
             </a:pPr>
             <a:r>
-              <a:rPr lang="en-US" sz="3000" i="0" u="none" strike="noStrike" cap="none" dirty="0">
+              <a:rPr lang="en-US" sz="3000" b="1" i="0" u="none" strike="noStrike" cap="none" dirty="0">
                 <a:solidFill>
                   <a:srgbClr val="00FFFF"/>
                 </a:solidFill>
@@ -11659,7 +11683,7 @@
   <p:timing>
     <p:tnLst>
       <p:par>
-        <p:cTn xmlns:p14="http://schemas.microsoft.com/office/powerpoint/2010/main" id="1" dur="indefinite" restart="never" nodeType="tmRoot"/>
+        <p:cTn id="1" dur="indefinite" restart="never" nodeType="tmRoot"/>
       </p:par>
     </p:tnLst>
   </p:timing>
@@ -11786,7 +11810,7 @@
               <a:buFont typeface="Cabin"/>
               <a:buNone/>
             </a:pPr>
-            <a:endParaRPr lang="en-US" sz="3000" i="0" u="none" strike="noStrike" cap="none" dirty="0" smtClean="0">
+            <a:endParaRPr lang="en-US" sz="3000" b="1" i="0" u="none" strike="noStrike" cap="none" dirty="0" smtClean="0">
               <a:solidFill>
                 <a:srgbClr val="00FF00"/>
               </a:solidFill>
@@ -11815,7 +11839,7 @@
               <a:buNone/>
             </a:pPr>
             <a:r>
-              <a:rPr lang="en-US" sz="3000" i="0" u="none" strike="noStrike" cap="none" dirty="0" smtClean="0">
+              <a:rPr lang="en-US" sz="3000" b="1" i="0" u="none" strike="noStrike" cap="none" dirty="0" smtClean="0">
                 <a:solidFill>
                   <a:srgbClr val="00FF00"/>
                 </a:solidFill>
@@ -11827,7 +11851,7 @@
               <a:t>if</a:t>
             </a:r>
             <a:r>
-              <a:rPr lang="en-US" sz="3000" i="0" u="none" strike="noStrike" cap="none" dirty="0" smtClean="0">
+              <a:rPr lang="en-US" sz="3000" b="1" i="0" u="none" strike="noStrike" cap="none" dirty="0" smtClean="0">
                 <a:solidFill>
                   <a:schemeClr val="lt1"/>
                 </a:solidFill>
@@ -11839,7 +11863,7 @@
               <a:t> </a:t>
             </a:r>
             <a:r>
-              <a:rPr lang="en-US" sz="3000" i="0" u="none" strike="noStrike" cap="none" dirty="0">
+              <a:rPr lang="en-US" sz="3000" b="1" i="0" u="none" strike="noStrike" cap="none" dirty="0">
                 <a:solidFill>
                   <a:schemeClr val="lt1"/>
                 </a:solidFill>
@@ -11859,7 +11883,7 @@
               <a:buSzPct val="25000"/>
             </a:pPr>
             <a:r>
-              <a:rPr lang="en-US" sz="3000" i="0" u="none" strike="noStrike" cap="none" dirty="0">
+              <a:rPr lang="en-US" sz="3000" b="1" i="0" u="none" strike="noStrike" cap="none" dirty="0">
                 <a:solidFill>
                   <a:schemeClr val="lt1"/>
                 </a:solidFill>
@@ -11871,7 +11895,7 @@
               <a:t>    </a:t>
             </a:r>
             <a:r>
-              <a:rPr lang="en-US" sz="3000" i="0" u="none" strike="noStrike" cap="none" dirty="0" smtClean="0">
+              <a:rPr lang="en-US" sz="3000" b="1" i="0" u="none" strike="noStrike" cap="none" dirty="0" smtClean="0">
                 <a:solidFill>
                   <a:srgbClr val="00FF00"/>
                 </a:solidFill>
@@ -11883,7 +11907,7 @@
               <a:t>print(</a:t>
             </a:r>
             <a:r>
-              <a:rPr lang="en-US" sz="3000" i="0" u="none" strike="noStrike" cap="none" dirty="0" smtClean="0">
+              <a:rPr lang="en-US" sz="3000" b="1" i="0" u="none" strike="noStrike" cap="none" dirty="0" smtClean="0">
                 <a:solidFill>
                   <a:schemeClr val="lt1"/>
                 </a:solidFill>
@@ -11895,7 +11919,7 @@
               <a:t>'</a:t>
             </a:r>
             <a:r>
-              <a:rPr lang="en-US" sz="3000" dirty="0" smtClean="0">
+              <a:rPr lang="en-US" sz="3000" b="1" dirty="0" smtClean="0">
                 <a:solidFill>
                   <a:schemeClr val="lt1"/>
                 </a:solidFill>
@@ -11907,7 +11931,7 @@
               <a:t>s</a:t>
             </a:r>
             <a:r>
-              <a:rPr lang="en-US" sz="3000" i="0" u="none" strike="noStrike" cap="none" dirty="0" smtClean="0">
+              <a:rPr lang="en-US" sz="3000" b="1" i="0" u="none" strike="noStrike" cap="none" dirty="0" smtClean="0">
                 <a:solidFill>
                   <a:schemeClr val="lt1"/>
                 </a:solidFill>
@@ -11919,7 +11943,7 @@
               <a:t>mall'</a:t>
             </a:r>
             <a:r>
-              <a:rPr lang="en-US" sz="3000" dirty="0">
+              <a:rPr lang="en-US" sz="3000" b="1" dirty="0">
                 <a:solidFill>
                   <a:srgbClr val="00FF00"/>
                 </a:solidFill>
@@ -11930,7 +11954,7 @@
               </a:rPr>
               <a:t>)</a:t>
             </a:r>
-            <a:endParaRPr lang="en-US" sz="3000" i="0" u="none" strike="noStrike" cap="none" dirty="0">
+            <a:endParaRPr lang="en-US" sz="3000" b="1" i="0" u="none" strike="noStrike" cap="none" dirty="0">
               <a:solidFill>
                 <a:schemeClr val="lt1"/>
               </a:solidFill>
@@ -11959,7 +11983,7 @@
               <a:buNone/>
             </a:pPr>
             <a:r>
-              <a:rPr lang="en-US" sz="3000" i="0" u="none" strike="noStrike" cap="none" dirty="0" err="1">
+              <a:rPr lang="en-US" sz="3000" b="1" i="0" u="none" strike="noStrike" cap="none" dirty="0" err="1">
                 <a:solidFill>
                   <a:srgbClr val="00FF00"/>
                 </a:solidFill>
@@ -11971,7 +11995,7 @@
               <a:t>elif</a:t>
             </a:r>
             <a:r>
-              <a:rPr lang="en-US" sz="3000" i="0" u="none" strike="noStrike" cap="none" dirty="0">
+              <a:rPr lang="en-US" sz="3000" b="1" i="0" u="none" strike="noStrike" cap="none" dirty="0">
                 <a:solidFill>
                   <a:schemeClr val="lt1"/>
                 </a:solidFill>
@@ -11991,7 +12015,7 @@
               <a:buSzPct val="25000"/>
             </a:pPr>
             <a:r>
-              <a:rPr lang="en-US" sz="3000" i="0" u="none" strike="noStrike" cap="none" dirty="0">
+              <a:rPr lang="en-US" sz="3000" b="1" i="0" u="none" strike="noStrike" cap="none" dirty="0">
                 <a:solidFill>
                   <a:schemeClr val="lt1"/>
                 </a:solidFill>
@@ -12003,7 +12027,7 @@
               <a:t>    </a:t>
             </a:r>
             <a:r>
-              <a:rPr lang="en-US" sz="3000" i="0" u="none" strike="noStrike" cap="none" dirty="0" smtClean="0">
+              <a:rPr lang="en-US" sz="3000" b="1" i="0" u="none" strike="noStrike" cap="none" dirty="0" smtClean="0">
                 <a:solidFill>
                   <a:srgbClr val="00FF00"/>
                 </a:solidFill>
@@ -12015,7 +12039,7 @@
               <a:t>print(</a:t>
             </a:r>
             <a:r>
-              <a:rPr lang="en-US" sz="3000" i="0" u="none" strike="noStrike" cap="none" dirty="0" smtClean="0">
+              <a:rPr lang="en-US" sz="3000" b="1" i="0" u="none" strike="noStrike" cap="none" dirty="0" smtClean="0">
                 <a:solidFill>
                   <a:schemeClr val="lt1"/>
                 </a:solidFill>
@@ -12027,7 +12051,7 @@
               <a:t>'</a:t>
             </a:r>
             <a:r>
-              <a:rPr lang="en-US" sz="3000" dirty="0" smtClean="0">
+              <a:rPr lang="en-US" sz="3000" b="1" dirty="0" smtClean="0">
                 <a:solidFill>
                   <a:schemeClr val="lt1"/>
                 </a:solidFill>
@@ -12039,7 +12063,7 @@
               <a:t>Medium</a:t>
             </a:r>
             <a:r>
-              <a:rPr lang="en-US" sz="3000" dirty="0">
+              <a:rPr lang="en-US" sz="3000" b="1" dirty="0">
                 <a:solidFill>
                   <a:schemeClr val="lt1"/>
                 </a:solidFill>
@@ -12051,7 +12075,7 @@
               <a:t>'</a:t>
             </a:r>
             <a:r>
-              <a:rPr lang="en-US" sz="3000" dirty="0" smtClean="0">
+              <a:rPr lang="en-US" sz="3000" b="1" dirty="0" smtClean="0">
                 <a:solidFill>
                   <a:srgbClr val="00FF00"/>
                 </a:solidFill>
@@ -12062,7 +12086,7 @@
               </a:rPr>
               <a:t>)</a:t>
             </a:r>
-            <a:endParaRPr lang="en-US" sz="3000" i="0" u="none" strike="noStrike" cap="none" dirty="0">
+            <a:endParaRPr lang="en-US" sz="3000" b="1" i="0" u="none" strike="noStrike" cap="none" dirty="0">
               <a:solidFill>
                 <a:schemeClr val="lt1"/>
               </a:solidFill>
@@ -12091,7 +12115,7 @@
               <a:buNone/>
             </a:pPr>
             <a:r>
-              <a:rPr lang="en-US" sz="3000" i="0" u="none" strike="noStrike" cap="none" dirty="0">
+              <a:rPr lang="en-US" sz="3000" b="1" i="0" u="none" strike="noStrike" cap="none" dirty="0">
                 <a:solidFill>
                   <a:srgbClr val="00FF00"/>
                 </a:solidFill>
@@ -12103,7 +12127,7 @@
               <a:t>else</a:t>
             </a:r>
             <a:r>
-              <a:rPr lang="en-US" sz="3000" i="0" u="none" strike="noStrike" cap="none" dirty="0">
+              <a:rPr lang="en-US" sz="3000" b="1" i="0" u="none" strike="noStrike" cap="none" dirty="0">
                 <a:solidFill>
                   <a:schemeClr val="lt1"/>
                 </a:solidFill>
@@ -12123,7 +12147,7 @@
               <a:buSzPct val="25000"/>
             </a:pPr>
             <a:r>
-              <a:rPr lang="en-US" sz="3000" i="0" u="none" strike="noStrike" cap="none" dirty="0">
+              <a:rPr lang="en-US" sz="3000" b="1" i="0" u="none" strike="noStrike" cap="none" dirty="0">
                 <a:solidFill>
                   <a:schemeClr val="lt1"/>
                 </a:solidFill>
@@ -12135,7 +12159,7 @@
               <a:t>    </a:t>
             </a:r>
             <a:r>
-              <a:rPr lang="en-US" sz="3000" i="0" u="none" strike="noStrike" cap="none" dirty="0" smtClean="0">
+              <a:rPr lang="en-US" sz="3000" b="1" i="0" u="none" strike="noStrike" cap="none" dirty="0" smtClean="0">
                 <a:solidFill>
                   <a:srgbClr val="00FF00"/>
                 </a:solidFill>
@@ -12147,7 +12171,7 @@
               <a:t>print(</a:t>
             </a:r>
             <a:r>
-              <a:rPr lang="en-US" sz="3000" i="0" u="none" strike="noStrike" cap="none" dirty="0" smtClean="0">
+              <a:rPr lang="en-US" sz="3000" b="1" i="0" u="none" strike="noStrike" cap="none" dirty="0" smtClean="0">
                 <a:solidFill>
                   <a:schemeClr val="lt1"/>
                 </a:solidFill>
@@ -12159,7 +12183,7 @@
               <a:t>'LARGE'</a:t>
             </a:r>
             <a:r>
-              <a:rPr lang="en-US" sz="3000" dirty="0">
+              <a:rPr lang="en-US" sz="3000" b="1" dirty="0">
                 <a:solidFill>
                   <a:srgbClr val="00FF00"/>
                 </a:solidFill>
@@ -12170,7 +12194,7 @@
               </a:rPr>
               <a:t>)</a:t>
             </a:r>
-            <a:endParaRPr lang="en-US" sz="3000" i="0" u="none" strike="noStrike" cap="none" dirty="0">
+            <a:endParaRPr lang="en-US" sz="3000" b="1" i="0" u="none" strike="noStrike" cap="none" dirty="0">
               <a:solidFill>
                 <a:schemeClr val="lt1"/>
               </a:solidFill>
@@ -12188,7 +12212,7 @@
               <a:buSzPct val="25000"/>
             </a:pPr>
             <a:r>
-              <a:rPr lang="en-US" sz="3000" i="0" u="none" strike="noStrike" cap="none" dirty="0" smtClean="0">
+              <a:rPr lang="en-US" sz="3000" b="1" i="0" u="none" strike="noStrike" cap="none" dirty="0" smtClean="0">
                 <a:solidFill>
                   <a:srgbClr val="00FF00"/>
                 </a:solidFill>
@@ -12200,7 +12224,7 @@
               <a:t>print</a:t>
             </a:r>
             <a:r>
-              <a:rPr lang="en-US" sz="3000" dirty="0">
+              <a:rPr lang="en-US" sz="3000" b="1" dirty="0">
                 <a:solidFill>
                   <a:schemeClr val="lt1"/>
                 </a:solidFill>
@@ -12212,7 +12236,7 @@
               <a:t>(</a:t>
             </a:r>
             <a:r>
-              <a:rPr lang="en-US" sz="3000" i="0" u="none" strike="noStrike" cap="none" dirty="0" smtClean="0">
+              <a:rPr lang="en-US" sz="3000" b="1" i="0" u="none" strike="noStrike" cap="none" dirty="0" smtClean="0">
                 <a:solidFill>
                   <a:schemeClr val="lt1"/>
                 </a:solidFill>
@@ -12224,7 +12248,7 @@
               <a:t>'All </a:t>
             </a:r>
             <a:r>
-              <a:rPr lang="en-US" sz="3000" i="0" u="none" strike="noStrike" cap="none" dirty="0">
+              <a:rPr lang="en-US" sz="3000" b="1" i="0" u="none" strike="noStrike" cap="none" dirty="0">
                 <a:solidFill>
                   <a:schemeClr val="lt1"/>
                 </a:solidFill>
@@ -12236,7 +12260,7 @@
               <a:t>done</a:t>
             </a:r>
             <a:r>
-              <a:rPr lang="en-US" sz="3000" i="0" u="none" strike="noStrike" cap="none" dirty="0" smtClean="0">
+              <a:rPr lang="en-US" sz="3000" b="1" i="0" u="none" strike="noStrike" cap="none" dirty="0" smtClean="0">
                 <a:solidFill>
                   <a:schemeClr val="lt1"/>
                 </a:solidFill>
@@ -12248,7 +12272,7 @@
               <a:t>'</a:t>
             </a:r>
             <a:r>
-              <a:rPr lang="en-US" sz="3000" dirty="0">
+              <a:rPr lang="en-US" sz="3000" b="1" dirty="0">
                 <a:solidFill>
                   <a:srgbClr val="00FF00"/>
                 </a:solidFill>
@@ -12259,7 +12283,7 @@
               </a:rPr>
               <a:t>)</a:t>
             </a:r>
-            <a:endParaRPr lang="en-US" sz="3000" i="0" u="none" strike="noStrike" cap="none" dirty="0">
+            <a:endParaRPr lang="en-US" sz="3000" b="1" i="0" u="none" strike="noStrike" cap="none" dirty="0">
               <a:solidFill>
                 <a:schemeClr val="lt1"/>
               </a:solidFill>
@@ -13229,7 +13253,7 @@
   <p:timing>
     <p:tnLst>
       <p:par>
-        <p:cTn xmlns:p14="http://schemas.microsoft.com/office/powerpoint/2010/main" id="1" dur="indefinite" restart="never" nodeType="tmRoot"/>
+        <p:cTn id="1" dur="indefinite" restart="never" nodeType="tmRoot"/>
       </p:par>
     </p:tnLst>
   </p:timing>
@@ -13359,7 +13383,7 @@
               <a:buNone/>
             </a:pPr>
             <a:r>
-              <a:rPr lang="en-US" sz="3000" i="0" u="none" strike="noStrike" cap="none" dirty="0" smtClean="0">
+              <a:rPr lang="en-US" sz="3000" b="1" i="0" u="none" strike="noStrike" cap="none" dirty="0" smtClean="0">
                 <a:solidFill>
                   <a:schemeClr val="bg1"/>
                 </a:solidFill>
@@ -13390,7 +13414,7 @@
               <a:buNone/>
             </a:pPr>
             <a:r>
-              <a:rPr lang="en-US" sz="3000" i="0" u="none" strike="noStrike" cap="none" dirty="0" smtClean="0">
+              <a:rPr lang="en-US" sz="3000" b="1" i="0" u="none" strike="noStrike" cap="none" dirty="0" smtClean="0">
                 <a:solidFill>
                   <a:srgbClr val="FFC000"/>
                 </a:solidFill>
@@ -13402,7 +13426,7 @@
               <a:t>if </a:t>
             </a:r>
             <a:r>
-              <a:rPr lang="en-US" sz="3000" i="0" u="none" strike="noStrike" cap="none" dirty="0">
+              <a:rPr lang="en-US" sz="3000" b="1" i="0" u="none" strike="noStrike" cap="none" dirty="0">
                 <a:solidFill>
                   <a:srgbClr val="FFC000"/>
                 </a:solidFill>
@@ -13422,7 +13446,7 @@
               <a:buSzPct val="25000"/>
             </a:pPr>
             <a:r>
-              <a:rPr lang="en-US" sz="3000" i="0" u="none" strike="noStrike" cap="none" dirty="0">
+              <a:rPr lang="en-US" sz="3000" b="1" i="0" u="none" strike="noStrike" cap="none" dirty="0">
                 <a:solidFill>
                   <a:srgbClr val="FFC000"/>
                 </a:solidFill>
@@ -13434,7 +13458,7 @@
               <a:t>    </a:t>
             </a:r>
             <a:r>
-              <a:rPr lang="en-US" sz="3000" i="0" u="none" strike="noStrike" cap="none" dirty="0" smtClean="0">
+              <a:rPr lang="en-US" sz="3000" b="1" i="0" u="none" strike="noStrike" cap="none" dirty="0" smtClean="0">
                 <a:solidFill>
                   <a:srgbClr val="FFC000"/>
                 </a:solidFill>
@@ -13446,7 +13470,7 @@
               <a:t>print('</a:t>
             </a:r>
             <a:r>
-              <a:rPr lang="en-US" sz="3000" dirty="0" smtClean="0">
+              <a:rPr lang="en-US" sz="3000" b="1" dirty="0" smtClean="0">
                 <a:solidFill>
                   <a:srgbClr val="FFC000"/>
                 </a:solidFill>
@@ -13458,7 +13482,7 @@
               <a:t>s</a:t>
             </a:r>
             <a:r>
-              <a:rPr lang="en-US" sz="3000" i="0" u="none" strike="noStrike" cap="none" dirty="0" smtClean="0">
+              <a:rPr lang="en-US" sz="3000" b="1" i="0" u="none" strike="noStrike" cap="none" dirty="0" smtClean="0">
                 <a:solidFill>
                   <a:srgbClr val="FFC000"/>
                 </a:solidFill>
@@ -13470,7 +13494,7 @@
               <a:t>mall'</a:t>
             </a:r>
             <a:r>
-              <a:rPr lang="en-US" sz="3000" dirty="0">
+              <a:rPr lang="en-US" sz="3000" b="1" dirty="0">
                 <a:solidFill>
                   <a:srgbClr val="FFC000"/>
                 </a:solidFill>
@@ -13481,7 +13505,7 @@
               </a:rPr>
               <a:t>)</a:t>
             </a:r>
-            <a:endParaRPr lang="en-US" sz="3000" i="0" u="none" strike="noStrike" cap="none" dirty="0">
+            <a:endParaRPr lang="en-US" sz="3000" b="1" i="0" u="none" strike="noStrike" cap="none" dirty="0">
               <a:solidFill>
                 <a:srgbClr val="FFC000"/>
               </a:solidFill>
@@ -13510,7 +13534,7 @@
               <a:buNone/>
             </a:pPr>
             <a:r>
-              <a:rPr lang="en-US" sz="3000" i="0" u="none" strike="noStrike" cap="none" dirty="0" err="1">
+              <a:rPr lang="en-US" sz="3000" b="1" i="0" u="none" strike="noStrike" cap="none" dirty="0" err="1">
                 <a:solidFill>
                   <a:srgbClr val="00FF00"/>
                 </a:solidFill>
@@ -13522,7 +13546,7 @@
               <a:t>elif</a:t>
             </a:r>
             <a:r>
-              <a:rPr lang="en-US" sz="3000" i="0" u="none" strike="noStrike" cap="none" dirty="0">
+              <a:rPr lang="en-US" sz="3000" b="1" i="0" u="none" strike="noStrike" cap="none" dirty="0">
                 <a:solidFill>
                   <a:schemeClr val="lt1"/>
                 </a:solidFill>
@@ -13542,7 +13566,7 @@
               <a:buSzPct val="25000"/>
             </a:pPr>
             <a:r>
-              <a:rPr lang="en-US" sz="3000" i="0" u="none" strike="noStrike" cap="none" dirty="0">
+              <a:rPr lang="en-US" sz="3000" b="1" i="0" u="none" strike="noStrike" cap="none" dirty="0">
                 <a:solidFill>
                   <a:schemeClr val="lt1"/>
                 </a:solidFill>
@@ -13554,7 +13578,7 @@
               <a:t>    </a:t>
             </a:r>
             <a:r>
-              <a:rPr lang="en-US" sz="3000" i="0" u="none" strike="noStrike" cap="none" dirty="0" smtClean="0">
+              <a:rPr lang="en-US" sz="3000" b="1" i="0" u="none" strike="noStrike" cap="none" dirty="0" smtClean="0">
                 <a:solidFill>
                   <a:srgbClr val="00FF00"/>
                 </a:solidFill>
@@ -13566,7 +13590,7 @@
               <a:t>print(</a:t>
             </a:r>
             <a:r>
-              <a:rPr lang="en-US" sz="3000" i="0" u="none" strike="noStrike" cap="none" dirty="0" smtClean="0">
+              <a:rPr lang="en-US" sz="3000" b="1" i="0" u="none" strike="noStrike" cap="none" dirty="0" smtClean="0">
                 <a:solidFill>
                   <a:schemeClr val="lt1"/>
                 </a:solidFill>
@@ -13578,7 +13602,7 @@
               <a:t>'</a:t>
             </a:r>
             <a:r>
-              <a:rPr lang="en-US" sz="3000" dirty="0">
+              <a:rPr lang="en-US" sz="3000" b="1" dirty="0">
                 <a:solidFill>
                   <a:schemeClr val="lt1"/>
                 </a:solidFill>
@@ -13590,7 +13614,7 @@
               <a:t>Medium'</a:t>
             </a:r>
             <a:r>
-              <a:rPr lang="en-US" sz="3000" dirty="0" smtClean="0">
+              <a:rPr lang="en-US" sz="3000" b="1" dirty="0" smtClean="0">
                 <a:solidFill>
                   <a:srgbClr val="00FF00"/>
                 </a:solidFill>
@@ -13601,7 +13625,7 @@
               </a:rPr>
               <a:t>)</a:t>
             </a:r>
-            <a:endParaRPr lang="en-US" sz="3000" i="0" u="none" strike="noStrike" cap="none" dirty="0">
+            <a:endParaRPr lang="en-US" sz="3000" b="1" i="0" u="none" strike="noStrike" cap="none" dirty="0">
               <a:solidFill>
                 <a:schemeClr val="lt1"/>
               </a:solidFill>
@@ -13630,7 +13654,7 @@
               <a:buNone/>
             </a:pPr>
             <a:r>
-              <a:rPr lang="en-US" sz="3000" i="0" u="none" strike="noStrike" cap="none" dirty="0">
+              <a:rPr lang="en-US" sz="3000" b="1" i="0" u="none" strike="noStrike" cap="none" dirty="0">
                 <a:solidFill>
                   <a:srgbClr val="00FF00"/>
                 </a:solidFill>
@@ -13642,7 +13666,7 @@
               <a:t>else</a:t>
             </a:r>
             <a:r>
-              <a:rPr lang="en-US" sz="3000" i="0" u="none" strike="noStrike" cap="none" dirty="0">
+              <a:rPr lang="en-US" sz="3000" b="1" i="0" u="none" strike="noStrike" cap="none" dirty="0">
                 <a:solidFill>
                   <a:schemeClr val="lt1"/>
                 </a:solidFill>
@@ -13662,7 +13686,7 @@
               <a:buSzPct val="25000"/>
             </a:pPr>
             <a:r>
-              <a:rPr lang="en-US" sz="3000" i="0" u="none" strike="noStrike" cap="none" dirty="0">
+              <a:rPr lang="en-US" sz="3000" b="1" i="0" u="none" strike="noStrike" cap="none" dirty="0">
                 <a:solidFill>
                   <a:schemeClr val="lt1"/>
                 </a:solidFill>
@@ -13674,7 +13698,7 @@
               <a:t>    </a:t>
             </a:r>
             <a:r>
-              <a:rPr lang="en-US" sz="3000" i="0" u="none" strike="noStrike" cap="none" dirty="0" smtClean="0">
+              <a:rPr lang="en-US" sz="3000" b="1" i="0" u="none" strike="noStrike" cap="none" dirty="0" smtClean="0">
                 <a:solidFill>
                   <a:srgbClr val="00FF00"/>
                 </a:solidFill>
@@ -13686,7 +13710,7 @@
               <a:t>print(</a:t>
             </a:r>
             <a:r>
-              <a:rPr lang="en-US" sz="3000" i="0" u="none" strike="noStrike" cap="none" dirty="0" smtClean="0">
+              <a:rPr lang="en-US" sz="3000" b="1" i="0" u="none" strike="noStrike" cap="none" dirty="0" smtClean="0">
                 <a:solidFill>
                   <a:schemeClr val="lt1"/>
                 </a:solidFill>
@@ -13698,7 +13722,7 @@
               <a:t>'LARGE'</a:t>
             </a:r>
             <a:r>
-              <a:rPr lang="en-US" sz="3000" dirty="0">
+              <a:rPr lang="en-US" sz="3000" b="1" dirty="0">
                 <a:solidFill>
                   <a:srgbClr val="00FF00"/>
                 </a:solidFill>
@@ -13709,7 +13733,7 @@
               </a:rPr>
               <a:t>)</a:t>
             </a:r>
-            <a:endParaRPr lang="en-US" sz="3000" i="0" u="none" strike="noStrike" cap="none" dirty="0">
+            <a:endParaRPr lang="en-US" sz="3000" b="1" i="0" u="none" strike="noStrike" cap="none" dirty="0">
               <a:solidFill>
                 <a:schemeClr val="lt1"/>
               </a:solidFill>
@@ -13727,7 +13751,7 @@
               <a:buSzPct val="25000"/>
             </a:pPr>
             <a:r>
-              <a:rPr lang="en-US" sz="3000" i="0" u="none" strike="noStrike" cap="none" dirty="0" smtClean="0">
+              <a:rPr lang="en-US" sz="3000" b="1" i="0" u="none" strike="noStrike" cap="none" dirty="0" smtClean="0">
                 <a:solidFill>
                   <a:srgbClr val="FFC000"/>
                 </a:solidFill>
@@ -13739,7 +13763,7 @@
               <a:t>print</a:t>
             </a:r>
             <a:r>
-              <a:rPr lang="en-US" sz="3000" dirty="0">
+              <a:rPr lang="en-US" sz="3000" b="1" dirty="0">
                 <a:solidFill>
                   <a:srgbClr val="FFC000"/>
                 </a:solidFill>
@@ -13751,7 +13775,7 @@
               <a:t>(</a:t>
             </a:r>
             <a:r>
-              <a:rPr lang="en-US" sz="3000" i="0" u="none" strike="noStrike" cap="none" dirty="0" smtClean="0">
+              <a:rPr lang="en-US" sz="3000" b="1" i="0" u="none" strike="noStrike" cap="none" dirty="0" smtClean="0">
                 <a:solidFill>
                   <a:srgbClr val="FFC000"/>
                 </a:solidFill>
@@ -13763,7 +13787,7 @@
               <a:t>'All </a:t>
             </a:r>
             <a:r>
-              <a:rPr lang="en-US" sz="3000" i="0" u="none" strike="noStrike" cap="none" dirty="0">
+              <a:rPr lang="en-US" sz="3000" b="1" i="0" u="none" strike="noStrike" cap="none" dirty="0">
                 <a:solidFill>
                   <a:srgbClr val="FFC000"/>
                 </a:solidFill>
@@ -13775,7 +13799,7 @@
               <a:t>done</a:t>
             </a:r>
             <a:r>
-              <a:rPr lang="en-US" sz="3000" i="0" u="none" strike="noStrike" cap="none" dirty="0" smtClean="0">
+              <a:rPr lang="en-US" sz="3000" b="1" i="0" u="none" strike="noStrike" cap="none" dirty="0" smtClean="0">
                 <a:solidFill>
                   <a:srgbClr val="FFC000"/>
                 </a:solidFill>
@@ -13787,7 +13811,7 @@
               <a:t>'</a:t>
             </a:r>
             <a:r>
-              <a:rPr lang="en-US" sz="3000" dirty="0">
+              <a:rPr lang="en-US" sz="3000" b="1" dirty="0">
                 <a:solidFill>
                   <a:srgbClr val="FFC000"/>
                 </a:solidFill>
@@ -13798,7 +13822,7 @@
               </a:rPr>
               <a:t>)</a:t>
             </a:r>
-            <a:endParaRPr lang="en-US" sz="3000" i="0" u="none" strike="noStrike" cap="none" dirty="0">
+            <a:endParaRPr lang="en-US" sz="3000" b="1" i="0" u="none" strike="noStrike" cap="none" dirty="0">
               <a:solidFill>
                 <a:srgbClr val="FFC000"/>
               </a:solidFill>
@@ -14848,7 +14872,7 @@
   <p:timing>
     <p:tnLst>
       <p:par>
-        <p:cTn xmlns:p14="http://schemas.microsoft.com/office/powerpoint/2010/main" id="1" dur="indefinite" restart="never" nodeType="tmRoot"/>
+        <p:cTn id="1" dur="indefinite" restart="never" nodeType="tmRoot"/>
       </p:par>
     </p:tnLst>
   </p:timing>
@@ -14965,7 +14989,7 @@
               <a:buSzPct val="25000"/>
             </a:pPr>
             <a:r>
-              <a:rPr lang="en-US" sz="3000" dirty="0">
+              <a:rPr lang="en-US" sz="3000" b="1" dirty="0">
                 <a:solidFill>
                   <a:schemeClr val="bg1"/>
                 </a:solidFill>
@@ -14977,7 +15001,7 @@
               <a:t>x = </a:t>
             </a:r>
             <a:r>
-              <a:rPr lang="en-US" sz="3000" dirty="0" smtClean="0">
+              <a:rPr lang="en-US" sz="3000" b="1" dirty="0" smtClean="0">
                 <a:solidFill>
                   <a:schemeClr val="bg1"/>
                 </a:solidFill>
@@ -14988,7 +15012,7 @@
               </a:rPr>
               <a:t>5 </a:t>
             </a:r>
-            <a:endParaRPr lang="en-US" sz="3000" i="0" u="none" strike="noStrike" cap="none" dirty="0" smtClean="0">
+            <a:endParaRPr lang="en-US" sz="3000" b="1" i="0" u="none" strike="noStrike" cap="none" dirty="0" smtClean="0">
               <a:solidFill>
                 <a:srgbClr val="00FF00"/>
               </a:solidFill>
@@ -15017,7 +15041,7 @@
               <a:buNone/>
             </a:pPr>
             <a:r>
-              <a:rPr lang="en-US" sz="3000" i="0" u="none" strike="noStrike" cap="none" dirty="0" smtClean="0">
+              <a:rPr lang="en-US" sz="3000" b="1" i="0" u="none" strike="noStrike" cap="none" dirty="0" smtClean="0">
                 <a:solidFill>
                   <a:srgbClr val="FFC000"/>
                 </a:solidFill>
@@ -15029,7 +15053,7 @@
               <a:t>if </a:t>
             </a:r>
             <a:r>
-              <a:rPr lang="en-US" sz="3000" i="0" u="none" strike="noStrike" cap="none" dirty="0">
+              <a:rPr lang="en-US" sz="3000" b="1" i="0" u="none" strike="noStrike" cap="none" dirty="0">
                 <a:solidFill>
                   <a:srgbClr val="FFC000"/>
                 </a:solidFill>
@@ -15049,7 +15073,7 @@
               <a:buSzPct val="25000"/>
             </a:pPr>
             <a:r>
-              <a:rPr lang="en-US" sz="3000" i="0" u="none" strike="noStrike" cap="none" dirty="0">
+              <a:rPr lang="en-US" sz="3000" b="1" i="0" u="none" strike="noStrike" cap="none" dirty="0">
                 <a:solidFill>
                   <a:schemeClr val="lt1"/>
                 </a:solidFill>
@@ -15061,7 +15085,7 @@
               <a:t>    </a:t>
             </a:r>
             <a:r>
-              <a:rPr lang="en-US" sz="3000" i="0" u="none" strike="noStrike" cap="none" dirty="0" smtClean="0">
+              <a:rPr lang="en-US" sz="3000" b="1" i="0" u="none" strike="noStrike" cap="none" dirty="0" smtClean="0">
                 <a:solidFill>
                   <a:srgbClr val="00FF00"/>
                 </a:solidFill>
@@ -15073,7 +15097,7 @@
               <a:t>print(</a:t>
             </a:r>
             <a:r>
-              <a:rPr lang="en-US" sz="3000" i="0" u="none" strike="noStrike" cap="none" dirty="0" smtClean="0">
+              <a:rPr lang="en-US" sz="3000" b="1" i="0" u="none" strike="noStrike" cap="none" dirty="0" smtClean="0">
                 <a:solidFill>
                   <a:schemeClr val="lt1"/>
                 </a:solidFill>
@@ -15085,7 +15109,7 @@
               <a:t>'</a:t>
             </a:r>
             <a:r>
-              <a:rPr lang="en-US" sz="3000" dirty="0" smtClean="0">
+              <a:rPr lang="en-US" sz="3000" b="1" dirty="0" smtClean="0">
                 <a:solidFill>
                   <a:schemeClr val="lt1"/>
                 </a:solidFill>
@@ -15097,7 +15121,7 @@
               <a:t>s</a:t>
             </a:r>
             <a:r>
-              <a:rPr lang="en-US" sz="3000" i="0" u="none" strike="noStrike" cap="none" dirty="0" smtClean="0">
+              <a:rPr lang="en-US" sz="3000" b="1" i="0" u="none" strike="noStrike" cap="none" dirty="0" smtClean="0">
                 <a:solidFill>
                   <a:schemeClr val="lt1"/>
                 </a:solidFill>
@@ -15109,7 +15133,7 @@
               <a:t>mall'</a:t>
             </a:r>
             <a:r>
-              <a:rPr lang="en-US" sz="3000" dirty="0">
+              <a:rPr lang="en-US" sz="3000" b="1" dirty="0">
                 <a:solidFill>
                   <a:srgbClr val="00FF00"/>
                 </a:solidFill>
@@ -15120,7 +15144,7 @@
               </a:rPr>
               <a:t>)</a:t>
             </a:r>
-            <a:endParaRPr lang="en-US" sz="3000" i="0" u="none" strike="noStrike" cap="none" dirty="0">
+            <a:endParaRPr lang="en-US" sz="3000" b="1" i="0" u="none" strike="noStrike" cap="none" dirty="0">
               <a:solidFill>
                 <a:schemeClr val="lt1"/>
               </a:solidFill>
@@ -15149,7 +15173,7 @@
               <a:buNone/>
             </a:pPr>
             <a:r>
-              <a:rPr lang="en-US" sz="3000" i="0" u="none" strike="noStrike" cap="none" dirty="0" err="1">
+              <a:rPr lang="en-US" sz="3000" b="1" i="0" u="none" strike="noStrike" cap="none" dirty="0" err="1">
                 <a:solidFill>
                   <a:srgbClr val="FFC000"/>
                 </a:solidFill>
@@ -15161,7 +15185,7 @@
               <a:t>elif</a:t>
             </a:r>
             <a:r>
-              <a:rPr lang="en-US" sz="3000" i="0" u="none" strike="noStrike" cap="none" dirty="0">
+              <a:rPr lang="en-US" sz="3000" b="1" i="0" u="none" strike="noStrike" cap="none" dirty="0">
                 <a:solidFill>
                   <a:srgbClr val="FFC000"/>
                 </a:solidFill>
@@ -15181,7 +15205,7 @@
               <a:buSzPct val="25000"/>
             </a:pPr>
             <a:r>
-              <a:rPr lang="en-US" sz="3000" i="0" u="none" strike="noStrike" cap="none" dirty="0">
+              <a:rPr lang="en-US" sz="3000" b="1" i="0" u="none" strike="noStrike" cap="none" dirty="0">
                 <a:solidFill>
                   <a:srgbClr val="FFC000"/>
                 </a:solidFill>
@@ -15193,7 +15217,7 @@
               <a:t>    </a:t>
             </a:r>
             <a:r>
-              <a:rPr lang="en-US" sz="3000" i="0" u="none" strike="noStrike" cap="none" dirty="0" smtClean="0">
+              <a:rPr lang="en-US" sz="3000" b="1" i="0" u="none" strike="noStrike" cap="none" dirty="0" smtClean="0">
                 <a:solidFill>
                   <a:srgbClr val="FFC000"/>
                 </a:solidFill>
@@ -15205,7 +15229,7 @@
               <a:t>print('</a:t>
             </a:r>
             <a:r>
-              <a:rPr lang="en-US" sz="3000" dirty="0">
+              <a:rPr lang="en-US" sz="3000" b="1" dirty="0">
                 <a:solidFill>
                   <a:srgbClr val="FFC000"/>
                 </a:solidFill>
@@ -15217,7 +15241,7 @@
               <a:t>Medium'</a:t>
             </a:r>
             <a:r>
-              <a:rPr lang="en-US" sz="3000" dirty="0" smtClean="0">
+              <a:rPr lang="en-US" sz="3000" b="1" dirty="0" smtClean="0">
                 <a:solidFill>
                   <a:srgbClr val="FFC000"/>
                 </a:solidFill>
@@ -15228,7 +15252,7 @@
               </a:rPr>
               <a:t>)</a:t>
             </a:r>
-            <a:endParaRPr lang="en-US" sz="3000" i="0" u="none" strike="noStrike" cap="none" dirty="0">
+            <a:endParaRPr lang="en-US" sz="3000" b="1" i="0" u="none" strike="noStrike" cap="none" dirty="0">
               <a:solidFill>
                 <a:srgbClr val="FFC000"/>
               </a:solidFill>
@@ -15257,7 +15281,7 @@
               <a:buNone/>
             </a:pPr>
             <a:r>
-              <a:rPr lang="en-US" sz="3000" i="0" u="none" strike="noStrike" cap="none" dirty="0">
+              <a:rPr lang="en-US" sz="3000" b="1" i="0" u="none" strike="noStrike" cap="none" dirty="0">
                 <a:solidFill>
                   <a:srgbClr val="00FF00"/>
                 </a:solidFill>
@@ -15269,7 +15293,7 @@
               <a:t>else</a:t>
             </a:r>
             <a:r>
-              <a:rPr lang="en-US" sz="3000" i="0" u="none" strike="noStrike" cap="none" dirty="0">
+              <a:rPr lang="en-US" sz="3000" b="1" i="0" u="none" strike="noStrike" cap="none" dirty="0">
                 <a:solidFill>
                   <a:schemeClr val="lt1"/>
                 </a:solidFill>
@@ -15289,7 +15313,7 @@
               <a:buSzPct val="25000"/>
             </a:pPr>
             <a:r>
-              <a:rPr lang="en-US" sz="3000" i="0" u="none" strike="noStrike" cap="none" dirty="0">
+              <a:rPr lang="en-US" sz="3000" b="1" i="0" u="none" strike="noStrike" cap="none" dirty="0">
                 <a:solidFill>
                   <a:schemeClr val="lt1"/>
                 </a:solidFill>
@@ -15301,7 +15325,7 @@
               <a:t>    </a:t>
             </a:r>
             <a:r>
-              <a:rPr lang="en-US" sz="3000" i="0" u="none" strike="noStrike" cap="none" dirty="0" smtClean="0">
+              <a:rPr lang="en-US" sz="3000" b="1" i="0" u="none" strike="noStrike" cap="none" dirty="0" smtClean="0">
                 <a:solidFill>
                   <a:srgbClr val="00FF00"/>
                 </a:solidFill>
@@ -15313,7 +15337,7 @@
               <a:t>print(</a:t>
             </a:r>
             <a:r>
-              <a:rPr lang="en-US" sz="3000" i="0" u="none" strike="noStrike" cap="none" dirty="0" smtClean="0">
+              <a:rPr lang="en-US" sz="3000" b="1" i="0" u="none" strike="noStrike" cap="none" dirty="0" smtClean="0">
                 <a:solidFill>
                   <a:schemeClr val="lt1"/>
                 </a:solidFill>
@@ -15325,7 +15349,7 @@
               <a:t>'LARGE'</a:t>
             </a:r>
             <a:r>
-              <a:rPr lang="en-US" sz="3000" dirty="0">
+              <a:rPr lang="en-US" sz="3000" b="1" dirty="0">
                 <a:solidFill>
                   <a:srgbClr val="00FF00"/>
                 </a:solidFill>
@@ -15336,7 +15360,7 @@
               </a:rPr>
               <a:t>)</a:t>
             </a:r>
-            <a:endParaRPr lang="en-US" sz="3000" i="0" u="none" strike="noStrike" cap="none" dirty="0">
+            <a:endParaRPr lang="en-US" sz="3000" b="1" i="0" u="none" strike="noStrike" cap="none" dirty="0">
               <a:solidFill>
                 <a:schemeClr val="lt1"/>
               </a:solidFill>
@@ -15354,7 +15378,7 @@
               <a:buSzPct val="25000"/>
             </a:pPr>
             <a:r>
-              <a:rPr lang="en-US" sz="3000" i="0" u="none" strike="noStrike" cap="none" dirty="0" smtClean="0">
+              <a:rPr lang="en-US" sz="3000" b="1" i="0" u="none" strike="noStrike" cap="none" dirty="0" smtClean="0">
                 <a:solidFill>
                   <a:srgbClr val="FFC000"/>
                 </a:solidFill>
@@ -15366,7 +15390,7 @@
               <a:t>print</a:t>
             </a:r>
             <a:r>
-              <a:rPr lang="en-US" sz="3000" dirty="0">
+              <a:rPr lang="en-US" sz="3000" b="1" dirty="0">
                 <a:solidFill>
                   <a:srgbClr val="FFC000"/>
                 </a:solidFill>
@@ -15378,7 +15402,7 @@
               <a:t>(</a:t>
             </a:r>
             <a:r>
-              <a:rPr lang="en-US" sz="3000" i="0" u="none" strike="noStrike" cap="none" dirty="0" smtClean="0">
+              <a:rPr lang="en-US" sz="3000" b="1" i="0" u="none" strike="noStrike" cap="none" dirty="0" smtClean="0">
                 <a:solidFill>
                   <a:srgbClr val="FFC000"/>
                 </a:solidFill>
@@ -15390,7 +15414,7 @@
               <a:t>'All </a:t>
             </a:r>
             <a:r>
-              <a:rPr lang="en-US" sz="3000" i="0" u="none" strike="noStrike" cap="none" dirty="0">
+              <a:rPr lang="en-US" sz="3000" b="1" i="0" u="none" strike="noStrike" cap="none" dirty="0">
                 <a:solidFill>
                   <a:srgbClr val="FFC000"/>
                 </a:solidFill>
@@ -15402,7 +15426,7 @@
               <a:t>done</a:t>
             </a:r>
             <a:r>
-              <a:rPr lang="en-US" sz="3000" i="0" u="none" strike="noStrike" cap="none" dirty="0" smtClean="0">
+              <a:rPr lang="en-US" sz="3000" b="1" i="0" u="none" strike="noStrike" cap="none" dirty="0" smtClean="0">
                 <a:solidFill>
                   <a:srgbClr val="FFC000"/>
                 </a:solidFill>
@@ -15414,7 +15438,7 @@
               <a:t>'</a:t>
             </a:r>
             <a:r>
-              <a:rPr lang="en-US" sz="3000" dirty="0">
+              <a:rPr lang="en-US" sz="3000" b="1" dirty="0">
                 <a:solidFill>
                   <a:srgbClr val="FFC000"/>
                 </a:solidFill>
@@ -15425,7 +15449,7 @@
               </a:rPr>
               <a:t>)</a:t>
             </a:r>
-            <a:endParaRPr lang="en-US" sz="3000" i="0" u="none" strike="noStrike" cap="none" dirty="0">
+            <a:endParaRPr lang="en-US" sz="3000" b="1" i="0" u="none" strike="noStrike" cap="none" dirty="0">
               <a:solidFill>
                 <a:srgbClr val="FFC000"/>
               </a:solidFill>
@@ -16496,7 +16520,7 @@
   <p:timing>
     <p:tnLst>
       <p:par>
-        <p:cTn xmlns:p14="http://schemas.microsoft.com/office/powerpoint/2010/main" id="1" dur="indefinite" restart="never" nodeType="tmRoot"/>
+        <p:cTn id="1" dur="indefinite" restart="never" nodeType="tmRoot"/>
       </p:par>
     </p:tnLst>
   </p:timing>
@@ -16613,7 +16637,7 @@
               <a:buSzPct val="25000"/>
             </a:pPr>
             <a:r>
-              <a:rPr lang="en-US" sz="3000" dirty="0">
+              <a:rPr lang="en-US" sz="3000" b="1" dirty="0">
                 <a:solidFill>
                   <a:schemeClr val="bg1"/>
                 </a:solidFill>
@@ -16625,7 +16649,7 @@
               <a:t>x = </a:t>
             </a:r>
             <a:r>
-              <a:rPr lang="en-US" sz="3000" dirty="0" smtClean="0">
+              <a:rPr lang="en-US" sz="3000" b="1" dirty="0" smtClean="0">
                 <a:solidFill>
                   <a:schemeClr val="bg1"/>
                 </a:solidFill>
@@ -16636,7 +16660,7 @@
               </a:rPr>
               <a:t>20</a:t>
             </a:r>
-            <a:endParaRPr lang="en-US" sz="3000" i="0" u="none" strike="noStrike" cap="none" dirty="0" smtClean="0">
+            <a:endParaRPr lang="en-US" sz="3000" b="1" i="0" u="none" strike="noStrike" cap="none" dirty="0" smtClean="0">
               <a:solidFill>
                 <a:srgbClr val="00FF00"/>
               </a:solidFill>
@@ -16665,7 +16689,7 @@
               <a:buNone/>
             </a:pPr>
             <a:r>
-              <a:rPr lang="en-US" sz="3000" i="0" u="none" strike="noStrike" cap="none" dirty="0" smtClean="0">
+              <a:rPr lang="en-US" sz="3000" b="1" i="0" u="none" strike="noStrike" cap="none" dirty="0" smtClean="0">
                 <a:solidFill>
                   <a:srgbClr val="FFC000"/>
                 </a:solidFill>
@@ -16677,7 +16701,7 @@
               <a:t>if </a:t>
             </a:r>
             <a:r>
-              <a:rPr lang="en-US" sz="3000" i="0" u="none" strike="noStrike" cap="none" dirty="0">
+              <a:rPr lang="en-US" sz="3000" b="1" i="0" u="none" strike="noStrike" cap="none" dirty="0">
                 <a:solidFill>
                   <a:srgbClr val="FFC000"/>
                 </a:solidFill>
@@ -16697,7 +16721,7 @@
               <a:buSzPct val="25000"/>
             </a:pPr>
             <a:r>
-              <a:rPr lang="en-US" sz="3000" i="0" u="none" strike="noStrike" cap="none" dirty="0">
+              <a:rPr lang="en-US" sz="3000" b="1" i="0" u="none" strike="noStrike" cap="none" dirty="0">
                 <a:solidFill>
                   <a:schemeClr val="lt1"/>
                 </a:solidFill>
@@ -16709,7 +16733,7 @@
               <a:t>    </a:t>
             </a:r>
             <a:r>
-              <a:rPr lang="en-US" sz="3000" i="0" u="none" strike="noStrike" cap="none" dirty="0" smtClean="0">
+              <a:rPr lang="en-US" sz="3000" b="1" i="0" u="none" strike="noStrike" cap="none" dirty="0" smtClean="0">
                 <a:solidFill>
                   <a:srgbClr val="00FF00"/>
                 </a:solidFill>
@@ -16721,7 +16745,7 @@
               <a:t>print(</a:t>
             </a:r>
             <a:r>
-              <a:rPr lang="en-US" sz="3000" i="0" u="none" strike="noStrike" cap="none" dirty="0" smtClean="0">
+              <a:rPr lang="en-US" sz="3000" b="1" i="0" u="none" strike="noStrike" cap="none" dirty="0" smtClean="0">
                 <a:solidFill>
                   <a:schemeClr val="lt1"/>
                 </a:solidFill>
@@ -16733,7 +16757,7 @@
               <a:t>'</a:t>
             </a:r>
             <a:r>
-              <a:rPr lang="en-US" sz="3000" dirty="0" smtClean="0">
+              <a:rPr lang="en-US" sz="3000" b="1" dirty="0" smtClean="0">
                 <a:solidFill>
                   <a:schemeClr val="lt1"/>
                 </a:solidFill>
@@ -16745,7 +16769,7 @@
               <a:t>s</a:t>
             </a:r>
             <a:r>
-              <a:rPr lang="en-US" sz="3000" i="0" u="none" strike="noStrike" cap="none" dirty="0" smtClean="0">
+              <a:rPr lang="en-US" sz="3000" b="1" i="0" u="none" strike="noStrike" cap="none" dirty="0" smtClean="0">
                 <a:solidFill>
                   <a:schemeClr val="lt1"/>
                 </a:solidFill>
@@ -16757,7 +16781,7 @@
               <a:t>mall'</a:t>
             </a:r>
             <a:r>
-              <a:rPr lang="en-US" sz="3000" dirty="0">
+              <a:rPr lang="en-US" sz="3000" b="1" dirty="0">
                 <a:solidFill>
                   <a:srgbClr val="00FF00"/>
                 </a:solidFill>
@@ -16768,7 +16792,7 @@
               </a:rPr>
               <a:t>)</a:t>
             </a:r>
-            <a:endParaRPr lang="en-US" sz="3000" i="0" u="none" strike="noStrike" cap="none" dirty="0">
+            <a:endParaRPr lang="en-US" sz="3000" b="1" i="0" u="none" strike="noStrike" cap="none" dirty="0">
               <a:solidFill>
                 <a:schemeClr val="lt1"/>
               </a:solidFill>
@@ -16797,7 +16821,7 @@
               <a:buNone/>
             </a:pPr>
             <a:r>
-              <a:rPr lang="en-US" sz="3000" i="0" u="none" strike="noStrike" cap="none" dirty="0" err="1">
+              <a:rPr lang="en-US" sz="3000" b="1" i="0" u="none" strike="noStrike" cap="none" dirty="0" err="1">
                 <a:solidFill>
                   <a:srgbClr val="FFC000"/>
                 </a:solidFill>
@@ -16809,7 +16833,7 @@
               <a:t>elif</a:t>
             </a:r>
             <a:r>
-              <a:rPr lang="en-US" sz="3000" i="0" u="none" strike="noStrike" cap="none" dirty="0">
+              <a:rPr lang="en-US" sz="3000" b="1" i="0" u="none" strike="noStrike" cap="none" dirty="0">
                 <a:solidFill>
                   <a:srgbClr val="FFC000"/>
                 </a:solidFill>
@@ -16829,7 +16853,7 @@
               <a:buSzPct val="25000"/>
             </a:pPr>
             <a:r>
-              <a:rPr lang="en-US" sz="3000" i="0" u="none" strike="noStrike" cap="none" dirty="0">
+              <a:rPr lang="en-US" sz="3000" b="1" i="0" u="none" strike="noStrike" cap="none" dirty="0">
                 <a:solidFill>
                   <a:schemeClr val="lt1"/>
                 </a:solidFill>
@@ -16841,7 +16865,7 @@
               <a:t>    </a:t>
             </a:r>
             <a:r>
-              <a:rPr lang="en-US" sz="3000" i="0" u="none" strike="noStrike" cap="none" dirty="0" smtClean="0">
+              <a:rPr lang="en-US" sz="3000" b="1" i="0" u="none" strike="noStrike" cap="none" dirty="0" smtClean="0">
                 <a:solidFill>
                   <a:srgbClr val="00FF00"/>
                 </a:solidFill>
@@ -16853,7 +16877,7 @@
               <a:t>print(</a:t>
             </a:r>
             <a:r>
-              <a:rPr lang="en-US" sz="3000" i="0" u="none" strike="noStrike" cap="none" dirty="0" smtClean="0">
+              <a:rPr lang="en-US" sz="3000" b="1" i="0" u="none" strike="noStrike" cap="none" dirty="0" smtClean="0">
                 <a:solidFill>
                   <a:schemeClr val="lt1"/>
                 </a:solidFill>
@@ -16865,7 +16889,7 @@
               <a:t>'</a:t>
             </a:r>
             <a:r>
-              <a:rPr lang="en-US" sz="3000" dirty="0">
+              <a:rPr lang="en-US" sz="3000" b="1" dirty="0">
                 <a:solidFill>
                   <a:schemeClr val="lt1"/>
                 </a:solidFill>
@@ -16877,7 +16901,7 @@
               <a:t>Medium'</a:t>
             </a:r>
             <a:r>
-              <a:rPr lang="en-US" sz="3000" dirty="0" smtClean="0">
+              <a:rPr lang="en-US" sz="3000" b="1" dirty="0" smtClean="0">
                 <a:solidFill>
                   <a:srgbClr val="00FF00"/>
                 </a:solidFill>
@@ -16888,7 +16912,7 @@
               </a:rPr>
               <a:t>)</a:t>
             </a:r>
-            <a:endParaRPr lang="en-US" sz="3000" i="0" u="none" strike="noStrike" cap="none" dirty="0">
+            <a:endParaRPr lang="en-US" sz="3000" b="1" i="0" u="none" strike="noStrike" cap="none" dirty="0">
               <a:solidFill>
                 <a:schemeClr val="lt1"/>
               </a:solidFill>
@@ -16917,7 +16941,7 @@
               <a:buNone/>
             </a:pPr>
             <a:r>
-              <a:rPr lang="en-US" sz="3000" i="0" u="none" strike="noStrike" cap="none" dirty="0">
+              <a:rPr lang="en-US" sz="3000" b="1" i="0" u="none" strike="noStrike" cap="none" dirty="0">
                 <a:solidFill>
                   <a:srgbClr val="FFC000"/>
                 </a:solidFill>
@@ -16937,7 +16961,7 @@
               <a:buSzPct val="25000"/>
             </a:pPr>
             <a:r>
-              <a:rPr lang="en-US" sz="3000" i="0" u="none" strike="noStrike" cap="none" dirty="0">
+              <a:rPr lang="en-US" sz="3000" b="1" i="0" u="none" strike="noStrike" cap="none" dirty="0">
                 <a:solidFill>
                   <a:srgbClr val="FFC000"/>
                 </a:solidFill>
@@ -16949,7 +16973,7 @@
               <a:t>    </a:t>
             </a:r>
             <a:r>
-              <a:rPr lang="en-US" sz="3000" i="0" u="none" strike="noStrike" cap="none" dirty="0" smtClean="0">
+              <a:rPr lang="en-US" sz="3000" b="1" i="0" u="none" strike="noStrike" cap="none" dirty="0" smtClean="0">
                 <a:solidFill>
                   <a:srgbClr val="FFC000"/>
                 </a:solidFill>
@@ -16961,7 +16985,7 @@
               <a:t>print('LARGE'</a:t>
             </a:r>
             <a:r>
-              <a:rPr lang="en-US" sz="3000" dirty="0">
+              <a:rPr lang="en-US" sz="3000" b="1" dirty="0">
                 <a:solidFill>
                   <a:srgbClr val="FFC000"/>
                 </a:solidFill>
@@ -16972,7 +16996,7 @@
               </a:rPr>
               <a:t>)</a:t>
             </a:r>
-            <a:endParaRPr lang="en-US" sz="3000" i="0" u="none" strike="noStrike" cap="none" dirty="0">
+            <a:endParaRPr lang="en-US" sz="3000" b="1" i="0" u="none" strike="noStrike" cap="none" dirty="0">
               <a:solidFill>
                 <a:srgbClr val="FFC000"/>
               </a:solidFill>
@@ -16990,7 +17014,7 @@
               <a:buSzPct val="25000"/>
             </a:pPr>
             <a:r>
-              <a:rPr lang="en-US" sz="3000" i="0" u="none" strike="noStrike" cap="none" dirty="0" smtClean="0">
+              <a:rPr lang="en-US" sz="3000" b="1" i="0" u="none" strike="noStrike" cap="none" dirty="0" smtClean="0">
                 <a:solidFill>
                   <a:srgbClr val="FFC000"/>
                 </a:solidFill>
@@ -17002,7 +17026,7 @@
               <a:t>print</a:t>
             </a:r>
             <a:r>
-              <a:rPr lang="en-US" sz="3000" dirty="0">
+              <a:rPr lang="en-US" sz="3000" b="1" dirty="0">
                 <a:solidFill>
                   <a:srgbClr val="FFC000"/>
                 </a:solidFill>
@@ -17014,7 +17038,7 @@
               <a:t>(</a:t>
             </a:r>
             <a:r>
-              <a:rPr lang="en-US" sz="3000" i="0" u="none" strike="noStrike" cap="none" dirty="0" smtClean="0">
+              <a:rPr lang="en-US" sz="3000" b="1" i="0" u="none" strike="noStrike" cap="none" dirty="0" smtClean="0">
                 <a:solidFill>
                   <a:srgbClr val="FFC000"/>
                 </a:solidFill>
@@ -17026,7 +17050,7 @@
               <a:t>'All </a:t>
             </a:r>
             <a:r>
-              <a:rPr lang="en-US" sz="3000" i="0" u="none" strike="noStrike" cap="none" dirty="0">
+              <a:rPr lang="en-US" sz="3000" b="1" i="0" u="none" strike="noStrike" cap="none" dirty="0">
                 <a:solidFill>
                   <a:srgbClr val="FFC000"/>
                 </a:solidFill>
@@ -17038,7 +17062,7 @@
               <a:t>done</a:t>
             </a:r>
             <a:r>
-              <a:rPr lang="en-US" sz="3000" i="0" u="none" strike="noStrike" cap="none" dirty="0" smtClean="0">
+              <a:rPr lang="en-US" sz="3000" b="1" i="0" u="none" strike="noStrike" cap="none" dirty="0" smtClean="0">
                 <a:solidFill>
                   <a:srgbClr val="FFC000"/>
                 </a:solidFill>
@@ -17050,7 +17074,7 @@
               <a:t>'</a:t>
             </a:r>
             <a:r>
-              <a:rPr lang="en-US" sz="3000" dirty="0">
+              <a:rPr lang="en-US" sz="3000" b="1" dirty="0">
                 <a:solidFill>
                   <a:srgbClr val="FFC000"/>
                 </a:solidFill>
@@ -17061,7 +17085,7 @@
               </a:rPr>
               <a:t>)</a:t>
             </a:r>
-            <a:endParaRPr lang="en-US" sz="3000" i="0" u="none" strike="noStrike" cap="none" dirty="0">
+            <a:endParaRPr lang="en-US" sz="3000" b="1" i="0" u="none" strike="noStrike" cap="none" dirty="0">
               <a:solidFill>
                 <a:srgbClr val="FFC000"/>
               </a:solidFill>
@@ -18132,7 +18156,7 @@
   <p:timing>
     <p:tnLst>
       <p:par>
-        <p:cTn xmlns:p14="http://schemas.microsoft.com/office/powerpoint/2010/main" id="1" dur="indefinite" restart="never" nodeType="tmRoot"/>
+        <p:cTn id="1" dur="indefinite" restart="never" nodeType="tmRoot"/>
       </p:par>
     </p:tnLst>
   </p:timing>
@@ -18260,7 +18284,7 @@
               <a:buNone/>
             </a:pPr>
             <a:r>
-              <a:rPr lang="en-US" sz="3000" i="0" u="none" strike="noStrike" cap="none" dirty="0">
+              <a:rPr lang="en-US" sz="3000" b="1" i="0" u="none" strike="noStrike" cap="none" dirty="0">
                 <a:solidFill>
                   <a:srgbClr val="FFFFFF"/>
                 </a:solidFill>
@@ -18291,7 +18315,7 @@
               <a:buNone/>
             </a:pPr>
             <a:r>
-              <a:rPr lang="en-US" sz="3000" i="0" u="none" strike="noStrike" cap="none" dirty="0">
+              <a:rPr lang="en-US" sz="3000" b="1" i="0" u="none" strike="noStrike" cap="none" dirty="0">
                 <a:solidFill>
                   <a:srgbClr val="FF9900"/>
                 </a:solidFill>
@@ -18322,7 +18346,7 @@
               <a:buNone/>
             </a:pPr>
             <a:r>
-              <a:rPr lang="en-US" sz="3000" i="0" u="none" strike="noStrike" cap="none" dirty="0">
+              <a:rPr lang="en-US" sz="3000" b="1" i="0" u="none" strike="noStrike" cap="none" dirty="0">
                 <a:solidFill>
                   <a:srgbClr val="FF9900"/>
                 </a:solidFill>
@@ -18342,7 +18366,7 @@
               <a:buSzPct val="25000"/>
             </a:pPr>
             <a:r>
-              <a:rPr lang="en-US" sz="3000" i="0" u="none" strike="noStrike" cap="none" dirty="0">
+              <a:rPr lang="en-US" sz="3000" b="1" i="0" u="none" strike="noStrike" cap="none" dirty="0">
                 <a:solidFill>
                   <a:srgbClr val="00FF00"/>
                 </a:solidFill>
@@ -18354,7 +18378,7 @@
               <a:t>    </a:t>
             </a:r>
             <a:r>
-              <a:rPr lang="en-US" sz="3000" dirty="0">
+              <a:rPr lang="en-US" sz="3000" b="1" dirty="0">
                 <a:solidFill>
                   <a:srgbClr val="00FF00"/>
                 </a:solidFill>
@@ -18365,7 +18389,7 @@
               </a:rPr>
               <a:t>print('Small')</a:t>
             </a:r>
-            <a:endParaRPr lang="en-US" sz="3000" i="0" u="none" strike="noStrike" cap="none" dirty="0">
+            <a:endParaRPr lang="en-US" sz="3000" b="1" i="0" u="none" strike="noStrike" cap="none" dirty="0">
               <a:solidFill>
                 <a:srgbClr val="00FF00"/>
               </a:solidFill>
@@ -18394,7 +18418,7 @@
               <a:buNone/>
             </a:pPr>
             <a:r>
-              <a:rPr lang="en-US" sz="3000" i="0" u="none" strike="noStrike" cap="none" dirty="0" err="1">
+              <a:rPr lang="en-US" sz="3000" b="1" i="0" u="none" strike="noStrike" cap="none" dirty="0" err="1">
                 <a:solidFill>
                   <a:srgbClr val="FF9900"/>
                 </a:solidFill>
@@ -18406,7 +18430,7 @@
               <a:t>elif</a:t>
             </a:r>
             <a:r>
-              <a:rPr lang="en-US" sz="3000" i="0" u="none" strike="noStrike" cap="none" dirty="0">
+              <a:rPr lang="en-US" sz="3000" b="1" i="0" u="none" strike="noStrike" cap="none" dirty="0">
                 <a:solidFill>
                   <a:srgbClr val="FF9900"/>
                 </a:solidFill>
@@ -18426,7 +18450,7 @@
               <a:buSzPct val="25000"/>
             </a:pPr>
             <a:r>
-              <a:rPr lang="en-US" sz="3000" i="0" u="none" strike="noStrike" cap="none" dirty="0">
+              <a:rPr lang="en-US" sz="3000" b="1" i="0" u="none" strike="noStrike" cap="none" dirty="0">
                 <a:solidFill>
                   <a:srgbClr val="FF7F00"/>
                 </a:solidFill>
@@ -18438,7 +18462,7 @@
               <a:t>   </a:t>
             </a:r>
             <a:r>
-              <a:rPr lang="en-US" sz="3000" i="0" u="none" strike="noStrike" cap="none" dirty="0">
+              <a:rPr lang="en-US" sz="3000" b="1" i="0" u="none" strike="noStrike" cap="none" dirty="0">
                 <a:solidFill>
                   <a:srgbClr val="00FF00"/>
                 </a:solidFill>
@@ -18450,7 +18474,7 @@
               <a:t> </a:t>
             </a:r>
             <a:r>
-              <a:rPr lang="en-US" sz="3000" dirty="0">
+              <a:rPr lang="en-US" sz="3000" b="1" dirty="0">
                 <a:solidFill>
                   <a:srgbClr val="00FF00"/>
                 </a:solidFill>
@@ -18461,7 +18485,7 @@
               </a:rPr>
               <a:t>print('Medium')</a:t>
             </a:r>
-            <a:endParaRPr lang="en-US" sz="3000" i="0" u="none" strike="noStrike" cap="none" dirty="0">
+            <a:endParaRPr lang="en-US" sz="3000" b="1" i="0" u="none" strike="noStrike" cap="none" dirty="0">
               <a:solidFill>
                 <a:srgbClr val="00FF00"/>
               </a:solidFill>
@@ -18484,7 +18508,7 @@
               </a:spcAft>
               <a:buNone/>
             </a:pPr>
-            <a:endParaRPr sz="3000" i="0" u="none" strike="noStrike" cap="none" dirty="0">
+            <a:endParaRPr sz="3000" b="1" i="0" u="none" strike="noStrike" cap="none" dirty="0">
               <a:solidFill>
                 <a:srgbClr val="00FF00"/>
               </a:solidFill>
@@ -18513,7 +18537,7 @@
               <a:buNone/>
             </a:pPr>
             <a:r>
-              <a:rPr lang="en-US" sz="3000" i="0" u="none" strike="noStrike" cap="none" dirty="0">
+              <a:rPr lang="en-US" sz="3000" b="1" i="0" u="none" strike="noStrike" cap="none" dirty="0">
                 <a:solidFill>
                   <a:srgbClr val="FF9900"/>
                 </a:solidFill>
@@ -18570,7 +18594,7 @@
               <a:buNone/>
             </a:pPr>
             <a:r>
-              <a:rPr lang="en-US" sz="3000" i="0" u="none" strike="noStrike" cap="none" dirty="0">
+              <a:rPr lang="en-US" sz="3000" b="1" i="0" u="none" strike="noStrike" cap="none" dirty="0">
                 <a:solidFill>
                   <a:srgbClr val="FFFF00"/>
                 </a:solidFill>
@@ -18590,7 +18614,7 @@
               <a:buSzPct val="25000"/>
             </a:pPr>
             <a:r>
-              <a:rPr lang="en-US" sz="3000" i="0" u="none" strike="noStrike" cap="none" dirty="0">
+              <a:rPr lang="en-US" sz="3000" b="1" i="0" u="none" strike="noStrike" cap="none" dirty="0">
                 <a:solidFill>
                   <a:srgbClr val="FFFF00"/>
                 </a:solidFill>
@@ -18602,7 +18626,7 @@
               <a:t>    </a:t>
             </a:r>
             <a:r>
-              <a:rPr lang="en-US" sz="3000" dirty="0">
+              <a:rPr lang="en-US" sz="3000" b="1" dirty="0">
                 <a:solidFill>
                   <a:srgbClr val="FFFF00"/>
                 </a:solidFill>
@@ -18613,7 +18637,7 @@
               </a:rPr>
               <a:t>print('Small')</a:t>
             </a:r>
-            <a:endParaRPr lang="en-US" sz="3000" i="0" u="none" strike="noStrike" cap="none" dirty="0">
+            <a:endParaRPr lang="en-US" sz="3000" b="1" i="0" u="none" strike="noStrike" cap="none" dirty="0">
               <a:solidFill>
                 <a:srgbClr val="FFFF00"/>
               </a:solidFill>
@@ -18642,7 +18666,7 @@
               <a:buNone/>
             </a:pPr>
             <a:r>
-              <a:rPr lang="en-US" sz="3000" i="0" u="none" strike="noStrike" cap="none" dirty="0" err="1">
+              <a:rPr lang="en-US" sz="3000" b="1" i="0" u="none" strike="noStrike" cap="none" dirty="0" err="1">
                 <a:solidFill>
                   <a:srgbClr val="FFFF00"/>
                 </a:solidFill>
@@ -18654,7 +18678,7 @@
               <a:t>elif</a:t>
             </a:r>
             <a:r>
-              <a:rPr lang="en-US" sz="3000" i="0" u="none" strike="noStrike" cap="none" dirty="0">
+              <a:rPr lang="en-US" sz="3000" b="1" i="0" u="none" strike="noStrike" cap="none" dirty="0">
                 <a:solidFill>
                   <a:srgbClr val="FFFF00"/>
                 </a:solidFill>
@@ -18674,7 +18698,7 @@
               <a:buSzPct val="25000"/>
             </a:pPr>
             <a:r>
-              <a:rPr lang="en-US" sz="3000" i="0" u="none" strike="noStrike" cap="none" dirty="0">
+              <a:rPr lang="en-US" sz="3000" b="1" i="0" u="none" strike="noStrike" cap="none" dirty="0">
                 <a:solidFill>
                   <a:srgbClr val="FFFF00"/>
                 </a:solidFill>
@@ -18686,7 +18710,7 @@
               <a:t>    </a:t>
             </a:r>
             <a:r>
-              <a:rPr lang="en-US" sz="3000" i="0" u="none" strike="noStrike" cap="none" dirty="0" smtClean="0">
+              <a:rPr lang="en-US" sz="3000" b="1" i="0" u="none" strike="noStrike" cap="none" dirty="0" smtClean="0">
                 <a:solidFill>
                   <a:srgbClr val="FFFF00"/>
                 </a:solidFill>
@@ -18698,7 +18722,7 @@
               <a:t>print('Medium</a:t>
             </a:r>
             <a:r>
-              <a:rPr lang="en-US" sz="3000" dirty="0">
+              <a:rPr lang="en-US" sz="3000" b="1" dirty="0">
                 <a:solidFill>
                   <a:srgbClr val="FFFF00"/>
                 </a:solidFill>
@@ -18709,7 +18733,7 @@
               </a:rPr>
               <a:t>')</a:t>
             </a:r>
-            <a:endParaRPr lang="en-US" sz="3000" i="0" u="none" strike="noStrike" cap="none" dirty="0">
+            <a:endParaRPr lang="en-US" sz="3000" b="1" i="0" u="none" strike="noStrike" cap="none" dirty="0">
               <a:solidFill>
                 <a:srgbClr val="FFFF00"/>
               </a:solidFill>
@@ -18738,7 +18762,7 @@
               <a:buNone/>
             </a:pPr>
             <a:r>
-              <a:rPr lang="en-US" sz="3000" i="0" u="none" strike="noStrike" cap="none" dirty="0" err="1">
+              <a:rPr lang="en-US" sz="3000" b="1" i="0" u="none" strike="noStrike" cap="none" dirty="0" err="1">
                 <a:solidFill>
                   <a:srgbClr val="FFFF00"/>
                 </a:solidFill>
@@ -18750,7 +18774,7 @@
               <a:t>elif</a:t>
             </a:r>
             <a:r>
-              <a:rPr lang="en-US" sz="3000" i="0" u="none" strike="noStrike" cap="none" dirty="0">
+              <a:rPr lang="en-US" sz="3000" b="1" i="0" u="none" strike="noStrike" cap="none" dirty="0">
                 <a:solidFill>
                   <a:srgbClr val="FFFF00"/>
                 </a:solidFill>
@@ -18770,7 +18794,7 @@
               <a:buSzPct val="25000"/>
             </a:pPr>
             <a:r>
-              <a:rPr lang="en-US" sz="3000" i="0" u="none" strike="noStrike" cap="none" dirty="0">
+              <a:rPr lang="en-US" sz="3000" b="1" i="0" u="none" strike="noStrike" cap="none" dirty="0">
                 <a:solidFill>
                   <a:srgbClr val="FFFF00"/>
                 </a:solidFill>
@@ -18782,7 +18806,7 @@
               <a:t>    </a:t>
             </a:r>
             <a:r>
-              <a:rPr lang="en-US" sz="3000" i="0" u="none" strike="noStrike" cap="none" dirty="0" smtClean="0">
+              <a:rPr lang="en-US" sz="3000" b="1" i="0" u="none" strike="noStrike" cap="none" dirty="0" smtClean="0">
                 <a:solidFill>
                   <a:srgbClr val="FFFF00"/>
                 </a:solidFill>
@@ -18794,7 +18818,7 @@
               <a:t>print('Big</a:t>
             </a:r>
             <a:r>
-              <a:rPr lang="en-US" sz="3000" dirty="0">
+              <a:rPr lang="en-US" sz="3000" b="1" dirty="0">
                 <a:solidFill>
                   <a:srgbClr val="FFFF00"/>
                 </a:solidFill>
@@ -18805,7 +18829,7 @@
               </a:rPr>
               <a:t>')</a:t>
             </a:r>
-            <a:endParaRPr lang="en-US" sz="3000" i="0" u="none" strike="noStrike" cap="none" dirty="0">
+            <a:endParaRPr lang="en-US" sz="3000" b="1" i="0" u="none" strike="noStrike" cap="none" dirty="0">
               <a:solidFill>
                 <a:srgbClr val="FFFF00"/>
               </a:solidFill>
@@ -18834,7 +18858,7 @@
               <a:buNone/>
             </a:pPr>
             <a:r>
-              <a:rPr lang="en-US" sz="3000" i="0" u="none" strike="noStrike" cap="none" dirty="0" err="1">
+              <a:rPr lang="en-US" sz="3000" b="1" i="0" u="none" strike="noStrike" cap="none" dirty="0" err="1">
                 <a:solidFill>
                   <a:srgbClr val="FFFF00"/>
                 </a:solidFill>
@@ -18846,7 +18870,7 @@
               <a:t>elif</a:t>
             </a:r>
             <a:r>
-              <a:rPr lang="en-US" sz="3000" i="0" u="none" strike="noStrike" cap="none" dirty="0">
+              <a:rPr lang="en-US" sz="3000" b="1" i="0" u="none" strike="noStrike" cap="none" dirty="0">
                 <a:solidFill>
                   <a:srgbClr val="FFFF00"/>
                 </a:solidFill>
@@ -18866,7 +18890,7 @@
               <a:buSzPct val="25000"/>
             </a:pPr>
             <a:r>
-              <a:rPr lang="en-US" sz="3000" i="0" u="none" strike="noStrike" cap="none" dirty="0">
+              <a:rPr lang="en-US" sz="3000" b="1" i="0" u="none" strike="noStrike" cap="none" dirty="0">
                 <a:solidFill>
                   <a:srgbClr val="FFFF00"/>
                 </a:solidFill>
@@ -18878,7 +18902,7 @@
               <a:t>    </a:t>
             </a:r>
             <a:r>
-              <a:rPr lang="en-US" sz="3000" i="0" u="none" strike="noStrike" cap="none" dirty="0" smtClean="0">
+              <a:rPr lang="en-US" sz="3000" b="1" i="0" u="none" strike="noStrike" cap="none" dirty="0" smtClean="0">
                 <a:solidFill>
                   <a:srgbClr val="FFFF00"/>
                 </a:solidFill>
@@ -18890,7 +18914,7 @@
               <a:t>print('Large</a:t>
             </a:r>
             <a:r>
-              <a:rPr lang="en-US" sz="3000" dirty="0">
+              <a:rPr lang="en-US" sz="3000" b="1" dirty="0">
                 <a:solidFill>
                   <a:srgbClr val="FFFF00"/>
                 </a:solidFill>
@@ -18901,7 +18925,7 @@
               </a:rPr>
               <a:t>')</a:t>
             </a:r>
-            <a:endParaRPr lang="en-US" sz="3000" i="0" u="none" strike="noStrike" cap="none" dirty="0">
+            <a:endParaRPr lang="en-US" sz="3000" b="1" i="0" u="none" strike="noStrike" cap="none" dirty="0">
               <a:solidFill>
                 <a:srgbClr val="FFFF00"/>
               </a:solidFill>
@@ -18930,7 +18954,7 @@
               <a:buNone/>
             </a:pPr>
             <a:r>
-              <a:rPr lang="en-US" sz="3000" i="0" u="none" strike="noStrike" cap="none" dirty="0" err="1">
+              <a:rPr lang="en-US" sz="3000" b="1" i="0" u="none" strike="noStrike" cap="none" dirty="0" err="1">
                 <a:solidFill>
                   <a:srgbClr val="FFFF00"/>
                 </a:solidFill>
@@ -18942,7 +18966,7 @@
               <a:t>elif</a:t>
             </a:r>
             <a:r>
-              <a:rPr lang="en-US" sz="3000" i="0" u="none" strike="noStrike" cap="none" dirty="0">
+              <a:rPr lang="en-US" sz="3000" b="1" i="0" u="none" strike="noStrike" cap="none" dirty="0">
                 <a:solidFill>
                   <a:srgbClr val="FFFF00"/>
                 </a:solidFill>
@@ -18962,7 +18986,7 @@
               <a:buSzPct val="25000"/>
             </a:pPr>
             <a:r>
-              <a:rPr lang="en-US" sz="3000" i="0" u="none" strike="noStrike" cap="none" dirty="0">
+              <a:rPr lang="en-US" sz="3000" b="1" i="0" u="none" strike="noStrike" cap="none" dirty="0">
                 <a:solidFill>
                   <a:srgbClr val="FFFF00"/>
                 </a:solidFill>
@@ -18974,7 +18998,7 @@
               <a:t>    </a:t>
             </a:r>
             <a:r>
-              <a:rPr lang="en-US" sz="3000" i="0" u="none" strike="noStrike" cap="none" dirty="0" smtClean="0">
+              <a:rPr lang="en-US" sz="3000" b="1" i="0" u="none" strike="noStrike" cap="none" dirty="0" smtClean="0">
                 <a:solidFill>
                   <a:srgbClr val="FFFF00"/>
                 </a:solidFill>
@@ -18986,7 +19010,7 @@
               <a:t>print('Huge</a:t>
             </a:r>
             <a:r>
-              <a:rPr lang="en-US" sz="3000" dirty="0">
+              <a:rPr lang="en-US" sz="3000" b="1" dirty="0">
                 <a:solidFill>
                   <a:srgbClr val="FFFF00"/>
                 </a:solidFill>
@@ -18997,7 +19021,7 @@
               </a:rPr>
               <a:t>')</a:t>
             </a:r>
-            <a:endParaRPr lang="en-US" sz="3000" i="0" u="none" strike="noStrike" cap="none" dirty="0">
+            <a:endParaRPr lang="en-US" sz="3000" b="1" i="0" u="none" strike="noStrike" cap="none" dirty="0">
               <a:solidFill>
                 <a:srgbClr val="FFFF00"/>
               </a:solidFill>
@@ -19026,7 +19050,7 @@
               <a:buNone/>
             </a:pPr>
             <a:r>
-              <a:rPr lang="en-US" sz="3000" i="0" u="none" strike="noStrike" cap="none" dirty="0">
+              <a:rPr lang="en-US" sz="3000" b="1" i="0" u="none" strike="noStrike" cap="none" dirty="0">
                 <a:solidFill>
                   <a:srgbClr val="FFFF00"/>
                 </a:solidFill>
@@ -19046,7 +19070,7 @@
               <a:buSzPct val="25000"/>
             </a:pPr>
             <a:r>
-              <a:rPr lang="en-US" sz="3000" i="0" u="none" strike="noStrike" cap="none" dirty="0">
+              <a:rPr lang="en-US" sz="3000" b="1" i="0" u="none" strike="noStrike" cap="none" dirty="0">
                 <a:solidFill>
                   <a:srgbClr val="FFFF00"/>
                 </a:solidFill>
@@ -19058,7 +19082,7 @@
               <a:t>    </a:t>
             </a:r>
             <a:r>
-              <a:rPr lang="en-US" sz="3000" i="0" u="none" strike="noStrike" cap="none" dirty="0" smtClean="0">
+              <a:rPr lang="en-US" sz="3000" b="1" i="0" u="none" strike="noStrike" cap="none" dirty="0" smtClean="0">
                 <a:solidFill>
                   <a:srgbClr val="FFFF00"/>
                 </a:solidFill>
@@ -19070,7 +19094,7 @@
               <a:t>print('Ginormous</a:t>
             </a:r>
             <a:r>
-              <a:rPr lang="en-US" sz="3000" dirty="0">
+              <a:rPr lang="en-US" sz="3000" b="1" dirty="0">
                 <a:solidFill>
                   <a:srgbClr val="FFFF00"/>
                 </a:solidFill>
@@ -19081,7 +19105,7 @@
               </a:rPr>
               <a:t>')</a:t>
             </a:r>
-            <a:endParaRPr lang="en-US" sz="3000" i="0" u="none" strike="noStrike" cap="none" dirty="0">
+            <a:endParaRPr lang="en-US" sz="3000" b="1" i="0" u="none" strike="noStrike" cap="none" dirty="0">
               <a:solidFill>
                 <a:srgbClr val="FFFF00"/>
               </a:solidFill>
@@ -19101,7 +19125,7 @@
   <p:timing>
     <p:tnLst>
       <p:par>
-        <p:cTn xmlns:p14="http://schemas.microsoft.com/office/powerpoint/2010/main" id="1" dur="indefinite" restart="never" nodeType="tmRoot"/>
+        <p:cTn id="1" dur="indefinite" restart="never" nodeType="tmRoot"/>
       </p:par>
     </p:tnLst>
   </p:timing>
@@ -19425,7 +19449,7 @@
               <a:buNone/>
             </a:pPr>
             <a:r>
-              <a:rPr lang="en-US" sz="2800" u="none" strike="noStrike" cap="none" dirty="0">
+              <a:rPr lang="en-US" sz="2800" b="1" u="none" strike="noStrike" cap="none" dirty="0">
                 <a:solidFill>
                   <a:srgbClr val="00FF00"/>
                 </a:solidFill>
@@ -19456,7 +19480,7 @@
               <a:buNone/>
             </a:pPr>
             <a:r>
-              <a:rPr lang="en-US" sz="2800" u="none" strike="noStrike" cap="none" dirty="0">
+              <a:rPr lang="en-US" sz="2800" b="1" u="none" strike="noStrike" cap="none" dirty="0">
                 <a:solidFill>
                   <a:srgbClr val="FFFF00"/>
                 </a:solidFill>
@@ -19468,7 +19492,7 @@
               <a:t>if</a:t>
             </a:r>
             <a:r>
-              <a:rPr lang="en-US" sz="2800" u="none" strike="noStrike" cap="none" dirty="0">
+              <a:rPr lang="en-US" sz="2800" b="1" u="none" strike="noStrike" cap="none" dirty="0">
                 <a:solidFill>
                   <a:srgbClr val="FF7F00"/>
                 </a:solidFill>
@@ -19480,7 +19504,7 @@
               <a:t> </a:t>
             </a:r>
             <a:r>
-              <a:rPr lang="en-US" sz="2800" u="none" strike="noStrike" cap="none" dirty="0">
+              <a:rPr lang="en-US" sz="2800" b="1" u="none" strike="noStrike" cap="none" dirty="0">
                 <a:solidFill>
                   <a:srgbClr val="00FF00"/>
                 </a:solidFill>
@@ -19500,7 +19524,7 @@
               <a:buSzPct val="25000"/>
             </a:pPr>
             <a:r>
-              <a:rPr lang="en-US" sz="2800" u="none" strike="noStrike" cap="none" dirty="0">
+              <a:rPr lang="en-US" sz="2800" b="1" u="none" strike="noStrike" cap="none" dirty="0">
                 <a:solidFill>
                   <a:srgbClr val="FF7F00"/>
                 </a:solidFill>
@@ -19512,7 +19536,7 @@
               <a:t>    </a:t>
             </a:r>
             <a:r>
-              <a:rPr lang="en-US" sz="2800" u="none" strike="noStrike" cap="none" dirty="0" smtClean="0">
+              <a:rPr lang="en-US" sz="2800" b="1" u="none" strike="noStrike" cap="none" dirty="0" smtClean="0">
                 <a:solidFill>
                   <a:srgbClr val="FFFF00"/>
                 </a:solidFill>
@@ -19524,7 +19548,7 @@
               <a:t>print(</a:t>
             </a:r>
             <a:r>
-              <a:rPr lang="en-US" sz="2800" u="none" strike="noStrike" cap="none" dirty="0" smtClean="0">
+              <a:rPr lang="en-US" sz="2800" b="1" u="none" strike="noStrike" cap="none" dirty="0" smtClean="0">
                 <a:solidFill>
                   <a:srgbClr val="00FF00"/>
                 </a:solidFill>
@@ -19536,7 +19560,7 @@
               <a:t>'</a:t>
             </a:r>
             <a:r>
-              <a:rPr lang="en-US" sz="2800" dirty="0">
+              <a:rPr lang="en-US" sz="2800" b="1" dirty="0">
                 <a:solidFill>
                   <a:srgbClr val="00FF00"/>
                 </a:solidFill>
@@ -19548,7 +19572,7 @@
               <a:t>Smaller'</a:t>
             </a:r>
             <a:r>
-              <a:rPr lang="en-US" sz="2800" dirty="0" smtClean="0">
+              <a:rPr lang="en-US" sz="2800" b="1" dirty="0" smtClean="0">
                 <a:solidFill>
                   <a:srgbClr val="FFFF00"/>
                 </a:solidFill>
@@ -19559,7 +19583,7 @@
               </a:rPr>
               <a:t>)</a:t>
             </a:r>
-            <a:endParaRPr lang="en-US" sz="2800" u="none" strike="noStrike" cap="none" dirty="0">
+            <a:endParaRPr lang="en-US" sz="2800" b="1" u="none" strike="noStrike" cap="none" dirty="0">
               <a:solidFill>
                 <a:srgbClr val="00FF00"/>
               </a:solidFill>
@@ -19588,7 +19612,7 @@
               <a:buNone/>
             </a:pPr>
             <a:r>
-              <a:rPr lang="en-US" sz="2800" u="none" strike="noStrike" cap="none" dirty="0">
+              <a:rPr lang="en-US" sz="2800" b="1" u="none" strike="noStrike" cap="none" dirty="0">
                 <a:solidFill>
                   <a:srgbClr val="FFFF00"/>
                 </a:solidFill>
@@ -19600,7 +19624,7 @@
               <a:t>if</a:t>
             </a:r>
             <a:r>
-              <a:rPr lang="en-US" sz="2800" u="none" strike="noStrike" cap="none" dirty="0">
+              <a:rPr lang="en-US" sz="2800" b="1" u="none" strike="noStrike" cap="none" dirty="0">
                 <a:solidFill>
                   <a:srgbClr val="FF7F00"/>
                 </a:solidFill>
@@ -19612,7 +19636,7 @@
               <a:t> </a:t>
             </a:r>
             <a:r>
-              <a:rPr lang="en-US" sz="2800" u="none" strike="noStrike" cap="none" dirty="0">
+              <a:rPr lang="en-US" sz="2800" b="1" u="none" strike="noStrike" cap="none" dirty="0">
                 <a:solidFill>
                   <a:srgbClr val="00FF00"/>
                 </a:solidFill>
@@ -19632,7 +19656,7 @@
               <a:buSzPct val="25000"/>
             </a:pPr>
             <a:r>
-              <a:rPr lang="en-US" sz="2800" u="none" strike="noStrike" cap="none" dirty="0">
+              <a:rPr lang="en-US" sz="2800" b="1" u="none" strike="noStrike" cap="none" dirty="0">
                 <a:solidFill>
                   <a:srgbClr val="FF7F00"/>
                 </a:solidFill>
@@ -19644,7 +19668,7 @@
               <a:t>    </a:t>
             </a:r>
             <a:r>
-              <a:rPr lang="en-US" sz="2800" u="none" strike="noStrike" cap="none" dirty="0" smtClean="0">
+              <a:rPr lang="en-US" sz="2800" b="1" u="none" strike="noStrike" cap="none" dirty="0" smtClean="0">
                 <a:solidFill>
                   <a:srgbClr val="FFFF00"/>
                 </a:solidFill>
@@ -19656,7 +19680,7 @@
               <a:t>print(</a:t>
             </a:r>
             <a:r>
-              <a:rPr lang="en-US" sz="2800" u="none" strike="noStrike" cap="none" dirty="0" smtClean="0">
+              <a:rPr lang="en-US" sz="2800" b="1" u="none" strike="noStrike" cap="none" dirty="0" smtClean="0">
                 <a:solidFill>
                   <a:srgbClr val="00FF00"/>
                 </a:solidFill>
@@ -19668,7 +19692,7 @@
               <a:t>'</a:t>
             </a:r>
             <a:r>
-              <a:rPr lang="en-US" sz="2800" dirty="0">
+              <a:rPr lang="en-US" sz="2800" b="1" dirty="0">
                 <a:solidFill>
                   <a:srgbClr val="00FF00"/>
                 </a:solidFill>
@@ -19680,7 +19704,7 @@
               <a:t>Bigger'</a:t>
             </a:r>
             <a:r>
-              <a:rPr lang="en-US" sz="2800" dirty="0" smtClean="0">
+              <a:rPr lang="en-US" sz="2800" b="1" dirty="0" smtClean="0">
                 <a:solidFill>
                   <a:srgbClr val="FFFF00"/>
                 </a:solidFill>
@@ -19691,7 +19715,7 @@
               </a:rPr>
               <a:t>)</a:t>
             </a:r>
-            <a:endParaRPr lang="en-US" sz="2800" u="none" strike="noStrike" cap="none" dirty="0">
+            <a:endParaRPr lang="en-US" sz="2800" b="1" u="none" strike="noStrike" cap="none" dirty="0">
               <a:solidFill>
                 <a:srgbClr val="00FF00"/>
               </a:solidFill>
@@ -19714,7 +19738,7 @@
               </a:spcAft>
               <a:buNone/>
             </a:pPr>
-            <a:endParaRPr sz="2800" u="none" strike="noStrike" cap="none" dirty="0">
+            <a:endParaRPr sz="2800" b="1" u="none" strike="noStrike" cap="none" dirty="0">
               <a:solidFill>
                 <a:srgbClr val="00FF00"/>
               </a:solidFill>
@@ -19732,7 +19756,7 @@
               <a:buSzPct val="25000"/>
             </a:pPr>
             <a:r>
-              <a:rPr lang="en-US" sz="2800" u="none" strike="noStrike" cap="none" dirty="0" smtClean="0">
+              <a:rPr lang="en-US" sz="2800" b="1" dirty="0">
                 <a:solidFill>
                   <a:srgbClr val="FFFF00"/>
                 </a:solidFill>
@@ -19741,34 +19765,34 @@
                 <a:cs typeface="Courier" charset="0"/>
                 <a:sym typeface="Cabin"/>
               </a:rPr>
-              <a:t>Print(</a:t>
-            </a:r>
-            <a:r>
-              <a:rPr lang="en-US" sz="2800" u="none" strike="noStrike" cap="none" dirty="0" smtClean="0">
-                <a:solidFill>
-                  <a:srgbClr val="00FF00"/>
+              <a:t>p</a:t>
+            </a:r>
+            <a:r>
+              <a:rPr lang="en-US" sz="2800" b="1" u="none" strike="noStrike" cap="none" dirty="0" smtClean="0">
+                <a:solidFill>
+                  <a:srgbClr val="FFFF00"/>
                 </a:solidFill>
                 <a:latin typeface="Courier" charset="0"/>
                 <a:ea typeface="Courier" charset="0"/>
                 <a:cs typeface="Courier" charset="0"/>
                 <a:sym typeface="Cabin"/>
               </a:rPr>
-              <a:t>'</a:t>
-            </a:r>
-            <a:r>
-              <a:rPr lang="en-US" sz="2800" u="none" strike="noStrike" cap="none" dirty="0">
-                <a:solidFill>
-                  <a:srgbClr val="00FF00"/>
+              <a:t>rint</a:t>
+            </a:r>
+            <a:r>
+              <a:rPr lang="en-US" sz="2800" b="1" u="none" strike="noStrike" cap="none" dirty="0" smtClean="0">
+                <a:solidFill>
+                  <a:srgbClr val="FFFF00"/>
                 </a:solidFill>
                 <a:latin typeface="Courier" charset="0"/>
                 <a:ea typeface="Courier" charset="0"/>
                 <a:cs typeface="Courier" charset="0"/>
                 <a:sym typeface="Cabin"/>
               </a:rPr>
-              <a:t>Finis</a:t>
-            </a:r>
-            <a:r>
-              <a:rPr lang="en-US" sz="2800" u="none" strike="noStrike" cap="none" dirty="0" smtClean="0">
+              <a:t>(</a:t>
+            </a:r>
+            <a:r>
+              <a:rPr lang="en-US" sz="2800" b="1" u="none" strike="noStrike" cap="none" dirty="0" smtClean="0">
                 <a:solidFill>
                   <a:srgbClr val="00FF00"/>
                 </a:solidFill>
@@ -19780,18 +19804,42 @@
               <a:t>'</a:t>
             </a:r>
             <a:r>
-              <a:rPr lang="en-US" sz="2800" dirty="0" smtClean="0">
-                <a:solidFill>
-                  <a:srgbClr val="FFFF00"/>
+              <a:rPr lang="en-US" sz="2800" b="1" u="none" strike="noStrike" cap="none" dirty="0">
+                <a:solidFill>
+                  <a:srgbClr val="00FF00"/>
                 </a:solidFill>
                 <a:latin typeface="Courier" charset="0"/>
                 <a:ea typeface="Courier" charset="0"/>
                 <a:cs typeface="Courier" charset="0"/>
                 <a:sym typeface="Cabin"/>
               </a:rPr>
+              <a:t>Finis</a:t>
+            </a:r>
+            <a:r>
+              <a:rPr lang="en-US" sz="2800" b="1" u="none" strike="noStrike" cap="none" dirty="0" smtClean="0">
+                <a:solidFill>
+                  <a:srgbClr val="00FF00"/>
+                </a:solidFill>
+                <a:latin typeface="Courier" charset="0"/>
+                <a:ea typeface="Courier" charset="0"/>
+                <a:cs typeface="Courier" charset="0"/>
+                <a:sym typeface="Cabin"/>
+              </a:rPr>
+              <a:t>'</a:t>
+            </a:r>
+            <a:r>
+              <a:rPr lang="en-US" sz="2800" b="1" dirty="0" smtClean="0">
+                <a:solidFill>
+                  <a:srgbClr val="FFFF00"/>
+                </a:solidFill>
+                <a:latin typeface="Courier" charset="0"/>
+                <a:ea typeface="Courier" charset="0"/>
+                <a:cs typeface="Courier" charset="0"/>
+                <a:sym typeface="Cabin"/>
+              </a:rPr>
               <a:t>)</a:t>
             </a:r>
-            <a:endParaRPr lang="en-US" sz="2800" u="none" strike="noStrike" cap="none" dirty="0">
+            <a:endParaRPr lang="en-US" sz="2800" b="1" u="none" strike="noStrike" cap="none" dirty="0">
               <a:solidFill>
                 <a:srgbClr val="00FF00"/>
               </a:solidFill>
@@ -20769,7 +20817,7 @@
   <p:timing>
     <p:tnLst>
       <p:par>
-        <p:cTn xmlns:p14="http://schemas.microsoft.com/office/powerpoint/2010/main" id="1" dur="indefinite" restart="never" nodeType="tmRoot"/>
+        <p:cTn id="1" dur="indefinite" restart="never" nodeType="tmRoot"/>
       </p:par>
     </p:tnLst>
   </p:timing>
@@ -20893,7 +20941,7 @@
               <a:buNone/>
             </a:pPr>
             <a:r>
-              <a:rPr lang="en-US" sz="3000" i="0" u="none" strike="noStrike" cap="none" dirty="0">
+              <a:rPr lang="en-US" sz="3000" b="1" i="0" u="none" strike="noStrike" cap="none" dirty="0">
                 <a:solidFill>
                   <a:srgbClr val="FF9900"/>
                 </a:solidFill>
@@ -20913,7 +20961,7 @@
               <a:buSzPct val="25000"/>
             </a:pPr>
             <a:r>
-              <a:rPr lang="en-US" sz="3000" i="0" u="none" strike="noStrike" cap="none" dirty="0">
+              <a:rPr lang="en-US" sz="3000" b="1" i="0" u="none" strike="noStrike" cap="none" dirty="0">
                 <a:solidFill>
                   <a:srgbClr val="FF9900"/>
                 </a:solidFill>
@@ -20925,7 +20973,7 @@
               <a:t>    </a:t>
             </a:r>
             <a:r>
-              <a:rPr lang="en-US" sz="3000" dirty="0">
+              <a:rPr lang="en-US" sz="3000" b="1" dirty="0">
                 <a:solidFill>
                   <a:srgbClr val="FF9900"/>
                 </a:solidFill>
@@ -20936,7 +20984,7 @@
               </a:rPr>
               <a:t>print('Below 2')</a:t>
             </a:r>
-            <a:endParaRPr lang="en-US" sz="3000" i="0" u="none" strike="noStrike" cap="none" dirty="0">
+            <a:endParaRPr lang="en-US" sz="3000" b="1" i="0" u="none" strike="noStrike" cap="none" dirty="0">
               <a:solidFill>
                 <a:srgbClr val="FF9900"/>
               </a:solidFill>
@@ -20965,7 +21013,7 @@
               <a:buNone/>
             </a:pPr>
             <a:r>
-              <a:rPr lang="en-US" sz="3000" i="0" u="none" strike="noStrike" cap="none" dirty="0" err="1">
+              <a:rPr lang="en-US" sz="3000" b="1" i="0" u="none" strike="noStrike" cap="none" dirty="0" err="1">
                 <a:solidFill>
                   <a:srgbClr val="FF9900"/>
                 </a:solidFill>
@@ -20977,7 +21025,7 @@
               <a:t>elif</a:t>
             </a:r>
             <a:r>
-              <a:rPr lang="en-US" sz="3000" i="0" u="none" strike="noStrike" cap="none" dirty="0">
+              <a:rPr lang="en-US" sz="3000" b="1" i="0" u="none" strike="noStrike" cap="none" dirty="0">
                 <a:solidFill>
                   <a:srgbClr val="FF9900"/>
                 </a:solidFill>
@@ -20997,7 +21045,7 @@
               <a:buSzPct val="25000"/>
             </a:pPr>
             <a:r>
-              <a:rPr lang="en-US" sz="3000" i="0" u="none" strike="noStrike" cap="none" dirty="0">
+              <a:rPr lang="en-US" sz="3000" b="1" i="0" u="none" strike="noStrike" cap="none" dirty="0">
                 <a:solidFill>
                   <a:srgbClr val="FF9900"/>
                 </a:solidFill>
@@ -21009,7 +21057,7 @@
               <a:t>    </a:t>
             </a:r>
             <a:r>
-              <a:rPr lang="en-US" sz="3000" i="0" u="none" strike="noStrike" cap="none" dirty="0" smtClean="0">
+              <a:rPr lang="en-US" sz="3000" b="1" i="0" u="none" strike="noStrike" cap="none" dirty="0" smtClean="0">
                 <a:solidFill>
                   <a:srgbClr val="FF9900"/>
                 </a:solidFill>
@@ -21021,7 +21069,7 @@
               <a:t>print('Below </a:t>
             </a:r>
             <a:r>
-              <a:rPr lang="en-US" sz="3000" i="0" u="none" strike="noStrike" cap="none" dirty="0">
+              <a:rPr lang="en-US" sz="3000" b="1" i="0" u="none" strike="noStrike" cap="none" dirty="0">
                 <a:solidFill>
                   <a:srgbClr val="FF9900"/>
                 </a:solidFill>
@@ -21033,7 +21081,7 @@
               <a:t>20</a:t>
             </a:r>
             <a:r>
-              <a:rPr lang="en-US" sz="3000" dirty="0">
+              <a:rPr lang="en-US" sz="3000" b="1" dirty="0">
                 <a:solidFill>
                   <a:srgbClr val="FF9900"/>
                 </a:solidFill>
@@ -21044,7 +21092,7 @@
               </a:rPr>
               <a:t>')</a:t>
             </a:r>
-            <a:endParaRPr lang="en-US" sz="3000" i="0" u="none" strike="noStrike" cap="none" dirty="0">
+            <a:endParaRPr lang="en-US" sz="3000" b="1" i="0" u="none" strike="noStrike" cap="none" dirty="0">
               <a:solidFill>
                 <a:srgbClr val="FF9900"/>
               </a:solidFill>
@@ -21073,7 +21121,7 @@
               <a:buNone/>
             </a:pPr>
             <a:r>
-              <a:rPr lang="en-US" sz="3000" i="0" u="none" strike="noStrike" cap="none" dirty="0" err="1">
+              <a:rPr lang="en-US" sz="3000" b="1" i="0" u="none" strike="noStrike" cap="none" dirty="0" err="1">
                 <a:solidFill>
                   <a:srgbClr val="FF9900"/>
                 </a:solidFill>
@@ -21085,7 +21133,7 @@
               <a:t>elif</a:t>
             </a:r>
             <a:r>
-              <a:rPr lang="en-US" sz="3000" i="0" u="none" strike="noStrike" cap="none" dirty="0">
+              <a:rPr lang="en-US" sz="3000" b="1" i="0" u="none" strike="noStrike" cap="none" dirty="0">
                 <a:solidFill>
                   <a:srgbClr val="FF9900"/>
                 </a:solidFill>
@@ -21105,7 +21153,7 @@
               <a:buSzPct val="25000"/>
             </a:pPr>
             <a:r>
-              <a:rPr lang="en-US" sz="3000" i="0" u="none" strike="noStrike" cap="none" dirty="0">
+              <a:rPr lang="en-US" sz="3000" b="1" i="0" u="none" strike="noStrike" cap="none" dirty="0">
                 <a:solidFill>
                   <a:srgbClr val="FF9900"/>
                 </a:solidFill>
@@ -21117,7 +21165,7 @@
               <a:t>    </a:t>
             </a:r>
             <a:r>
-              <a:rPr lang="en-US" sz="3000" i="0" u="none" strike="noStrike" cap="none" dirty="0" smtClean="0">
+              <a:rPr lang="en-US" sz="3000" b="1" i="0" u="none" strike="noStrike" cap="none" dirty="0" smtClean="0">
                 <a:solidFill>
                   <a:srgbClr val="FF9900"/>
                 </a:solidFill>
@@ -21129,7 +21177,7 @@
               <a:t>print('Below </a:t>
             </a:r>
             <a:r>
-              <a:rPr lang="en-US" sz="3000" i="0" u="none" strike="noStrike" cap="none" dirty="0">
+              <a:rPr lang="en-US" sz="3000" b="1" i="0" u="none" strike="noStrike" cap="none" dirty="0">
                 <a:solidFill>
                   <a:srgbClr val="FF9900"/>
                 </a:solidFill>
@@ -21141,7 +21189,7 @@
               <a:t>10</a:t>
             </a:r>
             <a:r>
-              <a:rPr lang="en-US" sz="3000" dirty="0">
+              <a:rPr lang="en-US" sz="3000" b="1" dirty="0">
                 <a:solidFill>
                   <a:srgbClr val="FF9900"/>
                 </a:solidFill>
@@ -21152,7 +21200,7 @@
               </a:rPr>
               <a:t>')</a:t>
             </a:r>
-            <a:endParaRPr lang="en-US" sz="3000" i="0" u="none" strike="noStrike" cap="none" dirty="0">
+            <a:endParaRPr lang="en-US" sz="3000" b="1" i="0" u="none" strike="noStrike" cap="none" dirty="0">
               <a:solidFill>
                 <a:srgbClr val="FF9900"/>
               </a:solidFill>
@@ -21181,7 +21229,7 @@
               <a:buNone/>
             </a:pPr>
             <a:r>
-              <a:rPr lang="en-US" sz="3000" i="0" u="none" strike="noStrike" cap="none" dirty="0">
+              <a:rPr lang="en-US" sz="3000" b="1" i="0" u="none" strike="noStrike" cap="none" dirty="0">
                 <a:solidFill>
                   <a:srgbClr val="FF9900"/>
                 </a:solidFill>
@@ -21201,7 +21249,7 @@
               <a:buSzPct val="25000"/>
             </a:pPr>
             <a:r>
-              <a:rPr lang="en-US" sz="3000" i="0" u="none" strike="noStrike" cap="none" dirty="0">
+              <a:rPr lang="en-US" sz="3000" b="1" i="0" u="none" strike="noStrike" cap="none" dirty="0">
                 <a:solidFill>
                   <a:srgbClr val="FF9900"/>
                 </a:solidFill>
@@ -21213,7 +21261,7 @@
               <a:t>    </a:t>
             </a:r>
             <a:r>
-              <a:rPr lang="en-US" sz="3000" i="0" u="none" strike="noStrike" cap="none" dirty="0" smtClean="0">
+              <a:rPr lang="en-US" sz="3000" b="1" i="0" u="none" strike="noStrike" cap="none" dirty="0" smtClean="0">
                 <a:solidFill>
                   <a:srgbClr val="FF9900"/>
                 </a:solidFill>
@@ -21225,7 +21273,7 @@
               <a:t>print('Something </a:t>
             </a:r>
             <a:r>
-              <a:rPr lang="en-US" sz="3000" dirty="0">
+              <a:rPr lang="en-US" sz="3000" b="1" dirty="0">
                 <a:solidFill>
                   <a:srgbClr val="FF9900"/>
                 </a:solidFill>
@@ -21236,7 +21284,7 @@
               </a:rPr>
               <a:t>else')</a:t>
             </a:r>
-            <a:endParaRPr lang="en-US" sz="3000" i="0" u="none" strike="noStrike" cap="none" dirty="0">
+            <a:endParaRPr lang="en-US" sz="3000" b="1" i="0" u="none" strike="noStrike" cap="none" dirty="0">
               <a:solidFill>
                 <a:srgbClr val="FF9900"/>
               </a:solidFill>
@@ -21291,7 +21339,7 @@
               <a:buNone/>
             </a:pPr>
             <a:r>
-              <a:rPr lang="en-US" sz="3000" i="0" u="none" strike="noStrike" cap="none" dirty="0">
+              <a:rPr lang="en-US" sz="3000" b="1" i="0" u="none" strike="noStrike" cap="none" dirty="0">
                 <a:solidFill>
                   <a:srgbClr val="FFFF00"/>
                 </a:solidFill>
@@ -21311,7 +21359,7 @@
               <a:buSzPct val="25000"/>
             </a:pPr>
             <a:r>
-              <a:rPr lang="en-US" sz="3000" i="0" u="none" strike="noStrike" cap="none" dirty="0">
+              <a:rPr lang="en-US" sz="3000" b="1" i="0" u="none" strike="noStrike" cap="none" dirty="0">
                 <a:solidFill>
                   <a:srgbClr val="FFFF00"/>
                 </a:solidFill>
@@ -21323,7 +21371,7 @@
               <a:t>    </a:t>
             </a:r>
             <a:r>
-              <a:rPr lang="en-US" sz="3000" i="0" u="none" strike="noStrike" cap="none" dirty="0" smtClean="0">
+              <a:rPr lang="en-US" sz="3000" b="1" i="0" u="none" strike="noStrike" cap="none" dirty="0" smtClean="0">
                 <a:solidFill>
                   <a:srgbClr val="FFFF00"/>
                 </a:solidFill>
@@ -21335,7 +21383,7 @@
               <a:t>print('Below </a:t>
             </a:r>
             <a:r>
-              <a:rPr lang="en-US" sz="3000" i="0" u="none" strike="noStrike" cap="none" dirty="0">
+              <a:rPr lang="en-US" sz="3000" b="1" i="0" u="none" strike="noStrike" cap="none" dirty="0">
                 <a:solidFill>
                   <a:srgbClr val="FFFF00"/>
                 </a:solidFill>
@@ -21347,7 +21395,7 @@
               <a:t>2</a:t>
             </a:r>
             <a:r>
-              <a:rPr lang="en-US" sz="3000" dirty="0">
+              <a:rPr lang="en-US" sz="3000" b="1" dirty="0">
                 <a:solidFill>
                   <a:srgbClr val="FFFF00"/>
                 </a:solidFill>
@@ -21358,7 +21406,7 @@
               </a:rPr>
               <a:t>')</a:t>
             </a:r>
-            <a:endParaRPr lang="en-US" sz="3000" i="0" u="none" strike="noStrike" cap="none" dirty="0">
+            <a:endParaRPr lang="en-US" sz="3000" b="1" i="0" u="none" strike="noStrike" cap="none" dirty="0">
               <a:solidFill>
                 <a:srgbClr val="FFFF00"/>
               </a:solidFill>
@@ -21387,7 +21435,7 @@
               <a:buNone/>
             </a:pPr>
             <a:r>
-              <a:rPr lang="en-US" sz="3000" i="0" u="none" strike="noStrike" cap="none" dirty="0" err="1">
+              <a:rPr lang="en-US" sz="3000" b="1" i="0" u="none" strike="noStrike" cap="none" dirty="0" err="1">
                 <a:solidFill>
                   <a:srgbClr val="FFFF00"/>
                 </a:solidFill>
@@ -21399,7 +21447,7 @@
               <a:t>elif</a:t>
             </a:r>
             <a:r>
-              <a:rPr lang="en-US" sz="3000" i="0" u="none" strike="noStrike" cap="none" dirty="0">
+              <a:rPr lang="en-US" sz="3000" b="1" i="0" u="none" strike="noStrike" cap="none" dirty="0">
                 <a:solidFill>
                   <a:srgbClr val="FFFF00"/>
                 </a:solidFill>
@@ -21419,7 +21467,7 @@
               <a:buSzPct val="25000"/>
             </a:pPr>
             <a:r>
-              <a:rPr lang="en-US" sz="3000" i="0" u="none" strike="noStrike" cap="none" dirty="0">
+              <a:rPr lang="en-US" sz="3000" b="1" i="0" u="none" strike="noStrike" cap="none" dirty="0">
                 <a:solidFill>
                   <a:srgbClr val="FFFF00"/>
                 </a:solidFill>
@@ -21431,7 +21479,7 @@
               <a:t>    </a:t>
             </a:r>
             <a:r>
-              <a:rPr lang="en-US" sz="3000" i="0" u="none" strike="noStrike" cap="none" dirty="0" smtClean="0">
+              <a:rPr lang="en-US" sz="3000" b="1" i="0" u="none" strike="noStrike" cap="none" dirty="0" smtClean="0">
                 <a:solidFill>
                   <a:srgbClr val="FFFF00"/>
                 </a:solidFill>
@@ -21443,7 +21491,7 @@
               <a:t>print('Two </a:t>
             </a:r>
             <a:r>
-              <a:rPr lang="en-US" sz="3000" i="0" u="none" strike="noStrike" cap="none" dirty="0">
+              <a:rPr lang="en-US" sz="3000" b="1" i="0" u="none" strike="noStrike" cap="none" dirty="0">
                 <a:solidFill>
                   <a:srgbClr val="FFFF00"/>
                 </a:solidFill>
@@ -21455,7 +21503,7 @@
               <a:t>or more</a:t>
             </a:r>
             <a:r>
-              <a:rPr lang="en-US" sz="3000" dirty="0">
+              <a:rPr lang="en-US" sz="3000" b="1" dirty="0">
                 <a:solidFill>
                   <a:srgbClr val="FFFF00"/>
                 </a:solidFill>
@@ -21466,7 +21514,7 @@
               </a:rPr>
               <a:t>')</a:t>
             </a:r>
-            <a:endParaRPr lang="en-US" sz="3000" i="0" u="none" strike="noStrike" cap="none" dirty="0">
+            <a:endParaRPr lang="en-US" sz="3000" b="1" i="0" u="none" strike="noStrike" cap="none" dirty="0">
               <a:solidFill>
                 <a:srgbClr val="FFFF00"/>
               </a:solidFill>
@@ -21495,7 +21543,7 @@
               <a:buNone/>
             </a:pPr>
             <a:r>
-              <a:rPr lang="en-US" sz="3000" i="0" u="none" strike="noStrike" cap="none" dirty="0">
+              <a:rPr lang="en-US" sz="3000" b="1" i="0" u="none" strike="noStrike" cap="none" dirty="0">
                 <a:solidFill>
                   <a:srgbClr val="FFFF00"/>
                 </a:solidFill>
@@ -21515,7 +21563,7 @@
               <a:buSzPct val="25000"/>
             </a:pPr>
             <a:r>
-              <a:rPr lang="en-US" sz="3000" i="0" u="none" strike="noStrike" cap="none" dirty="0">
+              <a:rPr lang="en-US" sz="3000" b="1" i="0" u="none" strike="noStrike" cap="none" dirty="0">
                 <a:solidFill>
                   <a:srgbClr val="FFFF00"/>
                 </a:solidFill>
@@ -21527,7 +21575,7 @@
               <a:t>    </a:t>
             </a:r>
             <a:r>
-              <a:rPr lang="en-US" sz="3000" i="0" u="none" strike="noStrike" cap="none" dirty="0" smtClean="0">
+              <a:rPr lang="en-US" sz="3000" b="1" i="0" u="none" strike="noStrike" cap="none" dirty="0" smtClean="0">
                 <a:solidFill>
                   <a:srgbClr val="FFFF00"/>
                 </a:solidFill>
@@ -21539,7 +21587,7 @@
               <a:t>print('Something </a:t>
             </a:r>
             <a:r>
-              <a:rPr lang="en-US" sz="3000" i="0" u="none" strike="noStrike" cap="none" dirty="0">
+              <a:rPr lang="en-US" sz="3000" b="1" i="0" u="none" strike="noStrike" cap="none" dirty="0">
                 <a:solidFill>
                   <a:srgbClr val="FFFF00"/>
                 </a:solidFill>
@@ -21551,7 +21599,7 @@
               <a:t>else</a:t>
             </a:r>
             <a:r>
-              <a:rPr lang="en-US" sz="3000" dirty="0">
+              <a:rPr lang="en-US" sz="3000" b="1" dirty="0">
                 <a:solidFill>
                   <a:srgbClr val="FFFF00"/>
                 </a:solidFill>
@@ -21562,7 +21610,7 @@
               </a:rPr>
               <a:t>')</a:t>
             </a:r>
-            <a:endParaRPr lang="en-US" sz="3000" i="0" u="none" strike="noStrike" cap="none" dirty="0">
+            <a:endParaRPr lang="en-US" sz="3000" b="1" i="0" u="none" strike="noStrike" cap="none" dirty="0">
               <a:solidFill>
                 <a:srgbClr val="FFFF00"/>
               </a:solidFill>
@@ -21660,7 +21708,7 @@
   <p:timing>
     <p:tnLst>
       <p:par>
-        <p:cTn xmlns:p14="http://schemas.microsoft.com/office/powerpoint/2010/main" id="1" dur="indefinite" restart="never" nodeType="tmRoot"/>
+        <p:cTn id="1" dur="indefinite" restart="never" nodeType="tmRoot"/>
       </p:par>
     </p:tnLst>
   </p:timing>
@@ -22000,7 +22048,7 @@
   <p:timing>
     <p:tnLst>
       <p:par>
-        <p:cTn xmlns:p14="http://schemas.microsoft.com/office/powerpoint/2010/main" id="1" dur="indefinite" restart="never" nodeType="tmRoot"/>
+        <p:cTn id="1" dur="indefinite" restart="never" nodeType="tmRoot"/>
       </p:par>
     </p:tnLst>
   </p:timing>
@@ -22067,7 +22115,7 @@
               <a:buNone/>
             </a:pPr>
             <a:r>
-              <a:rPr lang="en-US" sz="3000" i="0" u="none" strike="noStrike" cap="none" dirty="0">
+              <a:rPr lang="en-US" sz="3000" b="1" i="0" u="none" strike="noStrike" cap="none" dirty="0">
                 <a:solidFill>
                   <a:srgbClr val="FFFF00"/>
                 </a:solidFill>
@@ -22079,7 +22127,7 @@
               <a:t>$ cat </a:t>
             </a:r>
             <a:r>
-              <a:rPr lang="en-US" sz="3000" i="0" u="none" strike="noStrike" cap="none" dirty="0" err="1">
+              <a:rPr lang="en-US" sz="3000" b="1" i="0" u="none" strike="noStrike" cap="none" dirty="0" err="1">
                 <a:solidFill>
                   <a:srgbClr val="FFFF00"/>
                 </a:solidFill>
@@ -22091,7 +22139,7 @@
               <a:t>notry.py</a:t>
             </a:r>
             <a:r>
-              <a:rPr lang="en-US" sz="3000" i="0" u="none" strike="noStrike" cap="none" dirty="0">
+              <a:rPr lang="en-US" sz="3000" b="1" i="0" u="none" strike="noStrike" cap="none" dirty="0">
                 <a:solidFill>
                   <a:srgbClr val="FFFF00"/>
                 </a:solidFill>
@@ -22122,7 +22170,7 @@
               <a:buNone/>
             </a:pPr>
             <a:r>
-              <a:rPr lang="en-US" sz="3000" i="0" u="none" strike="noStrike" cap="none" dirty="0" err="1">
+              <a:rPr lang="en-US" sz="3000" b="1" i="0" u="none" strike="noStrike" cap="none" dirty="0" err="1">
                 <a:solidFill>
                   <a:srgbClr val="FFFF00"/>
                 </a:solidFill>
@@ -22134,7 +22182,7 @@
               <a:t>astr</a:t>
             </a:r>
             <a:r>
-              <a:rPr lang="en-US" sz="3000" i="0" u="none" strike="noStrike" cap="none" dirty="0">
+              <a:rPr lang="en-US" sz="3000" b="1" i="0" u="none" strike="noStrike" cap="none" dirty="0">
                 <a:solidFill>
                   <a:srgbClr val="FFFF00"/>
                 </a:solidFill>
@@ -22146,7 +22194,7 @@
               <a:t> = 'Hello Bob</a:t>
             </a:r>
             <a:r>
-              <a:rPr lang="en-US" sz="3000" dirty="0">
+              <a:rPr lang="en-US" sz="3000" b="1" dirty="0">
                 <a:solidFill>
                   <a:srgbClr val="FFFF00"/>
                 </a:solidFill>
@@ -22177,7 +22225,7 @@
               <a:buNone/>
             </a:pPr>
             <a:r>
-              <a:rPr lang="en-US" sz="3000" i="0" u="none" strike="noStrike" cap="none" dirty="0" err="1">
+              <a:rPr lang="en-US" sz="3000" b="1" i="0" u="none" strike="noStrike" cap="none" dirty="0" err="1">
                 <a:solidFill>
                   <a:srgbClr val="FFFF00"/>
                 </a:solidFill>
@@ -22189,7 +22237,7 @@
               <a:t>istr</a:t>
             </a:r>
             <a:r>
-              <a:rPr lang="en-US" sz="3000" i="0" u="none" strike="noStrike" cap="none" dirty="0">
+              <a:rPr lang="en-US" sz="3000" b="1" i="0" u="none" strike="noStrike" cap="none" dirty="0">
                 <a:solidFill>
                   <a:srgbClr val="FFFF00"/>
                 </a:solidFill>
@@ -22201,7 +22249,7 @@
               <a:t> = </a:t>
             </a:r>
             <a:r>
-              <a:rPr lang="en-US" sz="3000" i="0" u="none" strike="noStrike" cap="none" dirty="0" err="1">
+              <a:rPr lang="en-US" sz="3000" b="1" i="0" u="none" strike="noStrike" cap="none" dirty="0" err="1">
                 <a:solidFill>
                   <a:srgbClr val="FFFF00"/>
                 </a:solidFill>
@@ -22213,7 +22261,7 @@
               <a:t>int</a:t>
             </a:r>
             <a:r>
-              <a:rPr lang="en-US" sz="3000" i="0" u="none" strike="noStrike" cap="none" dirty="0">
+              <a:rPr lang="en-US" sz="3000" b="1" i="0" u="none" strike="noStrike" cap="none" dirty="0">
                 <a:solidFill>
                   <a:srgbClr val="FFFF00"/>
                 </a:solidFill>
@@ -22225,7 +22273,7 @@
               <a:t>(</a:t>
             </a:r>
             <a:r>
-              <a:rPr lang="en-US" sz="3000" i="0" u="none" strike="noStrike" cap="none" dirty="0" err="1">
+              <a:rPr lang="en-US" sz="3000" b="1" i="0" u="none" strike="noStrike" cap="none" dirty="0" err="1">
                 <a:solidFill>
                   <a:srgbClr val="FFFF00"/>
                 </a:solidFill>
@@ -22237,7 +22285,7 @@
               <a:t>astr</a:t>
             </a:r>
             <a:r>
-              <a:rPr lang="en-US" sz="3000" i="0" u="none" strike="noStrike" cap="none" dirty="0">
+              <a:rPr lang="en-US" sz="3000" b="1" i="0" u="none" strike="noStrike" cap="none" dirty="0">
                 <a:solidFill>
                   <a:srgbClr val="FFFF00"/>
                 </a:solidFill>
@@ -22268,7 +22316,7 @@
               <a:buNone/>
             </a:pPr>
             <a:r>
-              <a:rPr lang="en-US" sz="3000" i="0" u="none" strike="noStrike" cap="none" dirty="0" smtClean="0">
+              <a:rPr lang="en-US" sz="3000" b="1" i="0" u="none" strike="noStrike" cap="none" dirty="0" smtClean="0">
                 <a:solidFill>
                   <a:srgbClr val="FFFF00"/>
                 </a:solidFill>
@@ -22280,7 +22328,7 @@
               <a:t>print('First</a:t>
             </a:r>
             <a:r>
-              <a:rPr lang="en-US" sz="3000" i="0" u="none" strike="noStrike" cap="none" dirty="0">
+              <a:rPr lang="en-US" sz="3000" b="1" i="0" u="none" strike="noStrike" cap="none" dirty="0">
                 <a:solidFill>
                   <a:srgbClr val="FFFF00"/>
                 </a:solidFill>
@@ -22292,7 +22340,7 @@
               <a:t>', </a:t>
             </a:r>
             <a:r>
-              <a:rPr lang="en-US" sz="3000" i="0" u="none" strike="noStrike" cap="none" dirty="0" err="1" smtClean="0">
+              <a:rPr lang="en-US" sz="3000" b="1" i="0" u="none" strike="noStrike" cap="none" dirty="0" err="1" smtClean="0">
                 <a:solidFill>
                   <a:srgbClr val="FFFF00"/>
                 </a:solidFill>
@@ -22304,7 +22352,7 @@
               <a:t>istr</a:t>
             </a:r>
             <a:r>
-              <a:rPr lang="en-US" sz="3000" i="0" u="none" strike="noStrike" cap="none" dirty="0" smtClean="0">
+              <a:rPr lang="en-US" sz="3000" b="1" i="0" u="none" strike="noStrike" cap="none" dirty="0" smtClean="0">
                 <a:solidFill>
                   <a:srgbClr val="FFFF00"/>
                 </a:solidFill>
@@ -22315,7 +22363,7 @@
               </a:rPr>
               <a:t>)</a:t>
             </a:r>
-            <a:endParaRPr lang="en-US" sz="3000" i="0" u="none" strike="noStrike" cap="none" dirty="0">
+            <a:endParaRPr lang="en-US" sz="3000" b="1" i="0" u="none" strike="noStrike" cap="none" dirty="0">
               <a:solidFill>
                 <a:srgbClr val="FFFF00"/>
               </a:solidFill>
@@ -22344,7 +22392,7 @@
               <a:buNone/>
             </a:pPr>
             <a:r>
-              <a:rPr lang="en-US" sz="3000" i="0" u="none" strike="noStrike" cap="none" dirty="0" err="1">
+              <a:rPr lang="en-US" sz="3000" b="1" i="0" u="none" strike="noStrike" cap="none" dirty="0" err="1">
                 <a:solidFill>
                   <a:srgbClr val="FFFF00"/>
                 </a:solidFill>
@@ -22356,7 +22404,7 @@
               <a:t>astr</a:t>
             </a:r>
             <a:r>
-              <a:rPr lang="en-US" sz="3000" i="0" u="none" strike="noStrike" cap="none" dirty="0">
+              <a:rPr lang="en-US" sz="3000" b="1" i="0" u="none" strike="noStrike" cap="none" dirty="0">
                 <a:solidFill>
                   <a:srgbClr val="FFFF00"/>
                 </a:solidFill>
@@ -22368,7 +22416,7 @@
               <a:t> = '123</a:t>
             </a:r>
             <a:r>
-              <a:rPr lang="en-US" sz="3000" dirty="0">
+              <a:rPr lang="en-US" sz="3000" b="1" dirty="0">
                 <a:solidFill>
                   <a:srgbClr val="FFFF00"/>
                 </a:solidFill>
@@ -22399,7 +22447,7 @@
               <a:buNone/>
             </a:pPr>
             <a:r>
-              <a:rPr lang="en-US" sz="3000" i="0" u="none" strike="noStrike" cap="none" dirty="0" err="1">
+              <a:rPr lang="en-US" sz="3000" b="1" i="0" u="none" strike="noStrike" cap="none" dirty="0" err="1">
                 <a:solidFill>
                   <a:srgbClr val="FFFF00"/>
                 </a:solidFill>
@@ -22411,7 +22459,7 @@
               <a:t>istr</a:t>
             </a:r>
             <a:r>
-              <a:rPr lang="en-US" sz="3000" i="0" u="none" strike="noStrike" cap="none" dirty="0">
+              <a:rPr lang="en-US" sz="3000" b="1" i="0" u="none" strike="noStrike" cap="none" dirty="0">
                 <a:solidFill>
                   <a:srgbClr val="FFFF00"/>
                 </a:solidFill>
@@ -22423,7 +22471,7 @@
               <a:t> = </a:t>
             </a:r>
             <a:r>
-              <a:rPr lang="en-US" sz="3000" i="0" u="none" strike="noStrike" cap="none" dirty="0" err="1">
+              <a:rPr lang="en-US" sz="3000" b="1" i="0" u="none" strike="noStrike" cap="none" dirty="0" err="1">
                 <a:solidFill>
                   <a:srgbClr val="FFFF00"/>
                 </a:solidFill>
@@ -22435,7 +22483,7 @@
               <a:t>int</a:t>
             </a:r>
             <a:r>
-              <a:rPr lang="en-US" sz="3000" i="0" u="none" strike="noStrike" cap="none" dirty="0">
+              <a:rPr lang="en-US" sz="3000" b="1" i="0" u="none" strike="noStrike" cap="none" dirty="0">
                 <a:solidFill>
                   <a:srgbClr val="FFFF00"/>
                 </a:solidFill>
@@ -22447,7 +22495,7 @@
               <a:t>(</a:t>
             </a:r>
             <a:r>
-              <a:rPr lang="en-US" sz="3000" i="0" u="none" strike="noStrike" cap="none" dirty="0" err="1">
+              <a:rPr lang="en-US" sz="3000" b="1" i="0" u="none" strike="noStrike" cap="none" dirty="0" err="1">
                 <a:solidFill>
                   <a:srgbClr val="FFFF00"/>
                 </a:solidFill>
@@ -22459,7 +22507,7 @@
               <a:t>astr</a:t>
             </a:r>
             <a:r>
-              <a:rPr lang="en-US" sz="3000" i="0" u="none" strike="noStrike" cap="none" dirty="0">
+              <a:rPr lang="en-US" sz="3000" b="1" i="0" u="none" strike="noStrike" cap="none" dirty="0">
                 <a:solidFill>
                   <a:srgbClr val="FFFF00"/>
                 </a:solidFill>
@@ -22490,7 +22538,7 @@
               <a:buNone/>
             </a:pPr>
             <a:r>
-              <a:rPr lang="en-US" sz="3000" i="0" u="none" strike="noStrike" cap="none" dirty="0" smtClean="0">
+              <a:rPr lang="en-US" sz="3000" b="1" i="0" u="none" strike="noStrike" cap="none" dirty="0" smtClean="0">
                 <a:solidFill>
                   <a:srgbClr val="FFFF00"/>
                 </a:solidFill>
@@ -22502,7 +22550,7 @@
               <a:t>print('Second</a:t>
             </a:r>
             <a:r>
-              <a:rPr lang="en-US" sz="3000" i="0" u="none" strike="noStrike" cap="none" dirty="0">
+              <a:rPr lang="en-US" sz="3000" b="1" i="0" u="none" strike="noStrike" cap="none" dirty="0">
                 <a:solidFill>
                   <a:srgbClr val="FFFF00"/>
                 </a:solidFill>
@@ -22514,7 +22562,7 @@
               <a:t>', </a:t>
             </a:r>
             <a:r>
-              <a:rPr lang="en-US" sz="3000" i="0" u="none" strike="noStrike" cap="none" dirty="0" err="1" smtClean="0">
+              <a:rPr lang="en-US" sz="3000" b="1" i="0" u="none" strike="noStrike" cap="none" dirty="0" err="1" smtClean="0">
                 <a:solidFill>
                   <a:srgbClr val="FFFF00"/>
                 </a:solidFill>
@@ -22526,7 +22574,7 @@
               <a:t>istr</a:t>
             </a:r>
             <a:r>
-              <a:rPr lang="en-US" sz="3000" i="0" u="none" strike="noStrike" cap="none" dirty="0" smtClean="0">
+              <a:rPr lang="en-US" sz="3000" b="1" i="0" u="none" strike="noStrike" cap="none" dirty="0" smtClean="0">
                 <a:solidFill>
                   <a:srgbClr val="FFFF00"/>
                 </a:solidFill>
@@ -22537,7 +22585,7 @@
               </a:rPr>
               <a:t>)</a:t>
             </a:r>
-            <a:endParaRPr lang="en-US" sz="3000" i="0" u="none" strike="noStrike" cap="none" dirty="0">
+            <a:endParaRPr lang="en-US" sz="3000" b="1" i="0" u="none" strike="noStrike" cap="none" dirty="0">
               <a:solidFill>
                 <a:srgbClr val="FFFF00"/>
               </a:solidFill>
@@ -22963,7 +23011,7 @@
   <p:timing>
     <p:tnLst>
       <p:par>
-        <p:cTn xmlns:p14="http://schemas.microsoft.com/office/powerpoint/2010/main" id="1" dur="indefinite" restart="never" nodeType="tmRoot"/>
+        <p:cTn id="1" dur="indefinite" restart="never" nodeType="tmRoot"/>
       </p:par>
     </p:tnLst>
   </p:timing>
@@ -23030,7 +23078,7 @@
               <a:buNone/>
             </a:pPr>
             <a:r>
-              <a:rPr lang="en-US" sz="3000" i="0" u="none" strike="noStrike" cap="none" dirty="0">
+              <a:rPr lang="en-US" sz="3000" b="1" i="0" u="none" strike="noStrike" cap="none" dirty="0" smtClean="0">
                 <a:solidFill>
                   <a:srgbClr val="FFFF00"/>
                 </a:solidFill>
@@ -23039,10 +23087,10 @@
                 <a:cs typeface="Courier New"/>
                 <a:sym typeface="Courier New"/>
               </a:rPr>
-              <a:t>$ cat </a:t>
-            </a:r>
-            <a:r>
-              <a:rPr lang="en-US" sz="3000" i="0" u="none" strike="noStrike" cap="none" dirty="0" err="1">
+              <a:t>$ </a:t>
+            </a:r>
+            <a:r>
+              <a:rPr lang="en-US" sz="3000" b="1" i="0" u="none" strike="noStrike" cap="none" dirty="0">
                 <a:solidFill>
                   <a:srgbClr val="FFFF00"/>
                 </a:solidFill>
@@ -23051,10 +23099,22 @@
                 <a:cs typeface="Courier New"/>
                 <a:sym typeface="Courier New"/>
               </a:rPr>
+              <a:t>cat </a:t>
+            </a:r>
+            <a:r>
+              <a:rPr lang="en-US" sz="3000" b="1" i="0" u="none" strike="noStrike" cap="none" dirty="0" err="1">
+                <a:solidFill>
+                  <a:srgbClr val="FFFF00"/>
+                </a:solidFill>
+                <a:latin typeface="Courier New"/>
+                <a:ea typeface="Courier New"/>
+                <a:cs typeface="Courier New"/>
+                <a:sym typeface="Courier New"/>
+              </a:rPr>
               <a:t>notry.py</a:t>
             </a:r>
             <a:r>
-              <a:rPr lang="en-US" sz="3000" i="0" u="none" strike="noStrike" cap="none" dirty="0">
+              <a:rPr lang="en-US" sz="3000" b="1" i="0" u="none" strike="noStrike" cap="none" dirty="0">
                 <a:solidFill>
                   <a:srgbClr val="FFFF00"/>
                 </a:solidFill>
@@ -23085,7 +23145,7 @@
               <a:buNone/>
             </a:pPr>
             <a:r>
-              <a:rPr lang="en-US" sz="3000" i="0" u="none" strike="noStrike" cap="none" dirty="0" err="1">
+              <a:rPr lang="en-US" sz="3000" b="1" i="0" u="none" strike="noStrike" cap="none" dirty="0" err="1">
                 <a:solidFill>
                   <a:srgbClr val="FFFF00"/>
                 </a:solidFill>
@@ -23097,7 +23157,7 @@
               <a:t>astr</a:t>
             </a:r>
             <a:r>
-              <a:rPr lang="en-US" sz="3000" i="0" u="none" strike="noStrike" cap="none" dirty="0">
+              <a:rPr lang="en-US" sz="3000" b="1" i="0" u="none" strike="noStrike" cap="none" dirty="0">
                 <a:solidFill>
                   <a:srgbClr val="FFFF00"/>
                 </a:solidFill>
@@ -23109,7 +23169,7 @@
               <a:t> = 'Hello Bob</a:t>
             </a:r>
             <a:r>
-              <a:rPr lang="en-US" sz="3000" dirty="0">
+              <a:rPr lang="en-US" sz="3000" b="1" dirty="0">
                 <a:solidFill>
                   <a:srgbClr val="FFFF00"/>
                 </a:solidFill>
@@ -23140,7 +23200,7 @@
               <a:buNone/>
             </a:pPr>
             <a:r>
-              <a:rPr lang="en-US" sz="3000" i="0" u="none" strike="noStrike" cap="none" dirty="0" err="1">
+              <a:rPr lang="en-US" sz="3000" b="1" i="0" u="none" strike="noStrike" cap="none" dirty="0" err="1">
                 <a:solidFill>
                   <a:srgbClr val="FFFF00"/>
                 </a:solidFill>
@@ -23152,7 +23212,7 @@
               <a:t>istr</a:t>
             </a:r>
             <a:r>
-              <a:rPr lang="en-US" sz="3000" i="0" u="none" strike="noStrike" cap="none" dirty="0">
+              <a:rPr lang="en-US" sz="3000" b="1" i="0" u="none" strike="noStrike" cap="none" dirty="0">
                 <a:solidFill>
                   <a:srgbClr val="FFFF00"/>
                 </a:solidFill>
@@ -23164,7 +23224,7 @@
               <a:t> = </a:t>
             </a:r>
             <a:r>
-              <a:rPr lang="en-US" sz="3000" i="0" u="none" strike="noStrike" cap="none" dirty="0" err="1">
+              <a:rPr lang="en-US" sz="3000" b="1" i="0" u="none" strike="noStrike" cap="none" dirty="0" err="1">
                 <a:solidFill>
                   <a:srgbClr val="FFFF00"/>
                 </a:solidFill>
@@ -23176,7 +23236,7 @@
               <a:t>int</a:t>
             </a:r>
             <a:r>
-              <a:rPr lang="en-US" sz="3000" i="0" u="none" strike="noStrike" cap="none" dirty="0">
+              <a:rPr lang="en-US" sz="3000" b="1" i="0" u="none" strike="noStrike" cap="none" dirty="0">
                 <a:solidFill>
                   <a:srgbClr val="FFFF00"/>
                 </a:solidFill>
@@ -23188,7 +23248,7 @@
               <a:t>(</a:t>
             </a:r>
             <a:r>
-              <a:rPr lang="en-US" sz="3000" i="0" u="none" strike="noStrike" cap="none" dirty="0" err="1">
+              <a:rPr lang="en-US" sz="3000" b="1" i="0" u="none" strike="noStrike" cap="none" dirty="0" err="1">
                 <a:solidFill>
                   <a:srgbClr val="FFFF00"/>
                 </a:solidFill>
@@ -23200,7 +23260,7 @@
               <a:t>astr</a:t>
             </a:r>
             <a:r>
-              <a:rPr lang="en-US" sz="3000" i="0" u="none" strike="noStrike" cap="none" dirty="0">
+              <a:rPr lang="en-US" sz="3000" b="1" i="0" u="none" strike="noStrike" cap="none" dirty="0">
                 <a:solidFill>
                   <a:srgbClr val="FFFF00"/>
                 </a:solidFill>
@@ -24065,7 +24125,7 @@
   <p:timing>
     <p:tnLst>
       <p:par>
-        <p:cTn xmlns:p14="http://schemas.microsoft.com/office/powerpoint/2010/main" id="1" dur="indefinite" restart="never" nodeType="tmRoot"/>
+        <p:cTn id="1" dur="indefinite" restart="never" nodeType="tmRoot"/>
       </p:par>
     </p:tnLst>
   </p:timing>
@@ -24985,7 +25045,7 @@
   <p:timing>
     <p:tnLst>
       <p:par>
-        <p:cTn xmlns:p14="http://schemas.microsoft.com/office/powerpoint/2010/main" id="1" dur="indefinite" restart="never" nodeType="tmRoot"/>
+        <p:cTn id="1" dur="indefinite" restart="never" nodeType="tmRoot"/>
       </p:par>
     </p:tnLst>
   </p:timing>
@@ -25957,7 +26017,7 @@
   <p:timing>
     <p:tnLst>
       <p:par>
-        <p:cTn xmlns:p14="http://schemas.microsoft.com/office/powerpoint/2010/main" id="1" dur="indefinite" restart="never" nodeType="tmRoot"/>
+        <p:cTn id="1" dur="indefinite" restart="never" nodeType="tmRoot"/>
       </p:par>
     </p:tnLst>
   </p:timing>
@@ -26024,7 +26084,7 @@
               <a:buNone/>
             </a:pPr>
             <a:r>
-              <a:rPr lang="en-US" sz="3000" b="1" i="0" u="none" strike="noStrike" cap="none" dirty="0" err="1" smtClean="0">
+              <a:rPr lang="en-US" sz="3000" i="0" u="none" strike="noStrike" cap="none" dirty="0" err="1" smtClean="0">
                 <a:solidFill>
                   <a:srgbClr val="FFFF00"/>
                 </a:solidFill>
@@ -26036,7 +26096,7 @@
               <a:t>astr</a:t>
             </a:r>
             <a:r>
-              <a:rPr lang="en-US" sz="3000" b="1" i="0" u="none" strike="noStrike" cap="none" dirty="0" smtClean="0">
+              <a:rPr lang="en-US" sz="3000" i="0" u="none" strike="noStrike" cap="none" dirty="0" smtClean="0">
                 <a:solidFill>
                   <a:srgbClr val="FFFF00"/>
                 </a:solidFill>
@@ -26048,7 +26108,7 @@
               <a:t> </a:t>
             </a:r>
             <a:r>
-              <a:rPr lang="en-US" sz="3000" b="1" i="0" u="none" strike="noStrike" cap="none" dirty="0">
+              <a:rPr lang="en-US" sz="3000" i="0" u="none" strike="noStrike" cap="none" dirty="0">
                 <a:solidFill>
                   <a:srgbClr val="FFFF00"/>
                 </a:solidFill>
@@ -26057,19 +26117,7 @@
                 <a:cs typeface="Courier New"/>
                 <a:sym typeface="Courier New"/>
               </a:rPr>
-              <a:t>= '</a:t>
-            </a:r>
-            <a:r>
-              <a:rPr lang="en-US" sz="3000" i="0" u="none" strike="noStrike" cap="none" dirty="0">
-                <a:solidFill>
-                  <a:srgbClr val="FFFF00"/>
-                </a:solidFill>
-                <a:latin typeface="Courier New"/>
-                <a:ea typeface="Courier New"/>
-                <a:cs typeface="Courier New"/>
-                <a:sym typeface="Courier New"/>
-              </a:rPr>
-              <a:t>Hello Bob'</a:t>
+              <a:t>= 'Hello Bob'</a:t>
             </a:r>
           </a:p>
           <a:p>
@@ -27227,7 +27275,7 @@
   <p:timing>
     <p:tnLst>
       <p:par>
-        <p:cTn xmlns:p14="http://schemas.microsoft.com/office/powerpoint/2010/main" id="1" dur="indefinite" restart="never" nodeType="tmRoot"/>
+        <p:cTn id="1" dur="indefinite" restart="never" nodeType="tmRoot"/>
       </p:par>
     </p:tnLst>
   </p:timing>
@@ -27456,7 +27504,7 @@
               <a:buNone/>
             </a:pPr>
             <a:r>
-              <a:rPr lang="en-US" sz="3000" i="0" u="none" strike="noStrike" cap="none" dirty="0" err="1">
+              <a:rPr lang="en-US" sz="3000" b="1" i="0" u="none" strike="noStrike" cap="none" dirty="0" err="1">
                 <a:solidFill>
                   <a:srgbClr val="FFFF00"/>
                 </a:solidFill>
@@ -27468,7 +27516,7 @@
               <a:t>astr</a:t>
             </a:r>
             <a:r>
-              <a:rPr lang="en-US" sz="3000" i="0" u="none" strike="noStrike" cap="none" dirty="0">
+              <a:rPr lang="en-US" sz="3000" b="1" i="0" u="none" strike="noStrike" cap="none" dirty="0">
                 <a:solidFill>
                   <a:srgbClr val="FFFF00"/>
                 </a:solidFill>
@@ -27499,7 +27547,7 @@
               <a:buNone/>
             </a:pPr>
             <a:r>
-              <a:rPr lang="en-US" sz="3000" i="0" u="none" strike="noStrike" cap="none" dirty="0">
+              <a:rPr lang="en-US" sz="3000" b="1" i="0" u="none" strike="noStrike" cap="none" dirty="0">
                 <a:solidFill>
                   <a:srgbClr val="FFFF00"/>
                 </a:solidFill>
@@ -27519,7 +27567,7 @@
               <a:buSzPct val="25000"/>
             </a:pPr>
             <a:r>
-              <a:rPr lang="en-US" sz="3000" i="0" u="none" strike="noStrike" cap="none" dirty="0">
+              <a:rPr lang="en-US" sz="3000" b="1" i="0" u="none" strike="noStrike" cap="none" dirty="0">
                 <a:solidFill>
                   <a:srgbClr val="FF7F00"/>
                 </a:solidFill>
@@ -27531,7 +27579,7 @@
               <a:t>    </a:t>
             </a:r>
             <a:r>
-              <a:rPr lang="en-US" sz="3000" dirty="0">
+              <a:rPr lang="en-US" sz="3000" b="1" dirty="0">
                 <a:solidFill>
                   <a:srgbClr val="FF9900"/>
                 </a:solidFill>
@@ -27542,7 +27590,7 @@
               </a:rPr>
               <a:t>print('Hello') </a:t>
             </a:r>
-            <a:endParaRPr lang="en-US" sz="3000" i="0" u="none" strike="noStrike" cap="none" dirty="0">
+            <a:endParaRPr lang="en-US" sz="3000" b="1" i="0" u="none" strike="noStrike" cap="none" dirty="0">
               <a:solidFill>
                 <a:srgbClr val="FF9900"/>
               </a:solidFill>
@@ -27571,7 +27619,7 @@
               <a:buNone/>
             </a:pPr>
             <a:r>
-              <a:rPr lang="en-US" sz="3000" i="0" u="none" strike="noStrike" cap="none" dirty="0">
+              <a:rPr lang="en-US" sz="3000" b="1" i="0" u="none" strike="noStrike" cap="none" dirty="0">
                 <a:solidFill>
                   <a:srgbClr val="FF9900"/>
                 </a:solidFill>
@@ -27583,7 +27631,7 @@
               <a:t>    </a:t>
             </a:r>
             <a:r>
-              <a:rPr lang="en-US" sz="3000" i="0" u="none" strike="noStrike" cap="none" dirty="0" err="1">
+              <a:rPr lang="en-US" sz="3000" b="1" i="0" u="none" strike="noStrike" cap="none" dirty="0" err="1">
                 <a:solidFill>
                   <a:srgbClr val="FF9900"/>
                 </a:solidFill>
@@ -27595,7 +27643,7 @@
               <a:t>istr</a:t>
             </a:r>
             <a:r>
-              <a:rPr lang="en-US" sz="3000" i="0" u="none" strike="noStrike" cap="none" dirty="0">
+              <a:rPr lang="en-US" sz="3000" b="1" i="0" u="none" strike="noStrike" cap="none" dirty="0">
                 <a:solidFill>
                   <a:srgbClr val="FF9900"/>
                 </a:solidFill>
@@ -27607,7 +27655,7 @@
               <a:t> = </a:t>
             </a:r>
             <a:r>
-              <a:rPr lang="en-US" sz="3000" i="0" u="none" strike="noStrike" cap="none" dirty="0" err="1">
+              <a:rPr lang="en-US" sz="3000" b="1" i="0" u="none" strike="noStrike" cap="none" dirty="0" err="1">
                 <a:solidFill>
                   <a:srgbClr val="FF9900"/>
                 </a:solidFill>
@@ -27619,7 +27667,7 @@
               <a:t>int</a:t>
             </a:r>
             <a:r>
-              <a:rPr lang="en-US" sz="3000" i="0" u="none" strike="noStrike" cap="none" dirty="0">
+              <a:rPr lang="en-US" sz="3000" b="1" i="0" u="none" strike="noStrike" cap="none" dirty="0">
                 <a:solidFill>
                   <a:srgbClr val="FF9900"/>
                 </a:solidFill>
@@ -27631,7 +27679,7 @@
               <a:t>(</a:t>
             </a:r>
             <a:r>
-              <a:rPr lang="en-US" sz="3000" i="0" u="none" strike="noStrike" cap="none" dirty="0" err="1">
+              <a:rPr lang="en-US" sz="3000" b="1" i="0" u="none" strike="noStrike" cap="none" dirty="0" err="1">
                 <a:solidFill>
                   <a:srgbClr val="FF9900"/>
                 </a:solidFill>
@@ -27643,7 +27691,7 @@
               <a:t>astr</a:t>
             </a:r>
             <a:r>
-              <a:rPr lang="en-US" sz="3000" i="0" u="none" strike="noStrike" cap="none" dirty="0">
+              <a:rPr lang="en-US" sz="3000" b="1" i="0" u="none" strike="noStrike" cap="none" dirty="0">
                 <a:solidFill>
                   <a:srgbClr val="FF9900"/>
                 </a:solidFill>
@@ -27663,7 +27711,7 @@
               <a:buSzPct val="25000"/>
             </a:pPr>
             <a:r>
-              <a:rPr lang="en-US" sz="3000" i="0" u="none" strike="noStrike" cap="none" dirty="0">
+              <a:rPr lang="en-US" sz="3000" b="1" i="0" u="none" strike="noStrike" cap="none" dirty="0">
                 <a:solidFill>
                   <a:srgbClr val="FF9900"/>
                 </a:solidFill>
@@ -27675,7 +27723,7 @@
               <a:t>    </a:t>
             </a:r>
             <a:r>
-              <a:rPr lang="en-US" sz="3000" i="0" u="none" strike="noStrike" cap="none" dirty="0" smtClean="0">
+              <a:rPr lang="en-US" sz="3000" b="1" i="0" u="none" strike="noStrike" cap="none" dirty="0" smtClean="0">
                 <a:solidFill>
                   <a:srgbClr val="FF9900"/>
                 </a:solidFill>
@@ -27687,7 +27735,7 @@
               <a:t>print('There</a:t>
             </a:r>
             <a:r>
-              <a:rPr lang="en-US" sz="3000" dirty="0">
+              <a:rPr lang="en-US" sz="3000" b="1" dirty="0">
                 <a:solidFill>
                   <a:srgbClr val="FF9900"/>
                 </a:solidFill>
@@ -27698,7 +27746,7 @@
               </a:rPr>
               <a:t>') </a:t>
             </a:r>
-            <a:endParaRPr lang="en-US" sz="3000" i="0" u="none" strike="noStrike" cap="none" dirty="0">
+            <a:endParaRPr lang="en-US" sz="3000" b="1" i="0" u="none" strike="noStrike" cap="none" dirty="0">
               <a:solidFill>
                 <a:srgbClr val="FF9900"/>
               </a:solidFill>
@@ -27727,7 +27775,7 @@
               <a:buNone/>
             </a:pPr>
             <a:r>
-              <a:rPr lang="en-US" sz="3000" i="0" u="none" strike="noStrike" cap="none" dirty="0">
+              <a:rPr lang="en-US" sz="3000" b="1" i="0" u="none" strike="noStrike" cap="none" dirty="0">
                 <a:solidFill>
                   <a:srgbClr val="FFFF00"/>
                 </a:solidFill>
@@ -27758,7 +27806,7 @@
               <a:buNone/>
             </a:pPr>
             <a:r>
-              <a:rPr lang="en-US" sz="3000" i="0" u="none" strike="noStrike" cap="none" dirty="0">
+              <a:rPr lang="en-US" sz="3000" b="1" i="0" u="none" strike="noStrike" cap="none" dirty="0">
                 <a:solidFill>
                   <a:srgbClr val="FFFF00"/>
                 </a:solidFill>
@@ -27770,7 +27818,7 @@
               <a:t>    </a:t>
             </a:r>
             <a:r>
-              <a:rPr lang="en-US" sz="3000" i="0" u="none" strike="noStrike" cap="none" dirty="0" err="1">
+              <a:rPr lang="en-US" sz="3000" b="1" i="0" u="none" strike="noStrike" cap="none" dirty="0" err="1">
                 <a:solidFill>
                   <a:srgbClr val="FF9900"/>
                 </a:solidFill>
@@ -27782,7 +27830,7 @@
               <a:t>istr</a:t>
             </a:r>
             <a:r>
-              <a:rPr lang="en-US" sz="3000" i="0" u="none" strike="noStrike" cap="none" dirty="0">
+              <a:rPr lang="en-US" sz="3000" b="1" i="0" u="none" strike="noStrike" cap="none" dirty="0">
                 <a:solidFill>
                   <a:srgbClr val="FF9900"/>
                 </a:solidFill>
@@ -27807,7 +27855,7 @@
               </a:spcAft>
               <a:buNone/>
             </a:pPr>
-            <a:endParaRPr sz="3000" i="0" u="none" strike="noStrike" cap="none" dirty="0">
+            <a:endParaRPr sz="3000" b="1" i="0" u="none" strike="noStrike" cap="none" dirty="0">
               <a:solidFill>
                 <a:srgbClr val="FFFF00"/>
               </a:solidFill>
@@ -27825,7 +27873,7 @@
               <a:buSzPct val="25000"/>
             </a:pPr>
             <a:r>
-              <a:rPr lang="en-US" sz="3000" i="0" u="none" strike="noStrike" cap="none" dirty="0" smtClean="0">
+              <a:rPr lang="en-US" sz="3000" b="1" i="0" u="none" strike="noStrike" cap="none" dirty="0" smtClean="0">
                 <a:solidFill>
                   <a:srgbClr val="FFFF00"/>
                 </a:solidFill>
@@ -27837,7 +27885,7 @@
               <a:t>print('Done</a:t>
             </a:r>
             <a:r>
-              <a:rPr lang="en-US" sz="3000" i="0" u="none" strike="noStrike" cap="none" dirty="0">
+              <a:rPr lang="en-US" sz="3000" b="1" i="0" u="none" strike="noStrike" cap="none" dirty="0">
                 <a:solidFill>
                   <a:srgbClr val="FFFF00"/>
                 </a:solidFill>
@@ -27849,7 +27897,7 @@
               <a:t>', </a:t>
             </a:r>
             <a:r>
-              <a:rPr lang="en-US" sz="3000" dirty="0" err="1">
+              <a:rPr lang="en-US" sz="3000" b="1" dirty="0" err="1">
                 <a:solidFill>
                   <a:srgbClr val="FFFF00"/>
                 </a:solidFill>
@@ -27861,7 +27909,7 @@
               <a:t>istr</a:t>
             </a:r>
             <a:r>
-              <a:rPr lang="en-US" sz="3000" dirty="0">
+              <a:rPr lang="en-US" sz="3000" b="1" dirty="0">
                 <a:solidFill>
                   <a:srgbClr val="FFFF00"/>
                 </a:solidFill>
@@ -27872,7 +27920,7 @@
               </a:rPr>
               <a:t>) </a:t>
             </a:r>
-            <a:endParaRPr lang="en-US" sz="3000" i="0" u="none" strike="noStrike" cap="none" dirty="0">
+            <a:endParaRPr lang="en-US" sz="3000" b="1" i="0" u="none" strike="noStrike" cap="none" dirty="0">
               <a:solidFill>
                 <a:srgbClr val="FFFF00"/>
               </a:solidFill>
@@ -28607,7 +28655,7 @@
   <p:timing>
     <p:tnLst>
       <p:par>
-        <p:cTn xmlns:p14="http://schemas.microsoft.com/office/powerpoint/2010/main" id="1" dur="indefinite" restart="never" nodeType="tmRoot"/>
+        <p:cTn id="1" dur="indefinite" restart="never" nodeType="tmRoot"/>
       </p:par>
     </p:tnLst>
   </p:timing>
@@ -29088,7 +29136,7 @@
               <a:buNone/>
             </a:pPr>
             <a:r>
-              <a:rPr lang="en-US" sz="3000" i="0" u="none" strike="noStrike" cap="none" dirty="0" err="1">
+              <a:rPr lang="en-US" sz="3000" b="1" i="0" u="none" strike="noStrike" cap="none" dirty="0" err="1">
                 <a:solidFill>
                   <a:srgbClr val="00FF00"/>
                 </a:solidFill>
@@ -29100,7 +29148,7 @@
               <a:t>rawstr</a:t>
             </a:r>
             <a:r>
-              <a:rPr lang="en-US" sz="3000" i="0" u="none" strike="noStrike" cap="none" dirty="0">
+              <a:rPr lang="en-US" sz="3000" b="1" i="0" u="none" strike="noStrike" cap="none" dirty="0">
                 <a:solidFill>
                   <a:srgbClr val="00FF00"/>
                 </a:solidFill>
@@ -29112,7 +29160,7 @@
               <a:t> = </a:t>
             </a:r>
             <a:r>
-              <a:rPr lang="en-US" sz="3000" i="0" u="none" strike="noStrike" cap="none" dirty="0" smtClean="0">
+              <a:rPr lang="en-US" sz="3000" b="1" i="0" u="none" strike="noStrike" cap="none" dirty="0" smtClean="0">
                 <a:solidFill>
                   <a:srgbClr val="00FF00"/>
                 </a:solidFill>
@@ -29124,7 +29172,7 @@
               <a:t>input(</a:t>
             </a:r>
             <a:r>
-              <a:rPr lang="en-US" sz="3000" i="0" u="none" strike="noStrike" cap="none" dirty="0">
+              <a:rPr lang="en-US" sz="3000" b="1" i="0" u="none" strike="noStrike" cap="none" dirty="0">
                 <a:solidFill>
                   <a:srgbClr val="00FF00"/>
                 </a:solidFill>
@@ -29155,7 +29203,7 @@
               <a:buNone/>
             </a:pPr>
             <a:r>
-              <a:rPr lang="en-US" sz="3000" i="0" u="none" strike="noStrike" cap="none" dirty="0">
+              <a:rPr lang="en-US" sz="3000" b="1" i="0" u="none" strike="noStrike" cap="none" dirty="0">
                 <a:solidFill>
                   <a:srgbClr val="00FF00"/>
                 </a:solidFill>
@@ -29186,7 +29234,7 @@
               <a:buNone/>
             </a:pPr>
             <a:r>
-              <a:rPr lang="en-US" sz="3000" i="0" u="none" strike="noStrike" cap="none" dirty="0">
+              <a:rPr lang="en-US" sz="3000" b="1" i="0" u="none" strike="noStrike" cap="none" dirty="0">
                 <a:solidFill>
                   <a:srgbClr val="00FF00"/>
                 </a:solidFill>
@@ -29198,7 +29246,7 @@
               <a:t>    </a:t>
             </a:r>
             <a:r>
-              <a:rPr lang="en-US" sz="3000" i="0" u="none" strike="noStrike" cap="none" dirty="0" err="1">
+              <a:rPr lang="en-US" sz="3000" b="1" i="0" u="none" strike="noStrike" cap="none" dirty="0" err="1">
                 <a:solidFill>
                   <a:srgbClr val="00FF00"/>
                 </a:solidFill>
@@ -29210,7 +29258,7 @@
               <a:t>ival</a:t>
             </a:r>
             <a:r>
-              <a:rPr lang="en-US" sz="3000" i="0" u="none" strike="noStrike" cap="none" dirty="0">
+              <a:rPr lang="en-US" sz="3000" b="1" i="0" u="none" strike="noStrike" cap="none" dirty="0">
                 <a:solidFill>
                   <a:srgbClr val="00FF00"/>
                 </a:solidFill>
@@ -29222,7 +29270,7 @@
               <a:t> = </a:t>
             </a:r>
             <a:r>
-              <a:rPr lang="en-US" sz="3000" i="0" u="none" strike="noStrike" cap="none" dirty="0" err="1">
+              <a:rPr lang="en-US" sz="3000" b="1" i="0" u="none" strike="noStrike" cap="none" dirty="0" err="1">
                 <a:solidFill>
                   <a:srgbClr val="00FF00"/>
                 </a:solidFill>
@@ -29234,7 +29282,7 @@
               <a:t>int</a:t>
             </a:r>
             <a:r>
-              <a:rPr lang="en-US" sz="3000" i="0" u="none" strike="noStrike" cap="none" dirty="0">
+              <a:rPr lang="en-US" sz="3000" b="1" i="0" u="none" strike="noStrike" cap="none" dirty="0">
                 <a:solidFill>
                   <a:srgbClr val="00FF00"/>
                 </a:solidFill>
@@ -29246,7 +29294,7 @@
               <a:t>(</a:t>
             </a:r>
             <a:r>
-              <a:rPr lang="en-US" sz="3000" i="0" u="none" strike="noStrike" cap="none" dirty="0" err="1">
+              <a:rPr lang="en-US" sz="3000" b="1" i="0" u="none" strike="noStrike" cap="none" dirty="0" err="1">
                 <a:solidFill>
                   <a:srgbClr val="00FF00"/>
                 </a:solidFill>
@@ -29258,7 +29306,7 @@
               <a:t>rawstr</a:t>
             </a:r>
             <a:r>
-              <a:rPr lang="en-US" sz="3000" i="0" u="none" strike="noStrike" cap="none" dirty="0">
+              <a:rPr lang="en-US" sz="3000" b="1" i="0" u="none" strike="noStrike" cap="none" dirty="0">
                 <a:solidFill>
                   <a:srgbClr val="00FF00"/>
                 </a:solidFill>
@@ -29289,7 +29337,7 @@
               <a:buNone/>
             </a:pPr>
             <a:r>
-              <a:rPr lang="en-US" sz="3000" i="0" u="none" strike="noStrike" cap="none" dirty="0">
+              <a:rPr lang="en-US" sz="3000" b="1" i="0" u="none" strike="noStrike" cap="none" dirty="0">
                 <a:solidFill>
                   <a:srgbClr val="00FF00"/>
                 </a:solidFill>
@@ -29320,7 +29368,7 @@
               <a:buNone/>
             </a:pPr>
             <a:r>
-              <a:rPr lang="en-US" sz="3000" i="0" u="none" strike="noStrike" cap="none" dirty="0">
+              <a:rPr lang="en-US" sz="3000" b="1" i="0" u="none" strike="noStrike" cap="none" dirty="0">
                 <a:solidFill>
                   <a:srgbClr val="00FF00"/>
                 </a:solidFill>
@@ -29332,7 +29380,7 @@
               <a:t>    </a:t>
             </a:r>
             <a:r>
-              <a:rPr lang="en-US" sz="3000" i="0" u="none" strike="noStrike" cap="none" dirty="0" err="1">
+              <a:rPr lang="en-US" sz="3000" b="1" i="0" u="none" strike="noStrike" cap="none" dirty="0" err="1">
                 <a:solidFill>
                   <a:srgbClr val="FF9900"/>
                 </a:solidFill>
@@ -29344,7 +29392,7 @@
               <a:t>ival</a:t>
             </a:r>
             <a:r>
-              <a:rPr lang="en-US" sz="3000" i="0" u="none" strike="noStrike" cap="none" dirty="0">
+              <a:rPr lang="en-US" sz="3000" b="1" i="0" u="none" strike="noStrike" cap="none" dirty="0">
                 <a:solidFill>
                   <a:srgbClr val="FF9900"/>
                 </a:solidFill>
@@ -29374,7 +29422,7 @@
               <a:buFont typeface="Cabin"/>
               <a:buNone/>
             </a:pPr>
-            <a:endParaRPr lang="en-US" sz="3000" dirty="0">
+            <a:endParaRPr lang="en-US" sz="3000" b="1" dirty="0">
               <a:solidFill>
                 <a:srgbClr val="00FF00"/>
               </a:solidFill>
@@ -29403,7 +29451,7 @@
               <a:buNone/>
             </a:pPr>
             <a:r>
-              <a:rPr lang="en-US" sz="3000" i="0" u="none" strike="noStrike" cap="none" dirty="0" smtClean="0">
+              <a:rPr lang="en-US" sz="3000" b="1" i="0" u="none" strike="noStrike" cap="none" dirty="0" smtClean="0">
                 <a:solidFill>
                   <a:srgbClr val="00FF00"/>
                 </a:solidFill>
@@ -29415,7 +29463,7 @@
               <a:t>if </a:t>
             </a:r>
             <a:r>
-              <a:rPr lang="en-US" sz="3000" i="0" u="none" strike="noStrike" cap="none" dirty="0" err="1">
+              <a:rPr lang="en-US" sz="3000" b="1" i="0" u="none" strike="noStrike" cap="none" dirty="0" err="1">
                 <a:solidFill>
                   <a:srgbClr val="00FF00"/>
                 </a:solidFill>
@@ -29427,7 +29475,7 @@
               <a:t>ival</a:t>
             </a:r>
             <a:r>
-              <a:rPr lang="en-US" sz="3000" i="0" u="none" strike="noStrike" cap="none" dirty="0">
+              <a:rPr lang="en-US" sz="3000" b="1" i="0" u="none" strike="noStrike" cap="none" dirty="0">
                 <a:solidFill>
                   <a:srgbClr val="00FF00"/>
                 </a:solidFill>
@@ -29447,7 +29495,7 @@
               <a:buSzPct val="25000"/>
             </a:pPr>
             <a:r>
-              <a:rPr lang="en-US" sz="3000" i="0" u="none" strike="noStrike" cap="none" dirty="0">
+              <a:rPr lang="en-US" sz="3000" b="1" i="0" u="none" strike="noStrike" cap="none" dirty="0">
                 <a:solidFill>
                   <a:srgbClr val="00FF00"/>
                 </a:solidFill>
@@ -29459,7 +29507,7 @@
               <a:t>    </a:t>
             </a:r>
             <a:r>
-              <a:rPr lang="en-US" sz="3000" i="0" u="none" strike="noStrike" cap="none" dirty="0" smtClean="0">
+              <a:rPr lang="en-US" sz="3000" b="1" i="0" u="none" strike="noStrike" cap="none" dirty="0" smtClean="0">
                 <a:solidFill>
                   <a:srgbClr val="00FF00"/>
                 </a:solidFill>
@@ -29471,7 +29519,7 @@
               <a:t>print('Nice </a:t>
             </a:r>
             <a:r>
-              <a:rPr lang="en-US" sz="3000" i="0" u="none" strike="noStrike" cap="none" dirty="0">
+              <a:rPr lang="en-US" sz="3000" b="1" i="0" u="none" strike="noStrike" cap="none" dirty="0">
                 <a:solidFill>
                   <a:srgbClr val="00FF00"/>
                 </a:solidFill>
@@ -29483,7 +29531,7 @@
               <a:t>work</a:t>
             </a:r>
             <a:r>
-              <a:rPr lang="en-US" sz="3000" dirty="0">
+              <a:rPr lang="en-US" sz="3000" b="1" dirty="0">
                 <a:solidFill>
                   <a:srgbClr val="00FF00"/>
                 </a:solidFill>
@@ -29494,7 +29542,7 @@
               </a:rPr>
               <a:t>')</a:t>
             </a:r>
-            <a:endParaRPr lang="en-US" sz="3000" i="0" u="none" strike="noStrike" cap="none" dirty="0">
+            <a:endParaRPr lang="en-US" sz="3000" b="1" i="0" u="none" strike="noStrike" cap="none" dirty="0">
               <a:solidFill>
                 <a:srgbClr val="00FF00"/>
               </a:solidFill>
@@ -29523,7 +29571,7 @@
               <a:buNone/>
             </a:pPr>
             <a:r>
-              <a:rPr lang="en-US" sz="3000" i="0" u="none" strike="noStrike" cap="none" dirty="0">
+              <a:rPr lang="en-US" sz="3000" b="1" i="0" u="none" strike="noStrike" cap="none" dirty="0">
                 <a:solidFill>
                   <a:srgbClr val="00FF00"/>
                 </a:solidFill>
@@ -29543,7 +29591,7 @@
               <a:buSzPct val="25000"/>
             </a:pPr>
             <a:r>
-              <a:rPr lang="en-US" sz="3000" i="0" u="none" strike="noStrike" cap="none" dirty="0">
+              <a:rPr lang="en-US" sz="3000" b="1" i="0" u="none" strike="noStrike" cap="none" dirty="0">
                 <a:solidFill>
                   <a:srgbClr val="00FF00"/>
                 </a:solidFill>
@@ -29555,7 +29603,7 @@
               <a:t>    </a:t>
             </a:r>
             <a:r>
-              <a:rPr lang="en-US" sz="3000" i="0" u="none" strike="noStrike" cap="none" dirty="0" smtClean="0">
+              <a:rPr lang="en-US" sz="3000" b="1" i="0" u="none" strike="noStrike" cap="none" dirty="0" smtClean="0">
                 <a:solidFill>
                   <a:srgbClr val="00FF00"/>
                 </a:solidFill>
@@ -29567,7 +29615,7 @@
               <a:t>print('Not </a:t>
             </a:r>
             <a:r>
-              <a:rPr lang="en-US" sz="3000" i="0" u="none" strike="noStrike" cap="none" dirty="0">
+              <a:rPr lang="en-US" sz="3000" b="1" i="0" u="none" strike="noStrike" cap="none" dirty="0">
                 <a:solidFill>
                   <a:srgbClr val="00FF00"/>
                 </a:solidFill>
@@ -29579,7 +29627,7 @@
               <a:t>a number</a:t>
             </a:r>
             <a:r>
-              <a:rPr lang="en-US" sz="3000" dirty="0">
+              <a:rPr lang="en-US" sz="3000" b="1" dirty="0">
                 <a:solidFill>
                   <a:srgbClr val="00FF00"/>
                 </a:solidFill>
@@ -29590,7 +29638,7 @@
               </a:rPr>
               <a:t>')</a:t>
             </a:r>
-            <a:endParaRPr lang="en-US" sz="3000" i="0" u="none" strike="noStrike" cap="none" dirty="0">
+            <a:endParaRPr lang="en-US" sz="3000" b="1" i="0" u="none" strike="noStrike" cap="none" dirty="0">
               <a:solidFill>
                 <a:srgbClr val="00FF00"/>
               </a:solidFill>
@@ -29610,7 +29658,7 @@
   <p:timing>
     <p:tnLst>
       <p:par>
-        <p:cTn xmlns:p14="http://schemas.microsoft.com/office/powerpoint/2010/main" id="1" dur="indefinite" restart="never" nodeType="tmRoot"/>
+        <p:cTn id="1" dur="indefinite" restart="never" nodeType="tmRoot"/>
       </p:par>
     </p:tnLst>
   </p:timing>
@@ -30006,7 +30054,7 @@
   <p:timing>
     <p:tnLst>
       <p:par>
-        <p:cTn xmlns:p14="http://schemas.microsoft.com/office/powerpoint/2010/main" id="1" dur="indefinite" restart="never" nodeType="tmRoot"/>
+        <p:cTn id="1" dur="indefinite" restart="never" nodeType="tmRoot"/>
       </p:par>
     </p:tnLst>
   </p:timing>
@@ -31648,7 +31696,7 @@
   <p:timing>
     <p:tnLst>
       <p:par>
-        <p:cTn xmlns:p14="http://schemas.microsoft.com/office/powerpoint/2010/main" id="1" dur="indefinite" restart="never" nodeType="tmRoot"/>
+        <p:cTn id="1" dur="indefinite" restart="never" nodeType="tmRoot"/>
       </p:par>
     </p:tnLst>
   </p:timing>
@@ -32071,7 +32119,7 @@
   <p:timing>
     <p:tnLst>
       <p:par>
-        <p:cTn xmlns:p14="http://schemas.microsoft.com/office/powerpoint/2010/main" id="1" dur="indefinite" restart="never" nodeType="tmRoot"/>
+        <p:cTn id="1" dur="indefinite" restart="never" nodeType="tmRoot"/>
       </p:par>
     </p:tnLst>
   </p:timing>
@@ -33158,7 +33206,7 @@
               <a:buNone/>
             </a:pPr>
             <a:r>
-              <a:rPr lang="en-US" sz="3000" i="0" u="none" strike="noStrike" cap="none" dirty="0">
+              <a:rPr lang="en-US" sz="3000" b="1" i="0" u="none" strike="noStrike" cap="none" dirty="0">
                 <a:solidFill>
                   <a:schemeClr val="lt1"/>
                 </a:solidFill>
@@ -33189,7 +33237,7 @@
               <a:buNone/>
             </a:pPr>
             <a:r>
-              <a:rPr lang="en-US" sz="3000" i="0" u="none" strike="noStrike" cap="none" dirty="0">
+              <a:rPr lang="en-US" sz="3000" b="1" i="0" u="none" strike="noStrike" cap="none" dirty="0">
                 <a:solidFill>
                   <a:srgbClr val="00FF00"/>
                 </a:solidFill>
@@ -33209,7 +33257,7 @@
               <a:buSzPct val="25000"/>
             </a:pPr>
             <a:r>
-              <a:rPr lang="en-US" sz="3000" i="0" u="none" strike="noStrike" cap="none" dirty="0">
+              <a:rPr lang="en-US" sz="3000" b="1" i="0" u="none" strike="noStrike" cap="none" dirty="0">
                 <a:solidFill>
                   <a:srgbClr val="00FF00"/>
                 </a:solidFill>
@@ -33221,7 +33269,7 @@
               <a:t>    </a:t>
             </a:r>
             <a:r>
-              <a:rPr lang="en-US" sz="3000" i="0" u="none" strike="noStrike" cap="none" dirty="0" smtClean="0">
+              <a:rPr lang="en-US" sz="3000" b="1" i="0" u="none" strike="noStrike" cap="none" dirty="0" smtClean="0">
                 <a:solidFill>
                   <a:srgbClr val="00FF00"/>
                 </a:solidFill>
@@ -33233,7 +33281,7 @@
               <a:t>print('Equals </a:t>
             </a:r>
             <a:r>
-              <a:rPr lang="en-US" sz="3000" i="0" u="none" strike="noStrike" cap="none" dirty="0">
+              <a:rPr lang="en-US" sz="3000" b="1" i="0" u="none" strike="noStrike" cap="none" dirty="0">
                 <a:solidFill>
                   <a:srgbClr val="00FF00"/>
                 </a:solidFill>
@@ -33245,7 +33293,7 @@
               <a:t>5</a:t>
             </a:r>
             <a:r>
-              <a:rPr lang="en-US" sz="3000" dirty="0">
+              <a:rPr lang="en-US" sz="3000" b="1" dirty="0">
                 <a:solidFill>
                   <a:srgbClr val="00FF00"/>
                 </a:solidFill>
@@ -33256,7 +33304,7 @@
               </a:rPr>
               <a:t>')</a:t>
             </a:r>
-            <a:endParaRPr lang="en-US" sz="3000" i="0" u="none" strike="noStrike" cap="none" dirty="0">
+            <a:endParaRPr lang="en-US" sz="3000" b="1" i="0" u="none" strike="noStrike" cap="none" dirty="0">
               <a:solidFill>
                 <a:srgbClr val="00FF00"/>
               </a:solidFill>
@@ -33285,7 +33333,7 @@
               <a:buNone/>
             </a:pPr>
             <a:r>
-              <a:rPr lang="en-US" sz="3000" i="0" u="none" strike="noStrike" cap="none" dirty="0">
+              <a:rPr lang="en-US" sz="3000" b="1" i="0" u="none" strike="noStrike" cap="none" dirty="0">
                 <a:solidFill>
                   <a:srgbClr val="FF00FF"/>
                 </a:solidFill>
@@ -33305,7 +33353,7 @@
               <a:buSzPct val="25000"/>
             </a:pPr>
             <a:r>
-              <a:rPr lang="en-US" sz="3000" i="0" u="none" strike="noStrike" cap="none" dirty="0">
+              <a:rPr lang="en-US" sz="3000" b="1" i="0" u="none" strike="noStrike" cap="none" dirty="0">
                 <a:solidFill>
                   <a:srgbClr val="FF00FF"/>
                 </a:solidFill>
@@ -33317,7 +33365,7 @@
               <a:t>   </a:t>
             </a:r>
             <a:r>
-              <a:rPr lang="en-US" sz="3000" i="0" u="none" strike="noStrike" cap="none" dirty="0" smtClean="0">
+              <a:rPr lang="en-US" sz="3000" b="1" i="0" u="none" strike="noStrike" cap="none" dirty="0" smtClean="0">
                 <a:solidFill>
                   <a:srgbClr val="FF00FF"/>
                 </a:solidFill>
@@ -33329,7 +33377,7 @@
               <a:t>print('Greater </a:t>
             </a:r>
             <a:r>
-              <a:rPr lang="en-US" sz="3000" i="0" u="none" strike="noStrike" cap="none" dirty="0">
+              <a:rPr lang="en-US" sz="3000" b="1" i="0" u="none" strike="noStrike" cap="none" dirty="0">
                 <a:solidFill>
                   <a:srgbClr val="FF00FF"/>
                 </a:solidFill>
@@ -33341,7 +33389,7 @@
               <a:t>than 4</a:t>
             </a:r>
             <a:r>
-              <a:rPr lang="en-US" sz="3000" dirty="0" smtClean="0">
+              <a:rPr lang="en-US" sz="3000" b="1" dirty="0" smtClean="0">
                 <a:solidFill>
                   <a:srgbClr val="FF00FF"/>
                 </a:solidFill>
@@ -33353,7 +33401,7 @@
               <a:t>'</a:t>
             </a:r>
             <a:r>
-              <a:rPr lang="en-US" sz="3000" dirty="0">
+              <a:rPr lang="en-US" sz="3000" b="1" dirty="0">
                 <a:solidFill>
                   <a:srgbClr val="FF00FF"/>
                 </a:solidFill>
@@ -33384,7 +33432,7 @@
               <a:buNone/>
             </a:pPr>
             <a:r>
-              <a:rPr lang="en-US" sz="3000" i="0" u="none" strike="noStrike" cap="none" dirty="0">
+              <a:rPr lang="en-US" sz="3000" b="1" i="0" u="none" strike="noStrike" cap="none" dirty="0">
                 <a:solidFill>
                   <a:srgbClr val="FF9900"/>
                 </a:solidFill>
@@ -33404,7 +33452,7 @@
               <a:buSzPct val="25000"/>
             </a:pPr>
             <a:r>
-              <a:rPr lang="en-US" sz="3000" i="0" u="none" strike="noStrike" cap="none" dirty="0">
+              <a:rPr lang="en-US" sz="3000" b="1" i="0" u="none" strike="noStrike" cap="none" dirty="0">
                 <a:solidFill>
                   <a:srgbClr val="FF9900"/>
                 </a:solidFill>
@@ -33416,7 +33464,7 @@
               <a:t>    </a:t>
             </a:r>
             <a:r>
-              <a:rPr lang="en-US" sz="3000" i="0" u="none" strike="noStrike" cap="none" dirty="0" smtClean="0">
+              <a:rPr lang="en-US" sz="3000" b="1" i="0" u="none" strike="noStrike" cap="none" dirty="0" smtClean="0">
                 <a:solidFill>
                   <a:srgbClr val="FF9900"/>
                 </a:solidFill>
@@ -33428,7 +33476,7 @@
               <a:t>print('Greater </a:t>
             </a:r>
             <a:r>
-              <a:rPr lang="en-US" sz="3000" i="0" u="none" strike="noStrike" cap="none" dirty="0">
+              <a:rPr lang="en-US" sz="3000" b="1" i="0" u="none" strike="noStrike" cap="none" dirty="0">
                 <a:solidFill>
                   <a:srgbClr val="FF9900"/>
                 </a:solidFill>
@@ -33440,7 +33488,7 @@
               <a:t>than or Equals 5</a:t>
             </a:r>
             <a:r>
-              <a:rPr lang="en-US" sz="3000" dirty="0">
+              <a:rPr lang="en-US" sz="3000" b="1" dirty="0">
                 <a:solidFill>
                   <a:srgbClr val="FF9900"/>
                 </a:solidFill>
@@ -33451,7 +33499,7 @@
               </a:rPr>
               <a:t>')</a:t>
             </a:r>
-            <a:endParaRPr lang="en-US" sz="3000" i="0" u="none" strike="noStrike" cap="none" dirty="0">
+            <a:endParaRPr lang="en-US" sz="3000" b="1" i="0" u="none" strike="noStrike" cap="none" dirty="0">
               <a:solidFill>
                 <a:srgbClr val="FF9900"/>
               </a:solidFill>
@@ -33469,7 +33517,7 @@
               <a:buSzPct val="25000"/>
             </a:pPr>
             <a:r>
-              <a:rPr lang="en-US" sz="3000" i="0" u="none" strike="noStrike" cap="none" dirty="0">
+              <a:rPr lang="en-US" sz="3000" b="1" i="0" u="none" strike="noStrike" cap="none" dirty="0">
                 <a:solidFill>
                   <a:srgbClr val="D9D9D9"/>
                 </a:solidFill>
@@ -33481,7 +33529,7 @@
               <a:t>if x &lt; 6 : </a:t>
             </a:r>
             <a:r>
-              <a:rPr lang="en-US" sz="3000" i="0" u="none" strike="noStrike" cap="none" dirty="0" smtClean="0">
+              <a:rPr lang="en-US" sz="3000" b="1" i="0" u="none" strike="noStrike" cap="none" dirty="0" smtClean="0">
                 <a:solidFill>
                   <a:srgbClr val="D9D9D9"/>
                 </a:solidFill>
@@ -33493,7 +33541,7 @@
               <a:t>print('Less </a:t>
             </a:r>
             <a:r>
-              <a:rPr lang="en-US" sz="3000" i="0" u="none" strike="noStrike" cap="none" dirty="0">
+              <a:rPr lang="en-US" sz="3000" b="1" i="0" u="none" strike="noStrike" cap="none" dirty="0">
                 <a:solidFill>
                   <a:srgbClr val="D9D9D9"/>
                 </a:solidFill>
@@ -33505,7 +33553,7 @@
               <a:t>than 6</a:t>
             </a:r>
             <a:r>
-              <a:rPr lang="en-US" sz="3000" dirty="0">
+              <a:rPr lang="en-US" sz="3000" b="1" dirty="0">
                 <a:solidFill>
                   <a:srgbClr val="D9D9D9"/>
                 </a:solidFill>
@@ -33516,7 +33564,7 @@
               </a:rPr>
               <a:t>') </a:t>
             </a:r>
-            <a:endParaRPr lang="en-US" sz="3000" i="0" u="none" strike="noStrike" cap="none" dirty="0">
+            <a:endParaRPr lang="en-US" sz="3000" b="1" i="0" u="none" strike="noStrike" cap="none" dirty="0">
               <a:solidFill>
                 <a:srgbClr val="D9D9D9"/>
               </a:solidFill>
@@ -33545,7 +33593,7 @@
               <a:buNone/>
             </a:pPr>
             <a:r>
-              <a:rPr lang="en-US" sz="3000" i="0" u="none" strike="noStrike" cap="none" dirty="0">
+              <a:rPr lang="en-US" sz="3000" b="1" i="0" u="none" strike="noStrike" cap="none" dirty="0">
                 <a:solidFill>
                   <a:srgbClr val="FFFF00"/>
                 </a:solidFill>
@@ -33565,7 +33613,7 @@
               <a:buSzPct val="25000"/>
             </a:pPr>
             <a:r>
-              <a:rPr lang="en-US" sz="3000" i="0" u="none" strike="noStrike" cap="none" dirty="0">
+              <a:rPr lang="en-US" sz="3000" b="1" i="0" u="none" strike="noStrike" cap="none" dirty="0">
                 <a:solidFill>
                   <a:srgbClr val="FFFF00"/>
                 </a:solidFill>
@@ -33577,7 +33625,7 @@
               <a:t>    </a:t>
             </a:r>
             <a:r>
-              <a:rPr lang="en-US" sz="3000" i="0" u="none" strike="noStrike" cap="none" dirty="0" smtClean="0">
+              <a:rPr lang="en-US" sz="3000" b="1" i="0" u="none" strike="noStrike" cap="none" dirty="0" smtClean="0">
                 <a:solidFill>
                   <a:srgbClr val="FFFF00"/>
                 </a:solidFill>
@@ -33589,7 +33637,7 @@
               <a:t>print('Less </a:t>
             </a:r>
             <a:r>
-              <a:rPr lang="en-US" sz="3000" i="0" u="none" strike="noStrike" cap="none" dirty="0">
+              <a:rPr lang="en-US" sz="3000" b="1" i="0" u="none" strike="noStrike" cap="none" dirty="0">
                 <a:solidFill>
                   <a:srgbClr val="FFFF00"/>
                 </a:solidFill>
@@ -33601,7 +33649,7 @@
               <a:t>than or Equals 5</a:t>
             </a:r>
             <a:r>
-              <a:rPr lang="en-US" sz="3000" dirty="0" smtClean="0">
+              <a:rPr lang="en-US" sz="3000" b="1" dirty="0" smtClean="0">
                 <a:solidFill>
                   <a:srgbClr val="FFFF00"/>
                 </a:solidFill>
@@ -33613,7 +33661,7 @@
               <a:t>'</a:t>
             </a:r>
             <a:r>
-              <a:rPr lang="en-US" sz="3000" dirty="0">
+              <a:rPr lang="en-US" sz="3000" b="1" dirty="0">
                 <a:solidFill>
                   <a:srgbClr val="FFFF00"/>
                 </a:solidFill>
@@ -33644,7 +33692,7 @@
               <a:buNone/>
             </a:pPr>
             <a:r>
-              <a:rPr lang="en-US" sz="3000" i="0" u="none" strike="noStrike" cap="none" dirty="0">
+              <a:rPr lang="en-US" sz="3000" b="1" i="0" u="none" strike="noStrike" cap="none" dirty="0">
                 <a:solidFill>
                   <a:srgbClr val="00FFFF"/>
                 </a:solidFill>
@@ -33664,7 +33712,7 @@
               <a:buSzPct val="25000"/>
             </a:pPr>
             <a:r>
-              <a:rPr lang="en-US" sz="3000" i="0" u="none" strike="noStrike" cap="none" dirty="0">
+              <a:rPr lang="en-US" sz="3000" b="1" i="0" u="none" strike="noStrike" cap="none" dirty="0">
                 <a:solidFill>
                   <a:srgbClr val="00FFFF"/>
                 </a:solidFill>
@@ -33676,7 +33724,7 @@
               <a:t>    </a:t>
             </a:r>
             <a:r>
-              <a:rPr lang="en-US" sz="3000" i="0" u="none" strike="noStrike" cap="none" dirty="0" smtClean="0">
+              <a:rPr lang="en-US" sz="3000" b="1" i="0" u="none" strike="noStrike" cap="none" dirty="0" smtClean="0">
                 <a:solidFill>
                   <a:srgbClr val="00FFFF"/>
                 </a:solidFill>
@@ -33688,7 +33736,7 @@
               <a:t>print('Not </a:t>
             </a:r>
             <a:r>
-              <a:rPr lang="en-US" sz="3000" i="0" u="none" strike="noStrike" cap="none" dirty="0">
+              <a:rPr lang="en-US" sz="3000" b="1" i="0" u="none" strike="noStrike" cap="none" dirty="0">
                 <a:solidFill>
                   <a:srgbClr val="00FFFF"/>
                 </a:solidFill>
@@ -33700,7 +33748,7 @@
               <a:t>equal 6</a:t>
             </a:r>
             <a:r>
-              <a:rPr lang="en-US" sz="3000" dirty="0">
+              <a:rPr lang="en-US" sz="3000" b="1" dirty="0">
                 <a:solidFill>
                   <a:srgbClr val="00FFFF"/>
                 </a:solidFill>
@@ -33711,7 +33759,7 @@
               </a:rPr>
               <a:t>')</a:t>
             </a:r>
-            <a:endParaRPr lang="en-US" sz="3000" i="0" u="none" strike="noStrike" cap="none" dirty="0">
+            <a:endParaRPr lang="en-US" sz="3000" b="1" i="0" u="none" strike="noStrike" cap="none" dirty="0">
               <a:solidFill>
                 <a:srgbClr val="00FFFF"/>
               </a:solidFill>
@@ -33969,7 +34017,7 @@
   <p:timing>
     <p:tnLst>
       <p:par>
-        <p:cTn xmlns:p14="http://schemas.microsoft.com/office/powerpoint/2010/main" id="1" dur="indefinite" restart="never" nodeType="tmRoot"/>
+        <p:cTn id="1" dur="indefinite" restart="never" nodeType="tmRoot"/>
       </p:par>
     </p:tnLst>
   </p:timing>
@@ -34097,7 +34145,7 @@
               <a:buNone/>
             </a:pPr>
             <a:r>
-              <a:rPr lang="en-US" sz="3200" i="0" u="none" strike="noStrike" cap="none" dirty="0">
+              <a:rPr lang="en-US" sz="3200" b="1" i="0" u="none" strike="noStrike" cap="none" dirty="0">
                 <a:solidFill>
                   <a:schemeClr val="lt1"/>
                 </a:solidFill>
@@ -34117,7 +34165,7 @@
               <a:buSzPct val="25000"/>
             </a:pPr>
             <a:r>
-              <a:rPr lang="en-US" sz="3200" i="0" u="none" strike="noStrike" cap="none" dirty="0" smtClean="0">
+              <a:rPr lang="en-US" sz="3200" b="1" i="0" u="none" strike="noStrike" cap="none" dirty="0" smtClean="0">
                 <a:solidFill>
                   <a:srgbClr val="FF9900"/>
                 </a:solidFill>
@@ -34129,7 +34177,7 @@
               <a:t>print('Before </a:t>
             </a:r>
             <a:r>
-              <a:rPr lang="en-US" sz="3200" i="0" u="none" strike="noStrike" cap="none" dirty="0">
+              <a:rPr lang="en-US" sz="3200" b="1" i="0" u="none" strike="noStrike" cap="none" dirty="0">
                 <a:solidFill>
                   <a:srgbClr val="FF9900"/>
                 </a:solidFill>
@@ -34141,7 +34189,7 @@
               <a:t>5</a:t>
             </a:r>
             <a:r>
-              <a:rPr lang="en-US" sz="3200" dirty="0" smtClean="0">
+              <a:rPr lang="en-US" sz="3200" b="1" dirty="0" smtClean="0">
                 <a:solidFill>
                   <a:srgbClr val="FF9900"/>
                 </a:solidFill>
@@ -34153,7 +34201,7 @@
               <a:t>'</a:t>
             </a:r>
             <a:r>
-              <a:rPr lang="en-US" sz="3200" dirty="0">
+              <a:rPr lang="en-US" sz="3200" b="1" dirty="0">
                 <a:solidFill>
                   <a:srgbClr val="FF9900"/>
                 </a:solidFill>
@@ -34184,7 +34232,7 @@
               <a:buNone/>
             </a:pPr>
             <a:r>
-              <a:rPr lang="en-US" sz="3200" i="0" u="none" strike="noStrike" cap="none" dirty="0">
+              <a:rPr lang="en-US" sz="3200" b="1" i="0" u="none" strike="noStrike" cap="none" dirty="0">
                 <a:solidFill>
                   <a:srgbClr val="00FFFF"/>
                 </a:solidFill>
@@ -34204,7 +34252,7 @@
               <a:buSzPct val="25000"/>
             </a:pPr>
             <a:r>
-              <a:rPr lang="en-US" sz="3200" i="0" u="none" strike="noStrike" cap="none" dirty="0">
+              <a:rPr lang="en-US" sz="3200" b="1" i="0" u="none" strike="noStrike" cap="none" dirty="0">
                 <a:solidFill>
                   <a:srgbClr val="00FFFF"/>
                 </a:solidFill>
@@ -34216,7 +34264,7 @@
               <a:t>    </a:t>
             </a:r>
             <a:r>
-              <a:rPr lang="en-US" sz="3200" i="0" u="none" strike="noStrike" cap="none" dirty="0" smtClean="0">
+              <a:rPr lang="en-US" sz="3200" b="1" i="0" u="none" strike="noStrike" cap="none" dirty="0" smtClean="0">
                 <a:solidFill>
                   <a:srgbClr val="00FFFF"/>
                 </a:solidFill>
@@ -34228,7 +34276,7 @@
               <a:t>print('Is </a:t>
             </a:r>
             <a:r>
-              <a:rPr lang="en-US" sz="3200" i="0" u="none" strike="noStrike" cap="none" dirty="0">
+              <a:rPr lang="en-US" sz="3200" b="1" i="0" u="none" strike="noStrike" cap="none" dirty="0">
                 <a:solidFill>
                   <a:srgbClr val="00FFFF"/>
                 </a:solidFill>
@@ -34240,7 +34288,7 @@
               <a:t>5</a:t>
             </a:r>
             <a:r>
-              <a:rPr lang="en-US" sz="3200" dirty="0" smtClean="0">
+              <a:rPr lang="en-US" sz="3200" b="1" dirty="0" smtClean="0">
                 <a:solidFill>
                   <a:srgbClr val="00FFFF"/>
                 </a:solidFill>
@@ -34252,7 +34300,7 @@
               <a:t>'</a:t>
             </a:r>
             <a:r>
-              <a:rPr lang="en-US" sz="3200" dirty="0">
+              <a:rPr lang="en-US" sz="3200" b="1" dirty="0">
                 <a:solidFill>
                   <a:srgbClr val="00FFFF"/>
                 </a:solidFill>
@@ -34272,7 +34320,7 @@
               <a:buSzPct val="25000"/>
             </a:pPr>
             <a:r>
-              <a:rPr lang="en-US" sz="3200" i="0" u="none" strike="noStrike" cap="none" dirty="0">
+              <a:rPr lang="en-US" sz="3200" b="1" i="0" u="none" strike="noStrike" cap="none" dirty="0">
                 <a:solidFill>
                   <a:srgbClr val="00FFFF"/>
                 </a:solidFill>
@@ -34284,7 +34332,7 @@
               <a:t>    </a:t>
             </a:r>
             <a:r>
-              <a:rPr lang="en-US" sz="3200" i="0" u="none" strike="noStrike" cap="none" dirty="0" smtClean="0">
+              <a:rPr lang="en-US" sz="3200" b="1" i="0" u="none" strike="noStrike" cap="none" dirty="0" smtClean="0">
                 <a:solidFill>
                   <a:srgbClr val="00FFFF"/>
                 </a:solidFill>
@@ -34296,7 +34344,7 @@
               <a:t>print('Is </a:t>
             </a:r>
             <a:r>
-              <a:rPr lang="en-US" sz="3200" i="0" u="none" strike="noStrike" cap="none" dirty="0">
+              <a:rPr lang="en-US" sz="3200" b="1" i="0" u="none" strike="noStrike" cap="none" dirty="0">
                 <a:solidFill>
                   <a:srgbClr val="00FFFF"/>
                 </a:solidFill>
@@ -34308,7 +34356,7 @@
               <a:t>Still 5</a:t>
             </a:r>
             <a:r>
-              <a:rPr lang="en-US" sz="3200" dirty="0" smtClean="0">
+              <a:rPr lang="en-US" sz="3200" b="1" dirty="0" smtClean="0">
                 <a:solidFill>
                   <a:srgbClr val="00FFFF"/>
                 </a:solidFill>
@@ -34320,7 +34368,7 @@
               <a:t>'</a:t>
             </a:r>
             <a:r>
-              <a:rPr lang="en-US" sz="3200" dirty="0">
+              <a:rPr lang="en-US" sz="3200" b="1" dirty="0">
                 <a:solidFill>
                   <a:srgbClr val="00FFFF"/>
                 </a:solidFill>
@@ -34340,7 +34388,7 @@
               <a:buSzPct val="25000"/>
             </a:pPr>
             <a:r>
-              <a:rPr lang="en-US" sz="3200" i="0" u="none" strike="noStrike" cap="none" dirty="0">
+              <a:rPr lang="en-US" sz="3200" b="1" i="0" u="none" strike="noStrike" cap="none" dirty="0">
                 <a:solidFill>
                   <a:srgbClr val="00FFFF"/>
                 </a:solidFill>
@@ -34352,7 +34400,7 @@
               <a:t>    </a:t>
             </a:r>
             <a:r>
-              <a:rPr lang="en-US" sz="3200" i="0" u="none" strike="noStrike" cap="none" dirty="0" smtClean="0">
+              <a:rPr lang="en-US" sz="3200" b="1" i="0" u="none" strike="noStrike" cap="none" dirty="0" smtClean="0">
                 <a:solidFill>
                   <a:srgbClr val="00FFFF"/>
                 </a:solidFill>
@@ -34364,7 +34412,7 @@
               <a:t>print('Third </a:t>
             </a:r>
             <a:r>
-              <a:rPr lang="en-US" sz="3200" i="0" u="none" strike="noStrike" cap="none" dirty="0">
+              <a:rPr lang="en-US" sz="3200" b="1" i="0" u="none" strike="noStrike" cap="none" dirty="0">
                 <a:solidFill>
                   <a:srgbClr val="00FFFF"/>
                 </a:solidFill>
@@ -34376,7 +34424,7 @@
               <a:t>5</a:t>
             </a:r>
             <a:r>
-              <a:rPr lang="en-US" sz="3200" dirty="0" smtClean="0">
+              <a:rPr lang="en-US" sz="3200" b="1" dirty="0" smtClean="0">
                 <a:solidFill>
                   <a:srgbClr val="00FFFF"/>
                 </a:solidFill>
@@ -34388,7 +34436,7 @@
               <a:t>'</a:t>
             </a:r>
             <a:r>
-              <a:rPr lang="en-US" sz="3200" dirty="0">
+              <a:rPr lang="en-US" sz="3200" b="1" dirty="0">
                 <a:solidFill>
                   <a:srgbClr val="00FFFF"/>
                 </a:solidFill>
@@ -34408,7 +34456,7 @@
               <a:buSzPct val="25000"/>
             </a:pPr>
             <a:r>
-              <a:rPr lang="en-US" sz="3200" i="0" u="none" strike="noStrike" cap="none" dirty="0" smtClean="0">
+              <a:rPr lang="en-US" sz="3200" b="1" i="0" u="none" strike="noStrike" cap="none" dirty="0" smtClean="0">
                 <a:solidFill>
                   <a:srgbClr val="FF9900"/>
                 </a:solidFill>
@@ -34420,7 +34468,7 @@
               <a:t>print('Afterwards </a:t>
             </a:r>
             <a:r>
-              <a:rPr lang="en-US" sz="3200" dirty="0">
+              <a:rPr lang="en-US" sz="3200" b="1" dirty="0">
                 <a:solidFill>
                   <a:srgbClr val="FF9900"/>
                 </a:solidFill>
@@ -34432,7 +34480,7 @@
               <a:t>5'</a:t>
             </a:r>
             <a:r>
-              <a:rPr lang="en-US" sz="3200" dirty="0" smtClean="0">
+              <a:rPr lang="en-US" sz="3200" b="1" dirty="0" smtClean="0">
                 <a:solidFill>
                   <a:srgbClr val="FF9900"/>
                 </a:solidFill>
@@ -34443,7 +34491,7 @@
               </a:rPr>
               <a:t>)</a:t>
             </a:r>
-            <a:endParaRPr lang="en-US" sz="3200" i="0" u="none" strike="noStrike" cap="none" dirty="0">
+            <a:endParaRPr lang="en-US" sz="3200" b="1" i="0" u="none" strike="noStrike" cap="none" dirty="0">
               <a:solidFill>
                 <a:srgbClr val="FF9900"/>
               </a:solidFill>
@@ -34461,7 +34509,7 @@
               <a:buSzPct val="25000"/>
             </a:pPr>
             <a:r>
-              <a:rPr lang="en-US" sz="3200" dirty="0">
+              <a:rPr lang="en-US" sz="3200" b="1" dirty="0">
                 <a:solidFill>
                   <a:srgbClr val="FF9900"/>
                 </a:solidFill>
@@ -34473,7 +34521,7 @@
               <a:t>p</a:t>
             </a:r>
             <a:r>
-              <a:rPr lang="en-US" sz="3200" i="0" u="none" strike="noStrike" cap="none" dirty="0" smtClean="0">
+              <a:rPr lang="en-US" sz="3200" b="1" i="0" u="none" strike="noStrike" cap="none" dirty="0" smtClean="0">
                 <a:solidFill>
                   <a:srgbClr val="FF9900"/>
                 </a:solidFill>
@@ -34485,7 +34533,7 @@
               <a:t>rint('Before </a:t>
             </a:r>
             <a:r>
-              <a:rPr lang="en-US" sz="3200" dirty="0">
+              <a:rPr lang="en-US" sz="3200" b="1" dirty="0">
                 <a:solidFill>
                   <a:srgbClr val="FF9900"/>
                 </a:solidFill>
@@ -34497,7 +34545,7 @@
               <a:t>6'</a:t>
             </a:r>
             <a:r>
-              <a:rPr lang="en-US" sz="3200" dirty="0" smtClean="0">
+              <a:rPr lang="en-US" sz="3200" b="1" dirty="0" smtClean="0">
                 <a:solidFill>
                   <a:srgbClr val="FF9900"/>
                 </a:solidFill>
@@ -34508,7 +34556,7 @@
               </a:rPr>
               <a:t>)</a:t>
             </a:r>
-            <a:endParaRPr lang="en-US" sz="3200" i="0" u="none" strike="noStrike" cap="none" dirty="0">
+            <a:endParaRPr lang="en-US" sz="3200" b="1" i="0" u="none" strike="noStrike" cap="none" dirty="0">
               <a:solidFill>
                 <a:srgbClr val="FF9900"/>
               </a:solidFill>
@@ -34537,7 +34585,7 @@
               <a:buNone/>
             </a:pPr>
             <a:r>
-              <a:rPr lang="en-US" sz="3200" i="0" u="none" strike="noStrike" cap="none" dirty="0">
+              <a:rPr lang="en-US" sz="3200" b="1" i="0" u="none" strike="noStrike" cap="none" dirty="0">
                 <a:solidFill>
                   <a:srgbClr val="00FF00"/>
                 </a:solidFill>
@@ -34557,7 +34605,7 @@
               <a:buSzPct val="25000"/>
             </a:pPr>
             <a:r>
-              <a:rPr lang="en-US" sz="3200" i="0" u="none" strike="noStrike" cap="none" dirty="0">
+              <a:rPr lang="en-US" sz="3200" b="1" i="0" u="none" strike="noStrike" cap="none" dirty="0">
                 <a:solidFill>
                   <a:srgbClr val="00FF00"/>
                 </a:solidFill>
@@ -34569,7 +34617,7 @@
               <a:t>    </a:t>
             </a:r>
             <a:r>
-              <a:rPr lang="en-US" sz="3200" i="0" u="none" strike="noStrike" cap="none" dirty="0" smtClean="0">
+              <a:rPr lang="en-US" sz="3200" b="1" i="0" u="none" strike="noStrike" cap="none" dirty="0" smtClean="0">
                 <a:solidFill>
                   <a:srgbClr val="00FF00"/>
                 </a:solidFill>
@@ -34581,7 +34629,7 @@
               <a:t>print('Is </a:t>
             </a:r>
             <a:r>
-              <a:rPr lang="en-US" sz="3200" dirty="0">
+              <a:rPr lang="en-US" sz="3200" b="1" dirty="0">
                 <a:solidFill>
                   <a:srgbClr val="00FF00"/>
                 </a:solidFill>
@@ -34593,7 +34641,7 @@
               <a:t>6'</a:t>
             </a:r>
             <a:r>
-              <a:rPr lang="en-US" sz="3200" dirty="0" smtClean="0">
+              <a:rPr lang="en-US" sz="3200" b="1" dirty="0" smtClean="0">
                 <a:solidFill>
                   <a:srgbClr val="00FF00"/>
                 </a:solidFill>
@@ -34604,7 +34652,7 @@
               </a:rPr>
               <a:t>)</a:t>
             </a:r>
-            <a:endParaRPr lang="en-US" sz="3200" dirty="0">
+            <a:endParaRPr lang="en-US" sz="3200" b="1" dirty="0">
               <a:solidFill>
                 <a:schemeClr val="accent1"/>
               </a:solidFill>
@@ -34622,7 +34670,7 @@
               <a:buSzPct val="25000"/>
             </a:pPr>
             <a:r>
-              <a:rPr lang="en-US" sz="3200" i="0" u="none" strike="noStrike" cap="none" dirty="0">
+              <a:rPr lang="en-US" sz="3200" b="1" i="0" u="none" strike="noStrike" cap="none" dirty="0">
                 <a:solidFill>
                   <a:srgbClr val="00FF00"/>
                 </a:solidFill>
@@ -34634,7 +34682,7 @@
               <a:t>    </a:t>
             </a:r>
             <a:r>
-              <a:rPr lang="en-US" sz="3200" i="0" u="none" strike="noStrike" cap="none" dirty="0" smtClean="0">
+              <a:rPr lang="en-US" sz="3200" b="1" i="0" u="none" strike="noStrike" cap="none" dirty="0" smtClean="0">
                 <a:solidFill>
                   <a:srgbClr val="00FF00"/>
                 </a:solidFill>
@@ -34646,7 +34694,7 @@
               <a:t>print('Is </a:t>
             </a:r>
             <a:r>
-              <a:rPr lang="en-US" sz="3200" i="0" u="none" strike="noStrike" cap="none" dirty="0">
+              <a:rPr lang="en-US" sz="3200" b="1" i="0" u="none" strike="noStrike" cap="none" dirty="0">
                 <a:solidFill>
                   <a:srgbClr val="00FF00"/>
                 </a:solidFill>
@@ -34658,7 +34706,7 @@
               <a:t>Still </a:t>
             </a:r>
             <a:r>
-              <a:rPr lang="en-US" sz="3200" dirty="0">
+              <a:rPr lang="en-US" sz="3200" b="1" dirty="0">
                 <a:solidFill>
                   <a:srgbClr val="00FF00"/>
                 </a:solidFill>
@@ -34670,7 +34718,7 @@
               <a:t>6'</a:t>
             </a:r>
             <a:r>
-              <a:rPr lang="en-US" sz="3200" dirty="0" smtClean="0">
+              <a:rPr lang="en-US" sz="3200" b="1" dirty="0" smtClean="0">
                 <a:solidFill>
                   <a:srgbClr val="00FF00"/>
                 </a:solidFill>
@@ -34681,7 +34729,7 @@
               </a:rPr>
               <a:t>)</a:t>
             </a:r>
-            <a:endParaRPr lang="en-US" sz="3200" dirty="0">
+            <a:endParaRPr lang="en-US" sz="3200" b="1" dirty="0">
               <a:solidFill>
                 <a:schemeClr val="accent1"/>
               </a:solidFill>
@@ -34699,7 +34747,7 @@
               <a:buSzPct val="25000"/>
             </a:pPr>
             <a:r>
-              <a:rPr lang="en-US" sz="3200" i="0" u="none" strike="noStrike" cap="none" dirty="0">
+              <a:rPr lang="en-US" sz="3200" b="1" i="0" u="none" strike="noStrike" cap="none" dirty="0">
                 <a:solidFill>
                   <a:srgbClr val="00FF00"/>
                 </a:solidFill>
@@ -34711,7 +34759,7 @@
               <a:t>    </a:t>
             </a:r>
             <a:r>
-              <a:rPr lang="en-US" sz="3200" i="0" u="none" strike="noStrike" cap="none" dirty="0" smtClean="0">
+              <a:rPr lang="en-US" sz="3200" b="1" i="0" u="none" strike="noStrike" cap="none" dirty="0" smtClean="0">
                 <a:solidFill>
                   <a:srgbClr val="00FF00"/>
                 </a:solidFill>
@@ -34723,7 +34771,7 @@
               <a:t>print('Third </a:t>
             </a:r>
             <a:r>
-              <a:rPr lang="en-US" sz="3200" dirty="0">
+              <a:rPr lang="en-US" sz="3200" b="1" dirty="0">
                 <a:solidFill>
                   <a:srgbClr val="00FF00"/>
                 </a:solidFill>
@@ -34735,7 +34783,7 @@
               <a:t>6'</a:t>
             </a:r>
             <a:r>
-              <a:rPr lang="en-US" sz="3200" dirty="0" smtClean="0">
+              <a:rPr lang="en-US" sz="3200" b="1" dirty="0" smtClean="0">
                 <a:solidFill>
                   <a:srgbClr val="00FF00"/>
                 </a:solidFill>
@@ -34746,7 +34794,7 @@
               </a:rPr>
               <a:t>)</a:t>
             </a:r>
-            <a:endParaRPr lang="en-US" sz="3200" dirty="0">
+            <a:endParaRPr lang="en-US" sz="3200" b="1" dirty="0">
               <a:solidFill>
                 <a:schemeClr val="accent1"/>
               </a:solidFill>
@@ -34764,7 +34812,7 @@
               <a:buSzPct val="25000"/>
             </a:pPr>
             <a:r>
-              <a:rPr lang="en-US" sz="3200" dirty="0">
+              <a:rPr lang="en-US" sz="3200" b="1" dirty="0">
                 <a:solidFill>
                   <a:srgbClr val="FF9900"/>
                 </a:solidFill>
@@ -34776,7 +34824,7 @@
               <a:t>p</a:t>
             </a:r>
             <a:r>
-              <a:rPr lang="en-US" sz="3200" i="0" u="none" strike="noStrike" cap="none" dirty="0" smtClean="0">
+              <a:rPr lang="en-US" sz="3200" b="1" i="0" u="none" strike="noStrike" cap="none" dirty="0" smtClean="0">
                 <a:solidFill>
                   <a:srgbClr val="FF9900"/>
                 </a:solidFill>
@@ -34788,7 +34836,7 @@
               <a:t>rint('Afterwards </a:t>
             </a:r>
             <a:r>
-              <a:rPr lang="en-US" sz="3200" i="0" u="none" strike="noStrike" cap="none" dirty="0">
+              <a:rPr lang="en-US" sz="3200" b="1" i="0" u="none" strike="noStrike" cap="none" dirty="0">
                 <a:solidFill>
                   <a:srgbClr val="FF9900"/>
                 </a:solidFill>
@@ -34800,7 +34848,7 @@
               <a:t>6</a:t>
             </a:r>
             <a:r>
-              <a:rPr lang="en-US" sz="3200" dirty="0">
+              <a:rPr lang="en-US" sz="3200" b="1" dirty="0">
                 <a:solidFill>
                   <a:srgbClr val="FF9900"/>
                 </a:solidFill>
@@ -34811,7 +34859,7 @@
               </a:rPr>
               <a:t>')</a:t>
             </a:r>
-            <a:endParaRPr lang="en-US" sz="3200" i="0" u="none" strike="noStrike" cap="none" dirty="0">
+            <a:endParaRPr lang="en-US" sz="3200" b="1" i="0" u="none" strike="noStrike" cap="none" dirty="0">
               <a:solidFill>
                 <a:srgbClr val="FF9900"/>
               </a:solidFill>
@@ -35761,19 +35809,7 @@
                 <a:cs typeface="Arial" charset="0"/>
                 <a:sym typeface="Cabin"/>
               </a:rPr>
-              <a:t>print</a:t>
-            </a:r>
-            <a:r>
-              <a:rPr lang="en-US" sz="3500" u="none" strike="noStrike" cap="none" dirty="0" smtClean="0">
-                <a:solidFill>
-                  <a:schemeClr val="lt1"/>
-                </a:solidFill>
-                <a:latin typeface="Arial" charset="0"/>
-                <a:ea typeface="Arial" charset="0"/>
-                <a:cs typeface="Arial" charset="0"/>
-                <a:sym typeface="Cabin"/>
-              </a:rPr>
-              <a:t>('Is </a:t>
+              <a:t>print('Is </a:t>
             </a:r>
             <a:r>
               <a:rPr lang="en-US" sz="3500" dirty="0" smtClean="0">
@@ -35887,7 +35923,7 @@
   <p:timing>
     <p:tnLst>
       <p:par>
-        <p:cTn xmlns:p14="http://schemas.microsoft.com/office/powerpoint/2010/main" id="1" dur="indefinite" restart="never" nodeType="tmRoot"/>
+        <p:cTn id="1" dur="indefinite" restart="never" nodeType="tmRoot"/>
       </p:par>
     </p:tnLst>
   </p:timing>
@@ -36473,7 +36509,7 @@
   <p:timing>
     <p:tnLst>
       <p:par>
-        <p:cTn xmlns:p14="http://schemas.microsoft.com/office/powerpoint/2010/main" id="1" dur="indefinite" restart="never" nodeType="tmRoot"/>
+        <p:cTn id="1" dur="indefinite" restart="never" nodeType="tmRoot"/>
       </p:par>
     </p:tnLst>
   </p:timing>
@@ -37107,7 +37143,7 @@
   <p:timing>
     <p:tnLst>
       <p:par>
-        <p:cTn xmlns:p14="http://schemas.microsoft.com/office/powerpoint/2010/main" id="1" dur="indefinite" restart="never" nodeType="tmRoot"/>
+        <p:cTn id="1" dur="indefinite" restart="never" nodeType="tmRoot"/>
       </p:par>
     </p:tnLst>
   </p:timing>
@@ -37352,7 +37388,7 @@
   <p:timing>
     <p:tnLst>
       <p:par>
-        <p:cTn xmlns:p14="http://schemas.microsoft.com/office/powerpoint/2010/main" id="1" dur="indefinite" restart="never" nodeType="tmRoot"/>
+        <p:cTn id="1" dur="indefinite" restart="never" nodeType="tmRoot"/>
       </p:par>
     </p:tnLst>
   </p:timing>
@@ -37425,7 +37461,7 @@
               <a:buNone/>
             </a:pPr>
             <a:r>
-              <a:rPr lang="en-US" sz="3200" i="0" u="none" strike="noStrike" cap="none" dirty="0" smtClean="0">
+              <a:rPr lang="en-US" sz="3200" b="1" i="0" u="none" strike="noStrike" cap="none" dirty="0" smtClean="0">
                 <a:solidFill>
                   <a:schemeClr val="lt1"/>
                 </a:solidFill>
@@ -37437,7 +37473,7 @@
               <a:t> x </a:t>
             </a:r>
             <a:r>
-              <a:rPr lang="en-US" sz="3200" i="0" u="none" strike="noStrike" cap="none" dirty="0">
+              <a:rPr lang="en-US" sz="3200" b="1" i="0" u="none" strike="noStrike" cap="none" dirty="0">
                 <a:solidFill>
                   <a:schemeClr val="lt1"/>
                 </a:solidFill>
@@ -37468,7 +37504,7 @@
               <a:buNone/>
             </a:pPr>
             <a:r>
-              <a:rPr lang="en-US" sz="3200" i="0" u="none" strike="noStrike" cap="none" dirty="0" smtClean="0">
+              <a:rPr lang="en-US" sz="3200" b="1" i="0" u="none" strike="noStrike" cap="none" dirty="0" smtClean="0">
                 <a:solidFill>
                   <a:schemeClr val="lt1"/>
                 </a:solidFill>
@@ -37480,7 +37516,7 @@
               <a:t> if </a:t>
             </a:r>
             <a:r>
-              <a:rPr lang="en-US" sz="3200" i="0" u="none" strike="noStrike" cap="none" dirty="0">
+              <a:rPr lang="en-US" sz="3200" b="1" i="0" u="none" strike="noStrike" cap="none" dirty="0">
                 <a:solidFill>
                   <a:schemeClr val="lt1"/>
                 </a:solidFill>
@@ -37500,7 +37536,7 @@
               <a:buSzPct val="25000"/>
             </a:pPr>
             <a:r>
-              <a:rPr lang="en-US" sz="3200" i="0" u="none" strike="noStrike" cap="none" dirty="0">
+              <a:rPr lang="en-US" sz="3200" b="1" i="0" u="none" strike="noStrike" cap="none" dirty="0">
                 <a:solidFill>
                   <a:schemeClr val="lt1"/>
                 </a:solidFill>
@@ -37512,7 +37548,7 @@
               <a:t>    </a:t>
             </a:r>
             <a:r>
-              <a:rPr lang="en-US" sz="3200" i="0" u="none" strike="noStrike" cap="none" dirty="0" smtClean="0">
+              <a:rPr lang="en-US" sz="3200" b="1" i="0" u="none" strike="noStrike" cap="none" dirty="0" smtClean="0">
                 <a:solidFill>
                   <a:schemeClr val="lt1"/>
                 </a:solidFill>
@@ -37521,10 +37557,10 @@
                 <a:cs typeface="Courier New"/>
                 <a:sym typeface="Courier New"/>
               </a:rPr>
-              <a:t> print</a:t>
-            </a:r>
-            <a:r>
-              <a:rPr lang="en-US" sz="3200" i="0" u="none" strike="noStrike" cap="none" dirty="0" smtClean="0">
+              <a:t> print('Bigger </a:t>
+            </a:r>
+            <a:r>
+              <a:rPr lang="en-US" sz="3200" b="1" i="0" u="none" strike="noStrike" cap="none" dirty="0">
                 <a:solidFill>
                   <a:schemeClr val="lt1"/>
                 </a:solidFill>
@@ -37533,10 +37569,10 @@
                 <a:cs typeface="Courier New"/>
                 <a:sym typeface="Courier New"/>
               </a:rPr>
-              <a:t>('Bigger </a:t>
-            </a:r>
-            <a:r>
-              <a:rPr lang="en-US" sz="3200" i="0" u="none" strike="noStrike" cap="none" dirty="0">
+              <a:t>than </a:t>
+            </a:r>
+            <a:r>
+              <a:rPr lang="en-US" sz="3200" b="1" dirty="0">
                 <a:solidFill>
                   <a:schemeClr val="lt1"/>
                 </a:solidFill>
@@ -37545,21 +37581,9 @@
                 <a:cs typeface="Courier New"/>
                 <a:sym typeface="Courier New"/>
               </a:rPr>
-              <a:t>than </a:t>
-            </a:r>
-            <a:r>
-              <a:rPr lang="en-US" sz="3200" dirty="0">
-                <a:solidFill>
-                  <a:schemeClr val="lt1"/>
-                </a:solidFill>
-                <a:latin typeface="Courier New"/>
-                <a:ea typeface="Courier New"/>
-                <a:cs typeface="Courier New"/>
-                <a:sym typeface="Courier New"/>
-              </a:rPr>
               <a:t>2')</a:t>
             </a:r>
-            <a:endParaRPr lang="en-US" sz="3200" i="0" u="none" strike="noStrike" cap="none" dirty="0">
+            <a:endParaRPr lang="en-US" sz="3200" b="1" i="0" u="none" strike="noStrike" cap="none" dirty="0">
               <a:solidFill>
                 <a:schemeClr val="lt1"/>
               </a:solidFill>
@@ -37577,7 +37601,7 @@
               <a:buSzPct val="25000"/>
             </a:pPr>
             <a:r>
-              <a:rPr lang="en-US" sz="3200" i="0" u="none" strike="noStrike" cap="none" dirty="0">
+              <a:rPr lang="en-US" sz="3200" b="1" i="0" u="none" strike="noStrike" cap="none" dirty="0">
                 <a:solidFill>
                   <a:schemeClr val="lt1"/>
                 </a:solidFill>
@@ -37589,7 +37613,7 @@
               <a:t>    </a:t>
             </a:r>
             <a:r>
-              <a:rPr lang="en-US" sz="3200" i="0" u="none" strike="noStrike" cap="none" dirty="0" smtClean="0">
+              <a:rPr lang="en-US" sz="3200" b="1" i="0" u="none" strike="noStrike" cap="none" dirty="0" smtClean="0">
                 <a:solidFill>
                   <a:schemeClr val="lt1"/>
                 </a:solidFill>
@@ -37598,10 +37622,10 @@
                 <a:cs typeface="Courier New"/>
                 <a:sym typeface="Courier New"/>
               </a:rPr>
-              <a:t> print</a:t>
-            </a:r>
-            <a:r>
-              <a:rPr lang="en-US" sz="3200" i="0" u="none" strike="noStrike" cap="none" dirty="0" smtClean="0">
+              <a:t> print('Still </a:t>
+            </a:r>
+            <a:r>
+              <a:rPr lang="en-US" sz="3200" b="1" dirty="0">
                 <a:solidFill>
                   <a:schemeClr val="lt1"/>
                 </a:solidFill>
@@ -37610,21 +37634,9 @@
                 <a:cs typeface="Courier New"/>
                 <a:sym typeface="Courier New"/>
               </a:rPr>
-              <a:t>('Still </a:t>
-            </a:r>
-            <a:r>
-              <a:rPr lang="en-US" sz="3200" dirty="0">
-                <a:solidFill>
-                  <a:schemeClr val="lt1"/>
-                </a:solidFill>
-                <a:latin typeface="Courier New"/>
-                <a:ea typeface="Courier New"/>
-                <a:cs typeface="Courier New"/>
-                <a:sym typeface="Courier New"/>
-              </a:rPr>
               <a:t>bigger')</a:t>
             </a:r>
-            <a:endParaRPr lang="en-US" sz="3200" i="0" u="none" strike="noStrike" cap="none" dirty="0">
+            <a:endParaRPr lang="en-US" sz="3200" b="1" i="0" u="none" strike="noStrike" cap="none" dirty="0">
               <a:solidFill>
                 <a:schemeClr val="lt1"/>
               </a:solidFill>
@@ -37642,7 +37654,7 @@
               <a:buSzPct val="25000"/>
             </a:pPr>
             <a:r>
-              <a:rPr lang="en-US" sz="3200" i="0" u="none" strike="noStrike" cap="none" dirty="0" smtClean="0">
+              <a:rPr lang="en-US" sz="3200" b="1" i="0" u="none" strike="noStrike" cap="none" dirty="0" smtClean="0">
                 <a:solidFill>
                   <a:schemeClr val="lt1"/>
                 </a:solidFill>
@@ -37651,10 +37663,10 @@
                 <a:cs typeface="Courier New"/>
                 <a:sym typeface="Courier New"/>
               </a:rPr>
-              <a:t> print</a:t>
-            </a:r>
-            <a:r>
-              <a:rPr lang="en-US" sz="3200" i="0" u="none" strike="noStrike" cap="none" dirty="0" smtClean="0">
+              <a:t> print('Done </a:t>
+            </a:r>
+            <a:r>
+              <a:rPr lang="en-US" sz="3200" b="1" i="0" u="none" strike="noStrike" cap="none" dirty="0">
                 <a:solidFill>
                   <a:schemeClr val="lt1"/>
                 </a:solidFill>
@@ -37663,10 +37675,10 @@
                 <a:cs typeface="Courier New"/>
                 <a:sym typeface="Courier New"/>
               </a:rPr>
-              <a:t>('Done </a:t>
-            </a:r>
-            <a:r>
-              <a:rPr lang="en-US" sz="3200" i="0" u="none" strike="noStrike" cap="none" dirty="0">
+              <a:t>with </a:t>
+            </a:r>
+            <a:r>
+              <a:rPr lang="en-US" sz="3200" b="1" dirty="0">
                 <a:solidFill>
                   <a:schemeClr val="lt1"/>
                 </a:solidFill>
@@ -37675,21 +37687,9 @@
                 <a:cs typeface="Courier New"/>
                 <a:sym typeface="Courier New"/>
               </a:rPr>
-              <a:t>with </a:t>
-            </a:r>
-            <a:r>
-              <a:rPr lang="en-US" sz="3200" dirty="0">
-                <a:solidFill>
-                  <a:schemeClr val="lt1"/>
-                </a:solidFill>
-                <a:latin typeface="Courier New"/>
-                <a:ea typeface="Courier New"/>
-                <a:cs typeface="Courier New"/>
-                <a:sym typeface="Courier New"/>
-              </a:rPr>
               <a:t>2')</a:t>
             </a:r>
-            <a:endParaRPr lang="en-US" sz="3200" i="0" u="none" strike="noStrike" cap="none" dirty="0">
+            <a:endParaRPr lang="en-US" sz="3200" b="1" i="0" u="none" strike="noStrike" cap="none" dirty="0">
               <a:solidFill>
                 <a:schemeClr val="lt1"/>
               </a:solidFill>
@@ -37712,7 +37712,7 @@
               </a:spcAft>
               <a:buNone/>
             </a:pPr>
-            <a:endParaRPr sz="3200" i="0" u="none" strike="noStrike" cap="none" dirty="0">
+            <a:endParaRPr sz="3200" b="1" i="0" u="none" strike="noStrike" cap="none" dirty="0">
               <a:solidFill>
                 <a:schemeClr val="lt1"/>
               </a:solidFill>
@@ -37741,7 +37741,7 @@
               <a:buNone/>
             </a:pPr>
             <a:r>
-              <a:rPr lang="en-US" sz="3200" i="0" u="none" strike="noStrike" cap="none" dirty="0" smtClean="0">
+              <a:rPr lang="en-US" sz="3200" b="1" i="0" u="none" strike="noStrike" cap="none" dirty="0" smtClean="0">
                 <a:solidFill>
                   <a:schemeClr val="lt1"/>
                 </a:solidFill>
@@ -37753,7 +37753,7 @@
               <a:t> for </a:t>
             </a:r>
             <a:r>
-              <a:rPr lang="en-US" sz="3200" i="0" u="none" strike="noStrike" cap="none" dirty="0" err="1">
+              <a:rPr lang="en-US" sz="3200" b="1" i="0" u="none" strike="noStrike" cap="none" dirty="0" err="1">
                 <a:solidFill>
                   <a:schemeClr val="lt1"/>
                 </a:solidFill>
@@ -37765,7 +37765,7 @@
               <a:t>i</a:t>
             </a:r>
             <a:r>
-              <a:rPr lang="en-US" sz="3200" i="0" u="none" strike="noStrike" cap="none" dirty="0">
+              <a:rPr lang="en-US" sz="3200" b="1" i="0" u="none" strike="noStrike" cap="none" dirty="0">
                 <a:solidFill>
                   <a:schemeClr val="lt1"/>
                 </a:solidFill>
@@ -37796,7 +37796,7 @@
               <a:buNone/>
             </a:pPr>
             <a:r>
-              <a:rPr lang="en-US" sz="3200" i="0" u="none" strike="noStrike" cap="none" dirty="0">
+              <a:rPr lang="en-US" sz="3200" b="1" i="0" u="none" strike="noStrike" cap="none" dirty="0">
                 <a:solidFill>
                   <a:schemeClr val="lt1"/>
                 </a:solidFill>
@@ -37808,7 +37808,7 @@
               <a:t>    </a:t>
             </a:r>
             <a:r>
-              <a:rPr lang="en-US" sz="3200" i="0" u="none" strike="noStrike" cap="none" dirty="0" smtClean="0">
+              <a:rPr lang="en-US" sz="3200" b="1" i="0" u="none" strike="noStrike" cap="none" dirty="0" smtClean="0">
                 <a:solidFill>
                   <a:schemeClr val="lt1"/>
                 </a:solidFill>
@@ -37817,10 +37817,10 @@
                 <a:cs typeface="Courier New"/>
                 <a:sym typeface="Courier New"/>
               </a:rPr>
-              <a:t> print</a:t>
-            </a:r>
-            <a:r>
-              <a:rPr lang="en-US" sz="3200" i="0" u="none" strike="noStrike" cap="none" dirty="0" smtClean="0">
+              <a:t> print(</a:t>
+            </a:r>
+            <a:r>
+              <a:rPr lang="en-US" sz="3200" b="1" i="0" u="none" strike="noStrike" cap="none" dirty="0" err="1" smtClean="0">
                 <a:solidFill>
                   <a:schemeClr val="lt1"/>
                 </a:solidFill>
@@ -37829,10 +37829,10 @@
                 <a:cs typeface="Courier New"/>
                 <a:sym typeface="Courier New"/>
               </a:rPr>
-              <a:t>(</a:t>
-            </a:r>
-            <a:r>
-              <a:rPr lang="en-US" sz="3200" i="0" u="none" strike="noStrike" cap="none" dirty="0" err="1" smtClean="0">
+              <a:t>i</a:t>
+            </a:r>
+            <a:r>
+              <a:rPr lang="en-US" sz="3200" b="1" i="0" u="none" strike="noStrike" cap="none" dirty="0" smtClean="0">
                 <a:solidFill>
                   <a:schemeClr val="lt1"/>
                 </a:solidFill>
@@ -37841,21 +37841,9 @@
                 <a:cs typeface="Courier New"/>
                 <a:sym typeface="Courier New"/>
               </a:rPr>
-              <a:t>i</a:t>
-            </a:r>
-            <a:r>
-              <a:rPr lang="en-US" sz="3200" i="0" u="none" strike="noStrike" cap="none" dirty="0" smtClean="0">
-                <a:solidFill>
-                  <a:schemeClr val="lt1"/>
-                </a:solidFill>
-                <a:latin typeface="Courier New"/>
-                <a:ea typeface="Courier New"/>
-                <a:cs typeface="Courier New"/>
-                <a:sym typeface="Courier New"/>
-              </a:rPr>
               <a:t>)</a:t>
             </a:r>
-            <a:endParaRPr lang="en-US" sz="3200" i="0" u="none" strike="noStrike" cap="none" dirty="0">
+            <a:endParaRPr lang="en-US" sz="3200" b="1" i="0" u="none" strike="noStrike" cap="none" dirty="0">
               <a:solidFill>
                 <a:schemeClr val="lt1"/>
               </a:solidFill>
@@ -37884,7 +37872,7 @@
               <a:buNone/>
             </a:pPr>
             <a:r>
-              <a:rPr lang="en-US" sz="3200" i="0" u="none" strike="noStrike" cap="none" dirty="0">
+              <a:rPr lang="en-US" sz="3200" b="1" i="0" u="none" strike="noStrike" cap="none" dirty="0">
                 <a:solidFill>
                   <a:schemeClr val="lt1"/>
                 </a:solidFill>
@@ -37896,7 +37884,7 @@
               <a:t>    </a:t>
             </a:r>
             <a:r>
-              <a:rPr lang="en-US" sz="3200" i="0" u="none" strike="noStrike" cap="none" dirty="0" smtClean="0">
+              <a:rPr lang="en-US" sz="3200" b="1" i="0" u="none" strike="noStrike" cap="none" dirty="0" smtClean="0">
                 <a:solidFill>
                   <a:schemeClr val="lt1"/>
                 </a:solidFill>
@@ -37908,7 +37896,7 @@
               <a:t> if </a:t>
             </a:r>
             <a:r>
-              <a:rPr lang="en-US" sz="3200" i="0" u="none" strike="noStrike" cap="none" dirty="0" err="1">
+              <a:rPr lang="en-US" sz="3200" b="1" i="0" u="none" strike="noStrike" cap="none" dirty="0" err="1">
                 <a:solidFill>
                   <a:schemeClr val="lt1"/>
                 </a:solidFill>
@@ -37920,7 +37908,7 @@
               <a:t>i</a:t>
             </a:r>
             <a:r>
-              <a:rPr lang="en-US" sz="3200" i="0" u="none" strike="noStrike" cap="none" dirty="0">
+              <a:rPr lang="en-US" sz="3200" b="1" i="0" u="none" strike="noStrike" cap="none" dirty="0">
                 <a:solidFill>
                   <a:schemeClr val="lt1"/>
                 </a:solidFill>
@@ -37940,7 +37928,7 @@
               <a:buSzPct val="25000"/>
             </a:pPr>
             <a:r>
-              <a:rPr lang="en-US" sz="3200" i="0" u="none" strike="noStrike" cap="none" dirty="0">
+              <a:rPr lang="en-US" sz="3200" b="1" i="0" u="none" strike="noStrike" cap="none" dirty="0">
                 <a:solidFill>
                   <a:schemeClr val="lt1"/>
                 </a:solidFill>
@@ -37952,7 +37940,7 @@
               <a:t>       </a:t>
             </a:r>
             <a:r>
-              <a:rPr lang="en-US" sz="3200" i="0" u="none" strike="noStrike" cap="none" dirty="0" smtClean="0">
+              <a:rPr lang="en-US" sz="3200" b="1" i="0" u="none" strike="noStrike" cap="none" dirty="0" smtClean="0">
                 <a:solidFill>
                   <a:schemeClr val="lt1"/>
                 </a:solidFill>
@@ -37961,10 +37949,10 @@
                 <a:cs typeface="Courier New"/>
                 <a:sym typeface="Courier New"/>
               </a:rPr>
-              <a:t>  </a:t>
-            </a:r>
-            <a:r>
-              <a:rPr lang="en-US" sz="3200" i="0" u="none" strike="noStrike" cap="none" dirty="0" smtClean="0">
+              <a:t>  print('Bigger </a:t>
+            </a:r>
+            <a:r>
+              <a:rPr lang="en-US" sz="3200" b="1" i="0" u="none" strike="noStrike" cap="none" dirty="0">
                 <a:solidFill>
                   <a:schemeClr val="lt1"/>
                 </a:solidFill>
@@ -37973,10 +37961,10 @@
                 <a:cs typeface="Courier New"/>
                 <a:sym typeface="Courier New"/>
               </a:rPr>
-              <a:t>print('Bigger </a:t>
-            </a:r>
-            <a:r>
-              <a:rPr lang="en-US" sz="3200" i="0" u="none" strike="noStrike" cap="none" dirty="0">
+              <a:t>than </a:t>
+            </a:r>
+            <a:r>
+              <a:rPr lang="en-US" sz="3200" b="1" dirty="0">
                 <a:solidFill>
                   <a:schemeClr val="lt1"/>
                 </a:solidFill>
@@ -37985,21 +37973,9 @@
                 <a:cs typeface="Courier New"/>
                 <a:sym typeface="Courier New"/>
               </a:rPr>
-              <a:t>than </a:t>
-            </a:r>
-            <a:r>
-              <a:rPr lang="en-US" sz="3200" dirty="0">
-                <a:solidFill>
-                  <a:schemeClr val="lt1"/>
-                </a:solidFill>
-                <a:latin typeface="Courier New"/>
-                <a:ea typeface="Courier New"/>
-                <a:cs typeface="Courier New"/>
-                <a:sym typeface="Courier New"/>
-              </a:rPr>
               <a:t>2')</a:t>
             </a:r>
-            <a:endParaRPr lang="en-US" sz="3200" i="0" u="none" strike="noStrike" cap="none" dirty="0">
+            <a:endParaRPr lang="en-US" sz="3200" b="1" i="0" u="none" strike="noStrike" cap="none" dirty="0">
               <a:solidFill>
                 <a:schemeClr val="lt1"/>
               </a:solidFill>
@@ -38028,7 +38004,7 @@
               <a:buNone/>
             </a:pPr>
             <a:r>
-              <a:rPr lang="en-US" sz="3200" i="0" u="none" strike="noStrike" cap="none" dirty="0">
+              <a:rPr lang="en-US" sz="3200" b="1" i="0" u="none" strike="noStrike" cap="none" dirty="0">
                 <a:solidFill>
                   <a:schemeClr val="lt1"/>
                 </a:solidFill>
@@ -38040,7 +38016,7 @@
               <a:t>    </a:t>
             </a:r>
             <a:r>
-              <a:rPr lang="en-US" sz="3200" i="0" u="none" strike="noStrike" cap="none" dirty="0" smtClean="0">
+              <a:rPr lang="en-US" sz="3200" b="1" i="0" u="none" strike="noStrike" cap="none" dirty="0" smtClean="0">
                 <a:solidFill>
                   <a:schemeClr val="lt1"/>
                 </a:solidFill>
@@ -38049,10 +38025,10 @@
                 <a:cs typeface="Courier New"/>
                 <a:sym typeface="Courier New"/>
               </a:rPr>
-              <a:t> print</a:t>
-            </a:r>
-            <a:r>
-              <a:rPr lang="en-US" sz="3200" i="0" u="none" strike="noStrike" cap="none" dirty="0" smtClean="0">
+              <a:t> print('Done </a:t>
+            </a:r>
+            <a:r>
+              <a:rPr lang="en-US" sz="3200" b="1" i="0" u="none" strike="noStrike" cap="none" dirty="0">
                 <a:solidFill>
                   <a:schemeClr val="lt1"/>
                 </a:solidFill>
@@ -38061,10 +38037,10 @@
                 <a:cs typeface="Courier New"/>
                 <a:sym typeface="Courier New"/>
               </a:rPr>
-              <a:t>('Done </a:t>
-            </a:r>
-            <a:r>
-              <a:rPr lang="en-US" sz="3200" i="0" u="none" strike="noStrike" cap="none" dirty="0">
+              <a:t>with </a:t>
+            </a:r>
+            <a:r>
+              <a:rPr lang="en-US" sz="3200" b="1" i="0" u="none" strike="noStrike" cap="none" dirty="0" err="1">
                 <a:solidFill>
                   <a:schemeClr val="lt1"/>
                 </a:solidFill>
@@ -38073,10 +38049,10 @@
                 <a:cs typeface="Courier New"/>
                 <a:sym typeface="Courier New"/>
               </a:rPr>
-              <a:t>with </a:t>
-            </a:r>
-            <a:r>
-              <a:rPr lang="en-US" sz="3200" i="0" u="none" strike="noStrike" cap="none" dirty="0" err="1">
+              <a:t>i</a:t>
+            </a:r>
+            <a:r>
+              <a:rPr lang="en-US" sz="3200" b="1" i="0" u="none" strike="noStrike" cap="none" dirty="0">
                 <a:solidFill>
                   <a:schemeClr val="lt1"/>
                 </a:solidFill>
@@ -38085,10 +38061,22 @@
                 <a:cs typeface="Courier New"/>
                 <a:sym typeface="Courier New"/>
               </a:rPr>
+              <a:t>', </a:t>
+            </a:r>
+            <a:r>
+              <a:rPr lang="en-US" sz="3200" b="1" i="0" u="none" strike="noStrike" cap="none" dirty="0" err="1" smtClean="0">
+                <a:solidFill>
+                  <a:schemeClr val="lt1"/>
+                </a:solidFill>
+                <a:latin typeface="Courier New"/>
+                <a:ea typeface="Courier New"/>
+                <a:cs typeface="Courier New"/>
+                <a:sym typeface="Courier New"/>
+              </a:rPr>
               <a:t>i</a:t>
             </a:r>
             <a:r>
-              <a:rPr lang="en-US" sz="3200" i="0" u="none" strike="noStrike" cap="none" dirty="0">
+              <a:rPr lang="en-US" sz="3200" b="1" i="0" u="none" strike="noStrike" cap="none" dirty="0" smtClean="0">
                 <a:solidFill>
                   <a:schemeClr val="lt1"/>
                 </a:solidFill>
@@ -38097,33 +38085,9 @@
                 <a:cs typeface="Courier New"/>
                 <a:sym typeface="Courier New"/>
               </a:rPr>
-              <a:t>', </a:t>
-            </a:r>
-            <a:r>
-              <a:rPr lang="en-US" sz="3200" i="0" u="none" strike="noStrike" cap="none" dirty="0" err="1" smtClean="0">
-                <a:solidFill>
-                  <a:schemeClr val="lt1"/>
-                </a:solidFill>
-                <a:latin typeface="Courier New"/>
-                <a:ea typeface="Courier New"/>
-                <a:cs typeface="Courier New"/>
-                <a:sym typeface="Courier New"/>
-              </a:rPr>
-              <a:t>i</a:t>
-            </a:r>
-            <a:r>
-              <a:rPr lang="en-US" sz="3200" i="0" u="none" strike="noStrike" cap="none" dirty="0" smtClean="0">
-                <a:solidFill>
-                  <a:schemeClr val="lt1"/>
-                </a:solidFill>
-                <a:latin typeface="Courier New"/>
-                <a:ea typeface="Courier New"/>
-                <a:cs typeface="Courier New"/>
-                <a:sym typeface="Courier New"/>
-              </a:rPr>
               <a:t>)</a:t>
             </a:r>
-            <a:endParaRPr lang="en-US" sz="3200" i="0" u="none" strike="noStrike" cap="none" dirty="0">
+            <a:endParaRPr lang="en-US" sz="3200" b="1" i="0" u="none" strike="noStrike" cap="none" dirty="0">
               <a:solidFill>
                 <a:schemeClr val="lt1"/>
               </a:solidFill>
@@ -38152,7 +38116,7 @@
               <a:buNone/>
             </a:pPr>
             <a:r>
-              <a:rPr lang="en-US" sz="3200" dirty="0" smtClean="0">
+              <a:rPr lang="en-US" sz="3200" b="1" dirty="0" smtClean="0">
                 <a:solidFill>
                   <a:schemeClr val="lt1"/>
                 </a:solidFill>
@@ -38161,33 +38125,9 @@
                 <a:cs typeface="Courier New"/>
                 <a:sym typeface="Courier New"/>
               </a:rPr>
-              <a:t> print</a:t>
-            </a:r>
-            <a:r>
-              <a:rPr lang="en-US" sz="3200" dirty="0" smtClean="0">
-                <a:solidFill>
-                  <a:schemeClr val="lt1"/>
-                </a:solidFill>
-                <a:latin typeface="Courier New"/>
-                <a:ea typeface="Courier New"/>
-                <a:cs typeface="Courier New"/>
-                <a:sym typeface="Courier New"/>
-              </a:rPr>
-              <a:t>('All Done'</a:t>
-            </a:r>
-            <a:r>
-              <a:rPr lang="en-US" sz="3200" dirty="0" smtClean="0">
-                <a:solidFill>
-                  <a:schemeClr val="lt1"/>
-                </a:solidFill>
-                <a:latin typeface="Courier New"/>
-                <a:ea typeface="Courier New"/>
-                <a:cs typeface="Courier New"/>
-                <a:sym typeface="Courier New"/>
-              </a:rPr>
-              <a:t>) </a:t>
-            </a:r>
-            <a:endParaRPr lang="en-US" sz="3200" dirty="0">
+              <a:t> print('All Done') </a:t>
+            </a:r>
+            <a:endParaRPr lang="en-US" sz="3200" b="1" dirty="0">
               <a:solidFill>
                 <a:schemeClr val="lt1"/>
               </a:solidFill>
@@ -38675,7 +38615,7 @@
   <p:timing>
     <p:tnLst>
       <p:par>
-        <p:cTn xmlns:p14="http://schemas.microsoft.com/office/powerpoint/2010/main" id="1" dur="indefinite" restart="never" nodeType="tmRoot"/>
+        <p:cTn id="1" dur="indefinite" restart="never" nodeType="tmRoot"/>
       </p:par>
     </p:tnLst>
   </p:timing>

--- a/lectures3/Pythonlearn-03-Conditional.pptx
+++ b/lectures3/Pythonlearn-03-Conditional.pptx
@@ -19777,19 +19777,7 @@
                 <a:cs typeface="Courier" charset="0"/>
                 <a:sym typeface="Cabin"/>
               </a:rPr>
-              <a:t>rint</a:t>
-            </a:r>
-            <a:r>
-              <a:rPr lang="en-US" sz="2800" b="1" u="none" strike="noStrike" cap="none" dirty="0" smtClean="0">
-                <a:solidFill>
-                  <a:srgbClr val="FFFF00"/>
-                </a:solidFill>
-                <a:latin typeface="Courier" charset="0"/>
-                <a:ea typeface="Courier" charset="0"/>
-                <a:cs typeface="Courier" charset="0"/>
-                <a:sym typeface="Cabin"/>
-              </a:rPr>
-              <a:t>(</a:t>
+              <a:t>rint(</a:t>
             </a:r>
             <a:r>
               <a:rPr lang="en-US" sz="2800" b="1" u="none" strike="noStrike" cap="none" dirty="0" smtClean="0">
@@ -36679,7 +36667,19 @@
                 <a:cs typeface="Arial" charset="0"/>
                 <a:sym typeface="Cabin"/>
               </a:rPr>
-              <a:t>only used spaces for </a:t>
+              <a:t>automatically uses </a:t>
+            </a:r>
+            <a:r>
+              <a:rPr lang="en-US" sz="3200" dirty="0" smtClean="0">
+                <a:solidFill>
+                  <a:schemeClr val="lt1"/>
+                </a:solidFill>
+                <a:latin typeface="Arial" charset="0"/>
+                <a:ea typeface="Arial" charset="0"/>
+                <a:cs typeface="Arial" charset="0"/>
+                <a:sym typeface="Cabin"/>
+              </a:rPr>
+              <a:t>spaces for </a:t>
             </a:r>
             <a:r>
               <a:rPr lang="en-US" sz="3200" dirty="0">

--- a/lectures3/Pythonlearn-03-Conditional.pptx
+++ b/lectures3/Pythonlearn-03-Conditional.pptx
@@ -26166,7 +26166,7 @@
               <a:buNone/>
             </a:pPr>
             <a:r>
-              <a:rPr lang="en-US" sz="3000" i="0" u="none" strike="noStrike" cap="none" dirty="0" err="1" smtClean="0">
+              <a:rPr lang="en-US" sz="3000" b="1" i="0" u="none" strike="noStrike" cap="none" dirty="0" err="1" smtClean="0">
                 <a:solidFill>
                   <a:srgbClr val="FFFF00"/>
                 </a:solidFill>
@@ -26178,7 +26178,7 @@
               <a:t>astr</a:t>
             </a:r>
             <a:r>
-              <a:rPr lang="en-US" sz="3000" i="0" u="none" strike="noStrike" cap="none" dirty="0" smtClean="0">
+              <a:rPr lang="en-US" sz="3000" b="1" i="0" u="none" strike="noStrike" cap="none" dirty="0" smtClean="0">
                 <a:solidFill>
                   <a:srgbClr val="FFFF00"/>
                 </a:solidFill>
@@ -26190,7 +26190,7 @@
               <a:t> </a:t>
             </a:r>
             <a:r>
-              <a:rPr lang="en-US" sz="3000" i="0" u="none" strike="noStrike" cap="none" dirty="0">
+              <a:rPr lang="en-US" sz="3000" b="1" i="0" u="none" strike="noStrike" cap="none" dirty="0">
                 <a:solidFill>
                   <a:srgbClr val="FFFF00"/>
                 </a:solidFill>
@@ -26221,7 +26221,7 @@
               <a:buNone/>
             </a:pPr>
             <a:r>
-              <a:rPr lang="en-US" sz="3000" i="0" u="none" strike="noStrike" cap="none" dirty="0">
+              <a:rPr lang="en-US" sz="3000" b="1" i="0" u="none" strike="noStrike" cap="none" dirty="0">
                 <a:solidFill>
                   <a:srgbClr val="FFFF00"/>
                 </a:solidFill>
@@ -26252,7 +26252,7 @@
               <a:buNone/>
             </a:pPr>
             <a:r>
-              <a:rPr lang="en-US" sz="3000" i="0" u="none" strike="noStrike" cap="none" dirty="0">
+              <a:rPr lang="en-US" sz="3000" b="1" i="0" u="none" strike="noStrike" cap="none" dirty="0">
                 <a:solidFill>
                   <a:srgbClr val="FFFF00"/>
                 </a:solidFill>
@@ -26264,7 +26264,7 @@
               <a:t>    </a:t>
             </a:r>
             <a:r>
-              <a:rPr lang="en-US" sz="3000" i="0" u="none" strike="noStrike" cap="none" dirty="0" err="1">
+              <a:rPr lang="en-US" sz="3000" b="1" i="0" u="none" strike="noStrike" cap="none" dirty="0" err="1">
                 <a:solidFill>
                   <a:srgbClr val="FF9900"/>
                 </a:solidFill>
@@ -26276,7 +26276,7 @@
               <a:t>istr</a:t>
             </a:r>
             <a:r>
-              <a:rPr lang="en-US" sz="3000" i="0" u="none" strike="noStrike" cap="none" dirty="0">
+              <a:rPr lang="en-US" sz="3000" b="1" i="0" u="none" strike="noStrike" cap="none" dirty="0">
                 <a:solidFill>
                   <a:srgbClr val="FF9900"/>
                 </a:solidFill>
@@ -26288,7 +26288,7 @@
               <a:t> = </a:t>
             </a:r>
             <a:r>
-              <a:rPr lang="en-US" sz="3000" i="0" u="none" strike="noStrike" cap="none" dirty="0" err="1">
+              <a:rPr lang="en-US" sz="3000" b="1" i="0" u="none" strike="noStrike" cap="none" dirty="0" err="1">
                 <a:solidFill>
                   <a:srgbClr val="FF9900"/>
                 </a:solidFill>
@@ -26300,7 +26300,7 @@
               <a:t>int</a:t>
             </a:r>
             <a:r>
-              <a:rPr lang="en-US" sz="3000" i="0" u="none" strike="noStrike" cap="none" dirty="0">
+              <a:rPr lang="en-US" sz="3000" b="1" i="0" u="none" strike="noStrike" cap="none" dirty="0">
                 <a:solidFill>
                   <a:srgbClr val="FF9900"/>
                 </a:solidFill>
@@ -26312,7 +26312,7 @@
               <a:t>(</a:t>
             </a:r>
             <a:r>
-              <a:rPr lang="en-US" sz="3000" i="0" u="none" strike="noStrike" cap="none" dirty="0" err="1">
+              <a:rPr lang="en-US" sz="3000" b="1" i="0" u="none" strike="noStrike" cap="none" dirty="0" err="1">
                 <a:solidFill>
                   <a:srgbClr val="FF9900"/>
                 </a:solidFill>
@@ -26324,7 +26324,7 @@
               <a:t>astr</a:t>
             </a:r>
             <a:r>
-              <a:rPr lang="en-US" sz="3000" i="0" u="none" strike="noStrike" cap="none" dirty="0">
+              <a:rPr lang="en-US" sz="3000" b="1" i="0" u="none" strike="noStrike" cap="none" dirty="0">
                 <a:solidFill>
                   <a:srgbClr val="FF9900"/>
                 </a:solidFill>
@@ -26355,7 +26355,7 @@
               <a:buNone/>
             </a:pPr>
             <a:r>
-              <a:rPr lang="en-US" sz="3000" i="0" u="none" strike="noStrike" cap="none" dirty="0">
+              <a:rPr lang="en-US" sz="3000" b="1" i="0" u="none" strike="noStrike" cap="none" dirty="0">
                 <a:solidFill>
                   <a:srgbClr val="FFFF00"/>
                 </a:solidFill>
@@ -26386,7 +26386,7 @@
               <a:buNone/>
             </a:pPr>
             <a:r>
-              <a:rPr lang="en-US" sz="3000" i="0" u="none" strike="noStrike" cap="none" dirty="0">
+              <a:rPr lang="en-US" sz="3000" b="1" i="0" u="none" strike="noStrike" cap="none" dirty="0">
                 <a:solidFill>
                   <a:srgbClr val="FFFF00"/>
                 </a:solidFill>
@@ -26398,7 +26398,7 @@
               <a:t>    </a:t>
             </a:r>
             <a:r>
-              <a:rPr lang="en-US" sz="3000" i="0" u="none" strike="noStrike" cap="none" dirty="0" err="1">
+              <a:rPr lang="en-US" sz="3000" b="1" i="0" u="none" strike="noStrike" cap="none" dirty="0" err="1">
                 <a:solidFill>
                   <a:srgbClr val="FFFF00"/>
                 </a:solidFill>
@@ -26410,7 +26410,7 @@
               <a:t>istr</a:t>
             </a:r>
             <a:r>
-              <a:rPr lang="en-US" sz="3000" i="0" u="none" strike="noStrike" cap="none" dirty="0">
+              <a:rPr lang="en-US" sz="3000" b="1" i="0" u="none" strike="noStrike" cap="none" dirty="0">
                 <a:solidFill>
                   <a:srgbClr val="FFFF00"/>
                 </a:solidFill>
@@ -26435,7 +26435,7 @@
               </a:spcAft>
               <a:buNone/>
             </a:pPr>
-            <a:endParaRPr sz="3000" i="0" u="none" strike="noStrike" cap="none" dirty="0">
+            <a:endParaRPr sz="3000" b="1" i="0" u="none" strike="noStrike" cap="none" dirty="0">
               <a:solidFill>
                 <a:srgbClr val="FFFF00"/>
               </a:solidFill>
@@ -26453,7 +26453,7 @@
               <a:buSzPct val="25000"/>
             </a:pPr>
             <a:r>
-              <a:rPr lang="en-US" sz="3000" i="0" u="none" strike="noStrike" cap="none" dirty="0" smtClean="0">
+              <a:rPr lang="en-US" sz="3000" b="1" i="0" u="none" strike="noStrike" cap="none" dirty="0" smtClean="0">
                 <a:solidFill>
                   <a:srgbClr val="FFFF00"/>
                 </a:solidFill>
@@ -26465,7 +26465,7 @@
               <a:t>print('First</a:t>
             </a:r>
             <a:r>
-              <a:rPr lang="en-US" sz="3000" i="0" u="none" strike="noStrike" cap="none" dirty="0">
+              <a:rPr lang="en-US" sz="3000" b="1" i="0" u="none" strike="noStrike" cap="none" dirty="0">
                 <a:solidFill>
                   <a:srgbClr val="FFFF00"/>
                 </a:solidFill>
@@ -26477,7 +26477,7 @@
               <a:t>', </a:t>
             </a:r>
             <a:r>
-              <a:rPr lang="en-US" sz="3000" dirty="0" err="1">
+              <a:rPr lang="en-US" sz="3000" b="1" dirty="0" err="1">
                 <a:solidFill>
                   <a:srgbClr val="FFFF00"/>
                 </a:solidFill>
@@ -26489,7 +26489,7 @@
               <a:t>istr</a:t>
             </a:r>
             <a:r>
-              <a:rPr lang="en-US" sz="3000" dirty="0">
+              <a:rPr lang="en-US" sz="3000" b="1" dirty="0">
                 <a:solidFill>
                   <a:srgbClr val="FFFF00"/>
                 </a:solidFill>
@@ -26500,7 +26500,7 @@
               </a:rPr>
               <a:t>)</a:t>
             </a:r>
-            <a:endParaRPr lang="en-US" sz="3000" i="0" u="none" strike="noStrike" cap="none" dirty="0">
+            <a:endParaRPr lang="en-US" sz="3000" b="1" i="0" u="none" strike="noStrike" cap="none" dirty="0">
               <a:solidFill>
                 <a:srgbClr val="FFFF00"/>
               </a:solidFill>
@@ -26523,7 +26523,7 @@
               </a:spcAft>
               <a:buNone/>
             </a:pPr>
-            <a:endParaRPr sz="3000" i="0" u="none" strike="noStrike" cap="none" dirty="0">
+            <a:endParaRPr sz="3000" b="1" i="0" u="none" strike="noStrike" cap="none" dirty="0">
               <a:solidFill>
                 <a:srgbClr val="FFFF00"/>
               </a:solidFill>
@@ -26552,7 +26552,7 @@
               <a:buNone/>
             </a:pPr>
             <a:r>
-              <a:rPr lang="en-US" sz="3000" i="0" u="none" strike="noStrike" cap="none" dirty="0" err="1">
+              <a:rPr lang="en-US" sz="3000" b="1" i="0" u="none" strike="noStrike" cap="none" dirty="0" err="1">
                 <a:solidFill>
                   <a:srgbClr val="FFFF00"/>
                 </a:solidFill>
@@ -26564,7 +26564,7 @@
               <a:t>astr</a:t>
             </a:r>
             <a:r>
-              <a:rPr lang="en-US" sz="3000" i="0" u="none" strike="noStrike" cap="none" dirty="0">
+              <a:rPr lang="en-US" sz="3000" b="1" i="0" u="none" strike="noStrike" cap="none" dirty="0">
                 <a:solidFill>
                   <a:srgbClr val="FFFF00"/>
                 </a:solidFill>
@@ -26595,7 +26595,7 @@
               <a:buNone/>
             </a:pPr>
             <a:r>
-              <a:rPr lang="en-US" sz="3000" i="0" u="none" strike="noStrike" cap="none" dirty="0">
+              <a:rPr lang="en-US" sz="3000" b="1" i="0" u="none" strike="noStrike" cap="none" dirty="0">
                 <a:solidFill>
                   <a:srgbClr val="FFFF00"/>
                 </a:solidFill>
@@ -26626,7 +26626,7 @@
               <a:buNone/>
             </a:pPr>
             <a:r>
-              <a:rPr lang="en-US" sz="3000" i="0" u="none" strike="noStrike" cap="none" dirty="0">
+              <a:rPr lang="en-US" sz="3000" b="1" i="0" u="none" strike="noStrike" cap="none" dirty="0">
                 <a:solidFill>
                   <a:srgbClr val="FFFF00"/>
                 </a:solidFill>
@@ -26638,7 +26638,7 @@
               <a:t>   </a:t>
             </a:r>
             <a:r>
-              <a:rPr lang="en-US" sz="3000" i="0" u="none" strike="noStrike" cap="none" dirty="0">
+              <a:rPr lang="en-US" sz="3000" b="1" i="0" u="none" strike="noStrike" cap="none" dirty="0">
                 <a:solidFill>
                   <a:srgbClr val="00FF00"/>
                 </a:solidFill>
@@ -26650,7 +26650,7 @@
               <a:t> </a:t>
             </a:r>
             <a:r>
-              <a:rPr lang="en-US" sz="3000" i="0" u="none" strike="noStrike" cap="none" dirty="0" err="1">
+              <a:rPr lang="en-US" sz="3000" b="1" i="0" u="none" strike="noStrike" cap="none" dirty="0" err="1">
                 <a:solidFill>
                   <a:srgbClr val="00FF00"/>
                 </a:solidFill>
@@ -26662,7 +26662,7 @@
               <a:t>istr</a:t>
             </a:r>
             <a:r>
-              <a:rPr lang="en-US" sz="3000" i="0" u="none" strike="noStrike" cap="none" dirty="0">
+              <a:rPr lang="en-US" sz="3000" b="1" i="0" u="none" strike="noStrike" cap="none" dirty="0">
                 <a:solidFill>
                   <a:srgbClr val="00FF00"/>
                 </a:solidFill>
@@ -26674,7 +26674,7 @@
               <a:t> = </a:t>
             </a:r>
             <a:r>
-              <a:rPr lang="en-US" sz="3000" i="0" u="none" strike="noStrike" cap="none" dirty="0" err="1">
+              <a:rPr lang="en-US" sz="3000" b="1" i="0" u="none" strike="noStrike" cap="none" dirty="0" err="1">
                 <a:solidFill>
                   <a:srgbClr val="00FF00"/>
                 </a:solidFill>
@@ -26686,7 +26686,7 @@
               <a:t>int</a:t>
             </a:r>
             <a:r>
-              <a:rPr lang="en-US" sz="3000" i="0" u="none" strike="noStrike" cap="none" dirty="0">
+              <a:rPr lang="en-US" sz="3000" b="1" i="0" u="none" strike="noStrike" cap="none" dirty="0">
                 <a:solidFill>
                   <a:srgbClr val="00FF00"/>
                 </a:solidFill>
@@ -26698,7 +26698,7 @@
               <a:t>(</a:t>
             </a:r>
             <a:r>
-              <a:rPr lang="en-US" sz="3000" i="0" u="none" strike="noStrike" cap="none" dirty="0" err="1">
+              <a:rPr lang="en-US" sz="3000" b="1" i="0" u="none" strike="noStrike" cap="none" dirty="0" err="1">
                 <a:solidFill>
                   <a:srgbClr val="00FF00"/>
                 </a:solidFill>
@@ -26710,7 +26710,7 @@
               <a:t>astr</a:t>
             </a:r>
             <a:r>
-              <a:rPr lang="en-US" sz="3000" i="0" u="none" strike="noStrike" cap="none" dirty="0">
+              <a:rPr lang="en-US" sz="3000" b="1" i="0" u="none" strike="noStrike" cap="none" dirty="0">
                 <a:solidFill>
                   <a:srgbClr val="00FF00"/>
                 </a:solidFill>
@@ -26741,7 +26741,7 @@
               <a:buNone/>
             </a:pPr>
             <a:r>
-              <a:rPr lang="en-US" sz="3000" i="0" u="none" strike="noStrike" cap="none" dirty="0">
+              <a:rPr lang="en-US" sz="3000" b="1" i="0" u="none" strike="noStrike" cap="none" dirty="0">
                 <a:solidFill>
                   <a:srgbClr val="FFFF00"/>
                 </a:solidFill>
@@ -26772,7 +26772,7 @@
               <a:buNone/>
             </a:pPr>
             <a:r>
-              <a:rPr lang="en-US" sz="3000" i="0" u="none" strike="noStrike" cap="none" dirty="0">
+              <a:rPr lang="en-US" sz="3000" b="1" i="0" u="none" strike="noStrike" cap="none" dirty="0">
                 <a:solidFill>
                   <a:srgbClr val="FFFF00"/>
                 </a:solidFill>
@@ -26784,7 +26784,7 @@
               <a:t>    </a:t>
             </a:r>
             <a:r>
-              <a:rPr lang="en-US" sz="3000" i="0" u="none" strike="noStrike" cap="none" dirty="0" err="1">
+              <a:rPr lang="en-US" sz="3000" b="1" i="0" u="none" strike="noStrike" cap="none" dirty="0" err="1">
                 <a:solidFill>
                   <a:srgbClr val="FFFF00"/>
                 </a:solidFill>
@@ -26796,7 +26796,7 @@
               <a:t>istr</a:t>
             </a:r>
             <a:r>
-              <a:rPr lang="en-US" sz="3000" i="0" u="none" strike="noStrike" cap="none" dirty="0">
+              <a:rPr lang="en-US" sz="3000" b="1" i="0" u="none" strike="noStrike" cap="none" dirty="0">
                 <a:solidFill>
                   <a:srgbClr val="FFFF00"/>
                 </a:solidFill>
@@ -26821,7 +26821,7 @@
               </a:spcAft>
               <a:buNone/>
             </a:pPr>
-            <a:endParaRPr sz="3000" i="0" u="none" strike="noStrike" cap="none" dirty="0">
+            <a:endParaRPr sz="3000" b="1" i="0" u="none" strike="noStrike" cap="none" dirty="0">
               <a:solidFill>
                 <a:srgbClr val="FFFF00"/>
               </a:solidFill>
@@ -26839,7 +26839,7 @@
               <a:buSzPct val="25000"/>
             </a:pPr>
             <a:r>
-              <a:rPr lang="en-US" sz="3000" i="0" u="none" strike="noStrike" cap="none" dirty="0" smtClean="0">
+              <a:rPr lang="en-US" sz="3000" b="1" i="0" u="none" strike="noStrike" cap="none" dirty="0" smtClean="0">
                 <a:solidFill>
                   <a:srgbClr val="FFFF00"/>
                 </a:solidFill>
@@ -26851,7 +26851,7 @@
               <a:t>print('Second</a:t>
             </a:r>
             <a:r>
-              <a:rPr lang="en-US" sz="3000" i="0" u="none" strike="noStrike" cap="none" dirty="0">
+              <a:rPr lang="en-US" sz="3000" b="1" i="0" u="none" strike="noStrike" cap="none" dirty="0">
                 <a:solidFill>
                   <a:srgbClr val="FFFF00"/>
                 </a:solidFill>
@@ -26863,7 +26863,7 @@
               <a:t>', </a:t>
             </a:r>
             <a:r>
-              <a:rPr lang="en-US" sz="3000" dirty="0" err="1">
+              <a:rPr lang="en-US" sz="3000" b="1" dirty="0" err="1">
                 <a:solidFill>
                   <a:srgbClr val="FFFF00"/>
                 </a:solidFill>
@@ -26875,7 +26875,7 @@
               <a:t>istr</a:t>
             </a:r>
             <a:r>
-              <a:rPr lang="en-US" sz="3000" dirty="0">
+              <a:rPr lang="en-US" sz="3000" b="1" dirty="0">
                 <a:solidFill>
                   <a:srgbClr val="FFFF00"/>
                 </a:solidFill>
@@ -26886,7 +26886,7 @@
               </a:rPr>
               <a:t>)</a:t>
             </a:r>
-            <a:endParaRPr lang="en-US" sz="3000" i="0" u="none" strike="noStrike" cap="none" dirty="0">
+            <a:endParaRPr lang="en-US" sz="3000" b="1" i="0" u="none" strike="noStrike" cap="none" dirty="0">
               <a:solidFill>
                 <a:srgbClr val="FFFF00"/>
               </a:solidFill>

--- a/lectures3/Pythonlearn-03-Conditional.pptx
+++ b/lectures3/Pythonlearn-03-Conditional.pptx
@@ -7815,6 +7815,18 @@
               <a:buNone/>
             </a:pPr>
             <a:r>
+              <a:rPr lang="en-US" sz="2600" u="none" strike="noStrike" cap="none" dirty="0" smtClean="0">
+                <a:solidFill>
+                  <a:schemeClr val="lt1"/>
+                </a:solidFill>
+                <a:latin typeface="Arial" charset="0"/>
+                <a:ea typeface="Arial" charset="0"/>
+                <a:cs typeface="Arial" charset="0"/>
+                <a:sym typeface="Cabin"/>
+              </a:rPr>
+              <a:t>print('All </a:t>
+            </a:r>
+            <a:r>
               <a:rPr lang="en-US" sz="2600" u="none" strike="noStrike" cap="none" dirty="0">
                 <a:solidFill>
                   <a:schemeClr val="lt1"/>
@@ -7824,8 +7836,29 @@
                 <a:cs typeface="Arial" charset="0"/>
                 <a:sym typeface="Cabin"/>
               </a:rPr>
-              <a:t>print 'All Done'</a:t>
-            </a:r>
+              <a:t>Done</a:t>
+            </a:r>
+            <a:r>
+              <a:rPr lang="en-US" sz="2600" u="none" strike="noStrike" cap="none" dirty="0" smtClean="0">
+                <a:solidFill>
+                  <a:schemeClr val="lt1"/>
+                </a:solidFill>
+                <a:latin typeface="Arial" charset="0"/>
+                <a:ea typeface="Arial" charset="0"/>
+                <a:cs typeface="Arial" charset="0"/>
+                <a:sym typeface="Cabin"/>
+              </a:rPr>
+              <a:t>')</a:t>
+            </a:r>
+            <a:endParaRPr lang="en-US" sz="2600" u="none" strike="noStrike" cap="none" dirty="0">
+              <a:solidFill>
+                <a:schemeClr val="lt1"/>
+              </a:solidFill>
+              <a:latin typeface="Arial" charset="0"/>
+              <a:ea typeface="Arial" charset="0"/>
+              <a:cs typeface="Arial" charset="0"/>
+              <a:sym typeface="Cabin"/>
+            </a:endParaRPr>
           </a:p>
         </p:txBody>
       </p:sp>
@@ -9244,6 +9277,18 @@
               <a:buNone/>
             </a:pPr>
             <a:r>
+              <a:rPr lang="en-US" sz="3300" u="none" strike="noStrike" cap="none" dirty="0" smtClean="0">
+                <a:solidFill>
+                  <a:schemeClr val="lt1"/>
+                </a:solidFill>
+                <a:latin typeface="Arial" charset="0"/>
+                <a:ea typeface="Arial" charset="0"/>
+                <a:cs typeface="Arial" charset="0"/>
+                <a:sym typeface="Cabin"/>
+              </a:rPr>
+              <a:t>print('All </a:t>
+            </a:r>
+            <a:r>
               <a:rPr lang="en-US" sz="3300" u="none" strike="noStrike" cap="none" dirty="0">
                 <a:solidFill>
                   <a:schemeClr val="lt1"/>
@@ -9253,8 +9298,29 @@
                 <a:cs typeface="Arial" charset="0"/>
                 <a:sym typeface="Cabin"/>
               </a:rPr>
-              <a:t>print 'All Done'</a:t>
-            </a:r>
+              <a:t>Done</a:t>
+            </a:r>
+            <a:r>
+              <a:rPr lang="en-US" sz="3300" u="none" strike="noStrike" cap="none" dirty="0" smtClean="0">
+                <a:solidFill>
+                  <a:schemeClr val="lt1"/>
+                </a:solidFill>
+                <a:latin typeface="Arial" charset="0"/>
+                <a:ea typeface="Arial" charset="0"/>
+                <a:cs typeface="Arial" charset="0"/>
+                <a:sym typeface="Cabin"/>
+              </a:rPr>
+              <a:t>')</a:t>
+            </a:r>
+            <a:endParaRPr lang="en-US" sz="3300" u="none" strike="noStrike" cap="none" dirty="0">
+              <a:solidFill>
+                <a:schemeClr val="lt1"/>
+              </a:solidFill>
+              <a:latin typeface="Arial" charset="0"/>
+              <a:ea typeface="Arial" charset="0"/>
+              <a:cs typeface="Arial" charset="0"/>
+              <a:sym typeface="Cabin"/>
+            </a:endParaRPr>
           </a:p>
         </p:txBody>
       </p:sp>
@@ -10113,6 +10179,18 @@
               <a:buNone/>
             </a:pPr>
             <a:r>
+              <a:rPr lang="en-US" sz="3300" u="none" strike="noStrike" cap="none" dirty="0" smtClean="0">
+                <a:solidFill>
+                  <a:schemeClr val="lt1"/>
+                </a:solidFill>
+                <a:latin typeface="Arial" charset="0"/>
+                <a:ea typeface="Arial" charset="0"/>
+                <a:cs typeface="Arial" charset="0"/>
+                <a:sym typeface="Cabin"/>
+              </a:rPr>
+              <a:t>print('All </a:t>
+            </a:r>
+            <a:r>
               <a:rPr lang="en-US" sz="3300" u="none" strike="noStrike" cap="none" dirty="0">
                 <a:solidFill>
                   <a:schemeClr val="lt1"/>
@@ -10122,8 +10200,29 @@
                 <a:cs typeface="Arial" charset="0"/>
                 <a:sym typeface="Cabin"/>
               </a:rPr>
-              <a:t>print 'All Done'</a:t>
-            </a:r>
+              <a:t>Done</a:t>
+            </a:r>
+            <a:r>
+              <a:rPr lang="en-US" sz="3300" u="none" strike="noStrike" cap="none" dirty="0" smtClean="0">
+                <a:solidFill>
+                  <a:schemeClr val="lt1"/>
+                </a:solidFill>
+                <a:latin typeface="Arial" charset="0"/>
+                <a:ea typeface="Arial" charset="0"/>
+                <a:cs typeface="Arial" charset="0"/>
+                <a:sym typeface="Cabin"/>
+              </a:rPr>
+              <a:t>')</a:t>
+            </a:r>
+            <a:endParaRPr lang="en-US" sz="3300" u="none" strike="noStrike" cap="none" dirty="0">
+              <a:solidFill>
+                <a:schemeClr val="lt1"/>
+              </a:solidFill>
+              <a:latin typeface="Arial" charset="0"/>
+              <a:ea typeface="Arial" charset="0"/>
+              <a:cs typeface="Arial" charset="0"/>
+              <a:sym typeface="Cabin"/>
+            </a:endParaRPr>
           </a:p>
         </p:txBody>
       </p:sp>
@@ -10417,6 +10516,18 @@
               <a:buNone/>
             </a:pPr>
             <a:r>
+              <a:rPr lang="en-US" sz="3000" b="1" i="0" u="none" strike="noStrike" cap="none" dirty="0" smtClean="0">
+                <a:solidFill>
+                  <a:srgbClr val="00FFFF"/>
+                </a:solidFill>
+                <a:latin typeface="Courier New"/>
+                <a:ea typeface="Courier New"/>
+                <a:cs typeface="Courier New"/>
+                <a:sym typeface="Courier New"/>
+              </a:rPr>
+              <a:t>print('All </a:t>
+            </a:r>
+            <a:r>
               <a:rPr lang="en-US" sz="3000" b="1" i="0" u="none" strike="noStrike" cap="none" dirty="0">
                 <a:solidFill>
                   <a:srgbClr val="00FFFF"/>
@@ -10426,8 +10537,29 @@
                 <a:cs typeface="Courier New"/>
                 <a:sym typeface="Courier New"/>
               </a:rPr>
-              <a:t>print 'All done'</a:t>
-            </a:r>
+              <a:t>done</a:t>
+            </a:r>
+            <a:r>
+              <a:rPr lang="en-US" sz="3000" b="1" i="0" u="none" strike="noStrike" cap="none" dirty="0" smtClean="0">
+                <a:solidFill>
+                  <a:srgbClr val="00FFFF"/>
+                </a:solidFill>
+                <a:latin typeface="Courier New"/>
+                <a:ea typeface="Courier New"/>
+                <a:cs typeface="Courier New"/>
+                <a:sym typeface="Courier New"/>
+              </a:rPr>
+              <a:t>')</a:t>
+            </a:r>
+            <a:endParaRPr lang="en-US" sz="3000" b="1" i="0" u="none" strike="noStrike" cap="none" dirty="0">
+              <a:solidFill>
+                <a:srgbClr val="00FFFF"/>
+              </a:solidFill>
+              <a:latin typeface="Courier New"/>
+              <a:ea typeface="Courier New"/>
+              <a:cs typeface="Courier New"/>
+              <a:sym typeface="Courier New"/>
+            </a:endParaRPr>
           </a:p>
         </p:txBody>
       </p:sp>
@@ -11302,6 +11434,18 @@
               <a:buNone/>
             </a:pPr>
             <a:r>
+              <a:rPr lang="en-US" sz="3300" u="none" strike="noStrike" cap="none" dirty="0" smtClean="0">
+                <a:solidFill>
+                  <a:schemeClr val="lt1"/>
+                </a:solidFill>
+                <a:latin typeface="Arial" charset="0"/>
+                <a:ea typeface="Arial" charset="0"/>
+                <a:cs typeface="Arial" charset="0"/>
+                <a:sym typeface="Cabin"/>
+              </a:rPr>
+              <a:t>print('All </a:t>
+            </a:r>
+            <a:r>
               <a:rPr lang="en-US" sz="3300" u="none" strike="noStrike" cap="none" dirty="0">
                 <a:solidFill>
                   <a:schemeClr val="lt1"/>
@@ -11311,8 +11455,29 @@
                 <a:cs typeface="Arial" charset="0"/>
                 <a:sym typeface="Cabin"/>
               </a:rPr>
-              <a:t>print 'All Done'</a:t>
-            </a:r>
+              <a:t>Done</a:t>
+            </a:r>
+            <a:r>
+              <a:rPr lang="en-US" sz="3300" u="none" strike="noStrike" cap="none" dirty="0" smtClean="0">
+                <a:solidFill>
+                  <a:schemeClr val="lt1"/>
+                </a:solidFill>
+                <a:latin typeface="Arial" charset="0"/>
+                <a:ea typeface="Arial" charset="0"/>
+                <a:cs typeface="Arial" charset="0"/>
+                <a:sym typeface="Cabin"/>
+              </a:rPr>
+              <a:t>')</a:t>
+            </a:r>
+            <a:endParaRPr lang="en-US" sz="3300" u="none" strike="noStrike" cap="none" dirty="0">
+              <a:solidFill>
+                <a:schemeClr val="lt1"/>
+              </a:solidFill>
+              <a:latin typeface="Arial" charset="0"/>
+              <a:ea typeface="Arial" charset="0"/>
+              <a:cs typeface="Arial" charset="0"/>
+              <a:sym typeface="Cabin"/>
+            </a:endParaRPr>
           </a:p>
         </p:txBody>
       </p:sp>
@@ -11606,6 +11771,18 @@
               <a:buNone/>
             </a:pPr>
             <a:r>
+              <a:rPr lang="en-US" sz="3000" b="1" i="0" u="none" strike="noStrike" cap="none" dirty="0" smtClean="0">
+                <a:solidFill>
+                  <a:srgbClr val="00FFFF"/>
+                </a:solidFill>
+                <a:latin typeface="Courier New"/>
+                <a:ea typeface="Courier New"/>
+                <a:cs typeface="Courier New"/>
+                <a:sym typeface="Courier New"/>
+              </a:rPr>
+              <a:t>print('All </a:t>
+            </a:r>
+            <a:r>
               <a:rPr lang="en-US" sz="3000" b="1" i="0" u="none" strike="noStrike" cap="none" dirty="0">
                 <a:solidFill>
                   <a:srgbClr val="00FFFF"/>
@@ -11615,8 +11792,29 @@
                 <a:cs typeface="Courier New"/>
                 <a:sym typeface="Courier New"/>
               </a:rPr>
-              <a:t>print 'All done'</a:t>
-            </a:r>
+              <a:t>done</a:t>
+            </a:r>
+            <a:r>
+              <a:rPr lang="en-US" sz="3000" b="1" i="0" u="none" strike="noStrike" cap="none" dirty="0" smtClean="0">
+                <a:solidFill>
+                  <a:srgbClr val="00FFFF"/>
+                </a:solidFill>
+                <a:latin typeface="Courier New"/>
+                <a:ea typeface="Courier New"/>
+                <a:cs typeface="Courier New"/>
+                <a:sym typeface="Courier New"/>
+              </a:rPr>
+              <a:t>')</a:t>
+            </a:r>
+            <a:endParaRPr lang="en-US" sz="3000" b="1" i="0" u="none" strike="noStrike" cap="none" dirty="0">
+              <a:solidFill>
+                <a:srgbClr val="00FFFF"/>
+              </a:solidFill>
+              <a:latin typeface="Courier New"/>
+              <a:ea typeface="Courier New"/>
+              <a:cs typeface="Courier New"/>
+              <a:sym typeface="Courier New"/>
+            </a:endParaRPr>
           </a:p>
         </p:txBody>
       </p:sp>
@@ -20311,6 +20509,18 @@
               <a:buNone/>
             </a:pPr>
             <a:r>
+              <a:rPr lang="en-US" sz="3000" b="1" i="0" u="none" strike="noStrike" cap="none" dirty="0" smtClean="0">
+                <a:solidFill>
+                  <a:srgbClr val="FF9900"/>
+                </a:solidFill>
+                <a:latin typeface="Courier New"/>
+                <a:ea typeface="Courier New"/>
+                <a:cs typeface="Courier New"/>
+                <a:sym typeface="Courier New"/>
+              </a:rPr>
+              <a:t>print('All </a:t>
+            </a:r>
+            <a:r>
               <a:rPr lang="en-US" sz="3000" b="1" i="0" u="none" strike="noStrike" cap="none" dirty="0">
                 <a:solidFill>
                   <a:srgbClr val="FF9900"/>
@@ -20320,8 +20530,29 @@
                 <a:cs typeface="Courier New"/>
                 <a:sym typeface="Courier New"/>
               </a:rPr>
-              <a:t>print 'All done'</a:t>
-            </a:r>
+              <a:t>done</a:t>
+            </a:r>
+            <a:r>
+              <a:rPr lang="en-US" sz="3000" b="1" i="0" u="none" strike="noStrike" cap="none" dirty="0" smtClean="0">
+                <a:solidFill>
+                  <a:srgbClr val="FF9900"/>
+                </a:solidFill>
+                <a:latin typeface="Courier New"/>
+                <a:ea typeface="Courier New"/>
+                <a:cs typeface="Courier New"/>
+                <a:sym typeface="Courier New"/>
+              </a:rPr>
+              <a:t>')</a:t>
+            </a:r>
+            <a:endParaRPr lang="en-US" sz="3000" b="1" i="0" u="none" strike="noStrike" cap="none" dirty="0">
+              <a:solidFill>
+                <a:srgbClr val="FF9900"/>
+              </a:solidFill>
+              <a:latin typeface="Courier New"/>
+              <a:ea typeface="Courier New"/>
+              <a:cs typeface="Courier New"/>
+              <a:sym typeface="Courier New"/>
+            </a:endParaRPr>
           </a:p>
         </p:txBody>
       </p:sp>
@@ -21759,7 +21990,7 @@
               <a:t>Which will never </a:t>
             </a:r>
             <a:r>
-              <a:rPr lang="en-US" sz="3600" u="none" strike="noStrike" cap="none" smtClean="0">
+              <a:rPr lang="en-US" sz="3600" u="none" strike="noStrike" cap="none" dirty="0" smtClean="0">
                 <a:solidFill>
                   <a:srgbClr val="00FF00"/>
                 </a:solidFill>

--- a/lectures3/Pythonlearn-03-Conditional.pptx
+++ b/lectures3/Pythonlearn-03-Conditional.pptx
@@ -27190,7 +27190,7 @@
               <a:t> </a:t>
             </a:r>
             <a:r>
-              <a:rPr lang="en-US" sz="3000" i="0" u="none" strike="noStrike" cap="none" dirty="0">
+              <a:rPr lang="en-US" sz="3000" b="1" i="0" u="none" strike="noStrike" cap="none" dirty="0">
                 <a:solidFill>
                   <a:schemeClr val="lt1"/>
                 </a:solidFill>
@@ -27202,7 +27202,7 @@
               <a:t>$ python </a:t>
             </a:r>
             <a:r>
-              <a:rPr lang="en-US" sz="3000" i="0" u="none" strike="noStrike" cap="none" dirty="0" err="1">
+              <a:rPr lang="en-US" sz="3000" b="1" i="0" u="none" strike="noStrike" cap="none" dirty="0" err="1">
                 <a:solidFill>
                   <a:schemeClr val="lt1"/>
                 </a:solidFill>
@@ -27214,7 +27214,7 @@
               <a:t>tryexcept.py</a:t>
             </a:r>
             <a:r>
-              <a:rPr lang="en-US" sz="3000" i="0" u="none" strike="noStrike" cap="none" dirty="0">
+              <a:rPr lang="en-US" sz="3000" b="1" i="0" u="none" strike="noStrike" cap="none" dirty="0">
                 <a:solidFill>
                   <a:schemeClr val="lt1"/>
                 </a:solidFill>
@@ -27245,7 +27245,7 @@
               <a:buNone/>
             </a:pPr>
             <a:r>
-              <a:rPr lang="en-US" sz="3000" dirty="0">
+              <a:rPr lang="en-US" sz="3000" b="1" dirty="0">
                 <a:solidFill>
                   <a:schemeClr val="lt1"/>
                 </a:solidFill>
@@ -27257,7 +27257,7 @@
               <a:t> </a:t>
             </a:r>
             <a:r>
-              <a:rPr lang="en-US" sz="3000" i="0" u="none" strike="noStrike" cap="none" dirty="0">
+              <a:rPr lang="en-US" sz="3000" b="1" i="0" u="none" strike="noStrike" cap="none" dirty="0">
                 <a:solidFill>
                   <a:schemeClr val="lt1"/>
                 </a:solidFill>
@@ -27288,7 +27288,7 @@
               <a:buNone/>
             </a:pPr>
             <a:r>
-              <a:rPr lang="en-US" sz="3000" dirty="0">
+              <a:rPr lang="en-US" sz="3000" b="1" dirty="0">
                 <a:solidFill>
                   <a:schemeClr val="lt1"/>
                 </a:solidFill>
@@ -27300,7 +27300,7 @@
               <a:t> </a:t>
             </a:r>
             <a:r>
-              <a:rPr lang="en-US" sz="3000" i="0" u="none" strike="noStrike" cap="none" dirty="0">
+              <a:rPr lang="en-US" sz="3000" b="1" i="0" u="none" strike="noStrike" cap="none" dirty="0">
                 <a:solidFill>
                   <a:schemeClr val="lt1"/>
                 </a:solidFill>

--- a/lectures3/Pythonlearn-03-Conditional.pptx
+++ b/lectures3/Pythonlearn-03-Conditional.pptx
@@ -248,7 +248,7 @@
   </p:defaultTextStyle>
   <p:extLst>
     <p:ext uri="{EFAFB233-063F-42B5-8137-9DF3F51BA10A}">
-      <p15:sldGuideLst xmlns="" xmlns:p15="http://schemas.microsoft.com/office/powerpoint/2012/main">
+      <p15:sldGuideLst xmlns:p15="http://schemas.microsoft.com/office/powerpoint/2012/main" xmlns="">
         <p15:guide id="1" orient="horz" pos="2880">
           <p15:clr>
             <a:srgbClr val="A4A3A4"/>
@@ -5780,7 +5780,7 @@
             <a:r>
               <a:rPr lang="en-US" sz="7600" u="none" strike="noStrike" cap="none" dirty="0">
                 <a:solidFill>
-                  <a:srgbClr val="FFFF00"/>
+                  <a:srgbClr val="FFD966"/>
                 </a:solidFill>
                 <a:latin typeface="Arial" charset="0"/>
                 <a:ea typeface="Arial" charset="0"/>
@@ -6907,8 +6907,8 @@
         </p:nvSpPr>
         <p:spPr>
           <a:xfrm>
-            <a:off x="2417350" y="524656"/>
-            <a:ext cx="12405000" cy="1494744"/>
+            <a:off x="2147475" y="524656"/>
+            <a:ext cx="12044775" cy="1494744"/>
           </a:xfrm>
           <a:prstGeom prst="rect">
             <a:avLst/>
@@ -6942,16 +6942,16 @@
               <a:buNone/>
             </a:pPr>
             <a:r>
-              <a:rPr lang="en-US" sz="6000" dirty="0">
-                <a:solidFill>
-                  <a:srgbClr val="FFFF00"/>
-                </a:solidFill>
-                <a:latin typeface="Arial" charset="0"/>
-                <a:ea typeface="Arial" charset="0"/>
-                <a:cs typeface="Arial" charset="0"/>
-                <a:sym typeface="Cabin"/>
-              </a:rPr>
-              <a:t>Think about begin/end blocks</a:t>
+              <a:rPr lang="en-US" sz="6600" dirty="0">
+                <a:solidFill>
+                  <a:srgbClr val="FFD966"/>
+                </a:solidFill>
+                <a:latin typeface="Arial" charset="0"/>
+                <a:ea typeface="Arial" charset="0"/>
+                <a:cs typeface="Arial" charset="0"/>
+                <a:sym typeface="Cabin"/>
+              </a:rPr>
+              <a:t>Think About begin/end Blocks</a:t>
             </a:r>
           </a:p>
           <a:p>
@@ -7387,7 +7387,7 @@
             <a:r>
               <a:rPr lang="en-US" sz="6600" u="none" strike="noStrike" cap="none" dirty="0">
                 <a:solidFill>
-                  <a:srgbClr val="FFFF00"/>
+                  <a:srgbClr val="FFD966"/>
                 </a:solidFill>
                 <a:latin typeface="Arial" charset="0"/>
                 <a:ea typeface="Arial" charset="0"/>
@@ -8361,7 +8361,7 @@
         <p:spPr>
           <a:xfrm>
             <a:off x="1155700" y="745588"/>
-            <a:ext cx="7758111" cy="1794312"/>
+            <a:ext cx="7758111" cy="1651537"/>
           </a:xfrm>
           <a:prstGeom prst="rect">
             <a:avLst/>
@@ -8397,7 +8397,7 @@
             <a:r>
               <a:rPr lang="en-US" sz="6600" u="none" strike="noStrike" cap="none" dirty="0">
                 <a:solidFill>
-                  <a:srgbClr val="FFFF00"/>
+                  <a:srgbClr val="FFD966"/>
                 </a:solidFill>
                 <a:latin typeface="Arial" charset="0"/>
                 <a:ea typeface="Arial" charset="0"/>
@@ -8409,7 +8409,7 @@
             <a:r>
               <a:rPr lang="en-US" sz="6600" dirty="0">
                 <a:solidFill>
-                  <a:srgbClr val="FFFF00"/>
+                  <a:srgbClr val="FFD966"/>
                 </a:solidFill>
                 <a:latin typeface="Arial" charset="0"/>
                 <a:ea typeface="Arial" charset="0"/>
@@ -8421,7 +8421,7 @@
             <a:r>
               <a:rPr lang="en-US" sz="6600" u="none" strike="noStrike" cap="none" dirty="0">
                 <a:solidFill>
-                  <a:srgbClr val="FFFF00"/>
+                  <a:srgbClr val="FFD966"/>
                 </a:solidFill>
                 <a:latin typeface="Arial" charset="0"/>
                 <a:ea typeface="Arial" charset="0"/>
@@ -9357,7 +9357,7 @@
         </p:nvSpPr>
         <p:spPr>
           <a:xfrm>
-            <a:off x="1155700" y="745588"/>
+            <a:off x="1155700" y="1126051"/>
             <a:ext cx="7758111" cy="1794312"/>
           </a:xfrm>
           <a:prstGeom prst="rect">
@@ -9394,7 +9394,7 @@
             <a:r>
               <a:rPr lang="en-US" sz="6600" u="none" strike="noStrike" cap="none" dirty="0">
                 <a:solidFill>
-                  <a:srgbClr val="FFFF00"/>
+                  <a:srgbClr val="FFD966"/>
                 </a:solidFill>
                 <a:latin typeface="Arial" charset="0"/>
                 <a:ea typeface="Arial" charset="0"/>
@@ -9406,7 +9406,7 @@
             <a:r>
               <a:rPr lang="en-US" sz="6600" dirty="0">
                 <a:solidFill>
-                  <a:srgbClr val="FFFF00"/>
+                  <a:srgbClr val="FFD966"/>
                 </a:solidFill>
                 <a:latin typeface="Arial" charset="0"/>
                 <a:ea typeface="Arial" charset="0"/>
@@ -9418,7 +9418,7 @@
             <a:r>
               <a:rPr lang="en-US" sz="6600" u="none" strike="noStrike" cap="none" dirty="0">
                 <a:solidFill>
-                  <a:srgbClr val="FFFF00"/>
+                  <a:srgbClr val="FFD966"/>
                 </a:solidFill>
                 <a:latin typeface="Arial" charset="0"/>
                 <a:ea typeface="Arial" charset="0"/>
@@ -9430,7 +9430,7 @@
             <a:r>
               <a:rPr lang="en-US" sz="6600" u="none" strike="noStrike" cap="none" dirty="0" smtClean="0">
                 <a:solidFill>
-                  <a:srgbClr val="FFFF00"/>
+                  <a:srgbClr val="FFD966"/>
                 </a:solidFill>
                 <a:latin typeface="Arial" charset="0"/>
                 <a:ea typeface="Arial" charset="0"/>
@@ -9441,7 +9441,7 @@
             </a:r>
             <a:endParaRPr lang="en-US" sz="6600" u="none" strike="noStrike" cap="none" dirty="0">
               <a:solidFill>
-                <a:srgbClr val="FFFF00"/>
+                <a:srgbClr val="FFD966"/>
               </a:solidFill>
               <a:latin typeface="Arial" charset="0"/>
               <a:ea typeface="Arial" charset="0"/>
@@ -10685,7 +10685,7 @@
             <a:r>
               <a:rPr lang="en-US" sz="6600" u="none" strike="noStrike" cap="none" dirty="0" smtClean="0">
                 <a:solidFill>
-                  <a:srgbClr val="FFFF00"/>
+                  <a:srgbClr val="FFD966"/>
                 </a:solidFill>
                 <a:latin typeface="Arial" charset="0"/>
                 <a:ea typeface="Arial" charset="0"/>
@@ -10696,7 +10696,7 @@
             </a:r>
             <a:endParaRPr lang="en-US" sz="6600" u="none" strike="noStrike" cap="none" dirty="0">
               <a:solidFill>
-                <a:srgbClr val="FFFF00"/>
+                <a:srgbClr val="FFD966"/>
               </a:solidFill>
               <a:latin typeface="Arial" charset="0"/>
               <a:ea typeface="Arial" charset="0"/>
@@ -11911,24 +11911,24 @@
           <a:lstStyle/>
           <a:p>
             <a:r>
-              <a:rPr lang="en-US" sz="6000" dirty="0" smtClean="0">
-                <a:solidFill>
-                  <a:srgbClr val="FFFF00"/>
+              <a:rPr lang="en-US" sz="7200" dirty="0" smtClean="0">
+                <a:solidFill>
+                  <a:srgbClr val="FFD966"/>
                 </a:solidFill>
               </a:rPr>
               <a:t>More Conditional Structures</a:t>
             </a:r>
             <a:r>
-              <a:rPr lang="is-IS" sz="6000" dirty="0" smtClean="0">
-                <a:solidFill>
-                  <a:srgbClr val="FFFF00"/>
+              <a:rPr lang="is-IS" sz="7200" dirty="0" smtClean="0">
+                <a:solidFill>
+                  <a:srgbClr val="FFD966"/>
                 </a:solidFill>
               </a:rPr>
               <a:t>…</a:t>
             </a:r>
-            <a:endParaRPr lang="en-US" sz="6000" dirty="0">
+            <a:endParaRPr lang="en-US" sz="7200" dirty="0">
               <a:solidFill>
-                <a:srgbClr val="FFFF00"/>
+                <a:srgbClr val="FFD966"/>
               </a:solidFill>
             </a:endParaRPr>
           </a:p>
@@ -12020,7 +12020,7 @@
             <a:r>
               <a:rPr lang="en-US" sz="7600" u="none" strike="noStrike" cap="none" dirty="0">
                 <a:solidFill>
-                  <a:srgbClr val="FFFF00"/>
+                  <a:srgbClr val="FFD966"/>
                 </a:solidFill>
                 <a:latin typeface="Arial" charset="0"/>
                 <a:ea typeface="Arial" charset="0"/>
@@ -13590,7 +13590,7 @@
             <a:r>
               <a:rPr lang="en-US" sz="7600" u="none" strike="noStrike" cap="none" dirty="0">
                 <a:solidFill>
-                  <a:srgbClr val="FFFF00"/>
+                  <a:srgbClr val="FFD966"/>
                 </a:solidFill>
                 <a:latin typeface="Arial" charset="0"/>
                 <a:ea typeface="Arial" charset="0"/>
@@ -15207,7 +15207,7 @@
             <a:r>
               <a:rPr lang="en-US" sz="7600" u="none" strike="noStrike" cap="none" dirty="0">
                 <a:solidFill>
-                  <a:srgbClr val="FFFF00"/>
+                  <a:srgbClr val="FFD966"/>
                 </a:solidFill>
                 <a:latin typeface="Arial" charset="0"/>
                 <a:ea typeface="Arial" charset="0"/>
@@ -16855,7 +16855,7 @@
             <a:r>
               <a:rPr lang="en-US" sz="7600" u="none" strike="noStrike" cap="none" dirty="0">
                 <a:solidFill>
-                  <a:srgbClr val="FFFF00"/>
+                  <a:srgbClr val="FFD966"/>
                 </a:solidFill>
                 <a:latin typeface="Arial" charset="0"/>
                 <a:ea typeface="Arial" charset="0"/>
@@ -18491,7 +18491,7 @@
             <a:r>
               <a:rPr lang="en-US" sz="7600" u="none" strike="noStrike" cap="none" dirty="0">
                 <a:solidFill>
-                  <a:srgbClr val="FFFF00"/>
+                  <a:srgbClr val="FFD966"/>
                 </a:solidFill>
                 <a:latin typeface="Arial" charset="0"/>
                 <a:ea typeface="Arial" charset="0"/>
@@ -20256,7 +20256,7 @@
         </p:nvSpPr>
         <p:spPr>
           <a:xfrm>
-            <a:off x="1155700" y="745588"/>
+            <a:off x="1060450" y="745588"/>
             <a:ext cx="5934648" cy="1794312"/>
           </a:xfrm>
           <a:prstGeom prst="rect">
@@ -20293,7 +20293,7 @@
             <a:r>
               <a:rPr lang="en-US" sz="7600" u="none" strike="noStrike" cap="none" dirty="0">
                 <a:solidFill>
-                  <a:srgbClr val="FFFF00"/>
+                  <a:srgbClr val="FFD966"/>
                 </a:solidFill>
                 <a:latin typeface="Arial" charset="0"/>
                 <a:ea typeface="Arial" charset="0"/>
@@ -21257,6 +21257,10 @@
           </p:nvPr>
         </p:nvSpPr>
         <p:spPr>
+          <a:xfrm>
+            <a:off x="1155700" y="745588"/>
+            <a:ext cx="13211175" cy="1794312"/>
+          </a:xfrm>
           <a:prstGeom prst="rect">
             <a:avLst/>
           </a:prstGeom>
@@ -21291,7 +21295,7 @@
             <a:r>
               <a:rPr lang="en-US" sz="7600" u="none" strike="noStrike" cap="none" dirty="0">
                 <a:solidFill>
-                  <a:srgbClr val="FFFF00"/>
+                  <a:srgbClr val="FFD966"/>
                 </a:solidFill>
                 <a:latin typeface="Arial" charset="0"/>
                 <a:ea typeface="Arial" charset="0"/>
@@ -22194,7 +22198,7 @@
             <a:r>
               <a:rPr lang="en-US" sz="7600" u="none" strike="noStrike" cap="none" dirty="0">
                 <a:solidFill>
-                  <a:srgbClr val="FFFF00"/>
+                  <a:srgbClr val="FFD966"/>
                 </a:solidFill>
                 <a:latin typeface="Arial" charset="0"/>
                 <a:ea typeface="Arial" charset="0"/>
@@ -29145,7 +29149,7 @@
             <a:r>
               <a:rPr lang="en-US" sz="7600" u="none" strike="noStrike" cap="none" dirty="0">
                 <a:solidFill>
-                  <a:srgbClr val="FFFF00"/>
+                  <a:srgbClr val="FFD966"/>
                 </a:solidFill>
                 <a:latin typeface="Arial" charset="0"/>
                 <a:ea typeface="Arial" charset="0"/>
@@ -30148,7 +30152,7 @@
             <a:r>
               <a:rPr lang="en-US" sz="7600" u="none" strike="noStrike" cap="none" dirty="0">
                 <a:solidFill>
-                  <a:srgbClr val="FFFF00"/>
+                  <a:srgbClr val="FFD966"/>
                 </a:solidFill>
                 <a:latin typeface="Arial" charset="0"/>
                 <a:ea typeface="Arial" charset="0"/>
@@ -31794,7 +31798,7 @@
             <a:r>
               <a:rPr lang="en-US" sz="7600" u="none" strike="noStrike" cap="none" dirty="0">
                 <a:solidFill>
-                  <a:srgbClr val="FFFF00"/>
+                  <a:srgbClr val="FFD966"/>
                 </a:solidFill>
                 <a:latin typeface="Arial" charset="0"/>
                 <a:ea typeface="Arial" charset="0"/>
@@ -32345,7 +32349,7 @@
         </p:nvSpPr>
         <p:spPr>
           <a:xfrm>
-            <a:off x="734310" y="986900"/>
+            <a:off x="734310" y="828150"/>
             <a:ext cx="2068851" cy="660400"/>
           </a:xfrm>
           <a:prstGeom prst="rect">
@@ -33524,7 +33528,7 @@
             <a:r>
               <a:rPr lang="en-US" sz="7600" u="none" strike="noStrike" cap="none" dirty="0">
                 <a:solidFill>
-                  <a:srgbClr val="FFFF00"/>
+                  <a:srgbClr val="FFD966"/>
                 </a:solidFill>
                 <a:latin typeface="Arial" charset="0"/>
                 <a:ea typeface="Arial" charset="0"/>
@@ -34400,8 +34404,8 @@
         </p:nvSpPr>
         <p:spPr>
           <a:xfrm>
-            <a:off x="1155700" y="745588"/>
-            <a:ext cx="10296785" cy="1070512"/>
+            <a:off x="2028825" y="564876"/>
+            <a:ext cx="9515632" cy="1070512"/>
           </a:xfrm>
           <a:prstGeom prst="rect">
             <a:avLst/>
@@ -34435,9 +34439,9 @@
               <a:buNone/>
             </a:pPr>
             <a:r>
-              <a:rPr lang="en-US" sz="5400" u="none" strike="noStrike" cap="none" dirty="0">
-                <a:solidFill>
-                  <a:srgbClr val="FFFF00"/>
+              <a:rPr lang="en-US" sz="6600" u="none" strike="noStrike" cap="none" dirty="0">
+                <a:solidFill>
+                  <a:srgbClr val="FFD966"/>
                 </a:solidFill>
                 <a:latin typeface="Arial" charset="0"/>
                 <a:ea typeface="Arial" charset="0"/>
@@ -36318,6 +36322,10 @@
           </p:nvPr>
         </p:nvSpPr>
         <p:spPr>
+          <a:xfrm>
+            <a:off x="727075" y="745588"/>
+            <a:ext cx="13512800" cy="1794312"/>
+          </a:xfrm>
           <a:prstGeom prst="rect">
             <a:avLst/>
           </a:prstGeom>
@@ -36352,7 +36360,7 @@
             <a:r>
               <a:rPr lang="en-US" sz="7600" u="none" strike="noStrike" cap="none" dirty="0">
                 <a:solidFill>
-                  <a:srgbClr val="FFFF00"/>
+                  <a:srgbClr val="FFD966"/>
                 </a:solidFill>
                 <a:latin typeface="Arial" charset="0"/>
                 <a:ea typeface="Arial" charset="0"/>
@@ -36938,6 +36946,18 @@
             <a:r>
               <a:rPr lang="en-US" sz="7600" u="none" strike="noStrike" cap="none" dirty="0">
                 <a:solidFill>
+                  <a:srgbClr val="FFD966"/>
+                </a:solidFill>
+                <a:latin typeface="Arial" charset="0"/>
+                <a:ea typeface="Arial" charset="0"/>
+                <a:cs typeface="Arial" charset="0"/>
+                <a:sym typeface="Cabin"/>
+              </a:rPr>
+              <a:t>Warning:</a:t>
+            </a:r>
+            <a:r>
+              <a:rPr lang="en-US" sz="7600" u="none" strike="noStrike" cap="none" dirty="0">
+                <a:solidFill>
                   <a:srgbClr val="FFFF00"/>
                 </a:solidFill>
                 <a:latin typeface="Arial" charset="0"/>
@@ -36945,7 +36965,7 @@
                 <a:cs typeface="Arial" charset="0"/>
                 <a:sym typeface="Cabin"/>
               </a:rPr>
-              <a:t>Warning: </a:t>
+              <a:t> </a:t>
             </a:r>
             <a:r>
               <a:rPr lang="en-US" sz="7600" u="none" strike="noStrike" cap="none" dirty="0">
@@ -37732,7 +37752,7 @@
             <a:r>
               <a:rPr lang="en-US" sz="3600" u="none" strike="noStrike" cap="none" dirty="0">
                 <a:solidFill>
-                  <a:srgbClr val="FFFF00"/>
+                  <a:srgbClr val="FFD966"/>
                 </a:solidFill>
                 <a:latin typeface="Arial" charset="0"/>
                 <a:ea typeface="Arial" charset="0"/>

--- a/lectures3/Pythonlearn-03-Conditional.pptx
+++ b/lectures3/Pythonlearn-03-Conditional.pptx
@@ -248,7 +248,7 @@
   </p:defaultTextStyle>
   <p:extLst>
     <p:ext uri="{EFAFB233-063F-42B5-8137-9DF3F51BA10A}">
-      <p15:sldGuideLst xmlns:p15="http://schemas.microsoft.com/office/powerpoint/2012/main" xmlns="">
+      <p15:sldGuideLst xmlns:p15="http://schemas.microsoft.com/office/powerpoint/2012/main">
         <p15:guide id="1" orient="horz" pos="2880">
           <p15:clr>
             <a:srgbClr val="A4A3A4"/>
@@ -6045,7 +6045,7 @@
   <p:timing>
     <p:tnLst>
       <p:par>
-        <p:cTn xmlns:p14="http://schemas.microsoft.com/office/powerpoint/2010/main" id="1" dur="indefinite" restart="never" nodeType="tmRoot"/>
+        <p:cTn id="1" dur="indefinite" restart="never" nodeType="tmRoot"/>
       </p:par>
     </p:tnLst>
   </p:timing>
@@ -6992,7 +6992,7 @@
   <p:timing>
     <p:tnLst>
       <p:par>
-        <p:cTn xmlns:p14="http://schemas.microsoft.com/office/powerpoint/2010/main" id="1" dur="indefinite" restart="never" nodeType="tmRoot"/>
+        <p:cTn id="1" dur="indefinite" restart="never" nodeType="tmRoot"/>
       </p:par>
     </p:tnLst>
   </p:timing>
@@ -8324,7 +8324,7 @@
   <p:timing>
     <p:tnLst>
       <p:par>
-        <p:cTn xmlns:p14="http://schemas.microsoft.com/office/powerpoint/2010/main" id="1" dur="indefinite" restart="never" nodeType="tmRoot"/>
+        <p:cTn id="1" dur="indefinite" restart="never" nodeType="tmRoot"/>
       </p:par>
     </p:tnLst>
   </p:timing>
@@ -9321,7 +9321,7 @@
   <p:timing>
     <p:tnLst>
       <p:par>
-        <p:cTn xmlns:p14="http://schemas.microsoft.com/office/powerpoint/2010/main" id="1" dur="indefinite" restart="never" nodeType="tmRoot"/>
+        <p:cTn id="1" dur="indefinite" restart="never" nodeType="tmRoot"/>
       </p:par>
     </p:tnLst>
   </p:timing>
@@ -10565,7 +10565,7 @@
   <p:timing>
     <p:tnLst>
       <p:par>
-        <p:cTn xmlns:p14="http://schemas.microsoft.com/office/powerpoint/2010/main" id="1" dur="indefinite" restart="never" nodeType="tmRoot"/>
+        <p:cTn id="1" dur="indefinite" restart="never" nodeType="tmRoot"/>
       </p:par>
     </p:tnLst>
   </p:timing>
@@ -11871,7 +11871,7 @@
   <p:timing>
     <p:tnLst>
       <p:par>
-        <p:cTn xmlns:p14="http://schemas.microsoft.com/office/powerpoint/2010/main" id="1" dur="indefinite" restart="never" nodeType="tmRoot"/>
+        <p:cTn id="1" dur="indefinite" restart="never" nodeType="tmRoot"/>
       </p:par>
     </p:tnLst>
   </p:timing>
@@ -11947,7 +11947,7 @@
   <p:timing>
     <p:tnLst>
       <p:par>
-        <p:cTn xmlns:p14="http://schemas.microsoft.com/office/powerpoint/2010/main" id="1" dur="indefinite" restart="never" nodeType="tmRoot"/>
+        <p:cTn id="1" dur="indefinite" restart="never" nodeType="tmRoot"/>
       </p:par>
     </p:tnLst>
   </p:timing>
@@ -13517,7 +13517,7 @@
   <p:timing>
     <p:tnLst>
       <p:par>
-        <p:cTn xmlns:p14="http://schemas.microsoft.com/office/powerpoint/2010/main" id="1" dur="indefinite" restart="never" nodeType="tmRoot"/>
+        <p:cTn id="1" dur="indefinite" restart="never" nodeType="tmRoot"/>
       </p:par>
     </p:tnLst>
   </p:timing>
@@ -15134,7 +15134,7 @@
   <p:timing>
     <p:tnLst>
       <p:par>
-        <p:cTn xmlns:p14="http://schemas.microsoft.com/office/powerpoint/2010/main" id="1" dur="indefinite" restart="never" nodeType="tmRoot"/>
+        <p:cTn id="1" dur="indefinite" restart="never" nodeType="tmRoot"/>
       </p:par>
     </p:tnLst>
   </p:timing>
@@ -16782,7 +16782,7 @@
   <p:timing>
     <p:tnLst>
       <p:par>
-        <p:cTn xmlns:p14="http://schemas.microsoft.com/office/powerpoint/2010/main" id="1" dur="indefinite" restart="never" nodeType="tmRoot"/>
+        <p:cTn id="1" dur="indefinite" restart="never" nodeType="tmRoot"/>
       </p:par>
     </p:tnLst>
   </p:timing>
@@ -18418,7 +18418,7 @@
   <p:timing>
     <p:tnLst>
       <p:par>
-        <p:cTn xmlns:p14="http://schemas.microsoft.com/office/powerpoint/2010/main" id="1" dur="indefinite" restart="never" nodeType="tmRoot"/>
+        <p:cTn id="1" dur="indefinite" restart="never" nodeType="tmRoot"/>
       </p:par>
     </p:tnLst>
   </p:timing>
@@ -20220,7 +20220,7 @@
   <p:timing>
     <p:tnLst>
       <p:par>
-        <p:cTn xmlns:p14="http://schemas.microsoft.com/office/powerpoint/2010/main" id="1" dur="indefinite" restart="never" nodeType="tmRoot"/>
+        <p:cTn id="1" dur="indefinite" restart="never" nodeType="tmRoot"/>
       </p:par>
     </p:tnLst>
   </p:timing>
@@ -21222,7 +21222,7 @@
   <p:timing>
     <p:tnLst>
       <p:par>
-        <p:cTn xmlns:p14="http://schemas.microsoft.com/office/powerpoint/2010/main" id="1" dur="indefinite" restart="never" nodeType="tmRoot"/>
+        <p:cTn id="1" dur="indefinite" restart="never" nodeType="tmRoot"/>
       </p:par>
     </p:tnLst>
   </p:timing>
@@ -22129,7 +22129,7 @@
   <p:timing>
     <p:tnLst>
       <p:par>
-        <p:cTn xmlns:p14="http://schemas.microsoft.com/office/powerpoint/2010/main" id="1" dur="indefinite" restart="never" nodeType="tmRoot"/>
+        <p:cTn id="1" dur="indefinite" restart="never" nodeType="tmRoot"/>
       </p:par>
     </p:tnLst>
   </p:timing>
@@ -22473,7 +22473,7 @@
   <p:timing>
     <p:tnLst>
       <p:par>
-        <p:cTn xmlns:p14="http://schemas.microsoft.com/office/powerpoint/2010/main" id="1" dur="indefinite" restart="never" nodeType="tmRoot"/>
+        <p:cTn id="1" dur="indefinite" restart="never" nodeType="tmRoot"/>
       </p:par>
     </p:tnLst>
   </p:timing>
@@ -23436,7 +23436,7 @@
   <p:timing>
     <p:tnLst>
       <p:par>
-        <p:cTn xmlns:p14="http://schemas.microsoft.com/office/powerpoint/2010/main" id="1" dur="indefinite" restart="never" nodeType="tmRoot"/>
+        <p:cTn id="1" dur="indefinite" restart="never" nodeType="tmRoot"/>
       </p:par>
     </p:tnLst>
   </p:timing>
@@ -24550,7 +24550,7 @@
   <p:timing>
     <p:tnLst>
       <p:par>
-        <p:cTn xmlns:p14="http://schemas.microsoft.com/office/powerpoint/2010/main" id="1" dur="indefinite" restart="never" nodeType="tmRoot"/>
+        <p:cTn id="1" dur="indefinite" restart="never" nodeType="tmRoot"/>
       </p:par>
     </p:tnLst>
   </p:timing>
@@ -25470,7 +25470,7 @@
   <p:timing>
     <p:tnLst>
       <p:par>
-        <p:cTn xmlns:p14="http://schemas.microsoft.com/office/powerpoint/2010/main" id="1" dur="indefinite" restart="never" nodeType="tmRoot"/>
+        <p:cTn id="1" dur="indefinite" restart="never" nodeType="tmRoot"/>
       </p:par>
     </p:tnLst>
   </p:timing>
@@ -26442,7 +26442,7 @@
   <p:timing>
     <p:tnLst>
       <p:par>
-        <p:cTn xmlns:p14="http://schemas.microsoft.com/office/powerpoint/2010/main" id="1" dur="indefinite" restart="never" nodeType="tmRoot"/>
+        <p:cTn id="1" dur="indefinite" restart="never" nodeType="tmRoot"/>
       </p:par>
     </p:tnLst>
   </p:timing>
@@ -27700,7 +27700,7 @@
   <p:timing>
     <p:tnLst>
       <p:par>
-        <p:cTn xmlns:p14="http://schemas.microsoft.com/office/powerpoint/2010/main" id="1" dur="indefinite" restart="never" nodeType="tmRoot"/>
+        <p:cTn id="1" dur="indefinite" restart="never" nodeType="tmRoot"/>
       </p:par>
     </p:tnLst>
   </p:timing>
@@ -29080,7 +29080,7 @@
   <p:timing>
     <p:tnLst>
       <p:par>
-        <p:cTn xmlns:p14="http://schemas.microsoft.com/office/powerpoint/2010/main" id="1" dur="indefinite" restart="never" nodeType="tmRoot"/>
+        <p:cTn id="1" dur="indefinite" restart="never" nodeType="tmRoot"/>
       </p:par>
     </p:tnLst>
   </p:timing>
@@ -30083,7 +30083,7 @@
   <p:timing>
     <p:tnLst>
       <p:par>
-        <p:cTn xmlns:p14="http://schemas.microsoft.com/office/powerpoint/2010/main" id="1" dur="indefinite" restart="never" nodeType="tmRoot"/>
+        <p:cTn id="1" dur="indefinite" restart="never" nodeType="tmRoot"/>
       </p:par>
     </p:tnLst>
   </p:timing>
@@ -31725,7 +31725,7 @@
   <p:timing>
     <p:tnLst>
       <p:par>
-        <p:cTn xmlns:p14="http://schemas.microsoft.com/office/powerpoint/2010/main" id="1" dur="indefinite" restart="never" nodeType="tmRoot"/>
+        <p:cTn id="1" dur="indefinite" restart="never" nodeType="tmRoot"/>
       </p:par>
     </p:tnLst>
   </p:timing>
@@ -31889,8 +31889,41 @@
                 <a:cs typeface="Arial" charset="0"/>
                 <a:sym typeface="Cabin"/>
               </a:rPr>
-              <a:t>==   &lt;=   &gt;=   &gt;   &lt;   !   =</a:t>
-            </a:r>
+              <a:t>==   &lt;=   &gt;=   &gt;   </a:t>
+            </a:r>
+            <a:r>
+              <a:rPr lang="en-US" sz="3600" u="none" strike="noStrike" cap="none">
+                <a:solidFill>
+                  <a:srgbClr val="00FFFF"/>
+                </a:solidFill>
+                <a:latin typeface="Arial" charset="0"/>
+                <a:ea typeface="Arial" charset="0"/>
+                <a:cs typeface="Arial" charset="0"/>
+                <a:sym typeface="Cabin"/>
+              </a:rPr>
+              <a:t>&lt;   </a:t>
+            </a:r>
+            <a:r>
+              <a:rPr lang="en-US" sz="3600" u="none" strike="noStrike" cap="none" smtClean="0">
+                <a:solidFill>
+                  <a:srgbClr val="00FFFF"/>
+                </a:solidFill>
+                <a:latin typeface="Arial" charset="0"/>
+                <a:ea typeface="Arial" charset="0"/>
+                <a:cs typeface="Arial" charset="0"/>
+                <a:sym typeface="Cabin"/>
+              </a:rPr>
+              <a:t>!=</a:t>
+            </a:r>
+            <a:endParaRPr lang="en-US" sz="3600" u="none" strike="noStrike" cap="none" dirty="0">
+              <a:solidFill>
+                <a:srgbClr val="00FFFF"/>
+              </a:solidFill>
+              <a:latin typeface="Arial" charset="0"/>
+              <a:ea typeface="Arial" charset="0"/>
+              <a:cs typeface="Arial" charset="0"/>
+              <a:sym typeface="Cabin"/>
+            </a:endParaRPr>
           </a:p>
           <a:p>
             <a:pPr marL="685800" marR="0" lvl="0" indent="-437896" algn="l" rtl="0">
@@ -32321,6 +32354,13 @@
   <p:clrMapOvr>
     <a:masterClrMapping/>
   </p:clrMapOvr>
+  <p:timing>
+    <p:tnLst>
+      <p:par>
+        <p:cTn id="1" dur="indefinite" restart="never" nodeType="tmRoot"/>
+      </p:par>
+    </p:tnLst>
+  </p:timing>
 </p:sld>
 </file>
 
@@ -32713,7 +32753,7 @@
   <p:timing>
     <p:tnLst>
       <p:par>
-        <p:cTn xmlns:p14="http://schemas.microsoft.com/office/powerpoint/2010/main" id="1" dur="indefinite" restart="never" nodeType="tmRoot"/>
+        <p:cTn id="1" dur="indefinite" restart="never" nodeType="tmRoot"/>
       </p:par>
     </p:tnLst>
   </p:timing>
@@ -33136,7 +33176,7 @@
   <p:timing>
     <p:tnLst>
       <p:par>
-        <p:cTn xmlns:p14="http://schemas.microsoft.com/office/powerpoint/2010/main" id="1" dur="indefinite" restart="never" nodeType="tmRoot"/>
+        <p:cTn id="1" dur="indefinite" restart="never" nodeType="tmRoot"/>
       </p:par>
     </p:tnLst>
   </p:timing>
@@ -34368,7 +34408,7 @@
   <p:timing>
     <p:tnLst>
       <p:par>
-        <p:cTn xmlns:p14="http://schemas.microsoft.com/office/powerpoint/2010/main" id="1" dur="indefinite" restart="never" nodeType="tmRoot"/>
+        <p:cTn id="1" dur="indefinite" restart="never" nodeType="tmRoot"/>
       </p:par>
     </p:tnLst>
   </p:timing>
@@ -36287,7 +36327,7 @@
   <p:timing>
     <p:tnLst>
       <p:par>
-        <p:cTn xmlns:p14="http://schemas.microsoft.com/office/powerpoint/2010/main" id="1" dur="indefinite" restart="never" nodeType="tmRoot"/>
+        <p:cTn id="1" dur="indefinite" restart="never" nodeType="tmRoot"/>
       </p:par>
     </p:tnLst>
   </p:timing>
@@ -36877,7 +36917,7 @@
   <p:timing>
     <p:tnLst>
       <p:par>
-        <p:cTn xmlns:p14="http://schemas.microsoft.com/office/powerpoint/2010/main" id="1" dur="indefinite" restart="never" nodeType="tmRoot"/>
+        <p:cTn id="1" dur="indefinite" restart="never" nodeType="tmRoot"/>
       </p:par>
     </p:tnLst>
   </p:timing>
@@ -37527,7 +37567,7 @@
   <p:timing>
     <p:tnLst>
       <p:par>
-        <p:cTn xmlns:p14="http://schemas.microsoft.com/office/powerpoint/2010/main" id="1" dur="indefinite" restart="never" nodeType="tmRoot"/>
+        <p:cTn id="1" dur="indefinite" restart="never" nodeType="tmRoot"/>
       </p:par>
     </p:tnLst>
   </p:timing>
@@ -37772,7 +37812,7 @@
   <p:timing>
     <p:tnLst>
       <p:par>
-        <p:cTn xmlns:p14="http://schemas.microsoft.com/office/powerpoint/2010/main" id="1" dur="indefinite" restart="never" nodeType="tmRoot"/>
+        <p:cTn id="1" dur="indefinite" restart="never" nodeType="tmRoot"/>
       </p:par>
     </p:tnLst>
   </p:timing>
@@ -39011,7 +39051,7 @@
   <p:timing>
     <p:tnLst>
       <p:par>
-        <p:cTn xmlns:p14="http://schemas.microsoft.com/office/powerpoint/2010/main" id="1" dur="indefinite" restart="never" nodeType="tmRoot"/>
+        <p:cTn id="1" dur="indefinite" restart="never" nodeType="tmRoot"/>
       </p:par>
     </p:tnLst>
   </p:timing>
